--- a/presentazione/presentazione.pptx
+++ b/presentazione/presentazione.pptx
@@ -213,7 +213,7 @@
           <a:p>
             <a:fld id="{5C4A7340-FBF5-C94B-B474-FFA8E9146F91}" type="datetimeFigureOut">
               <a:rPr lang="en-GB" smtClean="0"/>
-              <a:t>13/10/2021</a:t>
+              <a:t>14/10/2021</a:t>
             </a:fld>
             <a:endParaRPr lang="en-GB"/>
           </a:p>
@@ -1805,7 +1805,7 @@
           <a:p>
             <a:fld id="{71FAFF6A-1FF6-574F-9D39-3AFB90F9E481}" type="datetimeFigureOut">
               <a:rPr lang="en-US" smtClean="0"/>
-              <a:t>10/13/21</a:t>
+              <a:t>10/14/21</a:t>
             </a:fld>
             <a:endParaRPr lang="en-US"/>
           </a:p>
@@ -2005,7 +2005,7 @@
           <a:p>
             <a:fld id="{71FAFF6A-1FF6-574F-9D39-3AFB90F9E481}" type="datetimeFigureOut">
               <a:rPr lang="en-US" smtClean="0"/>
-              <a:t>10/13/21</a:t>
+              <a:t>10/14/21</a:t>
             </a:fld>
             <a:endParaRPr lang="en-US"/>
           </a:p>
@@ -2215,7 +2215,7 @@
           <a:p>
             <a:fld id="{71FAFF6A-1FF6-574F-9D39-3AFB90F9E481}" type="datetimeFigureOut">
               <a:rPr lang="en-US" smtClean="0"/>
-              <a:t>10/13/21</a:t>
+              <a:t>10/14/21</a:t>
             </a:fld>
             <a:endParaRPr lang="en-US"/>
           </a:p>
@@ -2415,7 +2415,7 @@
           <a:p>
             <a:fld id="{71FAFF6A-1FF6-574F-9D39-3AFB90F9E481}" type="datetimeFigureOut">
               <a:rPr lang="en-US" smtClean="0"/>
-              <a:t>10/13/21</a:t>
+              <a:t>10/14/21</a:t>
             </a:fld>
             <a:endParaRPr lang="en-US"/>
           </a:p>
@@ -2691,7 +2691,7 @@
           <a:p>
             <a:fld id="{71FAFF6A-1FF6-574F-9D39-3AFB90F9E481}" type="datetimeFigureOut">
               <a:rPr lang="en-US" smtClean="0"/>
-              <a:t>10/13/21</a:t>
+              <a:t>10/14/21</a:t>
             </a:fld>
             <a:endParaRPr lang="en-US"/>
           </a:p>
@@ -2959,7 +2959,7 @@
           <a:p>
             <a:fld id="{71FAFF6A-1FF6-574F-9D39-3AFB90F9E481}" type="datetimeFigureOut">
               <a:rPr lang="en-US" smtClean="0"/>
-              <a:t>10/13/21</a:t>
+              <a:t>10/14/21</a:t>
             </a:fld>
             <a:endParaRPr lang="en-US"/>
           </a:p>
@@ -3374,7 +3374,7 @@
           <a:p>
             <a:fld id="{71FAFF6A-1FF6-574F-9D39-3AFB90F9E481}" type="datetimeFigureOut">
               <a:rPr lang="en-US" smtClean="0"/>
-              <a:t>10/13/21</a:t>
+              <a:t>10/14/21</a:t>
             </a:fld>
             <a:endParaRPr lang="en-US"/>
           </a:p>
@@ -3516,7 +3516,7 @@
           <a:p>
             <a:fld id="{71FAFF6A-1FF6-574F-9D39-3AFB90F9E481}" type="datetimeFigureOut">
               <a:rPr lang="en-US" smtClean="0"/>
-              <a:t>10/13/21</a:t>
+              <a:t>10/14/21</a:t>
             </a:fld>
             <a:endParaRPr lang="en-US"/>
           </a:p>
@@ -3629,7 +3629,7 @@
           <a:p>
             <a:fld id="{71FAFF6A-1FF6-574F-9D39-3AFB90F9E481}" type="datetimeFigureOut">
               <a:rPr lang="en-US" smtClean="0"/>
-              <a:t>10/13/21</a:t>
+              <a:t>10/14/21</a:t>
             </a:fld>
             <a:endParaRPr lang="en-US"/>
           </a:p>
@@ -3942,7 +3942,7 @@
           <a:p>
             <a:fld id="{71FAFF6A-1FF6-574F-9D39-3AFB90F9E481}" type="datetimeFigureOut">
               <a:rPr lang="en-US" smtClean="0"/>
-              <a:t>10/13/21</a:t>
+              <a:t>10/14/21</a:t>
             </a:fld>
             <a:endParaRPr lang="en-US"/>
           </a:p>
@@ -4231,7 +4231,7 @@
           <a:p>
             <a:fld id="{71FAFF6A-1FF6-574F-9D39-3AFB90F9E481}" type="datetimeFigureOut">
               <a:rPr lang="en-US" smtClean="0"/>
-              <a:t>10/13/21</a:t>
+              <a:t>10/14/21</a:t>
             </a:fld>
             <a:endParaRPr lang="en-US"/>
           </a:p>
@@ -4474,7 +4474,7 @@
           <a:p>
             <a:fld id="{71FAFF6A-1FF6-574F-9D39-3AFB90F9E481}" type="datetimeFigureOut">
               <a:rPr lang="en-US" smtClean="0"/>
-              <a:t>10/13/21</a:t>
+              <a:t>10/14/21</a:t>
             </a:fld>
             <a:endParaRPr lang="en-US"/>
           </a:p>
@@ -7992,16 +7992,15 @@
             </p:extLst>
           </p:nvPr>
         </p:nvPicPr>
-        <p:blipFill>
+        <p:blipFill rotWithShape="1">
           <a:blip r:embed="rId5"/>
-          <a:stretch>
-            <a:fillRect/>
-          </a:stretch>
+          <a:srcRect l="7902" t="8322" r="8496" b="13379"/>
+          <a:stretch/>
         </p:blipFill>
         <p:spPr>
           <a:xfrm>
-            <a:off x="4823078" y="643466"/>
-            <a:ext cx="6689176" cy="5568739"/>
+            <a:off x="4216526" y="250257"/>
+            <a:ext cx="7826100" cy="6101933"/>
           </a:xfrm>
           <a:prstGeom prst="rect">
             <a:avLst/>

--- a/presentazione/presentazione.pptx
+++ b/presentazione/presentazione.pptx
@@ -12,7 +12,7 @@
     <p:sldId id="257" r:id="rId3"/>
     <p:sldId id="267" r:id="rId4"/>
     <p:sldId id="268" r:id="rId5"/>
-    <p:sldId id="259" r:id="rId6"/>
+    <p:sldId id="276" r:id="rId6"/>
     <p:sldId id="260" r:id="rId7"/>
     <p:sldId id="270" r:id="rId8"/>
     <p:sldId id="269" r:id="rId9"/>
@@ -1280,7 +1280,32 @@
           <a:bodyPr/>
           <a:lstStyle/>
           <a:p>
-            <a:endParaRPr lang="en-GB" dirty="0"/>
+            <a:r>
+              <a:rPr lang="en-GB" dirty="0"/>
+              <a:t>About GPROF output and I/O</a:t>
+            </a:r>
+          </a:p>
+          <a:p>
+            <a:r>
+              <a:rPr lang="en-GB" dirty="0"/>
+              <a:t>https://</a:t>
+            </a:r>
+            <a:r>
+              <a:rPr lang="en-GB" dirty="0" err="1"/>
+              <a:t>stackoverflow.com</a:t>
+            </a:r>
+            <a:r>
+              <a:rPr lang="en-GB" dirty="0"/>
+              <a:t>/questions/485649/confusing-</a:t>
+            </a:r>
+            <a:r>
+              <a:rPr lang="en-GB" dirty="0" err="1"/>
+              <a:t>gprof</a:t>
+            </a:r>
+            <a:r>
+              <a:rPr lang="en-GB" dirty="0"/>
+              <a:t>-output</a:t>
+            </a:r>
           </a:p>
         </p:txBody>
       </p:sp>
@@ -1301,7 +1326,7 @@
           <a:p>
             <a:fld id="{A26EA17D-77D1-8E4E-9F7C-6370CAEEF1CF}" type="slidenum">
               <a:rPr lang="en-GB" smtClean="0"/>
-              <a:t>8</a:t>
+              <a:t>5</a:t>
             </a:fld>
             <a:endParaRPr lang="en-GB"/>
           </a:p>
@@ -1310,7 +1335,7 @@
     </p:spTree>
     <p:extLst>
       <p:ext uri="{BB962C8B-B14F-4D97-AF65-F5344CB8AC3E}">
-        <p14:creationId xmlns:p14="http://schemas.microsoft.com/office/powerpoint/2010/main" val="254739935"/>
+        <p14:creationId xmlns:p14="http://schemas.microsoft.com/office/powerpoint/2010/main" val="3209153554"/>
       </p:ext>
     </p:extLst>
   </p:cSld>
@@ -1385,7 +1410,7 @@
           <a:p>
             <a:fld id="{A26EA17D-77D1-8E4E-9F7C-6370CAEEF1CF}" type="slidenum">
               <a:rPr lang="en-GB" smtClean="0"/>
-              <a:t>9</a:t>
+              <a:t>8</a:t>
             </a:fld>
             <a:endParaRPr lang="en-GB"/>
           </a:p>
@@ -1394,7 +1419,7 @@
     </p:spTree>
     <p:extLst>
       <p:ext uri="{BB962C8B-B14F-4D97-AF65-F5344CB8AC3E}">
-        <p14:creationId xmlns:p14="http://schemas.microsoft.com/office/powerpoint/2010/main" val="3262814792"/>
+        <p14:creationId xmlns:p14="http://schemas.microsoft.com/office/powerpoint/2010/main" val="254739935"/>
       </p:ext>
     </p:extLst>
   </p:cSld>
@@ -1469,7 +1494,7 @@
           <a:p>
             <a:fld id="{A26EA17D-77D1-8E4E-9F7C-6370CAEEF1CF}" type="slidenum">
               <a:rPr lang="en-GB" smtClean="0"/>
-              <a:t>10</a:t>
+              <a:t>9</a:t>
             </a:fld>
             <a:endParaRPr lang="en-GB"/>
           </a:p>
@@ -1478,7 +1503,7 @@
     </p:spTree>
     <p:extLst>
       <p:ext uri="{BB962C8B-B14F-4D97-AF65-F5344CB8AC3E}">
-        <p14:creationId xmlns:p14="http://schemas.microsoft.com/office/powerpoint/2010/main" val="1371943977"/>
+        <p14:creationId xmlns:p14="http://schemas.microsoft.com/office/powerpoint/2010/main" val="3262814792"/>
       </p:ext>
     </p:extLst>
   </p:cSld>
@@ -1553,6 +1578,90 @@
           <a:p>
             <a:fld id="{A26EA17D-77D1-8E4E-9F7C-6370CAEEF1CF}" type="slidenum">
               <a:rPr lang="en-GB" smtClean="0"/>
+              <a:t>10</a:t>
+            </a:fld>
+            <a:endParaRPr lang="en-GB"/>
+          </a:p>
+        </p:txBody>
+      </p:sp>
+    </p:spTree>
+    <p:extLst>
+      <p:ext uri="{BB962C8B-B14F-4D97-AF65-F5344CB8AC3E}">
+        <p14:creationId xmlns:p14="http://schemas.microsoft.com/office/powerpoint/2010/main" val="1371943977"/>
+      </p:ext>
+    </p:extLst>
+  </p:cSld>
+  <p:clrMapOvr>
+    <a:masterClrMapping/>
+  </p:clrMapOvr>
+</p:notes>
+</file>
+
+<file path=ppt/notesSlides/notesSlide7.xml><?xml version="1.0" encoding="utf-8"?>
+<p:notes xmlns:a="http://schemas.openxmlformats.org/drawingml/2006/main" xmlns:r="http://schemas.openxmlformats.org/officeDocument/2006/relationships" xmlns:p="http://schemas.openxmlformats.org/presentationml/2006/main">
+  <p:cSld>
+    <p:spTree>
+      <p:nvGrpSpPr>
+        <p:cNvPr id="1" name=""/>
+        <p:cNvGrpSpPr/>
+        <p:nvPr/>
+      </p:nvGrpSpPr>
+      <p:grpSpPr>
+        <a:xfrm>
+          <a:off x="0" y="0"/>
+          <a:ext cx="0" cy="0"/>
+          <a:chOff x="0" y="0"/>
+          <a:chExt cx="0" cy="0"/>
+        </a:xfrm>
+      </p:grpSpPr>
+      <p:sp>
+        <p:nvSpPr>
+          <p:cNvPr id="2" name="Segnaposto immagine diapositiva 1"/>
+          <p:cNvSpPr>
+            <a:spLocks noGrp="1" noRot="1" noChangeAspect="1"/>
+          </p:cNvSpPr>
+          <p:nvPr>
+            <p:ph type="sldImg"/>
+          </p:nvPr>
+        </p:nvSpPr>
+        <p:spPr/>
+      </p:sp>
+      <p:sp>
+        <p:nvSpPr>
+          <p:cNvPr id="3" name="Segnaposto note 2"/>
+          <p:cNvSpPr>
+            <a:spLocks noGrp="1"/>
+          </p:cNvSpPr>
+          <p:nvPr>
+            <p:ph type="body" idx="1"/>
+          </p:nvPr>
+        </p:nvSpPr>
+        <p:spPr/>
+        <p:txBody>
+          <a:bodyPr/>
+          <a:lstStyle/>
+          <a:p>
+            <a:endParaRPr lang="en-GB" dirty="0"/>
+          </a:p>
+        </p:txBody>
+      </p:sp>
+      <p:sp>
+        <p:nvSpPr>
+          <p:cNvPr id="4" name="Segnaposto numero diapositiva 3"/>
+          <p:cNvSpPr>
+            <a:spLocks noGrp="1"/>
+          </p:cNvSpPr>
+          <p:nvPr>
+            <p:ph type="sldNum" sz="quarter" idx="5"/>
+          </p:nvPr>
+        </p:nvSpPr>
+        <p:spPr/>
+        <p:txBody>
+          <a:bodyPr/>
+          <a:lstStyle/>
+          <a:p>
+            <a:fld id="{A26EA17D-77D1-8E4E-9F7C-6370CAEEF1CF}" type="slidenum">
+              <a:rPr lang="en-GB" smtClean="0"/>
               <a:t>11</a:t>
             </a:fld>
             <a:endParaRPr lang="en-GB"/>
@@ -1572,7 +1681,7 @@
 </p:notes>
 </file>
 
-<file path=ppt/notesSlides/notesSlide7.xml><?xml version="1.0" encoding="utf-8"?>
+<file path=ppt/notesSlides/notesSlide8.xml><?xml version="1.0" encoding="utf-8"?>
 <p:notes xmlns:a="http://schemas.openxmlformats.org/drawingml/2006/main" xmlns:r="http://schemas.openxmlformats.org/officeDocument/2006/relationships" xmlns:p="http://schemas.openxmlformats.org/presentationml/2006/main">
   <p:cSld>
     <p:spTree>
@@ -8241,163 +8350,1012 @@
             <p:ph idx="1"/>
           </p:nvPr>
         </p:nvSpPr>
-        <p:spPr/>
-        <p:txBody>
-          <a:bodyPr/>
-          <a:lstStyle/>
-          <a:p>
-            <a:r>
-              <a:rPr lang="en-US" dirty="0"/>
+        <p:spPr>
+          <a:xfrm>
+            <a:off x="228600" y="2008908"/>
+            <a:ext cx="8569036" cy="4302991"/>
+          </a:xfrm>
+        </p:spPr>
+        <p:txBody>
+          <a:bodyPr>
+            <a:normAutofit/>
+          </a:bodyPr>
+          <a:lstStyle/>
+          <a:p>
+            <a:r>
+              <a:rPr lang="en-US" sz="2000" dirty="0"/>
               <a:t>Profiling </a:t>
             </a:r>
             <a:r>
-              <a:rPr lang="en-US" dirty="0" err="1"/>
+              <a:rPr lang="en-US" sz="2000" dirty="0" err="1"/>
               <a:t>svolto</a:t>
             </a:r>
             <a:r>
-              <a:rPr lang="en-US" dirty="0"/>
+              <a:rPr lang="en-US" sz="2000" dirty="0"/>
               <a:t> con GNU </a:t>
             </a:r>
             <a:r>
-              <a:rPr lang="en-US" dirty="0" err="1"/>
+              <a:rPr lang="en-US" sz="2000" dirty="0" err="1"/>
               <a:t>gprof</a:t>
             </a:r>
             <a:r>
-              <a:rPr lang="en-US" dirty="0"/>
+              <a:rPr lang="en-US" sz="2000" dirty="0"/>
               <a:t>:</a:t>
             </a:r>
             <a:br>
-              <a:rPr lang="en-US" dirty="0"/>
+              <a:rPr lang="en-US" sz="2000" dirty="0"/>
             </a:br>
             <a:r>
-              <a:rPr lang="en-US" dirty="0" err="1"/>
+              <a:rPr lang="en-US" sz="2000" dirty="0" err="1"/>
               <a:t>gcc</a:t>
             </a:r>
             <a:r>
-              <a:rPr lang="en-US" dirty="0"/>
+              <a:rPr lang="en-US" sz="2000" dirty="0"/>
               <a:t> –</a:t>
             </a:r>
             <a:r>
-              <a:rPr lang="en-US" dirty="0" err="1"/>
+              <a:rPr lang="en-US" sz="2000" dirty="0" err="1"/>
               <a:t>pg</a:t>
             </a:r>
             <a:r>
-              <a:rPr lang="en-US" dirty="0"/>
+              <a:rPr lang="en-US" sz="2000" dirty="0"/>
               <a:t> </a:t>
             </a:r>
             <a:r>
-              <a:rPr lang="en-US" dirty="0" err="1"/>
+              <a:rPr lang="en-US" sz="2000" dirty="0" err="1"/>
               <a:t>particles_simulation.c</a:t>
             </a:r>
             <a:r>
-              <a:rPr lang="en-US" dirty="0"/>
+              <a:rPr lang="en-US" sz="2000" dirty="0"/>
               <a:t> -o </a:t>
             </a:r>
             <a:r>
-              <a:rPr lang="en-US" dirty="0" err="1"/>
+              <a:rPr lang="en-US" sz="2000" dirty="0" err="1"/>
               <a:t>particles_simulation.o</a:t>
             </a:r>
             <a:br>
-              <a:rPr lang="en-US" dirty="0"/>
+              <a:rPr lang="en-US" sz="2000" dirty="0"/>
             </a:br>
             <a:r>
-              <a:rPr lang="en-US" dirty="0"/>
-              <a:t>time ./</a:t>
-            </a:r>
-            <a:r>
-              <a:rPr lang="en-US" dirty="0" err="1"/>
+              <a:rPr lang="en-US" sz="2000" dirty="0" err="1"/>
+              <a:t>gprof</a:t>
+            </a:r>
+            <a:r>
+              <a:rPr lang="en-US" sz="2000" dirty="0"/>
+              <a:t> </a:t>
+            </a:r>
+            <a:r>
+              <a:rPr lang="en-US" sz="2000" dirty="0" err="1"/>
               <a:t>particles_simulation.o</a:t>
             </a:r>
-            <a:br>
-              <a:rPr lang="en-US" dirty="0"/>
-            </a:br>
-            <a:r>
-              <a:rPr lang="en-US" dirty="0" err="1"/>
-              <a:t>gprof</a:t>
-            </a:r>
-            <a:r>
-              <a:rPr lang="en-US" dirty="0"/>
+            <a:r>
+              <a:rPr lang="en-US" sz="2000" dirty="0"/>
               <a:t> </a:t>
             </a:r>
             <a:r>
-              <a:rPr lang="en-US" dirty="0" err="1"/>
-              <a:t>particles_simulation.o</a:t>
-            </a:r>
-            <a:r>
-              <a:rPr lang="en-US" dirty="0"/>
-              <a:t> </a:t>
-            </a:r>
-            <a:r>
-              <a:rPr lang="en-US" dirty="0" err="1"/>
+              <a:rPr lang="en-US" sz="2000" dirty="0" err="1"/>
               <a:t>gmon.out</a:t>
             </a:r>
-            <a:endParaRPr lang="en-US" dirty="0"/>
-          </a:p>
-          <a:p>
-            <a:r>
-              <a:rPr lang="en-US" dirty="0" err="1"/>
-              <a:t>Risultati</a:t>
-            </a:r>
-            <a:r>
-              <a:rPr lang="en-US" dirty="0"/>
-              <a:t>:</a:t>
+            <a:endParaRPr lang="en-US" sz="2000" dirty="0"/>
+          </a:p>
+          <a:p>
+            <a:endParaRPr lang="en-US" sz="2400" dirty="0"/>
+          </a:p>
+          <a:p>
+            <a:pPr marL="0" indent="0">
+              <a:buNone/>
+            </a:pPr>
+            <a:r>
+              <a:rPr lang="en-US" sz="2400" dirty="0"/>
+              <a:t>   </a:t>
             </a:r>
           </a:p>
           <a:p>
             <a:pPr marL="457200" lvl="1" indent="0">
               <a:buNone/>
             </a:pPr>
-            <a:r>
-              <a:rPr lang="en-US" dirty="0"/>
-              <a:t>...</a:t>
-            </a:r>
-          </a:p>
-          <a:p>
-            <a:endParaRPr lang="en-US" dirty="0"/>
-          </a:p>
-          <a:p>
-            <a:endParaRPr lang="en-US" dirty="0"/>
-          </a:p>
-          <a:p>
-            <a:r>
-              <a:rPr lang="en-US" dirty="0" err="1"/>
-              <a:t>L’hardware</a:t>
-            </a:r>
-            <a:r>
-              <a:rPr lang="en-US" dirty="0"/>
-              <a:t> </a:t>
-            </a:r>
-            <a:r>
-              <a:rPr lang="en-US" dirty="0" err="1"/>
-              <a:t>utilizzato</a:t>
-            </a:r>
-            <a:r>
-              <a:rPr lang="en-US" dirty="0"/>
-              <a:t> per </a:t>
-            </a:r>
-            <a:r>
-              <a:rPr lang="en-US" dirty="0" err="1"/>
-              <a:t>i</a:t>
-            </a:r>
-            <a:r>
-              <a:rPr lang="en-US" dirty="0"/>
-              <a:t> test </a:t>
-            </a:r>
-            <a:r>
-              <a:rPr lang="en-US" dirty="0" err="1"/>
-              <a:t>è</a:t>
-            </a:r>
-            <a:r>
-              <a:rPr lang="en-US" dirty="0"/>
-              <a:t> ....</a:t>
-            </a:r>
-          </a:p>
-        </p:txBody>
-      </p:sp>
+            <a:endParaRPr lang="en-US" sz="2000" dirty="0"/>
+          </a:p>
+        </p:txBody>
+      </p:sp>
+      <p:sp>
+        <p:nvSpPr>
+          <p:cNvPr id="4" name="Rettangolo con angoli arrotondati 3">
+            <a:extLst>
+              <a:ext uri="{FF2B5EF4-FFF2-40B4-BE49-F238E27FC236}">
+                <a16:creationId xmlns:a16="http://schemas.microsoft.com/office/drawing/2014/main" id="{6C74F786-3AF7-D24B-8192-4697AE48A6F6}"/>
+              </a:ext>
+            </a:extLst>
+          </p:cNvPr>
+          <p:cNvSpPr/>
+          <p:nvPr/>
+        </p:nvSpPr>
+        <p:spPr>
+          <a:xfrm>
+            <a:off x="8712437" y="2957411"/>
+            <a:ext cx="3117272" cy="568037"/>
+          </a:xfrm>
+          <a:prstGeom prst="roundRect">
+            <a:avLst/>
+          </a:prstGeom>
+        </p:spPr>
+        <p:style>
+          <a:lnRef idx="1">
+            <a:schemeClr val="accent4"/>
+          </a:lnRef>
+          <a:fillRef idx="2">
+            <a:schemeClr val="accent4"/>
+          </a:fillRef>
+          <a:effectRef idx="1">
+            <a:schemeClr val="accent4"/>
+          </a:effectRef>
+          <a:fontRef idx="minor">
+            <a:schemeClr val="dk1"/>
+          </a:fontRef>
+        </p:style>
+        <p:txBody>
+          <a:bodyPr rtlCol="0" anchor="ctr"/>
+          <a:lstStyle/>
+          <a:p>
+            <a:pPr algn="ctr"/>
+            <a:r>
+              <a:rPr lang="en-GB" dirty="0"/>
+              <a:t>HARDWARE USED </a:t>
+            </a:r>
+          </a:p>
+        </p:txBody>
+      </p:sp>
+      <p:sp>
+        <p:nvSpPr>
+          <p:cNvPr id="5" name="Rettangolo con angoli arrotondati 4">
+            <a:extLst>
+              <a:ext uri="{FF2B5EF4-FFF2-40B4-BE49-F238E27FC236}">
+                <a16:creationId xmlns:a16="http://schemas.microsoft.com/office/drawing/2014/main" id="{3160EB98-A43C-2A4F-993C-69976B419DC5}"/>
+              </a:ext>
+            </a:extLst>
+          </p:cNvPr>
+          <p:cNvSpPr/>
+          <p:nvPr/>
+        </p:nvSpPr>
+        <p:spPr>
+          <a:xfrm>
+            <a:off x="8712437" y="3632677"/>
+            <a:ext cx="3117272" cy="1915536"/>
+          </a:xfrm>
+          <a:prstGeom prst="roundRect">
+            <a:avLst/>
+          </a:prstGeom>
+        </p:spPr>
+        <p:style>
+          <a:lnRef idx="1">
+            <a:schemeClr val="accent4"/>
+          </a:lnRef>
+          <a:fillRef idx="2">
+            <a:schemeClr val="accent4"/>
+          </a:fillRef>
+          <a:effectRef idx="1">
+            <a:schemeClr val="accent4"/>
+          </a:effectRef>
+          <a:fontRef idx="minor">
+            <a:schemeClr val="dk1"/>
+          </a:fontRef>
+        </p:style>
+        <p:txBody>
+          <a:bodyPr rtlCol="0" anchor="ctr"/>
+          <a:lstStyle/>
+          <a:p>
+            <a:pPr algn="ctr"/>
+            <a:r>
+              <a:rPr lang="en-GB" dirty="0"/>
+              <a:t>TECHNICAL</a:t>
+            </a:r>
+          </a:p>
+          <a:p>
+            <a:pPr algn="ctr"/>
+            <a:r>
+              <a:rPr lang="en-GB" dirty="0"/>
+              <a:t>SPECIFICATIONS</a:t>
+            </a:r>
+          </a:p>
+        </p:txBody>
+      </p:sp>
+      <p:sp>
+        <p:nvSpPr>
+          <p:cNvPr id="6" name="CasellaDiTesto 5">
+            <a:extLst>
+              <a:ext uri="{FF2B5EF4-FFF2-40B4-BE49-F238E27FC236}">
+                <a16:creationId xmlns:a16="http://schemas.microsoft.com/office/drawing/2014/main" id="{FE9C696D-0043-B84B-AC05-7DE26514D580}"/>
+              </a:ext>
+            </a:extLst>
+          </p:cNvPr>
+          <p:cNvSpPr txBox="1"/>
+          <p:nvPr/>
+        </p:nvSpPr>
+        <p:spPr>
+          <a:xfrm>
+            <a:off x="2743200" y="1540224"/>
+            <a:ext cx="4946072" cy="369332"/>
+          </a:xfrm>
+          <a:prstGeom prst="rect">
+            <a:avLst/>
+          </a:prstGeom>
+          <a:noFill/>
+        </p:spPr>
+        <p:txBody>
+          <a:bodyPr wrap="square" rtlCol="0">
+            <a:spAutoFit/>
+          </a:bodyPr>
+          <a:lstStyle/>
+          <a:p>
+            <a:r>
+              <a:rPr lang="en-GB" dirty="0"/>
+              <a:t>-- subsample on 10 iterations particle dynamics --</a:t>
+            </a:r>
+          </a:p>
+        </p:txBody>
+      </p:sp>
+      <p:sp>
+        <p:nvSpPr>
+          <p:cNvPr id="7" name="CasellaDiTesto 6">
+            <a:extLst>
+              <a:ext uri="{FF2B5EF4-FFF2-40B4-BE49-F238E27FC236}">
+                <a16:creationId xmlns:a16="http://schemas.microsoft.com/office/drawing/2014/main" id="{F8C2BB30-CC11-0147-A0DC-3312D03B27F4}"/>
+              </a:ext>
+            </a:extLst>
+          </p:cNvPr>
+          <p:cNvSpPr txBox="1"/>
+          <p:nvPr/>
+        </p:nvSpPr>
+        <p:spPr>
+          <a:xfrm>
+            <a:off x="374071" y="2982967"/>
+            <a:ext cx="7315201" cy="3647152"/>
+          </a:xfrm>
+          <a:prstGeom prst="rect">
+            <a:avLst/>
+          </a:prstGeom>
+          <a:noFill/>
+        </p:spPr>
+        <p:txBody>
+          <a:bodyPr wrap="square" rtlCol="0">
+            <a:spAutoFit/>
+          </a:bodyPr>
+          <a:lstStyle/>
+          <a:p>
+            <a:r>
+              <a:rPr lang="en-GB" sz="1100" dirty="0"/>
+              <a:t> %   cumulative   self              self     total           </a:t>
+            </a:r>
+          </a:p>
+          <a:p>
+            <a:r>
+              <a:rPr lang="en-GB" sz="1100" dirty="0"/>
+              <a:t> time   seconds   seconds    calls   s/call   s/call  name    </a:t>
+            </a:r>
+          </a:p>
+          <a:p>
+            <a:r>
+              <a:rPr lang="en-GB" sz="1100" dirty="0"/>
+              <a:t> 49.80     42.39    </a:t>
+            </a:r>
+            <a:r>
+              <a:rPr lang="en-GB" sz="1100" dirty="0">
+                <a:highlight>
+                  <a:srgbClr val="FFFF00"/>
+                </a:highlight>
+              </a:rPr>
+              <a:t>42.39</a:t>
+            </a:r>
+            <a:r>
+              <a:rPr lang="en-GB" sz="1100" dirty="0"/>
+              <a:t>        1    42.39    84.08  </a:t>
+            </a:r>
+            <a:r>
+              <a:rPr lang="en-GB" sz="1100" dirty="0" err="1">
+                <a:highlight>
+                  <a:srgbClr val="FFFF00"/>
+                </a:highlight>
+              </a:rPr>
+              <a:t>SystemEvolution</a:t>
+            </a:r>
+            <a:endParaRPr lang="en-GB" sz="1100" dirty="0">
+              <a:highlight>
+                <a:srgbClr val="FFFF00"/>
+              </a:highlight>
+            </a:endParaRPr>
+          </a:p>
+          <a:p>
+            <a:r>
+              <a:rPr lang="en-GB" sz="1100" dirty="0"/>
+              <a:t> 34.56     71.81    </a:t>
+            </a:r>
+            <a:r>
+              <a:rPr lang="en-GB" sz="1100" dirty="0">
+                <a:highlight>
+                  <a:srgbClr val="FFFF00"/>
+                </a:highlight>
+              </a:rPr>
+              <a:t>29.42</a:t>
+            </a:r>
+            <a:r>
+              <a:rPr lang="en-GB" sz="1100" dirty="0"/>
+              <a:t> 263898224     0.00     0.00  </a:t>
+            </a:r>
+            <a:r>
+              <a:rPr lang="en-GB" sz="1100" dirty="0" err="1">
+                <a:highlight>
+                  <a:srgbClr val="FFFF00"/>
+                </a:highlight>
+              </a:rPr>
+              <a:t>ForceCompt</a:t>
+            </a:r>
+            <a:endParaRPr lang="en-GB" sz="1100" dirty="0">
+              <a:highlight>
+                <a:srgbClr val="FFFF00"/>
+              </a:highlight>
+            </a:endParaRPr>
+          </a:p>
+          <a:p>
+            <a:r>
+              <a:rPr lang="en-GB" sz="1100" dirty="0"/>
+              <a:t> 13.89     83.63    </a:t>
+            </a:r>
+            <a:r>
+              <a:rPr lang="en-GB" sz="1100" dirty="0">
+                <a:highlight>
+                  <a:srgbClr val="FFFF00"/>
+                </a:highlight>
+              </a:rPr>
+              <a:t>11.82</a:t>
+            </a:r>
+            <a:r>
+              <a:rPr lang="en-GB" sz="1100" dirty="0"/>
+              <a:t> 264111744     0.00     0.00  </a:t>
+            </a:r>
+            <a:r>
+              <a:rPr lang="en-GB" sz="1100" dirty="0" err="1">
+                <a:highlight>
+                  <a:srgbClr val="FFFF00"/>
+                </a:highlight>
+              </a:rPr>
+              <a:t>newparticle</a:t>
+            </a:r>
+            <a:endParaRPr lang="en-GB" sz="1100" dirty="0">
+              <a:highlight>
+                <a:srgbClr val="FFFF00"/>
+              </a:highlight>
+            </a:endParaRPr>
+          </a:p>
+          <a:p>
+            <a:r>
+              <a:rPr lang="en-GB" sz="1100" dirty="0"/>
+              <a:t>  1.23     84.68     1.05        1     1.05     1.05  </a:t>
+            </a:r>
+            <a:r>
+              <a:rPr lang="en-GB" sz="1100" dirty="0" err="1"/>
+              <a:t>GeneratingField</a:t>
+            </a:r>
+            <a:endParaRPr lang="en-GB" sz="1100" dirty="0"/>
+          </a:p>
+          <a:p>
+            <a:r>
+              <a:rPr lang="en-GB" sz="1100" dirty="0"/>
+              <a:t>  0.31     84.94     0.26       10     0.03     0.03  IntVal2ppm</a:t>
+            </a:r>
+          </a:p>
+          <a:p>
+            <a:r>
+              <a:rPr lang="en-GB" sz="1100" dirty="0"/>
+              <a:t>  0.08     85.01     0.07       10     0.01     0.01  </a:t>
+            </a:r>
+            <a:r>
+              <a:rPr lang="en-GB" sz="1100" dirty="0" err="1"/>
+              <a:t>ParticleStats</a:t>
+            </a:r>
+            <a:endParaRPr lang="en-GB" sz="1100" dirty="0"/>
+          </a:p>
+          <a:p>
+            <a:r>
+              <a:rPr lang="en-GB" sz="1100" dirty="0"/>
+              <a:t>  0.06     85.06     0.05       11     0.00     0.00  </a:t>
+            </a:r>
+            <a:r>
+              <a:rPr lang="en-GB" sz="1100" dirty="0" err="1"/>
+              <a:t>MinIntVal</a:t>
+            </a:r>
+            <a:endParaRPr lang="en-GB" sz="1100" dirty="0"/>
+          </a:p>
+          <a:p>
+            <a:r>
+              <a:rPr lang="en-GB" sz="1100" dirty="0"/>
+              <a:t>  0.06     85.11     0.05       10     0.01     0.04  </a:t>
+            </a:r>
+            <a:r>
+              <a:rPr lang="en-GB" sz="1100" dirty="0" err="1"/>
+              <a:t>ParticleScreen</a:t>
+            </a:r>
+            <a:endParaRPr lang="en-GB" sz="1100" dirty="0"/>
+          </a:p>
+          <a:p>
+            <a:r>
+              <a:rPr lang="en-GB" sz="1100" dirty="0"/>
+              <a:t>  0.06     85.16     0.05        1     0.05     0.06  </a:t>
+            </a:r>
+            <a:r>
+              <a:rPr lang="en-GB" sz="1100" dirty="0" err="1"/>
+              <a:t>ParticleGeneration</a:t>
+            </a:r>
+            <a:endParaRPr lang="en-GB" sz="1100" dirty="0"/>
+          </a:p>
+          <a:p>
+            <a:r>
+              <a:rPr lang="en-GB" sz="1100" dirty="0"/>
+              <a:t>  0.02     85.18     0.02       11     0.00     0.00  </a:t>
+            </a:r>
+            <a:r>
+              <a:rPr lang="en-GB" sz="1100" dirty="0" err="1"/>
+              <a:t>MaxIntVal</a:t>
+            </a:r>
+            <a:endParaRPr lang="en-GB" sz="1100" dirty="0"/>
+          </a:p>
+          <a:p>
+            <a:r>
+              <a:rPr lang="en-GB" sz="1100" dirty="0"/>
+              <a:t>  0.00     85.18     0.00       27     0.00     0.00  </a:t>
+            </a:r>
+            <a:r>
+              <a:rPr lang="en-GB" sz="1100" dirty="0" err="1"/>
+              <a:t>rowlen</a:t>
+            </a:r>
+            <a:endParaRPr lang="en-GB" sz="1100" dirty="0"/>
+          </a:p>
+          <a:p>
+            <a:r>
+              <a:rPr lang="en-GB" sz="1100" dirty="0"/>
+              <a:t>  0.00     85.18     0.00       24     0.00     0.00  </a:t>
+            </a:r>
+            <a:r>
+              <a:rPr lang="en-GB" sz="1100" dirty="0" err="1"/>
+              <a:t>readrow</a:t>
+            </a:r>
+            <a:endParaRPr lang="en-GB" sz="1100" dirty="0"/>
+          </a:p>
+          <a:p>
+            <a:r>
+              <a:rPr lang="en-GB" sz="1100" dirty="0"/>
+              <a:t>  0.00     85.18     0.00       10     0.00     0.00  </a:t>
+            </a:r>
+            <a:r>
+              <a:rPr lang="en-GB" sz="1100" dirty="0" err="1"/>
+              <a:t>ComptPopulation</a:t>
+            </a:r>
+            <a:endParaRPr lang="en-GB" sz="1100" dirty="0"/>
+          </a:p>
+          <a:p>
+            <a:r>
+              <a:rPr lang="en-GB" sz="1100" dirty="0"/>
+              <a:t>  0.00     85.18     0.00       10     0.00     0.00  </a:t>
+            </a:r>
+            <a:r>
+              <a:rPr lang="en-GB" sz="1100" dirty="0" err="1"/>
+              <a:t>MaxDoubleVal</a:t>
+            </a:r>
+            <a:endParaRPr lang="en-GB" sz="1100" dirty="0"/>
+          </a:p>
+          <a:p>
+            <a:r>
+              <a:rPr lang="en-GB" sz="1100" dirty="0"/>
+              <a:t>  0.00     85.18     0.00       10     0.00     0.00  </a:t>
+            </a:r>
+            <a:r>
+              <a:rPr lang="en-GB" sz="1100" dirty="0" err="1"/>
+              <a:t>MinDoubleVal</a:t>
+            </a:r>
+            <a:endParaRPr lang="en-GB" sz="1100" dirty="0"/>
+          </a:p>
+          <a:p>
+            <a:r>
+              <a:rPr lang="en-GB" sz="1100" dirty="0"/>
+              <a:t>  0.00     85.18     0.00        3     0.00     0.00  </a:t>
+            </a:r>
+            <a:r>
+              <a:rPr lang="en-GB" sz="1100" dirty="0" err="1"/>
+              <a:t>DumpPopulation</a:t>
+            </a:r>
+            <a:endParaRPr lang="en-GB" sz="1100" dirty="0"/>
+          </a:p>
+          <a:p>
+            <a:r>
+              <a:rPr lang="en-GB" sz="1100" dirty="0"/>
+              <a:t>  0.00     85.18     0.00        2     0.00     0.00  print_i2dGrid</a:t>
+            </a:r>
+          </a:p>
+          <a:p>
+            <a:r>
+              <a:rPr lang="en-GB" sz="1100" dirty="0"/>
+              <a:t>  0.00     85.18     0.00        1     0.00     0.00  </a:t>
+            </a:r>
+            <a:r>
+              <a:rPr lang="en-GB" sz="1100" dirty="0" err="1"/>
+              <a:t>InitGrid</a:t>
+            </a:r>
+            <a:endParaRPr lang="en-GB" sz="1100" dirty="0"/>
+          </a:p>
+          <a:p>
+            <a:r>
+              <a:rPr lang="en-GB" sz="1100" dirty="0"/>
+              <a:t>  0.00     85.18     0.00        1     0.00     0.00  </a:t>
+            </a:r>
+            <a:r>
+              <a:rPr lang="en-GB" sz="1100" dirty="0" err="1"/>
+              <a:t>print_Population</a:t>
+            </a:r>
+            <a:endParaRPr lang="en-GB" sz="1100" dirty="0"/>
+          </a:p>
+        </p:txBody>
+      </p:sp>
+      <p:sp>
+        <p:nvSpPr>
+          <p:cNvPr id="8" name="Segnaposto contenuto 2">
+            <a:extLst>
+              <a:ext uri="{FF2B5EF4-FFF2-40B4-BE49-F238E27FC236}">
+                <a16:creationId xmlns:a16="http://schemas.microsoft.com/office/drawing/2014/main" id="{79E87BCA-5077-BC41-B42E-29374A77F4DD}"/>
+              </a:ext>
+            </a:extLst>
+          </p:cNvPr>
+          <p:cNvSpPr txBox="1">
+            <a:spLocks/>
+          </p:cNvSpPr>
+          <p:nvPr/>
+        </p:nvSpPr>
+        <p:spPr>
+          <a:xfrm>
+            <a:off x="7689272" y="2269859"/>
+            <a:ext cx="3425184" cy="369332"/>
+          </a:xfrm>
+          <a:prstGeom prst="rect">
+            <a:avLst/>
+          </a:prstGeom>
+          <a:ln w="28575">
+            <a:solidFill>
+              <a:schemeClr val="tx1"/>
+            </a:solidFill>
+          </a:ln>
+        </p:spPr>
+        <p:txBody>
+          <a:bodyPr vert="horz" lIns="91440" tIns="45720" rIns="91440" bIns="45720" rtlCol="0" anchor="ctr" anchorCtr="0">
+            <a:spAutoFit/>
+          </a:bodyPr>
+          <a:lstStyle>
+            <a:lvl1pPr marL="228600" indent="-228600" algn="l" defTabSz="914400" rtl="0" eaLnBrk="1" latinLnBrk="0" hangingPunct="1">
+              <a:lnSpc>
+                <a:spcPct val="90000"/>
+              </a:lnSpc>
+              <a:spcBef>
+                <a:spcPts val="1000"/>
+              </a:spcBef>
+              <a:buFont typeface="Arial" panose="020B0604020202020204" pitchFamily="34" charset="0"/>
+              <a:buChar char="•"/>
+              <a:defRPr sz="2800" kern="1200">
+                <a:solidFill>
+                  <a:schemeClr val="tx1"/>
+                </a:solidFill>
+                <a:latin typeface="+mn-lt"/>
+                <a:ea typeface="+mn-ea"/>
+                <a:cs typeface="+mn-cs"/>
+              </a:defRPr>
+            </a:lvl1pPr>
+            <a:lvl2pPr marL="685800" indent="-228600" algn="l" defTabSz="914400" rtl="0" eaLnBrk="1" latinLnBrk="0" hangingPunct="1">
+              <a:lnSpc>
+                <a:spcPct val="90000"/>
+              </a:lnSpc>
+              <a:spcBef>
+                <a:spcPts val="500"/>
+              </a:spcBef>
+              <a:buFont typeface="Arial" panose="020B0604020202020204" pitchFamily="34" charset="0"/>
+              <a:buChar char="•"/>
+              <a:defRPr sz="2400" kern="1200">
+                <a:solidFill>
+                  <a:schemeClr val="tx1"/>
+                </a:solidFill>
+                <a:latin typeface="+mn-lt"/>
+                <a:ea typeface="+mn-ea"/>
+                <a:cs typeface="+mn-cs"/>
+              </a:defRPr>
+            </a:lvl2pPr>
+            <a:lvl3pPr marL="1143000" indent="-228600" algn="l" defTabSz="914400" rtl="0" eaLnBrk="1" latinLnBrk="0" hangingPunct="1">
+              <a:lnSpc>
+                <a:spcPct val="90000"/>
+              </a:lnSpc>
+              <a:spcBef>
+                <a:spcPts val="500"/>
+              </a:spcBef>
+              <a:buFont typeface="Arial" panose="020B0604020202020204" pitchFamily="34" charset="0"/>
+              <a:buChar char="•"/>
+              <a:defRPr sz="2000" kern="1200">
+                <a:solidFill>
+                  <a:schemeClr val="tx1"/>
+                </a:solidFill>
+                <a:latin typeface="+mn-lt"/>
+                <a:ea typeface="+mn-ea"/>
+                <a:cs typeface="+mn-cs"/>
+              </a:defRPr>
+            </a:lvl3pPr>
+            <a:lvl4pPr marL="1600200" indent="-228600" algn="l" defTabSz="914400" rtl="0" eaLnBrk="1" latinLnBrk="0" hangingPunct="1">
+              <a:lnSpc>
+                <a:spcPct val="90000"/>
+              </a:lnSpc>
+              <a:spcBef>
+                <a:spcPts val="500"/>
+              </a:spcBef>
+              <a:buFont typeface="Arial" panose="020B0604020202020204" pitchFamily="34" charset="0"/>
+              <a:buChar char="•"/>
+              <a:defRPr sz="1800" kern="1200">
+                <a:solidFill>
+                  <a:schemeClr val="tx1"/>
+                </a:solidFill>
+                <a:latin typeface="+mn-lt"/>
+                <a:ea typeface="+mn-ea"/>
+                <a:cs typeface="+mn-cs"/>
+              </a:defRPr>
+            </a:lvl4pPr>
+            <a:lvl5pPr marL="2057400" indent="-228600" algn="l" defTabSz="914400" rtl="0" eaLnBrk="1" latinLnBrk="0" hangingPunct="1">
+              <a:lnSpc>
+                <a:spcPct val="90000"/>
+              </a:lnSpc>
+              <a:spcBef>
+                <a:spcPts val="500"/>
+              </a:spcBef>
+              <a:buFont typeface="Arial" panose="020B0604020202020204" pitchFamily="34" charset="0"/>
+              <a:buChar char="•"/>
+              <a:defRPr sz="1800" kern="1200">
+                <a:solidFill>
+                  <a:schemeClr val="tx1"/>
+                </a:solidFill>
+                <a:latin typeface="+mn-lt"/>
+                <a:ea typeface="+mn-ea"/>
+                <a:cs typeface="+mn-cs"/>
+              </a:defRPr>
+            </a:lvl5pPr>
+            <a:lvl6pPr marL="2514600" indent="-228600" algn="l" defTabSz="914400" rtl="0" eaLnBrk="1" latinLnBrk="0" hangingPunct="1">
+              <a:lnSpc>
+                <a:spcPct val="90000"/>
+              </a:lnSpc>
+              <a:spcBef>
+                <a:spcPts val="500"/>
+              </a:spcBef>
+              <a:buFont typeface="Arial" panose="020B0604020202020204" pitchFamily="34" charset="0"/>
+              <a:buChar char="•"/>
+              <a:defRPr sz="1800" kern="1200">
+                <a:solidFill>
+                  <a:schemeClr val="tx1"/>
+                </a:solidFill>
+                <a:latin typeface="+mn-lt"/>
+                <a:ea typeface="+mn-ea"/>
+                <a:cs typeface="+mn-cs"/>
+              </a:defRPr>
+            </a:lvl6pPr>
+            <a:lvl7pPr marL="2971800" indent="-228600" algn="l" defTabSz="914400" rtl="0" eaLnBrk="1" latinLnBrk="0" hangingPunct="1">
+              <a:lnSpc>
+                <a:spcPct val="90000"/>
+              </a:lnSpc>
+              <a:spcBef>
+                <a:spcPts val="500"/>
+              </a:spcBef>
+              <a:buFont typeface="Arial" panose="020B0604020202020204" pitchFamily="34" charset="0"/>
+              <a:buChar char="•"/>
+              <a:defRPr sz="1800" kern="1200">
+                <a:solidFill>
+                  <a:schemeClr val="tx1"/>
+                </a:solidFill>
+                <a:latin typeface="+mn-lt"/>
+                <a:ea typeface="+mn-ea"/>
+                <a:cs typeface="+mn-cs"/>
+              </a:defRPr>
+            </a:lvl7pPr>
+            <a:lvl8pPr marL="3429000" indent="-228600" algn="l" defTabSz="914400" rtl="0" eaLnBrk="1" latinLnBrk="0" hangingPunct="1">
+              <a:lnSpc>
+                <a:spcPct val="90000"/>
+              </a:lnSpc>
+              <a:spcBef>
+                <a:spcPts val="500"/>
+              </a:spcBef>
+              <a:buFont typeface="Arial" panose="020B0604020202020204" pitchFamily="34" charset="0"/>
+              <a:buChar char="•"/>
+              <a:defRPr sz="1800" kern="1200">
+                <a:solidFill>
+                  <a:schemeClr val="tx1"/>
+                </a:solidFill>
+                <a:latin typeface="+mn-lt"/>
+                <a:ea typeface="+mn-ea"/>
+                <a:cs typeface="+mn-cs"/>
+              </a:defRPr>
+            </a:lvl8pPr>
+            <a:lvl9pPr marL="3886200" indent="-228600" algn="l" defTabSz="914400" rtl="0" eaLnBrk="1" latinLnBrk="0" hangingPunct="1">
+              <a:lnSpc>
+                <a:spcPct val="90000"/>
+              </a:lnSpc>
+              <a:spcBef>
+                <a:spcPts val="500"/>
+              </a:spcBef>
+              <a:buFont typeface="Arial" panose="020B0604020202020204" pitchFamily="34" charset="0"/>
+              <a:buChar char="•"/>
+              <a:defRPr sz="1800" kern="1200">
+                <a:solidFill>
+                  <a:schemeClr val="tx1"/>
+                </a:solidFill>
+                <a:latin typeface="+mn-lt"/>
+                <a:ea typeface="+mn-ea"/>
+                <a:cs typeface="+mn-cs"/>
+              </a:defRPr>
+            </a:lvl9pPr>
+          </a:lstStyle>
+          <a:p>
+            <a:pPr marL="0" indent="0" algn="ctr">
+              <a:buNone/>
+            </a:pPr>
+            <a:r>
+              <a:rPr lang="en-US" sz="2000" i="1" dirty="0"/>
+              <a:t>Total time 3m29,220s</a:t>
+            </a:r>
+          </a:p>
+        </p:txBody>
+      </p:sp>
+      <p:sp>
+        <p:nvSpPr>
+          <p:cNvPr id="9" name="CasellaDiTesto 8">
+            <a:extLst>
+              <a:ext uri="{FF2B5EF4-FFF2-40B4-BE49-F238E27FC236}">
+                <a16:creationId xmlns:a16="http://schemas.microsoft.com/office/drawing/2014/main" id="{C943BC3A-22EE-F444-9F44-CD9D0D27B4DE}"/>
+              </a:ext>
+            </a:extLst>
+          </p:cNvPr>
+          <p:cNvSpPr txBox="1"/>
+          <p:nvPr/>
+        </p:nvSpPr>
+        <p:spPr>
+          <a:xfrm>
+            <a:off x="5467686" y="3156306"/>
+            <a:ext cx="2871611" cy="923330"/>
+          </a:xfrm>
+          <a:prstGeom prst="rect">
+            <a:avLst/>
+          </a:prstGeom>
+          <a:noFill/>
+        </p:spPr>
+        <p:txBody>
+          <a:bodyPr wrap="square" rtlCol="0">
+            <a:spAutoFit/>
+          </a:bodyPr>
+          <a:lstStyle/>
+          <a:p>
+            <a:r>
+              <a:rPr lang="en-GB" dirty="0"/>
+              <a:t>Once summed up, these alone represent</a:t>
+            </a:r>
+          </a:p>
+          <a:p>
+            <a:r>
+              <a:rPr lang="en-GB" dirty="0">
+                <a:highlight>
+                  <a:srgbClr val="FFFF00"/>
+                </a:highlight>
+              </a:rPr>
+              <a:t>98,25% of CPU time</a:t>
+            </a:r>
+          </a:p>
+        </p:txBody>
+      </p:sp>
+      <p:cxnSp>
+        <p:nvCxnSpPr>
+          <p:cNvPr id="11" name="Connettore 2 10">
+            <a:extLst>
+              <a:ext uri="{FF2B5EF4-FFF2-40B4-BE49-F238E27FC236}">
+                <a16:creationId xmlns:a16="http://schemas.microsoft.com/office/drawing/2014/main" id="{96CCDB60-A8BD-454D-A220-EBFA55BD7693}"/>
+              </a:ext>
+            </a:extLst>
+          </p:cNvPr>
+          <p:cNvCxnSpPr>
+            <a:cxnSpLocks/>
+          </p:cNvCxnSpPr>
+          <p:nvPr/>
+        </p:nvCxnSpPr>
+        <p:spPr>
+          <a:xfrm flipH="1" flipV="1">
+            <a:off x="4065794" y="3429001"/>
+            <a:ext cx="1401892" cy="212781"/>
+          </a:xfrm>
+          <a:prstGeom prst="straightConnector1">
+            <a:avLst/>
+          </a:prstGeom>
+          <a:ln>
+            <a:tailEnd type="triangle"/>
+          </a:ln>
+        </p:spPr>
+        <p:style>
+          <a:lnRef idx="1">
+            <a:schemeClr val="dk1"/>
+          </a:lnRef>
+          <a:fillRef idx="0">
+            <a:schemeClr val="dk1"/>
+          </a:fillRef>
+          <a:effectRef idx="0">
+            <a:schemeClr val="dk1"/>
+          </a:effectRef>
+          <a:fontRef idx="minor">
+            <a:schemeClr val="tx1"/>
+          </a:fontRef>
+        </p:style>
+      </p:cxnSp>
+      <p:cxnSp>
+        <p:nvCxnSpPr>
+          <p:cNvPr id="13" name="Connettore 2 12">
+            <a:extLst>
+              <a:ext uri="{FF2B5EF4-FFF2-40B4-BE49-F238E27FC236}">
+                <a16:creationId xmlns:a16="http://schemas.microsoft.com/office/drawing/2014/main" id="{DEE8F3A0-9ABC-5B41-B163-86320BBA82B0}"/>
+              </a:ext>
+            </a:extLst>
+          </p:cNvPr>
+          <p:cNvCxnSpPr>
+            <a:cxnSpLocks/>
+          </p:cNvCxnSpPr>
+          <p:nvPr/>
+        </p:nvCxnSpPr>
+        <p:spPr>
+          <a:xfrm flipH="1" flipV="1">
+            <a:off x="4065794" y="3624438"/>
+            <a:ext cx="1401892" cy="116273"/>
+          </a:xfrm>
+          <a:prstGeom prst="straightConnector1">
+            <a:avLst/>
+          </a:prstGeom>
+          <a:ln>
+            <a:tailEnd type="triangle"/>
+          </a:ln>
+        </p:spPr>
+        <p:style>
+          <a:lnRef idx="1">
+            <a:schemeClr val="dk1"/>
+          </a:lnRef>
+          <a:fillRef idx="0">
+            <a:schemeClr val="dk1"/>
+          </a:fillRef>
+          <a:effectRef idx="0">
+            <a:schemeClr val="dk1"/>
+          </a:effectRef>
+          <a:fontRef idx="minor">
+            <a:schemeClr val="tx1"/>
+          </a:fontRef>
+        </p:style>
+      </p:cxnSp>
+      <p:cxnSp>
+        <p:nvCxnSpPr>
+          <p:cNvPr id="16" name="Connettore 2 15">
+            <a:extLst>
+              <a:ext uri="{FF2B5EF4-FFF2-40B4-BE49-F238E27FC236}">
+                <a16:creationId xmlns:a16="http://schemas.microsoft.com/office/drawing/2014/main" id="{E0B4D4AD-CF4F-1843-839D-CE9E3E6F6660}"/>
+              </a:ext>
+            </a:extLst>
+          </p:cNvPr>
+          <p:cNvCxnSpPr>
+            <a:cxnSpLocks/>
+          </p:cNvCxnSpPr>
+          <p:nvPr/>
+        </p:nvCxnSpPr>
+        <p:spPr>
+          <a:xfrm flipH="1">
+            <a:off x="4065794" y="3800957"/>
+            <a:ext cx="1401892" cy="4295"/>
+          </a:xfrm>
+          <a:prstGeom prst="straightConnector1">
+            <a:avLst/>
+          </a:prstGeom>
+          <a:ln>
+            <a:tailEnd type="triangle"/>
+          </a:ln>
+        </p:spPr>
+        <p:style>
+          <a:lnRef idx="1">
+            <a:schemeClr val="dk1"/>
+          </a:lnRef>
+          <a:fillRef idx="0">
+            <a:schemeClr val="dk1"/>
+          </a:fillRef>
+          <a:effectRef idx="0">
+            <a:schemeClr val="dk1"/>
+          </a:effectRef>
+          <a:fontRef idx="minor">
+            <a:schemeClr val="tx1"/>
+          </a:fontRef>
+        </p:style>
+      </p:cxnSp>
+      <p:sp>
+        <p:nvSpPr>
+          <p:cNvPr id="31" name="CasellaDiTesto 30">
+            <a:extLst>
+              <a:ext uri="{FF2B5EF4-FFF2-40B4-BE49-F238E27FC236}">
+                <a16:creationId xmlns:a16="http://schemas.microsoft.com/office/drawing/2014/main" id="{C1DCA7B7-73F0-6845-BA94-E3462CF7CD62}"/>
+              </a:ext>
+            </a:extLst>
+          </p:cNvPr>
+          <p:cNvSpPr txBox="1"/>
+          <p:nvPr/>
+        </p:nvSpPr>
+        <p:spPr>
+          <a:xfrm>
+            <a:off x="4476465" y="6373876"/>
+            <a:ext cx="7353243" cy="369332"/>
+          </a:xfrm>
+          <a:prstGeom prst="rect">
+            <a:avLst/>
+          </a:prstGeom>
+          <a:noFill/>
+        </p:spPr>
+        <p:txBody>
+          <a:bodyPr wrap="square" rtlCol="0">
+            <a:spAutoFit/>
+          </a:bodyPr>
+          <a:lstStyle/>
+          <a:p>
+            <a:r>
+              <a:rPr lang="en-GB" u="sng" dirty="0" err="1"/>
+              <a:t>gprof</a:t>
+            </a:r>
+            <a:r>
+              <a:rPr lang="en-GB" u="sng" dirty="0"/>
+              <a:t> doesn’t account for time spent in I/O ( ~ 60% of total time) </a:t>
+            </a:r>
+          </a:p>
+        </p:txBody>
+      </p:sp>
+      <p:cxnSp>
+        <p:nvCxnSpPr>
+          <p:cNvPr id="34" name="Connettore 4 33">
+            <a:extLst>
+              <a:ext uri="{FF2B5EF4-FFF2-40B4-BE49-F238E27FC236}">
+                <a16:creationId xmlns:a16="http://schemas.microsoft.com/office/drawing/2014/main" id="{B6301265-C865-1E41-A56C-042DE4781CEC}"/>
+              </a:ext>
+            </a:extLst>
+          </p:cNvPr>
+          <p:cNvCxnSpPr>
+            <a:cxnSpLocks/>
+          </p:cNvCxnSpPr>
+          <p:nvPr/>
+        </p:nvCxnSpPr>
+        <p:spPr>
+          <a:xfrm>
+            <a:off x="1037230" y="6558542"/>
+            <a:ext cx="3248167" cy="131823"/>
+          </a:xfrm>
+          <a:prstGeom prst="bentConnector3">
+            <a:avLst>
+              <a:gd name="adj1" fmla="val 0"/>
+            </a:avLst>
+          </a:prstGeom>
+          <a:ln>
+            <a:headEnd type="triangle"/>
+            <a:tailEnd type="none"/>
+          </a:ln>
+        </p:spPr>
+        <p:style>
+          <a:lnRef idx="1">
+            <a:schemeClr val="dk1"/>
+          </a:lnRef>
+          <a:fillRef idx="0">
+            <a:schemeClr val="dk1"/>
+          </a:fillRef>
+          <a:effectRef idx="0">
+            <a:schemeClr val="dk1"/>
+          </a:effectRef>
+          <a:fontRef idx="minor">
+            <a:schemeClr val="tx1"/>
+          </a:fontRef>
+        </p:style>
+      </p:cxnSp>
     </p:spTree>
     <p:extLst>
       <p:ext uri="{BB962C8B-B14F-4D97-AF65-F5344CB8AC3E}">
-        <p14:creationId xmlns:p14="http://schemas.microsoft.com/office/powerpoint/2010/main" val="3388683139"/>
+        <p14:creationId xmlns:p14="http://schemas.microsoft.com/office/powerpoint/2010/main" val="3472327148"/>
       </p:ext>
     </p:extLst>
   </p:cSld>

--- a/presentazione/presentazione.pptx
+++ b/presentazione/presentazione.pptx
@@ -22,8 +22,8 @@
     <p:sldId id="277" r:id="rId13"/>
     <p:sldId id="279" r:id="rId14"/>
     <p:sldId id="280" r:id="rId15"/>
-    <p:sldId id="278" r:id="rId16"/>
-    <p:sldId id="274" r:id="rId17"/>
+    <p:sldId id="274" r:id="rId16"/>
+    <p:sldId id="278" r:id="rId17"/>
     <p:sldId id="261" r:id="rId18"/>
     <p:sldId id="262" r:id="rId19"/>
     <p:sldId id="263" r:id="rId20"/>
@@ -2075,22 +2075,7 @@
               </a:rPr>
               <a:t>Particles_second_opt_two_streams</a:t>
             </a:r>
-            <a:r>
-              <a:rPr lang="en-GB" dirty="0">
-                <a:cs typeface="Calibri"/>
-              </a:rPr>
-              <a:t> e </a:t>
-            </a:r>
-            <a:r>
-              <a:rPr lang="en-GB">
-                <a:cs typeface="Calibri"/>
-              </a:rPr>
-              <a:t>grafico </a:t>
-            </a:r>
-            <a:r>
-              <a:rPr lang="en-GB"/>
-              <a:t>two-streams-mat-red.png</a:t>
-            </a:r>
+            <a:endParaRPr lang="en-GB"/>
           </a:p>
         </p:txBody>
       </p:sp>
@@ -2174,32 +2159,7 @@
           <a:bodyPr/>
           <a:lstStyle/>
           <a:p>
-            <a:r>
-              <a:rPr lang="en-GB" dirty="0"/>
-              <a:t>About GPROF output and I/O</a:t>
-            </a:r>
-          </a:p>
-          <a:p>
-            <a:r>
-              <a:rPr lang="en-GB" dirty="0"/>
-              <a:t>https://</a:t>
-            </a:r>
-            <a:r>
-              <a:rPr lang="en-GB" dirty="0" err="1"/>
-              <a:t>stackoverflow.com</a:t>
-            </a:r>
-            <a:r>
-              <a:rPr lang="en-GB" dirty="0"/>
-              <a:t>/questions/485649/confusing-</a:t>
-            </a:r>
-            <a:r>
-              <a:rPr lang="en-GB" dirty="0" err="1"/>
-              <a:t>gprof</a:t>
-            </a:r>
-            <a:r>
-              <a:rPr lang="en-GB" dirty="0"/>
-              <a:t>-output</a:t>
-            </a:r>
+            <a:endParaRPr lang="en-GB" dirty="0"/>
           </a:p>
         </p:txBody>
       </p:sp>
@@ -2229,7 +2189,7 @@
     </p:spTree>
     <p:extLst>
       <p:ext uri="{BB962C8B-B14F-4D97-AF65-F5344CB8AC3E}">
-        <p14:creationId xmlns:p14="http://schemas.microsoft.com/office/powerpoint/2010/main" val="306945067"/>
+        <p14:creationId xmlns:p14="http://schemas.microsoft.com/office/powerpoint/2010/main" val="1596395629"/>
       </p:ext>
     </p:extLst>
   </p:cSld>
@@ -2283,7 +2243,32 @@
           <a:bodyPr/>
           <a:lstStyle/>
           <a:p>
-            <a:endParaRPr lang="en-GB" dirty="0"/>
+            <a:r>
+              <a:rPr lang="en-GB" dirty="0"/>
+              <a:t>About GPROF output and I/O</a:t>
+            </a:r>
+          </a:p>
+          <a:p>
+            <a:r>
+              <a:rPr lang="en-GB" dirty="0"/>
+              <a:t>https://</a:t>
+            </a:r>
+            <a:r>
+              <a:rPr lang="en-GB" dirty="0" err="1"/>
+              <a:t>stackoverflow.com</a:t>
+            </a:r>
+            <a:r>
+              <a:rPr lang="en-GB" dirty="0"/>
+              <a:t>/questions/485649/confusing-</a:t>
+            </a:r>
+            <a:r>
+              <a:rPr lang="en-GB" dirty="0" err="1"/>
+              <a:t>gprof</a:t>
+            </a:r>
+            <a:r>
+              <a:rPr lang="en-GB" dirty="0"/>
+              <a:t>-output</a:t>
+            </a:r>
           </a:p>
         </p:txBody>
       </p:sp>
@@ -2313,7 +2298,7 @@
     </p:spTree>
     <p:extLst>
       <p:ext uri="{BB962C8B-B14F-4D97-AF65-F5344CB8AC3E}">
-        <p14:creationId xmlns:p14="http://schemas.microsoft.com/office/powerpoint/2010/main" val="1596395629"/>
+        <p14:creationId xmlns:p14="http://schemas.microsoft.com/office/powerpoint/2010/main" val="306945067"/>
       </p:ext>
     </p:extLst>
   </p:cSld>
@@ -7955,7 +7940,7 @@
         <p:spPr>
           <a:xfrm>
             <a:off x="339237" y="1784386"/>
-            <a:ext cx="11729252" cy="5078313"/>
+            <a:ext cx="11729252" cy="4801314"/>
           </a:xfrm>
           <a:prstGeom prst="rect">
             <a:avLst/>
@@ -7993,31 +7978,21 @@
               <a:rPr lang="en-US" dirty="0">
                 <a:cs typeface="Calibri"/>
               </a:rPr>
-              <a:t> NP CUDA threads ed </a:t>
-            </a:r>
-            <a:r>
-              <a:rPr lang="en-US" dirty="0" err="1">
-                <a:cs typeface="Calibri"/>
-              </a:rPr>
-              <a:t>esegue</a:t>
-            </a:r>
+              <a:t> NP CUDA threads, cisascuno calcola </a:t>
+            </a:r>
+            <a:r>
+              <a:rPr lang="en-US" u="sng" dirty="0">
+                <a:cs typeface="Calibri"/>
+              </a:rPr>
+              <a:t>in sequenza </a:t>
+            </a:r>
+          </a:p>
+          <a:p>
             <a:r>
               <a:rPr lang="en-US" dirty="0">
                 <a:cs typeface="Calibri"/>
               </a:rPr>
-              <a:t> una </a:t>
-            </a:r>
-            <a:r>
-              <a:rPr lang="en-US" dirty="0" err="1">
-                <a:cs typeface="Calibri"/>
-              </a:rPr>
-              <a:t>funzione</a:t>
-            </a:r>
-            <a:r>
-              <a:rPr lang="en-US" dirty="0">
-                <a:cs typeface="Calibri"/>
-              </a:rPr>
-              <a:t> O(NP)</a:t>
+              <a:t>la forza risultante dall’interazione con tutte le altre particelle.</a:t>
             </a:r>
           </a:p>
           <a:p>
@@ -8027,24 +8002,24 @@
           </a:p>
           <a:p>
             <a:r>
-              <a:rPr lang="en-US" u="sng" dirty="0" err="1">
+              <a:rPr lang="en-US" b="1" dirty="0" err="1">
                 <a:cs typeface="Calibri"/>
               </a:rPr>
               <a:t>Versioni</a:t>
             </a:r>
             <a:r>
-              <a:rPr lang="en-US" u="sng" dirty="0">
+              <a:rPr lang="en-US" b="1" dirty="0">
                 <a:cs typeface="Calibri"/>
               </a:rPr>
               <a:t> alternative di </a:t>
             </a:r>
             <a:r>
-              <a:rPr lang="en-US" u="sng" dirty="0" err="1">
+              <a:rPr lang="en-US" b="1" dirty="0" err="1">
                 <a:cs typeface="Calibri"/>
               </a:rPr>
               <a:t>ForceCompt_par</a:t>
             </a:r>
-            <a:endParaRPr lang="en-US" u="sng" dirty="0">
+            <a:endParaRPr lang="en-US" b="1" dirty="0">
               <a:cs typeface="Calibri"/>
             </a:endParaRPr>
           </a:p>
@@ -8425,11 +8400,6 @@
             </a:endParaRPr>
           </a:p>
           <a:p>
-            <a:endParaRPr lang="en-US" dirty="0">
-              <a:cs typeface="Calibri"/>
-            </a:endParaRPr>
-          </a:p>
-          <a:p>
             <a:r>
               <a:rPr lang="en-US" dirty="0" err="1">
                 <a:solidFill>
@@ -8585,7 +8555,7 @@
               <a:rPr lang="en-US" dirty="0">
                 <a:cs typeface="Calibri"/>
               </a:rPr>
-              <a:t> interagenti con j;</a:t>
+              <a:t> interagenti con j lungo valori diversi di i;</a:t>
             </a:r>
           </a:p>
           <a:p>
@@ -8649,164 +8619,8 @@
           </a:p>
           <a:p>
             <a:r>
-              <a:rPr lang="en-US" dirty="0" err="1">
-                <a:ea typeface="+mn-lt"/>
-                <a:cs typeface="+mn-lt"/>
-              </a:rPr>
-              <a:t>Entrambe</a:t>
-            </a:r>
-            <a:r>
-              <a:rPr lang="en-US" dirty="0">
-                <a:ea typeface="+mn-lt"/>
-                <a:cs typeface="+mn-lt"/>
-              </a:rPr>
-              <a:t> le </a:t>
-            </a:r>
-            <a:r>
-              <a:rPr lang="en-US" dirty="0" err="1">
-                <a:ea typeface="+mn-lt"/>
-                <a:cs typeface="+mn-lt"/>
-              </a:rPr>
-              <a:t>funzioni</a:t>
-            </a:r>
-            <a:r>
-              <a:rPr lang="en-US" dirty="0">
-                <a:ea typeface="+mn-lt"/>
-                <a:cs typeface="+mn-lt"/>
-              </a:rPr>
-              <a:t> </a:t>
-            </a:r>
-            <a:r>
-              <a:rPr lang="en-US" dirty="0" err="1">
-                <a:ea typeface="+mn-lt"/>
-                <a:cs typeface="+mn-lt"/>
-              </a:rPr>
-              <a:t>devono</a:t>
-            </a:r>
-            <a:r>
-              <a:rPr lang="en-US" dirty="0">
-                <a:ea typeface="+mn-lt"/>
-                <a:cs typeface="+mn-lt"/>
-              </a:rPr>
-              <a:t> </a:t>
-            </a:r>
-            <a:r>
-              <a:rPr lang="en-US" dirty="0" err="1">
-                <a:ea typeface="+mn-lt"/>
-                <a:cs typeface="+mn-lt"/>
-              </a:rPr>
-              <a:t>essere</a:t>
-            </a:r>
-            <a:r>
-              <a:rPr lang="en-US" dirty="0">
-                <a:ea typeface="+mn-lt"/>
-                <a:cs typeface="+mn-lt"/>
-              </a:rPr>
-              <a:t> </a:t>
-            </a:r>
-            <a:r>
-              <a:rPr lang="en-US" dirty="0" err="1">
-                <a:ea typeface="+mn-lt"/>
-                <a:cs typeface="+mn-lt"/>
-              </a:rPr>
-              <a:t>esguite</a:t>
-            </a:r>
-            <a:r>
-              <a:rPr lang="en-US" dirty="0">
-                <a:ea typeface="+mn-lt"/>
-                <a:cs typeface="+mn-lt"/>
-              </a:rPr>
-              <a:t> 2 volte per </a:t>
-            </a:r>
-            <a:r>
-              <a:rPr lang="en-US" dirty="0" err="1">
-                <a:ea typeface="+mn-lt"/>
-                <a:cs typeface="+mn-lt"/>
-              </a:rPr>
-              <a:t>calcolare</a:t>
-            </a:r>
-            <a:r>
-              <a:rPr lang="en-US" dirty="0">
-                <a:ea typeface="+mn-lt"/>
-                <a:cs typeface="+mn-lt"/>
-              </a:rPr>
-              <a:t> le </a:t>
-            </a:r>
-            <a:r>
-              <a:rPr lang="en-US" dirty="0" err="1">
-                <a:ea typeface="+mn-lt"/>
-                <a:cs typeface="+mn-lt"/>
-              </a:rPr>
-              <a:t>forze</a:t>
-            </a:r>
-            <a:r>
-              <a:rPr lang="en-US" dirty="0">
-                <a:ea typeface="+mn-lt"/>
-                <a:cs typeface="+mn-lt"/>
-              </a:rPr>
-              <a:t> prima </a:t>
-            </a:r>
-            <a:r>
-              <a:rPr lang="en-US" dirty="0" err="1">
-                <a:ea typeface="+mn-lt"/>
-                <a:cs typeface="+mn-lt"/>
-              </a:rPr>
-              <a:t>sull'asse</a:t>
-            </a:r>
-            <a:r>
-              <a:rPr lang="en-US" dirty="0">
-                <a:ea typeface="+mn-lt"/>
-                <a:cs typeface="+mn-lt"/>
-              </a:rPr>
-              <a:t> X e poi </a:t>
-            </a:r>
-            <a:r>
-              <a:rPr lang="en-US" dirty="0" err="1">
-                <a:ea typeface="+mn-lt"/>
-                <a:cs typeface="+mn-lt"/>
-              </a:rPr>
-              <a:t>su</a:t>
-            </a:r>
-            <a:r>
-              <a:rPr lang="en-US" dirty="0">
-                <a:ea typeface="+mn-lt"/>
-                <a:cs typeface="+mn-lt"/>
-              </a:rPr>
-              <a:t> </a:t>
-            </a:r>
-            <a:r>
-              <a:rPr lang="en-US" dirty="0" err="1">
-                <a:ea typeface="+mn-lt"/>
-                <a:cs typeface="+mn-lt"/>
-              </a:rPr>
-              <a:t>quello</a:t>
-            </a:r>
-            <a:r>
-              <a:rPr lang="en-US" dirty="0">
-                <a:ea typeface="+mn-lt"/>
-                <a:cs typeface="+mn-lt"/>
-              </a:rPr>
-              <a:t> Y.</a:t>
-            </a:r>
-          </a:p>
-          <a:p>
-            <a:r>
-              <a:rPr lang="en-US" dirty="0">
-                <a:cs typeface="Calibri" panose="020F0502020204030204"/>
-              </a:rPr>
-              <a:t>Tempo </a:t>
-            </a:r>
-            <a:r>
-              <a:rPr lang="en-US" dirty="0" err="1">
-                <a:cs typeface="Calibri" panose="020F0502020204030204"/>
-              </a:rPr>
-              <a:t>d'esecuzione</a:t>
-            </a:r>
-            <a:r>
-              <a:rPr lang="en-US" dirty="0">
-                <a:cs typeface="Calibri" panose="020F0502020204030204"/>
-              </a:rPr>
-              <a:t>: 4.9s (media di 10 test)</a:t>
+              <a:rPr lang="it-IT"/>
+              <a:t>Il calcolo della forza con ciascuna particella viene così parallelizzato (la somma finale non si può parallelizzare).</a:t>
             </a:r>
           </a:p>
         </p:txBody>
@@ -9160,7 +8974,7 @@
         <p:spPr>
           <a:xfrm>
             <a:off x="339237" y="1977729"/>
-            <a:ext cx="10893327" cy="4801314"/>
+            <a:ext cx="10893327" cy="4524315"/>
           </a:xfrm>
           <a:prstGeom prst="rect">
             <a:avLst/>
@@ -9177,169 +8991,189 @@
           <a:lstStyle/>
           <a:p>
             <a:r>
-              <a:rPr lang="en-US" b="1" dirty="0" err="1">
-                <a:cs typeface="Calibri"/>
-              </a:rPr>
-              <a:t>ForceCompt_par</a:t>
-            </a:r>
-            <a:r>
               <a:rPr lang="en-US" b="1" dirty="0">
                 <a:cs typeface="Calibri"/>
               </a:rPr>
-              <a:t> (v3)</a:t>
+              <a:t>Problema</a:t>
             </a:r>
             <a:r>
               <a:rPr lang="en-US" dirty="0">
                 <a:cs typeface="Calibri"/>
               </a:rPr>
-              <a:t> </a:t>
+              <a:t>: PopulationCompt_par è strutturata per salvare la forza scomposta tra </a:t>
+            </a:r>
+          </a:p>
+          <a:p>
+            <a:r>
+              <a:rPr lang="en-US" dirty="0">
+                <a:cs typeface="Calibri"/>
+              </a:rPr>
+              <a:t>le component X e Y. </a:t>
             </a:r>
             <a:r>
               <a:rPr lang="en-US" dirty="0" err="1">
-                <a:cs typeface="Calibri"/>
-              </a:rPr>
-              <a:t>aumenta</a:t>
+                <a:ea typeface="+mn-lt"/>
+                <a:cs typeface="+mn-lt"/>
+              </a:rPr>
+              <a:t>Entrambe</a:t>
             </a:r>
             <a:r>
               <a:rPr lang="en-US" dirty="0">
-                <a:cs typeface="Calibri"/>
-              </a:rPr>
-              <a:t> il </a:t>
+                <a:ea typeface="+mn-lt"/>
+                <a:cs typeface="+mn-lt"/>
+              </a:rPr>
+              <a:t> le </a:t>
             </a:r>
             <a:r>
               <a:rPr lang="en-US" dirty="0" err="1">
-                <a:cs typeface="Calibri"/>
-              </a:rPr>
-              <a:t>parallelismo</a:t>
+                <a:ea typeface="+mn-lt"/>
+                <a:cs typeface="+mn-lt"/>
+              </a:rPr>
+              <a:t>funzioni</a:t>
             </a:r>
             <a:r>
               <a:rPr lang="en-US" dirty="0">
-                <a:cs typeface="Calibri"/>
-              </a:rPr>
-              <a:t> in </a:t>
+                <a:ea typeface="+mn-lt"/>
+                <a:cs typeface="+mn-lt"/>
+              </a:rPr>
+              <a:t> </a:t>
             </a:r>
             <a:r>
               <a:rPr lang="en-US" dirty="0" err="1">
-                <a:cs typeface="Calibri"/>
-              </a:rPr>
-              <a:t>cambio</a:t>
+                <a:ea typeface="+mn-lt"/>
+                <a:cs typeface="+mn-lt"/>
+              </a:rPr>
+              <a:t>devono</a:t>
             </a:r>
             <a:r>
               <a:rPr lang="en-US" dirty="0">
-                <a:cs typeface="Calibri"/>
-              </a:rPr>
-              <a:t> di </a:t>
+                <a:ea typeface="+mn-lt"/>
+                <a:cs typeface="+mn-lt"/>
+              </a:rPr>
+              <a:t> </a:t>
             </a:r>
             <a:r>
               <a:rPr lang="en-US" dirty="0" err="1">
-                <a:cs typeface="Calibri"/>
-              </a:rPr>
-              <a:t>spazio</a:t>
+                <a:ea typeface="+mn-lt"/>
+                <a:cs typeface="+mn-lt"/>
+              </a:rPr>
+              <a:t>essere</a:t>
             </a:r>
             <a:r>
               <a:rPr lang="en-US" dirty="0">
-                <a:cs typeface="Calibri"/>
-              </a:rPr>
-              <a:t> di </a:t>
+                <a:ea typeface="+mn-lt"/>
+                <a:cs typeface="+mn-lt"/>
+              </a:rPr>
+              <a:t> </a:t>
             </a:r>
             <a:r>
               <a:rPr lang="en-US" dirty="0" err="1">
-                <a:cs typeface="Calibri"/>
-              </a:rPr>
-              <a:t>memoria</a:t>
+                <a:ea typeface="+mn-lt"/>
+                <a:cs typeface="+mn-lt"/>
+              </a:rPr>
+              <a:t>esguite</a:t>
             </a:r>
             <a:r>
               <a:rPr lang="en-US" dirty="0">
-                <a:cs typeface="Calibri"/>
+                <a:ea typeface="+mn-lt"/>
+                <a:cs typeface="+mn-lt"/>
+              </a:rPr>
+              <a:t> 2 volte per </a:t>
+            </a:r>
+            <a:r>
+              <a:rPr lang="en-US" dirty="0" err="1">
+                <a:ea typeface="+mn-lt"/>
+                <a:cs typeface="+mn-lt"/>
+              </a:rPr>
+              <a:t>calcolare</a:t>
+            </a:r>
+            <a:r>
+              <a:rPr lang="en-US" dirty="0">
+                <a:ea typeface="+mn-lt"/>
+                <a:cs typeface="+mn-lt"/>
+              </a:rPr>
+              <a:t> le </a:t>
+            </a:r>
+          </a:p>
+          <a:p>
+            <a:r>
+              <a:rPr lang="en-US" dirty="0" err="1">
+                <a:ea typeface="+mn-lt"/>
+                <a:cs typeface="+mn-lt"/>
+              </a:rPr>
+              <a:t>forze</a:t>
+            </a:r>
+            <a:r>
+              <a:rPr lang="en-US" dirty="0">
+                <a:ea typeface="+mn-lt"/>
+                <a:cs typeface="+mn-lt"/>
+              </a:rPr>
+              <a:t> prima </a:t>
+            </a:r>
+            <a:r>
+              <a:rPr lang="en-US" dirty="0" err="1">
+                <a:ea typeface="+mn-lt"/>
+                <a:cs typeface="+mn-lt"/>
+              </a:rPr>
+              <a:t>sull'asse</a:t>
+            </a:r>
+            <a:r>
+              <a:rPr lang="en-US" dirty="0">
+                <a:ea typeface="+mn-lt"/>
+                <a:cs typeface="+mn-lt"/>
+              </a:rPr>
+              <a:t> X e poi </a:t>
+            </a:r>
+            <a:r>
+              <a:rPr lang="en-US" dirty="0" err="1">
+                <a:ea typeface="+mn-lt"/>
+                <a:cs typeface="+mn-lt"/>
+              </a:rPr>
+              <a:t>su</a:t>
+            </a:r>
+            <a:r>
+              <a:rPr lang="en-US" dirty="0">
+                <a:ea typeface="+mn-lt"/>
+                <a:cs typeface="+mn-lt"/>
+              </a:rPr>
+              <a:t> </a:t>
+            </a:r>
+            <a:r>
+              <a:rPr lang="en-US" dirty="0" err="1">
+                <a:ea typeface="+mn-lt"/>
+                <a:cs typeface="+mn-lt"/>
+              </a:rPr>
+              <a:t>quello</a:t>
+            </a:r>
+            <a:r>
+              <a:rPr lang="en-US" dirty="0">
+                <a:ea typeface="+mn-lt"/>
+                <a:cs typeface="+mn-lt"/>
+              </a:rPr>
+              <a:t> Y.</a:t>
+            </a:r>
+          </a:p>
+          <a:p>
+            <a:endParaRPr lang="en-US" dirty="0">
+              <a:ea typeface="+mn-lt"/>
+              <a:cs typeface="+mn-lt"/>
+            </a:endParaRPr>
+          </a:p>
+          <a:p>
+            <a:r>
+              <a:rPr lang="en-US" b="1" dirty="0">
+                <a:ea typeface="+mn-lt"/>
+                <a:cs typeface="+mn-lt"/>
+              </a:rPr>
+              <a:t>Soluzione</a:t>
+            </a:r>
+            <a:r>
+              <a:rPr lang="en-US" dirty="0">
+                <a:ea typeface="+mn-lt"/>
+                <a:cs typeface="+mn-lt"/>
               </a:rPr>
               <a:t>:</a:t>
             </a:r>
-          </a:p>
-          <a:p>
-            <a:endParaRPr lang="en-US" dirty="0">
-              <a:cs typeface="Calibri"/>
-            </a:endParaRPr>
-          </a:p>
-          <a:p>
-            <a:r>
-              <a:rPr lang="en-US" dirty="0" err="1">
-                <a:cs typeface="Calibri"/>
-              </a:rPr>
-              <a:t>Dividiamo</a:t>
-            </a:r>
-            <a:r>
-              <a:rPr lang="en-US" dirty="0">
-                <a:cs typeface="Calibri"/>
-              </a:rPr>
-              <a:t> </a:t>
-            </a:r>
-            <a:r>
-              <a:rPr lang="en-US" dirty="0" err="1">
-                <a:cs typeface="Calibri"/>
-              </a:rPr>
-              <a:t>ulteriormente</a:t>
-            </a:r>
-            <a:r>
-              <a:rPr lang="en-US" dirty="0">
-                <a:cs typeface="Calibri"/>
-              </a:rPr>
-              <a:t> le </a:t>
-            </a:r>
-            <a:r>
-              <a:rPr lang="en-US" dirty="0" err="1">
-                <a:cs typeface="Calibri"/>
-              </a:rPr>
-              <a:t>funzioni</a:t>
-            </a:r>
-            <a:r>
-              <a:rPr lang="en-US" dirty="0">
-                <a:cs typeface="Calibri"/>
-              </a:rPr>
-              <a:t> </a:t>
-            </a:r>
-            <a:r>
-              <a:rPr lang="en-US" dirty="0" err="1">
-                <a:cs typeface="Calibri"/>
-              </a:rPr>
-              <a:t>ForceCompt_par</a:t>
-            </a:r>
-            <a:r>
-              <a:rPr lang="en-US" dirty="0">
-                <a:cs typeface="Calibri"/>
-              </a:rPr>
-              <a:t> e </a:t>
-            </a:r>
-            <a:r>
-              <a:rPr lang="en-US" dirty="0" err="1">
-                <a:cs typeface="Calibri"/>
-              </a:rPr>
-              <a:t>ReduceForce</a:t>
-            </a:r>
-            <a:r>
-              <a:rPr lang="en-US" dirty="0">
-                <a:cs typeface="Calibri"/>
-              </a:rPr>
-              <a:t> in 2 stream di </a:t>
-            </a:r>
-            <a:r>
-              <a:rPr lang="en-US" dirty="0" err="1">
-                <a:cs typeface="Calibri"/>
-              </a:rPr>
-              <a:t>esecuzione</a:t>
-            </a:r>
-            <a:r>
-              <a:rPr lang="en-US" dirty="0">
-                <a:cs typeface="Calibri"/>
-              </a:rPr>
-              <a:t>:</a:t>
-            </a:r>
-          </a:p>
-          <a:p>
-            <a:endParaRPr lang="en-US" dirty="0">
-              <a:cs typeface="Calibri"/>
-            </a:endParaRPr>
-          </a:p>
-          <a:p>
             <a:endParaRPr lang="en-US" dirty="0">
               <a:solidFill>
                 <a:srgbClr val="000000"/>
@@ -9645,30 +9479,6 @@
             </a:endParaRPr>
           </a:p>
           <a:p>
-            <a:endParaRPr lang="en-US" dirty="0">
-              <a:ea typeface="+mn-lt"/>
-              <a:cs typeface="+mn-lt"/>
-            </a:endParaRPr>
-          </a:p>
-          <a:p>
-            <a:r>
-              <a:rPr lang="en-US" dirty="0">
-                <a:cs typeface="Calibri"/>
-              </a:rPr>
-              <a:t>Tempo </a:t>
-            </a:r>
-            <a:r>
-              <a:rPr lang="en-US" dirty="0" err="1">
-                <a:cs typeface="Calibri"/>
-              </a:rPr>
-              <a:t>d'esecuzione</a:t>
-            </a:r>
-            <a:r>
-              <a:rPr lang="en-US" dirty="0">
-                <a:cs typeface="Calibri"/>
-              </a:rPr>
-              <a:t>: 6.1 s (media di 10 test)</a:t>
-            </a:r>
             <a:endParaRPr lang="en-US" dirty="0">
               <a:ea typeface="+mn-lt"/>
               <a:cs typeface="+mn-lt"/>
@@ -10520,15 +10330,38 @@
               <a:rPr lang="en-US" dirty="0" err="1">
                 <a:cs typeface="Calibri"/>
               </a:rPr>
-              <a:t>forces_dev_temp</a:t>
-            </a:r>
+              <a:t>ciascun stream opera su una matrice </a:t>
+            </a:r>
+          </a:p>
+          <a:p>
             <a:r>
               <a:rPr lang="en-US" dirty="0">
                 <a:cs typeface="Calibri"/>
               </a:rPr>
-              <a:t> è NP x NP x double! (3.561,78 MB)</a:t>
-            </a:r>
-            <a:endParaRPr lang="en-US" dirty="0"/>
+              <a:t>NP x NP x double! (3.561,78 MB). </a:t>
+            </a:r>
+            <a:r>
+              <a:rPr lang="en-US" strike="sngStrike" dirty="0">
+                <a:cs typeface="Calibri"/>
+              </a:rPr>
+              <a:t>Tempo </a:t>
+            </a:r>
+            <a:r>
+              <a:rPr lang="en-US" strike="sngStrike" dirty="0" err="1">
+                <a:cs typeface="Calibri"/>
+              </a:rPr>
+              <a:t>d'esecuzione</a:t>
+            </a:r>
+            <a:r>
+              <a:rPr lang="en-US" strike="sngStrike" dirty="0">
+                <a:cs typeface="Calibri"/>
+              </a:rPr>
+              <a:t>: 6.1 s (media di 10 test)</a:t>
+            </a:r>
+            <a:endParaRPr lang="en-US" strike="sngStrike" dirty="0">
+              <a:ea typeface="+mn-lt"/>
+              <a:cs typeface="+mn-lt"/>
+            </a:endParaRPr>
           </a:p>
         </p:txBody>
       </p:sp>
@@ -10567,7 +10400,7 @@
           <p:cNvPr id="2" name="Titolo 1">
             <a:extLst>
               <a:ext uri="{FF2B5EF4-FFF2-40B4-BE49-F238E27FC236}">
-                <a16:creationId xmlns:a16="http://schemas.microsoft.com/office/drawing/2014/main" id="{1F44E06D-7101-2644-844A-95EA9004E599}"/>
+                <a16:creationId xmlns:a16="http://schemas.microsoft.com/office/drawing/2014/main" id="{35592CAD-C2CD-3641-9AC1-502343055CC5}"/>
               </a:ext>
             </a:extLst>
           </p:cNvPr>
@@ -10585,939 +10418,24 @@
           <a:p>
             <a:r>
               <a:rPr lang="en-US" dirty="0" err="1"/>
-              <a:t>Misure</a:t>
+              <a:t>Ottimizzazione</a:t>
             </a:r>
             <a:r>
               <a:rPr lang="en-US" dirty="0"/>
-              <a:t> di performance del </a:t>
+              <a:t> (5): </a:t>
             </a:r>
             <a:r>
               <a:rPr lang="en-US" dirty="0" err="1"/>
-              <a:t>calcolo</a:t>
-            </a:r>
-            <a:r>
-              <a:rPr lang="en-US" dirty="0"/>
-              <a:t> </a:t>
-            </a:r>
-            <a:r>
-              <a:rPr lang="en-US" dirty="0" err="1"/>
-              <a:t>ottimizzato</a:t>
-            </a:r>
-          </a:p>
-        </p:txBody>
-      </p:sp>
-      <p:sp>
-        <p:nvSpPr>
-          <p:cNvPr id="3" name="Segnaposto contenuto 2">
-            <a:extLst>
-              <a:ext uri="{FF2B5EF4-FFF2-40B4-BE49-F238E27FC236}">
-                <a16:creationId xmlns:a16="http://schemas.microsoft.com/office/drawing/2014/main" id="{C4A50D78-DCAA-CE40-99F1-3D366AA562ED}"/>
-              </a:ext>
-            </a:extLst>
-          </p:cNvPr>
-          <p:cNvSpPr>
-            <a:spLocks noGrp="1"/>
-          </p:cNvSpPr>
-          <p:nvPr>
-            <p:ph idx="1"/>
-          </p:nvPr>
-        </p:nvSpPr>
-        <p:spPr>
-          <a:xfrm>
-            <a:off x="228600" y="3821615"/>
-            <a:ext cx="8569036" cy="2490284"/>
-          </a:xfrm>
-        </p:spPr>
-        <p:txBody>
-          <a:bodyPr vert="horz" lIns="91440" tIns="45720" rIns="91440" bIns="45720" rtlCol="0" anchor="t">
-            <a:normAutofit/>
-          </a:bodyPr>
-          <a:lstStyle/>
-          <a:p>
-            <a:r>
-              <a:rPr lang="en-US" sz="2000" dirty="0">
-                <a:cs typeface="Calibri"/>
-              </a:rPr>
-              <a:t>Speed up = Ts / Tp1 =  209,2 / 4 = 52x</a:t>
+              <a:t>ParticleScreen_par</a:t>
             </a:r>
             <a:endParaRPr lang="en-US" dirty="0"/>
-          </a:p>
-          <a:p>
-            <a:r>
-              <a:rPr lang="en-US" sz="2000" dirty="0">
-                <a:cs typeface="Calibri"/>
-              </a:rPr>
-              <a:t>CUDA threads: </a:t>
-            </a:r>
-            <a:r>
-              <a:rPr lang="en-US" sz="2000" dirty="0">
-                <a:ea typeface="+mn-lt"/>
-                <a:cs typeface="+mn-lt"/>
-              </a:rPr>
-              <a:t>21352 (=NP)</a:t>
-            </a:r>
-          </a:p>
-        </p:txBody>
-      </p:sp>
-      <p:sp>
-        <p:nvSpPr>
-          <p:cNvPr id="4" name="Rettangolo con angoli arrotondati 3">
-            <a:extLst>
-              <a:ext uri="{FF2B5EF4-FFF2-40B4-BE49-F238E27FC236}">
-                <a16:creationId xmlns:a16="http://schemas.microsoft.com/office/drawing/2014/main" id="{6C74F786-3AF7-D24B-8192-4697AE48A6F6}"/>
-              </a:ext>
-            </a:extLst>
-          </p:cNvPr>
-          <p:cNvSpPr/>
-          <p:nvPr/>
-        </p:nvSpPr>
-        <p:spPr>
-          <a:xfrm>
-            <a:off x="8712437" y="2957411"/>
-            <a:ext cx="3117272" cy="568037"/>
-          </a:xfrm>
-          <a:prstGeom prst="roundRect">
-            <a:avLst/>
-          </a:prstGeom>
-        </p:spPr>
-        <p:style>
-          <a:lnRef idx="1">
-            <a:schemeClr val="accent4"/>
-          </a:lnRef>
-          <a:fillRef idx="2">
-            <a:schemeClr val="accent4"/>
-          </a:fillRef>
-          <a:effectRef idx="1">
-            <a:schemeClr val="accent4"/>
-          </a:effectRef>
-          <a:fontRef idx="minor">
-            <a:schemeClr val="dk1"/>
-          </a:fontRef>
-        </p:style>
-        <p:txBody>
-          <a:bodyPr rtlCol="0" anchor="ctr"/>
-          <a:lstStyle/>
-          <a:p>
-            <a:pPr algn="ctr"/>
-            <a:r>
-              <a:rPr lang="en-GB" dirty="0"/>
-              <a:t>HARDWARE USED </a:t>
-            </a:r>
-          </a:p>
-        </p:txBody>
-      </p:sp>
-      <p:sp>
-        <p:nvSpPr>
-          <p:cNvPr id="5" name="Rettangolo con angoli arrotondati 4">
-            <a:extLst>
-              <a:ext uri="{FF2B5EF4-FFF2-40B4-BE49-F238E27FC236}">
-                <a16:creationId xmlns:a16="http://schemas.microsoft.com/office/drawing/2014/main" id="{3160EB98-A43C-2A4F-993C-69976B419DC5}"/>
-              </a:ext>
-            </a:extLst>
-          </p:cNvPr>
-          <p:cNvSpPr/>
-          <p:nvPr/>
-        </p:nvSpPr>
-        <p:spPr>
-          <a:xfrm>
-            <a:off x="8712437" y="3632677"/>
-            <a:ext cx="3117272" cy="1915536"/>
-          </a:xfrm>
-          <a:prstGeom prst="roundRect">
-            <a:avLst/>
-          </a:prstGeom>
-        </p:spPr>
-        <p:style>
-          <a:lnRef idx="1">
-            <a:schemeClr val="accent4"/>
-          </a:lnRef>
-          <a:fillRef idx="2">
-            <a:schemeClr val="accent4"/>
-          </a:fillRef>
-          <a:effectRef idx="1">
-            <a:schemeClr val="accent4"/>
-          </a:effectRef>
-          <a:fontRef idx="minor">
-            <a:schemeClr val="dk1"/>
-          </a:fontRef>
-        </p:style>
-        <p:txBody>
-          <a:bodyPr rtlCol="0" anchor="ctr"/>
-          <a:lstStyle/>
-          <a:p>
-            <a:pPr algn="ctr"/>
-            <a:r>
-              <a:rPr lang="en-GB" dirty="0"/>
-              <a:t>TECHNICAL</a:t>
-            </a:r>
-          </a:p>
-          <a:p>
-            <a:pPr algn="ctr"/>
-            <a:r>
-              <a:rPr lang="en-GB" dirty="0"/>
-              <a:t>SPECIFICATIONS</a:t>
-            </a:r>
-          </a:p>
-        </p:txBody>
-      </p:sp>
-      <p:sp>
-        <p:nvSpPr>
-          <p:cNvPr id="6" name="CasellaDiTesto 5">
-            <a:extLst>
-              <a:ext uri="{FF2B5EF4-FFF2-40B4-BE49-F238E27FC236}">
-                <a16:creationId xmlns:a16="http://schemas.microsoft.com/office/drawing/2014/main" id="{FE9C696D-0043-B84B-AC05-7DE26514D580}"/>
-              </a:ext>
-            </a:extLst>
-          </p:cNvPr>
-          <p:cNvSpPr txBox="1"/>
-          <p:nvPr/>
-        </p:nvSpPr>
-        <p:spPr>
-          <a:xfrm>
-            <a:off x="2743200" y="1540224"/>
-            <a:ext cx="4946072" cy="369332"/>
-          </a:xfrm>
-          <a:prstGeom prst="rect">
-            <a:avLst/>
-          </a:prstGeom>
-          <a:noFill/>
-        </p:spPr>
-        <p:txBody>
-          <a:bodyPr wrap="square" rtlCol="0">
-            <a:spAutoFit/>
-          </a:bodyPr>
-          <a:lstStyle/>
-          <a:p>
-            <a:r>
-              <a:rPr lang="en-GB" dirty="0"/>
-              <a:t>-- subsample on 10 iterations particle dynamics --</a:t>
-            </a:r>
-          </a:p>
-        </p:txBody>
-      </p:sp>
-      <p:sp>
-        <p:nvSpPr>
-          <p:cNvPr id="8" name="Segnaposto contenuto 2">
-            <a:extLst>
-              <a:ext uri="{FF2B5EF4-FFF2-40B4-BE49-F238E27FC236}">
-                <a16:creationId xmlns:a16="http://schemas.microsoft.com/office/drawing/2014/main" id="{79E87BCA-5077-BC41-B42E-29374A77F4DD}"/>
-              </a:ext>
-            </a:extLst>
-          </p:cNvPr>
-          <p:cNvSpPr txBox="1">
-            <a:spLocks/>
-          </p:cNvSpPr>
-          <p:nvPr/>
-        </p:nvSpPr>
-        <p:spPr>
-          <a:xfrm>
-            <a:off x="462103" y="2392916"/>
-            <a:ext cx="3874811" cy="383531"/>
-          </a:xfrm>
-          <a:prstGeom prst="rect">
-            <a:avLst/>
-          </a:prstGeom>
-          <a:ln w="28575">
-            <a:solidFill>
-              <a:schemeClr val="tx1"/>
-            </a:solidFill>
-          </a:ln>
-        </p:spPr>
-        <p:txBody>
-          <a:bodyPr vert="horz" wrap="square" lIns="91440" tIns="45720" rIns="91440" bIns="45720" rtlCol="0" anchor="ctr" anchorCtr="0">
-            <a:spAutoFit/>
-          </a:bodyPr>
-          <a:lstStyle>
-            <a:lvl1pPr marL="228600" indent="-228600" algn="l" defTabSz="914400" rtl="0" eaLnBrk="1" latinLnBrk="0" hangingPunct="1">
-              <a:lnSpc>
-                <a:spcPct val="90000"/>
-              </a:lnSpc>
-              <a:spcBef>
-                <a:spcPts val="1000"/>
-              </a:spcBef>
-              <a:buFont typeface="Arial" panose="020B0604020202020204" pitchFamily="34" charset="0"/>
-              <a:buChar char="•"/>
-              <a:defRPr sz="2800" kern="1200">
-                <a:solidFill>
-                  <a:schemeClr val="tx1"/>
-                </a:solidFill>
-                <a:latin typeface="+mn-lt"/>
-                <a:ea typeface="+mn-ea"/>
-                <a:cs typeface="+mn-cs"/>
-              </a:defRPr>
-            </a:lvl1pPr>
-            <a:lvl2pPr marL="685800" indent="-228600" algn="l" defTabSz="914400" rtl="0" eaLnBrk="1" latinLnBrk="0" hangingPunct="1">
-              <a:lnSpc>
-                <a:spcPct val="90000"/>
-              </a:lnSpc>
-              <a:spcBef>
-                <a:spcPts val="500"/>
-              </a:spcBef>
-              <a:buFont typeface="Arial" panose="020B0604020202020204" pitchFamily="34" charset="0"/>
-              <a:buChar char="•"/>
-              <a:defRPr sz="2400" kern="1200">
-                <a:solidFill>
-                  <a:schemeClr val="tx1"/>
-                </a:solidFill>
-                <a:latin typeface="+mn-lt"/>
-                <a:ea typeface="+mn-ea"/>
-                <a:cs typeface="+mn-cs"/>
-              </a:defRPr>
-            </a:lvl2pPr>
-            <a:lvl3pPr marL="1143000" indent="-228600" algn="l" defTabSz="914400" rtl="0" eaLnBrk="1" latinLnBrk="0" hangingPunct="1">
-              <a:lnSpc>
-                <a:spcPct val="90000"/>
-              </a:lnSpc>
-              <a:spcBef>
-                <a:spcPts val="500"/>
-              </a:spcBef>
-              <a:buFont typeface="Arial" panose="020B0604020202020204" pitchFamily="34" charset="0"/>
-              <a:buChar char="•"/>
-              <a:defRPr sz="2000" kern="1200">
-                <a:solidFill>
-                  <a:schemeClr val="tx1"/>
-                </a:solidFill>
-                <a:latin typeface="+mn-lt"/>
-                <a:ea typeface="+mn-ea"/>
-                <a:cs typeface="+mn-cs"/>
-              </a:defRPr>
-            </a:lvl3pPr>
-            <a:lvl4pPr marL="1600200" indent="-228600" algn="l" defTabSz="914400" rtl="0" eaLnBrk="1" latinLnBrk="0" hangingPunct="1">
-              <a:lnSpc>
-                <a:spcPct val="90000"/>
-              </a:lnSpc>
-              <a:spcBef>
-                <a:spcPts val="500"/>
-              </a:spcBef>
-              <a:buFont typeface="Arial" panose="020B0604020202020204" pitchFamily="34" charset="0"/>
-              <a:buChar char="•"/>
-              <a:defRPr sz="1800" kern="1200">
-                <a:solidFill>
-                  <a:schemeClr val="tx1"/>
-                </a:solidFill>
-                <a:latin typeface="+mn-lt"/>
-                <a:ea typeface="+mn-ea"/>
-                <a:cs typeface="+mn-cs"/>
-              </a:defRPr>
-            </a:lvl4pPr>
-            <a:lvl5pPr marL="2057400" indent="-228600" algn="l" defTabSz="914400" rtl="0" eaLnBrk="1" latinLnBrk="0" hangingPunct="1">
-              <a:lnSpc>
-                <a:spcPct val="90000"/>
-              </a:lnSpc>
-              <a:spcBef>
-                <a:spcPts val="500"/>
-              </a:spcBef>
-              <a:buFont typeface="Arial" panose="020B0604020202020204" pitchFamily="34" charset="0"/>
-              <a:buChar char="•"/>
-              <a:defRPr sz="1800" kern="1200">
-                <a:solidFill>
-                  <a:schemeClr val="tx1"/>
-                </a:solidFill>
-                <a:latin typeface="+mn-lt"/>
-                <a:ea typeface="+mn-ea"/>
-                <a:cs typeface="+mn-cs"/>
-              </a:defRPr>
-            </a:lvl5pPr>
-            <a:lvl6pPr marL="2514600" indent="-228600" algn="l" defTabSz="914400" rtl="0" eaLnBrk="1" latinLnBrk="0" hangingPunct="1">
-              <a:lnSpc>
-                <a:spcPct val="90000"/>
-              </a:lnSpc>
-              <a:spcBef>
-                <a:spcPts val="500"/>
-              </a:spcBef>
-              <a:buFont typeface="Arial" panose="020B0604020202020204" pitchFamily="34" charset="0"/>
-              <a:buChar char="•"/>
-              <a:defRPr sz="1800" kern="1200">
-                <a:solidFill>
-                  <a:schemeClr val="tx1"/>
-                </a:solidFill>
-                <a:latin typeface="+mn-lt"/>
-                <a:ea typeface="+mn-ea"/>
-                <a:cs typeface="+mn-cs"/>
-              </a:defRPr>
-            </a:lvl6pPr>
-            <a:lvl7pPr marL="2971800" indent="-228600" algn="l" defTabSz="914400" rtl="0" eaLnBrk="1" latinLnBrk="0" hangingPunct="1">
-              <a:lnSpc>
-                <a:spcPct val="90000"/>
-              </a:lnSpc>
-              <a:spcBef>
-                <a:spcPts val="500"/>
-              </a:spcBef>
-              <a:buFont typeface="Arial" panose="020B0604020202020204" pitchFamily="34" charset="0"/>
-              <a:buChar char="•"/>
-              <a:defRPr sz="1800" kern="1200">
-                <a:solidFill>
-                  <a:schemeClr val="tx1"/>
-                </a:solidFill>
-                <a:latin typeface="+mn-lt"/>
-                <a:ea typeface="+mn-ea"/>
-                <a:cs typeface="+mn-cs"/>
-              </a:defRPr>
-            </a:lvl7pPr>
-            <a:lvl8pPr marL="3429000" indent="-228600" algn="l" defTabSz="914400" rtl="0" eaLnBrk="1" latinLnBrk="0" hangingPunct="1">
-              <a:lnSpc>
-                <a:spcPct val="90000"/>
-              </a:lnSpc>
-              <a:spcBef>
-                <a:spcPts val="500"/>
-              </a:spcBef>
-              <a:buFont typeface="Arial" panose="020B0604020202020204" pitchFamily="34" charset="0"/>
-              <a:buChar char="•"/>
-              <a:defRPr sz="1800" kern="1200">
-                <a:solidFill>
-                  <a:schemeClr val="tx1"/>
-                </a:solidFill>
-                <a:latin typeface="+mn-lt"/>
-                <a:ea typeface="+mn-ea"/>
-                <a:cs typeface="+mn-cs"/>
-              </a:defRPr>
-            </a:lvl8pPr>
-            <a:lvl9pPr marL="3886200" indent="-228600" algn="l" defTabSz="914400" rtl="0" eaLnBrk="1" latinLnBrk="0" hangingPunct="1">
-              <a:lnSpc>
-                <a:spcPct val="90000"/>
-              </a:lnSpc>
-              <a:spcBef>
-                <a:spcPts val="500"/>
-              </a:spcBef>
-              <a:buFont typeface="Arial" panose="020B0604020202020204" pitchFamily="34" charset="0"/>
-              <a:buChar char="•"/>
-              <a:defRPr sz="1800" kern="1200">
-                <a:solidFill>
-                  <a:schemeClr val="tx1"/>
-                </a:solidFill>
-                <a:latin typeface="+mn-lt"/>
-                <a:ea typeface="+mn-ea"/>
-                <a:cs typeface="+mn-cs"/>
-              </a:defRPr>
-            </a:lvl9pPr>
-          </a:lstStyle>
-          <a:p>
-            <a:pPr marL="0" indent="0" algn="ctr">
-              <a:buNone/>
-            </a:pPr>
-            <a:r>
-              <a:rPr lang="en-US" sz="2000" i="1" dirty="0"/>
-              <a:t>Serial time (Ts) = 3m29,220s</a:t>
-            </a:r>
-          </a:p>
-        </p:txBody>
-      </p:sp>
-      <p:sp>
-        <p:nvSpPr>
-          <p:cNvPr id="15" name="Segnaposto contenuto 2">
-            <a:extLst>
-              <a:ext uri="{FF2B5EF4-FFF2-40B4-BE49-F238E27FC236}">
-                <a16:creationId xmlns:a16="http://schemas.microsoft.com/office/drawing/2014/main" id="{D2B3497B-DA3F-4D28-B4B4-FFBDC1B8FC1A}"/>
-              </a:ext>
-            </a:extLst>
-          </p:cNvPr>
-          <p:cNvSpPr txBox="1">
-            <a:spLocks/>
-          </p:cNvSpPr>
-          <p:nvPr/>
-        </p:nvSpPr>
-        <p:spPr>
-          <a:xfrm>
-            <a:off x="446985" y="3048426"/>
-            <a:ext cx="4847218" cy="383530"/>
-          </a:xfrm>
-          <a:prstGeom prst="rect">
-            <a:avLst/>
-          </a:prstGeom>
-          <a:ln w="28575">
-            <a:solidFill>
-              <a:schemeClr val="tx1"/>
-            </a:solidFill>
-          </a:ln>
-        </p:spPr>
-        <p:txBody>
-          <a:bodyPr vert="horz" wrap="square" lIns="91440" tIns="45720" rIns="91440" bIns="45720" rtlCol="0" anchor="ctr" anchorCtr="0">
-            <a:spAutoFit/>
-          </a:bodyPr>
-          <a:lstStyle>
-            <a:lvl1pPr marL="228600" indent="-228600" algn="l" defTabSz="914400" rtl="0" eaLnBrk="1" latinLnBrk="0" hangingPunct="1">
-              <a:lnSpc>
-                <a:spcPct val="90000"/>
-              </a:lnSpc>
-              <a:spcBef>
-                <a:spcPts val="1000"/>
-              </a:spcBef>
-              <a:buFont typeface="Arial" panose="020B0604020202020204" pitchFamily="34" charset="0"/>
-              <a:buChar char="•"/>
-              <a:defRPr sz="2800" kern="1200">
-                <a:solidFill>
-                  <a:schemeClr val="tx1"/>
-                </a:solidFill>
-                <a:latin typeface="+mn-lt"/>
-                <a:ea typeface="+mn-ea"/>
-                <a:cs typeface="+mn-cs"/>
-              </a:defRPr>
-            </a:lvl1pPr>
-            <a:lvl2pPr marL="685800" indent="-228600" algn="l" defTabSz="914400" rtl="0" eaLnBrk="1" latinLnBrk="0" hangingPunct="1">
-              <a:lnSpc>
-                <a:spcPct val="90000"/>
-              </a:lnSpc>
-              <a:spcBef>
-                <a:spcPts val="500"/>
-              </a:spcBef>
-              <a:buFont typeface="Arial" panose="020B0604020202020204" pitchFamily="34" charset="0"/>
-              <a:buChar char="•"/>
-              <a:defRPr sz="2400" kern="1200">
-                <a:solidFill>
-                  <a:schemeClr val="tx1"/>
-                </a:solidFill>
-                <a:latin typeface="+mn-lt"/>
-                <a:ea typeface="+mn-ea"/>
-                <a:cs typeface="+mn-cs"/>
-              </a:defRPr>
-            </a:lvl2pPr>
-            <a:lvl3pPr marL="1143000" indent="-228600" algn="l" defTabSz="914400" rtl="0" eaLnBrk="1" latinLnBrk="0" hangingPunct="1">
-              <a:lnSpc>
-                <a:spcPct val="90000"/>
-              </a:lnSpc>
-              <a:spcBef>
-                <a:spcPts val="500"/>
-              </a:spcBef>
-              <a:buFont typeface="Arial" panose="020B0604020202020204" pitchFamily="34" charset="0"/>
-              <a:buChar char="•"/>
-              <a:defRPr sz="2000" kern="1200">
-                <a:solidFill>
-                  <a:schemeClr val="tx1"/>
-                </a:solidFill>
-                <a:latin typeface="+mn-lt"/>
-                <a:ea typeface="+mn-ea"/>
-                <a:cs typeface="+mn-cs"/>
-              </a:defRPr>
-            </a:lvl3pPr>
-            <a:lvl4pPr marL="1600200" indent="-228600" algn="l" defTabSz="914400" rtl="0" eaLnBrk="1" latinLnBrk="0" hangingPunct="1">
-              <a:lnSpc>
-                <a:spcPct val="90000"/>
-              </a:lnSpc>
-              <a:spcBef>
-                <a:spcPts val="500"/>
-              </a:spcBef>
-              <a:buFont typeface="Arial" panose="020B0604020202020204" pitchFamily="34" charset="0"/>
-              <a:buChar char="•"/>
-              <a:defRPr sz="1800" kern="1200">
-                <a:solidFill>
-                  <a:schemeClr val="tx1"/>
-                </a:solidFill>
-                <a:latin typeface="+mn-lt"/>
-                <a:ea typeface="+mn-ea"/>
-                <a:cs typeface="+mn-cs"/>
-              </a:defRPr>
-            </a:lvl4pPr>
-            <a:lvl5pPr marL="2057400" indent="-228600" algn="l" defTabSz="914400" rtl="0" eaLnBrk="1" latinLnBrk="0" hangingPunct="1">
-              <a:lnSpc>
-                <a:spcPct val="90000"/>
-              </a:lnSpc>
-              <a:spcBef>
-                <a:spcPts val="500"/>
-              </a:spcBef>
-              <a:buFont typeface="Arial" panose="020B0604020202020204" pitchFamily="34" charset="0"/>
-              <a:buChar char="•"/>
-              <a:defRPr sz="1800" kern="1200">
-                <a:solidFill>
-                  <a:schemeClr val="tx1"/>
-                </a:solidFill>
-                <a:latin typeface="+mn-lt"/>
-                <a:ea typeface="+mn-ea"/>
-                <a:cs typeface="+mn-cs"/>
-              </a:defRPr>
-            </a:lvl5pPr>
-            <a:lvl6pPr marL="2514600" indent="-228600" algn="l" defTabSz="914400" rtl="0" eaLnBrk="1" latinLnBrk="0" hangingPunct="1">
-              <a:lnSpc>
-                <a:spcPct val="90000"/>
-              </a:lnSpc>
-              <a:spcBef>
-                <a:spcPts val="500"/>
-              </a:spcBef>
-              <a:buFont typeface="Arial" panose="020B0604020202020204" pitchFamily="34" charset="0"/>
-              <a:buChar char="•"/>
-              <a:defRPr sz="1800" kern="1200">
-                <a:solidFill>
-                  <a:schemeClr val="tx1"/>
-                </a:solidFill>
-                <a:latin typeface="+mn-lt"/>
-                <a:ea typeface="+mn-ea"/>
-                <a:cs typeface="+mn-cs"/>
-              </a:defRPr>
-            </a:lvl6pPr>
-            <a:lvl7pPr marL="2971800" indent="-228600" algn="l" defTabSz="914400" rtl="0" eaLnBrk="1" latinLnBrk="0" hangingPunct="1">
-              <a:lnSpc>
-                <a:spcPct val="90000"/>
-              </a:lnSpc>
-              <a:spcBef>
-                <a:spcPts val="500"/>
-              </a:spcBef>
-              <a:buFont typeface="Arial" panose="020B0604020202020204" pitchFamily="34" charset="0"/>
-              <a:buChar char="•"/>
-              <a:defRPr sz="1800" kern="1200">
-                <a:solidFill>
-                  <a:schemeClr val="tx1"/>
-                </a:solidFill>
-                <a:latin typeface="+mn-lt"/>
-                <a:ea typeface="+mn-ea"/>
-                <a:cs typeface="+mn-cs"/>
-              </a:defRPr>
-            </a:lvl7pPr>
-            <a:lvl8pPr marL="3429000" indent="-228600" algn="l" defTabSz="914400" rtl="0" eaLnBrk="1" latinLnBrk="0" hangingPunct="1">
-              <a:lnSpc>
-                <a:spcPct val="90000"/>
-              </a:lnSpc>
-              <a:spcBef>
-                <a:spcPts val="500"/>
-              </a:spcBef>
-              <a:buFont typeface="Arial" panose="020B0604020202020204" pitchFamily="34" charset="0"/>
-              <a:buChar char="•"/>
-              <a:defRPr sz="1800" kern="1200">
-                <a:solidFill>
-                  <a:schemeClr val="tx1"/>
-                </a:solidFill>
-                <a:latin typeface="+mn-lt"/>
-                <a:ea typeface="+mn-ea"/>
-                <a:cs typeface="+mn-cs"/>
-              </a:defRPr>
-            </a:lvl8pPr>
-            <a:lvl9pPr marL="3886200" indent="-228600" algn="l" defTabSz="914400" rtl="0" eaLnBrk="1" latinLnBrk="0" hangingPunct="1">
-              <a:lnSpc>
-                <a:spcPct val="90000"/>
-              </a:lnSpc>
-              <a:spcBef>
-                <a:spcPts val="500"/>
-              </a:spcBef>
-              <a:buFont typeface="Arial" panose="020B0604020202020204" pitchFamily="34" charset="0"/>
-              <a:buChar char="•"/>
-              <a:defRPr sz="1800" kern="1200">
-                <a:solidFill>
-                  <a:schemeClr val="tx1"/>
-                </a:solidFill>
-                <a:latin typeface="+mn-lt"/>
-                <a:ea typeface="+mn-ea"/>
-                <a:cs typeface="+mn-cs"/>
-              </a:defRPr>
-            </a:lvl9pPr>
-          </a:lstStyle>
-          <a:p>
-            <a:pPr marL="0" indent="0" algn="ctr">
-              <a:buNone/>
-            </a:pPr>
-            <a:r>
-              <a:rPr lang="en-US" sz="2000" i="1" dirty="0"/>
-              <a:t>Parallel time  (Tp1) = 4.2s (media di 10 test)</a:t>
-            </a:r>
-            <a:endParaRPr lang="en-US" dirty="0"/>
-          </a:p>
-        </p:txBody>
-      </p:sp>
-      <p:sp>
-        <p:nvSpPr>
-          <p:cNvPr id="10" name="TextBox 9">
-            <a:extLst>
-              <a:ext uri="{FF2B5EF4-FFF2-40B4-BE49-F238E27FC236}">
-                <a16:creationId xmlns:a16="http://schemas.microsoft.com/office/drawing/2014/main" id="{5FD1729E-FFFF-4A98-BFC1-79324C903B6E}"/>
-              </a:ext>
-            </a:extLst>
-          </p:cNvPr>
-          <p:cNvSpPr txBox="1"/>
-          <p:nvPr/>
-        </p:nvSpPr>
-        <p:spPr>
-          <a:xfrm>
-            <a:off x="5511124" y="3047675"/>
-            <a:ext cx="2743199" cy="2308324"/>
-          </a:xfrm>
-          <a:prstGeom prst="rect">
-            <a:avLst/>
-          </a:prstGeom>
-          <a:noFill/>
-        </p:spPr>
-        <p:txBody>
-          <a:bodyPr rot="0" spcFirstLastPara="0" vertOverflow="overflow" horzOverflow="overflow" vert="horz" wrap="square" lIns="91440" tIns="45720" rIns="91440" bIns="45720" numCol="1" spcCol="0" rtlCol="0" fromWordArt="0" anchor="t" anchorCtr="0" forceAA="0" compatLnSpc="1">
-            <a:prstTxWarp prst="textNoShape">
-              <a:avLst/>
-            </a:prstTxWarp>
-            <a:spAutoFit/>
-          </a:bodyPr>
-          <a:lstStyle/>
-          <a:p>
-            <a:r>
-              <a:rPr lang="en-US" dirty="0">
-                <a:solidFill>
-                  <a:srgbClr val="FF0000"/>
-                </a:solidFill>
-              </a:rPr>
-              <a:t>TODO: </a:t>
-            </a:r>
-            <a:r>
-              <a:rPr lang="en-US" dirty="0" err="1">
-                <a:solidFill>
-                  <a:srgbClr val="FF0000"/>
-                </a:solidFill>
-              </a:rPr>
-              <a:t>questi</a:t>
-            </a:r>
-            <a:r>
-              <a:rPr lang="en-US" dirty="0">
-                <a:solidFill>
-                  <a:srgbClr val="FF0000"/>
-                </a:solidFill>
-              </a:rPr>
-              <a:t> numeri </a:t>
-            </a:r>
-            <a:r>
-              <a:rPr lang="en-US" dirty="0" err="1">
-                <a:solidFill>
-                  <a:srgbClr val="FF0000"/>
-                </a:solidFill>
-              </a:rPr>
-              <a:t>sono</a:t>
-            </a:r>
-            <a:r>
-              <a:rPr lang="en-US" dirty="0">
-                <a:solidFill>
-                  <a:srgbClr val="FF0000"/>
-                </a:solidFill>
-              </a:rPr>
-              <a:t> </a:t>
-            </a:r>
-            <a:r>
-              <a:rPr lang="en-US" dirty="0" err="1">
-                <a:solidFill>
-                  <a:srgbClr val="FF0000"/>
-                </a:solidFill>
-              </a:rPr>
-              <a:t>strani</a:t>
-            </a:r>
-            <a:r>
-              <a:rPr lang="en-US" dirty="0">
-                <a:solidFill>
-                  <a:srgbClr val="FF0000"/>
-                </a:solidFill>
-              </a:rPr>
-              <a:t>. </a:t>
-            </a:r>
-            <a:r>
-              <a:rPr lang="en-US" dirty="0" err="1">
-                <a:solidFill>
-                  <a:srgbClr val="FF0000"/>
-                </a:solidFill>
-              </a:rPr>
-              <a:t>Controllare</a:t>
-            </a:r>
-            <a:r>
-              <a:rPr lang="en-US" dirty="0">
-                <a:solidFill>
-                  <a:srgbClr val="FF0000"/>
-                </a:solidFill>
-              </a:rPr>
-              <a:t>:</a:t>
-            </a:r>
-            <a:br>
-              <a:rPr lang="en-US" dirty="0">
-                <a:solidFill>
-                  <a:srgbClr val="FF0000"/>
-                </a:solidFill>
-              </a:rPr>
-            </a:br>
-            <a:r>
-              <a:rPr lang="en-US" dirty="0" err="1">
-                <a:solidFill>
-                  <a:srgbClr val="FF0000"/>
-                </a:solidFill>
-                <a:cs typeface="Calibri"/>
-              </a:rPr>
-              <a:t>Nell'esecuzione</a:t>
-            </a:r>
-            <a:r>
-              <a:rPr lang="en-US" dirty="0">
-                <a:solidFill>
-                  <a:srgbClr val="FF0000"/>
-                </a:solidFill>
-                <a:cs typeface="Calibri"/>
-              </a:rPr>
-              <a:t> parallela è inclusa anche la </a:t>
-            </a:r>
-            <a:r>
-              <a:rPr lang="en-US" dirty="0" err="1">
-                <a:solidFill>
-                  <a:srgbClr val="FF0000"/>
-                </a:solidFill>
-                <a:cs typeface="Calibri"/>
-              </a:rPr>
-              <a:t>scrittura</a:t>
-            </a:r>
-            <a:r>
-              <a:rPr lang="en-US" dirty="0">
-                <a:solidFill>
-                  <a:srgbClr val="FF0000"/>
-                </a:solidFill>
-                <a:cs typeface="Calibri"/>
-              </a:rPr>
-              <a:t> </a:t>
-            </a:r>
-            <a:r>
-              <a:rPr lang="en-US" dirty="0" err="1">
-                <a:solidFill>
-                  <a:srgbClr val="FF0000"/>
-                </a:solidFill>
-                <a:cs typeface="Calibri"/>
-              </a:rPr>
-              <a:t>su</a:t>
-            </a:r>
-            <a:r>
-              <a:rPr lang="en-US" dirty="0">
-                <a:solidFill>
-                  <a:srgbClr val="FF0000"/>
-                </a:solidFill>
-                <a:cs typeface="Calibri"/>
-              </a:rPr>
-              <a:t> disco? </a:t>
-            </a:r>
-          </a:p>
-          <a:p>
-            <a:r>
-              <a:rPr lang="en-US" dirty="0">
-                <a:solidFill>
-                  <a:srgbClr val="FF0000"/>
-                </a:solidFill>
-                <a:cs typeface="Calibri"/>
-              </a:rPr>
-              <a:t>Il tempo è </a:t>
-            </a:r>
-            <a:r>
-              <a:rPr lang="en-US" dirty="0" err="1">
-                <a:solidFill>
-                  <a:srgbClr val="FF0000"/>
-                </a:solidFill>
-                <a:cs typeface="Calibri"/>
-              </a:rPr>
-              <a:t>stato</a:t>
-            </a:r>
-            <a:r>
-              <a:rPr lang="en-US" dirty="0">
-                <a:solidFill>
-                  <a:srgbClr val="FF0000"/>
-                </a:solidFill>
-                <a:cs typeface="Calibri"/>
-              </a:rPr>
-              <a:t> </a:t>
-            </a:r>
-            <a:r>
-              <a:rPr lang="en-US" dirty="0" err="1">
-                <a:solidFill>
-                  <a:srgbClr val="FF0000"/>
-                </a:solidFill>
-                <a:cs typeface="Calibri"/>
-              </a:rPr>
-              <a:t>preso</a:t>
-            </a:r>
-            <a:r>
-              <a:rPr lang="en-US" dirty="0">
-                <a:solidFill>
-                  <a:srgbClr val="FF0000"/>
-                </a:solidFill>
-                <a:cs typeface="Calibri"/>
-              </a:rPr>
-              <a:t> </a:t>
-            </a:r>
-            <a:r>
-              <a:rPr lang="en-US" dirty="0" err="1">
-                <a:solidFill>
-                  <a:srgbClr val="FF0000"/>
-                </a:solidFill>
-                <a:cs typeface="Calibri"/>
-              </a:rPr>
-              <a:t>sulla</a:t>
-            </a:r>
-            <a:r>
-              <a:rPr lang="en-US" dirty="0">
-                <a:solidFill>
-                  <a:srgbClr val="FF0000"/>
-                </a:solidFill>
-                <a:cs typeface="Calibri"/>
-              </a:rPr>
-              <a:t> </a:t>
-            </a:r>
-            <a:r>
-              <a:rPr lang="en-US" dirty="0" err="1">
-                <a:solidFill>
-                  <a:srgbClr val="FF0000"/>
-                </a:solidFill>
-                <a:cs typeface="Calibri"/>
-              </a:rPr>
-              <a:t>stessa</a:t>
-            </a:r>
-            <a:r>
-              <a:rPr lang="en-US" dirty="0">
-                <a:solidFill>
-                  <a:srgbClr val="FF0000"/>
-                </a:solidFill>
-                <a:cs typeface="Calibri"/>
-              </a:rPr>
-              <a:t> </a:t>
-            </a:r>
-            <a:r>
-              <a:rPr lang="en-US" dirty="0" err="1">
-                <a:solidFill>
-                  <a:srgbClr val="FF0000"/>
-                </a:solidFill>
-                <a:cs typeface="Calibri"/>
-              </a:rPr>
-              <a:t>macchina</a:t>
-            </a:r>
-            <a:r>
-              <a:rPr lang="en-US" dirty="0">
-                <a:solidFill>
-                  <a:srgbClr val="FF0000"/>
-                </a:solidFill>
-                <a:cs typeface="Calibri"/>
-              </a:rPr>
-              <a:t> (</a:t>
-            </a:r>
-            <a:r>
-              <a:rPr lang="en-US" dirty="0" err="1">
-                <a:solidFill>
-                  <a:srgbClr val="FF0000"/>
-                </a:solidFill>
-                <a:cs typeface="Calibri"/>
-              </a:rPr>
-              <a:t>magari</a:t>
-            </a:r>
-            <a:r>
-              <a:rPr lang="en-US" dirty="0">
-                <a:solidFill>
-                  <a:srgbClr val="FF0000"/>
-                </a:solidFill>
-                <a:cs typeface="Calibri"/>
-              </a:rPr>
-              <a:t> una ha SSD e </a:t>
-            </a:r>
-            <a:r>
-              <a:rPr lang="en-US" dirty="0" err="1">
-                <a:solidFill>
-                  <a:srgbClr val="FF0000"/>
-                </a:solidFill>
-                <a:cs typeface="Calibri"/>
-              </a:rPr>
-              <a:t>l'altra</a:t>
-            </a:r>
-            <a:r>
-              <a:rPr lang="en-US" dirty="0">
-                <a:solidFill>
-                  <a:srgbClr val="FF0000"/>
-                </a:solidFill>
-                <a:cs typeface="Calibri"/>
-              </a:rPr>
-              <a:t> no?)</a:t>
-            </a:r>
           </a:p>
         </p:txBody>
       </p:sp>
     </p:spTree>
     <p:extLst>
       <p:ext uri="{BB962C8B-B14F-4D97-AF65-F5344CB8AC3E}">
-        <p14:creationId xmlns:p14="http://schemas.microsoft.com/office/powerpoint/2010/main" val="3957637519"/>
+        <p14:creationId xmlns:p14="http://schemas.microsoft.com/office/powerpoint/2010/main" val="1428786883"/>
       </p:ext>
     </p:extLst>
   </p:cSld>
@@ -11549,7 +10467,7 @@
           <p:cNvPr id="2" name="Titolo 1">
             <a:extLst>
               <a:ext uri="{FF2B5EF4-FFF2-40B4-BE49-F238E27FC236}">
-                <a16:creationId xmlns:a16="http://schemas.microsoft.com/office/drawing/2014/main" id="{35592CAD-C2CD-3641-9AC1-502343055CC5}"/>
+                <a16:creationId xmlns:a16="http://schemas.microsoft.com/office/drawing/2014/main" id="{1F44E06D-7101-2644-844A-95EA9004E599}"/>
               </a:ext>
             </a:extLst>
           </p:cNvPr>
@@ -11567,24 +10485,939 @@
           <a:p>
             <a:r>
               <a:rPr lang="en-US" dirty="0" err="1"/>
-              <a:t>Ottimizzazione</a:t>
+              <a:t>Misure</a:t>
             </a:r>
             <a:r>
               <a:rPr lang="en-US" dirty="0"/>
-              <a:t> (5): </a:t>
+              <a:t> di performance del </a:t>
             </a:r>
             <a:r>
               <a:rPr lang="en-US" dirty="0" err="1"/>
-              <a:t>ParticleScreen_par</a:t>
+              <a:t>calcolo</a:t>
+            </a:r>
+            <a:r>
+              <a:rPr lang="en-US" dirty="0"/>
+              <a:t> </a:t>
+            </a:r>
+            <a:r>
+              <a:rPr lang="en-US" dirty="0" err="1"/>
+              <a:t>ottimizzato</a:t>
+            </a:r>
+          </a:p>
+        </p:txBody>
+      </p:sp>
+      <p:sp>
+        <p:nvSpPr>
+          <p:cNvPr id="3" name="Segnaposto contenuto 2">
+            <a:extLst>
+              <a:ext uri="{FF2B5EF4-FFF2-40B4-BE49-F238E27FC236}">
+                <a16:creationId xmlns:a16="http://schemas.microsoft.com/office/drawing/2014/main" id="{C4A50D78-DCAA-CE40-99F1-3D366AA562ED}"/>
+              </a:ext>
+            </a:extLst>
+          </p:cNvPr>
+          <p:cNvSpPr>
+            <a:spLocks noGrp="1"/>
+          </p:cNvSpPr>
+          <p:nvPr>
+            <p:ph idx="1"/>
+          </p:nvPr>
+        </p:nvSpPr>
+        <p:spPr>
+          <a:xfrm>
+            <a:off x="228600" y="3821615"/>
+            <a:ext cx="8569036" cy="2490284"/>
+          </a:xfrm>
+        </p:spPr>
+        <p:txBody>
+          <a:bodyPr vert="horz" lIns="91440" tIns="45720" rIns="91440" bIns="45720" rtlCol="0" anchor="t">
+            <a:normAutofit/>
+          </a:bodyPr>
+          <a:lstStyle/>
+          <a:p>
+            <a:r>
+              <a:rPr lang="en-US" sz="2000" dirty="0">
+                <a:cs typeface="Calibri"/>
+              </a:rPr>
+              <a:t>Speed up = Ts / Tp1 =  209,2 / 4 = 52x</a:t>
             </a:r>
             <a:endParaRPr lang="en-US" dirty="0"/>
+          </a:p>
+          <a:p>
+            <a:r>
+              <a:rPr lang="en-US" sz="2000" dirty="0">
+                <a:cs typeface="Calibri"/>
+              </a:rPr>
+              <a:t>CUDA threads: </a:t>
+            </a:r>
+            <a:r>
+              <a:rPr lang="en-US" sz="2000" dirty="0">
+                <a:ea typeface="+mn-lt"/>
+                <a:cs typeface="+mn-lt"/>
+              </a:rPr>
+              <a:t>21352 (=NP)</a:t>
+            </a:r>
+          </a:p>
+        </p:txBody>
+      </p:sp>
+      <p:sp>
+        <p:nvSpPr>
+          <p:cNvPr id="4" name="Rettangolo con angoli arrotondati 3">
+            <a:extLst>
+              <a:ext uri="{FF2B5EF4-FFF2-40B4-BE49-F238E27FC236}">
+                <a16:creationId xmlns:a16="http://schemas.microsoft.com/office/drawing/2014/main" id="{6C74F786-3AF7-D24B-8192-4697AE48A6F6}"/>
+              </a:ext>
+            </a:extLst>
+          </p:cNvPr>
+          <p:cNvSpPr/>
+          <p:nvPr/>
+        </p:nvSpPr>
+        <p:spPr>
+          <a:xfrm>
+            <a:off x="8712437" y="2957411"/>
+            <a:ext cx="3117272" cy="568037"/>
+          </a:xfrm>
+          <a:prstGeom prst="roundRect">
+            <a:avLst/>
+          </a:prstGeom>
+        </p:spPr>
+        <p:style>
+          <a:lnRef idx="1">
+            <a:schemeClr val="accent4"/>
+          </a:lnRef>
+          <a:fillRef idx="2">
+            <a:schemeClr val="accent4"/>
+          </a:fillRef>
+          <a:effectRef idx="1">
+            <a:schemeClr val="accent4"/>
+          </a:effectRef>
+          <a:fontRef idx="minor">
+            <a:schemeClr val="dk1"/>
+          </a:fontRef>
+        </p:style>
+        <p:txBody>
+          <a:bodyPr rtlCol="0" anchor="ctr"/>
+          <a:lstStyle/>
+          <a:p>
+            <a:pPr algn="ctr"/>
+            <a:r>
+              <a:rPr lang="en-GB" dirty="0"/>
+              <a:t>HARDWARE USED </a:t>
+            </a:r>
+          </a:p>
+        </p:txBody>
+      </p:sp>
+      <p:sp>
+        <p:nvSpPr>
+          <p:cNvPr id="5" name="Rettangolo con angoli arrotondati 4">
+            <a:extLst>
+              <a:ext uri="{FF2B5EF4-FFF2-40B4-BE49-F238E27FC236}">
+                <a16:creationId xmlns:a16="http://schemas.microsoft.com/office/drawing/2014/main" id="{3160EB98-A43C-2A4F-993C-69976B419DC5}"/>
+              </a:ext>
+            </a:extLst>
+          </p:cNvPr>
+          <p:cNvSpPr/>
+          <p:nvPr/>
+        </p:nvSpPr>
+        <p:spPr>
+          <a:xfrm>
+            <a:off x="8712437" y="3632677"/>
+            <a:ext cx="3117272" cy="1915536"/>
+          </a:xfrm>
+          <a:prstGeom prst="roundRect">
+            <a:avLst/>
+          </a:prstGeom>
+        </p:spPr>
+        <p:style>
+          <a:lnRef idx="1">
+            <a:schemeClr val="accent4"/>
+          </a:lnRef>
+          <a:fillRef idx="2">
+            <a:schemeClr val="accent4"/>
+          </a:fillRef>
+          <a:effectRef idx="1">
+            <a:schemeClr val="accent4"/>
+          </a:effectRef>
+          <a:fontRef idx="minor">
+            <a:schemeClr val="dk1"/>
+          </a:fontRef>
+        </p:style>
+        <p:txBody>
+          <a:bodyPr rtlCol="0" anchor="ctr"/>
+          <a:lstStyle/>
+          <a:p>
+            <a:pPr algn="ctr"/>
+            <a:r>
+              <a:rPr lang="en-GB" dirty="0"/>
+              <a:t>TECHNICAL</a:t>
+            </a:r>
+          </a:p>
+          <a:p>
+            <a:pPr algn="ctr"/>
+            <a:r>
+              <a:rPr lang="en-GB" dirty="0"/>
+              <a:t>SPECIFICATIONS</a:t>
+            </a:r>
+          </a:p>
+        </p:txBody>
+      </p:sp>
+      <p:sp>
+        <p:nvSpPr>
+          <p:cNvPr id="6" name="CasellaDiTesto 5">
+            <a:extLst>
+              <a:ext uri="{FF2B5EF4-FFF2-40B4-BE49-F238E27FC236}">
+                <a16:creationId xmlns:a16="http://schemas.microsoft.com/office/drawing/2014/main" id="{FE9C696D-0043-B84B-AC05-7DE26514D580}"/>
+              </a:ext>
+            </a:extLst>
+          </p:cNvPr>
+          <p:cNvSpPr txBox="1"/>
+          <p:nvPr/>
+        </p:nvSpPr>
+        <p:spPr>
+          <a:xfrm>
+            <a:off x="2743200" y="1540224"/>
+            <a:ext cx="4946072" cy="369332"/>
+          </a:xfrm>
+          <a:prstGeom prst="rect">
+            <a:avLst/>
+          </a:prstGeom>
+          <a:noFill/>
+        </p:spPr>
+        <p:txBody>
+          <a:bodyPr wrap="square" rtlCol="0">
+            <a:spAutoFit/>
+          </a:bodyPr>
+          <a:lstStyle/>
+          <a:p>
+            <a:r>
+              <a:rPr lang="en-GB" dirty="0"/>
+              <a:t>-- subsample on 10 iterations particle dynamics --</a:t>
+            </a:r>
+          </a:p>
+        </p:txBody>
+      </p:sp>
+      <p:sp>
+        <p:nvSpPr>
+          <p:cNvPr id="8" name="Segnaposto contenuto 2">
+            <a:extLst>
+              <a:ext uri="{FF2B5EF4-FFF2-40B4-BE49-F238E27FC236}">
+                <a16:creationId xmlns:a16="http://schemas.microsoft.com/office/drawing/2014/main" id="{79E87BCA-5077-BC41-B42E-29374A77F4DD}"/>
+              </a:ext>
+            </a:extLst>
+          </p:cNvPr>
+          <p:cNvSpPr txBox="1">
+            <a:spLocks/>
+          </p:cNvSpPr>
+          <p:nvPr/>
+        </p:nvSpPr>
+        <p:spPr>
+          <a:xfrm>
+            <a:off x="462103" y="2392916"/>
+            <a:ext cx="3874811" cy="383531"/>
+          </a:xfrm>
+          <a:prstGeom prst="rect">
+            <a:avLst/>
+          </a:prstGeom>
+          <a:ln w="28575">
+            <a:solidFill>
+              <a:schemeClr val="tx1"/>
+            </a:solidFill>
+          </a:ln>
+        </p:spPr>
+        <p:txBody>
+          <a:bodyPr vert="horz" wrap="square" lIns="91440" tIns="45720" rIns="91440" bIns="45720" rtlCol="0" anchor="ctr" anchorCtr="0">
+            <a:spAutoFit/>
+          </a:bodyPr>
+          <a:lstStyle>
+            <a:lvl1pPr marL="228600" indent="-228600" algn="l" defTabSz="914400" rtl="0" eaLnBrk="1" latinLnBrk="0" hangingPunct="1">
+              <a:lnSpc>
+                <a:spcPct val="90000"/>
+              </a:lnSpc>
+              <a:spcBef>
+                <a:spcPts val="1000"/>
+              </a:spcBef>
+              <a:buFont typeface="Arial" panose="020B0604020202020204" pitchFamily="34" charset="0"/>
+              <a:buChar char="•"/>
+              <a:defRPr sz="2800" kern="1200">
+                <a:solidFill>
+                  <a:schemeClr val="tx1"/>
+                </a:solidFill>
+                <a:latin typeface="+mn-lt"/>
+                <a:ea typeface="+mn-ea"/>
+                <a:cs typeface="+mn-cs"/>
+              </a:defRPr>
+            </a:lvl1pPr>
+            <a:lvl2pPr marL="685800" indent="-228600" algn="l" defTabSz="914400" rtl="0" eaLnBrk="1" latinLnBrk="0" hangingPunct="1">
+              <a:lnSpc>
+                <a:spcPct val="90000"/>
+              </a:lnSpc>
+              <a:spcBef>
+                <a:spcPts val="500"/>
+              </a:spcBef>
+              <a:buFont typeface="Arial" panose="020B0604020202020204" pitchFamily="34" charset="0"/>
+              <a:buChar char="•"/>
+              <a:defRPr sz="2400" kern="1200">
+                <a:solidFill>
+                  <a:schemeClr val="tx1"/>
+                </a:solidFill>
+                <a:latin typeface="+mn-lt"/>
+                <a:ea typeface="+mn-ea"/>
+                <a:cs typeface="+mn-cs"/>
+              </a:defRPr>
+            </a:lvl2pPr>
+            <a:lvl3pPr marL="1143000" indent="-228600" algn="l" defTabSz="914400" rtl="0" eaLnBrk="1" latinLnBrk="0" hangingPunct="1">
+              <a:lnSpc>
+                <a:spcPct val="90000"/>
+              </a:lnSpc>
+              <a:spcBef>
+                <a:spcPts val="500"/>
+              </a:spcBef>
+              <a:buFont typeface="Arial" panose="020B0604020202020204" pitchFamily="34" charset="0"/>
+              <a:buChar char="•"/>
+              <a:defRPr sz="2000" kern="1200">
+                <a:solidFill>
+                  <a:schemeClr val="tx1"/>
+                </a:solidFill>
+                <a:latin typeface="+mn-lt"/>
+                <a:ea typeface="+mn-ea"/>
+                <a:cs typeface="+mn-cs"/>
+              </a:defRPr>
+            </a:lvl3pPr>
+            <a:lvl4pPr marL="1600200" indent="-228600" algn="l" defTabSz="914400" rtl="0" eaLnBrk="1" latinLnBrk="0" hangingPunct="1">
+              <a:lnSpc>
+                <a:spcPct val="90000"/>
+              </a:lnSpc>
+              <a:spcBef>
+                <a:spcPts val="500"/>
+              </a:spcBef>
+              <a:buFont typeface="Arial" panose="020B0604020202020204" pitchFamily="34" charset="0"/>
+              <a:buChar char="•"/>
+              <a:defRPr sz="1800" kern="1200">
+                <a:solidFill>
+                  <a:schemeClr val="tx1"/>
+                </a:solidFill>
+                <a:latin typeface="+mn-lt"/>
+                <a:ea typeface="+mn-ea"/>
+                <a:cs typeface="+mn-cs"/>
+              </a:defRPr>
+            </a:lvl4pPr>
+            <a:lvl5pPr marL="2057400" indent="-228600" algn="l" defTabSz="914400" rtl="0" eaLnBrk="1" latinLnBrk="0" hangingPunct="1">
+              <a:lnSpc>
+                <a:spcPct val="90000"/>
+              </a:lnSpc>
+              <a:spcBef>
+                <a:spcPts val="500"/>
+              </a:spcBef>
+              <a:buFont typeface="Arial" panose="020B0604020202020204" pitchFamily="34" charset="0"/>
+              <a:buChar char="•"/>
+              <a:defRPr sz="1800" kern="1200">
+                <a:solidFill>
+                  <a:schemeClr val="tx1"/>
+                </a:solidFill>
+                <a:latin typeface="+mn-lt"/>
+                <a:ea typeface="+mn-ea"/>
+                <a:cs typeface="+mn-cs"/>
+              </a:defRPr>
+            </a:lvl5pPr>
+            <a:lvl6pPr marL="2514600" indent="-228600" algn="l" defTabSz="914400" rtl="0" eaLnBrk="1" latinLnBrk="0" hangingPunct="1">
+              <a:lnSpc>
+                <a:spcPct val="90000"/>
+              </a:lnSpc>
+              <a:spcBef>
+                <a:spcPts val="500"/>
+              </a:spcBef>
+              <a:buFont typeface="Arial" panose="020B0604020202020204" pitchFamily="34" charset="0"/>
+              <a:buChar char="•"/>
+              <a:defRPr sz="1800" kern="1200">
+                <a:solidFill>
+                  <a:schemeClr val="tx1"/>
+                </a:solidFill>
+                <a:latin typeface="+mn-lt"/>
+                <a:ea typeface="+mn-ea"/>
+                <a:cs typeface="+mn-cs"/>
+              </a:defRPr>
+            </a:lvl6pPr>
+            <a:lvl7pPr marL="2971800" indent="-228600" algn="l" defTabSz="914400" rtl="0" eaLnBrk="1" latinLnBrk="0" hangingPunct="1">
+              <a:lnSpc>
+                <a:spcPct val="90000"/>
+              </a:lnSpc>
+              <a:spcBef>
+                <a:spcPts val="500"/>
+              </a:spcBef>
+              <a:buFont typeface="Arial" panose="020B0604020202020204" pitchFamily="34" charset="0"/>
+              <a:buChar char="•"/>
+              <a:defRPr sz="1800" kern="1200">
+                <a:solidFill>
+                  <a:schemeClr val="tx1"/>
+                </a:solidFill>
+                <a:latin typeface="+mn-lt"/>
+                <a:ea typeface="+mn-ea"/>
+                <a:cs typeface="+mn-cs"/>
+              </a:defRPr>
+            </a:lvl7pPr>
+            <a:lvl8pPr marL="3429000" indent="-228600" algn="l" defTabSz="914400" rtl="0" eaLnBrk="1" latinLnBrk="0" hangingPunct="1">
+              <a:lnSpc>
+                <a:spcPct val="90000"/>
+              </a:lnSpc>
+              <a:spcBef>
+                <a:spcPts val="500"/>
+              </a:spcBef>
+              <a:buFont typeface="Arial" panose="020B0604020202020204" pitchFamily="34" charset="0"/>
+              <a:buChar char="•"/>
+              <a:defRPr sz="1800" kern="1200">
+                <a:solidFill>
+                  <a:schemeClr val="tx1"/>
+                </a:solidFill>
+                <a:latin typeface="+mn-lt"/>
+                <a:ea typeface="+mn-ea"/>
+                <a:cs typeface="+mn-cs"/>
+              </a:defRPr>
+            </a:lvl8pPr>
+            <a:lvl9pPr marL="3886200" indent="-228600" algn="l" defTabSz="914400" rtl="0" eaLnBrk="1" latinLnBrk="0" hangingPunct="1">
+              <a:lnSpc>
+                <a:spcPct val="90000"/>
+              </a:lnSpc>
+              <a:spcBef>
+                <a:spcPts val="500"/>
+              </a:spcBef>
+              <a:buFont typeface="Arial" panose="020B0604020202020204" pitchFamily="34" charset="0"/>
+              <a:buChar char="•"/>
+              <a:defRPr sz="1800" kern="1200">
+                <a:solidFill>
+                  <a:schemeClr val="tx1"/>
+                </a:solidFill>
+                <a:latin typeface="+mn-lt"/>
+                <a:ea typeface="+mn-ea"/>
+                <a:cs typeface="+mn-cs"/>
+              </a:defRPr>
+            </a:lvl9pPr>
+          </a:lstStyle>
+          <a:p>
+            <a:pPr marL="0" indent="0" algn="ctr">
+              <a:buNone/>
+            </a:pPr>
+            <a:r>
+              <a:rPr lang="en-US" sz="2000" i="1" dirty="0"/>
+              <a:t>Serial time (Ts) = 3m29,220s</a:t>
+            </a:r>
+          </a:p>
+        </p:txBody>
+      </p:sp>
+      <p:sp>
+        <p:nvSpPr>
+          <p:cNvPr id="15" name="Segnaposto contenuto 2">
+            <a:extLst>
+              <a:ext uri="{FF2B5EF4-FFF2-40B4-BE49-F238E27FC236}">
+                <a16:creationId xmlns:a16="http://schemas.microsoft.com/office/drawing/2014/main" id="{D2B3497B-DA3F-4D28-B4B4-FFBDC1B8FC1A}"/>
+              </a:ext>
+            </a:extLst>
+          </p:cNvPr>
+          <p:cNvSpPr txBox="1">
+            <a:spLocks/>
+          </p:cNvSpPr>
+          <p:nvPr/>
+        </p:nvSpPr>
+        <p:spPr>
+          <a:xfrm>
+            <a:off x="446985" y="3048426"/>
+            <a:ext cx="4847218" cy="383530"/>
+          </a:xfrm>
+          <a:prstGeom prst="rect">
+            <a:avLst/>
+          </a:prstGeom>
+          <a:ln w="28575">
+            <a:solidFill>
+              <a:schemeClr val="tx1"/>
+            </a:solidFill>
+          </a:ln>
+        </p:spPr>
+        <p:txBody>
+          <a:bodyPr vert="horz" wrap="square" lIns="91440" tIns="45720" rIns="91440" bIns="45720" rtlCol="0" anchor="ctr" anchorCtr="0">
+            <a:spAutoFit/>
+          </a:bodyPr>
+          <a:lstStyle>
+            <a:lvl1pPr marL="228600" indent="-228600" algn="l" defTabSz="914400" rtl="0" eaLnBrk="1" latinLnBrk="0" hangingPunct="1">
+              <a:lnSpc>
+                <a:spcPct val="90000"/>
+              </a:lnSpc>
+              <a:spcBef>
+                <a:spcPts val="1000"/>
+              </a:spcBef>
+              <a:buFont typeface="Arial" panose="020B0604020202020204" pitchFamily="34" charset="0"/>
+              <a:buChar char="•"/>
+              <a:defRPr sz="2800" kern="1200">
+                <a:solidFill>
+                  <a:schemeClr val="tx1"/>
+                </a:solidFill>
+                <a:latin typeface="+mn-lt"/>
+                <a:ea typeface="+mn-ea"/>
+                <a:cs typeface="+mn-cs"/>
+              </a:defRPr>
+            </a:lvl1pPr>
+            <a:lvl2pPr marL="685800" indent="-228600" algn="l" defTabSz="914400" rtl="0" eaLnBrk="1" latinLnBrk="0" hangingPunct="1">
+              <a:lnSpc>
+                <a:spcPct val="90000"/>
+              </a:lnSpc>
+              <a:spcBef>
+                <a:spcPts val="500"/>
+              </a:spcBef>
+              <a:buFont typeface="Arial" panose="020B0604020202020204" pitchFamily="34" charset="0"/>
+              <a:buChar char="•"/>
+              <a:defRPr sz="2400" kern="1200">
+                <a:solidFill>
+                  <a:schemeClr val="tx1"/>
+                </a:solidFill>
+                <a:latin typeface="+mn-lt"/>
+                <a:ea typeface="+mn-ea"/>
+                <a:cs typeface="+mn-cs"/>
+              </a:defRPr>
+            </a:lvl2pPr>
+            <a:lvl3pPr marL="1143000" indent="-228600" algn="l" defTabSz="914400" rtl="0" eaLnBrk="1" latinLnBrk="0" hangingPunct="1">
+              <a:lnSpc>
+                <a:spcPct val="90000"/>
+              </a:lnSpc>
+              <a:spcBef>
+                <a:spcPts val="500"/>
+              </a:spcBef>
+              <a:buFont typeface="Arial" panose="020B0604020202020204" pitchFamily="34" charset="0"/>
+              <a:buChar char="•"/>
+              <a:defRPr sz="2000" kern="1200">
+                <a:solidFill>
+                  <a:schemeClr val="tx1"/>
+                </a:solidFill>
+                <a:latin typeface="+mn-lt"/>
+                <a:ea typeface="+mn-ea"/>
+                <a:cs typeface="+mn-cs"/>
+              </a:defRPr>
+            </a:lvl3pPr>
+            <a:lvl4pPr marL="1600200" indent="-228600" algn="l" defTabSz="914400" rtl="0" eaLnBrk="1" latinLnBrk="0" hangingPunct="1">
+              <a:lnSpc>
+                <a:spcPct val="90000"/>
+              </a:lnSpc>
+              <a:spcBef>
+                <a:spcPts val="500"/>
+              </a:spcBef>
+              <a:buFont typeface="Arial" panose="020B0604020202020204" pitchFamily="34" charset="0"/>
+              <a:buChar char="•"/>
+              <a:defRPr sz="1800" kern="1200">
+                <a:solidFill>
+                  <a:schemeClr val="tx1"/>
+                </a:solidFill>
+                <a:latin typeface="+mn-lt"/>
+                <a:ea typeface="+mn-ea"/>
+                <a:cs typeface="+mn-cs"/>
+              </a:defRPr>
+            </a:lvl4pPr>
+            <a:lvl5pPr marL="2057400" indent="-228600" algn="l" defTabSz="914400" rtl="0" eaLnBrk="1" latinLnBrk="0" hangingPunct="1">
+              <a:lnSpc>
+                <a:spcPct val="90000"/>
+              </a:lnSpc>
+              <a:spcBef>
+                <a:spcPts val="500"/>
+              </a:spcBef>
+              <a:buFont typeface="Arial" panose="020B0604020202020204" pitchFamily="34" charset="0"/>
+              <a:buChar char="•"/>
+              <a:defRPr sz="1800" kern="1200">
+                <a:solidFill>
+                  <a:schemeClr val="tx1"/>
+                </a:solidFill>
+                <a:latin typeface="+mn-lt"/>
+                <a:ea typeface="+mn-ea"/>
+                <a:cs typeface="+mn-cs"/>
+              </a:defRPr>
+            </a:lvl5pPr>
+            <a:lvl6pPr marL="2514600" indent="-228600" algn="l" defTabSz="914400" rtl="0" eaLnBrk="1" latinLnBrk="0" hangingPunct="1">
+              <a:lnSpc>
+                <a:spcPct val="90000"/>
+              </a:lnSpc>
+              <a:spcBef>
+                <a:spcPts val="500"/>
+              </a:spcBef>
+              <a:buFont typeface="Arial" panose="020B0604020202020204" pitchFamily="34" charset="0"/>
+              <a:buChar char="•"/>
+              <a:defRPr sz="1800" kern="1200">
+                <a:solidFill>
+                  <a:schemeClr val="tx1"/>
+                </a:solidFill>
+                <a:latin typeface="+mn-lt"/>
+                <a:ea typeface="+mn-ea"/>
+                <a:cs typeface="+mn-cs"/>
+              </a:defRPr>
+            </a:lvl6pPr>
+            <a:lvl7pPr marL="2971800" indent="-228600" algn="l" defTabSz="914400" rtl="0" eaLnBrk="1" latinLnBrk="0" hangingPunct="1">
+              <a:lnSpc>
+                <a:spcPct val="90000"/>
+              </a:lnSpc>
+              <a:spcBef>
+                <a:spcPts val="500"/>
+              </a:spcBef>
+              <a:buFont typeface="Arial" panose="020B0604020202020204" pitchFamily="34" charset="0"/>
+              <a:buChar char="•"/>
+              <a:defRPr sz="1800" kern="1200">
+                <a:solidFill>
+                  <a:schemeClr val="tx1"/>
+                </a:solidFill>
+                <a:latin typeface="+mn-lt"/>
+                <a:ea typeface="+mn-ea"/>
+                <a:cs typeface="+mn-cs"/>
+              </a:defRPr>
+            </a:lvl7pPr>
+            <a:lvl8pPr marL="3429000" indent="-228600" algn="l" defTabSz="914400" rtl="0" eaLnBrk="1" latinLnBrk="0" hangingPunct="1">
+              <a:lnSpc>
+                <a:spcPct val="90000"/>
+              </a:lnSpc>
+              <a:spcBef>
+                <a:spcPts val="500"/>
+              </a:spcBef>
+              <a:buFont typeface="Arial" panose="020B0604020202020204" pitchFamily="34" charset="0"/>
+              <a:buChar char="•"/>
+              <a:defRPr sz="1800" kern="1200">
+                <a:solidFill>
+                  <a:schemeClr val="tx1"/>
+                </a:solidFill>
+                <a:latin typeface="+mn-lt"/>
+                <a:ea typeface="+mn-ea"/>
+                <a:cs typeface="+mn-cs"/>
+              </a:defRPr>
+            </a:lvl8pPr>
+            <a:lvl9pPr marL="3886200" indent="-228600" algn="l" defTabSz="914400" rtl="0" eaLnBrk="1" latinLnBrk="0" hangingPunct="1">
+              <a:lnSpc>
+                <a:spcPct val="90000"/>
+              </a:lnSpc>
+              <a:spcBef>
+                <a:spcPts val="500"/>
+              </a:spcBef>
+              <a:buFont typeface="Arial" panose="020B0604020202020204" pitchFamily="34" charset="0"/>
+              <a:buChar char="•"/>
+              <a:defRPr sz="1800" kern="1200">
+                <a:solidFill>
+                  <a:schemeClr val="tx1"/>
+                </a:solidFill>
+                <a:latin typeface="+mn-lt"/>
+                <a:ea typeface="+mn-ea"/>
+                <a:cs typeface="+mn-cs"/>
+              </a:defRPr>
+            </a:lvl9pPr>
+          </a:lstStyle>
+          <a:p>
+            <a:pPr marL="0" indent="0" algn="ctr">
+              <a:buNone/>
+            </a:pPr>
+            <a:r>
+              <a:rPr lang="en-US" sz="2000" i="1" dirty="0"/>
+              <a:t>Parallel time  (Tp1) = 4.2s (media di 10 test)</a:t>
+            </a:r>
+            <a:endParaRPr lang="en-US" dirty="0"/>
+          </a:p>
+        </p:txBody>
+      </p:sp>
+      <p:sp>
+        <p:nvSpPr>
+          <p:cNvPr id="10" name="TextBox 9">
+            <a:extLst>
+              <a:ext uri="{FF2B5EF4-FFF2-40B4-BE49-F238E27FC236}">
+                <a16:creationId xmlns:a16="http://schemas.microsoft.com/office/drawing/2014/main" id="{5FD1729E-FFFF-4A98-BFC1-79324C903B6E}"/>
+              </a:ext>
+            </a:extLst>
+          </p:cNvPr>
+          <p:cNvSpPr txBox="1"/>
+          <p:nvPr/>
+        </p:nvSpPr>
+        <p:spPr>
+          <a:xfrm>
+            <a:off x="5511124" y="3047675"/>
+            <a:ext cx="2743199" cy="2308324"/>
+          </a:xfrm>
+          <a:prstGeom prst="rect">
+            <a:avLst/>
+          </a:prstGeom>
+          <a:noFill/>
+        </p:spPr>
+        <p:txBody>
+          <a:bodyPr rot="0" spcFirstLastPara="0" vertOverflow="overflow" horzOverflow="overflow" vert="horz" wrap="square" lIns="91440" tIns="45720" rIns="91440" bIns="45720" numCol="1" spcCol="0" rtlCol="0" fromWordArt="0" anchor="t" anchorCtr="0" forceAA="0" compatLnSpc="1">
+            <a:prstTxWarp prst="textNoShape">
+              <a:avLst/>
+            </a:prstTxWarp>
+            <a:spAutoFit/>
+          </a:bodyPr>
+          <a:lstStyle/>
+          <a:p>
+            <a:r>
+              <a:rPr lang="en-US" dirty="0">
+                <a:solidFill>
+                  <a:srgbClr val="FF0000"/>
+                </a:solidFill>
+              </a:rPr>
+              <a:t>TODO: </a:t>
+            </a:r>
+            <a:r>
+              <a:rPr lang="en-US" dirty="0" err="1">
+                <a:solidFill>
+                  <a:srgbClr val="FF0000"/>
+                </a:solidFill>
+              </a:rPr>
+              <a:t>questi</a:t>
+            </a:r>
+            <a:r>
+              <a:rPr lang="en-US" dirty="0">
+                <a:solidFill>
+                  <a:srgbClr val="FF0000"/>
+                </a:solidFill>
+              </a:rPr>
+              <a:t> numeri </a:t>
+            </a:r>
+            <a:r>
+              <a:rPr lang="en-US" dirty="0" err="1">
+                <a:solidFill>
+                  <a:srgbClr val="FF0000"/>
+                </a:solidFill>
+              </a:rPr>
+              <a:t>sono</a:t>
+            </a:r>
+            <a:r>
+              <a:rPr lang="en-US" dirty="0">
+                <a:solidFill>
+                  <a:srgbClr val="FF0000"/>
+                </a:solidFill>
+              </a:rPr>
+              <a:t> </a:t>
+            </a:r>
+            <a:r>
+              <a:rPr lang="en-US" dirty="0" err="1">
+                <a:solidFill>
+                  <a:srgbClr val="FF0000"/>
+                </a:solidFill>
+              </a:rPr>
+              <a:t>strani</a:t>
+            </a:r>
+            <a:r>
+              <a:rPr lang="en-US" dirty="0">
+                <a:solidFill>
+                  <a:srgbClr val="FF0000"/>
+                </a:solidFill>
+              </a:rPr>
+              <a:t>. </a:t>
+            </a:r>
+            <a:r>
+              <a:rPr lang="en-US" dirty="0" err="1">
+                <a:solidFill>
+                  <a:srgbClr val="FF0000"/>
+                </a:solidFill>
+              </a:rPr>
+              <a:t>Controllare</a:t>
+            </a:r>
+            <a:r>
+              <a:rPr lang="en-US" dirty="0">
+                <a:solidFill>
+                  <a:srgbClr val="FF0000"/>
+                </a:solidFill>
+              </a:rPr>
+              <a:t>:</a:t>
+            </a:r>
+            <a:br>
+              <a:rPr lang="en-US" dirty="0">
+                <a:solidFill>
+                  <a:srgbClr val="FF0000"/>
+                </a:solidFill>
+              </a:rPr>
+            </a:br>
+            <a:r>
+              <a:rPr lang="en-US" dirty="0" err="1">
+                <a:solidFill>
+                  <a:srgbClr val="FF0000"/>
+                </a:solidFill>
+                <a:cs typeface="Calibri"/>
+              </a:rPr>
+              <a:t>Nell'esecuzione</a:t>
+            </a:r>
+            <a:r>
+              <a:rPr lang="en-US" dirty="0">
+                <a:solidFill>
+                  <a:srgbClr val="FF0000"/>
+                </a:solidFill>
+                <a:cs typeface="Calibri"/>
+              </a:rPr>
+              <a:t> parallela è inclusa anche la </a:t>
+            </a:r>
+            <a:r>
+              <a:rPr lang="en-US" dirty="0" err="1">
+                <a:solidFill>
+                  <a:srgbClr val="FF0000"/>
+                </a:solidFill>
+                <a:cs typeface="Calibri"/>
+              </a:rPr>
+              <a:t>scrittura</a:t>
+            </a:r>
+            <a:r>
+              <a:rPr lang="en-US" dirty="0">
+                <a:solidFill>
+                  <a:srgbClr val="FF0000"/>
+                </a:solidFill>
+                <a:cs typeface="Calibri"/>
+              </a:rPr>
+              <a:t> </a:t>
+            </a:r>
+            <a:r>
+              <a:rPr lang="en-US" dirty="0" err="1">
+                <a:solidFill>
+                  <a:srgbClr val="FF0000"/>
+                </a:solidFill>
+                <a:cs typeface="Calibri"/>
+              </a:rPr>
+              <a:t>su</a:t>
+            </a:r>
+            <a:r>
+              <a:rPr lang="en-US" dirty="0">
+                <a:solidFill>
+                  <a:srgbClr val="FF0000"/>
+                </a:solidFill>
+                <a:cs typeface="Calibri"/>
+              </a:rPr>
+              <a:t> disco? </a:t>
+            </a:r>
+          </a:p>
+          <a:p>
+            <a:r>
+              <a:rPr lang="en-US" dirty="0">
+                <a:solidFill>
+                  <a:srgbClr val="FF0000"/>
+                </a:solidFill>
+                <a:cs typeface="Calibri"/>
+              </a:rPr>
+              <a:t>Il tempo è </a:t>
+            </a:r>
+            <a:r>
+              <a:rPr lang="en-US" dirty="0" err="1">
+                <a:solidFill>
+                  <a:srgbClr val="FF0000"/>
+                </a:solidFill>
+                <a:cs typeface="Calibri"/>
+              </a:rPr>
+              <a:t>stato</a:t>
+            </a:r>
+            <a:r>
+              <a:rPr lang="en-US" dirty="0">
+                <a:solidFill>
+                  <a:srgbClr val="FF0000"/>
+                </a:solidFill>
+                <a:cs typeface="Calibri"/>
+              </a:rPr>
+              <a:t> </a:t>
+            </a:r>
+            <a:r>
+              <a:rPr lang="en-US" dirty="0" err="1">
+                <a:solidFill>
+                  <a:srgbClr val="FF0000"/>
+                </a:solidFill>
+                <a:cs typeface="Calibri"/>
+              </a:rPr>
+              <a:t>preso</a:t>
+            </a:r>
+            <a:r>
+              <a:rPr lang="en-US" dirty="0">
+                <a:solidFill>
+                  <a:srgbClr val="FF0000"/>
+                </a:solidFill>
+                <a:cs typeface="Calibri"/>
+              </a:rPr>
+              <a:t> </a:t>
+            </a:r>
+            <a:r>
+              <a:rPr lang="en-US" dirty="0" err="1">
+                <a:solidFill>
+                  <a:srgbClr val="FF0000"/>
+                </a:solidFill>
+                <a:cs typeface="Calibri"/>
+              </a:rPr>
+              <a:t>sulla</a:t>
+            </a:r>
+            <a:r>
+              <a:rPr lang="en-US" dirty="0">
+                <a:solidFill>
+                  <a:srgbClr val="FF0000"/>
+                </a:solidFill>
+                <a:cs typeface="Calibri"/>
+              </a:rPr>
+              <a:t> </a:t>
+            </a:r>
+            <a:r>
+              <a:rPr lang="en-US" dirty="0" err="1">
+                <a:solidFill>
+                  <a:srgbClr val="FF0000"/>
+                </a:solidFill>
+                <a:cs typeface="Calibri"/>
+              </a:rPr>
+              <a:t>stessa</a:t>
+            </a:r>
+            <a:r>
+              <a:rPr lang="en-US" dirty="0">
+                <a:solidFill>
+                  <a:srgbClr val="FF0000"/>
+                </a:solidFill>
+                <a:cs typeface="Calibri"/>
+              </a:rPr>
+              <a:t> </a:t>
+            </a:r>
+            <a:r>
+              <a:rPr lang="en-US" dirty="0" err="1">
+                <a:solidFill>
+                  <a:srgbClr val="FF0000"/>
+                </a:solidFill>
+                <a:cs typeface="Calibri"/>
+              </a:rPr>
+              <a:t>macchina</a:t>
+            </a:r>
+            <a:r>
+              <a:rPr lang="en-US" dirty="0">
+                <a:solidFill>
+                  <a:srgbClr val="FF0000"/>
+                </a:solidFill>
+                <a:cs typeface="Calibri"/>
+              </a:rPr>
+              <a:t> (</a:t>
+            </a:r>
+            <a:r>
+              <a:rPr lang="en-US" dirty="0" err="1">
+                <a:solidFill>
+                  <a:srgbClr val="FF0000"/>
+                </a:solidFill>
+                <a:cs typeface="Calibri"/>
+              </a:rPr>
+              <a:t>magari</a:t>
+            </a:r>
+            <a:r>
+              <a:rPr lang="en-US" dirty="0">
+                <a:solidFill>
+                  <a:srgbClr val="FF0000"/>
+                </a:solidFill>
+                <a:cs typeface="Calibri"/>
+              </a:rPr>
+              <a:t> una ha SSD e </a:t>
+            </a:r>
+            <a:r>
+              <a:rPr lang="en-US" dirty="0" err="1">
+                <a:solidFill>
+                  <a:srgbClr val="FF0000"/>
+                </a:solidFill>
+                <a:cs typeface="Calibri"/>
+              </a:rPr>
+              <a:t>l'altra</a:t>
+            </a:r>
+            <a:r>
+              <a:rPr lang="en-US" dirty="0">
+                <a:solidFill>
+                  <a:srgbClr val="FF0000"/>
+                </a:solidFill>
+                <a:cs typeface="Calibri"/>
+              </a:rPr>
+              <a:t> no?)</a:t>
+            </a:r>
           </a:p>
         </p:txBody>
       </p:sp>
     </p:spTree>
     <p:extLst>
       <p:ext uri="{BB962C8B-B14F-4D97-AF65-F5344CB8AC3E}">
-        <p14:creationId xmlns:p14="http://schemas.microsoft.com/office/powerpoint/2010/main" val="1428786883"/>
+        <p14:creationId xmlns:p14="http://schemas.microsoft.com/office/powerpoint/2010/main" val="3957637519"/>
       </p:ext>
     </p:extLst>
   </p:cSld>

--- a/presentazione/presentazione.pptx
+++ b/presentazione/presentazione.pptx
@@ -5,7 +5,7 @@
     <p:sldMasterId id="2147483648" r:id="rId1"/>
   </p:sldMasterIdLst>
   <p:notesMasterIdLst>
-    <p:notesMasterId r:id="rId23"/>
+    <p:notesMasterId r:id="rId19"/>
   </p:notesMasterIdLst>
   <p:sldIdLst>
     <p:sldId id="256" r:id="rId2"/>
@@ -23,12 +23,8 @@
     <p:sldId id="279" r:id="rId14"/>
     <p:sldId id="280" r:id="rId15"/>
     <p:sldId id="274" r:id="rId16"/>
-    <p:sldId id="278" r:id="rId17"/>
-    <p:sldId id="261" r:id="rId18"/>
-    <p:sldId id="262" r:id="rId19"/>
-    <p:sldId id="263" r:id="rId20"/>
-    <p:sldId id="264" r:id="rId21"/>
-    <p:sldId id="265" r:id="rId22"/>
+    <p:sldId id="282" r:id="rId17"/>
+    <p:sldId id="278" r:id="rId18"/>
   </p:sldIdLst>
   <p:sldSz cx="12192000" cy="6858000"/>
   <p:notesSz cx="6858000" cy="9144000"/>
@@ -997,7 +993,7 @@
           <a:p>
             <a:fld id="{5C4A7340-FBF5-C94B-B474-FFA8E9146F91}" type="datetimeFigureOut">
               <a:rPr lang="en-GB" smtClean="0"/>
-              <a:t>01/02/2022</a:t>
+              <a:t>04/02/2022</a:t>
             </a:fld>
             <a:endParaRPr lang="en-GB"/>
           </a:p>
@@ -1984,7 +1980,7 @@
               <a:rPr lang="en-US" dirty="0" err="1">
                 <a:cs typeface="Calibri"/>
               </a:rPr>
-              <a:t>Particles_second_opt_two_streams</a:t>
+              <a:t>Particles_second_opt_not_enough</a:t>
             </a:r>
           </a:p>
         </p:txBody>
@@ -2006,7 +2002,7 @@
           <a:p>
             <a:fld id="{A26EA17D-77D1-8E4E-9F7C-6370CAEEF1CF}" type="slidenum">
               <a:rPr lang="en-GB" smtClean="0"/>
-              <a:t>13</a:t>
+              <a:t>12</a:t>
             </a:fld>
             <a:endParaRPr lang="en-GB"/>
           </a:p>
@@ -2015,7 +2011,7 @@
     </p:spTree>
     <p:extLst>
       <p:ext uri="{BB962C8B-B14F-4D97-AF65-F5344CB8AC3E}">
-        <p14:creationId xmlns:p14="http://schemas.microsoft.com/office/powerpoint/2010/main" val="3356317518"/>
+        <p14:creationId xmlns:p14="http://schemas.microsoft.com/office/powerpoint/2010/main" val="1140447658"/>
       </p:ext>
     </p:extLst>
   </p:cSld>
@@ -2044,7 +2040,7 @@
       </p:grpSpPr>
       <p:sp>
         <p:nvSpPr>
-          <p:cNvPr id="2" name="Segnaposto immagine diapositiva 1"/>
+          <p:cNvPr id="2" name="Slide Image Placeholder 1"/>
           <p:cNvSpPr>
             <a:spLocks noGrp="1" noRot="1" noChangeAspect="1"/>
           </p:cNvSpPr>
@@ -2056,7 +2052,7 @@
       </p:sp>
       <p:sp>
         <p:nvSpPr>
-          <p:cNvPr id="3" name="Segnaposto note 2"/>
+          <p:cNvPr id="3" name="Notes Placeholder 2"/>
           <p:cNvSpPr>
             <a:spLocks noGrp="1"/>
           </p:cNvSpPr>
@@ -2070,18 +2066,17 @@
           <a:lstStyle/>
           <a:p>
             <a:r>
-              <a:rPr lang="en-GB" err="1">
+              <a:rPr lang="en-US" dirty="0" err="1">
                 <a:cs typeface="Calibri"/>
               </a:rPr>
               <a:t>Particles_second_opt_two_streams</a:t>
             </a:r>
-            <a:endParaRPr lang="en-GB"/>
-          </a:p>
-        </p:txBody>
-      </p:sp>
-      <p:sp>
-        <p:nvSpPr>
-          <p:cNvPr id="4" name="Segnaposto numero diapositiva 3"/>
+          </a:p>
+        </p:txBody>
+      </p:sp>
+      <p:sp>
+        <p:nvSpPr>
+          <p:cNvPr id="4" name="Slide Number Placeholder 3"/>
           <p:cNvSpPr>
             <a:spLocks noGrp="1"/>
           </p:cNvSpPr>
@@ -2096,7 +2091,7 @@
           <a:p>
             <a:fld id="{A26EA17D-77D1-8E4E-9F7C-6370CAEEF1CF}" type="slidenum">
               <a:rPr lang="en-GB" smtClean="0"/>
-              <a:t>14</a:t>
+              <a:t>13</a:t>
             </a:fld>
             <a:endParaRPr lang="en-GB"/>
           </a:p>
@@ -2105,7 +2100,7 @@
     </p:spTree>
     <p:extLst>
       <p:ext uri="{BB962C8B-B14F-4D97-AF65-F5344CB8AC3E}">
-        <p14:creationId xmlns:p14="http://schemas.microsoft.com/office/powerpoint/2010/main" val="1790980483"/>
+        <p14:creationId xmlns:p14="http://schemas.microsoft.com/office/powerpoint/2010/main" val="3356317518"/>
       </p:ext>
     </p:extLst>
   </p:cSld>
@@ -2159,7 +2154,13 @@
           <a:bodyPr/>
           <a:lstStyle/>
           <a:p>
-            <a:endParaRPr lang="en-GB" dirty="0"/>
+            <a:r>
+              <a:rPr lang="en-GB" err="1">
+                <a:cs typeface="Calibri"/>
+              </a:rPr>
+              <a:t>Particles_second_opt_two_streams</a:t>
+            </a:r>
+            <a:endParaRPr lang="en-GB"/>
           </a:p>
         </p:txBody>
       </p:sp>
@@ -2180,7 +2181,7 @@
           <a:p>
             <a:fld id="{A26EA17D-77D1-8E4E-9F7C-6370CAEEF1CF}" type="slidenum">
               <a:rPr lang="en-GB" smtClean="0"/>
-              <a:t>15</a:t>
+              <a:t>14</a:t>
             </a:fld>
             <a:endParaRPr lang="en-GB"/>
           </a:p>
@@ -2189,7 +2190,7 @@
     </p:spTree>
     <p:extLst>
       <p:ext uri="{BB962C8B-B14F-4D97-AF65-F5344CB8AC3E}">
-        <p14:creationId xmlns:p14="http://schemas.microsoft.com/office/powerpoint/2010/main" val="1596395629"/>
+        <p14:creationId xmlns:p14="http://schemas.microsoft.com/office/powerpoint/2010/main" val="1790980483"/>
       </p:ext>
     </p:extLst>
   </p:cSld>
@@ -2243,32 +2244,7 @@
           <a:bodyPr/>
           <a:lstStyle/>
           <a:p>
-            <a:r>
-              <a:rPr lang="en-GB" dirty="0"/>
-              <a:t>About GPROF output and I/O</a:t>
-            </a:r>
-          </a:p>
-          <a:p>
-            <a:r>
-              <a:rPr lang="en-GB" dirty="0"/>
-              <a:t>https://</a:t>
-            </a:r>
-            <a:r>
-              <a:rPr lang="en-GB" dirty="0" err="1"/>
-              <a:t>stackoverflow.com</a:t>
-            </a:r>
-            <a:r>
-              <a:rPr lang="en-GB" dirty="0"/>
-              <a:t>/questions/485649/confusing-</a:t>
-            </a:r>
-            <a:r>
-              <a:rPr lang="en-GB" dirty="0" err="1"/>
-              <a:t>gprof</a:t>
-            </a:r>
-            <a:r>
-              <a:rPr lang="en-GB" dirty="0"/>
-              <a:t>-output</a:t>
-            </a:r>
+            <a:endParaRPr lang="en-GB" dirty="0"/>
           </a:p>
         </p:txBody>
       </p:sp>
@@ -2289,7 +2265,200 @@
           <a:p>
             <a:fld id="{A26EA17D-77D1-8E4E-9F7C-6370CAEEF1CF}" type="slidenum">
               <a:rPr lang="en-GB" smtClean="0"/>
+              <a:t>15</a:t>
+            </a:fld>
+            <a:endParaRPr lang="en-GB"/>
+          </a:p>
+        </p:txBody>
+      </p:sp>
+    </p:spTree>
+    <p:extLst>
+      <p:ext uri="{BB962C8B-B14F-4D97-AF65-F5344CB8AC3E}">
+        <p14:creationId xmlns:p14="http://schemas.microsoft.com/office/powerpoint/2010/main" val="1596395629"/>
+      </p:ext>
+    </p:extLst>
+  </p:cSld>
+  <p:clrMapOvr>
+    <a:masterClrMapping/>
+  </p:clrMapOvr>
+</p:notes>
+</file>
+
+<file path=ppt/notesSlides/notesSlide14.xml><?xml version="1.0" encoding="utf-8"?>
+<p:notes xmlns:a="http://schemas.openxmlformats.org/drawingml/2006/main" xmlns:r="http://schemas.openxmlformats.org/officeDocument/2006/relationships" xmlns:p="http://schemas.openxmlformats.org/presentationml/2006/main">
+  <p:cSld>
+    <p:spTree>
+      <p:nvGrpSpPr>
+        <p:cNvPr id="1" name=""/>
+        <p:cNvGrpSpPr/>
+        <p:nvPr/>
+      </p:nvGrpSpPr>
+      <p:grpSpPr>
+        <a:xfrm>
+          <a:off x="0" y="0"/>
+          <a:ext cx="0" cy="0"/>
+          <a:chOff x="0" y="0"/>
+          <a:chExt cx="0" cy="0"/>
+        </a:xfrm>
+      </p:grpSpPr>
+      <p:sp>
+        <p:nvSpPr>
+          <p:cNvPr id="2" name="Segnaposto immagine diapositiva 1"/>
+          <p:cNvSpPr>
+            <a:spLocks noGrp="1" noRot="1" noChangeAspect="1"/>
+          </p:cNvSpPr>
+          <p:nvPr>
+            <p:ph type="sldImg"/>
+          </p:nvPr>
+        </p:nvSpPr>
+        <p:spPr/>
+      </p:sp>
+      <p:sp>
+        <p:nvSpPr>
+          <p:cNvPr id="3" name="Segnaposto note 2"/>
+          <p:cNvSpPr>
+            <a:spLocks noGrp="1"/>
+          </p:cNvSpPr>
+          <p:nvPr>
+            <p:ph type="body" idx="1"/>
+          </p:nvPr>
+        </p:nvSpPr>
+        <p:spPr/>
+        <p:txBody>
+          <a:bodyPr/>
+          <a:lstStyle/>
+          <a:p>
+            <a:endParaRPr lang="en-GB" dirty="0"/>
+          </a:p>
+        </p:txBody>
+      </p:sp>
+      <p:sp>
+        <p:nvSpPr>
+          <p:cNvPr id="4" name="Segnaposto numero diapositiva 3"/>
+          <p:cNvSpPr>
+            <a:spLocks noGrp="1"/>
+          </p:cNvSpPr>
+          <p:nvPr>
+            <p:ph type="sldNum" sz="quarter" idx="5"/>
+          </p:nvPr>
+        </p:nvSpPr>
+        <p:spPr/>
+        <p:txBody>
+          <a:bodyPr/>
+          <a:lstStyle/>
+          <a:p>
+            <a:fld id="{A26EA17D-77D1-8E4E-9F7C-6370CAEEF1CF}" type="slidenum">
+              <a:rPr lang="en-GB" smtClean="0"/>
               <a:t>16</a:t>
+            </a:fld>
+            <a:endParaRPr lang="en-GB"/>
+          </a:p>
+        </p:txBody>
+      </p:sp>
+    </p:spTree>
+    <p:extLst>
+      <p:ext uri="{BB962C8B-B14F-4D97-AF65-F5344CB8AC3E}">
+        <p14:creationId xmlns:p14="http://schemas.microsoft.com/office/powerpoint/2010/main" val="398447472"/>
+      </p:ext>
+    </p:extLst>
+  </p:cSld>
+  <p:clrMapOvr>
+    <a:masterClrMapping/>
+  </p:clrMapOvr>
+</p:notes>
+</file>
+
+<file path=ppt/notesSlides/notesSlide15.xml><?xml version="1.0" encoding="utf-8"?>
+<p:notes xmlns:a="http://schemas.openxmlformats.org/drawingml/2006/main" xmlns:r="http://schemas.openxmlformats.org/officeDocument/2006/relationships" xmlns:p="http://schemas.openxmlformats.org/presentationml/2006/main">
+  <p:cSld>
+    <p:spTree>
+      <p:nvGrpSpPr>
+        <p:cNvPr id="1" name=""/>
+        <p:cNvGrpSpPr/>
+        <p:nvPr/>
+      </p:nvGrpSpPr>
+      <p:grpSpPr>
+        <a:xfrm>
+          <a:off x="0" y="0"/>
+          <a:ext cx="0" cy="0"/>
+          <a:chOff x="0" y="0"/>
+          <a:chExt cx="0" cy="0"/>
+        </a:xfrm>
+      </p:grpSpPr>
+      <p:sp>
+        <p:nvSpPr>
+          <p:cNvPr id="2" name="Segnaposto immagine diapositiva 1"/>
+          <p:cNvSpPr>
+            <a:spLocks noGrp="1" noRot="1" noChangeAspect="1"/>
+          </p:cNvSpPr>
+          <p:nvPr>
+            <p:ph type="sldImg"/>
+          </p:nvPr>
+        </p:nvSpPr>
+        <p:spPr/>
+      </p:sp>
+      <p:sp>
+        <p:nvSpPr>
+          <p:cNvPr id="3" name="Segnaposto note 2"/>
+          <p:cNvSpPr>
+            <a:spLocks noGrp="1"/>
+          </p:cNvSpPr>
+          <p:nvPr>
+            <p:ph type="body" idx="1"/>
+          </p:nvPr>
+        </p:nvSpPr>
+        <p:spPr/>
+        <p:txBody>
+          <a:bodyPr/>
+          <a:lstStyle/>
+          <a:p>
+            <a:r>
+              <a:rPr lang="en-GB" dirty="0"/>
+              <a:t>About GPROF output and I/O</a:t>
+            </a:r>
+          </a:p>
+          <a:p>
+            <a:r>
+              <a:rPr lang="en-GB" dirty="0"/>
+              <a:t>https://</a:t>
+            </a:r>
+            <a:r>
+              <a:rPr lang="en-GB" dirty="0" err="1"/>
+              <a:t>stackoverflow.com</a:t>
+            </a:r>
+            <a:r>
+              <a:rPr lang="en-GB" dirty="0"/>
+              <a:t>/questions/485649/confusing-</a:t>
+            </a:r>
+            <a:r>
+              <a:rPr lang="en-GB" dirty="0" err="1"/>
+              <a:t>gprof</a:t>
+            </a:r>
+            <a:r>
+              <a:rPr lang="en-GB" dirty="0"/>
+              <a:t>-output</a:t>
+            </a:r>
+          </a:p>
+        </p:txBody>
+      </p:sp>
+      <p:sp>
+        <p:nvSpPr>
+          <p:cNvPr id="4" name="Segnaposto numero diapositiva 3"/>
+          <p:cNvSpPr>
+            <a:spLocks noGrp="1"/>
+          </p:cNvSpPr>
+          <p:nvPr>
+            <p:ph type="sldNum" sz="quarter" idx="5"/>
+          </p:nvPr>
+        </p:nvSpPr>
+        <p:spPr/>
+        <p:txBody>
+          <a:bodyPr/>
+          <a:lstStyle/>
+          <a:p>
+            <a:fld id="{A26EA17D-77D1-8E4E-9F7C-6370CAEEF1CF}" type="slidenum">
+              <a:rPr lang="en-GB" smtClean="0"/>
+              <a:t>17</a:t>
             </a:fld>
             <a:endParaRPr lang="en-GB"/>
           </a:p>
@@ -2664,7 +2833,7 @@
           <a:bodyPr/>
           <a:lstStyle/>
           <a:p>
-            <a:endParaRPr lang="en-GB" dirty="0"/>
+            <a:endParaRPr lang="it-IT"/>
           </a:p>
         </p:txBody>
       </p:sp>
@@ -2685,7 +2854,7 @@
           <a:p>
             <a:fld id="{A26EA17D-77D1-8E4E-9F7C-6370CAEEF1CF}" type="slidenum">
               <a:rPr lang="en-GB" smtClean="0"/>
-              <a:t>8</a:t>
+              <a:t>7</a:t>
             </a:fld>
             <a:endParaRPr lang="en-GB"/>
           </a:p>
@@ -2694,7 +2863,7 @@
     </p:spTree>
     <p:extLst>
       <p:ext uri="{BB962C8B-B14F-4D97-AF65-F5344CB8AC3E}">
-        <p14:creationId xmlns:p14="http://schemas.microsoft.com/office/powerpoint/2010/main" val="254739935"/>
+        <p14:creationId xmlns:p14="http://schemas.microsoft.com/office/powerpoint/2010/main" val="1106795377"/>
       </p:ext>
     </p:extLst>
   </p:cSld>
@@ -2769,7 +2938,7 @@
           <a:p>
             <a:fld id="{A26EA17D-77D1-8E4E-9F7C-6370CAEEF1CF}" type="slidenum">
               <a:rPr lang="en-GB" smtClean="0"/>
-              <a:t>9</a:t>
+              <a:t>8</a:t>
             </a:fld>
             <a:endParaRPr lang="en-GB"/>
           </a:p>
@@ -2778,7 +2947,7 @@
     </p:spTree>
     <p:extLst>
       <p:ext uri="{BB962C8B-B14F-4D97-AF65-F5344CB8AC3E}">
-        <p14:creationId xmlns:p14="http://schemas.microsoft.com/office/powerpoint/2010/main" val="3262814792"/>
+        <p14:creationId xmlns:p14="http://schemas.microsoft.com/office/powerpoint/2010/main" val="254739935"/>
       </p:ext>
     </p:extLst>
   </p:cSld>
@@ -2853,7 +3022,7 @@
           <a:p>
             <a:fld id="{A26EA17D-77D1-8E4E-9F7C-6370CAEEF1CF}" type="slidenum">
               <a:rPr lang="en-GB" smtClean="0"/>
-              <a:t>10</a:t>
+              <a:t>9</a:t>
             </a:fld>
             <a:endParaRPr lang="en-GB"/>
           </a:p>
@@ -2862,7 +3031,7 @@
     </p:spTree>
     <p:extLst>
       <p:ext uri="{BB962C8B-B14F-4D97-AF65-F5344CB8AC3E}">
-        <p14:creationId xmlns:p14="http://schemas.microsoft.com/office/powerpoint/2010/main" val="1371943977"/>
+        <p14:creationId xmlns:p14="http://schemas.microsoft.com/office/powerpoint/2010/main" val="3262814792"/>
       </p:ext>
     </p:extLst>
   </p:cSld>
@@ -2937,7 +3106,7 @@
           <a:p>
             <a:fld id="{A26EA17D-77D1-8E4E-9F7C-6370CAEEF1CF}" type="slidenum">
               <a:rPr lang="en-GB" smtClean="0"/>
-              <a:t>11</a:t>
+              <a:t>10</a:t>
             </a:fld>
             <a:endParaRPr lang="en-GB"/>
           </a:p>
@@ -2946,7 +3115,7 @@
     </p:spTree>
     <p:extLst>
       <p:ext uri="{BB962C8B-B14F-4D97-AF65-F5344CB8AC3E}">
-        <p14:creationId xmlns:p14="http://schemas.microsoft.com/office/powerpoint/2010/main" val="2230994357"/>
+        <p14:creationId xmlns:p14="http://schemas.microsoft.com/office/powerpoint/2010/main" val="1371943977"/>
       </p:ext>
     </p:extLst>
   </p:cSld>
@@ -2975,7 +3144,7 @@
       </p:grpSpPr>
       <p:sp>
         <p:nvSpPr>
-          <p:cNvPr id="2" name="Slide Image Placeholder 1"/>
+          <p:cNvPr id="2" name="Segnaposto immagine diapositiva 1"/>
           <p:cNvSpPr>
             <a:spLocks noGrp="1" noRot="1" noChangeAspect="1"/>
           </p:cNvSpPr>
@@ -2987,7 +3156,7 @@
       </p:sp>
       <p:sp>
         <p:nvSpPr>
-          <p:cNvPr id="3" name="Notes Placeholder 2"/>
+          <p:cNvPr id="3" name="Segnaposto note 2"/>
           <p:cNvSpPr>
             <a:spLocks noGrp="1"/>
           </p:cNvSpPr>
@@ -3000,18 +3169,13 @@
           <a:bodyPr/>
           <a:lstStyle/>
           <a:p>
-            <a:r>
-              <a:rPr lang="en-US" dirty="0" err="1">
-                <a:cs typeface="Calibri"/>
-              </a:rPr>
-              <a:t>Particles_second_opt_not_enough</a:t>
-            </a:r>
-          </a:p>
-        </p:txBody>
-      </p:sp>
-      <p:sp>
-        <p:nvSpPr>
-          <p:cNvPr id="4" name="Slide Number Placeholder 3"/>
+            <a:endParaRPr lang="en-GB" dirty="0"/>
+          </a:p>
+        </p:txBody>
+      </p:sp>
+      <p:sp>
+        <p:nvSpPr>
+          <p:cNvPr id="4" name="Segnaposto numero diapositiva 3"/>
           <p:cNvSpPr>
             <a:spLocks noGrp="1"/>
           </p:cNvSpPr>
@@ -3026,7 +3190,7 @@
           <a:p>
             <a:fld id="{A26EA17D-77D1-8E4E-9F7C-6370CAEEF1CF}" type="slidenum">
               <a:rPr lang="en-GB" smtClean="0"/>
-              <a:t>12</a:t>
+              <a:t>11</a:t>
             </a:fld>
             <a:endParaRPr lang="en-GB"/>
           </a:p>
@@ -3035,7 +3199,7 @@
     </p:spTree>
     <p:extLst>
       <p:ext uri="{BB962C8B-B14F-4D97-AF65-F5344CB8AC3E}">
-        <p14:creationId xmlns:p14="http://schemas.microsoft.com/office/powerpoint/2010/main" val="1140447658"/>
+        <p14:creationId xmlns:p14="http://schemas.microsoft.com/office/powerpoint/2010/main" val="2230994357"/>
       </p:ext>
     </p:extLst>
   </p:cSld>
@@ -3194,7 +3358,7 @@
           <a:p>
             <a:fld id="{71FAFF6A-1FF6-574F-9D39-3AFB90F9E481}" type="datetimeFigureOut">
               <a:rPr lang="en-US" smtClean="0"/>
-              <a:t>2/1/22</a:t>
+              <a:t>2/4/22</a:t>
             </a:fld>
             <a:endParaRPr lang="en-US"/>
           </a:p>
@@ -3394,7 +3558,7 @@
           <a:p>
             <a:fld id="{71FAFF6A-1FF6-574F-9D39-3AFB90F9E481}" type="datetimeFigureOut">
               <a:rPr lang="en-US" smtClean="0"/>
-              <a:t>2/1/22</a:t>
+              <a:t>2/4/22</a:t>
             </a:fld>
             <a:endParaRPr lang="en-US"/>
           </a:p>
@@ -3604,7 +3768,7 @@
           <a:p>
             <a:fld id="{71FAFF6A-1FF6-574F-9D39-3AFB90F9E481}" type="datetimeFigureOut">
               <a:rPr lang="en-US" smtClean="0"/>
-              <a:t>2/1/22</a:t>
+              <a:t>2/4/22</a:t>
             </a:fld>
             <a:endParaRPr lang="en-US"/>
           </a:p>
@@ -3804,7 +3968,7 @@
           <a:p>
             <a:fld id="{71FAFF6A-1FF6-574F-9D39-3AFB90F9E481}" type="datetimeFigureOut">
               <a:rPr lang="en-US" smtClean="0"/>
-              <a:t>2/1/22</a:t>
+              <a:t>2/4/22</a:t>
             </a:fld>
             <a:endParaRPr lang="en-US"/>
           </a:p>
@@ -4080,7 +4244,7 @@
           <a:p>
             <a:fld id="{71FAFF6A-1FF6-574F-9D39-3AFB90F9E481}" type="datetimeFigureOut">
               <a:rPr lang="en-US" smtClean="0"/>
-              <a:t>2/1/22</a:t>
+              <a:t>2/4/22</a:t>
             </a:fld>
             <a:endParaRPr lang="en-US"/>
           </a:p>
@@ -4348,7 +4512,7 @@
           <a:p>
             <a:fld id="{71FAFF6A-1FF6-574F-9D39-3AFB90F9E481}" type="datetimeFigureOut">
               <a:rPr lang="en-US" smtClean="0"/>
-              <a:t>2/1/22</a:t>
+              <a:t>2/4/22</a:t>
             </a:fld>
             <a:endParaRPr lang="en-US"/>
           </a:p>
@@ -4763,7 +4927,7 @@
           <a:p>
             <a:fld id="{71FAFF6A-1FF6-574F-9D39-3AFB90F9E481}" type="datetimeFigureOut">
               <a:rPr lang="en-US" smtClean="0"/>
-              <a:t>2/1/22</a:t>
+              <a:t>2/4/22</a:t>
             </a:fld>
             <a:endParaRPr lang="en-US"/>
           </a:p>
@@ -4905,7 +5069,7 @@
           <a:p>
             <a:fld id="{71FAFF6A-1FF6-574F-9D39-3AFB90F9E481}" type="datetimeFigureOut">
               <a:rPr lang="en-US" smtClean="0"/>
-              <a:t>2/1/22</a:t>
+              <a:t>2/4/22</a:t>
             </a:fld>
             <a:endParaRPr lang="en-US"/>
           </a:p>
@@ -5018,7 +5182,7 @@
           <a:p>
             <a:fld id="{71FAFF6A-1FF6-574F-9D39-3AFB90F9E481}" type="datetimeFigureOut">
               <a:rPr lang="en-US" smtClean="0"/>
-              <a:t>2/1/22</a:t>
+              <a:t>2/4/22</a:t>
             </a:fld>
             <a:endParaRPr lang="en-US"/>
           </a:p>
@@ -5331,7 +5495,7 @@
           <a:p>
             <a:fld id="{71FAFF6A-1FF6-574F-9D39-3AFB90F9E481}" type="datetimeFigureOut">
               <a:rPr lang="en-US" smtClean="0"/>
-              <a:t>2/1/22</a:t>
+              <a:t>2/4/22</a:t>
             </a:fld>
             <a:endParaRPr lang="en-US"/>
           </a:p>
@@ -5620,7 +5784,7 @@
           <a:p>
             <a:fld id="{71FAFF6A-1FF6-574F-9D39-3AFB90F9E481}" type="datetimeFigureOut">
               <a:rPr lang="en-US" smtClean="0"/>
-              <a:t>2/1/22</a:t>
+              <a:t>2/4/22</a:t>
             </a:fld>
             <a:endParaRPr lang="en-US"/>
           </a:p>
@@ -5863,7 +6027,7 @@
           <a:p>
             <a:fld id="{71FAFF6A-1FF6-574F-9D39-3AFB90F9E481}" type="datetimeFigureOut">
               <a:rPr lang="en-US" smtClean="0"/>
-              <a:t>2/1/22</a:t>
+              <a:t>2/4/22</a:t>
             </a:fld>
             <a:endParaRPr lang="en-US"/>
           </a:p>
@@ -7422,8 +7586,8 @@
         </p:nvSpPr>
         <p:spPr>
           <a:xfrm rot="5400000">
-            <a:off x="5171838" y="1008951"/>
-            <a:ext cx="196982" cy="4279325"/>
+            <a:off x="5484068" y="766203"/>
+            <a:ext cx="127499" cy="4834304"/>
           </a:xfrm>
           <a:prstGeom prst="leftBrace">
             <a:avLst/>
@@ -7495,7 +7659,7 @@
                 </a:solidFill>
                 <a:cs typeface="Calibri"/>
               </a:rPr>
-              <a:t>⁓ 300 </a:t>
+              <a:t>⁓ 324 </a:t>
             </a:r>
             <a:r>
               <a:rPr lang="en-GB" dirty="0" err="1">
@@ -10165,8 +10329,8 @@
         </p:nvSpPr>
         <p:spPr>
           <a:xfrm>
-            <a:off x="288878" y="5787787"/>
-            <a:ext cx="12000929" cy="923330"/>
+            <a:off x="288879" y="5787787"/>
+            <a:ext cx="11619930" cy="923330"/>
           </a:xfrm>
           <a:prstGeom prst="rect">
             <a:avLst/>
@@ -10288,75 +10452,19 @@
               <a:rPr lang="en-US" dirty="0">
                 <a:cs typeface="Calibri"/>
               </a:rPr>
-              <a:t> per via </a:t>
-            </a:r>
-            <a:r>
-              <a:rPr lang="en-US" dirty="0" err="1">
-                <a:cs typeface="Calibri"/>
-              </a:rPr>
-              <a:t>dei</a:t>
+              <a:t> per via del Massimo numero di thread disponibili (2*NP</a:t>
+            </a:r>
+            <a:r>
+              <a:rPr lang="en-US" baseline="30000" dirty="0">
+                <a:cs typeface="Calibri"/>
+              </a:rPr>
+              <a:t>2</a:t>
             </a:r>
             <a:r>
               <a:rPr lang="en-US" dirty="0">
                 <a:cs typeface="Calibri"/>
               </a:rPr>
-              <a:t> </a:t>
-            </a:r>
-            <a:r>
-              <a:rPr lang="en-US" dirty="0" err="1">
-                <a:cs typeface="Calibri"/>
-              </a:rPr>
-              <a:t>limiti</a:t>
-            </a:r>
-            <a:r>
-              <a:rPr lang="en-US" dirty="0">
-                <a:cs typeface="Calibri"/>
-              </a:rPr>
-              <a:t> di </a:t>
-            </a:r>
-            <a:r>
-              <a:rPr lang="en-US" dirty="0" err="1">
-                <a:cs typeface="Calibri"/>
-              </a:rPr>
-              <a:t>memoria</a:t>
-            </a:r>
-            <a:r>
-              <a:rPr lang="en-US" dirty="0">
-                <a:cs typeface="Calibri"/>
-              </a:rPr>
-              <a:t>:  </a:t>
-            </a:r>
-            <a:r>
-              <a:rPr lang="en-US" dirty="0" err="1">
-                <a:cs typeface="Calibri"/>
-              </a:rPr>
-              <a:t>ciascun stream opera su una matrice </a:t>
-            </a:r>
-          </a:p>
-          <a:p>
-            <a:r>
-              <a:rPr lang="en-US" dirty="0">
-                <a:cs typeface="Calibri"/>
-              </a:rPr>
-              <a:t>NP x NP x double! (3.561,78 MB). </a:t>
-            </a:r>
-            <a:r>
-              <a:rPr lang="en-US" strike="sngStrike" dirty="0">
-                <a:cs typeface="Calibri"/>
-              </a:rPr>
-              <a:t>Tempo </a:t>
-            </a:r>
-            <a:r>
-              <a:rPr lang="en-US" strike="sngStrike" dirty="0" err="1">
-                <a:cs typeface="Calibri"/>
-              </a:rPr>
-              <a:t>d'esecuzione</a:t>
-            </a:r>
-            <a:r>
-              <a:rPr lang="en-US" strike="sngStrike" dirty="0">
-                <a:cs typeface="Calibri"/>
-              </a:rPr>
-              <a:t>: 6.1 s (media di 10 test)</a:t>
+              <a:t> thread richiesti: 926M – “soltanto” 73K CUDA thread disponibili) </a:t>
             </a:r>
             <a:endParaRPr lang="en-US" strike="sngStrike" dirty="0">
               <a:ea typeface="+mn-lt"/>
@@ -10411,7 +10519,12 @@
             <p:ph type="title"/>
           </p:nvPr>
         </p:nvSpPr>
-        <p:spPr/>
+        <p:spPr>
+          <a:xfrm>
+            <a:off x="914400" y="258100"/>
+            <a:ext cx="10515600" cy="1325563"/>
+          </a:xfrm>
+        </p:spPr>
         <p:txBody>
           <a:bodyPr/>
           <a:lstStyle/>
@@ -10422,16 +10535,1235 @@
             </a:r>
             <a:r>
               <a:rPr lang="en-US" dirty="0"/>
-              <a:t> (5): </a:t>
+              <a:t> (5): Accelerare </a:t>
             </a:r>
             <a:r>
               <a:rPr lang="en-US" dirty="0" err="1"/>
-              <a:t>ParticleScreen_par</a:t>
+              <a:t>ParticleScreen?</a:t>
             </a:r>
             <a:endParaRPr lang="en-US" dirty="0"/>
           </a:p>
         </p:txBody>
       </p:sp>
+      <p:sp>
+        <p:nvSpPr>
+          <p:cNvPr id="4" name="CasellaDiTesto 3">
+            <a:extLst>
+              <a:ext uri="{FF2B5EF4-FFF2-40B4-BE49-F238E27FC236}">
+                <a16:creationId xmlns:a16="http://schemas.microsoft.com/office/drawing/2014/main" id="{8471387C-046A-AB41-A02B-D8BB67F93266}"/>
+              </a:ext>
+            </a:extLst>
+          </p:cNvPr>
+          <p:cNvSpPr txBox="1"/>
+          <p:nvPr/>
+        </p:nvSpPr>
+        <p:spPr>
+          <a:xfrm>
+            <a:off x="6495068" y="1898912"/>
+            <a:ext cx="5696932" cy="1477328"/>
+          </a:xfrm>
+          <a:prstGeom prst="rect">
+            <a:avLst/>
+          </a:prstGeom>
+          <a:noFill/>
+        </p:spPr>
+        <p:txBody>
+          <a:bodyPr wrap="square" rtlCol="0">
+            <a:spAutoFit/>
+          </a:bodyPr>
+          <a:lstStyle/>
+          <a:p>
+            <a:r>
+              <a:rPr lang="en-GB" i="1" dirty="0" err="1"/>
+              <a:t>i</a:t>
+            </a:r>
+            <a:r>
+              <a:rPr lang="en-GB" i="1" baseline="30000" dirty="0" err="1"/>
+              <a:t>th</a:t>
+            </a:r>
+            <a:r>
+              <a:rPr lang="en-GB" i="1" dirty="0"/>
+              <a:t> thread </a:t>
+            </a:r>
+            <a:r>
+              <a:rPr lang="en-GB" i="1" dirty="0" err="1"/>
+              <a:t>su</a:t>
+            </a:r>
+            <a:r>
+              <a:rPr lang="en-GB" i="1" dirty="0"/>
+              <a:t> GPU:</a:t>
+            </a:r>
+          </a:p>
+          <a:p>
+            <a:r>
+              <a:rPr lang="en-GB" i="1" dirty="0"/>
+              <a:t>  - caclola il peso wp relativo della particella i-esima</a:t>
+            </a:r>
+          </a:p>
+          <a:p>
+            <a:r>
+              <a:rPr lang="en-GB" i="1" dirty="0"/>
+              <a:t>  - inserisce wp nel punto di coordinate corrisponente alla posizione della particella in matrice dedicata</a:t>
+            </a:r>
+          </a:p>
+          <a:p>
+            <a:r>
+              <a:rPr lang="en-GB" i="1" dirty="0"/>
+              <a:t>  - ripete wp nei punti adiacenti (sx, dx, sopra, sotto)</a:t>
+            </a:r>
+          </a:p>
+        </p:txBody>
+      </p:sp>
+      <p:sp>
+        <p:nvSpPr>
+          <p:cNvPr id="7" name="CasellaDiTesto 6">
+            <a:extLst>
+              <a:ext uri="{FF2B5EF4-FFF2-40B4-BE49-F238E27FC236}">
+                <a16:creationId xmlns:a16="http://schemas.microsoft.com/office/drawing/2014/main" id="{0627B031-8625-2F45-9896-371370D3E1A2}"/>
+              </a:ext>
+            </a:extLst>
+          </p:cNvPr>
+          <p:cNvSpPr txBox="1"/>
+          <p:nvPr/>
+        </p:nvSpPr>
+        <p:spPr>
+          <a:xfrm>
+            <a:off x="607244" y="1583663"/>
+            <a:ext cx="5089689" cy="2893100"/>
+          </a:xfrm>
+          <a:prstGeom prst="rect">
+            <a:avLst/>
+          </a:prstGeom>
+          <a:solidFill>
+            <a:schemeClr val="bg1">
+              <a:lumMod val="50000"/>
+            </a:schemeClr>
+          </a:solidFill>
+        </p:spPr>
+        <p:txBody>
+          <a:bodyPr wrap="square">
+            <a:spAutoFit/>
+          </a:bodyPr>
+          <a:lstStyle/>
+          <a:p>
+            <a:r>
+              <a:rPr lang="it-IT" sz="1400" b="0">
+                <a:solidFill>
+                  <a:srgbClr val="C586C0"/>
+                </a:solidFill>
+                <a:effectLst/>
+                <a:latin typeface="Menlo" panose="020B0609030804020204" pitchFamily="49" charset="0"/>
+              </a:rPr>
+              <a:t>for</a:t>
+            </a:r>
+            <a:r>
+              <a:rPr lang="it-IT" sz="1400" b="0">
+                <a:solidFill>
+                  <a:srgbClr val="D4D4D4"/>
+                </a:solidFill>
+                <a:effectLst/>
+                <a:latin typeface="Menlo" panose="020B0609030804020204" pitchFamily="49" charset="0"/>
+              </a:rPr>
+              <a:t> ( n = </a:t>
+            </a:r>
+            <a:r>
+              <a:rPr lang="it-IT" sz="1400" b="0">
+                <a:solidFill>
+                  <a:srgbClr val="B5CEA8"/>
+                </a:solidFill>
+                <a:effectLst/>
+                <a:latin typeface="Menlo" panose="020B0609030804020204" pitchFamily="49" charset="0"/>
+              </a:rPr>
+              <a:t>0</a:t>
+            </a:r>
+            <a:r>
+              <a:rPr lang="it-IT" sz="1400" b="0">
+                <a:solidFill>
+                  <a:srgbClr val="D4D4D4"/>
+                </a:solidFill>
+                <a:effectLst/>
+                <a:latin typeface="Menlo" panose="020B0609030804020204" pitchFamily="49" charset="0"/>
+              </a:rPr>
+              <a:t>; n &lt; </a:t>
+            </a:r>
+            <a:r>
+              <a:rPr lang="it-IT" sz="1400" b="0">
+                <a:solidFill>
+                  <a:srgbClr val="9CDCFE"/>
+                </a:solidFill>
+                <a:effectLst/>
+                <a:latin typeface="Menlo" panose="020B0609030804020204" pitchFamily="49" charset="0"/>
+              </a:rPr>
+              <a:t>pp</a:t>
+            </a:r>
+            <a:r>
+              <a:rPr lang="it-IT" sz="1400" b="0">
+                <a:solidFill>
+                  <a:srgbClr val="D4D4D4"/>
+                </a:solidFill>
+                <a:effectLst/>
+                <a:latin typeface="Menlo" panose="020B0609030804020204" pitchFamily="49" charset="0"/>
+              </a:rPr>
+              <a:t>.</a:t>
+            </a:r>
+            <a:r>
+              <a:rPr lang="it-IT" sz="1400" b="0">
+                <a:solidFill>
+                  <a:srgbClr val="9CDCFE"/>
+                </a:solidFill>
+                <a:effectLst/>
+                <a:latin typeface="Menlo" panose="020B0609030804020204" pitchFamily="49" charset="0"/>
+              </a:rPr>
+              <a:t>np</a:t>
+            </a:r>
+            <a:r>
+              <a:rPr lang="it-IT" sz="1400" b="0">
+                <a:solidFill>
+                  <a:srgbClr val="D4D4D4"/>
+                </a:solidFill>
+                <a:effectLst/>
+                <a:latin typeface="Menlo" panose="020B0609030804020204" pitchFamily="49" charset="0"/>
+              </a:rPr>
+              <a:t>; n++ ) {</a:t>
+            </a:r>
+          </a:p>
+          <a:p>
+            <a:r>
+              <a:rPr lang="it-IT" sz="1400" b="0">
+                <a:solidFill>
+                  <a:srgbClr val="6A9955"/>
+                </a:solidFill>
+                <a:effectLst/>
+                <a:latin typeface="Menlo" panose="020B0609030804020204" pitchFamily="49" charset="0"/>
+              </a:rPr>
+              <a:t>// keep a tiny border free anyway</a:t>
+            </a:r>
+            <a:endParaRPr lang="it-IT" sz="1400" b="0">
+              <a:solidFill>
+                <a:srgbClr val="D4D4D4"/>
+              </a:solidFill>
+              <a:effectLst/>
+              <a:latin typeface="Menlo" panose="020B0609030804020204" pitchFamily="49" charset="0"/>
+            </a:endParaRPr>
+          </a:p>
+          <a:p>
+            <a:r>
+              <a:rPr lang="it-IT" sz="1400" b="0">
+                <a:solidFill>
+                  <a:srgbClr val="D4D4D4"/>
+                </a:solidFill>
+                <a:effectLst/>
+                <a:latin typeface="Menlo" panose="020B0609030804020204" pitchFamily="49" charset="0"/>
+              </a:rPr>
+              <a:t> ix = Xdots * </a:t>
+            </a:r>
+            <a:r>
+              <a:rPr lang="it-IT" sz="1400" b="0">
+                <a:solidFill>
+                  <a:srgbClr val="9CDCFE"/>
+                </a:solidFill>
+                <a:effectLst/>
+                <a:latin typeface="Menlo" panose="020B0609030804020204" pitchFamily="49" charset="0"/>
+              </a:rPr>
+              <a:t>pp</a:t>
+            </a:r>
+            <a:r>
+              <a:rPr lang="it-IT" sz="1400" b="0">
+                <a:solidFill>
+                  <a:srgbClr val="D4D4D4"/>
+                </a:solidFill>
+                <a:effectLst/>
+                <a:latin typeface="Menlo" panose="020B0609030804020204" pitchFamily="49" charset="0"/>
+              </a:rPr>
+              <a:t>.</a:t>
+            </a:r>
+            <a:r>
+              <a:rPr lang="it-IT" sz="1400" b="0">
+                <a:solidFill>
+                  <a:srgbClr val="9CDCFE"/>
+                </a:solidFill>
+                <a:effectLst/>
+                <a:latin typeface="Menlo" panose="020B0609030804020204" pitchFamily="49" charset="0"/>
+              </a:rPr>
+              <a:t>x</a:t>
+            </a:r>
+            <a:r>
+              <a:rPr lang="it-IT" sz="1400" b="0">
+                <a:solidFill>
+                  <a:srgbClr val="D4D4D4"/>
+                </a:solidFill>
+                <a:effectLst/>
+                <a:latin typeface="Menlo" panose="020B0609030804020204" pitchFamily="49" charset="0"/>
+              </a:rPr>
+              <a:t>[n] / Dx; </a:t>
+            </a:r>
+          </a:p>
+          <a:p>
+            <a:r>
+              <a:rPr lang="it-IT" sz="1400">
+                <a:solidFill>
+                  <a:srgbClr val="D4D4D4"/>
+                </a:solidFill>
+                <a:latin typeface="Menlo" panose="020B0609030804020204" pitchFamily="49" charset="0"/>
+              </a:rPr>
+              <a:t>  </a:t>
+            </a:r>
+            <a:r>
+              <a:rPr lang="it-IT" sz="1400" b="0">
+                <a:solidFill>
+                  <a:srgbClr val="C586C0"/>
+                </a:solidFill>
+                <a:effectLst/>
+                <a:latin typeface="Menlo" panose="020B0609030804020204" pitchFamily="49" charset="0"/>
+              </a:rPr>
+              <a:t>if</a:t>
+            </a:r>
+            <a:r>
+              <a:rPr lang="it-IT" sz="1400" b="0">
+                <a:solidFill>
+                  <a:srgbClr val="D4D4D4"/>
+                </a:solidFill>
+                <a:effectLst/>
+                <a:latin typeface="Menlo" panose="020B0609030804020204" pitchFamily="49" charset="0"/>
+              </a:rPr>
+              <a:t> ( ix &gt;= Xdots-</a:t>
+            </a:r>
+            <a:r>
+              <a:rPr lang="it-IT" sz="1400" b="0">
+                <a:solidFill>
+                  <a:srgbClr val="B5CEA8"/>
+                </a:solidFill>
+                <a:effectLst/>
+                <a:latin typeface="Menlo" panose="020B0609030804020204" pitchFamily="49" charset="0"/>
+              </a:rPr>
+              <a:t>1</a:t>
+            </a:r>
+            <a:r>
+              <a:rPr lang="it-IT" sz="1400" b="0">
+                <a:solidFill>
+                  <a:srgbClr val="D4D4D4"/>
+                </a:solidFill>
+                <a:effectLst/>
+                <a:latin typeface="Menlo" panose="020B0609030804020204" pitchFamily="49" charset="0"/>
+              </a:rPr>
+              <a:t> || ix &lt;= </a:t>
+            </a:r>
+            <a:r>
+              <a:rPr lang="it-IT" sz="1400" b="0">
+                <a:solidFill>
+                  <a:srgbClr val="B5CEA8"/>
+                </a:solidFill>
+                <a:effectLst/>
+                <a:latin typeface="Menlo" panose="020B0609030804020204" pitchFamily="49" charset="0"/>
+              </a:rPr>
+              <a:t>0</a:t>
+            </a:r>
+            <a:r>
+              <a:rPr lang="it-IT" sz="1400" b="0">
+                <a:solidFill>
+                  <a:srgbClr val="D4D4D4"/>
+                </a:solidFill>
+                <a:effectLst/>
+                <a:latin typeface="Menlo" panose="020B0609030804020204" pitchFamily="49" charset="0"/>
+              </a:rPr>
+              <a:t> ) </a:t>
+            </a:r>
+            <a:r>
+              <a:rPr lang="it-IT" sz="1400" b="0">
+                <a:solidFill>
+                  <a:srgbClr val="C586C0"/>
+                </a:solidFill>
+                <a:effectLst/>
+                <a:latin typeface="Menlo" panose="020B0609030804020204" pitchFamily="49" charset="0"/>
+              </a:rPr>
+              <a:t>continue</a:t>
+            </a:r>
+            <a:r>
+              <a:rPr lang="it-IT" sz="1400" b="0">
+                <a:solidFill>
+                  <a:srgbClr val="D4D4D4"/>
+                </a:solidFill>
+                <a:effectLst/>
+                <a:latin typeface="Menlo" panose="020B0609030804020204" pitchFamily="49" charset="0"/>
+              </a:rPr>
+              <a:t>;</a:t>
+            </a:r>
+          </a:p>
+          <a:p>
+            <a:r>
+              <a:rPr lang="it-IT" sz="1400" b="0">
+                <a:solidFill>
+                  <a:srgbClr val="D4D4D4"/>
+                </a:solidFill>
+                <a:effectLst/>
+                <a:latin typeface="Menlo" panose="020B0609030804020204" pitchFamily="49" charset="0"/>
+              </a:rPr>
+              <a:t> iy = Ydots * </a:t>
+            </a:r>
+            <a:r>
+              <a:rPr lang="it-IT" sz="1400" b="0">
+                <a:solidFill>
+                  <a:srgbClr val="9CDCFE"/>
+                </a:solidFill>
+                <a:effectLst/>
+                <a:latin typeface="Menlo" panose="020B0609030804020204" pitchFamily="49" charset="0"/>
+              </a:rPr>
+              <a:t>pp</a:t>
+            </a:r>
+            <a:r>
+              <a:rPr lang="it-IT" sz="1400" b="0">
+                <a:solidFill>
+                  <a:srgbClr val="D4D4D4"/>
+                </a:solidFill>
+                <a:effectLst/>
+                <a:latin typeface="Menlo" panose="020B0609030804020204" pitchFamily="49" charset="0"/>
+              </a:rPr>
+              <a:t>.</a:t>
+            </a:r>
+            <a:r>
+              <a:rPr lang="it-IT" sz="1400" b="0">
+                <a:solidFill>
+                  <a:srgbClr val="9CDCFE"/>
+                </a:solidFill>
+                <a:effectLst/>
+                <a:latin typeface="Menlo" panose="020B0609030804020204" pitchFamily="49" charset="0"/>
+              </a:rPr>
+              <a:t>y</a:t>
+            </a:r>
+            <a:r>
+              <a:rPr lang="it-IT" sz="1400" b="0">
+                <a:solidFill>
+                  <a:srgbClr val="D4D4D4"/>
+                </a:solidFill>
+                <a:effectLst/>
+                <a:latin typeface="Menlo" panose="020B0609030804020204" pitchFamily="49" charset="0"/>
+              </a:rPr>
+              <a:t>[n] / Dy; </a:t>
+            </a:r>
+          </a:p>
+          <a:p>
+            <a:r>
+              <a:rPr lang="it-IT" sz="1400">
+                <a:solidFill>
+                  <a:srgbClr val="D4D4D4"/>
+                </a:solidFill>
+                <a:latin typeface="Menlo" panose="020B0609030804020204" pitchFamily="49" charset="0"/>
+              </a:rPr>
+              <a:t>  </a:t>
+            </a:r>
+            <a:r>
+              <a:rPr lang="it-IT" sz="1400" b="0">
+                <a:solidFill>
+                  <a:srgbClr val="C586C0"/>
+                </a:solidFill>
+                <a:effectLst/>
+                <a:latin typeface="Menlo" panose="020B0609030804020204" pitchFamily="49" charset="0"/>
+              </a:rPr>
+              <a:t>if</a:t>
+            </a:r>
+            <a:r>
+              <a:rPr lang="it-IT" sz="1400" b="0">
+                <a:solidFill>
+                  <a:srgbClr val="D4D4D4"/>
+                </a:solidFill>
+                <a:effectLst/>
+                <a:latin typeface="Menlo" panose="020B0609030804020204" pitchFamily="49" charset="0"/>
+              </a:rPr>
+              <a:t> ( iy &gt;= Ydots-</a:t>
+            </a:r>
+            <a:r>
+              <a:rPr lang="it-IT" sz="1400" b="0">
+                <a:solidFill>
+                  <a:srgbClr val="B5CEA8"/>
+                </a:solidFill>
+                <a:effectLst/>
+                <a:latin typeface="Menlo" panose="020B0609030804020204" pitchFamily="49" charset="0"/>
+              </a:rPr>
+              <a:t>1</a:t>
+            </a:r>
+            <a:r>
+              <a:rPr lang="it-IT" sz="1400" b="0">
+                <a:solidFill>
+                  <a:srgbClr val="D4D4D4"/>
+                </a:solidFill>
+                <a:effectLst/>
+                <a:latin typeface="Menlo" panose="020B0609030804020204" pitchFamily="49" charset="0"/>
+              </a:rPr>
+              <a:t> || iy &lt;= </a:t>
+            </a:r>
+            <a:r>
+              <a:rPr lang="it-IT" sz="1400" b="0">
+                <a:solidFill>
+                  <a:srgbClr val="B5CEA8"/>
+                </a:solidFill>
+                <a:effectLst/>
+                <a:latin typeface="Menlo" panose="020B0609030804020204" pitchFamily="49" charset="0"/>
+              </a:rPr>
+              <a:t>0</a:t>
+            </a:r>
+            <a:r>
+              <a:rPr lang="it-IT" sz="1400" b="0">
+                <a:solidFill>
+                  <a:srgbClr val="D4D4D4"/>
+                </a:solidFill>
+                <a:effectLst/>
+                <a:latin typeface="Menlo" panose="020B0609030804020204" pitchFamily="49" charset="0"/>
+              </a:rPr>
+              <a:t> ) </a:t>
+            </a:r>
+            <a:r>
+              <a:rPr lang="it-IT" sz="1400" b="0">
+                <a:solidFill>
+                  <a:srgbClr val="C586C0"/>
+                </a:solidFill>
+                <a:effectLst/>
+                <a:latin typeface="Menlo" panose="020B0609030804020204" pitchFamily="49" charset="0"/>
+              </a:rPr>
+              <a:t>continue</a:t>
+            </a:r>
+            <a:r>
+              <a:rPr lang="it-IT" sz="1400" b="0">
+                <a:solidFill>
+                  <a:srgbClr val="D4D4D4"/>
+                </a:solidFill>
+                <a:effectLst/>
+                <a:latin typeface="Menlo" panose="020B0609030804020204" pitchFamily="49" charset="0"/>
+              </a:rPr>
+              <a:t>;</a:t>
+            </a:r>
+          </a:p>
+          <a:p>
+            <a:r>
+              <a:rPr lang="it-IT" sz="1400" b="0">
+                <a:solidFill>
+                  <a:srgbClr val="D4D4D4"/>
+                </a:solidFill>
+                <a:effectLst/>
+                <a:latin typeface="Menlo" panose="020B0609030804020204" pitchFamily="49" charset="0"/>
+              </a:rPr>
+              <a:t> wv = </a:t>
+            </a:r>
+            <a:r>
+              <a:rPr lang="it-IT" sz="1400" b="0">
+                <a:solidFill>
+                  <a:srgbClr val="9CDCFE"/>
+                </a:solidFill>
+                <a:effectLst/>
+                <a:latin typeface="Menlo" panose="020B0609030804020204" pitchFamily="49" charset="0"/>
+              </a:rPr>
+              <a:t>pp</a:t>
+            </a:r>
+            <a:r>
+              <a:rPr lang="it-IT" sz="1400" b="0">
+                <a:solidFill>
+                  <a:srgbClr val="D4D4D4"/>
+                </a:solidFill>
+                <a:effectLst/>
+                <a:latin typeface="Menlo" panose="020B0609030804020204" pitchFamily="49" charset="0"/>
+              </a:rPr>
+              <a:t>.</a:t>
+            </a:r>
+            <a:r>
+              <a:rPr lang="it-IT" sz="1400" b="0">
+                <a:solidFill>
+                  <a:srgbClr val="9CDCFE"/>
+                </a:solidFill>
+                <a:effectLst/>
+                <a:latin typeface="Menlo" panose="020B0609030804020204" pitchFamily="49" charset="0"/>
+              </a:rPr>
+              <a:t>weight</a:t>
+            </a:r>
+            <a:r>
+              <a:rPr lang="it-IT" sz="1400" b="0">
+                <a:solidFill>
+                  <a:srgbClr val="D4D4D4"/>
+                </a:solidFill>
+                <a:effectLst/>
+                <a:latin typeface="Menlo" panose="020B0609030804020204" pitchFamily="49" charset="0"/>
+              </a:rPr>
+              <a:t>[n] - rmin; wp = </a:t>
+            </a:r>
+            <a:r>
+              <a:rPr lang="it-IT" sz="1400" b="0">
+                <a:solidFill>
+                  <a:srgbClr val="B5CEA8"/>
+                </a:solidFill>
+                <a:effectLst/>
+                <a:latin typeface="Menlo" panose="020B0609030804020204" pitchFamily="49" charset="0"/>
+              </a:rPr>
+              <a:t>10.0</a:t>
+            </a:r>
+            <a:r>
+              <a:rPr lang="it-IT" sz="1400" b="0">
+                <a:solidFill>
+                  <a:srgbClr val="D4D4D4"/>
+                </a:solidFill>
+                <a:effectLst/>
+                <a:latin typeface="Menlo" panose="020B0609030804020204" pitchFamily="49" charset="0"/>
+              </a:rPr>
+              <a:t>*wv/wint;</a:t>
+            </a:r>
+          </a:p>
+          <a:p>
+            <a:r>
+              <a:rPr lang="it-IT" sz="1400" b="0">
+                <a:solidFill>
+                  <a:srgbClr val="9CDCFE"/>
+                </a:solidFill>
+                <a:effectLst/>
+                <a:latin typeface="Menlo" panose="020B0609030804020204" pitchFamily="49" charset="0"/>
+              </a:rPr>
+              <a:t> pgrid</a:t>
+            </a:r>
+            <a:r>
+              <a:rPr lang="it-IT" sz="1400" b="0">
+                <a:solidFill>
+                  <a:srgbClr val="D4D4D4"/>
+                </a:solidFill>
+                <a:effectLst/>
+                <a:latin typeface="Menlo" panose="020B0609030804020204" pitchFamily="49" charset="0"/>
+              </a:rPr>
+              <a:t>-&gt;</a:t>
+            </a:r>
+            <a:r>
+              <a:rPr lang="it-IT" sz="1400" b="0">
+                <a:solidFill>
+                  <a:srgbClr val="9CDCFE"/>
+                </a:solidFill>
+                <a:effectLst/>
+                <a:latin typeface="Menlo" panose="020B0609030804020204" pitchFamily="49" charset="0"/>
+              </a:rPr>
+              <a:t>Values</a:t>
+            </a:r>
+            <a:r>
+              <a:rPr lang="it-IT" sz="1400" b="0">
+                <a:solidFill>
+                  <a:srgbClr val="D4D4D4"/>
+                </a:solidFill>
+                <a:effectLst/>
+                <a:latin typeface="Menlo" panose="020B0609030804020204" pitchFamily="49" charset="0"/>
+              </a:rPr>
+              <a:t>[</a:t>
+            </a:r>
+            <a:r>
+              <a:rPr lang="it-IT" sz="1400" b="0">
+                <a:solidFill>
+                  <a:srgbClr val="DCDCAA"/>
+                </a:solidFill>
+                <a:effectLst/>
+                <a:latin typeface="Menlo" panose="020B0609030804020204" pitchFamily="49" charset="0"/>
+              </a:rPr>
+              <a:t>index2D</a:t>
+            </a:r>
+            <a:r>
+              <a:rPr lang="it-IT" sz="1400" b="0">
+                <a:solidFill>
+                  <a:srgbClr val="D4D4D4"/>
+                </a:solidFill>
+                <a:effectLst/>
+                <a:latin typeface="Menlo" panose="020B0609030804020204" pitchFamily="49" charset="0"/>
+              </a:rPr>
+              <a:t>(ix,iy,Xdots)] = wp; </a:t>
+            </a:r>
+          </a:p>
+          <a:p>
+            <a:r>
+              <a:rPr lang="it-IT" sz="1400" b="0">
+                <a:solidFill>
+                  <a:srgbClr val="9CDCFE"/>
+                </a:solidFill>
+                <a:effectLst/>
+                <a:latin typeface="Menlo" panose="020B0609030804020204" pitchFamily="49" charset="0"/>
+              </a:rPr>
+              <a:t> pgrid</a:t>
+            </a:r>
+            <a:r>
+              <a:rPr lang="it-IT" sz="1400" b="0">
+                <a:solidFill>
+                  <a:srgbClr val="D4D4D4"/>
+                </a:solidFill>
+                <a:effectLst/>
+                <a:latin typeface="Menlo" panose="020B0609030804020204" pitchFamily="49" charset="0"/>
+              </a:rPr>
+              <a:t>-&gt;</a:t>
+            </a:r>
+            <a:r>
+              <a:rPr lang="it-IT" sz="1400" b="0">
+                <a:solidFill>
+                  <a:srgbClr val="9CDCFE"/>
+                </a:solidFill>
+                <a:effectLst/>
+                <a:latin typeface="Menlo" panose="020B0609030804020204" pitchFamily="49" charset="0"/>
+              </a:rPr>
+              <a:t>Values</a:t>
+            </a:r>
+            <a:r>
+              <a:rPr lang="it-IT" sz="1400" b="0">
+                <a:solidFill>
+                  <a:srgbClr val="D4D4D4"/>
+                </a:solidFill>
+                <a:effectLst/>
+                <a:latin typeface="Menlo" panose="020B0609030804020204" pitchFamily="49" charset="0"/>
+              </a:rPr>
+              <a:t>[</a:t>
+            </a:r>
+            <a:r>
+              <a:rPr lang="it-IT" sz="1400" b="0">
+                <a:solidFill>
+                  <a:srgbClr val="DCDCAA"/>
+                </a:solidFill>
+                <a:effectLst/>
+                <a:latin typeface="Menlo" panose="020B0609030804020204" pitchFamily="49" charset="0"/>
+              </a:rPr>
+              <a:t>index2D</a:t>
+            </a:r>
+            <a:r>
+              <a:rPr lang="it-IT" sz="1400" b="0">
+                <a:solidFill>
+                  <a:srgbClr val="D4D4D4"/>
+                </a:solidFill>
+                <a:effectLst/>
+                <a:latin typeface="Menlo" panose="020B0609030804020204" pitchFamily="49" charset="0"/>
+              </a:rPr>
+              <a:t>(ix-</a:t>
+            </a:r>
+            <a:r>
+              <a:rPr lang="it-IT" sz="1400" b="0">
+                <a:solidFill>
+                  <a:srgbClr val="B5CEA8"/>
+                </a:solidFill>
+                <a:effectLst/>
+                <a:latin typeface="Menlo" panose="020B0609030804020204" pitchFamily="49" charset="0"/>
+              </a:rPr>
+              <a:t>1</a:t>
+            </a:r>
+            <a:r>
+              <a:rPr lang="it-IT" sz="1400" b="0">
+                <a:solidFill>
+                  <a:srgbClr val="D4D4D4"/>
+                </a:solidFill>
+                <a:effectLst/>
+                <a:latin typeface="Menlo" panose="020B0609030804020204" pitchFamily="49" charset="0"/>
+              </a:rPr>
+              <a:t>,iy,Xdots)] = wp;</a:t>
+            </a:r>
+          </a:p>
+          <a:p>
+            <a:r>
+              <a:rPr lang="it-IT" sz="1400" b="0">
+                <a:solidFill>
+                  <a:srgbClr val="9CDCFE"/>
+                </a:solidFill>
+                <a:effectLst/>
+                <a:latin typeface="Menlo" panose="020B0609030804020204" pitchFamily="49" charset="0"/>
+              </a:rPr>
+              <a:t> pgrid</a:t>
+            </a:r>
+            <a:r>
+              <a:rPr lang="it-IT" sz="1400" b="0">
+                <a:solidFill>
+                  <a:srgbClr val="D4D4D4"/>
+                </a:solidFill>
+                <a:effectLst/>
+                <a:latin typeface="Menlo" panose="020B0609030804020204" pitchFamily="49" charset="0"/>
+              </a:rPr>
+              <a:t>-&gt;</a:t>
+            </a:r>
+            <a:r>
+              <a:rPr lang="it-IT" sz="1400" b="0">
+                <a:solidFill>
+                  <a:srgbClr val="9CDCFE"/>
+                </a:solidFill>
+                <a:effectLst/>
+                <a:latin typeface="Menlo" panose="020B0609030804020204" pitchFamily="49" charset="0"/>
+              </a:rPr>
+              <a:t>Values</a:t>
+            </a:r>
+            <a:r>
+              <a:rPr lang="it-IT" sz="1400" b="0">
+                <a:solidFill>
+                  <a:srgbClr val="D4D4D4"/>
+                </a:solidFill>
+                <a:effectLst/>
+                <a:latin typeface="Menlo" panose="020B0609030804020204" pitchFamily="49" charset="0"/>
+              </a:rPr>
+              <a:t>[</a:t>
+            </a:r>
+            <a:r>
+              <a:rPr lang="it-IT" sz="1400" b="0">
+                <a:solidFill>
+                  <a:srgbClr val="DCDCAA"/>
+                </a:solidFill>
+                <a:effectLst/>
+                <a:latin typeface="Menlo" panose="020B0609030804020204" pitchFamily="49" charset="0"/>
+              </a:rPr>
+              <a:t>index2D</a:t>
+            </a:r>
+            <a:r>
+              <a:rPr lang="it-IT" sz="1400" b="0">
+                <a:solidFill>
+                  <a:srgbClr val="D4D4D4"/>
+                </a:solidFill>
+                <a:effectLst/>
+                <a:latin typeface="Menlo" panose="020B0609030804020204" pitchFamily="49" charset="0"/>
+              </a:rPr>
+              <a:t>(ix+</a:t>
+            </a:r>
+            <a:r>
+              <a:rPr lang="it-IT" sz="1400" b="0">
+                <a:solidFill>
+                  <a:srgbClr val="B5CEA8"/>
+                </a:solidFill>
+                <a:effectLst/>
+                <a:latin typeface="Menlo" panose="020B0609030804020204" pitchFamily="49" charset="0"/>
+              </a:rPr>
+              <a:t>1</a:t>
+            </a:r>
+            <a:r>
+              <a:rPr lang="it-IT" sz="1400" b="0">
+                <a:solidFill>
+                  <a:srgbClr val="D4D4D4"/>
+                </a:solidFill>
+                <a:effectLst/>
+                <a:latin typeface="Menlo" panose="020B0609030804020204" pitchFamily="49" charset="0"/>
+              </a:rPr>
+              <a:t>,iy,Xdots)] = wp;</a:t>
+            </a:r>
+          </a:p>
+          <a:p>
+            <a:r>
+              <a:rPr lang="it-IT" sz="1400" b="0">
+                <a:solidFill>
+                  <a:srgbClr val="9CDCFE"/>
+                </a:solidFill>
+                <a:effectLst/>
+                <a:latin typeface="Menlo" panose="020B0609030804020204" pitchFamily="49" charset="0"/>
+              </a:rPr>
+              <a:t> pgrid</a:t>
+            </a:r>
+            <a:r>
+              <a:rPr lang="it-IT" sz="1400" b="0">
+                <a:solidFill>
+                  <a:srgbClr val="D4D4D4"/>
+                </a:solidFill>
+                <a:effectLst/>
+                <a:latin typeface="Menlo" panose="020B0609030804020204" pitchFamily="49" charset="0"/>
+              </a:rPr>
+              <a:t>-&gt;</a:t>
+            </a:r>
+            <a:r>
+              <a:rPr lang="it-IT" sz="1400" b="0">
+                <a:solidFill>
+                  <a:srgbClr val="9CDCFE"/>
+                </a:solidFill>
+                <a:effectLst/>
+                <a:latin typeface="Menlo" panose="020B0609030804020204" pitchFamily="49" charset="0"/>
+              </a:rPr>
+              <a:t>Values</a:t>
+            </a:r>
+            <a:r>
+              <a:rPr lang="it-IT" sz="1400" b="0">
+                <a:solidFill>
+                  <a:srgbClr val="D4D4D4"/>
+                </a:solidFill>
+                <a:effectLst/>
+                <a:latin typeface="Menlo" panose="020B0609030804020204" pitchFamily="49" charset="0"/>
+              </a:rPr>
+              <a:t>[</a:t>
+            </a:r>
+            <a:r>
+              <a:rPr lang="it-IT" sz="1400" b="0">
+                <a:solidFill>
+                  <a:srgbClr val="DCDCAA"/>
+                </a:solidFill>
+                <a:effectLst/>
+                <a:latin typeface="Menlo" panose="020B0609030804020204" pitchFamily="49" charset="0"/>
+              </a:rPr>
+              <a:t>index2D</a:t>
+            </a:r>
+            <a:r>
+              <a:rPr lang="it-IT" sz="1400" b="0">
+                <a:solidFill>
+                  <a:srgbClr val="D4D4D4"/>
+                </a:solidFill>
+                <a:effectLst/>
+                <a:latin typeface="Menlo" panose="020B0609030804020204" pitchFamily="49" charset="0"/>
+              </a:rPr>
+              <a:t>(ix,iy-</a:t>
+            </a:r>
+            <a:r>
+              <a:rPr lang="it-IT" sz="1400" b="0">
+                <a:solidFill>
+                  <a:srgbClr val="B5CEA8"/>
+                </a:solidFill>
+                <a:effectLst/>
+                <a:latin typeface="Menlo" panose="020B0609030804020204" pitchFamily="49" charset="0"/>
+              </a:rPr>
+              <a:t>1</a:t>
+            </a:r>
+            <a:r>
+              <a:rPr lang="it-IT" sz="1400" b="0">
+                <a:solidFill>
+                  <a:srgbClr val="D4D4D4"/>
+                </a:solidFill>
+                <a:effectLst/>
+                <a:latin typeface="Menlo" panose="020B0609030804020204" pitchFamily="49" charset="0"/>
+              </a:rPr>
+              <a:t>,Xdots)] = wp;</a:t>
+            </a:r>
+          </a:p>
+          <a:p>
+            <a:r>
+              <a:rPr lang="it-IT" sz="1400" b="0">
+                <a:solidFill>
+                  <a:srgbClr val="9CDCFE"/>
+                </a:solidFill>
+                <a:effectLst/>
+                <a:latin typeface="Menlo" panose="020B0609030804020204" pitchFamily="49" charset="0"/>
+              </a:rPr>
+              <a:t> pgrid</a:t>
+            </a:r>
+            <a:r>
+              <a:rPr lang="it-IT" sz="1400" b="0">
+                <a:solidFill>
+                  <a:srgbClr val="D4D4D4"/>
+                </a:solidFill>
+                <a:effectLst/>
+                <a:latin typeface="Menlo" panose="020B0609030804020204" pitchFamily="49" charset="0"/>
+              </a:rPr>
+              <a:t>-&gt;</a:t>
+            </a:r>
+            <a:r>
+              <a:rPr lang="it-IT" sz="1400" b="0">
+                <a:solidFill>
+                  <a:srgbClr val="9CDCFE"/>
+                </a:solidFill>
+                <a:effectLst/>
+                <a:latin typeface="Menlo" panose="020B0609030804020204" pitchFamily="49" charset="0"/>
+              </a:rPr>
+              <a:t>Values</a:t>
+            </a:r>
+            <a:r>
+              <a:rPr lang="it-IT" sz="1400" b="0">
+                <a:solidFill>
+                  <a:srgbClr val="D4D4D4"/>
+                </a:solidFill>
+                <a:effectLst/>
+                <a:latin typeface="Menlo" panose="020B0609030804020204" pitchFamily="49" charset="0"/>
+              </a:rPr>
+              <a:t>[</a:t>
+            </a:r>
+            <a:r>
+              <a:rPr lang="it-IT" sz="1400" b="0">
+                <a:solidFill>
+                  <a:srgbClr val="DCDCAA"/>
+                </a:solidFill>
+                <a:effectLst/>
+                <a:latin typeface="Menlo" panose="020B0609030804020204" pitchFamily="49" charset="0"/>
+              </a:rPr>
+              <a:t>index2D</a:t>
+            </a:r>
+            <a:r>
+              <a:rPr lang="it-IT" sz="1400" b="0">
+                <a:solidFill>
+                  <a:srgbClr val="D4D4D4"/>
+                </a:solidFill>
+                <a:effectLst/>
+                <a:latin typeface="Menlo" panose="020B0609030804020204" pitchFamily="49" charset="0"/>
+              </a:rPr>
+              <a:t>(ix,iy+</a:t>
+            </a:r>
+            <a:r>
+              <a:rPr lang="it-IT" sz="1400" b="0">
+                <a:solidFill>
+                  <a:srgbClr val="B5CEA8"/>
+                </a:solidFill>
+                <a:effectLst/>
+                <a:latin typeface="Menlo" panose="020B0609030804020204" pitchFamily="49" charset="0"/>
+              </a:rPr>
+              <a:t>1</a:t>
+            </a:r>
+            <a:r>
+              <a:rPr lang="it-IT" sz="1400" b="0">
+                <a:solidFill>
+                  <a:srgbClr val="D4D4D4"/>
+                </a:solidFill>
+                <a:effectLst/>
+                <a:latin typeface="Menlo" panose="020B0609030804020204" pitchFamily="49" charset="0"/>
+              </a:rPr>
+              <a:t>,Xdots)] = wp; </a:t>
+            </a:r>
+          </a:p>
+          <a:p>
+            <a:r>
+              <a:rPr lang="it-IT" sz="1400" b="0">
+                <a:solidFill>
+                  <a:srgbClr val="D4D4D4"/>
+                </a:solidFill>
+                <a:effectLst/>
+                <a:latin typeface="Menlo" panose="020B0609030804020204" pitchFamily="49" charset="0"/>
+              </a:rPr>
+              <a:t>}</a:t>
+            </a:r>
+          </a:p>
+        </p:txBody>
+      </p:sp>
+      <p:sp>
+        <p:nvSpPr>
+          <p:cNvPr id="8" name="CasellaDiTesto 7">
+            <a:extLst>
+              <a:ext uri="{FF2B5EF4-FFF2-40B4-BE49-F238E27FC236}">
+                <a16:creationId xmlns:a16="http://schemas.microsoft.com/office/drawing/2014/main" id="{582D639E-FFF9-DB40-B7C3-EA5AE511AB8E}"/>
+              </a:ext>
+            </a:extLst>
+          </p:cNvPr>
+          <p:cNvSpPr txBox="1"/>
+          <p:nvPr/>
+        </p:nvSpPr>
+        <p:spPr>
+          <a:xfrm>
+            <a:off x="6495067" y="1214331"/>
+            <a:ext cx="5089689" cy="369332"/>
+          </a:xfrm>
+          <a:prstGeom prst="rect">
+            <a:avLst/>
+          </a:prstGeom>
+          <a:noFill/>
+        </p:spPr>
+        <p:txBody>
+          <a:bodyPr wrap="square" rtlCol="0">
+            <a:spAutoFit/>
+          </a:bodyPr>
+          <a:lstStyle/>
+          <a:p>
+            <a:r>
+              <a:rPr lang="it-IT"/>
+              <a:t>Codice ottimizzato su GPU</a:t>
+            </a:r>
+          </a:p>
+        </p:txBody>
+      </p:sp>
+      <p:sp>
+        <p:nvSpPr>
+          <p:cNvPr id="9" name="CasellaDiTesto 8">
+            <a:extLst>
+              <a:ext uri="{FF2B5EF4-FFF2-40B4-BE49-F238E27FC236}">
+                <a16:creationId xmlns:a16="http://schemas.microsoft.com/office/drawing/2014/main" id="{3F97AA3B-D55A-1442-87E4-FE0BD09F3477}"/>
+              </a:ext>
+            </a:extLst>
+          </p:cNvPr>
+          <p:cNvSpPr txBox="1"/>
+          <p:nvPr/>
+        </p:nvSpPr>
+        <p:spPr>
+          <a:xfrm>
+            <a:off x="759644" y="1205236"/>
+            <a:ext cx="5089689" cy="369332"/>
+          </a:xfrm>
+          <a:prstGeom prst="rect">
+            <a:avLst/>
+          </a:prstGeom>
+          <a:noFill/>
+        </p:spPr>
+        <p:txBody>
+          <a:bodyPr wrap="square" rtlCol="0">
+            <a:spAutoFit/>
+          </a:bodyPr>
+          <a:lstStyle/>
+          <a:p>
+            <a:r>
+              <a:rPr lang="it-IT"/>
+              <a:t>Codice originale (linee 595-605)                           </a:t>
+            </a:r>
+          </a:p>
+        </p:txBody>
+      </p:sp>
+      <p:pic>
+        <p:nvPicPr>
+          <p:cNvPr id="11" name="Picture 4" descr="Graphical user interface, application, table&#10;&#10;Description automatically generated">
+            <a:extLst>
+              <a:ext uri="{FF2B5EF4-FFF2-40B4-BE49-F238E27FC236}">
+                <a16:creationId xmlns:a16="http://schemas.microsoft.com/office/drawing/2014/main" id="{85D15F35-6C08-4140-9A6D-5C42506BB068}"/>
+              </a:ext>
+            </a:extLst>
+          </p:cNvPr>
+          <p:cNvPicPr>
+            <a:picLocks noChangeAspect="1"/>
+          </p:cNvPicPr>
+          <p:nvPr/>
+        </p:nvPicPr>
+        <p:blipFill rotWithShape="1">
+          <a:blip r:embed="rId3"/>
+          <a:srcRect l="1" t="8057" r="209" b="23128"/>
+          <a:stretch/>
+        </p:blipFill>
+        <p:spPr>
+          <a:xfrm>
+            <a:off x="539416" y="4575974"/>
+            <a:ext cx="11045340" cy="1844169"/>
+          </a:xfrm>
+          <a:prstGeom prst="rect">
+            <a:avLst/>
+          </a:prstGeom>
+        </p:spPr>
+      </p:pic>
+      <p:sp>
+        <p:nvSpPr>
+          <p:cNvPr id="12" name="CasellaDiTesto 11">
+            <a:extLst>
+              <a:ext uri="{FF2B5EF4-FFF2-40B4-BE49-F238E27FC236}">
+                <a16:creationId xmlns:a16="http://schemas.microsoft.com/office/drawing/2014/main" id="{D577FFA4-BF0F-E145-9B38-984438E2EB72}"/>
+              </a:ext>
+            </a:extLst>
+          </p:cNvPr>
+          <p:cNvSpPr txBox="1"/>
+          <p:nvPr/>
+        </p:nvSpPr>
+        <p:spPr>
+          <a:xfrm>
+            <a:off x="3193791" y="5766583"/>
+            <a:ext cx="975873" cy="138499"/>
+          </a:xfrm>
+          <a:prstGeom prst="rect">
+            <a:avLst/>
+          </a:prstGeom>
+          <a:noFill/>
+          <a:ln w="28575">
+            <a:solidFill>
+              <a:srgbClr val="FF0000"/>
+            </a:solidFill>
+          </a:ln>
+        </p:spPr>
+        <p:style>
+          <a:lnRef idx="2">
+            <a:schemeClr val="accent2"/>
+          </a:lnRef>
+          <a:fillRef idx="1">
+            <a:schemeClr val="lt1"/>
+          </a:fillRef>
+          <a:effectRef idx="0">
+            <a:schemeClr val="accent2"/>
+          </a:effectRef>
+          <a:fontRef idx="minor">
+            <a:schemeClr val="dk1"/>
+          </a:fontRef>
+        </p:style>
+        <p:txBody>
+          <a:bodyPr wrap="square" lIns="0" tIns="0" rIns="0" bIns="0" rtlCol="0">
+            <a:spAutoFit/>
+          </a:bodyPr>
+          <a:lstStyle/>
+          <a:p>
+            <a:pPr algn="ctr"/>
+            <a:r>
+              <a:rPr lang="it-IT" sz="900">
+                <a:solidFill>
+                  <a:schemeClr val="bg1"/>
+                </a:solidFill>
+              </a:rPr>
+              <a:t>DumpPopulation</a:t>
+            </a:r>
+          </a:p>
+        </p:txBody>
+      </p:sp>
+      <p:sp>
+        <p:nvSpPr>
+          <p:cNvPr id="13" name="CasellaDiTesto 12">
+            <a:extLst>
+              <a:ext uri="{FF2B5EF4-FFF2-40B4-BE49-F238E27FC236}">
+                <a16:creationId xmlns:a16="http://schemas.microsoft.com/office/drawing/2014/main" id="{F9D99952-56EB-8C46-9E9C-E75E8D84ED03}"/>
+              </a:ext>
+            </a:extLst>
+          </p:cNvPr>
+          <p:cNvSpPr txBox="1"/>
+          <p:nvPr/>
+        </p:nvSpPr>
+        <p:spPr>
+          <a:xfrm>
+            <a:off x="4169664" y="5766583"/>
+            <a:ext cx="1398494" cy="138499"/>
+          </a:xfrm>
+          <a:prstGeom prst="rect">
+            <a:avLst/>
+          </a:prstGeom>
+          <a:noFill/>
+          <a:ln w="28575">
+            <a:solidFill>
+              <a:srgbClr val="FF0000"/>
+            </a:solidFill>
+          </a:ln>
+        </p:spPr>
+        <p:style>
+          <a:lnRef idx="2">
+            <a:schemeClr val="accent2"/>
+          </a:lnRef>
+          <a:fillRef idx="1">
+            <a:schemeClr val="lt1"/>
+          </a:fillRef>
+          <a:effectRef idx="0">
+            <a:schemeClr val="accent2"/>
+          </a:effectRef>
+          <a:fontRef idx="minor">
+            <a:schemeClr val="dk1"/>
+          </a:fontRef>
+        </p:style>
+        <p:txBody>
+          <a:bodyPr wrap="square" lIns="0" tIns="0" rIns="0" bIns="0" rtlCol="0">
+            <a:spAutoFit/>
+          </a:bodyPr>
+          <a:lstStyle/>
+          <a:p>
+            <a:pPr algn="ctr"/>
+            <a:r>
+              <a:rPr lang="it-IT" sz="900">
+                <a:solidFill>
+                  <a:schemeClr val="bg1"/>
+                </a:solidFill>
+              </a:rPr>
+              <a:t>ParticleScreen</a:t>
+            </a:r>
+          </a:p>
+        </p:txBody>
+      </p:sp>
+      <p:cxnSp>
+        <p:nvCxnSpPr>
+          <p:cNvPr id="14" name="Connettore 2 13">
+            <a:extLst>
+              <a:ext uri="{FF2B5EF4-FFF2-40B4-BE49-F238E27FC236}">
+                <a16:creationId xmlns:a16="http://schemas.microsoft.com/office/drawing/2014/main" id="{65DE7EC5-1774-5F40-A2B1-B992DFDE63A4}"/>
+              </a:ext>
+            </a:extLst>
+          </p:cNvPr>
+          <p:cNvCxnSpPr/>
+          <p:nvPr/>
+        </p:nvCxnSpPr>
+        <p:spPr>
+          <a:xfrm flipH="1">
+            <a:off x="5071256" y="6069105"/>
+            <a:ext cx="430306" cy="0"/>
+          </a:xfrm>
+          <a:prstGeom prst="straightConnector1">
+            <a:avLst/>
+          </a:prstGeom>
+          <a:ln>
+            <a:tailEnd type="triangle"/>
+          </a:ln>
+        </p:spPr>
+        <p:style>
+          <a:lnRef idx="1">
+            <a:schemeClr val="dk1"/>
+          </a:lnRef>
+          <a:fillRef idx="0">
+            <a:schemeClr val="dk1"/>
+          </a:fillRef>
+          <a:effectRef idx="0">
+            <a:schemeClr val="dk1"/>
+          </a:effectRef>
+          <a:fontRef idx="minor">
+            <a:schemeClr val="tx1"/>
+          </a:fontRef>
+        </p:style>
+      </p:cxnSp>
     </p:spTree>
     <p:extLst>
       <p:ext uri="{BB962C8B-B14F-4D97-AF65-F5344CB8AC3E}">
@@ -10467,7 +11799,7 @@
           <p:cNvPr id="2" name="Titolo 1">
             <a:extLst>
               <a:ext uri="{FF2B5EF4-FFF2-40B4-BE49-F238E27FC236}">
-                <a16:creationId xmlns:a16="http://schemas.microsoft.com/office/drawing/2014/main" id="{1F44E06D-7101-2644-844A-95EA9004E599}"/>
+                <a16:creationId xmlns:a16="http://schemas.microsoft.com/office/drawing/2014/main" id="{35592CAD-C2CD-3641-9AC1-502343055CC5}"/>
               </a:ext>
             </a:extLst>
           </p:cNvPr>
@@ -10485,197 +11817,36 @@
           <a:p>
             <a:r>
               <a:rPr lang="en-US" dirty="0" err="1"/>
-              <a:t>Misure</a:t>
+              <a:t>Ottimizzazione</a:t>
             </a:r>
             <a:r>
               <a:rPr lang="en-US" dirty="0"/>
-              <a:t> di performance del </a:t>
+              <a:t> (6): Accelerare </a:t>
             </a:r>
             <a:r>
               <a:rPr lang="en-US" dirty="0" err="1"/>
-              <a:t>calcolo</a:t>
-            </a:r>
-            <a:r>
-              <a:rPr lang="en-US" dirty="0"/>
-              <a:t> </a:t>
-            </a:r>
-            <a:r>
-              <a:rPr lang="en-US" dirty="0" err="1"/>
-              <a:t>ottimizzato</a:t>
-            </a:r>
-          </a:p>
-        </p:txBody>
-      </p:sp>
-      <p:sp>
-        <p:nvSpPr>
-          <p:cNvPr id="3" name="Segnaposto contenuto 2">
-            <a:extLst>
-              <a:ext uri="{FF2B5EF4-FFF2-40B4-BE49-F238E27FC236}">
-                <a16:creationId xmlns:a16="http://schemas.microsoft.com/office/drawing/2014/main" id="{C4A50D78-DCAA-CE40-99F1-3D366AA562ED}"/>
-              </a:ext>
-            </a:extLst>
-          </p:cNvPr>
-          <p:cNvSpPr>
-            <a:spLocks noGrp="1"/>
-          </p:cNvSpPr>
-          <p:nvPr>
-            <p:ph idx="1"/>
-          </p:nvPr>
+              <a:t>ParticleScreen?</a:t>
+            </a:r>
+            <a:endParaRPr lang="en-US" dirty="0"/>
+          </a:p>
+        </p:txBody>
+      </p:sp>
+      <p:sp>
+        <p:nvSpPr>
+          <p:cNvPr id="17" name="CasellaDiTesto 16">
+            <a:extLst>
+              <a:ext uri="{FF2B5EF4-FFF2-40B4-BE49-F238E27FC236}">
+                <a16:creationId xmlns:a16="http://schemas.microsoft.com/office/drawing/2014/main" id="{FE6D560C-54C7-E241-BF38-8D6BD6E73431}"/>
+              </a:ext>
+            </a:extLst>
+          </p:cNvPr>
+          <p:cNvSpPr txBox="1"/>
+          <p:nvPr/>
         </p:nvSpPr>
         <p:spPr>
           <a:xfrm>
-            <a:off x="228600" y="3821615"/>
-            <a:ext cx="8569036" cy="2490284"/>
-          </a:xfrm>
-        </p:spPr>
-        <p:txBody>
-          <a:bodyPr vert="horz" lIns="91440" tIns="45720" rIns="91440" bIns="45720" rtlCol="0" anchor="t">
-            <a:normAutofit/>
-          </a:bodyPr>
-          <a:lstStyle/>
-          <a:p>
-            <a:r>
-              <a:rPr lang="en-US" sz="2000" dirty="0">
-                <a:cs typeface="Calibri"/>
-              </a:rPr>
-              <a:t>Speed up = Ts / Tp1 =  209,2 / 4 = 52x</a:t>
-            </a:r>
-            <a:endParaRPr lang="en-US" dirty="0"/>
-          </a:p>
-          <a:p>
-            <a:r>
-              <a:rPr lang="en-US" sz="2000" dirty="0">
-                <a:cs typeface="Calibri"/>
-              </a:rPr>
-              <a:t>CUDA threads: </a:t>
-            </a:r>
-            <a:r>
-              <a:rPr lang="en-US" sz="2000" dirty="0">
-                <a:ea typeface="+mn-lt"/>
-                <a:cs typeface="+mn-lt"/>
-              </a:rPr>
-              <a:t>21352 (=NP)</a:t>
-            </a:r>
-          </a:p>
-        </p:txBody>
-      </p:sp>
-      <p:sp>
-        <p:nvSpPr>
-          <p:cNvPr id="4" name="Rettangolo con angoli arrotondati 3">
-            <a:extLst>
-              <a:ext uri="{FF2B5EF4-FFF2-40B4-BE49-F238E27FC236}">
-                <a16:creationId xmlns:a16="http://schemas.microsoft.com/office/drawing/2014/main" id="{6C74F786-3AF7-D24B-8192-4697AE48A6F6}"/>
-              </a:ext>
-            </a:extLst>
-          </p:cNvPr>
-          <p:cNvSpPr/>
-          <p:nvPr/>
-        </p:nvSpPr>
-        <p:spPr>
-          <a:xfrm>
-            <a:off x="8712437" y="2957411"/>
-            <a:ext cx="3117272" cy="568037"/>
-          </a:xfrm>
-          <a:prstGeom prst="roundRect">
-            <a:avLst/>
-          </a:prstGeom>
-        </p:spPr>
-        <p:style>
-          <a:lnRef idx="1">
-            <a:schemeClr val="accent4"/>
-          </a:lnRef>
-          <a:fillRef idx="2">
-            <a:schemeClr val="accent4"/>
-          </a:fillRef>
-          <a:effectRef idx="1">
-            <a:schemeClr val="accent4"/>
-          </a:effectRef>
-          <a:fontRef idx="minor">
-            <a:schemeClr val="dk1"/>
-          </a:fontRef>
-        </p:style>
-        <p:txBody>
-          <a:bodyPr rtlCol="0" anchor="ctr"/>
-          <a:lstStyle/>
-          <a:p>
-            <a:pPr algn="ctr"/>
-            <a:r>
-              <a:rPr lang="en-GB" dirty="0"/>
-              <a:t>HARDWARE USED </a:t>
-            </a:r>
-          </a:p>
-        </p:txBody>
-      </p:sp>
-      <p:sp>
-        <p:nvSpPr>
-          <p:cNvPr id="5" name="Rettangolo con angoli arrotondati 4">
-            <a:extLst>
-              <a:ext uri="{FF2B5EF4-FFF2-40B4-BE49-F238E27FC236}">
-                <a16:creationId xmlns:a16="http://schemas.microsoft.com/office/drawing/2014/main" id="{3160EB98-A43C-2A4F-993C-69976B419DC5}"/>
-              </a:ext>
-            </a:extLst>
-          </p:cNvPr>
-          <p:cNvSpPr/>
-          <p:nvPr/>
-        </p:nvSpPr>
-        <p:spPr>
-          <a:xfrm>
-            <a:off x="8712437" y="3632677"/>
-            <a:ext cx="3117272" cy="1915536"/>
-          </a:xfrm>
-          <a:prstGeom prst="roundRect">
-            <a:avLst/>
-          </a:prstGeom>
-        </p:spPr>
-        <p:style>
-          <a:lnRef idx="1">
-            <a:schemeClr val="accent4"/>
-          </a:lnRef>
-          <a:fillRef idx="2">
-            <a:schemeClr val="accent4"/>
-          </a:fillRef>
-          <a:effectRef idx="1">
-            <a:schemeClr val="accent4"/>
-          </a:effectRef>
-          <a:fontRef idx="minor">
-            <a:schemeClr val="dk1"/>
-          </a:fontRef>
-        </p:style>
-        <p:txBody>
-          <a:bodyPr rtlCol="0" anchor="ctr"/>
-          <a:lstStyle/>
-          <a:p>
-            <a:pPr algn="ctr"/>
-            <a:r>
-              <a:rPr lang="en-GB" dirty="0"/>
-              <a:t>TECHNICAL</a:t>
-            </a:r>
-          </a:p>
-          <a:p>
-            <a:pPr algn="ctr"/>
-            <a:r>
-              <a:rPr lang="en-GB" dirty="0"/>
-              <a:t>SPECIFICATIONS</a:t>
-            </a:r>
-          </a:p>
-        </p:txBody>
-      </p:sp>
-      <p:sp>
-        <p:nvSpPr>
-          <p:cNvPr id="6" name="CasellaDiTesto 5">
-            <a:extLst>
-              <a:ext uri="{FF2B5EF4-FFF2-40B4-BE49-F238E27FC236}">
-                <a16:creationId xmlns:a16="http://schemas.microsoft.com/office/drawing/2014/main" id="{FE9C696D-0043-B84B-AC05-7DE26514D580}"/>
-              </a:ext>
-            </a:extLst>
-          </p:cNvPr>
-          <p:cNvSpPr txBox="1"/>
-          <p:nvPr/>
-        </p:nvSpPr>
-        <p:spPr>
-          <a:xfrm>
-            <a:off x="2743200" y="1540224"/>
-            <a:ext cx="4946072" cy="369332"/>
+            <a:off x="537882" y="1810871"/>
+            <a:ext cx="10748683" cy="4524315"/>
           </a:xfrm>
           <a:prstGeom prst="rect">
             <a:avLst/>
@@ -10689,727 +11860,86 @@
           <a:lstStyle/>
           <a:p>
             <a:r>
-              <a:rPr lang="en-GB" dirty="0"/>
-              <a:t>-- subsample on 10 iterations particle dynamics --</a:t>
-            </a:r>
-          </a:p>
-        </p:txBody>
-      </p:sp>
-      <p:sp>
-        <p:nvSpPr>
-          <p:cNvPr id="8" name="Segnaposto contenuto 2">
-            <a:extLst>
-              <a:ext uri="{FF2B5EF4-FFF2-40B4-BE49-F238E27FC236}">
-                <a16:creationId xmlns:a16="http://schemas.microsoft.com/office/drawing/2014/main" id="{79E87BCA-5077-BC41-B42E-29374A77F4DD}"/>
-              </a:ext>
-            </a:extLst>
-          </p:cNvPr>
-          <p:cNvSpPr txBox="1">
-            <a:spLocks/>
-          </p:cNvSpPr>
-          <p:nvPr/>
-        </p:nvSpPr>
-        <p:spPr>
-          <a:xfrm>
-            <a:off x="462103" y="2392916"/>
-            <a:ext cx="3874811" cy="383531"/>
-          </a:xfrm>
-          <a:prstGeom prst="rect">
-            <a:avLst/>
-          </a:prstGeom>
-          <a:ln w="28575">
-            <a:solidFill>
-              <a:schemeClr val="tx1"/>
-            </a:solidFill>
-          </a:ln>
-        </p:spPr>
-        <p:txBody>
-          <a:bodyPr vert="horz" wrap="square" lIns="91440" tIns="45720" rIns="91440" bIns="45720" rtlCol="0" anchor="ctr" anchorCtr="0">
-            <a:spAutoFit/>
-          </a:bodyPr>
-          <a:lstStyle>
-            <a:lvl1pPr marL="228600" indent="-228600" algn="l" defTabSz="914400" rtl="0" eaLnBrk="1" latinLnBrk="0" hangingPunct="1">
-              <a:lnSpc>
-                <a:spcPct val="90000"/>
-              </a:lnSpc>
-              <a:spcBef>
-                <a:spcPts val="1000"/>
-              </a:spcBef>
-              <a:buFont typeface="Arial" panose="020B0604020202020204" pitchFamily="34" charset="0"/>
-              <a:buChar char="•"/>
-              <a:defRPr sz="2800" kern="1200">
-                <a:solidFill>
-                  <a:schemeClr val="tx1"/>
-                </a:solidFill>
-                <a:latin typeface="+mn-lt"/>
-                <a:ea typeface="+mn-ea"/>
-                <a:cs typeface="+mn-cs"/>
-              </a:defRPr>
-            </a:lvl1pPr>
-            <a:lvl2pPr marL="685800" indent="-228600" algn="l" defTabSz="914400" rtl="0" eaLnBrk="1" latinLnBrk="0" hangingPunct="1">
-              <a:lnSpc>
-                <a:spcPct val="90000"/>
-              </a:lnSpc>
-              <a:spcBef>
-                <a:spcPts val="500"/>
-              </a:spcBef>
-              <a:buFont typeface="Arial" panose="020B0604020202020204" pitchFamily="34" charset="0"/>
-              <a:buChar char="•"/>
-              <a:defRPr sz="2400" kern="1200">
-                <a:solidFill>
-                  <a:schemeClr val="tx1"/>
-                </a:solidFill>
-                <a:latin typeface="+mn-lt"/>
-                <a:ea typeface="+mn-ea"/>
-                <a:cs typeface="+mn-cs"/>
-              </a:defRPr>
-            </a:lvl2pPr>
-            <a:lvl3pPr marL="1143000" indent="-228600" algn="l" defTabSz="914400" rtl="0" eaLnBrk="1" latinLnBrk="0" hangingPunct="1">
-              <a:lnSpc>
-                <a:spcPct val="90000"/>
-              </a:lnSpc>
-              <a:spcBef>
-                <a:spcPts val="500"/>
-              </a:spcBef>
-              <a:buFont typeface="Arial" panose="020B0604020202020204" pitchFamily="34" charset="0"/>
-              <a:buChar char="•"/>
-              <a:defRPr sz="2000" kern="1200">
-                <a:solidFill>
-                  <a:schemeClr val="tx1"/>
-                </a:solidFill>
-                <a:latin typeface="+mn-lt"/>
-                <a:ea typeface="+mn-ea"/>
-                <a:cs typeface="+mn-cs"/>
-              </a:defRPr>
-            </a:lvl3pPr>
-            <a:lvl4pPr marL="1600200" indent="-228600" algn="l" defTabSz="914400" rtl="0" eaLnBrk="1" latinLnBrk="0" hangingPunct="1">
-              <a:lnSpc>
-                <a:spcPct val="90000"/>
-              </a:lnSpc>
-              <a:spcBef>
-                <a:spcPts val="500"/>
-              </a:spcBef>
-              <a:buFont typeface="Arial" panose="020B0604020202020204" pitchFamily="34" charset="0"/>
-              <a:buChar char="•"/>
-              <a:defRPr sz="1800" kern="1200">
-                <a:solidFill>
-                  <a:schemeClr val="tx1"/>
-                </a:solidFill>
-                <a:latin typeface="+mn-lt"/>
-                <a:ea typeface="+mn-ea"/>
-                <a:cs typeface="+mn-cs"/>
-              </a:defRPr>
-            </a:lvl4pPr>
-            <a:lvl5pPr marL="2057400" indent="-228600" algn="l" defTabSz="914400" rtl="0" eaLnBrk="1" latinLnBrk="0" hangingPunct="1">
-              <a:lnSpc>
-                <a:spcPct val="90000"/>
-              </a:lnSpc>
-              <a:spcBef>
-                <a:spcPts val="500"/>
-              </a:spcBef>
-              <a:buFont typeface="Arial" panose="020B0604020202020204" pitchFamily="34" charset="0"/>
-              <a:buChar char="•"/>
-              <a:defRPr sz="1800" kern="1200">
-                <a:solidFill>
-                  <a:schemeClr val="tx1"/>
-                </a:solidFill>
-                <a:latin typeface="+mn-lt"/>
-                <a:ea typeface="+mn-ea"/>
-                <a:cs typeface="+mn-cs"/>
-              </a:defRPr>
-            </a:lvl5pPr>
-            <a:lvl6pPr marL="2514600" indent="-228600" algn="l" defTabSz="914400" rtl="0" eaLnBrk="1" latinLnBrk="0" hangingPunct="1">
-              <a:lnSpc>
-                <a:spcPct val="90000"/>
-              </a:lnSpc>
-              <a:spcBef>
-                <a:spcPts val="500"/>
-              </a:spcBef>
-              <a:buFont typeface="Arial" panose="020B0604020202020204" pitchFamily="34" charset="0"/>
-              <a:buChar char="•"/>
-              <a:defRPr sz="1800" kern="1200">
-                <a:solidFill>
-                  <a:schemeClr val="tx1"/>
-                </a:solidFill>
-                <a:latin typeface="+mn-lt"/>
-                <a:ea typeface="+mn-ea"/>
-                <a:cs typeface="+mn-cs"/>
-              </a:defRPr>
-            </a:lvl6pPr>
-            <a:lvl7pPr marL="2971800" indent="-228600" algn="l" defTabSz="914400" rtl="0" eaLnBrk="1" latinLnBrk="0" hangingPunct="1">
-              <a:lnSpc>
-                <a:spcPct val="90000"/>
-              </a:lnSpc>
-              <a:spcBef>
-                <a:spcPts val="500"/>
-              </a:spcBef>
-              <a:buFont typeface="Arial" panose="020B0604020202020204" pitchFamily="34" charset="0"/>
-              <a:buChar char="•"/>
-              <a:defRPr sz="1800" kern="1200">
-                <a:solidFill>
-                  <a:schemeClr val="tx1"/>
-                </a:solidFill>
-                <a:latin typeface="+mn-lt"/>
-                <a:ea typeface="+mn-ea"/>
-                <a:cs typeface="+mn-cs"/>
-              </a:defRPr>
-            </a:lvl7pPr>
-            <a:lvl8pPr marL="3429000" indent="-228600" algn="l" defTabSz="914400" rtl="0" eaLnBrk="1" latinLnBrk="0" hangingPunct="1">
-              <a:lnSpc>
-                <a:spcPct val="90000"/>
-              </a:lnSpc>
-              <a:spcBef>
-                <a:spcPts val="500"/>
-              </a:spcBef>
-              <a:buFont typeface="Arial" panose="020B0604020202020204" pitchFamily="34" charset="0"/>
-              <a:buChar char="•"/>
-              <a:defRPr sz="1800" kern="1200">
-                <a:solidFill>
-                  <a:schemeClr val="tx1"/>
-                </a:solidFill>
-                <a:latin typeface="+mn-lt"/>
-                <a:ea typeface="+mn-ea"/>
-                <a:cs typeface="+mn-cs"/>
-              </a:defRPr>
-            </a:lvl8pPr>
-            <a:lvl9pPr marL="3886200" indent="-228600" algn="l" defTabSz="914400" rtl="0" eaLnBrk="1" latinLnBrk="0" hangingPunct="1">
-              <a:lnSpc>
-                <a:spcPct val="90000"/>
-              </a:lnSpc>
-              <a:spcBef>
-                <a:spcPts val="500"/>
-              </a:spcBef>
-              <a:buFont typeface="Arial" panose="020B0604020202020204" pitchFamily="34" charset="0"/>
-              <a:buChar char="•"/>
-              <a:defRPr sz="1800" kern="1200">
-                <a:solidFill>
-                  <a:schemeClr val="tx1"/>
-                </a:solidFill>
-                <a:latin typeface="+mn-lt"/>
-                <a:ea typeface="+mn-ea"/>
-                <a:cs typeface="+mn-cs"/>
-              </a:defRPr>
-            </a:lvl9pPr>
-          </a:lstStyle>
-          <a:p>
-            <a:pPr marL="0" indent="0" algn="ctr">
-              <a:buNone/>
-            </a:pPr>
-            <a:r>
-              <a:rPr lang="en-US" sz="2000" i="1" dirty="0"/>
-              <a:t>Serial time (Ts) = 3m29,220s</a:t>
-            </a:r>
-          </a:p>
-        </p:txBody>
-      </p:sp>
-      <p:sp>
-        <p:nvSpPr>
-          <p:cNvPr id="15" name="Segnaposto contenuto 2">
-            <a:extLst>
-              <a:ext uri="{FF2B5EF4-FFF2-40B4-BE49-F238E27FC236}">
-                <a16:creationId xmlns:a16="http://schemas.microsoft.com/office/drawing/2014/main" id="{D2B3497B-DA3F-4D28-B4B4-FFBDC1B8FC1A}"/>
-              </a:ext>
-            </a:extLst>
-          </p:cNvPr>
-          <p:cNvSpPr txBox="1">
-            <a:spLocks/>
-          </p:cNvSpPr>
-          <p:nvPr/>
-        </p:nvSpPr>
-        <p:spPr>
-          <a:xfrm>
-            <a:off x="446985" y="3048426"/>
-            <a:ext cx="4847218" cy="383530"/>
-          </a:xfrm>
-          <a:prstGeom prst="rect">
-            <a:avLst/>
-          </a:prstGeom>
-          <a:ln w="28575">
-            <a:solidFill>
-              <a:schemeClr val="tx1"/>
-            </a:solidFill>
-          </a:ln>
-        </p:spPr>
-        <p:txBody>
-          <a:bodyPr vert="horz" wrap="square" lIns="91440" tIns="45720" rIns="91440" bIns="45720" rtlCol="0" anchor="ctr" anchorCtr="0">
-            <a:spAutoFit/>
-          </a:bodyPr>
-          <a:lstStyle>
-            <a:lvl1pPr marL="228600" indent="-228600" algn="l" defTabSz="914400" rtl="0" eaLnBrk="1" latinLnBrk="0" hangingPunct="1">
-              <a:lnSpc>
-                <a:spcPct val="90000"/>
-              </a:lnSpc>
-              <a:spcBef>
-                <a:spcPts val="1000"/>
-              </a:spcBef>
-              <a:buFont typeface="Arial" panose="020B0604020202020204" pitchFamily="34" charset="0"/>
-              <a:buChar char="•"/>
-              <a:defRPr sz="2800" kern="1200">
-                <a:solidFill>
-                  <a:schemeClr val="tx1"/>
-                </a:solidFill>
-                <a:latin typeface="+mn-lt"/>
-                <a:ea typeface="+mn-ea"/>
-                <a:cs typeface="+mn-cs"/>
-              </a:defRPr>
-            </a:lvl1pPr>
-            <a:lvl2pPr marL="685800" indent="-228600" algn="l" defTabSz="914400" rtl="0" eaLnBrk="1" latinLnBrk="0" hangingPunct="1">
-              <a:lnSpc>
-                <a:spcPct val="90000"/>
-              </a:lnSpc>
-              <a:spcBef>
-                <a:spcPts val="500"/>
-              </a:spcBef>
-              <a:buFont typeface="Arial" panose="020B0604020202020204" pitchFamily="34" charset="0"/>
-              <a:buChar char="•"/>
-              <a:defRPr sz="2400" kern="1200">
-                <a:solidFill>
-                  <a:schemeClr val="tx1"/>
-                </a:solidFill>
-                <a:latin typeface="+mn-lt"/>
-                <a:ea typeface="+mn-ea"/>
-                <a:cs typeface="+mn-cs"/>
-              </a:defRPr>
-            </a:lvl2pPr>
-            <a:lvl3pPr marL="1143000" indent="-228600" algn="l" defTabSz="914400" rtl="0" eaLnBrk="1" latinLnBrk="0" hangingPunct="1">
-              <a:lnSpc>
-                <a:spcPct val="90000"/>
-              </a:lnSpc>
-              <a:spcBef>
-                <a:spcPts val="500"/>
-              </a:spcBef>
-              <a:buFont typeface="Arial" panose="020B0604020202020204" pitchFamily="34" charset="0"/>
-              <a:buChar char="•"/>
-              <a:defRPr sz="2000" kern="1200">
-                <a:solidFill>
-                  <a:schemeClr val="tx1"/>
-                </a:solidFill>
-                <a:latin typeface="+mn-lt"/>
-                <a:ea typeface="+mn-ea"/>
-                <a:cs typeface="+mn-cs"/>
-              </a:defRPr>
-            </a:lvl3pPr>
-            <a:lvl4pPr marL="1600200" indent="-228600" algn="l" defTabSz="914400" rtl="0" eaLnBrk="1" latinLnBrk="0" hangingPunct="1">
-              <a:lnSpc>
-                <a:spcPct val="90000"/>
-              </a:lnSpc>
-              <a:spcBef>
-                <a:spcPts val="500"/>
-              </a:spcBef>
-              <a:buFont typeface="Arial" panose="020B0604020202020204" pitchFamily="34" charset="0"/>
-              <a:buChar char="•"/>
-              <a:defRPr sz="1800" kern="1200">
-                <a:solidFill>
-                  <a:schemeClr val="tx1"/>
-                </a:solidFill>
-                <a:latin typeface="+mn-lt"/>
-                <a:ea typeface="+mn-ea"/>
-                <a:cs typeface="+mn-cs"/>
-              </a:defRPr>
-            </a:lvl4pPr>
-            <a:lvl5pPr marL="2057400" indent="-228600" algn="l" defTabSz="914400" rtl="0" eaLnBrk="1" latinLnBrk="0" hangingPunct="1">
-              <a:lnSpc>
-                <a:spcPct val="90000"/>
-              </a:lnSpc>
-              <a:spcBef>
-                <a:spcPts val="500"/>
-              </a:spcBef>
-              <a:buFont typeface="Arial" panose="020B0604020202020204" pitchFamily="34" charset="0"/>
-              <a:buChar char="•"/>
-              <a:defRPr sz="1800" kern="1200">
-                <a:solidFill>
-                  <a:schemeClr val="tx1"/>
-                </a:solidFill>
-                <a:latin typeface="+mn-lt"/>
-                <a:ea typeface="+mn-ea"/>
-                <a:cs typeface="+mn-cs"/>
-              </a:defRPr>
-            </a:lvl5pPr>
-            <a:lvl6pPr marL="2514600" indent="-228600" algn="l" defTabSz="914400" rtl="0" eaLnBrk="1" latinLnBrk="0" hangingPunct="1">
-              <a:lnSpc>
-                <a:spcPct val="90000"/>
-              </a:lnSpc>
-              <a:spcBef>
-                <a:spcPts val="500"/>
-              </a:spcBef>
-              <a:buFont typeface="Arial" panose="020B0604020202020204" pitchFamily="34" charset="0"/>
-              <a:buChar char="•"/>
-              <a:defRPr sz="1800" kern="1200">
-                <a:solidFill>
-                  <a:schemeClr val="tx1"/>
-                </a:solidFill>
-                <a:latin typeface="+mn-lt"/>
-                <a:ea typeface="+mn-ea"/>
-                <a:cs typeface="+mn-cs"/>
-              </a:defRPr>
-            </a:lvl6pPr>
-            <a:lvl7pPr marL="2971800" indent="-228600" algn="l" defTabSz="914400" rtl="0" eaLnBrk="1" latinLnBrk="0" hangingPunct="1">
-              <a:lnSpc>
-                <a:spcPct val="90000"/>
-              </a:lnSpc>
-              <a:spcBef>
-                <a:spcPts val="500"/>
-              </a:spcBef>
-              <a:buFont typeface="Arial" panose="020B0604020202020204" pitchFamily="34" charset="0"/>
-              <a:buChar char="•"/>
-              <a:defRPr sz="1800" kern="1200">
-                <a:solidFill>
-                  <a:schemeClr val="tx1"/>
-                </a:solidFill>
-                <a:latin typeface="+mn-lt"/>
-                <a:ea typeface="+mn-ea"/>
-                <a:cs typeface="+mn-cs"/>
-              </a:defRPr>
-            </a:lvl7pPr>
-            <a:lvl8pPr marL="3429000" indent="-228600" algn="l" defTabSz="914400" rtl="0" eaLnBrk="1" latinLnBrk="0" hangingPunct="1">
-              <a:lnSpc>
-                <a:spcPct val="90000"/>
-              </a:lnSpc>
-              <a:spcBef>
-                <a:spcPts val="500"/>
-              </a:spcBef>
-              <a:buFont typeface="Arial" panose="020B0604020202020204" pitchFamily="34" charset="0"/>
-              <a:buChar char="•"/>
-              <a:defRPr sz="1800" kern="1200">
-                <a:solidFill>
-                  <a:schemeClr val="tx1"/>
-                </a:solidFill>
-                <a:latin typeface="+mn-lt"/>
-                <a:ea typeface="+mn-ea"/>
-                <a:cs typeface="+mn-cs"/>
-              </a:defRPr>
-            </a:lvl8pPr>
-            <a:lvl9pPr marL="3886200" indent="-228600" algn="l" defTabSz="914400" rtl="0" eaLnBrk="1" latinLnBrk="0" hangingPunct="1">
-              <a:lnSpc>
-                <a:spcPct val="90000"/>
-              </a:lnSpc>
-              <a:spcBef>
-                <a:spcPts val="500"/>
-              </a:spcBef>
-              <a:buFont typeface="Arial" panose="020B0604020202020204" pitchFamily="34" charset="0"/>
-              <a:buChar char="•"/>
-              <a:defRPr sz="1800" kern="1200">
-                <a:solidFill>
-                  <a:schemeClr val="tx1"/>
-                </a:solidFill>
-                <a:latin typeface="+mn-lt"/>
-                <a:ea typeface="+mn-ea"/>
-                <a:cs typeface="+mn-cs"/>
-              </a:defRPr>
-            </a:lvl9pPr>
-          </a:lstStyle>
-          <a:p>
-            <a:pPr marL="0" indent="0" algn="ctr">
-              <a:buNone/>
-            </a:pPr>
-            <a:r>
-              <a:rPr lang="en-US" sz="2000" i="1" dirty="0"/>
-              <a:t>Parallel time  (Tp1) = 4.2s (media di 10 test)</a:t>
-            </a:r>
-            <a:endParaRPr lang="en-US" dirty="0"/>
-          </a:p>
-        </p:txBody>
-      </p:sp>
-      <p:sp>
-        <p:nvSpPr>
-          <p:cNvPr id="10" name="TextBox 9">
-            <a:extLst>
-              <a:ext uri="{FF2B5EF4-FFF2-40B4-BE49-F238E27FC236}">
-                <a16:creationId xmlns:a16="http://schemas.microsoft.com/office/drawing/2014/main" id="{5FD1729E-FFFF-4A98-BFC1-79324C903B6E}"/>
-              </a:ext>
-            </a:extLst>
-          </p:cNvPr>
-          <p:cNvSpPr txBox="1"/>
-          <p:nvPr/>
-        </p:nvSpPr>
-        <p:spPr>
-          <a:xfrm>
-            <a:off x="5511124" y="3047675"/>
-            <a:ext cx="2743199" cy="2308324"/>
-          </a:xfrm>
-          <a:prstGeom prst="rect">
-            <a:avLst/>
-          </a:prstGeom>
-          <a:noFill/>
-        </p:spPr>
-        <p:txBody>
-          <a:bodyPr rot="0" spcFirstLastPara="0" vertOverflow="overflow" horzOverflow="overflow" vert="horz" wrap="square" lIns="91440" tIns="45720" rIns="91440" bIns="45720" numCol="1" spcCol="0" rtlCol="0" fromWordArt="0" anchor="t" anchorCtr="0" forceAA="0" compatLnSpc="1">
-            <a:prstTxWarp prst="textNoShape">
-              <a:avLst/>
-            </a:prstTxWarp>
-            <a:spAutoFit/>
-          </a:bodyPr>
-          <a:lstStyle/>
-          <a:p>
-            <a:r>
-              <a:rPr lang="en-US" dirty="0">
+              <a:rPr lang="it-IT"/>
+              <a:t>La scrittura su file non è possibile tramite CUDA. Occorre usare il codice host.</a:t>
+            </a:r>
+          </a:p>
+          <a:p>
+            <a:endParaRPr lang="it-IT"/>
+          </a:p>
+          <a:p>
+            <a:r>
+              <a:rPr lang="it-IT"/>
+              <a:t>Implicazioni:</a:t>
+            </a:r>
+          </a:p>
+          <a:p>
+            <a:r>
+              <a:rPr lang="it-IT"/>
+              <a:t>	- allocazione di memoria aggiuntiva per Particles-&gt;grid</a:t>
+            </a:r>
+          </a:p>
+          <a:p>
+            <a:r>
+              <a:rPr lang="it-IT"/>
+              <a:t>	- cudaMemSet </a:t>
+            </a:r>
+          </a:p>
+          <a:p>
+            <a:r>
+              <a:rPr lang="it-IT"/>
+              <a:t>	- trasferimento dati in e out (cudaMemCpy) &lt;- sincronizzazione implicita</a:t>
+            </a:r>
+          </a:p>
+          <a:p>
+            <a:r>
+              <a:rPr lang="it-IT"/>
+              <a:t>	- accesso concorrente in memoria</a:t>
+            </a:r>
+          </a:p>
+          <a:p>
+            <a:endParaRPr lang="it-IT"/>
+          </a:p>
+          <a:p>
+            <a:endParaRPr lang="it-IT"/>
+          </a:p>
+          <a:p>
+            <a:endParaRPr lang="it-IT"/>
+          </a:p>
+          <a:p>
+            <a:r>
+              <a:rPr lang="it-IT"/>
+              <a:t>&lt;</a:t>
+            </a:r>
+            <a:r>
+              <a:rPr lang="it-IT">
                 <a:solidFill>
                   <a:srgbClr val="FF0000"/>
                 </a:solidFill>
               </a:rPr>
-              <a:t>TODO: </a:t>
-            </a:r>
-            <a:r>
-              <a:rPr lang="en-US" dirty="0" err="1">
-                <a:solidFill>
-                  <a:srgbClr val="FF0000"/>
-                </a:solidFill>
-              </a:rPr>
-              <a:t>questi</a:t>
-            </a:r>
-            <a:r>
-              <a:rPr lang="en-US" dirty="0">
-                <a:solidFill>
-                  <a:srgbClr val="FF0000"/>
-                </a:solidFill>
-              </a:rPr>
-              <a:t> numeri </a:t>
-            </a:r>
-            <a:r>
-              <a:rPr lang="en-US" dirty="0" err="1">
-                <a:solidFill>
-                  <a:srgbClr val="FF0000"/>
-                </a:solidFill>
-              </a:rPr>
-              <a:t>sono</a:t>
-            </a:r>
-            <a:r>
-              <a:rPr lang="en-US" dirty="0">
-                <a:solidFill>
-                  <a:srgbClr val="FF0000"/>
-                </a:solidFill>
-              </a:rPr>
-              <a:t> </a:t>
-            </a:r>
-            <a:r>
-              <a:rPr lang="en-US" dirty="0" err="1">
-                <a:solidFill>
-                  <a:srgbClr val="FF0000"/>
-                </a:solidFill>
-              </a:rPr>
-              <a:t>strani</a:t>
-            </a:r>
-            <a:r>
-              <a:rPr lang="en-US" dirty="0">
-                <a:solidFill>
-                  <a:srgbClr val="FF0000"/>
-                </a:solidFill>
-              </a:rPr>
-              <a:t>. </a:t>
-            </a:r>
-            <a:r>
-              <a:rPr lang="en-US" dirty="0" err="1">
-                <a:solidFill>
-                  <a:srgbClr val="FF0000"/>
-                </a:solidFill>
-              </a:rPr>
-              <a:t>Controllare</a:t>
-            </a:r>
-            <a:r>
-              <a:rPr lang="en-US" dirty="0">
-                <a:solidFill>
-                  <a:srgbClr val="FF0000"/>
-                </a:solidFill>
-              </a:rPr>
-              <a:t>:</a:t>
-            </a:r>
-            <a:br>
-              <a:rPr lang="en-US" dirty="0">
-                <a:solidFill>
-                  <a:srgbClr val="FF0000"/>
-                </a:solidFill>
-              </a:rPr>
-            </a:br>
-            <a:r>
-              <a:rPr lang="en-US" dirty="0" err="1">
-                <a:solidFill>
-                  <a:srgbClr val="FF0000"/>
-                </a:solidFill>
-                <a:cs typeface="Calibri"/>
-              </a:rPr>
-              <a:t>Nell'esecuzione</a:t>
-            </a:r>
-            <a:r>
-              <a:rPr lang="en-US" dirty="0">
-                <a:solidFill>
-                  <a:srgbClr val="FF0000"/>
-                </a:solidFill>
-                <a:cs typeface="Calibri"/>
-              </a:rPr>
-              <a:t> parallela è inclusa anche la </a:t>
-            </a:r>
-            <a:r>
-              <a:rPr lang="en-US" dirty="0" err="1">
-                <a:solidFill>
-                  <a:srgbClr val="FF0000"/>
-                </a:solidFill>
-                <a:cs typeface="Calibri"/>
-              </a:rPr>
-              <a:t>scrittura</a:t>
-            </a:r>
-            <a:r>
-              <a:rPr lang="en-US" dirty="0">
-                <a:solidFill>
-                  <a:srgbClr val="FF0000"/>
-                </a:solidFill>
-                <a:cs typeface="Calibri"/>
-              </a:rPr>
-              <a:t> </a:t>
-            </a:r>
-            <a:r>
-              <a:rPr lang="en-US" dirty="0" err="1">
-                <a:solidFill>
-                  <a:srgbClr val="FF0000"/>
-                </a:solidFill>
-                <a:cs typeface="Calibri"/>
-              </a:rPr>
-              <a:t>su</a:t>
-            </a:r>
-            <a:r>
-              <a:rPr lang="en-US" dirty="0">
-                <a:solidFill>
-                  <a:srgbClr val="FF0000"/>
-                </a:solidFill>
-                <a:cs typeface="Calibri"/>
-              </a:rPr>
-              <a:t> disco? </a:t>
-            </a:r>
-          </a:p>
-          <a:p>
-            <a:r>
-              <a:rPr lang="en-US" dirty="0">
-                <a:solidFill>
-                  <a:srgbClr val="FF0000"/>
-                </a:solidFill>
-                <a:cs typeface="Calibri"/>
-              </a:rPr>
-              <a:t>Il tempo è </a:t>
-            </a:r>
-            <a:r>
-              <a:rPr lang="en-US" dirty="0" err="1">
-                <a:solidFill>
-                  <a:srgbClr val="FF0000"/>
-                </a:solidFill>
-                <a:cs typeface="Calibri"/>
-              </a:rPr>
-              <a:t>stato</a:t>
-            </a:r>
-            <a:r>
-              <a:rPr lang="en-US" dirty="0">
-                <a:solidFill>
-                  <a:srgbClr val="FF0000"/>
-                </a:solidFill>
-                <a:cs typeface="Calibri"/>
-              </a:rPr>
-              <a:t> </a:t>
-            </a:r>
-            <a:r>
-              <a:rPr lang="en-US" dirty="0" err="1">
-                <a:solidFill>
-                  <a:srgbClr val="FF0000"/>
-                </a:solidFill>
-                <a:cs typeface="Calibri"/>
-              </a:rPr>
-              <a:t>preso</a:t>
-            </a:r>
-            <a:r>
-              <a:rPr lang="en-US" dirty="0">
-                <a:solidFill>
-                  <a:srgbClr val="FF0000"/>
-                </a:solidFill>
-                <a:cs typeface="Calibri"/>
-              </a:rPr>
-              <a:t> </a:t>
-            </a:r>
-            <a:r>
-              <a:rPr lang="en-US" dirty="0" err="1">
-                <a:solidFill>
-                  <a:srgbClr val="FF0000"/>
-                </a:solidFill>
-                <a:cs typeface="Calibri"/>
-              </a:rPr>
-              <a:t>sulla</a:t>
-            </a:r>
-            <a:r>
-              <a:rPr lang="en-US" dirty="0">
-                <a:solidFill>
-                  <a:srgbClr val="FF0000"/>
-                </a:solidFill>
-                <a:cs typeface="Calibri"/>
-              </a:rPr>
-              <a:t> </a:t>
-            </a:r>
-            <a:r>
-              <a:rPr lang="en-US" dirty="0" err="1">
-                <a:solidFill>
-                  <a:srgbClr val="FF0000"/>
-                </a:solidFill>
-                <a:cs typeface="Calibri"/>
-              </a:rPr>
-              <a:t>stessa</a:t>
-            </a:r>
-            <a:r>
-              <a:rPr lang="en-US" dirty="0">
-                <a:solidFill>
-                  <a:srgbClr val="FF0000"/>
-                </a:solidFill>
-                <a:cs typeface="Calibri"/>
-              </a:rPr>
-              <a:t> </a:t>
-            </a:r>
-            <a:r>
-              <a:rPr lang="en-US" dirty="0" err="1">
-                <a:solidFill>
-                  <a:srgbClr val="FF0000"/>
-                </a:solidFill>
-                <a:cs typeface="Calibri"/>
-              </a:rPr>
-              <a:t>macchina</a:t>
-            </a:r>
-            <a:r>
-              <a:rPr lang="en-US" dirty="0">
-                <a:solidFill>
-                  <a:srgbClr val="FF0000"/>
-                </a:solidFill>
-                <a:cs typeface="Calibri"/>
-              </a:rPr>
-              <a:t> (</a:t>
-            </a:r>
-            <a:r>
-              <a:rPr lang="en-US" dirty="0" err="1">
-                <a:solidFill>
-                  <a:srgbClr val="FF0000"/>
-                </a:solidFill>
-                <a:cs typeface="Calibri"/>
-              </a:rPr>
-              <a:t>magari</a:t>
-            </a:r>
-            <a:r>
-              <a:rPr lang="en-US" dirty="0">
-                <a:solidFill>
-                  <a:srgbClr val="FF0000"/>
-                </a:solidFill>
-                <a:cs typeface="Calibri"/>
-              </a:rPr>
-              <a:t> una ha SSD e </a:t>
-            </a:r>
-            <a:r>
-              <a:rPr lang="en-US" dirty="0" err="1">
-                <a:solidFill>
-                  <a:srgbClr val="FF0000"/>
-                </a:solidFill>
-                <a:cs typeface="Calibri"/>
-              </a:rPr>
-              <a:t>l'altra</a:t>
-            </a:r>
-            <a:r>
-              <a:rPr lang="en-US" dirty="0">
-                <a:solidFill>
-                  <a:srgbClr val="FF0000"/>
-                </a:solidFill>
-                <a:cs typeface="Calibri"/>
-              </a:rPr>
-              <a:t> no?)</a:t>
+              <a:t>screenshot TODO</a:t>
+            </a:r>
+            <a:r>
+              <a:rPr lang="it-IT"/>
+              <a:t>&gt;</a:t>
+            </a:r>
+          </a:p>
+          <a:p>
+            <a:endParaRPr lang="it-IT"/>
+          </a:p>
+          <a:p>
+            <a:endParaRPr lang="it-IT"/>
+          </a:p>
+          <a:p>
+            <a:endParaRPr lang="it-IT"/>
+          </a:p>
+          <a:p>
+            <a:endParaRPr lang="it-IT"/>
+          </a:p>
+          <a:p>
+            <a:r>
+              <a:rPr lang="it-IT"/>
+              <a:t>Conclusione: guadagno minimo (nullo) e risultato influenzato dall’ordine di esecuzione dei thread CUDA.</a:t>
             </a:r>
           </a:p>
         </p:txBody>
@@ -11417,7 +11947,7 @@
     </p:spTree>
     <p:extLst>
       <p:ext uri="{BB962C8B-B14F-4D97-AF65-F5344CB8AC3E}">
-        <p14:creationId xmlns:p14="http://schemas.microsoft.com/office/powerpoint/2010/main" val="3957637519"/>
+        <p14:creationId xmlns:p14="http://schemas.microsoft.com/office/powerpoint/2010/main" val="3450419139"/>
       </p:ext>
     </p:extLst>
   </p:cSld>
@@ -11449,7 +11979,7 @@
           <p:cNvPr id="2" name="Titolo 1">
             <a:extLst>
               <a:ext uri="{FF2B5EF4-FFF2-40B4-BE49-F238E27FC236}">
-                <a16:creationId xmlns:a16="http://schemas.microsoft.com/office/drawing/2014/main" id="{618804C0-B8FB-7A46-B48E-767917C664C0}"/>
+                <a16:creationId xmlns:a16="http://schemas.microsoft.com/office/drawing/2014/main" id="{1F44E06D-7101-2644-844A-95EA9004E599}"/>
               </a:ext>
             </a:extLst>
           </p:cNvPr>
@@ -11466,8 +11996,24 @@
           <a:lstStyle/>
           <a:p>
             <a:r>
+              <a:rPr lang="en-US" dirty="0" err="1"/>
+              <a:t>Misure</a:t>
+            </a:r>
+            <a:r>
               <a:rPr lang="en-US" dirty="0"/>
-              <a:t>Call graph di Particles simulation Parallel</a:t>
+              <a:t> di performance del </a:t>
+            </a:r>
+            <a:r>
+              <a:rPr lang="en-US" dirty="0" err="1"/>
+              <a:t>calcolo</a:t>
+            </a:r>
+            <a:r>
+              <a:rPr lang="en-US" dirty="0"/>
+              <a:t> </a:t>
+            </a:r>
+            <a:r>
+              <a:rPr lang="en-US" dirty="0" err="1"/>
+              <a:t>ottimizzato</a:t>
             </a:r>
           </a:p>
         </p:txBody>
@@ -11477,7 +12023,7 @@
           <p:cNvPr id="3" name="Segnaposto contenuto 2">
             <a:extLst>
               <a:ext uri="{FF2B5EF4-FFF2-40B4-BE49-F238E27FC236}">
-                <a16:creationId xmlns:a16="http://schemas.microsoft.com/office/drawing/2014/main" id="{A17AF39E-A87A-8D44-AB65-C94AF53DE4AD}"/>
+                <a16:creationId xmlns:a16="http://schemas.microsoft.com/office/drawing/2014/main" id="{C4A50D78-DCAA-CE40-99F1-3D366AA562ED}"/>
               </a:ext>
             </a:extLst>
           </p:cNvPr>
@@ -11488,298 +12034,901 @@
             <p:ph idx="1"/>
           </p:nvPr>
         </p:nvSpPr>
-        <p:spPr/>
-        <p:txBody>
-          <a:bodyPr/>
+        <p:spPr>
+          <a:xfrm>
+            <a:off x="228600" y="3821615"/>
+            <a:ext cx="8569036" cy="2490284"/>
+          </a:xfrm>
+        </p:spPr>
+        <p:txBody>
+          <a:bodyPr vert="horz" lIns="91440" tIns="45720" rIns="91440" bIns="45720" rtlCol="0" anchor="t">
+            <a:normAutofit/>
+          </a:bodyPr>
           <a:lstStyle/>
           <a:p>
             <a:r>
-              <a:rPr lang="en-US" dirty="0"/>
-              <a:t>Il main </a:t>
-            </a:r>
-            <a:r>
-              <a:rPr lang="en-US" dirty="0" err="1"/>
-              <a:t>adesso</a:t>
-            </a:r>
-            <a:r>
-              <a:rPr lang="en-US" dirty="0"/>
-              <a:t> fa ....</a:t>
-            </a:r>
-          </a:p>
-          <a:p>
-            <a:r>
-              <a:rPr lang="en-US" dirty="0"/>
-              <a:t>Qui </a:t>
-            </a:r>
-            <a:r>
-              <a:rPr lang="en-US" dirty="0" err="1"/>
-              <a:t>disegniamo</a:t>
-            </a:r>
-            <a:r>
-              <a:rPr lang="en-US" dirty="0"/>
-              <a:t> la pipeline </a:t>
-            </a:r>
-            <a:r>
-              <a:rPr lang="en-US" dirty="0" err="1"/>
-              <a:t>svolta</a:t>
-            </a:r>
-            <a:r>
-              <a:rPr lang="en-US" dirty="0"/>
-              <a:t> dal </a:t>
-            </a:r>
-            <a:r>
-              <a:rPr lang="en-US" dirty="0" err="1"/>
-              <a:t>codice</a:t>
+              <a:rPr lang="en-US" sz="2000" dirty="0">
+                <a:cs typeface="Calibri"/>
+              </a:rPr>
+              <a:t>Speed up = Ts / Tp1 =  209,2 / 4 = 52x</a:t>
+            </a:r>
+          </a:p>
+          <a:p>
+            <a:r>
+              <a:rPr lang="en-US" sz="2000" dirty="0">
+                <a:cs typeface="Calibri"/>
+              </a:rPr>
+              <a:t>CUDA threads: </a:t>
+            </a:r>
+            <a:r>
+              <a:rPr lang="en-US" sz="2000" dirty="0">
+                <a:ea typeface="+mn-lt"/>
+                <a:cs typeface="+mn-lt"/>
+              </a:rPr>
+              <a:t>21352 (=NP)</a:t>
+            </a:r>
+          </a:p>
+        </p:txBody>
+      </p:sp>
+      <p:sp>
+        <p:nvSpPr>
+          <p:cNvPr id="4" name="Rettangolo con angoli arrotondati 3">
+            <a:extLst>
+              <a:ext uri="{FF2B5EF4-FFF2-40B4-BE49-F238E27FC236}">
+                <a16:creationId xmlns:a16="http://schemas.microsoft.com/office/drawing/2014/main" id="{6C74F786-3AF7-D24B-8192-4697AE48A6F6}"/>
+              </a:ext>
+            </a:extLst>
+          </p:cNvPr>
+          <p:cNvSpPr/>
+          <p:nvPr/>
+        </p:nvSpPr>
+        <p:spPr>
+          <a:xfrm>
+            <a:off x="8712437" y="2957411"/>
+            <a:ext cx="3117272" cy="568037"/>
+          </a:xfrm>
+          <a:prstGeom prst="roundRect">
+            <a:avLst/>
+          </a:prstGeom>
+        </p:spPr>
+        <p:style>
+          <a:lnRef idx="1">
+            <a:schemeClr val="accent4"/>
+          </a:lnRef>
+          <a:fillRef idx="2">
+            <a:schemeClr val="accent4"/>
+          </a:fillRef>
+          <a:effectRef idx="1">
+            <a:schemeClr val="accent4"/>
+          </a:effectRef>
+          <a:fontRef idx="minor">
+            <a:schemeClr val="dk1"/>
+          </a:fontRef>
+        </p:style>
+        <p:txBody>
+          <a:bodyPr rtlCol="0" anchor="ctr"/>
+          <a:lstStyle/>
+          <a:p>
+            <a:pPr algn="ctr"/>
+            <a:r>
+              <a:rPr lang="en-GB" dirty="0"/>
+              <a:t>HARDWARE USED </a:t>
+            </a:r>
+          </a:p>
+        </p:txBody>
+      </p:sp>
+      <p:sp>
+        <p:nvSpPr>
+          <p:cNvPr id="5" name="Rettangolo con angoli arrotondati 4">
+            <a:extLst>
+              <a:ext uri="{FF2B5EF4-FFF2-40B4-BE49-F238E27FC236}">
+                <a16:creationId xmlns:a16="http://schemas.microsoft.com/office/drawing/2014/main" id="{3160EB98-A43C-2A4F-993C-69976B419DC5}"/>
+              </a:ext>
+            </a:extLst>
+          </p:cNvPr>
+          <p:cNvSpPr/>
+          <p:nvPr/>
+        </p:nvSpPr>
+        <p:spPr>
+          <a:xfrm>
+            <a:off x="8712437" y="3632677"/>
+            <a:ext cx="3117272" cy="1915536"/>
+          </a:xfrm>
+          <a:prstGeom prst="roundRect">
+            <a:avLst/>
+          </a:prstGeom>
+        </p:spPr>
+        <p:style>
+          <a:lnRef idx="1">
+            <a:schemeClr val="accent4"/>
+          </a:lnRef>
+          <a:fillRef idx="2">
+            <a:schemeClr val="accent4"/>
+          </a:fillRef>
+          <a:effectRef idx="1">
+            <a:schemeClr val="accent4"/>
+          </a:effectRef>
+          <a:fontRef idx="minor">
+            <a:schemeClr val="dk1"/>
+          </a:fontRef>
+        </p:style>
+        <p:txBody>
+          <a:bodyPr rtlCol="0" anchor="ctr"/>
+          <a:lstStyle/>
+          <a:p>
+            <a:pPr algn="ctr"/>
+            <a:r>
+              <a:rPr lang="en-GB" dirty="0"/>
+              <a:t>TECHNICAL</a:t>
+            </a:r>
+          </a:p>
+          <a:p>
+            <a:pPr algn="ctr"/>
+            <a:r>
+              <a:rPr lang="en-GB" dirty="0"/>
+              <a:t>SPECIFICATIONS</a:t>
+            </a:r>
+          </a:p>
+        </p:txBody>
+      </p:sp>
+      <p:sp>
+        <p:nvSpPr>
+          <p:cNvPr id="6" name="CasellaDiTesto 5">
+            <a:extLst>
+              <a:ext uri="{FF2B5EF4-FFF2-40B4-BE49-F238E27FC236}">
+                <a16:creationId xmlns:a16="http://schemas.microsoft.com/office/drawing/2014/main" id="{FE9C696D-0043-B84B-AC05-7DE26514D580}"/>
+              </a:ext>
+            </a:extLst>
+          </p:cNvPr>
+          <p:cNvSpPr txBox="1"/>
+          <p:nvPr/>
+        </p:nvSpPr>
+        <p:spPr>
+          <a:xfrm>
+            <a:off x="2743200" y="1540224"/>
+            <a:ext cx="4946072" cy="369332"/>
+          </a:xfrm>
+          <a:prstGeom prst="rect">
+            <a:avLst/>
+          </a:prstGeom>
+          <a:noFill/>
+        </p:spPr>
+        <p:txBody>
+          <a:bodyPr wrap="square" rtlCol="0">
+            <a:spAutoFit/>
+          </a:bodyPr>
+          <a:lstStyle/>
+          <a:p>
+            <a:r>
+              <a:rPr lang="en-GB" dirty="0"/>
+              <a:t>-- subsample on 10 iterations particle dynamics --</a:t>
+            </a:r>
+          </a:p>
+        </p:txBody>
+      </p:sp>
+      <p:sp>
+        <p:nvSpPr>
+          <p:cNvPr id="8" name="Segnaposto contenuto 2">
+            <a:extLst>
+              <a:ext uri="{FF2B5EF4-FFF2-40B4-BE49-F238E27FC236}">
+                <a16:creationId xmlns:a16="http://schemas.microsoft.com/office/drawing/2014/main" id="{79E87BCA-5077-BC41-B42E-29374A77F4DD}"/>
+              </a:ext>
+            </a:extLst>
+          </p:cNvPr>
+          <p:cNvSpPr txBox="1">
+            <a:spLocks/>
+          </p:cNvSpPr>
+          <p:nvPr/>
+        </p:nvSpPr>
+        <p:spPr>
+          <a:xfrm>
+            <a:off x="462103" y="2392916"/>
+            <a:ext cx="3874811" cy="383531"/>
+          </a:xfrm>
+          <a:prstGeom prst="rect">
+            <a:avLst/>
+          </a:prstGeom>
+          <a:ln w="28575">
+            <a:solidFill>
+              <a:schemeClr val="tx1"/>
+            </a:solidFill>
+          </a:ln>
+        </p:spPr>
+        <p:txBody>
+          <a:bodyPr vert="horz" wrap="square" lIns="91440" tIns="45720" rIns="91440" bIns="45720" rtlCol="0" anchor="ctr" anchorCtr="0">
+            <a:spAutoFit/>
+          </a:bodyPr>
+          <a:lstStyle>
+            <a:lvl1pPr marL="228600" indent="-228600" algn="l" defTabSz="914400" rtl="0" eaLnBrk="1" latinLnBrk="0" hangingPunct="1">
+              <a:lnSpc>
+                <a:spcPct val="90000"/>
+              </a:lnSpc>
+              <a:spcBef>
+                <a:spcPts val="1000"/>
+              </a:spcBef>
+              <a:buFont typeface="Arial" panose="020B0604020202020204" pitchFamily="34" charset="0"/>
+              <a:buChar char="•"/>
+              <a:defRPr sz="2800" kern="1200">
+                <a:solidFill>
+                  <a:schemeClr val="tx1"/>
+                </a:solidFill>
+                <a:latin typeface="+mn-lt"/>
+                <a:ea typeface="+mn-ea"/>
+                <a:cs typeface="+mn-cs"/>
+              </a:defRPr>
+            </a:lvl1pPr>
+            <a:lvl2pPr marL="685800" indent="-228600" algn="l" defTabSz="914400" rtl="0" eaLnBrk="1" latinLnBrk="0" hangingPunct="1">
+              <a:lnSpc>
+                <a:spcPct val="90000"/>
+              </a:lnSpc>
+              <a:spcBef>
+                <a:spcPts val="500"/>
+              </a:spcBef>
+              <a:buFont typeface="Arial" panose="020B0604020202020204" pitchFamily="34" charset="0"/>
+              <a:buChar char="•"/>
+              <a:defRPr sz="2400" kern="1200">
+                <a:solidFill>
+                  <a:schemeClr val="tx1"/>
+                </a:solidFill>
+                <a:latin typeface="+mn-lt"/>
+                <a:ea typeface="+mn-ea"/>
+                <a:cs typeface="+mn-cs"/>
+              </a:defRPr>
+            </a:lvl2pPr>
+            <a:lvl3pPr marL="1143000" indent="-228600" algn="l" defTabSz="914400" rtl="0" eaLnBrk="1" latinLnBrk="0" hangingPunct="1">
+              <a:lnSpc>
+                <a:spcPct val="90000"/>
+              </a:lnSpc>
+              <a:spcBef>
+                <a:spcPts val="500"/>
+              </a:spcBef>
+              <a:buFont typeface="Arial" panose="020B0604020202020204" pitchFamily="34" charset="0"/>
+              <a:buChar char="•"/>
+              <a:defRPr sz="2000" kern="1200">
+                <a:solidFill>
+                  <a:schemeClr val="tx1"/>
+                </a:solidFill>
+                <a:latin typeface="+mn-lt"/>
+                <a:ea typeface="+mn-ea"/>
+                <a:cs typeface="+mn-cs"/>
+              </a:defRPr>
+            </a:lvl3pPr>
+            <a:lvl4pPr marL="1600200" indent="-228600" algn="l" defTabSz="914400" rtl="0" eaLnBrk="1" latinLnBrk="0" hangingPunct="1">
+              <a:lnSpc>
+                <a:spcPct val="90000"/>
+              </a:lnSpc>
+              <a:spcBef>
+                <a:spcPts val="500"/>
+              </a:spcBef>
+              <a:buFont typeface="Arial" panose="020B0604020202020204" pitchFamily="34" charset="0"/>
+              <a:buChar char="•"/>
+              <a:defRPr sz="1800" kern="1200">
+                <a:solidFill>
+                  <a:schemeClr val="tx1"/>
+                </a:solidFill>
+                <a:latin typeface="+mn-lt"/>
+                <a:ea typeface="+mn-ea"/>
+                <a:cs typeface="+mn-cs"/>
+              </a:defRPr>
+            </a:lvl4pPr>
+            <a:lvl5pPr marL="2057400" indent="-228600" algn="l" defTabSz="914400" rtl="0" eaLnBrk="1" latinLnBrk="0" hangingPunct="1">
+              <a:lnSpc>
+                <a:spcPct val="90000"/>
+              </a:lnSpc>
+              <a:spcBef>
+                <a:spcPts val="500"/>
+              </a:spcBef>
+              <a:buFont typeface="Arial" panose="020B0604020202020204" pitchFamily="34" charset="0"/>
+              <a:buChar char="•"/>
+              <a:defRPr sz="1800" kern="1200">
+                <a:solidFill>
+                  <a:schemeClr val="tx1"/>
+                </a:solidFill>
+                <a:latin typeface="+mn-lt"/>
+                <a:ea typeface="+mn-ea"/>
+                <a:cs typeface="+mn-cs"/>
+              </a:defRPr>
+            </a:lvl5pPr>
+            <a:lvl6pPr marL="2514600" indent="-228600" algn="l" defTabSz="914400" rtl="0" eaLnBrk="1" latinLnBrk="0" hangingPunct="1">
+              <a:lnSpc>
+                <a:spcPct val="90000"/>
+              </a:lnSpc>
+              <a:spcBef>
+                <a:spcPts val="500"/>
+              </a:spcBef>
+              <a:buFont typeface="Arial" panose="020B0604020202020204" pitchFamily="34" charset="0"/>
+              <a:buChar char="•"/>
+              <a:defRPr sz="1800" kern="1200">
+                <a:solidFill>
+                  <a:schemeClr val="tx1"/>
+                </a:solidFill>
+                <a:latin typeface="+mn-lt"/>
+                <a:ea typeface="+mn-ea"/>
+                <a:cs typeface="+mn-cs"/>
+              </a:defRPr>
+            </a:lvl6pPr>
+            <a:lvl7pPr marL="2971800" indent="-228600" algn="l" defTabSz="914400" rtl="0" eaLnBrk="1" latinLnBrk="0" hangingPunct="1">
+              <a:lnSpc>
+                <a:spcPct val="90000"/>
+              </a:lnSpc>
+              <a:spcBef>
+                <a:spcPts val="500"/>
+              </a:spcBef>
+              <a:buFont typeface="Arial" panose="020B0604020202020204" pitchFamily="34" charset="0"/>
+              <a:buChar char="•"/>
+              <a:defRPr sz="1800" kern="1200">
+                <a:solidFill>
+                  <a:schemeClr val="tx1"/>
+                </a:solidFill>
+                <a:latin typeface="+mn-lt"/>
+                <a:ea typeface="+mn-ea"/>
+                <a:cs typeface="+mn-cs"/>
+              </a:defRPr>
+            </a:lvl7pPr>
+            <a:lvl8pPr marL="3429000" indent="-228600" algn="l" defTabSz="914400" rtl="0" eaLnBrk="1" latinLnBrk="0" hangingPunct="1">
+              <a:lnSpc>
+                <a:spcPct val="90000"/>
+              </a:lnSpc>
+              <a:spcBef>
+                <a:spcPts val="500"/>
+              </a:spcBef>
+              <a:buFont typeface="Arial" panose="020B0604020202020204" pitchFamily="34" charset="0"/>
+              <a:buChar char="•"/>
+              <a:defRPr sz="1800" kern="1200">
+                <a:solidFill>
+                  <a:schemeClr val="tx1"/>
+                </a:solidFill>
+                <a:latin typeface="+mn-lt"/>
+                <a:ea typeface="+mn-ea"/>
+                <a:cs typeface="+mn-cs"/>
+              </a:defRPr>
+            </a:lvl8pPr>
+            <a:lvl9pPr marL="3886200" indent="-228600" algn="l" defTabSz="914400" rtl="0" eaLnBrk="1" latinLnBrk="0" hangingPunct="1">
+              <a:lnSpc>
+                <a:spcPct val="90000"/>
+              </a:lnSpc>
+              <a:spcBef>
+                <a:spcPts val="500"/>
+              </a:spcBef>
+              <a:buFont typeface="Arial" panose="020B0604020202020204" pitchFamily="34" charset="0"/>
+              <a:buChar char="•"/>
+              <a:defRPr sz="1800" kern="1200">
+                <a:solidFill>
+                  <a:schemeClr val="tx1"/>
+                </a:solidFill>
+                <a:latin typeface="+mn-lt"/>
+                <a:ea typeface="+mn-ea"/>
+                <a:cs typeface="+mn-cs"/>
+              </a:defRPr>
+            </a:lvl9pPr>
+          </a:lstStyle>
+          <a:p>
+            <a:pPr marL="0" indent="0" algn="ctr">
+              <a:buNone/>
+            </a:pPr>
+            <a:r>
+              <a:rPr lang="en-US" sz="2000" i="1" dirty="0"/>
+              <a:t>Serial time (Ts) = 107s</a:t>
+            </a:r>
+          </a:p>
+        </p:txBody>
+      </p:sp>
+      <p:sp>
+        <p:nvSpPr>
+          <p:cNvPr id="15" name="Segnaposto contenuto 2">
+            <a:extLst>
+              <a:ext uri="{FF2B5EF4-FFF2-40B4-BE49-F238E27FC236}">
+                <a16:creationId xmlns:a16="http://schemas.microsoft.com/office/drawing/2014/main" id="{D2B3497B-DA3F-4D28-B4B4-FFBDC1B8FC1A}"/>
+              </a:ext>
+            </a:extLst>
+          </p:cNvPr>
+          <p:cNvSpPr txBox="1">
+            <a:spLocks/>
+          </p:cNvSpPr>
+          <p:nvPr/>
+        </p:nvSpPr>
+        <p:spPr>
+          <a:xfrm>
+            <a:off x="446985" y="3048426"/>
+            <a:ext cx="4847218" cy="383530"/>
+          </a:xfrm>
+          <a:prstGeom prst="rect">
+            <a:avLst/>
+          </a:prstGeom>
+          <a:ln w="28575">
+            <a:solidFill>
+              <a:schemeClr val="tx1"/>
+            </a:solidFill>
+          </a:ln>
+        </p:spPr>
+        <p:txBody>
+          <a:bodyPr vert="horz" wrap="square" lIns="91440" tIns="45720" rIns="91440" bIns="45720" rtlCol="0" anchor="ctr" anchorCtr="0">
+            <a:spAutoFit/>
+          </a:bodyPr>
+          <a:lstStyle>
+            <a:lvl1pPr marL="228600" indent="-228600" algn="l" defTabSz="914400" rtl="0" eaLnBrk="1" latinLnBrk="0" hangingPunct="1">
+              <a:lnSpc>
+                <a:spcPct val="90000"/>
+              </a:lnSpc>
+              <a:spcBef>
+                <a:spcPts val="1000"/>
+              </a:spcBef>
+              <a:buFont typeface="Arial" panose="020B0604020202020204" pitchFamily="34" charset="0"/>
+              <a:buChar char="•"/>
+              <a:defRPr sz="2800" kern="1200">
+                <a:solidFill>
+                  <a:schemeClr val="tx1"/>
+                </a:solidFill>
+                <a:latin typeface="+mn-lt"/>
+                <a:ea typeface="+mn-ea"/>
+                <a:cs typeface="+mn-cs"/>
+              </a:defRPr>
+            </a:lvl1pPr>
+            <a:lvl2pPr marL="685800" indent="-228600" algn="l" defTabSz="914400" rtl="0" eaLnBrk="1" latinLnBrk="0" hangingPunct="1">
+              <a:lnSpc>
+                <a:spcPct val="90000"/>
+              </a:lnSpc>
+              <a:spcBef>
+                <a:spcPts val="500"/>
+              </a:spcBef>
+              <a:buFont typeface="Arial" panose="020B0604020202020204" pitchFamily="34" charset="0"/>
+              <a:buChar char="•"/>
+              <a:defRPr sz="2400" kern="1200">
+                <a:solidFill>
+                  <a:schemeClr val="tx1"/>
+                </a:solidFill>
+                <a:latin typeface="+mn-lt"/>
+                <a:ea typeface="+mn-ea"/>
+                <a:cs typeface="+mn-cs"/>
+              </a:defRPr>
+            </a:lvl2pPr>
+            <a:lvl3pPr marL="1143000" indent="-228600" algn="l" defTabSz="914400" rtl="0" eaLnBrk="1" latinLnBrk="0" hangingPunct="1">
+              <a:lnSpc>
+                <a:spcPct val="90000"/>
+              </a:lnSpc>
+              <a:spcBef>
+                <a:spcPts val="500"/>
+              </a:spcBef>
+              <a:buFont typeface="Arial" panose="020B0604020202020204" pitchFamily="34" charset="0"/>
+              <a:buChar char="•"/>
+              <a:defRPr sz="2000" kern="1200">
+                <a:solidFill>
+                  <a:schemeClr val="tx1"/>
+                </a:solidFill>
+                <a:latin typeface="+mn-lt"/>
+                <a:ea typeface="+mn-ea"/>
+                <a:cs typeface="+mn-cs"/>
+              </a:defRPr>
+            </a:lvl3pPr>
+            <a:lvl4pPr marL="1600200" indent="-228600" algn="l" defTabSz="914400" rtl="0" eaLnBrk="1" latinLnBrk="0" hangingPunct="1">
+              <a:lnSpc>
+                <a:spcPct val="90000"/>
+              </a:lnSpc>
+              <a:spcBef>
+                <a:spcPts val="500"/>
+              </a:spcBef>
+              <a:buFont typeface="Arial" panose="020B0604020202020204" pitchFamily="34" charset="0"/>
+              <a:buChar char="•"/>
+              <a:defRPr sz="1800" kern="1200">
+                <a:solidFill>
+                  <a:schemeClr val="tx1"/>
+                </a:solidFill>
+                <a:latin typeface="+mn-lt"/>
+                <a:ea typeface="+mn-ea"/>
+                <a:cs typeface="+mn-cs"/>
+              </a:defRPr>
+            </a:lvl4pPr>
+            <a:lvl5pPr marL="2057400" indent="-228600" algn="l" defTabSz="914400" rtl="0" eaLnBrk="1" latinLnBrk="0" hangingPunct="1">
+              <a:lnSpc>
+                <a:spcPct val="90000"/>
+              </a:lnSpc>
+              <a:spcBef>
+                <a:spcPts val="500"/>
+              </a:spcBef>
+              <a:buFont typeface="Arial" panose="020B0604020202020204" pitchFamily="34" charset="0"/>
+              <a:buChar char="•"/>
+              <a:defRPr sz="1800" kern="1200">
+                <a:solidFill>
+                  <a:schemeClr val="tx1"/>
+                </a:solidFill>
+                <a:latin typeface="+mn-lt"/>
+                <a:ea typeface="+mn-ea"/>
+                <a:cs typeface="+mn-cs"/>
+              </a:defRPr>
+            </a:lvl5pPr>
+            <a:lvl6pPr marL="2514600" indent="-228600" algn="l" defTabSz="914400" rtl="0" eaLnBrk="1" latinLnBrk="0" hangingPunct="1">
+              <a:lnSpc>
+                <a:spcPct val="90000"/>
+              </a:lnSpc>
+              <a:spcBef>
+                <a:spcPts val="500"/>
+              </a:spcBef>
+              <a:buFont typeface="Arial" panose="020B0604020202020204" pitchFamily="34" charset="0"/>
+              <a:buChar char="•"/>
+              <a:defRPr sz="1800" kern="1200">
+                <a:solidFill>
+                  <a:schemeClr val="tx1"/>
+                </a:solidFill>
+                <a:latin typeface="+mn-lt"/>
+                <a:ea typeface="+mn-ea"/>
+                <a:cs typeface="+mn-cs"/>
+              </a:defRPr>
+            </a:lvl6pPr>
+            <a:lvl7pPr marL="2971800" indent="-228600" algn="l" defTabSz="914400" rtl="0" eaLnBrk="1" latinLnBrk="0" hangingPunct="1">
+              <a:lnSpc>
+                <a:spcPct val="90000"/>
+              </a:lnSpc>
+              <a:spcBef>
+                <a:spcPts val="500"/>
+              </a:spcBef>
+              <a:buFont typeface="Arial" panose="020B0604020202020204" pitchFamily="34" charset="0"/>
+              <a:buChar char="•"/>
+              <a:defRPr sz="1800" kern="1200">
+                <a:solidFill>
+                  <a:schemeClr val="tx1"/>
+                </a:solidFill>
+                <a:latin typeface="+mn-lt"/>
+                <a:ea typeface="+mn-ea"/>
+                <a:cs typeface="+mn-cs"/>
+              </a:defRPr>
+            </a:lvl7pPr>
+            <a:lvl8pPr marL="3429000" indent="-228600" algn="l" defTabSz="914400" rtl="0" eaLnBrk="1" latinLnBrk="0" hangingPunct="1">
+              <a:lnSpc>
+                <a:spcPct val="90000"/>
+              </a:lnSpc>
+              <a:spcBef>
+                <a:spcPts val="500"/>
+              </a:spcBef>
+              <a:buFont typeface="Arial" panose="020B0604020202020204" pitchFamily="34" charset="0"/>
+              <a:buChar char="•"/>
+              <a:defRPr sz="1800" kern="1200">
+                <a:solidFill>
+                  <a:schemeClr val="tx1"/>
+                </a:solidFill>
+                <a:latin typeface="+mn-lt"/>
+                <a:ea typeface="+mn-ea"/>
+                <a:cs typeface="+mn-cs"/>
+              </a:defRPr>
+            </a:lvl8pPr>
+            <a:lvl9pPr marL="3886200" indent="-228600" algn="l" defTabSz="914400" rtl="0" eaLnBrk="1" latinLnBrk="0" hangingPunct="1">
+              <a:lnSpc>
+                <a:spcPct val="90000"/>
+              </a:lnSpc>
+              <a:spcBef>
+                <a:spcPts val="500"/>
+              </a:spcBef>
+              <a:buFont typeface="Arial" panose="020B0604020202020204" pitchFamily="34" charset="0"/>
+              <a:buChar char="•"/>
+              <a:defRPr sz="1800" kern="1200">
+                <a:solidFill>
+                  <a:schemeClr val="tx1"/>
+                </a:solidFill>
+                <a:latin typeface="+mn-lt"/>
+                <a:ea typeface="+mn-ea"/>
+                <a:cs typeface="+mn-cs"/>
+              </a:defRPr>
+            </a:lvl9pPr>
+          </a:lstStyle>
+          <a:p>
+            <a:pPr marL="0" indent="0" algn="ctr">
+              <a:buNone/>
+            </a:pPr>
+            <a:r>
+              <a:rPr lang="en-US" sz="2000" i="1" dirty="0"/>
+              <a:t>Parallel time  = 4.2s (media di 10 test)</a:t>
             </a:r>
             <a:endParaRPr lang="en-US" dirty="0"/>
+          </a:p>
+        </p:txBody>
+      </p:sp>
+      <p:sp>
+        <p:nvSpPr>
+          <p:cNvPr id="10" name="TextBox 9">
+            <a:extLst>
+              <a:ext uri="{FF2B5EF4-FFF2-40B4-BE49-F238E27FC236}">
+                <a16:creationId xmlns:a16="http://schemas.microsoft.com/office/drawing/2014/main" id="{5FD1729E-FFFF-4A98-BFC1-79324C903B6E}"/>
+              </a:ext>
+            </a:extLst>
+          </p:cNvPr>
+          <p:cNvSpPr txBox="1"/>
+          <p:nvPr/>
+        </p:nvSpPr>
+        <p:spPr>
+          <a:xfrm>
+            <a:off x="5511124" y="3047675"/>
+            <a:ext cx="2743199" cy="2308324"/>
+          </a:xfrm>
+          <a:prstGeom prst="rect">
+            <a:avLst/>
+          </a:prstGeom>
+          <a:noFill/>
+        </p:spPr>
+        <p:txBody>
+          <a:bodyPr rot="0" spcFirstLastPara="0" vertOverflow="overflow" horzOverflow="overflow" vert="horz" wrap="square" lIns="91440" tIns="45720" rIns="91440" bIns="45720" numCol="1" spcCol="0" rtlCol="0" fromWordArt="0" anchor="t" anchorCtr="0" forceAA="0" compatLnSpc="1">
+            <a:prstTxWarp prst="textNoShape">
+              <a:avLst/>
+            </a:prstTxWarp>
+            <a:spAutoFit/>
+          </a:bodyPr>
+          <a:lstStyle/>
+          <a:p>
+            <a:r>
+              <a:rPr lang="en-US" dirty="0">
+                <a:solidFill>
+                  <a:srgbClr val="FF0000"/>
+                </a:solidFill>
+              </a:rPr>
+              <a:t>TODO: </a:t>
+            </a:r>
+            <a:r>
+              <a:rPr lang="en-US" dirty="0" err="1">
+                <a:solidFill>
+                  <a:srgbClr val="FF0000"/>
+                </a:solidFill>
+              </a:rPr>
+              <a:t>questi</a:t>
+            </a:r>
+            <a:r>
+              <a:rPr lang="en-US" dirty="0">
+                <a:solidFill>
+                  <a:srgbClr val="FF0000"/>
+                </a:solidFill>
+              </a:rPr>
+              <a:t> numeri </a:t>
+            </a:r>
+            <a:r>
+              <a:rPr lang="en-US" dirty="0" err="1">
+                <a:solidFill>
+                  <a:srgbClr val="FF0000"/>
+                </a:solidFill>
+              </a:rPr>
+              <a:t>sono</a:t>
+            </a:r>
+            <a:r>
+              <a:rPr lang="en-US" dirty="0">
+                <a:solidFill>
+                  <a:srgbClr val="FF0000"/>
+                </a:solidFill>
+              </a:rPr>
+              <a:t> </a:t>
+            </a:r>
+            <a:r>
+              <a:rPr lang="en-US" dirty="0" err="1">
+                <a:solidFill>
+                  <a:srgbClr val="FF0000"/>
+                </a:solidFill>
+              </a:rPr>
+              <a:t>strani</a:t>
+            </a:r>
+            <a:r>
+              <a:rPr lang="en-US" dirty="0">
+                <a:solidFill>
+                  <a:srgbClr val="FF0000"/>
+                </a:solidFill>
+              </a:rPr>
+              <a:t>. </a:t>
+            </a:r>
+            <a:r>
+              <a:rPr lang="en-US" dirty="0" err="1">
+                <a:solidFill>
+                  <a:srgbClr val="FF0000"/>
+                </a:solidFill>
+              </a:rPr>
+              <a:t>Controllare</a:t>
+            </a:r>
+            <a:r>
+              <a:rPr lang="en-US" dirty="0">
+                <a:solidFill>
+                  <a:srgbClr val="FF0000"/>
+                </a:solidFill>
+              </a:rPr>
+              <a:t>:</a:t>
+            </a:r>
+            <a:br>
+              <a:rPr lang="en-US" dirty="0">
+                <a:solidFill>
+                  <a:srgbClr val="FF0000"/>
+                </a:solidFill>
+              </a:rPr>
+            </a:br>
+            <a:r>
+              <a:rPr lang="en-US" dirty="0" err="1">
+                <a:solidFill>
+                  <a:srgbClr val="FF0000"/>
+                </a:solidFill>
+                <a:cs typeface="Calibri"/>
+              </a:rPr>
+              <a:t>Nell'esecuzione</a:t>
+            </a:r>
+            <a:r>
+              <a:rPr lang="en-US" dirty="0">
+                <a:solidFill>
+                  <a:srgbClr val="FF0000"/>
+                </a:solidFill>
+                <a:cs typeface="Calibri"/>
+              </a:rPr>
+              <a:t> parallela è inclusa anche la </a:t>
+            </a:r>
+            <a:r>
+              <a:rPr lang="en-US" dirty="0" err="1">
+                <a:solidFill>
+                  <a:srgbClr val="FF0000"/>
+                </a:solidFill>
+                <a:cs typeface="Calibri"/>
+              </a:rPr>
+              <a:t>scrittura</a:t>
+            </a:r>
+            <a:r>
+              <a:rPr lang="en-US" dirty="0">
+                <a:solidFill>
+                  <a:srgbClr val="FF0000"/>
+                </a:solidFill>
+                <a:cs typeface="Calibri"/>
+              </a:rPr>
+              <a:t> </a:t>
+            </a:r>
+            <a:r>
+              <a:rPr lang="en-US" dirty="0" err="1">
+                <a:solidFill>
+                  <a:srgbClr val="FF0000"/>
+                </a:solidFill>
+                <a:cs typeface="Calibri"/>
+              </a:rPr>
+              <a:t>su</a:t>
+            </a:r>
+            <a:r>
+              <a:rPr lang="en-US" dirty="0">
+                <a:solidFill>
+                  <a:srgbClr val="FF0000"/>
+                </a:solidFill>
+                <a:cs typeface="Calibri"/>
+              </a:rPr>
+              <a:t> disco? </a:t>
+            </a:r>
+          </a:p>
+          <a:p>
+            <a:r>
+              <a:rPr lang="en-US" dirty="0">
+                <a:solidFill>
+                  <a:srgbClr val="FF0000"/>
+                </a:solidFill>
+                <a:cs typeface="Calibri"/>
+              </a:rPr>
+              <a:t>Il tempo è </a:t>
+            </a:r>
+            <a:r>
+              <a:rPr lang="en-US" dirty="0" err="1">
+                <a:solidFill>
+                  <a:srgbClr val="FF0000"/>
+                </a:solidFill>
+                <a:cs typeface="Calibri"/>
+              </a:rPr>
+              <a:t>stato</a:t>
+            </a:r>
+            <a:r>
+              <a:rPr lang="en-US" dirty="0">
+                <a:solidFill>
+                  <a:srgbClr val="FF0000"/>
+                </a:solidFill>
+                <a:cs typeface="Calibri"/>
+              </a:rPr>
+              <a:t> </a:t>
+            </a:r>
+            <a:r>
+              <a:rPr lang="en-US" dirty="0" err="1">
+                <a:solidFill>
+                  <a:srgbClr val="FF0000"/>
+                </a:solidFill>
+                <a:cs typeface="Calibri"/>
+              </a:rPr>
+              <a:t>preso</a:t>
+            </a:r>
+            <a:r>
+              <a:rPr lang="en-US" dirty="0">
+                <a:solidFill>
+                  <a:srgbClr val="FF0000"/>
+                </a:solidFill>
+                <a:cs typeface="Calibri"/>
+              </a:rPr>
+              <a:t> </a:t>
+            </a:r>
+            <a:r>
+              <a:rPr lang="en-US" dirty="0" err="1">
+                <a:solidFill>
+                  <a:srgbClr val="FF0000"/>
+                </a:solidFill>
+                <a:cs typeface="Calibri"/>
+              </a:rPr>
+              <a:t>sulla</a:t>
+            </a:r>
+            <a:r>
+              <a:rPr lang="en-US" dirty="0">
+                <a:solidFill>
+                  <a:srgbClr val="FF0000"/>
+                </a:solidFill>
+                <a:cs typeface="Calibri"/>
+              </a:rPr>
+              <a:t> </a:t>
+            </a:r>
+            <a:r>
+              <a:rPr lang="en-US" dirty="0" err="1">
+                <a:solidFill>
+                  <a:srgbClr val="FF0000"/>
+                </a:solidFill>
+                <a:cs typeface="Calibri"/>
+              </a:rPr>
+              <a:t>stessa</a:t>
+            </a:r>
+            <a:r>
+              <a:rPr lang="en-US" dirty="0">
+                <a:solidFill>
+                  <a:srgbClr val="FF0000"/>
+                </a:solidFill>
+                <a:cs typeface="Calibri"/>
+              </a:rPr>
+              <a:t> </a:t>
+            </a:r>
+            <a:r>
+              <a:rPr lang="en-US" dirty="0" err="1">
+                <a:solidFill>
+                  <a:srgbClr val="FF0000"/>
+                </a:solidFill>
+                <a:cs typeface="Calibri"/>
+              </a:rPr>
+              <a:t>macchina</a:t>
+            </a:r>
+            <a:r>
+              <a:rPr lang="en-US" dirty="0">
+                <a:solidFill>
+                  <a:srgbClr val="FF0000"/>
+                </a:solidFill>
+                <a:cs typeface="Calibri"/>
+              </a:rPr>
+              <a:t> (</a:t>
+            </a:r>
+            <a:r>
+              <a:rPr lang="en-US" dirty="0" err="1">
+                <a:solidFill>
+                  <a:srgbClr val="FF0000"/>
+                </a:solidFill>
+                <a:cs typeface="Calibri"/>
+              </a:rPr>
+              <a:t>magari</a:t>
+            </a:r>
+            <a:r>
+              <a:rPr lang="en-US" dirty="0">
+                <a:solidFill>
+                  <a:srgbClr val="FF0000"/>
+                </a:solidFill>
+                <a:cs typeface="Calibri"/>
+              </a:rPr>
+              <a:t> una ha SSD e </a:t>
+            </a:r>
+            <a:r>
+              <a:rPr lang="en-US" dirty="0" err="1">
+                <a:solidFill>
+                  <a:srgbClr val="FF0000"/>
+                </a:solidFill>
+                <a:cs typeface="Calibri"/>
+              </a:rPr>
+              <a:t>l'altra</a:t>
+            </a:r>
+            <a:r>
+              <a:rPr lang="en-US" dirty="0">
+                <a:solidFill>
+                  <a:srgbClr val="FF0000"/>
+                </a:solidFill>
+                <a:cs typeface="Calibri"/>
+              </a:rPr>
+              <a:t> no?)</a:t>
+            </a:r>
           </a:p>
         </p:txBody>
       </p:sp>
     </p:spTree>
     <p:extLst>
       <p:ext uri="{BB962C8B-B14F-4D97-AF65-F5344CB8AC3E}">
-        <p14:creationId xmlns:p14="http://schemas.microsoft.com/office/powerpoint/2010/main" val="2825430735"/>
-      </p:ext>
-    </p:extLst>
-  </p:cSld>
-  <p:clrMapOvr>
-    <a:masterClrMapping/>
-  </p:clrMapOvr>
-</p:sld>
-</file>
-
-<file path=ppt/slides/slide18.xml><?xml version="1.0" encoding="utf-8"?>
-<p:sld xmlns:a="http://schemas.openxmlformats.org/drawingml/2006/main" xmlns:r="http://schemas.openxmlformats.org/officeDocument/2006/relationships" xmlns:p="http://schemas.openxmlformats.org/presentationml/2006/main">
-  <p:cSld>
-    <p:spTree>
-      <p:nvGrpSpPr>
-        <p:cNvPr id="1" name=""/>
-        <p:cNvGrpSpPr/>
-        <p:nvPr/>
-      </p:nvGrpSpPr>
-      <p:grpSpPr>
-        <a:xfrm>
-          <a:off x="0" y="0"/>
-          <a:ext cx="0" cy="0"/>
-          <a:chOff x="0" y="0"/>
-          <a:chExt cx="0" cy="0"/>
-        </a:xfrm>
-      </p:grpSpPr>
-      <p:sp>
-        <p:nvSpPr>
-          <p:cNvPr id="2" name="Titolo 1">
-            <a:extLst>
-              <a:ext uri="{FF2B5EF4-FFF2-40B4-BE49-F238E27FC236}">
-                <a16:creationId xmlns:a16="http://schemas.microsoft.com/office/drawing/2014/main" id="{294C2719-F01C-614F-BB10-B5BAE8F4D2CB}"/>
-              </a:ext>
-            </a:extLst>
-          </p:cNvPr>
-          <p:cNvSpPr>
-            <a:spLocks noGrp="1"/>
-          </p:cNvSpPr>
-          <p:nvPr>
-            <p:ph type="title"/>
-          </p:nvPr>
-        </p:nvSpPr>
-        <p:spPr/>
-        <p:txBody>
-          <a:bodyPr/>
-          <a:lstStyle/>
-          <a:p>
-            <a:r>
-              <a:rPr lang="en-US" dirty="0" err="1"/>
-              <a:t>Misure</a:t>
-            </a:r>
-            <a:r>
-              <a:rPr lang="en-US" dirty="0"/>
-              <a:t> di performance del </a:t>
-            </a:r>
-            <a:r>
-              <a:rPr lang="en-US" dirty="0" err="1"/>
-              <a:t>calcolo</a:t>
-            </a:r>
-            <a:r>
-              <a:rPr lang="en-US" dirty="0"/>
-              <a:t> </a:t>
-            </a:r>
-            <a:r>
-              <a:rPr lang="en-US" dirty="0" err="1"/>
-              <a:t>parallelo</a:t>
-            </a:r>
-            <a:endParaRPr lang="en-US" dirty="0"/>
-          </a:p>
-        </p:txBody>
-      </p:sp>
-      <p:sp>
-        <p:nvSpPr>
-          <p:cNvPr id="3" name="Segnaposto contenuto 2">
-            <a:extLst>
-              <a:ext uri="{FF2B5EF4-FFF2-40B4-BE49-F238E27FC236}">
-                <a16:creationId xmlns:a16="http://schemas.microsoft.com/office/drawing/2014/main" id="{CEE4D863-A88D-FE4F-9379-62AE721C7DCD}"/>
-              </a:ext>
-            </a:extLst>
-          </p:cNvPr>
-          <p:cNvSpPr>
-            <a:spLocks noGrp="1"/>
-          </p:cNvSpPr>
-          <p:nvPr>
-            <p:ph idx="1"/>
-          </p:nvPr>
-        </p:nvSpPr>
-        <p:spPr/>
-        <p:txBody>
-          <a:bodyPr/>
-          <a:lstStyle/>
-          <a:p>
-            <a:r>
-              <a:rPr lang="en-US" dirty="0"/>
-              <a:t>Profiling </a:t>
-            </a:r>
-            <a:r>
-              <a:rPr lang="en-US" dirty="0" err="1"/>
-              <a:t>svolto</a:t>
-            </a:r>
-            <a:r>
-              <a:rPr lang="en-US" dirty="0"/>
-              <a:t> con NVIDIA </a:t>
-            </a:r>
-            <a:r>
-              <a:rPr lang="en-US" dirty="0" err="1"/>
-              <a:t>NSight</a:t>
-            </a:r>
-            <a:endParaRPr lang="en-US" dirty="0"/>
-          </a:p>
-          <a:p>
-            <a:r>
-              <a:rPr lang="en-US" dirty="0" err="1"/>
-              <a:t>Risultati</a:t>
-            </a:r>
-            <a:r>
-              <a:rPr lang="en-US" dirty="0"/>
-              <a:t>/</a:t>
-            </a:r>
-            <a:r>
-              <a:rPr lang="en-US" dirty="0" err="1"/>
-              <a:t>Grafici</a:t>
-            </a:r>
-            <a:r>
-              <a:rPr lang="en-US" dirty="0"/>
-              <a:t>...</a:t>
-            </a:r>
-          </a:p>
-        </p:txBody>
-      </p:sp>
-    </p:spTree>
-    <p:extLst>
-      <p:ext uri="{BB962C8B-B14F-4D97-AF65-F5344CB8AC3E}">
-        <p14:creationId xmlns:p14="http://schemas.microsoft.com/office/powerpoint/2010/main" val="301307445"/>
-      </p:ext>
-    </p:extLst>
-  </p:cSld>
-  <p:clrMapOvr>
-    <a:masterClrMapping/>
-  </p:clrMapOvr>
-</p:sld>
-</file>
-
-<file path=ppt/slides/slide19.xml><?xml version="1.0" encoding="utf-8"?>
-<p:sld xmlns:a="http://schemas.openxmlformats.org/drawingml/2006/main" xmlns:r="http://schemas.openxmlformats.org/officeDocument/2006/relationships" xmlns:p="http://schemas.openxmlformats.org/presentationml/2006/main">
-  <p:cSld>
-    <p:spTree>
-      <p:nvGrpSpPr>
-        <p:cNvPr id="1" name=""/>
-        <p:cNvGrpSpPr/>
-        <p:nvPr/>
-      </p:nvGrpSpPr>
-      <p:grpSpPr>
-        <a:xfrm>
-          <a:off x="0" y="0"/>
-          <a:ext cx="0" cy="0"/>
-          <a:chOff x="0" y="0"/>
-          <a:chExt cx="0" cy="0"/>
-        </a:xfrm>
-      </p:grpSpPr>
-      <p:sp>
-        <p:nvSpPr>
-          <p:cNvPr id="2" name="Titolo 1">
-            <a:extLst>
-              <a:ext uri="{FF2B5EF4-FFF2-40B4-BE49-F238E27FC236}">
-                <a16:creationId xmlns:a16="http://schemas.microsoft.com/office/drawing/2014/main" id="{CF2B6822-3A90-8447-A791-553B7866E233}"/>
-              </a:ext>
-            </a:extLst>
-          </p:cNvPr>
-          <p:cNvSpPr>
-            <a:spLocks noGrp="1"/>
-          </p:cNvSpPr>
-          <p:nvPr>
-            <p:ph type="title"/>
-          </p:nvPr>
-        </p:nvSpPr>
-        <p:spPr/>
-        <p:txBody>
-          <a:bodyPr/>
-          <a:lstStyle/>
-          <a:p>
-            <a:r>
-              <a:rPr lang="en-US" dirty="0" err="1"/>
-              <a:t>Confronto</a:t>
-            </a:r>
-            <a:r>
-              <a:rPr lang="en-US" dirty="0"/>
-              <a:t> </a:t>
-            </a:r>
-            <a:r>
-              <a:rPr lang="en-US" dirty="0" err="1"/>
-              <a:t>delle</a:t>
-            </a:r>
-            <a:r>
-              <a:rPr lang="en-US" dirty="0"/>
-              <a:t> performance</a:t>
-            </a:r>
-          </a:p>
-        </p:txBody>
-      </p:sp>
-      <p:sp>
-        <p:nvSpPr>
-          <p:cNvPr id="3" name="Segnaposto contenuto 2">
-            <a:extLst>
-              <a:ext uri="{FF2B5EF4-FFF2-40B4-BE49-F238E27FC236}">
-                <a16:creationId xmlns:a16="http://schemas.microsoft.com/office/drawing/2014/main" id="{9E398C70-8D84-FC4B-9D86-A55C3408BF62}"/>
-              </a:ext>
-            </a:extLst>
-          </p:cNvPr>
-          <p:cNvSpPr>
-            <a:spLocks noGrp="1"/>
-          </p:cNvSpPr>
-          <p:nvPr>
-            <p:ph idx="1"/>
-          </p:nvPr>
-        </p:nvSpPr>
-        <p:spPr/>
-        <p:txBody>
-          <a:bodyPr/>
-          <a:lstStyle/>
-          <a:p>
-            <a:r>
-              <a:rPr lang="en-US" dirty="0" err="1"/>
-              <a:t>Seriale</a:t>
-            </a:r>
-            <a:r>
-              <a:rPr lang="en-US" dirty="0"/>
-              <a:t> vs </a:t>
-            </a:r>
-            <a:r>
-              <a:rPr lang="en-US" dirty="0" err="1"/>
-              <a:t>Parallelo</a:t>
-            </a:r>
-            <a:endParaRPr lang="en-US" dirty="0"/>
-          </a:p>
-        </p:txBody>
-      </p:sp>
-    </p:spTree>
-    <p:extLst>
-      <p:ext uri="{BB962C8B-B14F-4D97-AF65-F5344CB8AC3E}">
-        <p14:creationId xmlns:p14="http://schemas.microsoft.com/office/powerpoint/2010/main" val="2441288735"/>
+        <p14:creationId xmlns:p14="http://schemas.microsoft.com/office/powerpoint/2010/main" val="3957637519"/>
       </p:ext>
     </p:extLst>
   </p:cSld>
@@ -11831,6 +12980,11 @@
               <a:rPr lang="en-US" dirty="0"/>
               <a:t>Legenda</a:t>
             </a:r>
+            <a:endParaRPr lang="en-US" dirty="0">
+              <a:solidFill>
+                <a:srgbClr val="FF0000"/>
+              </a:solidFill>
+            </a:endParaRPr>
           </a:p>
         </p:txBody>
       </p:sp>
@@ -11850,231 +13004,116 @@
             <p:ph idx="1"/>
           </p:nvPr>
         </p:nvSpPr>
-        <p:spPr/>
+        <p:spPr>
+          <a:xfrm>
+            <a:off x="838200" y="2286000"/>
+            <a:ext cx="10515600" cy="3860800"/>
+          </a:xfrm>
+        </p:spPr>
         <p:txBody>
           <a:bodyPr>
-            <a:normAutofit fontScale="55000" lnSpcReduction="20000"/>
+            <a:normAutofit fontScale="92500" lnSpcReduction="10000"/>
           </a:bodyPr>
           <a:lstStyle/>
           <a:p>
-            <a:r>
-              <a:rPr lang="en-US" dirty="0"/>
-              <a:t>Call graph di Particles Simulation</a:t>
-            </a:r>
-          </a:p>
-          <a:p>
-            <a:r>
-              <a:rPr lang="en-US" dirty="0" err="1"/>
-              <a:t>Misure</a:t>
-            </a:r>
-            <a:r>
-              <a:rPr lang="en-US" dirty="0"/>
+            <a:pPr marL="514350" indent="-514350">
+              <a:buFont typeface="+mj-lt"/>
+              <a:buAutoNum type="arabicPeriod"/>
+            </a:pPr>
+            <a:r>
+              <a:rPr lang="en-US" sz="3200" dirty="0"/>
+              <a:t>Overview del programma Particles Simulation</a:t>
+            </a:r>
+          </a:p>
+          <a:p>
+            <a:pPr marL="514350" indent="-514350">
+              <a:buFont typeface="+mj-lt"/>
+              <a:buAutoNum type="arabicPeriod"/>
+            </a:pPr>
+            <a:r>
+              <a:rPr lang="en-US" sz="3200" dirty="0" err="1"/>
+              <a:t>Analisi delle prestazioni e misure</a:t>
+            </a:r>
+            <a:r>
+              <a:rPr lang="en-US" sz="3200" dirty="0"/>
               <a:t> di performance del </a:t>
             </a:r>
             <a:r>
-              <a:rPr lang="en-US" dirty="0" err="1"/>
+              <a:rPr lang="en-US" sz="3200" dirty="0" err="1"/>
               <a:t>calcolo</a:t>
             </a:r>
             <a:r>
-              <a:rPr lang="en-US" dirty="0"/>
+              <a:rPr lang="en-US" sz="3200" dirty="0"/>
               <a:t> </a:t>
             </a:r>
             <a:r>
-              <a:rPr lang="en-US" dirty="0" err="1"/>
+              <a:rPr lang="en-US" sz="3200" dirty="0" err="1"/>
               <a:t>seriale</a:t>
             </a:r>
-            <a:r>
-              <a:rPr lang="en-US" dirty="0"/>
-              <a:t> (+ </a:t>
-            </a:r>
-            <a:r>
-              <a:rPr lang="en-US" dirty="0" err="1"/>
-              <a:t>descrizione</a:t>
-            </a:r>
-            <a:r>
-              <a:rPr lang="en-US" dirty="0"/>
-              <a:t> hardware)</a:t>
-            </a:r>
-          </a:p>
-          <a:p>
-            <a:pPr lvl="1"/>
-            <a:r>
-              <a:rPr lang="en-US" dirty="0" err="1"/>
-              <a:t>Aggiungere</a:t>
-            </a:r>
-            <a:r>
-              <a:rPr lang="en-US" dirty="0"/>
+          </a:p>
+          <a:p>
+            <a:pPr marL="514350" indent="-514350">
+              <a:buFont typeface="+mj-lt"/>
+              <a:buAutoNum type="arabicPeriod"/>
+            </a:pPr>
+            <a:r>
+              <a:rPr lang="en-US" sz="3200" dirty="0" err="1"/>
+              <a:t>Ottimizzazione del codice</a:t>
+            </a:r>
+            <a:endParaRPr lang="en-US" sz="3200" dirty="0"/>
+          </a:p>
+          <a:p>
+            <a:pPr marL="514350" indent="-514350">
+              <a:buFont typeface="+mj-lt"/>
+              <a:buAutoNum type="arabicPeriod"/>
+            </a:pPr>
+            <a:r>
+              <a:rPr lang="en-US" sz="3200" dirty="0"/>
+              <a:t>Call graph del </a:t>
+            </a:r>
+            <a:r>
+              <a:rPr lang="en-US" sz="3200" dirty="0" err="1"/>
+              <a:t>programma</a:t>
+            </a:r>
+            <a:r>
+              <a:rPr lang="en-US" sz="3200" dirty="0"/>
               <a:t> </a:t>
             </a:r>
             <a:r>
-              <a:rPr lang="en-US" dirty="0" err="1"/>
-              <a:t>calcolo</a:t>
-            </a:r>
-            <a:r>
-              <a:rPr lang="en-US" dirty="0"/>
-              <a:t> throughput</a:t>
-            </a:r>
-          </a:p>
-          <a:p>
-            <a:r>
-              <a:rPr lang="en-US" dirty="0" err="1"/>
-              <a:t>Versione</a:t>
-            </a:r>
-            <a:r>
-              <a:rPr lang="en-US"/>
-              <a:t> 1 e 3</a:t>
-            </a:r>
-            <a:endParaRPr lang="en-US" dirty="0"/>
-          </a:p>
-          <a:p>
-            <a:r>
-              <a:rPr lang="en-US" dirty="0" err="1"/>
-              <a:t>Ottimizzazione</a:t>
-            </a:r>
-            <a:r>
-              <a:rPr lang="en-US" dirty="0"/>
-              <a:t> di </a:t>
-            </a:r>
-            <a:r>
-              <a:rPr lang="en-US" dirty="0" err="1"/>
-              <a:t>ForceCompt</a:t>
-            </a:r>
-            <a:endParaRPr lang="en-US" dirty="0"/>
-          </a:p>
-          <a:p>
-            <a:r>
-              <a:rPr lang="en-US" dirty="0" err="1"/>
-              <a:t>Ottimizzazione</a:t>
-            </a:r>
-            <a:r>
-              <a:rPr lang="en-US" dirty="0"/>
-              <a:t> di </a:t>
-            </a:r>
-            <a:r>
-              <a:rPr lang="en-US" dirty="0" err="1"/>
-              <a:t>ComptPopulation</a:t>
-            </a:r>
-            <a:endParaRPr lang="en-US" dirty="0"/>
-          </a:p>
-          <a:p>
-            <a:r>
-              <a:rPr lang="en-US" dirty="0" err="1"/>
-              <a:t>Ottimizzazione</a:t>
-            </a:r>
-            <a:r>
-              <a:rPr lang="en-US" dirty="0"/>
-              <a:t> di </a:t>
-            </a:r>
-            <a:r>
-              <a:rPr lang="en-US" dirty="0" err="1"/>
-              <a:t>DumpPopulation</a:t>
-            </a:r>
-            <a:endParaRPr lang="en-US" dirty="0"/>
-          </a:p>
-          <a:p>
-            <a:r>
-              <a:rPr lang="en-US" dirty="0"/>
-              <a:t>Call graph del </a:t>
-            </a:r>
-            <a:r>
-              <a:rPr lang="en-US" dirty="0" err="1"/>
-              <a:t>programma</a:t>
-            </a:r>
-            <a:r>
-              <a:rPr lang="en-US" dirty="0"/>
-              <a:t> </a:t>
-            </a:r>
-            <a:r>
-              <a:rPr lang="en-US" dirty="0" err="1"/>
+              <a:rPr lang="en-US" sz="3200" dirty="0" err="1"/>
               <a:t>ottimizzato</a:t>
             </a:r>
-            <a:endParaRPr lang="en-US" dirty="0"/>
-          </a:p>
-          <a:p>
-            <a:r>
-              <a:rPr lang="en-US" dirty="0" err="1"/>
-              <a:t>Misure</a:t>
-            </a:r>
-            <a:r>
-              <a:rPr lang="en-US" dirty="0"/>
-              <a:t> di performance del </a:t>
-            </a:r>
-            <a:r>
-              <a:rPr lang="en-US" dirty="0" err="1"/>
-              <a:t>programma</a:t>
-            </a:r>
-            <a:r>
-              <a:rPr lang="en-US" dirty="0"/>
-              <a:t> </a:t>
-            </a:r>
-            <a:r>
-              <a:rPr lang="en-US" dirty="0" err="1"/>
-              <a:t>ottimizzato</a:t>
-            </a:r>
-            <a:endParaRPr lang="en-US" dirty="0"/>
-          </a:p>
-          <a:p>
-            <a:pPr lvl="1"/>
-            <a:r>
-              <a:rPr lang="en-US" dirty="0"/>
-              <a:t>Timing</a:t>
-            </a:r>
-          </a:p>
-          <a:p>
-            <a:pPr lvl="1"/>
-            <a:r>
-              <a:rPr lang="en-US" dirty="0" err="1"/>
-              <a:t>Bandwith</a:t>
-            </a:r>
-            <a:endParaRPr lang="en-US" dirty="0"/>
-          </a:p>
-          <a:p>
-            <a:pPr lvl="1"/>
-            <a:r>
-              <a:rPr lang="en-US" dirty="0" err="1"/>
-              <a:t>Thrughput</a:t>
-            </a:r>
-            <a:endParaRPr lang="en-US" dirty="0"/>
-          </a:p>
-          <a:p>
-            <a:r>
-              <a:rPr lang="en-US" dirty="0" err="1"/>
-              <a:t>Confronto</a:t>
-            </a:r>
-            <a:r>
-              <a:rPr lang="en-US" dirty="0"/>
-              <a:t> </a:t>
-            </a:r>
-            <a:r>
-              <a:rPr lang="en-US" dirty="0" err="1"/>
-              <a:t>delle</a:t>
-            </a:r>
-            <a:r>
-              <a:rPr lang="en-US" dirty="0"/>
-              <a:t> performance</a:t>
-            </a:r>
-          </a:p>
-          <a:p>
-            <a:r>
-              <a:rPr lang="en-US" dirty="0" err="1"/>
-              <a:t>Ulteriori</a:t>
-            </a:r>
-            <a:r>
-              <a:rPr lang="en-US" dirty="0"/>
-              <a:t> </a:t>
-            </a:r>
-            <a:r>
-              <a:rPr lang="en-US" dirty="0" err="1"/>
-              <a:t>miglioramenti</a:t>
-            </a:r>
-            <a:endParaRPr lang="en-US" dirty="0"/>
-          </a:p>
-          <a:p>
-            <a:r>
-              <a:rPr lang="en-US" dirty="0" err="1"/>
-              <a:t>Conclusioni</a:t>
-            </a:r>
-            <a:endParaRPr lang="en-US" dirty="0"/>
+          </a:p>
+          <a:p>
+            <a:pPr marL="514350" indent="-514350">
+              <a:buFont typeface="+mj-lt"/>
+              <a:buAutoNum type="arabicPeriod"/>
+            </a:pPr>
+            <a:r>
+              <a:rPr lang="en-US" sz="3200" dirty="0"/>
+              <a:t>Performance threshold</a:t>
+            </a:r>
+          </a:p>
+          <a:p>
+            <a:pPr marL="514350" indent="-514350">
+              <a:buFont typeface="+mj-lt"/>
+              <a:buAutoNum type="arabicPeriod"/>
+            </a:pPr>
+            <a:r>
+              <a:rPr lang="en-US" sz="3200" dirty="0"/>
+              <a:t>Ottimizzazioni alternative</a:t>
+            </a:r>
+          </a:p>
+          <a:p>
+            <a:pPr marL="514350" indent="-514350">
+              <a:buFont typeface="+mj-lt"/>
+              <a:buAutoNum type="arabicPeriod"/>
+            </a:pPr>
+            <a:r>
+              <a:rPr lang="en-US" sz="3200" dirty="0" err="1"/>
+              <a:t>Confronto delle performance e conclusioni</a:t>
+            </a:r>
+            <a:endParaRPr lang="en-US" sz="3200" dirty="0"/>
           </a:p>
         </p:txBody>
       </p:sp>
@@ -12082,215 +13121,6 @@
     <p:extLst>
       <p:ext uri="{BB962C8B-B14F-4D97-AF65-F5344CB8AC3E}">
         <p14:creationId xmlns:p14="http://schemas.microsoft.com/office/powerpoint/2010/main" val="4092730073"/>
-      </p:ext>
-    </p:extLst>
-  </p:cSld>
-  <p:clrMapOvr>
-    <a:masterClrMapping/>
-  </p:clrMapOvr>
-</p:sld>
-</file>
-
-<file path=ppt/slides/slide20.xml><?xml version="1.0" encoding="utf-8"?>
-<p:sld xmlns:a="http://schemas.openxmlformats.org/drawingml/2006/main" xmlns:r="http://schemas.openxmlformats.org/officeDocument/2006/relationships" xmlns:p="http://schemas.openxmlformats.org/presentationml/2006/main">
-  <p:cSld>
-    <p:spTree>
-      <p:nvGrpSpPr>
-        <p:cNvPr id="1" name=""/>
-        <p:cNvGrpSpPr/>
-        <p:nvPr/>
-      </p:nvGrpSpPr>
-      <p:grpSpPr>
-        <a:xfrm>
-          <a:off x="0" y="0"/>
-          <a:ext cx="0" cy="0"/>
-          <a:chOff x="0" y="0"/>
-          <a:chExt cx="0" cy="0"/>
-        </a:xfrm>
-      </p:grpSpPr>
-      <p:sp>
-        <p:nvSpPr>
-          <p:cNvPr id="2" name="Titolo 1">
-            <a:extLst>
-              <a:ext uri="{FF2B5EF4-FFF2-40B4-BE49-F238E27FC236}">
-                <a16:creationId xmlns:a16="http://schemas.microsoft.com/office/drawing/2014/main" id="{33C2AFAF-9691-2E4A-801A-4BA66830846C}"/>
-              </a:ext>
-            </a:extLst>
-          </p:cNvPr>
-          <p:cNvSpPr>
-            <a:spLocks noGrp="1"/>
-          </p:cNvSpPr>
-          <p:nvPr>
-            <p:ph type="title"/>
-          </p:nvPr>
-        </p:nvSpPr>
-        <p:spPr/>
-        <p:txBody>
-          <a:bodyPr/>
-          <a:lstStyle/>
-          <a:p>
-            <a:r>
-              <a:rPr lang="en-US" dirty="0" err="1"/>
-              <a:t>Possibili</a:t>
-            </a:r>
-            <a:r>
-              <a:rPr lang="en-US" dirty="0"/>
-              <a:t> </a:t>
-            </a:r>
-            <a:r>
-              <a:rPr lang="en-US" dirty="0" err="1"/>
-              <a:t>ulteriori</a:t>
-            </a:r>
-            <a:r>
-              <a:rPr lang="en-US" dirty="0"/>
-              <a:t> </a:t>
-            </a:r>
-            <a:r>
-              <a:rPr lang="en-US" dirty="0" err="1"/>
-              <a:t>miglioramenti</a:t>
-            </a:r>
-            <a:r>
-              <a:rPr lang="en-US" dirty="0"/>
-              <a:t> </a:t>
-            </a:r>
-          </a:p>
-        </p:txBody>
-      </p:sp>
-      <p:sp>
-        <p:nvSpPr>
-          <p:cNvPr id="3" name="Segnaposto contenuto 2">
-            <a:extLst>
-              <a:ext uri="{FF2B5EF4-FFF2-40B4-BE49-F238E27FC236}">
-                <a16:creationId xmlns:a16="http://schemas.microsoft.com/office/drawing/2014/main" id="{794E3DCC-243C-EE47-B83D-2EB9921639A3}"/>
-              </a:ext>
-            </a:extLst>
-          </p:cNvPr>
-          <p:cNvSpPr>
-            <a:spLocks noGrp="1"/>
-          </p:cNvSpPr>
-          <p:nvPr>
-            <p:ph idx="1"/>
-          </p:nvPr>
-        </p:nvSpPr>
-        <p:spPr/>
-        <p:txBody>
-          <a:bodyPr/>
-          <a:lstStyle/>
-          <a:p>
-            <a:endParaRPr lang="en-US" dirty="0"/>
-          </a:p>
-        </p:txBody>
-      </p:sp>
-    </p:spTree>
-    <p:extLst>
-      <p:ext uri="{BB962C8B-B14F-4D97-AF65-F5344CB8AC3E}">
-        <p14:creationId xmlns:p14="http://schemas.microsoft.com/office/powerpoint/2010/main" val="3184103583"/>
-      </p:ext>
-    </p:extLst>
-  </p:cSld>
-  <p:clrMapOvr>
-    <a:masterClrMapping/>
-  </p:clrMapOvr>
-</p:sld>
-</file>
-
-<file path=ppt/slides/slide21.xml><?xml version="1.0" encoding="utf-8"?>
-<p:sld xmlns:a="http://schemas.openxmlformats.org/drawingml/2006/main" xmlns:r="http://schemas.openxmlformats.org/officeDocument/2006/relationships" xmlns:p="http://schemas.openxmlformats.org/presentationml/2006/main">
-  <p:cSld>
-    <p:spTree>
-      <p:nvGrpSpPr>
-        <p:cNvPr id="1" name=""/>
-        <p:cNvGrpSpPr/>
-        <p:nvPr/>
-      </p:nvGrpSpPr>
-      <p:grpSpPr>
-        <a:xfrm>
-          <a:off x="0" y="0"/>
-          <a:ext cx="0" cy="0"/>
-          <a:chOff x="0" y="0"/>
-          <a:chExt cx="0" cy="0"/>
-        </a:xfrm>
-      </p:grpSpPr>
-      <p:sp>
-        <p:nvSpPr>
-          <p:cNvPr id="2" name="Titolo 1">
-            <a:extLst>
-              <a:ext uri="{FF2B5EF4-FFF2-40B4-BE49-F238E27FC236}">
-                <a16:creationId xmlns:a16="http://schemas.microsoft.com/office/drawing/2014/main" id="{73765DFF-39E7-D840-93DF-35E5C55C4C18}"/>
-              </a:ext>
-            </a:extLst>
-          </p:cNvPr>
-          <p:cNvSpPr>
-            <a:spLocks noGrp="1"/>
-          </p:cNvSpPr>
-          <p:nvPr>
-            <p:ph type="title"/>
-          </p:nvPr>
-        </p:nvSpPr>
-        <p:spPr/>
-        <p:txBody>
-          <a:bodyPr/>
-          <a:lstStyle/>
-          <a:p>
-            <a:r>
-              <a:rPr lang="en-US" dirty="0" err="1"/>
-              <a:t>Conclusioni</a:t>
-            </a:r>
-            <a:endParaRPr lang="en-US" dirty="0"/>
-          </a:p>
-        </p:txBody>
-      </p:sp>
-      <p:sp>
-        <p:nvSpPr>
-          <p:cNvPr id="3" name="Segnaposto contenuto 2">
-            <a:extLst>
-              <a:ext uri="{FF2B5EF4-FFF2-40B4-BE49-F238E27FC236}">
-                <a16:creationId xmlns:a16="http://schemas.microsoft.com/office/drawing/2014/main" id="{39B74AF5-7092-2D4A-A4CD-C83BD198935C}"/>
-              </a:ext>
-            </a:extLst>
-          </p:cNvPr>
-          <p:cNvSpPr>
-            <a:spLocks noGrp="1"/>
-          </p:cNvSpPr>
-          <p:nvPr>
-            <p:ph idx="1"/>
-          </p:nvPr>
-        </p:nvSpPr>
-        <p:spPr/>
-        <p:txBody>
-          <a:bodyPr/>
-          <a:lstStyle/>
-          <a:p>
-            <a:r>
-              <a:rPr lang="en-US" dirty="0"/>
-              <a:t>Lo speed-up </a:t>
-            </a:r>
-            <a:r>
-              <a:rPr lang="en-US" dirty="0" err="1"/>
-              <a:t>è</a:t>
-            </a:r>
-            <a:r>
-              <a:rPr lang="en-US" dirty="0"/>
-              <a:t> 18x, me </a:t>
-            </a:r>
-            <a:r>
-              <a:rPr lang="en-US" dirty="0" err="1"/>
-              <a:t>cojoni</a:t>
-            </a:r>
-            <a:r>
-              <a:rPr lang="en-US" dirty="0"/>
-              <a:t>.</a:t>
-            </a:r>
-          </a:p>
-          <a:p>
-            <a:endParaRPr lang="en-US" dirty="0"/>
-          </a:p>
-        </p:txBody>
-      </p:sp>
-    </p:spTree>
-    <p:extLst>
-      <p:ext uri="{BB962C8B-B14F-4D97-AF65-F5344CB8AC3E}">
-        <p14:creationId xmlns:p14="http://schemas.microsoft.com/office/powerpoint/2010/main" val="273078214"/>
       </p:ext>
     </p:extLst>
   </p:cSld>
@@ -13951,7 +14781,7 @@
             <a:pPr algn="ctr"/>
             <a:r>
               <a:rPr lang="en-GB" dirty="0"/>
-              <a:t>HARDWARE USED </a:t>
+              <a:t>HARDWARE USATO </a:t>
             </a:r>
           </a:p>
         </p:txBody>
@@ -13998,14 +14828,14 @@
             <a:pPr algn="ctr"/>
             <a:r>
               <a:rPr lang="en-GB" dirty="0"/>
-              <a:t>TECHNICAL</a:t>
+              <a:t>16 core</a:t>
             </a:r>
           </a:p>
           <a:p>
             <a:pPr algn="ctr"/>
             <a:r>
               <a:rPr lang="en-GB" dirty="0"/>
-              <a:t>SPECIFICATIONS</a:t>
+              <a:t>32 GB RAM</a:t>
             </a:r>
           </a:p>
         </p:txBody>
@@ -14361,8 +15191,8 @@
         </p:nvSpPr>
         <p:spPr>
           <a:xfrm>
-            <a:off x="4513483" y="5866878"/>
-            <a:ext cx="3425184" cy="369332"/>
+            <a:off x="4513482" y="5866878"/>
+            <a:ext cx="4576729" cy="369332"/>
           </a:xfrm>
           <a:prstGeom prst="rect">
             <a:avLst/>
@@ -14374,7 +15204,7 @@
           </a:ln>
         </p:spPr>
         <p:txBody>
-          <a:bodyPr vert="horz" lIns="91440" tIns="45720" rIns="91440" bIns="45720" rtlCol="0" anchor="ctr" anchorCtr="0">
+          <a:bodyPr vert="horz" wrap="square" lIns="91440" tIns="45720" rIns="91440" bIns="45720" rtlCol="0" anchor="ctr" anchorCtr="0">
             <a:spAutoFit/>
           </a:bodyPr>
           <a:lstStyle>
@@ -14547,7 +15377,7 @@
             </a:pPr>
             <a:r>
               <a:rPr lang="en-US" sz="2000" i="1" dirty="0"/>
-              <a:t>Total time 3m29,220s</a:t>
+              <a:t>Total time 107s (media di 10 test)</a:t>
             </a:r>
           </a:p>
         </p:txBody>
@@ -14803,6 +15633,79 @@
           </a:fontRef>
         </p:style>
       </p:cxnSp>
+      <p:sp>
+        <p:nvSpPr>
+          <p:cNvPr id="18" name="CasellaDiTesto 17">
+            <a:extLst>
+              <a:ext uri="{FF2B5EF4-FFF2-40B4-BE49-F238E27FC236}">
+                <a16:creationId xmlns:a16="http://schemas.microsoft.com/office/drawing/2014/main" id="{5DCFFC8A-CABE-A748-8343-4CF0AF0B7BF9}"/>
+              </a:ext>
+            </a:extLst>
+          </p:cNvPr>
+          <p:cNvSpPr txBox="1"/>
+          <p:nvPr/>
+        </p:nvSpPr>
+        <p:spPr>
+          <a:xfrm>
+            <a:off x="6315097" y="1557139"/>
+            <a:ext cx="6096000" cy="1200329"/>
+          </a:xfrm>
+          <a:prstGeom prst="rect">
+            <a:avLst/>
+          </a:prstGeom>
+          <a:noFill/>
+        </p:spPr>
+        <p:txBody>
+          <a:bodyPr wrap="square">
+            <a:spAutoFit/>
+          </a:bodyPr>
+          <a:lstStyle/>
+          <a:p>
+            <a:pPr algn="ctr"/>
+            <a:r>
+              <a:rPr lang="en-GB" dirty="0">
+                <a:solidFill>
+                  <a:srgbClr val="FF0000"/>
+                </a:solidFill>
+              </a:rPr>
+              <a:t>TODO</a:t>
+            </a:r>
+          </a:p>
+          <a:p>
+            <a:pPr algn="ctr"/>
+            <a:r>
+              <a:rPr lang="en-GB" dirty="0">
+                <a:solidFill>
+                  <a:srgbClr val="FF0000"/>
+                </a:solidFill>
+              </a:rPr>
+              <a:t>RIFARE ANALISI GPROF SERIAL</a:t>
+            </a:r>
+          </a:p>
+          <a:p>
+            <a:pPr algn="ctr"/>
+            <a:r>
+              <a:rPr lang="en-GB" dirty="0">
+                <a:solidFill>
+                  <a:srgbClr val="FF0000"/>
+                </a:solidFill>
+              </a:rPr>
+              <a:t>INSERIRE DETTAGLI MACCHINA USATA PER TEST</a:t>
+            </a:r>
+          </a:p>
+          <a:p>
+            <a:pPr algn="ctr"/>
+            <a:r>
+              <a:rPr lang="en-GB" dirty="0">
+                <a:solidFill>
+                  <a:srgbClr val="FF0000"/>
+                </a:solidFill>
+              </a:rPr>
+              <a:t>CONTROLLARE NUMERI E PERCENTUALI</a:t>
+            </a:r>
+          </a:p>
+        </p:txBody>
+      </p:sp>
     </p:spTree>
     <p:extLst>
       <p:ext uri="{BB962C8B-B14F-4D97-AF65-F5344CB8AC3E}">
@@ -14893,7 +15796,7 @@
         <p:spPr>
           <a:xfrm>
             <a:off x="519545" y="2569098"/>
-            <a:ext cx="7628479" cy="3139321"/>
+            <a:ext cx="7628479" cy="3046988"/>
           </a:xfrm>
           <a:prstGeom prst="rect">
             <a:avLst/>
@@ -14911,7 +15814,7 @@
           <a:lstStyle/>
           <a:p>
             <a:r>
-              <a:rPr lang="it-IT" noProof="1">
+              <a:rPr lang="it-IT" sz="1600" noProof="1">
                 <a:solidFill>
                   <a:srgbClr val="C586C0"/>
                 </a:solidFill>
@@ -14920,7 +15823,7 @@
               <a:t>for</a:t>
             </a:r>
             <a:r>
-              <a:rPr lang="it-IT" noProof="1">
+              <a:rPr lang="it-IT" sz="1600" noProof="1">
                 <a:solidFill>
                   <a:srgbClr val="D4D4D4"/>
                 </a:solidFill>
@@ -14929,7 +15832,7 @@
               <a:t> ( i=</a:t>
             </a:r>
             <a:r>
-              <a:rPr lang="it-IT" noProof="1">
+              <a:rPr lang="it-IT" sz="1600" noProof="1">
                 <a:solidFill>
                   <a:srgbClr val="B5CEA8"/>
                 </a:solidFill>
@@ -14938,7 +15841,7 @@
               <a:t>0</a:t>
             </a:r>
             <a:r>
-              <a:rPr lang="it-IT" noProof="1">
+              <a:rPr lang="it-IT" sz="1600" noProof="1">
                 <a:solidFill>
                   <a:srgbClr val="D4D4D4"/>
                 </a:solidFill>
@@ -14949,7 +15852,7 @@
           </a:p>
           <a:p>
             <a:r>
-              <a:rPr lang="it-IT" noProof="1">
+              <a:rPr lang="it-IT" sz="1600" noProof="1">
                 <a:solidFill>
                   <a:srgbClr val="DCDCAA"/>
                 </a:solidFill>
@@ -14958,7 +15861,7 @@
               <a:t> newparticle</a:t>
             </a:r>
             <a:r>
-              <a:rPr lang="it-IT" noProof="1">
+              <a:rPr lang="it-IT" sz="1600" noProof="1">
                 <a:solidFill>
                   <a:srgbClr val="D4D4D4"/>
                 </a:solidFill>
@@ -14967,7 +15870,7 @@
               <a:t>(&amp;p1,</a:t>
             </a:r>
             <a:r>
-              <a:rPr lang="it-IT" noProof="1">
+              <a:rPr lang="it-IT" sz="1600" noProof="1">
                 <a:solidFill>
                   <a:srgbClr val="9CDCFE"/>
                 </a:solidFill>
@@ -14976,7 +15879,7 @@
               <a:t>pp</a:t>
             </a:r>
             <a:r>
-              <a:rPr lang="it-IT" noProof="1">
+              <a:rPr lang="it-IT" sz="1600" noProof="1">
                 <a:solidFill>
                   <a:srgbClr val="D4D4D4"/>
                 </a:solidFill>
@@ -14985,7 +15888,7 @@
               <a:t>-&gt;</a:t>
             </a:r>
             <a:r>
-              <a:rPr lang="it-IT" noProof="1">
+              <a:rPr lang="it-IT" sz="1600" noProof="1">
                 <a:solidFill>
                   <a:srgbClr val="9CDCFE"/>
                 </a:solidFill>
@@ -14994,7 +15897,7 @@
               <a:t>weight</a:t>
             </a:r>
             <a:r>
-              <a:rPr lang="it-IT" noProof="1">
+              <a:rPr lang="it-IT" sz="1600" noProof="1">
                 <a:solidFill>
                   <a:srgbClr val="D4D4D4"/>
                 </a:solidFill>
@@ -15003,7 +15906,7 @@
               <a:t>[i],</a:t>
             </a:r>
             <a:r>
-              <a:rPr lang="it-IT" noProof="1">
+              <a:rPr lang="it-IT" sz="1600" noProof="1">
                 <a:solidFill>
                   <a:srgbClr val="9CDCFE"/>
                 </a:solidFill>
@@ -15012,7 +15915,7 @@
               <a:t>pp</a:t>
             </a:r>
             <a:r>
-              <a:rPr lang="it-IT" noProof="1">
+              <a:rPr lang="it-IT" sz="1600" noProof="1">
                 <a:solidFill>
                   <a:srgbClr val="D4D4D4"/>
                 </a:solidFill>
@@ -15021,7 +15924,7 @@
               <a:t>-&gt;</a:t>
             </a:r>
             <a:r>
-              <a:rPr lang="it-IT" noProof="1">
+              <a:rPr lang="it-IT" sz="1600" noProof="1">
                 <a:solidFill>
                   <a:srgbClr val="9CDCFE"/>
                 </a:solidFill>
@@ -15030,7 +15933,7 @@
               <a:t>x</a:t>
             </a:r>
             <a:r>
-              <a:rPr lang="it-IT" noProof="1">
+              <a:rPr lang="it-IT" sz="1600" noProof="1">
                 <a:solidFill>
                   <a:srgbClr val="D4D4D4"/>
                 </a:solidFill>
@@ -15039,7 +15942,7 @@
               <a:t>[i],</a:t>
             </a:r>
             <a:r>
-              <a:rPr lang="it-IT" noProof="1">
+              <a:rPr lang="it-IT" sz="1600" noProof="1">
                 <a:solidFill>
                   <a:srgbClr val="9CDCFE"/>
                 </a:solidFill>
@@ -15048,7 +15951,7 @@
               <a:t>pp</a:t>
             </a:r>
             <a:r>
-              <a:rPr lang="it-IT" noProof="1">
+              <a:rPr lang="it-IT" sz="1600" noProof="1">
                 <a:solidFill>
                   <a:srgbClr val="D4D4D4"/>
                 </a:solidFill>
@@ -15057,7 +15960,7 @@
               <a:t>-&gt;</a:t>
             </a:r>
             <a:r>
-              <a:rPr lang="it-IT" noProof="1">
+              <a:rPr lang="it-IT" sz="1600" noProof="1">
                 <a:solidFill>
                   <a:srgbClr val="9CDCFE"/>
                 </a:solidFill>
@@ -15066,7 +15969,7 @@
               <a:t>y</a:t>
             </a:r>
             <a:r>
-              <a:rPr lang="it-IT" noProof="1">
+              <a:rPr lang="it-IT" sz="1600" noProof="1">
                 <a:solidFill>
                   <a:srgbClr val="D4D4D4"/>
                 </a:solidFill>
@@ -15075,7 +15978,7 @@
               <a:t>[i],</a:t>
             </a:r>
             <a:r>
-              <a:rPr lang="it-IT" noProof="1">
+              <a:rPr lang="it-IT" sz="1600" noProof="1">
                 <a:solidFill>
                   <a:srgbClr val="9CDCFE"/>
                 </a:solidFill>
@@ -15084,7 +15987,7 @@
               <a:t>pp</a:t>
             </a:r>
             <a:r>
-              <a:rPr lang="it-IT" noProof="1">
+              <a:rPr lang="it-IT" sz="1600" noProof="1">
                 <a:solidFill>
                   <a:srgbClr val="D4D4D4"/>
                 </a:solidFill>
@@ -15093,7 +15996,7 @@
               <a:t>-&gt;</a:t>
             </a:r>
             <a:r>
-              <a:rPr lang="it-IT" noProof="1">
+              <a:rPr lang="it-IT" sz="1600" noProof="1">
                 <a:solidFill>
                   <a:srgbClr val="9CDCFE"/>
                 </a:solidFill>
@@ -15102,7 +16005,7 @@
               <a:t>vx</a:t>
             </a:r>
             <a:r>
-              <a:rPr lang="it-IT" noProof="1">
+              <a:rPr lang="it-IT" sz="1600" noProof="1">
                 <a:solidFill>
                   <a:srgbClr val="D4D4D4"/>
                 </a:solidFill>
@@ -15111,7 +16014,7 @@
               <a:t>[i],</a:t>
             </a:r>
             <a:r>
-              <a:rPr lang="it-IT" noProof="1">
+              <a:rPr lang="it-IT" sz="1600" noProof="1">
                 <a:solidFill>
                   <a:srgbClr val="9CDCFE"/>
                 </a:solidFill>
@@ -15120,7 +16023,7 @@
               <a:t>pp</a:t>
             </a:r>
             <a:r>
-              <a:rPr lang="it-IT" noProof="1">
+              <a:rPr lang="it-IT" sz="1600" noProof="1">
                 <a:solidFill>
                   <a:srgbClr val="D4D4D4"/>
                 </a:solidFill>
@@ -15129,7 +16032,7 @@
               <a:t>-&gt;</a:t>
             </a:r>
             <a:r>
-              <a:rPr lang="it-IT" noProof="1">
+              <a:rPr lang="it-IT" sz="1600" noProof="1">
                 <a:solidFill>
                   <a:srgbClr val="9CDCFE"/>
                 </a:solidFill>
@@ -15138,7 +16041,7 @@
               <a:t>vy</a:t>
             </a:r>
             <a:r>
-              <a:rPr lang="it-IT" noProof="1">
+              <a:rPr lang="it-IT" sz="1600" noProof="1">
                 <a:solidFill>
                   <a:srgbClr val="D4D4D4"/>
                 </a:solidFill>
@@ -15149,7 +16052,7 @@
           </a:p>
           <a:p>
             <a:r>
-              <a:rPr lang="it-IT" noProof="1">
+              <a:rPr lang="it-IT" sz="1600" noProof="1">
                 <a:solidFill>
                   <a:srgbClr val="C586C0"/>
                 </a:solidFill>
@@ -15158,7 +16061,7 @@
               <a:t> for</a:t>
             </a:r>
             <a:r>
-              <a:rPr lang="it-IT" noProof="1">
+              <a:rPr lang="it-IT" sz="1600" noProof="1">
                 <a:solidFill>
                   <a:srgbClr val="D4D4D4"/>
                 </a:solidFill>
@@ -15167,7 +16070,7 @@
               <a:t> ( j=</a:t>
             </a:r>
             <a:r>
-              <a:rPr lang="it-IT" noProof="1">
+              <a:rPr lang="it-IT" sz="1600" noProof="1">
                 <a:solidFill>
                   <a:srgbClr val="B5CEA8"/>
                 </a:solidFill>
@@ -15176,7 +16079,7 @@
               <a:t>0</a:t>
             </a:r>
             <a:r>
-              <a:rPr lang="it-IT" noProof="1">
+              <a:rPr lang="it-IT" sz="1600" noProof="1">
                 <a:solidFill>
                   <a:srgbClr val="D4D4D4"/>
                 </a:solidFill>
@@ -15185,7 +16088,7 @@
               <a:t>; j &lt; </a:t>
             </a:r>
             <a:r>
-              <a:rPr lang="it-IT" noProof="1">
+              <a:rPr lang="it-IT" sz="1600" noProof="1">
                 <a:solidFill>
                   <a:srgbClr val="9CDCFE"/>
                 </a:solidFill>
@@ -15194,7 +16097,7 @@
               <a:t>pp</a:t>
             </a:r>
             <a:r>
-              <a:rPr lang="it-IT" noProof="1">
+              <a:rPr lang="it-IT" sz="1600" noProof="1">
                 <a:solidFill>
                   <a:srgbClr val="D4D4D4"/>
                 </a:solidFill>
@@ -15203,7 +16106,7 @@
               <a:t>-&gt;</a:t>
             </a:r>
             <a:r>
-              <a:rPr lang="it-IT" noProof="1">
+              <a:rPr lang="it-IT" sz="1600" noProof="1">
                 <a:solidFill>
                   <a:srgbClr val="9CDCFE"/>
                 </a:solidFill>
@@ -15212,7 +16115,7 @@
               <a:t>np</a:t>
             </a:r>
             <a:r>
-              <a:rPr lang="it-IT" noProof="1">
+              <a:rPr lang="it-IT" sz="1600" noProof="1">
                 <a:solidFill>
                   <a:srgbClr val="D4D4D4"/>
                 </a:solidFill>
@@ -15223,7 +16126,7 @@
           </a:p>
           <a:p>
             <a:r>
-              <a:rPr lang="it-IT" noProof="1">
+              <a:rPr lang="it-IT" sz="1600" noProof="1">
                 <a:solidFill>
                   <a:srgbClr val="C586C0"/>
                 </a:solidFill>
@@ -15232,7 +16135,7 @@
               <a:t>   if</a:t>
             </a:r>
             <a:r>
-              <a:rPr lang="it-IT" noProof="1">
+              <a:rPr lang="it-IT" sz="1600" noProof="1">
                 <a:solidFill>
                   <a:srgbClr val="D4D4D4"/>
                 </a:solidFill>
@@ -15243,7 +16146,7 @@
           </a:p>
           <a:p>
             <a:r>
-              <a:rPr lang="it-IT" noProof="1">
+              <a:rPr lang="it-IT" sz="1600" noProof="1">
                 <a:solidFill>
                   <a:srgbClr val="DCDCAA"/>
                 </a:solidFill>
@@ -15252,7 +16155,7 @@
               <a:t>    newparticle</a:t>
             </a:r>
             <a:r>
-              <a:rPr lang="it-IT" noProof="1">
+              <a:rPr lang="it-IT" sz="1600" noProof="1">
                 <a:solidFill>
                   <a:srgbClr val="D4D4D4"/>
                 </a:solidFill>
@@ -15261,7 +16164,7 @@
               <a:t>(&amp;p2,</a:t>
             </a:r>
             <a:r>
-              <a:rPr lang="it-IT" noProof="1">
+              <a:rPr lang="it-IT" sz="1600" noProof="1">
                 <a:solidFill>
                   <a:srgbClr val="9CDCFE"/>
                 </a:solidFill>
@@ -15270,7 +16173,7 @@
               <a:t>pp</a:t>
             </a:r>
             <a:r>
-              <a:rPr lang="it-IT" noProof="1">
+              <a:rPr lang="it-IT" sz="1600" noProof="1">
                 <a:solidFill>
                   <a:srgbClr val="D4D4D4"/>
                 </a:solidFill>
@@ -15279,7 +16182,7 @@
               <a:t>-&gt;</a:t>
             </a:r>
             <a:r>
-              <a:rPr lang="it-IT" noProof="1">
+              <a:rPr lang="it-IT" sz="1600" noProof="1">
                 <a:solidFill>
                   <a:srgbClr val="9CDCFE"/>
                 </a:solidFill>
@@ -15288,7 +16191,7 @@
               <a:t>weight</a:t>
             </a:r>
             <a:r>
-              <a:rPr lang="it-IT" noProof="1">
+              <a:rPr lang="it-IT" sz="1600" noProof="1">
                 <a:solidFill>
                   <a:srgbClr val="D4D4D4"/>
                 </a:solidFill>
@@ -15297,7 +16200,7 @@
               <a:t>[j],</a:t>
             </a:r>
             <a:r>
-              <a:rPr lang="it-IT" noProof="1">
+              <a:rPr lang="it-IT" sz="1600" noProof="1">
                 <a:solidFill>
                   <a:srgbClr val="9CDCFE"/>
                 </a:solidFill>
@@ -15306,7 +16209,7 @@
               <a:t>pp</a:t>
             </a:r>
             <a:r>
-              <a:rPr lang="it-IT" noProof="1">
+              <a:rPr lang="it-IT" sz="1600" noProof="1">
                 <a:solidFill>
                   <a:srgbClr val="D4D4D4"/>
                 </a:solidFill>
@@ -15315,7 +16218,7 @@
               <a:t>-&gt;</a:t>
             </a:r>
             <a:r>
-              <a:rPr lang="it-IT" noProof="1">
+              <a:rPr lang="it-IT" sz="1600" noProof="1">
                 <a:solidFill>
                   <a:srgbClr val="9CDCFE"/>
                 </a:solidFill>
@@ -15324,7 +16227,7 @@
               <a:t>x</a:t>
             </a:r>
             <a:r>
-              <a:rPr lang="it-IT" noProof="1">
+              <a:rPr lang="it-IT" sz="1600" noProof="1">
                 <a:solidFill>
                   <a:srgbClr val="D4D4D4"/>
                 </a:solidFill>
@@ -15333,7 +16236,7 @@
               <a:t>[j],</a:t>
             </a:r>
             <a:r>
-              <a:rPr lang="it-IT" noProof="1">
+              <a:rPr lang="it-IT" sz="1600" noProof="1">
                 <a:solidFill>
                   <a:srgbClr val="9CDCFE"/>
                 </a:solidFill>
@@ -15342,7 +16245,7 @@
               <a:t>pp</a:t>
             </a:r>
             <a:r>
-              <a:rPr lang="it-IT" noProof="1">
+              <a:rPr lang="it-IT" sz="1600" noProof="1">
                 <a:solidFill>
                   <a:srgbClr val="D4D4D4"/>
                 </a:solidFill>
@@ -15351,7 +16254,7 @@
               <a:t>-&gt;</a:t>
             </a:r>
             <a:r>
-              <a:rPr lang="it-IT" noProof="1">
+              <a:rPr lang="it-IT" sz="1600" noProof="1">
                 <a:solidFill>
                   <a:srgbClr val="9CDCFE"/>
                 </a:solidFill>
@@ -15360,7 +16263,7 @@
               <a:t>y</a:t>
             </a:r>
             <a:r>
-              <a:rPr lang="it-IT" noProof="1">
+              <a:rPr lang="it-IT" sz="1600" noProof="1">
                 <a:solidFill>
                   <a:srgbClr val="D4D4D4"/>
                 </a:solidFill>
@@ -15369,7 +16272,7 @@
               <a:t>[j],</a:t>
             </a:r>
             <a:r>
-              <a:rPr lang="it-IT" noProof="1">
+              <a:rPr lang="it-IT" sz="1600" noProof="1">
                 <a:solidFill>
                   <a:srgbClr val="9CDCFE"/>
                 </a:solidFill>
@@ -15378,7 +16281,7 @@
               <a:t>pp</a:t>
             </a:r>
             <a:r>
-              <a:rPr lang="it-IT" noProof="1">
+              <a:rPr lang="it-IT" sz="1600" noProof="1">
                 <a:solidFill>
                   <a:srgbClr val="D4D4D4"/>
                 </a:solidFill>
@@ -15387,7 +16290,7 @@
               <a:t>-&gt;</a:t>
             </a:r>
             <a:r>
-              <a:rPr lang="it-IT" noProof="1">
+              <a:rPr lang="it-IT" sz="1600" noProof="1">
                 <a:solidFill>
                   <a:srgbClr val="9CDCFE"/>
                 </a:solidFill>
@@ -15396,7 +16299,7 @@
               <a:t>vx</a:t>
             </a:r>
             <a:r>
-              <a:rPr lang="it-IT" noProof="1">
+              <a:rPr lang="it-IT" sz="1600" noProof="1">
                 <a:solidFill>
                   <a:srgbClr val="D4D4D4"/>
                 </a:solidFill>
@@ -15405,7 +16308,7 @@
               <a:t>[j],</a:t>
             </a:r>
             <a:r>
-              <a:rPr lang="it-IT" noProof="1">
+              <a:rPr lang="it-IT" sz="1600" noProof="1">
                 <a:solidFill>
                   <a:srgbClr val="9CDCFE"/>
                 </a:solidFill>
@@ -15414,7 +16317,7 @@
               <a:t>pp</a:t>
             </a:r>
             <a:r>
-              <a:rPr lang="it-IT" noProof="1">
+              <a:rPr lang="it-IT" sz="1600" noProof="1">
                 <a:solidFill>
                   <a:srgbClr val="D4D4D4"/>
                 </a:solidFill>
@@ -15423,7 +16326,7 @@
               <a:t>-&gt;</a:t>
             </a:r>
             <a:r>
-              <a:rPr lang="it-IT" noProof="1">
+              <a:rPr lang="it-IT" sz="1600" noProof="1">
                 <a:solidFill>
                   <a:srgbClr val="9CDCFE"/>
                 </a:solidFill>
@@ -15432,7 +16335,7 @@
               <a:t>vy</a:t>
             </a:r>
             <a:r>
-              <a:rPr lang="it-IT" noProof="1">
+              <a:rPr lang="it-IT" sz="1600" noProof="1">
                 <a:solidFill>
                   <a:srgbClr val="D4D4D4"/>
                 </a:solidFill>
@@ -15443,7 +16346,7 @@
           </a:p>
           <a:p>
             <a:r>
-              <a:rPr lang="it-IT" noProof="1">
+              <a:rPr lang="it-IT" sz="1600" noProof="1">
                 <a:solidFill>
                   <a:srgbClr val="DCDCAA"/>
                 </a:solidFill>
@@ -15452,7 +16355,7 @@
               <a:t>    ForceCompt</a:t>
             </a:r>
             <a:r>
-              <a:rPr lang="it-IT" noProof="1">
+              <a:rPr lang="it-IT" sz="1600" noProof="1">
                 <a:solidFill>
                   <a:srgbClr val="D4D4D4"/>
                 </a:solidFill>
@@ -15463,7 +16366,7 @@
           </a:p>
           <a:p>
             <a:r>
-              <a:rPr lang="it-IT" noProof="1">
+              <a:rPr lang="it-IT" sz="1600" noProof="1">
                 <a:solidFill>
                   <a:srgbClr val="9CDCFE"/>
                 </a:solidFill>
@@ -15472,7 +16375,7 @@
               <a:t>    forces</a:t>
             </a:r>
             <a:r>
-              <a:rPr lang="it-IT" noProof="1">
+              <a:rPr lang="it-IT" sz="1600" noProof="1">
                 <a:solidFill>
                   <a:srgbClr val="D4D4D4"/>
                 </a:solidFill>
@@ -15481,7 +16384,7 @@
               <a:t>[</a:t>
             </a:r>
             <a:r>
-              <a:rPr lang="it-IT" noProof="1">
+              <a:rPr lang="it-IT" sz="1600" noProof="1">
                 <a:solidFill>
                   <a:srgbClr val="DCDCAA"/>
                 </a:solidFill>
@@ -15490,7 +16393,7 @@
               <a:t>index2D</a:t>
             </a:r>
             <a:r>
-              <a:rPr lang="it-IT" noProof="1">
+              <a:rPr lang="it-IT" sz="1600" noProof="1">
                 <a:solidFill>
                   <a:srgbClr val="D4D4D4"/>
                 </a:solidFill>
@@ -15499,7 +16402,7 @@
               <a:t>(</a:t>
             </a:r>
             <a:r>
-              <a:rPr lang="it-IT" noProof="1">
+              <a:rPr lang="it-IT" sz="1600" noProof="1">
                 <a:solidFill>
                   <a:srgbClr val="B5CEA8"/>
                 </a:solidFill>
@@ -15508,7 +16411,7 @@
               <a:t>0</a:t>
             </a:r>
             <a:r>
-              <a:rPr lang="it-IT" noProof="1">
+              <a:rPr lang="it-IT" sz="1600" noProof="1">
                 <a:solidFill>
                   <a:srgbClr val="D4D4D4"/>
                 </a:solidFill>
@@ -15517,7 +16420,7 @@
               <a:t>,i,</a:t>
             </a:r>
             <a:r>
-              <a:rPr lang="it-IT" noProof="1">
+              <a:rPr lang="it-IT" sz="1600" noProof="1">
                 <a:solidFill>
                   <a:srgbClr val="B5CEA8"/>
                 </a:solidFill>
@@ -15526,7 +16429,7 @@
               <a:t>2</a:t>
             </a:r>
             <a:r>
-              <a:rPr lang="it-IT" noProof="1">
+              <a:rPr lang="it-IT" sz="1600" noProof="1">
                 <a:solidFill>
                   <a:srgbClr val="D4D4D4"/>
                 </a:solidFill>
@@ -15535,7 +16438,7 @@
               <a:t>)] = </a:t>
             </a:r>
             <a:r>
-              <a:rPr lang="it-IT" noProof="1">
+              <a:rPr lang="it-IT" sz="1600" noProof="1">
                 <a:solidFill>
                   <a:srgbClr val="9CDCFE"/>
                 </a:solidFill>
@@ -15544,7 +16447,7 @@
               <a:t>forces</a:t>
             </a:r>
             <a:r>
-              <a:rPr lang="it-IT" noProof="1">
+              <a:rPr lang="it-IT" sz="1600" noProof="1">
                 <a:solidFill>
                   <a:srgbClr val="D4D4D4"/>
                 </a:solidFill>
@@ -15553,7 +16456,7 @@
               <a:t>[</a:t>
             </a:r>
             <a:r>
-              <a:rPr lang="it-IT" noProof="1">
+              <a:rPr lang="it-IT" sz="1600" noProof="1">
                 <a:solidFill>
                   <a:srgbClr val="DCDCAA"/>
                 </a:solidFill>
@@ -15562,7 +16465,7 @@
               <a:t>index2D</a:t>
             </a:r>
             <a:r>
-              <a:rPr lang="it-IT" noProof="1">
+              <a:rPr lang="it-IT" sz="1600" noProof="1">
                 <a:solidFill>
                   <a:srgbClr val="D4D4D4"/>
                 </a:solidFill>
@@ -15571,7 +16474,7 @@
               <a:t>(</a:t>
             </a:r>
             <a:r>
-              <a:rPr lang="it-IT" noProof="1">
+              <a:rPr lang="it-IT" sz="1600" noProof="1">
                 <a:solidFill>
                   <a:srgbClr val="B5CEA8"/>
                 </a:solidFill>
@@ -15580,7 +16483,7 @@
               <a:t>0</a:t>
             </a:r>
             <a:r>
-              <a:rPr lang="it-IT" noProof="1">
+              <a:rPr lang="it-IT" sz="1600" noProof="1">
                 <a:solidFill>
                   <a:srgbClr val="D4D4D4"/>
                 </a:solidFill>
@@ -15589,7 +16492,7 @@
               <a:t>,i,</a:t>
             </a:r>
             <a:r>
-              <a:rPr lang="it-IT" noProof="1">
+              <a:rPr lang="it-IT" sz="1600" noProof="1">
                 <a:solidFill>
                   <a:srgbClr val="B5CEA8"/>
                 </a:solidFill>
@@ -15598,7 +16501,7 @@
               <a:t>2</a:t>
             </a:r>
             <a:r>
-              <a:rPr lang="it-IT" noProof="1">
+              <a:rPr lang="it-IT" sz="1600" noProof="1">
                 <a:solidFill>
                   <a:srgbClr val="D4D4D4"/>
                 </a:solidFill>
@@ -15607,7 +16510,7 @@
               <a:t>)] + </a:t>
             </a:r>
             <a:r>
-              <a:rPr lang="it-IT" noProof="1">
+              <a:rPr lang="it-IT" sz="1600" noProof="1">
                 <a:solidFill>
                   <a:srgbClr val="9CDCFE"/>
                 </a:solidFill>
@@ -15616,7 +16519,7 @@
               <a:t>f</a:t>
             </a:r>
             <a:r>
-              <a:rPr lang="it-IT" noProof="1">
+              <a:rPr lang="it-IT" sz="1600" noProof="1">
                 <a:solidFill>
                   <a:srgbClr val="D4D4D4"/>
                 </a:solidFill>
@@ -15625,7 +16528,7 @@
               <a:t>[</a:t>
             </a:r>
             <a:r>
-              <a:rPr lang="it-IT" noProof="1">
+              <a:rPr lang="it-IT" sz="1600" noProof="1">
                 <a:solidFill>
                   <a:srgbClr val="B5CEA8"/>
                 </a:solidFill>
@@ -15634,7 +16537,7 @@
               <a:t>0</a:t>
             </a:r>
             <a:r>
-              <a:rPr lang="it-IT" noProof="1">
+              <a:rPr lang="it-IT" sz="1600" noProof="1">
                 <a:solidFill>
                   <a:srgbClr val="D4D4D4"/>
                 </a:solidFill>
@@ -15645,7 +16548,7 @@
           </a:p>
           <a:p>
             <a:r>
-              <a:rPr lang="it-IT" noProof="1">
+              <a:rPr lang="it-IT" sz="1600" noProof="1">
                 <a:solidFill>
                   <a:srgbClr val="9CDCFE"/>
                 </a:solidFill>
@@ -15654,7 +16557,7 @@
               <a:t>    forces</a:t>
             </a:r>
             <a:r>
-              <a:rPr lang="it-IT" noProof="1">
+              <a:rPr lang="it-IT" sz="1600" noProof="1">
                 <a:solidFill>
                   <a:srgbClr val="D4D4D4"/>
                 </a:solidFill>
@@ -15663,7 +16566,7 @@
               <a:t>[</a:t>
             </a:r>
             <a:r>
-              <a:rPr lang="it-IT" noProof="1">
+              <a:rPr lang="it-IT" sz="1600" noProof="1">
                 <a:solidFill>
                   <a:srgbClr val="DCDCAA"/>
                 </a:solidFill>
@@ -15672,7 +16575,7 @@
               <a:t>index2D</a:t>
             </a:r>
             <a:r>
-              <a:rPr lang="it-IT" noProof="1">
+              <a:rPr lang="it-IT" sz="1600" noProof="1">
                 <a:solidFill>
                   <a:srgbClr val="D4D4D4"/>
                 </a:solidFill>
@@ -15681,7 +16584,7 @@
               <a:t>(</a:t>
             </a:r>
             <a:r>
-              <a:rPr lang="it-IT" noProof="1">
+              <a:rPr lang="it-IT" sz="1600" noProof="1">
                 <a:solidFill>
                   <a:srgbClr val="B5CEA8"/>
                 </a:solidFill>
@@ -15690,7 +16593,7 @@
               <a:t>1</a:t>
             </a:r>
             <a:r>
-              <a:rPr lang="it-IT" noProof="1">
+              <a:rPr lang="it-IT" sz="1600" noProof="1">
                 <a:solidFill>
                   <a:srgbClr val="D4D4D4"/>
                 </a:solidFill>
@@ -15699,7 +16602,7 @@
               <a:t>,i,</a:t>
             </a:r>
             <a:r>
-              <a:rPr lang="it-IT" noProof="1">
+              <a:rPr lang="it-IT" sz="1600" noProof="1">
                 <a:solidFill>
                   <a:srgbClr val="B5CEA8"/>
                 </a:solidFill>
@@ -15708,7 +16611,7 @@
               <a:t>2</a:t>
             </a:r>
             <a:r>
-              <a:rPr lang="it-IT" noProof="1">
+              <a:rPr lang="it-IT" sz="1600" noProof="1">
                 <a:solidFill>
                   <a:srgbClr val="D4D4D4"/>
                 </a:solidFill>
@@ -15717,7 +16620,7 @@
               <a:t>)] = </a:t>
             </a:r>
             <a:r>
-              <a:rPr lang="it-IT" noProof="1">
+              <a:rPr lang="it-IT" sz="1600" noProof="1">
                 <a:solidFill>
                   <a:srgbClr val="9CDCFE"/>
                 </a:solidFill>
@@ -15726,7 +16629,7 @@
               <a:t>forces</a:t>
             </a:r>
             <a:r>
-              <a:rPr lang="it-IT" noProof="1">
+              <a:rPr lang="it-IT" sz="1600" noProof="1">
                 <a:solidFill>
                   <a:srgbClr val="D4D4D4"/>
                 </a:solidFill>
@@ -15735,7 +16638,7 @@
               <a:t>[</a:t>
             </a:r>
             <a:r>
-              <a:rPr lang="it-IT" noProof="1">
+              <a:rPr lang="it-IT" sz="1600" noProof="1">
                 <a:solidFill>
                   <a:srgbClr val="DCDCAA"/>
                 </a:solidFill>
@@ -15744,7 +16647,7 @@
               <a:t>index2D</a:t>
             </a:r>
             <a:r>
-              <a:rPr lang="it-IT" noProof="1">
+              <a:rPr lang="it-IT" sz="1600" noProof="1">
                 <a:solidFill>
                   <a:srgbClr val="D4D4D4"/>
                 </a:solidFill>
@@ -15753,7 +16656,7 @@
               <a:t>(</a:t>
             </a:r>
             <a:r>
-              <a:rPr lang="it-IT" noProof="1">
+              <a:rPr lang="it-IT" sz="1600" noProof="1">
                 <a:solidFill>
                   <a:srgbClr val="B5CEA8"/>
                 </a:solidFill>
@@ -15762,7 +16665,7 @@
               <a:t>1</a:t>
             </a:r>
             <a:r>
-              <a:rPr lang="it-IT" noProof="1">
+              <a:rPr lang="it-IT" sz="1600" noProof="1">
                 <a:solidFill>
                   <a:srgbClr val="D4D4D4"/>
                 </a:solidFill>
@@ -15771,7 +16674,7 @@
               <a:t>,i,</a:t>
             </a:r>
             <a:r>
-              <a:rPr lang="it-IT" noProof="1">
+              <a:rPr lang="it-IT" sz="1600" noProof="1">
                 <a:solidFill>
                   <a:srgbClr val="B5CEA8"/>
                 </a:solidFill>
@@ -15780,7 +16683,7 @@
               <a:t>2</a:t>
             </a:r>
             <a:r>
-              <a:rPr lang="it-IT" noProof="1">
+              <a:rPr lang="it-IT" sz="1600" noProof="1">
                 <a:solidFill>
                   <a:srgbClr val="D4D4D4"/>
                 </a:solidFill>
@@ -15789,7 +16692,7 @@
               <a:t>)] + </a:t>
             </a:r>
             <a:r>
-              <a:rPr lang="it-IT" noProof="1">
+              <a:rPr lang="it-IT" sz="1600" noProof="1">
                 <a:solidFill>
                   <a:srgbClr val="9CDCFE"/>
                 </a:solidFill>
@@ -15798,7 +16701,7 @@
               <a:t>f</a:t>
             </a:r>
             <a:r>
-              <a:rPr lang="it-IT" noProof="1">
+              <a:rPr lang="it-IT" sz="1600" noProof="1">
                 <a:solidFill>
                   <a:srgbClr val="D4D4D4"/>
                 </a:solidFill>
@@ -15807,7 +16710,7 @@
               <a:t>[</a:t>
             </a:r>
             <a:r>
-              <a:rPr lang="it-IT" noProof="1">
+              <a:rPr lang="it-IT" sz="1600" noProof="1">
                 <a:solidFill>
                   <a:srgbClr val="B5CEA8"/>
                 </a:solidFill>
@@ -15816,7 +16719,7 @@
               <a:t>1</a:t>
             </a:r>
             <a:r>
-              <a:rPr lang="it-IT" noProof="1">
+              <a:rPr lang="it-IT" sz="1600" noProof="1">
                 <a:solidFill>
                   <a:srgbClr val="D4D4D4"/>
                 </a:solidFill>
@@ -15827,7 +16730,7 @@
           </a:p>
           <a:p>
             <a:r>
-              <a:rPr lang="it-IT" noProof="1">
+              <a:rPr lang="it-IT" sz="1600" noProof="1">
                 <a:solidFill>
                   <a:srgbClr val="D4D4D4"/>
                 </a:solidFill>
@@ -15838,7 +16741,7 @@
           </a:p>
           <a:p>
             <a:r>
-              <a:rPr lang="it-IT" noProof="1">
+              <a:rPr lang="it-IT" sz="1600" noProof="1">
                 <a:solidFill>
                   <a:srgbClr val="D4D4D4"/>
                 </a:solidFill>
@@ -15846,15 +16749,7 @@
               </a:rPr>
               <a:t>} </a:t>
             </a:r>
-            <a:endParaRPr lang="it-IT" noProof="1">
-              <a:solidFill>
-                <a:srgbClr val="D4D4D4"/>
-              </a:solidFill>
-              <a:latin typeface="Menlo" panose="020B0609030804020204" pitchFamily="49" charset="0"/>
-            </a:endParaRPr>
-          </a:p>
-          <a:p>
-            <a:endParaRPr lang="it-IT" noProof="1">
+            <a:endParaRPr lang="it-IT" sz="1600" noProof="1">
               <a:solidFill>
                 <a:srgbClr val="D4D4D4"/>
               </a:solidFill>
@@ -19007,7 +19902,7 @@
         </p:nvSpPr>
         <p:spPr>
           <a:xfrm>
-            <a:off x="4864491" y="3424098"/>
+            <a:off x="4912864" y="3521990"/>
             <a:ext cx="367453" cy="1785104"/>
           </a:xfrm>
           <a:prstGeom prst="rect">
@@ -19060,8 +19955,8 @@
         </p:nvSpPr>
         <p:spPr>
           <a:xfrm>
-            <a:off x="7590795" y="3483011"/>
-            <a:ext cx="367453" cy="1107996"/>
+            <a:off x="7678946" y="3503994"/>
+            <a:ext cx="367453" cy="1785104"/>
           </a:xfrm>
           <a:prstGeom prst="rect">
             <a:avLst/>
@@ -19086,6 +19981,15 @@
             <a:r>
               <a:rPr lang="en-GB" sz="2200" dirty="0"/>
               <a:t>5</a:t>
+            </a:r>
+          </a:p>
+          <a:p>
+            <a:endParaRPr lang="en-GB" sz="2200" dirty="0"/>
+          </a:p>
+          <a:p>
+            <a:r>
+              <a:rPr lang="en-GB" sz="2200" dirty="0"/>
+              <a:t>6</a:t>
             </a:r>
           </a:p>
         </p:txBody>
@@ -19521,7 +20425,7 @@
         <p:spPr>
           <a:xfrm>
             <a:off x="7590477" y="2904775"/>
-            <a:ext cx="2263693" cy="1927666"/>
+            <a:ext cx="2263693" cy="2582682"/>
           </a:xfrm>
           <a:prstGeom prst="roundRect">
             <a:avLst/>
@@ -19688,7 +20592,7 @@
         </p:nvSpPr>
         <p:spPr>
           <a:xfrm>
-            <a:off x="9924470" y="3424098"/>
+            <a:off x="9873030" y="3421118"/>
             <a:ext cx="367453" cy="430887"/>
           </a:xfrm>
           <a:prstGeom prst="rect">
@@ -19704,7 +20608,7 @@
           <a:p>
             <a:r>
               <a:rPr lang="en-GB" sz="2200" dirty="0"/>
-              <a:t>6</a:t>
+              <a:t>7</a:t>
             </a:r>
           </a:p>
         </p:txBody>
@@ -19923,6 +20827,61 @@
               <a:rPr lang="en-GB" dirty="0"/>
               <a:t>Memory Management</a:t>
             </a:r>
+          </a:p>
+        </p:txBody>
+      </p:sp>
+      <p:sp>
+        <p:nvSpPr>
+          <p:cNvPr id="40" name="Rettangolo con angoli arrotondati 39">
+            <a:extLst>
+              <a:ext uri="{FF2B5EF4-FFF2-40B4-BE49-F238E27FC236}">
+                <a16:creationId xmlns:a16="http://schemas.microsoft.com/office/drawing/2014/main" id="{BE96BD8F-E95B-A946-9875-C7FEB69B83D1}"/>
+              </a:ext>
+            </a:extLst>
+          </p:cNvPr>
+          <p:cNvSpPr/>
+          <p:nvPr/>
+        </p:nvSpPr>
+        <p:spPr>
+          <a:xfrm>
+            <a:off x="8011753" y="4786841"/>
+            <a:ext cx="1709467" cy="474487"/>
+          </a:xfrm>
+          <a:prstGeom prst="roundRect">
+            <a:avLst/>
+          </a:prstGeom>
+          <a:solidFill>
+            <a:schemeClr val="accent1">
+              <a:lumMod val="75000"/>
+            </a:schemeClr>
+          </a:solidFill>
+        </p:spPr>
+        <p:style>
+          <a:lnRef idx="2">
+            <a:schemeClr val="accent1">
+              <a:shade val="50000"/>
+            </a:schemeClr>
+          </a:lnRef>
+          <a:fillRef idx="1">
+            <a:schemeClr val="accent1"/>
+          </a:fillRef>
+          <a:effectRef idx="0">
+            <a:schemeClr val="accent1"/>
+          </a:effectRef>
+          <a:fontRef idx="minor">
+            <a:schemeClr val="lt1"/>
+          </a:fontRef>
+        </p:style>
+        <p:txBody>
+          <a:bodyPr rtlCol="0" anchor="ctr"/>
+          <a:lstStyle/>
+          <a:p>
+            <a:pPr algn="ctr"/>
+            <a:r>
+              <a:rPr lang="en-GB" sz="1600" dirty="0" err="1"/>
+              <a:t>ParticleStats</a:t>
+            </a:r>
+            <a:endParaRPr lang="en-GB" sz="1600" dirty="0"/>
           </a:p>
         </p:txBody>
       </p:sp>

--- a/presentazione/presentazione.pptx
+++ b/presentazione/presentazione.pptx
@@ -1,30 +1,30 @@
 
 <file path=ppt/presentation.xml><?xml version="1.0" encoding="utf-8"?>
-<p:presentation xmlns:a="http://schemas.openxmlformats.org/drawingml/2006/main" xmlns:r="http://schemas.openxmlformats.org/officeDocument/2006/relationships" xmlns:p="http://schemas.openxmlformats.org/presentationml/2006/main" saveSubsetFonts="1" autoCompressPictures="0">
+<p:presentation xmlns:a="http://schemas.openxmlformats.org/drawingml/2006/main" xmlns:r="http://schemas.openxmlformats.org/officeDocument/2006/relationships" xmlns:p="http://schemas.openxmlformats.org/presentationml/2006/main" autoCompressPictures="0">
   <p:sldMasterIdLst>
     <p:sldMasterId id="2147483648" r:id="rId1"/>
   </p:sldMasterIdLst>
   <p:notesMasterIdLst>
-    <p:notesMasterId r:id="rId19"/>
+    <p:notesMasterId r:id="rId6"/>
   </p:notesMasterIdLst>
   <p:sldIdLst>
-    <p:sldId id="256" r:id="rId2"/>
-    <p:sldId id="257" r:id="rId3"/>
-    <p:sldId id="267" r:id="rId4"/>
-    <p:sldId id="268" r:id="rId5"/>
-    <p:sldId id="276" r:id="rId6"/>
-    <p:sldId id="260" r:id="rId7"/>
-    <p:sldId id="270" r:id="rId8"/>
-    <p:sldId id="269" r:id="rId9"/>
-    <p:sldId id="272" r:id="rId10"/>
-    <p:sldId id="273" r:id="rId11"/>
-    <p:sldId id="275" r:id="rId12"/>
-    <p:sldId id="277" r:id="rId13"/>
-    <p:sldId id="279" r:id="rId14"/>
-    <p:sldId id="280" r:id="rId15"/>
-    <p:sldId id="274" r:id="rId16"/>
-    <p:sldId id="282" r:id="rId17"/>
-    <p:sldId id="278" r:id="rId18"/>
+    <p:sldId id="256" r:id="rId3"/>
+    <p:sldId id="257" r:id="rId4"/>
+    <p:sldId id="267" r:id="rId5"/>
+    <p:sldId id="268" r:id="rId7"/>
+    <p:sldId id="276" r:id="rId8"/>
+    <p:sldId id="260" r:id="rId9"/>
+    <p:sldId id="270" r:id="rId10"/>
+    <p:sldId id="269" r:id="rId11"/>
+    <p:sldId id="272" r:id="rId12"/>
+    <p:sldId id="273" r:id="rId13"/>
+    <p:sldId id="275" r:id="rId14"/>
+    <p:sldId id="277" r:id="rId15"/>
+    <p:sldId id="279" r:id="rId16"/>
+    <p:sldId id="280" r:id="rId17"/>
+    <p:sldId id="274" r:id="rId18"/>
+    <p:sldId id="282" r:id="rId19"/>
+    <p:sldId id="278" r:id="rId20"/>
   </p:sldIdLst>
   <p:sldSz cx="12192000" cy="6858000"/>
   <p:notesSz cx="6858000" cy="9144000"/>
@@ -123,792 +123,7 @@
       </a:defRPr>
     </a:lvl9pPr>
   </p:defaultTextStyle>
-  <p:extLst>
-    <p:ext uri="{EFAFB233-063F-42B5-8137-9DF3F51BA10A}">
-      <p15:sldGuideLst xmlns:p15="http://schemas.microsoft.com/office/powerpoint/2012/main"/>
-    </p:ext>
-  </p:extLst>
 </p:presentation>
-</file>
-
-<file path=ppt/revisionInfo.xml><?xml version="1.0" encoding="utf-8"?>
-<p1510:revInfo xmlns:a="http://schemas.openxmlformats.org/drawingml/2006/main" xmlns:r="http://schemas.openxmlformats.org/officeDocument/2006/relationships" xmlns:p1510="http://schemas.microsoft.com/office/powerpoint/2015/10/main">
-  <p1510:revLst>
-    <p1510:client id="{1B854F4C-9449-4981-AA6B-F9A4604AB98D}" v="6666" dt="2022-01-28T16:46:53.019"/>
-    <p1510:client id="{DE5830D3-72B1-499A-90D3-60B0E22B4BC7}" v="490" dt="2022-01-27T22:23:58.070"/>
-  </p1510:revLst>
-</p1510:revInfo>
-</file>
-
-<file path=ppt/changesInfos/changesInfo1.xml><?xml version="1.0" encoding="utf-8"?>
-<pc:chgInfo xmlns:a="http://schemas.openxmlformats.org/drawingml/2006/main" xmlns:r="http://schemas.openxmlformats.org/officeDocument/2006/relationships" xmlns:ac="http://schemas.microsoft.com/office/drawing/2013/main/command" xmlns:pc="http://schemas.microsoft.com/office/powerpoint/2013/main/command">
-  <pc:docChgLst>
-    <pc:chgData name="Tommaso Alfonsi" userId="e83172dee4b71e09" providerId="Windows Live" clId="Web-{1B854F4C-9449-4981-AA6B-F9A4604AB98D}"/>
-    <pc:docChg chg="addSld modSld sldOrd">
-      <pc:chgData name="Tommaso Alfonsi" userId="e83172dee4b71e09" providerId="Windows Live" clId="Web-{1B854F4C-9449-4981-AA6B-F9A4604AB98D}" dt="2022-01-28T16:53:07.717" v="3885"/>
-      <pc:docMkLst>
-        <pc:docMk/>
-      </pc:docMkLst>
-      <pc:sldChg chg="addSp delSp modSp modNotes">
-        <pc:chgData name="Tommaso Alfonsi" userId="e83172dee4b71e09" providerId="Windows Live" clId="Web-{1B854F4C-9449-4981-AA6B-F9A4604AB98D}" dt="2022-01-28T14:59:58.199" v="1810" actId="14100"/>
-        <pc:sldMkLst>
-          <pc:docMk/>
-          <pc:sldMk cId="2139852903" sldId="260"/>
-        </pc:sldMkLst>
-        <pc:spChg chg="add del mod">
-          <ac:chgData name="Tommaso Alfonsi" userId="e83172dee4b71e09" providerId="Windows Live" clId="Web-{1B854F4C-9449-4981-AA6B-F9A4604AB98D}" dt="2022-01-28T14:51:56.236" v="1803"/>
-          <ac:spMkLst>
-            <pc:docMk/>
-            <pc:sldMk cId="2139852903" sldId="260"/>
-            <ac:spMk id="3" creationId="{BA02E773-28BE-4A5E-B7EE-3E7D81458A1C}"/>
-          </ac:spMkLst>
-        </pc:spChg>
-        <pc:spChg chg="mod">
-          <ac:chgData name="Tommaso Alfonsi" userId="e83172dee4b71e09" providerId="Windows Live" clId="Web-{1B854F4C-9449-4981-AA6B-F9A4604AB98D}" dt="2022-01-28T14:51:40.565" v="1797" actId="14100"/>
-          <ac:spMkLst>
-            <pc:docMk/>
-            <pc:sldMk cId="2139852903" sldId="260"/>
-            <ac:spMk id="8" creationId="{8464E8DB-2A63-E941-BF54-CBF23AEEB7B5}"/>
-          </ac:spMkLst>
-        </pc:spChg>
-        <pc:spChg chg="mod">
-          <ac:chgData name="Tommaso Alfonsi" userId="e83172dee4b71e09" providerId="Windows Live" clId="Web-{1B854F4C-9449-4981-AA6B-F9A4604AB98D}" dt="2022-01-28T14:35:56.249" v="1715" actId="20577"/>
-          <ac:spMkLst>
-            <pc:docMk/>
-            <pc:sldMk cId="2139852903" sldId="260"/>
-            <ac:spMk id="10" creationId="{73B8A46C-4E9F-A542-96B2-EF1262B52272}"/>
-          </ac:spMkLst>
-        </pc:spChg>
-        <pc:picChg chg="add del mod">
-          <ac:chgData name="Tommaso Alfonsi" userId="e83172dee4b71e09" providerId="Windows Live" clId="Web-{1B854F4C-9449-4981-AA6B-F9A4604AB98D}" dt="2022-01-28T14:52:31.814" v="1804"/>
-          <ac:picMkLst>
-            <pc:docMk/>
-            <pc:sldMk cId="2139852903" sldId="260"/>
-            <ac:picMk id="4" creationId="{1A454F94-68B2-4597-B8CA-8D00DAC9FE2D}"/>
-          </ac:picMkLst>
-        </pc:picChg>
-        <pc:picChg chg="add mod">
-          <ac:chgData name="Tommaso Alfonsi" userId="e83172dee4b71e09" providerId="Windows Live" clId="Web-{1B854F4C-9449-4981-AA6B-F9A4604AB98D}" dt="2022-01-28T14:52:36.205" v="1806" actId="1076"/>
-          <ac:picMkLst>
-            <pc:docMk/>
-            <pc:sldMk cId="2139852903" sldId="260"/>
-            <ac:picMk id="5" creationId="{AF07DA3A-FC3F-4DD8-B820-E5EAB994A7B5}"/>
-          </ac:picMkLst>
-        </pc:picChg>
-        <pc:picChg chg="add mod">
-          <ac:chgData name="Tommaso Alfonsi" userId="e83172dee4b71e09" providerId="Windows Live" clId="Web-{1B854F4C-9449-4981-AA6B-F9A4604AB98D}" dt="2022-01-28T14:59:58.199" v="1810" actId="14100"/>
-          <ac:picMkLst>
-            <pc:docMk/>
-            <pc:sldMk cId="2139852903" sldId="260"/>
-            <ac:picMk id="6" creationId="{F00D2A30-1917-4164-BC31-7098960F4511}"/>
-          </ac:picMkLst>
-        </pc:picChg>
-      </pc:sldChg>
-      <pc:sldChg chg="modSp ord">
-        <pc:chgData name="Tommaso Alfonsi" userId="e83172dee4b71e09" providerId="Windows Live" clId="Web-{1B854F4C-9449-4981-AA6B-F9A4604AB98D}" dt="2022-01-28T15:50:42.392" v="3200" actId="1076"/>
-        <pc:sldMkLst>
-          <pc:docMk/>
-          <pc:sldMk cId="2916618238" sldId="273"/>
-        </pc:sldMkLst>
-        <pc:picChg chg="mod">
-          <ac:chgData name="Tommaso Alfonsi" userId="e83172dee4b71e09" providerId="Windows Live" clId="Web-{1B854F4C-9449-4981-AA6B-F9A4604AB98D}" dt="2022-01-28T15:50:42.392" v="3200" actId="1076"/>
-          <ac:picMkLst>
-            <pc:docMk/>
-            <pc:sldMk cId="2916618238" sldId="273"/>
-            <ac:picMk id="1028" creationId="{9FD5D90F-42C8-7B40-8243-7EC78E9ED3BD}"/>
-          </ac:picMkLst>
-        </pc:picChg>
-      </pc:sldChg>
-      <pc:sldChg chg="modSp ord">
-        <pc:chgData name="Tommaso Alfonsi" userId="e83172dee4b71e09" providerId="Windows Live" clId="Web-{1B854F4C-9449-4981-AA6B-F9A4604AB98D}" dt="2022-01-28T16:33:20.452" v="3531" actId="20577"/>
-        <pc:sldMkLst>
-          <pc:docMk/>
-          <pc:sldMk cId="1653233552" sldId="275"/>
-        </pc:sldMkLst>
-        <pc:spChg chg="mod">
-          <ac:chgData name="Tommaso Alfonsi" userId="e83172dee4b71e09" providerId="Windows Live" clId="Web-{1B854F4C-9449-4981-AA6B-F9A4604AB98D}" dt="2022-01-28T16:33:20.452" v="3531" actId="20577"/>
-          <ac:spMkLst>
-            <pc:docMk/>
-            <pc:sldMk cId="1653233552" sldId="275"/>
-            <ac:spMk id="12" creationId="{96A8893C-BD94-47EF-85AF-7E75B3982C1A}"/>
-          </ac:spMkLst>
-        </pc:spChg>
-      </pc:sldChg>
-      <pc:sldChg chg="addSp delSp modSp new modNotes">
-        <pc:chgData name="Tommaso Alfonsi" userId="e83172dee4b71e09" providerId="Windows Live" clId="Web-{1B854F4C-9449-4981-AA6B-F9A4604AB98D}" dt="2022-01-28T16:08:36.284" v="3356" actId="20577"/>
-        <pc:sldMkLst>
-          <pc:docMk/>
-          <pc:sldMk cId="1814204737" sldId="277"/>
-        </pc:sldMkLst>
-        <pc:spChg chg="mod">
-          <ac:chgData name="Tommaso Alfonsi" userId="e83172dee4b71e09" providerId="Windows Live" clId="Web-{1B854F4C-9449-4981-AA6B-F9A4604AB98D}" dt="2022-01-28T14:01:25.527" v="1117" actId="20577"/>
-          <ac:spMkLst>
-            <pc:docMk/>
-            <pc:sldMk cId="1814204737" sldId="277"/>
-            <ac:spMk id="2" creationId="{0FF2A39C-05C5-4548-93FB-6615D0302771}"/>
-          </ac:spMkLst>
-        </pc:spChg>
-        <pc:spChg chg="del">
-          <ac:chgData name="Tommaso Alfonsi" userId="e83172dee4b71e09" providerId="Windows Live" clId="Web-{1B854F4C-9449-4981-AA6B-F9A4604AB98D}" dt="2022-01-28T13:42:37.229" v="396"/>
-          <ac:spMkLst>
-            <pc:docMk/>
-            <pc:sldMk cId="1814204737" sldId="277"/>
-            <ac:spMk id="3" creationId="{33FD794A-C514-4C20-B741-92F80F9EA2BD}"/>
-          </ac:spMkLst>
-        </pc:spChg>
-        <pc:spChg chg="add mod">
-          <ac:chgData name="Tommaso Alfonsi" userId="e83172dee4b71e09" providerId="Windows Live" clId="Web-{1B854F4C-9449-4981-AA6B-F9A4604AB98D}" dt="2022-01-28T16:08:36.284" v="3356" actId="20577"/>
-          <ac:spMkLst>
-            <pc:docMk/>
-            <pc:sldMk cId="1814204737" sldId="277"/>
-            <ac:spMk id="5" creationId="{AEBD7215-052D-4D77-9F4E-31F8F56E7F80}"/>
-          </ac:spMkLst>
-        </pc:spChg>
-        <pc:spChg chg="add del mod">
-          <ac:chgData name="Tommaso Alfonsi" userId="e83172dee4b71e09" providerId="Windows Live" clId="Web-{1B854F4C-9449-4981-AA6B-F9A4604AB98D}" dt="2022-01-28T13:50:18.411" v="668"/>
-          <ac:spMkLst>
-            <pc:docMk/>
-            <pc:sldMk cId="1814204737" sldId="277"/>
-            <ac:spMk id="7" creationId="{8F65DD14-93CD-4F85-B68B-33844B14393B}"/>
-          </ac:spMkLst>
-        </pc:spChg>
-        <pc:spChg chg="add mod">
-          <ac:chgData name="Tommaso Alfonsi" userId="e83172dee4b71e09" providerId="Windows Live" clId="Web-{1B854F4C-9449-4981-AA6B-F9A4604AB98D}" dt="2022-01-28T15:35:07.639" v="2992" actId="1076"/>
-          <ac:spMkLst>
-            <pc:docMk/>
-            <pc:sldMk cId="1814204737" sldId="277"/>
-            <ac:spMk id="10" creationId="{6554F3A6-FBCB-454D-AC6D-6917EAABC9C1}"/>
-          </ac:spMkLst>
-        </pc:spChg>
-        <pc:spChg chg="add mod">
-          <ac:chgData name="Tommaso Alfonsi" userId="e83172dee4b71e09" providerId="Windows Live" clId="Web-{1B854F4C-9449-4981-AA6B-F9A4604AB98D}" dt="2022-01-28T15:35:07.671" v="2993" actId="1076"/>
-          <ac:spMkLst>
-            <pc:docMk/>
-            <pc:sldMk cId="1814204737" sldId="277"/>
-            <ac:spMk id="11" creationId="{16CE4E05-03A3-47E8-9EA1-4699884ED5DD}"/>
-          </ac:spMkLst>
-        </pc:spChg>
-        <pc:spChg chg="add mod">
-          <ac:chgData name="Tommaso Alfonsi" userId="e83172dee4b71e09" providerId="Windows Live" clId="Web-{1B854F4C-9449-4981-AA6B-F9A4604AB98D}" dt="2022-01-28T15:35:07.702" v="2994" actId="1076"/>
-          <ac:spMkLst>
-            <pc:docMk/>
-            <pc:sldMk cId="1814204737" sldId="277"/>
-            <ac:spMk id="12" creationId="{D851EBF3-1E19-4DD8-8929-61A24CA2883C}"/>
-          </ac:spMkLst>
-        </pc:spChg>
-        <pc:spChg chg="add mod">
-          <ac:chgData name="Tommaso Alfonsi" userId="e83172dee4b71e09" providerId="Windows Live" clId="Web-{1B854F4C-9449-4981-AA6B-F9A4604AB98D}" dt="2022-01-28T15:35:07.733" v="2995" actId="1076"/>
-          <ac:spMkLst>
-            <pc:docMk/>
-            <pc:sldMk cId="1814204737" sldId="277"/>
-            <ac:spMk id="13" creationId="{382E7FD7-333F-4993-80E3-C536DD834B51}"/>
-          </ac:spMkLst>
-        </pc:spChg>
-        <pc:picChg chg="add del mod ord">
-          <ac:chgData name="Tommaso Alfonsi" userId="e83172dee4b71e09" providerId="Windows Live" clId="Web-{1B854F4C-9449-4981-AA6B-F9A4604AB98D}" dt="2022-01-28T13:50:07.333" v="667"/>
-          <ac:picMkLst>
-            <pc:docMk/>
-            <pc:sldMk cId="1814204737" sldId="277"/>
-            <ac:picMk id="4" creationId="{162D6A21-CF9B-4AA8-926A-35B97D3EE50E}"/>
-          </ac:picMkLst>
-        </pc:picChg>
-        <pc:picChg chg="add mod ord">
-          <ac:chgData name="Tommaso Alfonsi" userId="e83172dee4b71e09" providerId="Windows Live" clId="Web-{1B854F4C-9449-4981-AA6B-F9A4604AB98D}" dt="2022-01-28T14:29:24.426" v="1610" actId="1076"/>
-          <ac:picMkLst>
-            <pc:docMk/>
-            <pc:sldMk cId="1814204737" sldId="277"/>
-            <ac:picMk id="8" creationId="{01A66206-D459-4819-AEB3-BD74DC4D483A}"/>
-          </ac:picMkLst>
-        </pc:picChg>
-      </pc:sldChg>
-      <pc:sldChg chg="addSp delSp modSp add ord replId">
-        <pc:chgData name="Tommaso Alfonsi" userId="e83172dee4b71e09" providerId="Windows Live" clId="Web-{1B854F4C-9449-4981-AA6B-F9A4604AB98D}" dt="2022-01-28T15:57:25.746" v="3256"/>
-        <pc:sldMkLst>
-          <pc:docMk/>
-          <pc:sldMk cId="3957637519" sldId="278"/>
-        </pc:sldMkLst>
-        <pc:spChg chg="mod">
-          <ac:chgData name="Tommaso Alfonsi" userId="e83172dee4b71e09" providerId="Windows Live" clId="Web-{1B854F4C-9449-4981-AA6B-F9A4604AB98D}" dt="2022-01-28T15:57:23.575" v="3255" actId="20577"/>
-          <ac:spMkLst>
-            <pc:docMk/>
-            <pc:sldMk cId="3957637519" sldId="278"/>
-            <ac:spMk id="2" creationId="{1F44E06D-7101-2644-844A-95EA9004E599}"/>
-          </ac:spMkLst>
-        </pc:spChg>
-        <pc:spChg chg="mod">
-          <ac:chgData name="Tommaso Alfonsi" userId="e83172dee4b71e09" providerId="Windows Live" clId="Web-{1B854F4C-9449-4981-AA6B-F9A4604AB98D}" dt="2022-01-28T15:42:13.899" v="3087" actId="20577"/>
-          <ac:spMkLst>
-            <pc:docMk/>
-            <pc:sldMk cId="3957637519" sldId="278"/>
-            <ac:spMk id="3" creationId="{C4A50D78-DCAA-CE40-99F1-3D366AA562ED}"/>
-          </ac:spMkLst>
-        </pc:spChg>
-        <pc:spChg chg="del">
-          <ac:chgData name="Tommaso Alfonsi" userId="e83172dee4b71e09" providerId="Windows Live" clId="Web-{1B854F4C-9449-4981-AA6B-F9A4604AB98D}" dt="2022-01-28T12:33:11.973" v="110"/>
-          <ac:spMkLst>
-            <pc:docMk/>
-            <pc:sldMk cId="3957637519" sldId="278"/>
-            <ac:spMk id="7" creationId="{F8C2BB30-CC11-0147-A0DC-3312D03B27F4}"/>
-          </ac:spMkLst>
-        </pc:spChg>
-        <pc:spChg chg="mod">
-          <ac:chgData name="Tommaso Alfonsi" userId="e83172dee4b71e09" providerId="Windows Live" clId="Web-{1B854F4C-9449-4981-AA6B-F9A4604AB98D}" dt="2022-01-28T12:55:36.814" v="309" actId="1076"/>
-          <ac:spMkLst>
-            <pc:docMk/>
-            <pc:sldMk cId="3957637519" sldId="278"/>
-            <ac:spMk id="8" creationId="{79E87BCA-5077-BC41-B42E-29374A77F4DD}"/>
-          </ac:spMkLst>
-        </pc:spChg>
-        <pc:spChg chg="del">
-          <ac:chgData name="Tommaso Alfonsi" userId="e83172dee4b71e09" providerId="Windows Live" clId="Web-{1B854F4C-9449-4981-AA6B-F9A4604AB98D}" dt="2022-01-28T12:33:40.378" v="120"/>
-          <ac:spMkLst>
-            <pc:docMk/>
-            <pc:sldMk cId="3957637519" sldId="278"/>
-            <ac:spMk id="9" creationId="{C943BC3A-22EE-F444-9F44-CD9D0D27B4DE}"/>
-          </ac:spMkLst>
-        </pc:spChg>
-        <pc:spChg chg="add mod">
-          <ac:chgData name="Tommaso Alfonsi" userId="e83172dee4b71e09" providerId="Windows Live" clId="Web-{1B854F4C-9449-4981-AA6B-F9A4604AB98D}" dt="2022-01-28T15:51:13.486" v="3202" actId="1076"/>
-          <ac:spMkLst>
-            <pc:docMk/>
-            <pc:sldMk cId="3957637519" sldId="278"/>
-            <ac:spMk id="10" creationId="{5FD1729E-FFFF-4A98-BFC1-79324C903B6E}"/>
-          </ac:spMkLst>
-        </pc:spChg>
-        <pc:spChg chg="add del">
-          <ac:chgData name="Tommaso Alfonsi" userId="e83172dee4b71e09" providerId="Windows Live" clId="Web-{1B854F4C-9449-4981-AA6B-F9A4604AB98D}" dt="2022-01-28T15:32:17.454" v="2865"/>
-          <ac:spMkLst>
-            <pc:docMk/>
-            <pc:sldMk cId="3957637519" sldId="278"/>
-            <ac:spMk id="12" creationId="{8495C3ED-6A38-4684-A5C4-4E4CCC95A77E}"/>
-          </ac:spMkLst>
-        </pc:spChg>
-        <pc:spChg chg="add mod">
-          <ac:chgData name="Tommaso Alfonsi" userId="e83172dee4b71e09" providerId="Windows Live" clId="Web-{1B854F4C-9449-4981-AA6B-F9A4604AB98D}" dt="2022-01-28T15:32:13.110" v="2864" actId="14100"/>
-          <ac:spMkLst>
-            <pc:docMk/>
-            <pc:sldMk cId="3957637519" sldId="278"/>
-            <ac:spMk id="15" creationId="{D2B3497B-DA3F-4D28-B4B4-FFBDC1B8FC1A}"/>
-          </ac:spMkLst>
-        </pc:spChg>
-        <pc:spChg chg="add del mod">
-          <ac:chgData name="Tommaso Alfonsi" userId="e83172dee4b71e09" providerId="Windows Live" clId="Web-{1B854F4C-9449-4981-AA6B-F9A4604AB98D}" dt="2022-01-28T15:51:30.251" v="3207"/>
-          <ac:spMkLst>
-            <pc:docMk/>
-            <pc:sldMk cId="3957637519" sldId="278"/>
-            <ac:spMk id="18" creationId="{DF818959-95B8-4147-AD69-4D98C123B879}"/>
-          </ac:spMkLst>
-        </pc:spChg>
-        <pc:spChg chg="del">
-          <ac:chgData name="Tommaso Alfonsi" userId="e83172dee4b71e09" providerId="Windows Live" clId="Web-{1B854F4C-9449-4981-AA6B-F9A4604AB98D}" dt="2022-01-28T12:34:57.690" v="156"/>
-          <ac:spMkLst>
-            <pc:docMk/>
-            <pc:sldMk cId="3957637519" sldId="278"/>
-            <ac:spMk id="31" creationId="{C1DCA7B7-73F0-6845-BA94-E3462CF7CD62}"/>
-          </ac:spMkLst>
-        </pc:spChg>
-        <pc:cxnChg chg="del">
-          <ac:chgData name="Tommaso Alfonsi" userId="e83172dee4b71e09" providerId="Windows Live" clId="Web-{1B854F4C-9449-4981-AA6B-F9A4604AB98D}" dt="2022-01-28T12:33:42.597" v="123"/>
-          <ac:cxnSpMkLst>
-            <pc:docMk/>
-            <pc:sldMk cId="3957637519" sldId="278"/>
-            <ac:cxnSpMk id="11" creationId="{96CCDB60-A8BD-454D-A220-EBFA55BD7693}"/>
-          </ac:cxnSpMkLst>
-        </pc:cxnChg>
-        <pc:cxnChg chg="del">
-          <ac:chgData name="Tommaso Alfonsi" userId="e83172dee4b71e09" providerId="Windows Live" clId="Web-{1B854F4C-9449-4981-AA6B-F9A4604AB98D}" dt="2022-01-28T12:33:42.597" v="122"/>
-          <ac:cxnSpMkLst>
-            <pc:docMk/>
-            <pc:sldMk cId="3957637519" sldId="278"/>
-            <ac:cxnSpMk id="13" creationId="{DEE8F3A0-9ABC-5B41-B163-86320BBA82B0}"/>
-          </ac:cxnSpMkLst>
-        </pc:cxnChg>
-        <pc:cxnChg chg="del">
-          <ac:chgData name="Tommaso Alfonsi" userId="e83172dee4b71e09" providerId="Windows Live" clId="Web-{1B854F4C-9449-4981-AA6B-F9A4604AB98D}" dt="2022-01-28T12:33:42.597" v="121"/>
-          <ac:cxnSpMkLst>
-            <pc:docMk/>
-            <pc:sldMk cId="3957637519" sldId="278"/>
-            <ac:cxnSpMk id="16" creationId="{E0B4D4AD-CF4F-1843-839D-CE9E3E6F6660}"/>
-          </ac:cxnSpMkLst>
-        </pc:cxnChg>
-        <pc:cxnChg chg="del">
-          <ac:chgData name="Tommaso Alfonsi" userId="e83172dee4b71e09" providerId="Windows Live" clId="Web-{1B854F4C-9449-4981-AA6B-F9A4604AB98D}" dt="2022-01-28T15:51:16.939" v="3203"/>
-          <ac:cxnSpMkLst>
-            <pc:docMk/>
-            <pc:sldMk cId="3957637519" sldId="278"/>
-            <ac:cxnSpMk id="34" creationId="{B6301265-C865-1E41-A56C-042DE4781CEC}"/>
-          </ac:cxnSpMkLst>
-        </pc:cxnChg>
-      </pc:sldChg>
-      <pc:sldChg chg="addSp delSp modSp add replId modNotes">
-        <pc:chgData name="Tommaso Alfonsi" userId="e83172dee4b71e09" providerId="Windows Live" clId="Web-{1B854F4C-9449-4981-AA6B-F9A4604AB98D}" dt="2022-01-28T15:48:53.972" v="3197" actId="20577"/>
-        <pc:sldMkLst>
-          <pc:docMk/>
-          <pc:sldMk cId="3396458455" sldId="279"/>
-        </pc:sldMkLst>
-        <pc:spChg chg="mod">
-          <ac:chgData name="Tommaso Alfonsi" userId="e83172dee4b71e09" providerId="Windows Live" clId="Web-{1B854F4C-9449-4981-AA6B-F9A4604AB98D}" dt="2022-01-28T15:06:17.444" v="1812" actId="20577"/>
-          <ac:spMkLst>
-            <pc:docMk/>
-            <pc:sldMk cId="3396458455" sldId="279"/>
-            <ac:spMk id="2" creationId="{0FF2A39C-05C5-4548-93FB-6615D0302771}"/>
-          </ac:spMkLst>
-        </pc:spChg>
-        <pc:spChg chg="add del mod">
-          <ac:chgData name="Tommaso Alfonsi" userId="e83172dee4b71e09" providerId="Windows Live" clId="Web-{1B854F4C-9449-4981-AA6B-F9A4604AB98D}" dt="2022-01-28T15:15:12.640" v="2133"/>
-          <ac:spMkLst>
-            <pc:docMk/>
-            <pc:sldMk cId="3396458455" sldId="279"/>
-            <ac:spMk id="4" creationId="{D383E16E-1B0C-4CE8-9FD8-2274F934E188}"/>
-          </ac:spMkLst>
-        </pc:spChg>
-        <pc:spChg chg="mod">
-          <ac:chgData name="Tommaso Alfonsi" userId="e83172dee4b71e09" providerId="Windows Live" clId="Web-{1B854F4C-9449-4981-AA6B-F9A4604AB98D}" dt="2022-01-28T15:46:40.708" v="3172" actId="20577"/>
-          <ac:spMkLst>
-            <pc:docMk/>
-            <pc:sldMk cId="3396458455" sldId="279"/>
-            <ac:spMk id="5" creationId="{AEBD7215-052D-4D77-9F4E-31F8F56E7F80}"/>
-          </ac:spMkLst>
-        </pc:spChg>
-        <pc:spChg chg="add del mod">
-          <ac:chgData name="Tommaso Alfonsi" userId="e83172dee4b71e09" providerId="Windows Live" clId="Web-{1B854F4C-9449-4981-AA6B-F9A4604AB98D}" dt="2022-01-28T15:44:33.382" v="3092"/>
-          <ac:spMkLst>
-            <pc:docMk/>
-            <pc:sldMk cId="3396458455" sldId="279"/>
-            <ac:spMk id="7" creationId="{83935997-5190-4EC4-982D-368C0D618EF9}"/>
-          </ac:spMkLst>
-        </pc:spChg>
-        <pc:spChg chg="add del mod">
-          <ac:chgData name="Tommaso Alfonsi" userId="e83172dee4b71e09" providerId="Windows Live" clId="Web-{1B854F4C-9449-4981-AA6B-F9A4604AB98D}" dt="2022-01-28T15:18:20.090" v="2290"/>
-          <ac:spMkLst>
-            <pc:docMk/>
-            <pc:sldMk cId="3396458455" sldId="279"/>
-            <ac:spMk id="10" creationId="{6554F3A6-FBCB-454D-AC6D-6917EAABC9C1}"/>
-          </ac:spMkLst>
-        </pc:spChg>
-        <pc:spChg chg="add del mod">
-          <ac:chgData name="Tommaso Alfonsi" userId="e83172dee4b71e09" providerId="Windows Live" clId="Web-{1B854F4C-9449-4981-AA6B-F9A4604AB98D}" dt="2022-01-28T15:19:06.074" v="2336"/>
-          <ac:spMkLst>
-            <pc:docMk/>
-            <pc:sldMk cId="3396458455" sldId="279"/>
-            <ac:spMk id="11" creationId="{16CE4E05-03A3-47E8-9EA1-4699884ED5DD}"/>
-          </ac:spMkLst>
-        </pc:spChg>
-        <pc:spChg chg="del mod">
-          <ac:chgData name="Tommaso Alfonsi" userId="e83172dee4b71e09" providerId="Windows Live" clId="Web-{1B854F4C-9449-4981-AA6B-F9A4604AB98D}" dt="2022-01-28T15:15:59.951" v="2145"/>
-          <ac:spMkLst>
-            <pc:docMk/>
-            <pc:sldMk cId="3396458455" sldId="279"/>
-            <ac:spMk id="12" creationId="{D851EBF3-1E19-4DD8-8929-61A24CA2883C}"/>
-          </ac:spMkLst>
-        </pc:spChg>
-        <pc:spChg chg="add del mod">
-          <ac:chgData name="Tommaso Alfonsi" userId="e83172dee4b71e09" providerId="Windows Live" clId="Web-{1B854F4C-9449-4981-AA6B-F9A4604AB98D}" dt="2022-01-28T15:19:06.074" v="2335"/>
-          <ac:spMkLst>
-            <pc:docMk/>
-            <pc:sldMk cId="3396458455" sldId="279"/>
-            <ac:spMk id="13" creationId="{382E7FD7-333F-4993-80E3-C536DD834B51}"/>
-          </ac:spMkLst>
-        </pc:spChg>
-        <pc:spChg chg="add del mod">
-          <ac:chgData name="Tommaso Alfonsi" userId="e83172dee4b71e09" providerId="Windows Live" clId="Web-{1B854F4C-9449-4981-AA6B-F9A4604AB98D}" dt="2022-01-28T15:19:06.074" v="2334"/>
-          <ac:spMkLst>
-            <pc:docMk/>
-            <pc:sldMk cId="3396458455" sldId="279"/>
-            <ac:spMk id="14" creationId="{4AC5A5D8-4EB0-4565-A24A-D123E55A51DF}"/>
-          </ac:spMkLst>
-        </pc:spChg>
-        <pc:spChg chg="add del">
-          <ac:chgData name="Tommaso Alfonsi" userId="e83172dee4b71e09" providerId="Windows Live" clId="Web-{1B854F4C-9449-4981-AA6B-F9A4604AB98D}" dt="2022-01-28T15:18:22.075" v="2291"/>
-          <ac:spMkLst>
-            <pc:docMk/>
-            <pc:sldMk cId="3396458455" sldId="279"/>
-            <ac:spMk id="15" creationId="{258AEB59-21A7-4288-A188-52655EF2BE10}"/>
-          </ac:spMkLst>
-        </pc:spChg>
-        <pc:spChg chg="add del mod">
-          <ac:chgData name="Tommaso Alfonsi" userId="e83172dee4b71e09" providerId="Windows Live" clId="Web-{1B854F4C-9449-4981-AA6B-F9A4604AB98D}" dt="2022-01-28T15:19:06.074" v="2333"/>
-          <ac:spMkLst>
-            <pc:docMk/>
-            <pc:sldMk cId="3396458455" sldId="279"/>
-            <ac:spMk id="16" creationId="{5446BFAC-AE9A-45D4-AB03-CCD80E45D36E}"/>
-          </ac:spMkLst>
-        </pc:spChg>
-        <pc:spChg chg="add mod">
-          <ac:chgData name="Tommaso Alfonsi" userId="e83172dee4b71e09" providerId="Windows Live" clId="Web-{1B854F4C-9449-4981-AA6B-F9A4604AB98D}" dt="2022-01-28T15:48:53.972" v="3197" actId="20577"/>
-          <ac:spMkLst>
-            <pc:docMk/>
-            <pc:sldMk cId="3396458455" sldId="279"/>
-            <ac:spMk id="18" creationId="{6B16816C-5D28-4980-811E-4212FAE9B818}"/>
-          </ac:spMkLst>
-        </pc:spChg>
-        <pc:picChg chg="add del mod">
-          <ac:chgData name="Tommaso Alfonsi" userId="e83172dee4b71e09" providerId="Windows Live" clId="Web-{1B854F4C-9449-4981-AA6B-F9A4604AB98D}" dt="2022-01-28T15:44:22.616" v="3090"/>
-          <ac:picMkLst>
-            <pc:docMk/>
-            <pc:sldMk cId="3396458455" sldId="279"/>
-            <ac:picMk id="8" creationId="{01A66206-D459-4819-AEB3-BD74DC4D483A}"/>
-          </ac:picMkLst>
-        </pc:picChg>
-        <pc:picChg chg="add">
-          <ac:chgData name="Tommaso Alfonsi" userId="e83172dee4b71e09" providerId="Windows Live" clId="Web-{1B854F4C-9449-4981-AA6B-F9A4604AB98D}" dt="2022-01-28T15:44:22.897" v="3091"/>
-          <ac:picMkLst>
-            <pc:docMk/>
-            <pc:sldMk cId="3396458455" sldId="279"/>
-            <ac:picMk id="9" creationId="{02C1808D-CA45-40C2-AF65-B3DE336A5F08}"/>
-          </ac:picMkLst>
-        </pc:picChg>
-        <pc:cxnChg chg="add mod">
-          <ac:chgData name="Tommaso Alfonsi" userId="e83172dee4b71e09" providerId="Windows Live" clId="Web-{1B854F4C-9449-4981-AA6B-F9A4604AB98D}" dt="2022-01-28T15:47:59.770" v="3186"/>
-          <ac:cxnSpMkLst>
-            <pc:docMk/>
-            <pc:sldMk cId="3396458455" sldId="279"/>
-            <ac:cxnSpMk id="19" creationId="{77A6DE4F-86F1-4EA6-8512-C5B1910B59AE}"/>
-          </ac:cxnSpMkLst>
-        </pc:cxnChg>
-      </pc:sldChg>
-      <pc:sldChg chg="addSp delSp modSp add ord replId modNotes">
-        <pc:chgData name="Tommaso Alfonsi" userId="e83172dee4b71e09" providerId="Windows Live" clId="Web-{1B854F4C-9449-4981-AA6B-F9A4604AB98D}" dt="2022-01-28T16:53:07.717" v="3885"/>
-        <pc:sldMkLst>
-          <pc:docMk/>
-          <pc:sldMk cId="3317786436" sldId="280"/>
-        </pc:sldMkLst>
-        <pc:spChg chg="mod">
-          <ac:chgData name="Tommaso Alfonsi" userId="e83172dee4b71e09" providerId="Windows Live" clId="Web-{1B854F4C-9449-4981-AA6B-F9A4604AB98D}" dt="2022-01-28T16:10:04.111" v="3362" actId="20577"/>
-          <ac:spMkLst>
-            <pc:docMk/>
-            <pc:sldMk cId="3317786436" sldId="280"/>
-            <ac:spMk id="2" creationId="{35592CAD-C2CD-3641-9AC1-502343055CC5}"/>
-          </ac:spMkLst>
-        </pc:spChg>
-        <pc:spChg chg="del mod">
-          <ac:chgData name="Tommaso Alfonsi" userId="e83172dee4b71e09" providerId="Windows Live" clId="Web-{1B854F4C-9449-4981-AA6B-F9A4604AB98D}" dt="2022-01-28T16:36:59.980" v="3544"/>
-          <ac:spMkLst>
-            <pc:docMk/>
-            <pc:sldMk cId="3317786436" sldId="280"/>
-            <ac:spMk id="6" creationId="{53416195-7834-447E-81B5-5435582CF813}"/>
-          </ac:spMkLst>
-        </pc:spChg>
-        <pc:spChg chg="del">
-          <ac:chgData name="Tommaso Alfonsi" userId="e83172dee4b71e09" providerId="Windows Live" clId="Web-{1B854F4C-9449-4981-AA6B-F9A4604AB98D}" dt="2022-01-28T16:00:30.760" v="3326"/>
-          <ac:spMkLst>
-            <pc:docMk/>
-            <pc:sldMk cId="3317786436" sldId="280"/>
-            <ac:spMk id="7" creationId="{E3517D44-34AB-4748-990B-BE4D4083278B}"/>
-          </ac:spMkLst>
-        </pc:spChg>
-        <pc:spChg chg="add mod">
-          <ac:chgData name="Tommaso Alfonsi" userId="e83172dee4b71e09" providerId="Windows Live" clId="Web-{1B854F4C-9449-4981-AA6B-F9A4604AB98D}" dt="2022-01-28T16:28:26.175" v="3428" actId="1076"/>
-          <ac:spMkLst>
-            <pc:docMk/>
-            <pc:sldMk cId="3317786436" sldId="280"/>
-            <ac:spMk id="8" creationId="{3E5837E9-1C50-4872-8131-EFEA5006A1BC}"/>
-          </ac:spMkLst>
-        </pc:spChg>
-        <pc:spChg chg="add mod">
-          <ac:chgData name="Tommaso Alfonsi" userId="e83172dee4b71e09" providerId="Windows Live" clId="Web-{1B854F4C-9449-4981-AA6B-F9A4604AB98D}" dt="2022-01-28T16:28:26.159" v="3427" actId="1076"/>
-          <ac:spMkLst>
-            <pc:docMk/>
-            <pc:sldMk cId="3317786436" sldId="280"/>
-            <ac:spMk id="9" creationId="{64116A86-E250-4F32-A272-87DE006BBD4B}"/>
-          </ac:spMkLst>
-        </pc:spChg>
-        <pc:spChg chg="del">
-          <ac:chgData name="Tommaso Alfonsi" userId="e83172dee4b71e09" providerId="Windows Live" clId="Web-{1B854F4C-9449-4981-AA6B-F9A4604AB98D}" dt="2022-01-28T16:00:27.197" v="3325"/>
-          <ac:spMkLst>
-            <pc:docMk/>
-            <pc:sldMk cId="3317786436" sldId="280"/>
-            <ac:spMk id="11" creationId="{C5F456E6-0298-41CE-BA26-F01382F4C317}"/>
-          </ac:spMkLst>
-        </pc:spChg>
-        <pc:spChg chg="del">
-          <ac:chgData name="Tommaso Alfonsi" userId="e83172dee4b71e09" providerId="Windows Live" clId="Web-{1B854F4C-9449-4981-AA6B-F9A4604AB98D}" dt="2022-01-28T16:00:23.103" v="3323"/>
-          <ac:spMkLst>
-            <pc:docMk/>
-            <pc:sldMk cId="3317786436" sldId="280"/>
-            <ac:spMk id="12" creationId="{96A8893C-BD94-47EF-85AF-7E75B3982C1A}"/>
-          </ac:spMkLst>
-        </pc:spChg>
-        <pc:spChg chg="add mod">
-          <ac:chgData name="Tommaso Alfonsi" userId="e83172dee4b71e09" providerId="Windows Live" clId="Web-{1B854F4C-9449-4981-AA6B-F9A4604AB98D}" dt="2022-01-28T16:40:41.477" v="3617"/>
-          <ac:spMkLst>
-            <pc:docMk/>
-            <pc:sldMk cId="3317786436" sldId="280"/>
-            <ac:spMk id="17" creationId="{642FC17C-5942-4B7F-947E-88C2B81CB3E8}"/>
-          </ac:spMkLst>
-        </pc:spChg>
-        <pc:spChg chg="add del">
-          <ac:chgData name="Tommaso Alfonsi" userId="e83172dee4b71e09" providerId="Windows Live" clId="Web-{1B854F4C-9449-4981-AA6B-F9A4604AB98D}" dt="2022-01-28T16:38:44.760" v="3570"/>
-          <ac:spMkLst>
-            <pc:docMk/>
-            <pc:sldMk cId="3317786436" sldId="280"/>
-            <ac:spMk id="18" creationId="{C65FE16B-6138-4FF9-AD02-88970574F588}"/>
-          </ac:spMkLst>
-        </pc:spChg>
-        <pc:spChg chg="add mod">
-          <ac:chgData name="Tommaso Alfonsi" userId="e83172dee4b71e09" providerId="Windows Live" clId="Web-{1B854F4C-9449-4981-AA6B-F9A4604AB98D}" dt="2022-01-28T16:41:03.321" v="3618" actId="1076"/>
-          <ac:spMkLst>
-            <pc:docMk/>
-            <pc:sldMk cId="3317786436" sldId="280"/>
-            <ac:spMk id="21" creationId="{E0F4BD2B-F025-45AE-A8DB-43AA780B7401}"/>
-          </ac:spMkLst>
-        </pc:spChg>
-        <pc:spChg chg="add mod">
-          <ac:chgData name="Tommaso Alfonsi" userId="e83172dee4b71e09" providerId="Windows Live" clId="Web-{1B854F4C-9449-4981-AA6B-F9A4604AB98D}" dt="2022-01-28T16:46:51.285" v="3841" actId="20577"/>
-          <ac:spMkLst>
-            <pc:docMk/>
-            <pc:sldMk cId="3317786436" sldId="280"/>
-            <ac:spMk id="22" creationId="{CBF30C11-A7C6-42E5-88FB-B43D3FE784A4}"/>
-          </ac:spMkLst>
-        </pc:spChg>
-        <pc:picChg chg="add del mod">
-          <ac:chgData name="Tommaso Alfonsi" userId="e83172dee4b71e09" providerId="Windows Live" clId="Web-{1B854F4C-9449-4981-AA6B-F9A4604AB98D}" dt="2022-01-28T16:09:53.658" v="3357"/>
-          <ac:picMkLst>
-            <pc:docMk/>
-            <pc:sldMk cId="3317786436" sldId="280"/>
-            <ac:picMk id="3" creationId="{0E71ECEB-251C-4EE0-BF17-947AA14D76A7}"/>
-          </ac:picMkLst>
-        </pc:picChg>
-        <pc:picChg chg="del">
-          <ac:chgData name="Tommaso Alfonsi" userId="e83172dee4b71e09" providerId="Windows Live" clId="Web-{1B854F4C-9449-4981-AA6B-F9A4604AB98D}" dt="2022-01-28T15:59:18.636" v="3312"/>
-          <ac:picMkLst>
-            <pc:docMk/>
-            <pc:sldMk cId="3317786436" sldId="280"/>
-            <ac:picMk id="4" creationId="{A762E94A-0EFD-40B9-B164-DBD03A9CFFF2}"/>
-          </ac:picMkLst>
-        </pc:picChg>
-        <pc:picChg chg="add mod">
-          <ac:chgData name="Tommaso Alfonsi" userId="e83172dee4b71e09" providerId="Windows Live" clId="Web-{1B854F4C-9449-4981-AA6B-F9A4604AB98D}" dt="2022-01-28T16:28:26.144" v="3426" actId="1076"/>
-          <ac:picMkLst>
-            <pc:docMk/>
-            <pc:sldMk cId="3317786436" sldId="280"/>
-            <ac:picMk id="5" creationId="{EED0EE76-8C71-42BA-8A1C-E2D8DE924A38}"/>
-          </ac:picMkLst>
-        </pc:picChg>
-        <pc:cxnChg chg="add del mod">
-          <ac:chgData name="Tommaso Alfonsi" userId="e83172dee4b71e09" providerId="Windows Live" clId="Web-{1B854F4C-9449-4981-AA6B-F9A4604AB98D}" dt="2022-01-28T16:27:46.050" v="3423"/>
-          <ac:cxnSpMkLst>
-            <pc:docMk/>
-            <pc:sldMk cId="3317786436" sldId="280"/>
-            <ac:cxnSpMk id="14" creationId="{772E52C9-287C-4B0E-9292-B03F491D7E32}"/>
-          </ac:cxnSpMkLst>
-        </pc:cxnChg>
-        <pc:cxnChg chg="add mod">
-          <ac:chgData name="Tommaso Alfonsi" userId="e83172dee4b71e09" providerId="Windows Live" clId="Web-{1B854F4C-9449-4981-AA6B-F9A4604AB98D}" dt="2022-01-28T16:40:30.196" v="3615"/>
-          <ac:cxnSpMkLst>
-            <pc:docMk/>
-            <pc:sldMk cId="3317786436" sldId="280"/>
-            <ac:cxnSpMk id="15" creationId="{2722AD64-B399-4DD8-84B3-20415E2F46F6}"/>
-          </ac:cxnSpMkLst>
-        </pc:cxnChg>
-        <pc:cxnChg chg="add mod">
-          <ac:chgData name="Tommaso Alfonsi" userId="e83172dee4b71e09" providerId="Windows Live" clId="Web-{1B854F4C-9449-4981-AA6B-F9A4604AB98D}" dt="2022-01-28T16:40:30.196" v="3616"/>
-          <ac:cxnSpMkLst>
-            <pc:docMk/>
-            <pc:sldMk cId="3317786436" sldId="280"/>
-            <ac:cxnSpMk id="16" creationId="{21092BB4-52E9-420A-89AA-538981D98626}"/>
-          </ac:cxnSpMkLst>
-        </pc:cxnChg>
-        <pc:cxnChg chg="add mod">
-          <ac:chgData name="Tommaso Alfonsi" userId="e83172dee4b71e09" providerId="Windows Live" clId="Web-{1B854F4C-9449-4981-AA6B-F9A4604AB98D}" dt="2022-01-28T16:41:25.648" v="3622" actId="14100"/>
-          <ac:cxnSpMkLst>
-            <pc:docMk/>
-            <pc:sldMk cId="3317786436" sldId="280"/>
-            <ac:cxnSpMk id="19" creationId="{C3A8DE7E-7EF9-4D19-A0F3-21848876B3A3}"/>
-          </ac:cxnSpMkLst>
-        </pc:cxnChg>
-        <pc:cxnChg chg="add mod">
-          <ac:chgData name="Tommaso Alfonsi" userId="e83172dee4b71e09" providerId="Windows Live" clId="Web-{1B854F4C-9449-4981-AA6B-F9A4604AB98D}" dt="2022-01-28T16:41:36.961" v="3624" actId="14100"/>
-          <ac:cxnSpMkLst>
-            <pc:docMk/>
-            <pc:sldMk cId="3317786436" sldId="280"/>
-            <ac:cxnSpMk id="20" creationId="{937F9066-3245-47E6-8AB7-09F023EBFE4C}"/>
-          </ac:cxnSpMkLst>
-        </pc:cxnChg>
-      </pc:sldChg>
-    </pc:docChg>
-  </pc:docChgLst>
-  <pc:docChgLst>
-    <pc:chgData name="Tommaso Alfonsi" userId="e83172dee4b71e09" providerId="Windows Live" clId="Web-{DE5830D3-72B1-499A-90D3-60B0E22B4BC7}"/>
-    <pc:docChg chg="modSld">
-      <pc:chgData name="Tommaso Alfonsi" userId="e83172dee4b71e09" providerId="Windows Live" clId="Web-{DE5830D3-72B1-499A-90D3-60B0E22B4BC7}" dt="2022-01-27T22:23:58.070" v="276" actId="1076"/>
-      <pc:docMkLst>
-        <pc:docMk/>
-      </pc:docMkLst>
-      <pc:sldChg chg="modSp">
-        <pc:chgData name="Tommaso Alfonsi" userId="e83172dee4b71e09" providerId="Windows Live" clId="Web-{DE5830D3-72B1-499A-90D3-60B0E22B4BC7}" dt="2022-01-27T21:39:22.819" v="12" actId="20577"/>
-        <pc:sldMkLst>
-          <pc:docMk/>
-          <pc:sldMk cId="2139852903" sldId="260"/>
-        </pc:sldMkLst>
-        <pc:spChg chg="mod">
-          <ac:chgData name="Tommaso Alfonsi" userId="e83172dee4b71e09" providerId="Windows Live" clId="Web-{DE5830D3-72B1-499A-90D3-60B0E22B4BC7}" dt="2022-01-27T21:39:22.819" v="12" actId="20577"/>
-          <ac:spMkLst>
-            <pc:docMk/>
-            <pc:sldMk cId="2139852903" sldId="260"/>
-            <ac:spMk id="8" creationId="{8464E8DB-2A63-E941-BF54-CBF23AEEB7B5}"/>
-          </ac:spMkLst>
-        </pc:spChg>
-      </pc:sldChg>
-      <pc:sldChg chg="modSp">
-        <pc:chgData name="Tommaso Alfonsi" userId="e83172dee4b71e09" providerId="Windows Live" clId="Web-{DE5830D3-72B1-499A-90D3-60B0E22B4BC7}" dt="2022-01-27T21:43:08.511" v="14" actId="20577"/>
-        <pc:sldMkLst>
-          <pc:docMk/>
-          <pc:sldMk cId="3906573034" sldId="270"/>
-        </pc:sldMkLst>
-        <pc:spChg chg="mod">
-          <ac:chgData name="Tommaso Alfonsi" userId="e83172dee4b71e09" providerId="Windows Live" clId="Web-{DE5830D3-72B1-499A-90D3-60B0E22B4BC7}" dt="2022-01-27T21:43:08.511" v="14" actId="20577"/>
-          <ac:spMkLst>
-            <pc:docMk/>
-            <pc:sldMk cId="3906573034" sldId="270"/>
-            <ac:spMk id="8" creationId="{8464E8DB-2A63-E941-BF54-CBF23AEEB7B5}"/>
-          </ac:spMkLst>
-        </pc:spChg>
-      </pc:sldChg>
-      <pc:sldChg chg="modSp">
-        <pc:chgData name="Tommaso Alfonsi" userId="e83172dee4b71e09" providerId="Windows Live" clId="Web-{DE5830D3-72B1-499A-90D3-60B0E22B4BC7}" dt="2022-01-27T22:23:58.070" v="276" actId="1076"/>
-        <pc:sldMkLst>
-          <pc:docMk/>
-          <pc:sldMk cId="2916618238" sldId="273"/>
-        </pc:sldMkLst>
-        <pc:cxnChg chg="mod">
-          <ac:chgData name="Tommaso Alfonsi" userId="e83172dee4b71e09" providerId="Windows Live" clId="Web-{DE5830D3-72B1-499A-90D3-60B0E22B4BC7}" dt="2022-01-27T22:23:47.273" v="274" actId="1076"/>
-          <ac:cxnSpMkLst>
-            <pc:docMk/>
-            <pc:sldMk cId="2916618238" sldId="273"/>
-            <ac:cxnSpMk id="53" creationId="{254ED5BE-8301-7444-98F1-C1E6AC91CF19}"/>
-          </ac:cxnSpMkLst>
-        </pc:cxnChg>
-        <pc:cxnChg chg="mod">
-          <ac:chgData name="Tommaso Alfonsi" userId="e83172dee4b71e09" providerId="Windows Live" clId="Web-{DE5830D3-72B1-499A-90D3-60B0E22B4BC7}" dt="2022-01-27T22:23:25.179" v="271" actId="1076"/>
-          <ac:cxnSpMkLst>
-            <pc:docMk/>
-            <pc:sldMk cId="2916618238" sldId="273"/>
-            <ac:cxnSpMk id="54" creationId="{B367C313-2995-8D41-967B-312A2B8BF6CD}"/>
-          </ac:cxnSpMkLst>
-        </pc:cxnChg>
-        <pc:cxnChg chg="mod">
-          <ac:chgData name="Tommaso Alfonsi" userId="e83172dee4b71e09" providerId="Windows Live" clId="Web-{DE5830D3-72B1-499A-90D3-60B0E22B4BC7}" dt="2022-01-27T22:23:58.070" v="276" actId="1076"/>
-          <ac:cxnSpMkLst>
-            <pc:docMk/>
-            <pc:sldMk cId="2916618238" sldId="273"/>
-            <ac:cxnSpMk id="55" creationId="{CC63C9A7-F5C9-284B-AF28-672F07758A2B}"/>
-          </ac:cxnSpMkLst>
-        </pc:cxnChg>
-        <pc:cxnChg chg="mod">
-          <ac:chgData name="Tommaso Alfonsi" userId="e83172dee4b71e09" providerId="Windows Live" clId="Web-{DE5830D3-72B1-499A-90D3-60B0E22B4BC7}" dt="2022-01-27T22:23:05.975" v="267" actId="1076"/>
-          <ac:cxnSpMkLst>
-            <pc:docMk/>
-            <pc:sldMk cId="2916618238" sldId="273"/>
-            <ac:cxnSpMk id="56" creationId="{12119218-27CF-A442-933E-5F937DC85CE8}"/>
-          </ac:cxnSpMkLst>
-        </pc:cxnChg>
-        <pc:cxnChg chg="mod">
-          <ac:chgData name="Tommaso Alfonsi" userId="e83172dee4b71e09" providerId="Windows Live" clId="Web-{DE5830D3-72B1-499A-90D3-60B0E22B4BC7}" dt="2022-01-27T22:23:05.975" v="268" actId="1076"/>
-          <ac:cxnSpMkLst>
-            <pc:docMk/>
-            <pc:sldMk cId="2916618238" sldId="273"/>
-            <ac:cxnSpMk id="57" creationId="{12523115-2F11-AD4F-8E26-9EEB182D4476}"/>
-          </ac:cxnSpMkLst>
-        </pc:cxnChg>
-      </pc:sldChg>
-      <pc:sldChg chg="addSp delSp modSp">
-        <pc:chgData name="Tommaso Alfonsi" userId="e83172dee4b71e09" providerId="Windows Live" clId="Web-{DE5830D3-72B1-499A-90D3-60B0E22B4BC7}" dt="2022-01-27T22:21:26.332" v="266" actId="20577"/>
-        <pc:sldMkLst>
-          <pc:docMk/>
-          <pc:sldMk cId="1653233552" sldId="275"/>
-        </pc:sldMkLst>
-        <pc:spChg chg="mod">
-          <ac:chgData name="Tommaso Alfonsi" userId="e83172dee4b71e09" providerId="Windows Live" clId="Web-{DE5830D3-72B1-499A-90D3-60B0E22B4BC7}" dt="2022-01-27T22:05:46.403" v="26" actId="20577"/>
-          <ac:spMkLst>
-            <pc:docMk/>
-            <pc:sldMk cId="1653233552" sldId="275"/>
-            <ac:spMk id="2" creationId="{35592CAD-C2CD-3641-9AC1-502343055CC5}"/>
-          </ac:spMkLst>
-        </pc:spChg>
-        <pc:spChg chg="del">
-          <ac:chgData name="Tommaso Alfonsi" userId="e83172dee4b71e09" providerId="Windows Live" clId="Web-{DE5830D3-72B1-499A-90D3-60B0E22B4BC7}" dt="2022-01-27T22:05:53.685" v="27"/>
-          <ac:spMkLst>
-            <pc:docMk/>
-            <pc:sldMk cId="1653233552" sldId="275"/>
-            <ac:spMk id="3" creationId="{718A5416-ED6A-7B47-A9BE-6F3C0AFBA133}"/>
-          </ac:spMkLst>
-        </pc:spChg>
-        <pc:spChg chg="add mod">
-          <ac:chgData name="Tommaso Alfonsi" userId="e83172dee4b71e09" providerId="Windows Live" clId="Web-{DE5830D3-72B1-499A-90D3-60B0E22B4BC7}" dt="2022-01-27T22:21:26.332" v="266" actId="20577"/>
-          <ac:spMkLst>
-            <pc:docMk/>
-            <pc:sldMk cId="1653233552" sldId="275"/>
-            <ac:spMk id="6" creationId="{53416195-7834-447E-81B5-5435582CF813}"/>
-          </ac:spMkLst>
-        </pc:spChg>
-        <pc:spChg chg="add mod">
-          <ac:chgData name="Tommaso Alfonsi" userId="e83172dee4b71e09" providerId="Windows Live" clId="Web-{DE5830D3-72B1-499A-90D3-60B0E22B4BC7}" dt="2022-01-27T22:16:40.497" v="224" actId="1076"/>
-          <ac:spMkLst>
-            <pc:docMk/>
-            <pc:sldMk cId="1653233552" sldId="275"/>
-            <ac:spMk id="7" creationId="{E3517D44-34AB-4748-990B-BE4D4083278B}"/>
-          </ac:spMkLst>
-        </pc:spChg>
-        <pc:spChg chg="add del">
-          <ac:chgData name="Tommaso Alfonsi" userId="e83172dee4b71e09" providerId="Windows Live" clId="Web-{DE5830D3-72B1-499A-90D3-60B0E22B4BC7}" dt="2022-01-27T22:16:24.466" v="220"/>
-          <ac:spMkLst>
-            <pc:docMk/>
-            <pc:sldMk cId="1653233552" sldId="275"/>
-            <ac:spMk id="8" creationId="{2C347C5C-6DB6-4BCF-ACB9-8F5983D3B0E9}"/>
-          </ac:spMkLst>
-        </pc:spChg>
-        <pc:spChg chg="add del mod">
-          <ac:chgData name="Tommaso Alfonsi" userId="e83172dee4b71e09" providerId="Windows Live" clId="Web-{DE5830D3-72B1-499A-90D3-60B0E22B4BC7}" dt="2022-01-27T22:18:22.515" v="232"/>
-          <ac:spMkLst>
-            <pc:docMk/>
-            <pc:sldMk cId="1653233552" sldId="275"/>
-            <ac:spMk id="9" creationId="{EBFDC11B-BB7A-48F0-B361-17C66B738BF1}"/>
-          </ac:spMkLst>
-        </pc:spChg>
-        <pc:spChg chg="add mod">
-          <ac:chgData name="Tommaso Alfonsi" userId="e83172dee4b71e09" providerId="Windows Live" clId="Web-{DE5830D3-72B1-499A-90D3-60B0E22B4BC7}" dt="2022-01-27T22:19:01.938" v="239" actId="14100"/>
-          <ac:spMkLst>
-            <pc:docMk/>
-            <pc:sldMk cId="1653233552" sldId="275"/>
-            <ac:spMk id="11" creationId="{C5F456E6-0298-41CE-BA26-F01382F4C317}"/>
-          </ac:spMkLst>
-        </pc:spChg>
-        <pc:spChg chg="add mod">
-          <ac:chgData name="Tommaso Alfonsi" userId="e83172dee4b71e09" providerId="Windows Live" clId="Web-{DE5830D3-72B1-499A-90D3-60B0E22B4BC7}" dt="2022-01-27T22:20:43.659" v="263" actId="20577"/>
-          <ac:spMkLst>
-            <pc:docMk/>
-            <pc:sldMk cId="1653233552" sldId="275"/>
-            <ac:spMk id="12" creationId="{96A8893C-BD94-47EF-85AF-7E75B3982C1A}"/>
-          </ac:spMkLst>
-        </pc:spChg>
-        <pc:picChg chg="add mod">
-          <ac:chgData name="Tommaso Alfonsi" userId="e83172dee4b71e09" providerId="Windows Live" clId="Web-{DE5830D3-72B1-499A-90D3-60B0E22B4BC7}" dt="2022-01-27T22:18:39.031" v="237" actId="1076"/>
-          <ac:picMkLst>
-            <pc:docMk/>
-            <pc:sldMk cId="1653233552" sldId="275"/>
-            <ac:picMk id="4" creationId="{A762E94A-0EFD-40B9-B164-DBD03A9CFFF2}"/>
-          </ac:picMkLst>
-        </pc:picChg>
-      </pc:sldChg>
-      <pc:sldChg chg="modSp">
-        <pc:chgData name="Tommaso Alfonsi" userId="e83172dee4b71e09" providerId="Windows Live" clId="Web-{DE5830D3-72B1-499A-90D3-60B0E22B4BC7}" dt="2022-01-27T21:38:36.817" v="10" actId="1076"/>
-        <pc:sldMkLst>
-          <pc:docMk/>
-          <pc:sldMk cId="3472327148" sldId="276"/>
-        </pc:sldMkLst>
-        <pc:spChg chg="mod">
-          <ac:chgData name="Tommaso Alfonsi" userId="e83172dee4b71e09" providerId="Windows Live" clId="Web-{DE5830D3-72B1-499A-90D3-60B0E22B4BC7}" dt="2022-01-27T21:38:36.817" v="10" actId="1076"/>
-          <ac:spMkLst>
-            <pc:docMk/>
-            <pc:sldMk cId="3472327148" sldId="276"/>
-            <ac:spMk id="8" creationId="{79E87BCA-5077-BC41-B42E-29374A77F4DD}"/>
-          </ac:spMkLst>
-        </pc:spChg>
-      </pc:sldChg>
-    </pc:docChg>
-  </pc:docChgLst>
-</pc:chgInfo>
 </file>
 
 <file path=ppt/notesMasters/notesMaster1.xml><?xml version="1.0" encoding="utf-8"?>
@@ -993,7 +208,6 @@
           <a:p>
             <a:fld id="{5C4A7340-FBF5-C94B-B474-FFA8E9146F91}" type="datetimeFigureOut">
               <a:rPr lang="en-GB" smtClean="0"/>
-              <a:t>04/02/2022</a:t>
             </a:fld>
             <a:endParaRPr lang="en-GB"/>
           </a:p>
@@ -1060,6 +274,7 @@
               <a:rPr lang="it-IT"/>
               <a:t>Fare clic per modificare gli stili del testo dello schema</a:t>
             </a:r>
+            <a:endParaRPr lang="it-IT"/>
           </a:p>
           <a:p>
             <a:pPr lvl="1"/>
@@ -1067,6 +282,7 @@
               <a:rPr lang="it-IT"/>
               <a:t>Secondo livello</a:t>
             </a:r>
+            <a:endParaRPr lang="it-IT"/>
           </a:p>
           <a:p>
             <a:pPr lvl="2"/>
@@ -1074,6 +290,7 @@
               <a:rPr lang="it-IT"/>
               <a:t>Terzo livello</a:t>
             </a:r>
+            <a:endParaRPr lang="it-IT"/>
           </a:p>
           <a:p>
             <a:pPr lvl="3"/>
@@ -1081,6 +298,7 @@
               <a:rPr lang="it-IT"/>
               <a:t>Quarto livello</a:t>
             </a:r>
+            <a:endParaRPr lang="it-IT"/>
           </a:p>
           <a:p>
             <a:pPr lvl="4"/>
@@ -1152,18 +370,12 @@
           <a:p>
             <a:fld id="{A26EA17D-77D1-8E4E-9F7C-6370CAEEF1CF}" type="slidenum">
               <a:rPr lang="en-GB" smtClean="0"/>
-              <a:t>‹N›</a:t>
             </a:fld>
             <a:endParaRPr lang="en-GB"/>
           </a:p>
         </p:txBody>
       </p:sp>
     </p:spTree>
-    <p:extLst>
-      <p:ext uri="{BB962C8B-B14F-4D97-AF65-F5344CB8AC3E}">
-        <p14:creationId xmlns:p14="http://schemas.microsoft.com/office/powerpoint/2010/main" val="2724727069"/>
-      </p:ext>
-    </p:extLst>
   </p:cSld>
   <p:clrMap bg1="lt1" tx1="dk1" bg2="lt2" tx2="dk2" accent1="accent1" accent2="accent2" accent3="accent3" accent4="accent4" accent5="accent5" accent6="accent6" hlink="hlink" folHlink="folHlink"/>
   <p:notesStyle>
@@ -1393,6 +605,7 @@
               <a:rPr lang="en-GB" dirty="0"/>
               <a:t> (struct i2Grid)</a:t>
             </a:r>
+            <a:endParaRPr lang="en-GB" dirty="0"/>
           </a:p>
           <a:p>
             <a:r>
@@ -1514,6 +727,7 @@
               <a:rPr lang="en-GB" dirty="0"/>
               <a:t> in Particles.</a:t>
             </a:r>
+            <a:endParaRPr lang="en-GB" dirty="0"/>
           </a:p>
           <a:p>
             <a:r>
@@ -1524,6 +738,7 @@
               <a:rPr lang="en-GB" dirty="0"/>
               <a:t>:</a:t>
             </a:r>
+            <a:endParaRPr lang="en-GB" dirty="0"/>
           </a:p>
           <a:p>
             <a:r>
@@ -1645,6 +860,7 @@
               <a:rPr lang="en-GB" dirty="0"/>
               <a:t>)</a:t>
             </a:r>
+            <a:endParaRPr lang="en-GB" dirty="0"/>
           </a:p>
           <a:p>
             <a:r>
@@ -1747,6 +963,7 @@
               <a:rPr lang="en-GB" dirty="0"/>
               <a:t>)</a:t>
             </a:r>
+            <a:endParaRPr lang="en-GB" dirty="0"/>
           </a:p>
           <a:p>
             <a:r>
@@ -1809,6 +1026,7 @@
               <a:rPr lang="en-GB" dirty="0"/>
               <a:t> “forces”</a:t>
             </a:r>
+            <a:endParaRPr lang="en-GB" dirty="0"/>
           </a:p>
           <a:p>
             <a:r>
@@ -1913,18 +1131,12 @@
           <a:p>
             <a:fld id="{A26EA17D-77D1-8E4E-9F7C-6370CAEEF1CF}" type="slidenum">
               <a:rPr lang="en-GB" smtClean="0"/>
-              <a:t>3</a:t>
             </a:fld>
             <a:endParaRPr lang="en-GB"/>
           </a:p>
         </p:txBody>
       </p:sp>
     </p:spTree>
-    <p:extLst>
-      <p:ext uri="{BB962C8B-B14F-4D97-AF65-F5344CB8AC3E}">
-        <p14:creationId xmlns:p14="http://schemas.microsoft.com/office/powerpoint/2010/main" val="1997636925"/>
-      </p:ext>
-    </p:extLst>
   </p:cSld>
   <p:clrMapOvr>
     <a:masterClrMapping/>
@@ -1982,6 +1194,9 @@
               </a:rPr>
               <a:t>Particles_second_opt_not_enough</a:t>
             </a:r>
+            <a:endParaRPr lang="en-US" dirty="0" err="1">
+              <a:cs typeface="Calibri"/>
+            </a:endParaRPr>
           </a:p>
         </p:txBody>
       </p:sp>
@@ -2002,18 +1217,12 @@
           <a:p>
             <a:fld id="{A26EA17D-77D1-8E4E-9F7C-6370CAEEF1CF}" type="slidenum">
               <a:rPr lang="en-GB" smtClean="0"/>
-              <a:t>12</a:t>
             </a:fld>
             <a:endParaRPr lang="en-GB"/>
           </a:p>
         </p:txBody>
       </p:sp>
     </p:spTree>
-    <p:extLst>
-      <p:ext uri="{BB962C8B-B14F-4D97-AF65-F5344CB8AC3E}">
-        <p14:creationId xmlns:p14="http://schemas.microsoft.com/office/powerpoint/2010/main" val="1140447658"/>
-      </p:ext>
-    </p:extLst>
   </p:cSld>
   <p:clrMapOvr>
     <a:masterClrMapping/>
@@ -2071,6 +1280,9 @@
               </a:rPr>
               <a:t>Particles_second_opt_two_streams</a:t>
             </a:r>
+            <a:endParaRPr lang="en-US" dirty="0" err="1">
+              <a:cs typeface="Calibri"/>
+            </a:endParaRPr>
           </a:p>
         </p:txBody>
       </p:sp>
@@ -2091,18 +1303,12 @@
           <a:p>
             <a:fld id="{A26EA17D-77D1-8E4E-9F7C-6370CAEEF1CF}" type="slidenum">
               <a:rPr lang="en-GB" smtClean="0"/>
-              <a:t>13</a:t>
             </a:fld>
             <a:endParaRPr lang="en-GB"/>
           </a:p>
         </p:txBody>
       </p:sp>
     </p:spTree>
-    <p:extLst>
-      <p:ext uri="{BB962C8B-B14F-4D97-AF65-F5344CB8AC3E}">
-        <p14:creationId xmlns:p14="http://schemas.microsoft.com/office/powerpoint/2010/main" val="3356317518"/>
-      </p:ext>
-    </p:extLst>
   </p:cSld>
   <p:clrMapOvr>
     <a:masterClrMapping/>
@@ -2181,18 +1387,12 @@
           <a:p>
             <a:fld id="{A26EA17D-77D1-8E4E-9F7C-6370CAEEF1CF}" type="slidenum">
               <a:rPr lang="en-GB" smtClean="0"/>
-              <a:t>14</a:t>
             </a:fld>
             <a:endParaRPr lang="en-GB"/>
           </a:p>
         </p:txBody>
       </p:sp>
     </p:spTree>
-    <p:extLst>
-      <p:ext uri="{BB962C8B-B14F-4D97-AF65-F5344CB8AC3E}">
-        <p14:creationId xmlns:p14="http://schemas.microsoft.com/office/powerpoint/2010/main" val="1790980483"/>
-      </p:ext>
-    </p:extLst>
   </p:cSld>
   <p:clrMapOvr>
     <a:masterClrMapping/>
@@ -2265,18 +1465,12 @@
           <a:p>
             <a:fld id="{A26EA17D-77D1-8E4E-9F7C-6370CAEEF1CF}" type="slidenum">
               <a:rPr lang="en-GB" smtClean="0"/>
-              <a:t>15</a:t>
             </a:fld>
             <a:endParaRPr lang="en-GB"/>
           </a:p>
         </p:txBody>
       </p:sp>
     </p:spTree>
-    <p:extLst>
-      <p:ext uri="{BB962C8B-B14F-4D97-AF65-F5344CB8AC3E}">
-        <p14:creationId xmlns:p14="http://schemas.microsoft.com/office/powerpoint/2010/main" val="1596395629"/>
-      </p:ext>
-    </p:extLst>
   </p:cSld>
   <p:clrMapOvr>
     <a:masterClrMapping/>
@@ -2349,18 +1543,12 @@
           <a:p>
             <a:fld id="{A26EA17D-77D1-8E4E-9F7C-6370CAEEF1CF}" type="slidenum">
               <a:rPr lang="en-GB" smtClean="0"/>
-              <a:t>16</a:t>
             </a:fld>
             <a:endParaRPr lang="en-GB"/>
           </a:p>
         </p:txBody>
       </p:sp>
     </p:spTree>
-    <p:extLst>
-      <p:ext uri="{BB962C8B-B14F-4D97-AF65-F5344CB8AC3E}">
-        <p14:creationId xmlns:p14="http://schemas.microsoft.com/office/powerpoint/2010/main" val="398447472"/>
-      </p:ext>
-    </p:extLst>
   </p:cSld>
   <p:clrMapOvr>
     <a:masterClrMapping/>
@@ -2416,6 +1604,7 @@
               <a:rPr lang="en-GB" dirty="0"/>
               <a:t>About GPROF output and I/O</a:t>
             </a:r>
+            <a:endParaRPr lang="en-GB" dirty="0"/>
           </a:p>
           <a:p>
             <a:r>
@@ -2438,6 +1627,7 @@
               <a:rPr lang="en-GB" dirty="0"/>
               <a:t>-output</a:t>
             </a:r>
+            <a:endParaRPr lang="en-GB" dirty="0"/>
           </a:p>
         </p:txBody>
       </p:sp>
@@ -2458,18 +1648,12 @@
           <a:p>
             <a:fld id="{A26EA17D-77D1-8E4E-9F7C-6370CAEEF1CF}" type="slidenum">
               <a:rPr lang="en-GB" smtClean="0"/>
-              <a:t>17</a:t>
             </a:fld>
             <a:endParaRPr lang="en-GB"/>
           </a:p>
         </p:txBody>
       </p:sp>
     </p:spTree>
-    <p:extLst>
-      <p:ext uri="{BB962C8B-B14F-4D97-AF65-F5344CB8AC3E}">
-        <p14:creationId xmlns:p14="http://schemas.microsoft.com/office/powerpoint/2010/main" val="306945067"/>
-      </p:ext>
-    </p:extLst>
   </p:cSld>
   <p:clrMapOvr>
     <a:masterClrMapping/>
@@ -2542,18 +1726,12 @@
           <a:p>
             <a:fld id="{A26EA17D-77D1-8E4E-9F7C-6370CAEEF1CF}" type="slidenum">
               <a:rPr lang="en-GB" smtClean="0"/>
-              <a:t>4</a:t>
             </a:fld>
             <a:endParaRPr lang="en-GB"/>
           </a:p>
         </p:txBody>
       </p:sp>
     </p:spTree>
-    <p:extLst>
-      <p:ext uri="{BB962C8B-B14F-4D97-AF65-F5344CB8AC3E}">
-        <p14:creationId xmlns:p14="http://schemas.microsoft.com/office/powerpoint/2010/main" val="3742800610"/>
-      </p:ext>
-    </p:extLst>
   </p:cSld>
   <p:clrMapOvr>
     <a:masterClrMapping/>
@@ -2609,6 +1787,7 @@
               <a:rPr lang="en-GB" dirty="0"/>
               <a:t>About GPROF output and I/O</a:t>
             </a:r>
+            <a:endParaRPr lang="en-GB" dirty="0"/>
           </a:p>
           <a:p>
             <a:r>
@@ -2631,6 +1810,7 @@
               <a:rPr lang="en-GB" dirty="0"/>
               <a:t>-output</a:t>
             </a:r>
+            <a:endParaRPr lang="en-GB" dirty="0"/>
           </a:p>
         </p:txBody>
       </p:sp>
@@ -2651,18 +1831,12 @@
           <a:p>
             <a:fld id="{A26EA17D-77D1-8E4E-9F7C-6370CAEEF1CF}" type="slidenum">
               <a:rPr lang="en-GB" smtClean="0"/>
-              <a:t>5</a:t>
             </a:fld>
             <a:endParaRPr lang="en-GB"/>
           </a:p>
         </p:txBody>
       </p:sp>
     </p:spTree>
-    <p:extLst>
-      <p:ext uri="{BB962C8B-B14F-4D97-AF65-F5344CB8AC3E}">
-        <p14:creationId xmlns:p14="http://schemas.microsoft.com/office/powerpoint/2010/main" val="3209153554"/>
-      </p:ext>
-    </p:extLst>
   </p:cSld>
   <p:clrMapOvr>
     <a:masterClrMapping/>
@@ -2750,6 +1924,9 @@
               </a:rPr>
               <a:t> O(n^2)</a:t>
             </a:r>
+            <a:endParaRPr lang="en-US" dirty="0">
+              <a:cs typeface="Calibri"/>
+            </a:endParaRPr>
           </a:p>
         </p:txBody>
       </p:sp>
@@ -2770,18 +1947,12 @@
           <a:p>
             <a:fld id="{A26EA17D-77D1-8E4E-9F7C-6370CAEEF1CF}" type="slidenum">
               <a:rPr lang="en-GB" smtClean="0"/>
-              <a:t>6</a:t>
             </a:fld>
             <a:endParaRPr lang="en-GB"/>
           </a:p>
         </p:txBody>
       </p:sp>
     </p:spTree>
-    <p:extLst>
-      <p:ext uri="{BB962C8B-B14F-4D97-AF65-F5344CB8AC3E}">
-        <p14:creationId xmlns:p14="http://schemas.microsoft.com/office/powerpoint/2010/main" val="2753018816"/>
-      </p:ext>
-    </p:extLst>
   </p:cSld>
   <p:clrMapOvr>
     <a:masterClrMapping/>
@@ -2854,18 +2025,12 @@
           <a:p>
             <a:fld id="{A26EA17D-77D1-8E4E-9F7C-6370CAEEF1CF}" type="slidenum">
               <a:rPr lang="en-GB" smtClean="0"/>
-              <a:t>7</a:t>
             </a:fld>
             <a:endParaRPr lang="en-GB"/>
           </a:p>
         </p:txBody>
       </p:sp>
     </p:spTree>
-    <p:extLst>
-      <p:ext uri="{BB962C8B-B14F-4D97-AF65-F5344CB8AC3E}">
-        <p14:creationId xmlns:p14="http://schemas.microsoft.com/office/powerpoint/2010/main" val="1106795377"/>
-      </p:ext>
-    </p:extLst>
   </p:cSld>
   <p:clrMapOvr>
     <a:masterClrMapping/>
@@ -2938,18 +2103,12 @@
           <a:p>
             <a:fld id="{A26EA17D-77D1-8E4E-9F7C-6370CAEEF1CF}" type="slidenum">
               <a:rPr lang="en-GB" smtClean="0"/>
-              <a:t>8</a:t>
             </a:fld>
             <a:endParaRPr lang="en-GB"/>
           </a:p>
         </p:txBody>
       </p:sp>
     </p:spTree>
-    <p:extLst>
-      <p:ext uri="{BB962C8B-B14F-4D97-AF65-F5344CB8AC3E}">
-        <p14:creationId xmlns:p14="http://schemas.microsoft.com/office/powerpoint/2010/main" val="254739935"/>
-      </p:ext>
-    </p:extLst>
   </p:cSld>
   <p:clrMapOvr>
     <a:masterClrMapping/>
@@ -3022,18 +2181,12 @@
           <a:p>
             <a:fld id="{A26EA17D-77D1-8E4E-9F7C-6370CAEEF1CF}" type="slidenum">
               <a:rPr lang="en-GB" smtClean="0"/>
-              <a:t>9</a:t>
             </a:fld>
             <a:endParaRPr lang="en-GB"/>
           </a:p>
         </p:txBody>
       </p:sp>
     </p:spTree>
-    <p:extLst>
-      <p:ext uri="{BB962C8B-B14F-4D97-AF65-F5344CB8AC3E}">
-        <p14:creationId xmlns:p14="http://schemas.microsoft.com/office/powerpoint/2010/main" val="3262814792"/>
-      </p:ext>
-    </p:extLst>
   </p:cSld>
   <p:clrMapOvr>
     <a:masterClrMapping/>
@@ -3106,18 +2259,12 @@
           <a:p>
             <a:fld id="{A26EA17D-77D1-8E4E-9F7C-6370CAEEF1CF}" type="slidenum">
               <a:rPr lang="en-GB" smtClean="0"/>
-              <a:t>10</a:t>
             </a:fld>
             <a:endParaRPr lang="en-GB"/>
           </a:p>
         </p:txBody>
       </p:sp>
     </p:spTree>
-    <p:extLst>
-      <p:ext uri="{BB962C8B-B14F-4D97-AF65-F5344CB8AC3E}">
-        <p14:creationId xmlns:p14="http://schemas.microsoft.com/office/powerpoint/2010/main" val="1371943977"/>
-      </p:ext>
-    </p:extLst>
   </p:cSld>
   <p:clrMapOvr>
     <a:masterClrMapping/>
@@ -3190,18 +2337,12 @@
           <a:p>
             <a:fld id="{A26EA17D-77D1-8E4E-9F7C-6370CAEEF1CF}" type="slidenum">
               <a:rPr lang="en-GB" smtClean="0"/>
-              <a:t>11</a:t>
             </a:fld>
             <a:endParaRPr lang="en-GB"/>
           </a:p>
         </p:txBody>
       </p:sp>
     </p:spTree>
-    <p:extLst>
-      <p:ext uri="{BB962C8B-B14F-4D97-AF65-F5344CB8AC3E}">
-        <p14:creationId xmlns:p14="http://schemas.microsoft.com/office/powerpoint/2010/main" val="2230994357"/>
-      </p:ext>
-    </p:extLst>
   </p:cSld>
   <p:clrMapOvr>
     <a:masterClrMapping/>
@@ -3228,18 +2369,12 @@
       </p:grpSpPr>
       <p:sp>
         <p:nvSpPr>
-          <p:cNvPr id="2" name="Titolo 1">
-            <a:extLst>
-              <a:ext uri="{FF2B5EF4-FFF2-40B4-BE49-F238E27FC236}">
-                <a16:creationId xmlns:a16="http://schemas.microsoft.com/office/drawing/2014/main" id="{486F84B9-EEB8-7543-ACC5-EC75B984363C}"/>
-              </a:ext>
-            </a:extLst>
-          </p:cNvPr>
+          <p:cNvPr id="2" name="Titolo 1"/>
           <p:cNvSpPr>
             <a:spLocks noGrp="1"/>
           </p:cNvSpPr>
           <p:nvPr>
-            <p:ph type="ctrTitle"/>
+            <p:ph type="ctrTitle" hasCustomPrompt="1"/>
           </p:nvPr>
         </p:nvSpPr>
         <p:spPr>
@@ -3266,18 +2401,12 @@
       </p:sp>
       <p:sp>
         <p:nvSpPr>
-          <p:cNvPr id="3" name="Sottotitolo 2">
-            <a:extLst>
-              <a:ext uri="{FF2B5EF4-FFF2-40B4-BE49-F238E27FC236}">
-                <a16:creationId xmlns:a16="http://schemas.microsoft.com/office/drawing/2014/main" id="{CC1383DF-21DF-6943-B62D-91C2D719DA57}"/>
-              </a:ext>
-            </a:extLst>
-          </p:cNvPr>
+          <p:cNvPr id="3" name="Sottotitolo 2"/>
           <p:cNvSpPr>
             <a:spLocks noGrp="1"/>
           </p:cNvSpPr>
           <p:nvPr>
-            <p:ph type="subTitle" idx="1"/>
+            <p:ph type="subTitle" idx="1" hasCustomPrompt="1"/>
           </p:nvPr>
         </p:nvSpPr>
         <p:spPr>
@@ -3337,13 +2466,7 @@
       </p:sp>
       <p:sp>
         <p:nvSpPr>
-          <p:cNvPr id="4" name="Segnaposto data 3">
-            <a:extLst>
-              <a:ext uri="{FF2B5EF4-FFF2-40B4-BE49-F238E27FC236}">
-                <a16:creationId xmlns:a16="http://schemas.microsoft.com/office/drawing/2014/main" id="{8225AC55-809B-8C43-80B3-723741EC1C93}"/>
-              </a:ext>
-            </a:extLst>
-          </p:cNvPr>
+          <p:cNvPr id="4" name="Segnaposto data 3"/>
           <p:cNvSpPr>
             <a:spLocks noGrp="1"/>
           </p:cNvSpPr>
@@ -3358,7 +2481,6 @@
           <a:p>
             <a:fld id="{71FAFF6A-1FF6-574F-9D39-3AFB90F9E481}" type="datetimeFigureOut">
               <a:rPr lang="en-US" smtClean="0"/>
-              <a:t>2/4/22</a:t>
             </a:fld>
             <a:endParaRPr lang="en-US"/>
           </a:p>
@@ -3366,13 +2488,7 @@
       </p:sp>
       <p:sp>
         <p:nvSpPr>
-          <p:cNvPr id="5" name="Segnaposto piè di pagina 4">
-            <a:extLst>
-              <a:ext uri="{FF2B5EF4-FFF2-40B4-BE49-F238E27FC236}">
-                <a16:creationId xmlns:a16="http://schemas.microsoft.com/office/drawing/2014/main" id="{CA200818-3A8E-E141-8C95-4E2DF1A025ED}"/>
-              </a:ext>
-            </a:extLst>
-          </p:cNvPr>
+          <p:cNvPr id="5" name="Segnaposto piè di pagina 4"/>
           <p:cNvSpPr>
             <a:spLocks noGrp="1"/>
           </p:cNvSpPr>
@@ -3391,13 +2507,7 @@
       </p:sp>
       <p:sp>
         <p:nvSpPr>
-          <p:cNvPr id="6" name="Segnaposto numero diapositiva 5">
-            <a:extLst>
-              <a:ext uri="{FF2B5EF4-FFF2-40B4-BE49-F238E27FC236}">
-                <a16:creationId xmlns:a16="http://schemas.microsoft.com/office/drawing/2014/main" id="{98DDE4D3-16D0-E142-87E6-D25DF25BDD99}"/>
-              </a:ext>
-            </a:extLst>
-          </p:cNvPr>
+          <p:cNvPr id="6" name="Segnaposto numero diapositiva 5"/>
           <p:cNvSpPr>
             <a:spLocks noGrp="1"/>
           </p:cNvSpPr>
@@ -3412,18 +2522,12 @@
           <a:p>
             <a:fld id="{D5D3FCC6-FAFE-C745-A7CC-5B749423EEEC}" type="slidenum">
               <a:rPr lang="en-US" smtClean="0"/>
-              <a:t>‹N›</a:t>
             </a:fld>
             <a:endParaRPr lang="en-US"/>
           </a:p>
         </p:txBody>
       </p:sp>
     </p:spTree>
-    <p:extLst>
-      <p:ext uri="{BB962C8B-B14F-4D97-AF65-F5344CB8AC3E}">
-        <p14:creationId xmlns:p14="http://schemas.microsoft.com/office/powerpoint/2010/main" val="2790112667"/>
-      </p:ext>
-    </p:extLst>
   </p:cSld>
   <p:clrMapOvr>
     <a:masterClrMapping/>
@@ -3450,18 +2554,12 @@
       </p:grpSpPr>
       <p:sp>
         <p:nvSpPr>
-          <p:cNvPr id="2" name="Titolo 1">
-            <a:extLst>
-              <a:ext uri="{FF2B5EF4-FFF2-40B4-BE49-F238E27FC236}">
-                <a16:creationId xmlns:a16="http://schemas.microsoft.com/office/drawing/2014/main" id="{0F7A8F2E-2D08-734C-B145-6F4A7E0A1754}"/>
-              </a:ext>
-            </a:extLst>
-          </p:cNvPr>
+          <p:cNvPr id="2" name="Titolo 1"/>
           <p:cNvSpPr>
             <a:spLocks noGrp="1"/>
           </p:cNvSpPr>
           <p:nvPr>
-            <p:ph type="title"/>
+            <p:ph type="title" hasCustomPrompt="1"/>
           </p:nvPr>
         </p:nvSpPr>
         <p:spPr/>
@@ -3479,18 +2577,12 @@
       </p:sp>
       <p:sp>
         <p:nvSpPr>
-          <p:cNvPr id="3" name="Segnaposto testo verticale 2">
-            <a:extLst>
-              <a:ext uri="{FF2B5EF4-FFF2-40B4-BE49-F238E27FC236}">
-                <a16:creationId xmlns:a16="http://schemas.microsoft.com/office/drawing/2014/main" id="{C30B671D-5545-3A4D-8FCA-DD143C9A67F7}"/>
-              </a:ext>
-            </a:extLst>
-          </p:cNvPr>
+          <p:cNvPr id="3" name="Segnaposto testo verticale 2"/>
           <p:cNvSpPr>
             <a:spLocks noGrp="1"/>
           </p:cNvSpPr>
           <p:nvPr>
-            <p:ph type="body" orient="vert" idx="1"/>
+            <p:ph type="body" orient="vert" idx="1" hasCustomPrompt="1"/>
           </p:nvPr>
         </p:nvSpPr>
         <p:spPr/>
@@ -3503,6 +2595,7 @@
               <a:rPr lang="it-IT"/>
               <a:t>Fare clic per modificare gli stili del testo dello schema</a:t>
             </a:r>
+            <a:endParaRPr lang="it-IT"/>
           </a:p>
           <a:p>
             <a:pPr lvl="1"/>
@@ -3510,6 +2603,7 @@
               <a:rPr lang="it-IT"/>
               <a:t>Secondo livello</a:t>
             </a:r>
+            <a:endParaRPr lang="it-IT"/>
           </a:p>
           <a:p>
             <a:pPr lvl="2"/>
@@ -3517,6 +2611,7 @@
               <a:rPr lang="it-IT"/>
               <a:t>Terzo livello</a:t>
             </a:r>
+            <a:endParaRPr lang="it-IT"/>
           </a:p>
           <a:p>
             <a:pPr lvl="3"/>
@@ -3524,6 +2619,7 @@
               <a:rPr lang="it-IT"/>
               <a:t>Quarto livello</a:t>
             </a:r>
+            <a:endParaRPr lang="it-IT"/>
           </a:p>
           <a:p>
             <a:pPr lvl="4"/>
@@ -3537,13 +2633,7 @@
       </p:sp>
       <p:sp>
         <p:nvSpPr>
-          <p:cNvPr id="4" name="Segnaposto data 3">
-            <a:extLst>
-              <a:ext uri="{FF2B5EF4-FFF2-40B4-BE49-F238E27FC236}">
-                <a16:creationId xmlns:a16="http://schemas.microsoft.com/office/drawing/2014/main" id="{FFABD30E-B520-AC48-AD8E-FCC8C3154F42}"/>
-              </a:ext>
-            </a:extLst>
-          </p:cNvPr>
+          <p:cNvPr id="4" name="Segnaposto data 3"/>
           <p:cNvSpPr>
             <a:spLocks noGrp="1"/>
           </p:cNvSpPr>
@@ -3558,7 +2648,6 @@
           <a:p>
             <a:fld id="{71FAFF6A-1FF6-574F-9D39-3AFB90F9E481}" type="datetimeFigureOut">
               <a:rPr lang="en-US" smtClean="0"/>
-              <a:t>2/4/22</a:t>
             </a:fld>
             <a:endParaRPr lang="en-US"/>
           </a:p>
@@ -3566,13 +2655,7 @@
       </p:sp>
       <p:sp>
         <p:nvSpPr>
-          <p:cNvPr id="5" name="Segnaposto piè di pagina 4">
-            <a:extLst>
-              <a:ext uri="{FF2B5EF4-FFF2-40B4-BE49-F238E27FC236}">
-                <a16:creationId xmlns:a16="http://schemas.microsoft.com/office/drawing/2014/main" id="{8F04ACB5-71BC-1D4A-B5B8-F36E310ECCAF}"/>
-              </a:ext>
-            </a:extLst>
-          </p:cNvPr>
+          <p:cNvPr id="5" name="Segnaposto piè di pagina 4"/>
           <p:cNvSpPr>
             <a:spLocks noGrp="1"/>
           </p:cNvSpPr>
@@ -3591,13 +2674,7 @@
       </p:sp>
       <p:sp>
         <p:nvSpPr>
-          <p:cNvPr id="6" name="Segnaposto numero diapositiva 5">
-            <a:extLst>
-              <a:ext uri="{FF2B5EF4-FFF2-40B4-BE49-F238E27FC236}">
-                <a16:creationId xmlns:a16="http://schemas.microsoft.com/office/drawing/2014/main" id="{04EC71B5-7414-7341-984C-A237B9801A82}"/>
-              </a:ext>
-            </a:extLst>
-          </p:cNvPr>
+          <p:cNvPr id="6" name="Segnaposto numero diapositiva 5"/>
           <p:cNvSpPr>
             <a:spLocks noGrp="1"/>
           </p:cNvSpPr>
@@ -3612,18 +2689,12 @@
           <a:p>
             <a:fld id="{D5D3FCC6-FAFE-C745-A7CC-5B749423EEEC}" type="slidenum">
               <a:rPr lang="en-US" smtClean="0"/>
-              <a:t>‹N›</a:t>
             </a:fld>
             <a:endParaRPr lang="en-US"/>
           </a:p>
         </p:txBody>
       </p:sp>
     </p:spTree>
-    <p:extLst>
-      <p:ext uri="{BB962C8B-B14F-4D97-AF65-F5344CB8AC3E}">
-        <p14:creationId xmlns:p14="http://schemas.microsoft.com/office/powerpoint/2010/main" val="2191838004"/>
-      </p:ext>
-    </p:extLst>
   </p:cSld>
   <p:clrMapOvr>
     <a:masterClrMapping/>
@@ -3650,18 +2721,12 @@
       </p:grpSpPr>
       <p:sp>
         <p:nvSpPr>
-          <p:cNvPr id="2" name="Titolo verticale 1">
-            <a:extLst>
-              <a:ext uri="{FF2B5EF4-FFF2-40B4-BE49-F238E27FC236}">
-                <a16:creationId xmlns:a16="http://schemas.microsoft.com/office/drawing/2014/main" id="{6CBE5928-3AFF-B04E-A760-DA671DF2B58A}"/>
-              </a:ext>
-            </a:extLst>
-          </p:cNvPr>
+          <p:cNvPr id="2" name="Titolo verticale 1"/>
           <p:cNvSpPr>
             <a:spLocks noGrp="1"/>
           </p:cNvSpPr>
           <p:nvPr>
-            <p:ph type="title" orient="vert"/>
+            <p:ph type="title" orient="vert" hasCustomPrompt="1"/>
           </p:nvPr>
         </p:nvSpPr>
         <p:spPr>
@@ -3684,18 +2749,12 @@
       </p:sp>
       <p:sp>
         <p:nvSpPr>
-          <p:cNvPr id="3" name="Segnaposto testo verticale 2">
-            <a:extLst>
-              <a:ext uri="{FF2B5EF4-FFF2-40B4-BE49-F238E27FC236}">
-                <a16:creationId xmlns:a16="http://schemas.microsoft.com/office/drawing/2014/main" id="{39FF3185-A8BA-0B4B-AFF3-4D6D2F45CB14}"/>
-              </a:ext>
-            </a:extLst>
-          </p:cNvPr>
+          <p:cNvPr id="3" name="Segnaposto testo verticale 2"/>
           <p:cNvSpPr>
             <a:spLocks noGrp="1"/>
           </p:cNvSpPr>
           <p:nvPr>
-            <p:ph type="body" orient="vert" idx="1"/>
+            <p:ph type="body" orient="vert" idx="1" hasCustomPrompt="1"/>
           </p:nvPr>
         </p:nvSpPr>
         <p:spPr>
@@ -3713,6 +2772,7 @@
               <a:rPr lang="it-IT"/>
               <a:t>Fare clic per modificare gli stili del testo dello schema</a:t>
             </a:r>
+            <a:endParaRPr lang="it-IT"/>
           </a:p>
           <a:p>
             <a:pPr lvl="1"/>
@@ -3720,6 +2780,7 @@
               <a:rPr lang="it-IT"/>
               <a:t>Secondo livello</a:t>
             </a:r>
+            <a:endParaRPr lang="it-IT"/>
           </a:p>
           <a:p>
             <a:pPr lvl="2"/>
@@ -3727,6 +2788,7 @@
               <a:rPr lang="it-IT"/>
               <a:t>Terzo livello</a:t>
             </a:r>
+            <a:endParaRPr lang="it-IT"/>
           </a:p>
           <a:p>
             <a:pPr lvl="3"/>
@@ -3734,6 +2796,7 @@
               <a:rPr lang="it-IT"/>
               <a:t>Quarto livello</a:t>
             </a:r>
+            <a:endParaRPr lang="it-IT"/>
           </a:p>
           <a:p>
             <a:pPr lvl="4"/>
@@ -3747,13 +2810,7 @@
       </p:sp>
       <p:sp>
         <p:nvSpPr>
-          <p:cNvPr id="4" name="Segnaposto data 3">
-            <a:extLst>
-              <a:ext uri="{FF2B5EF4-FFF2-40B4-BE49-F238E27FC236}">
-                <a16:creationId xmlns:a16="http://schemas.microsoft.com/office/drawing/2014/main" id="{70A08541-BF7F-6D4F-B50C-54261CBFAF38}"/>
-              </a:ext>
-            </a:extLst>
-          </p:cNvPr>
+          <p:cNvPr id="4" name="Segnaposto data 3"/>
           <p:cNvSpPr>
             <a:spLocks noGrp="1"/>
           </p:cNvSpPr>
@@ -3768,7 +2825,6 @@
           <a:p>
             <a:fld id="{71FAFF6A-1FF6-574F-9D39-3AFB90F9E481}" type="datetimeFigureOut">
               <a:rPr lang="en-US" smtClean="0"/>
-              <a:t>2/4/22</a:t>
             </a:fld>
             <a:endParaRPr lang="en-US"/>
           </a:p>
@@ -3776,13 +2832,7 @@
       </p:sp>
       <p:sp>
         <p:nvSpPr>
-          <p:cNvPr id="5" name="Segnaposto piè di pagina 4">
-            <a:extLst>
-              <a:ext uri="{FF2B5EF4-FFF2-40B4-BE49-F238E27FC236}">
-                <a16:creationId xmlns:a16="http://schemas.microsoft.com/office/drawing/2014/main" id="{D35C9D16-5F0F-0444-9D01-7CE3E75C12B7}"/>
-              </a:ext>
-            </a:extLst>
-          </p:cNvPr>
+          <p:cNvPr id="5" name="Segnaposto piè di pagina 4"/>
           <p:cNvSpPr>
             <a:spLocks noGrp="1"/>
           </p:cNvSpPr>
@@ -3801,13 +2851,7 @@
       </p:sp>
       <p:sp>
         <p:nvSpPr>
-          <p:cNvPr id="6" name="Segnaposto numero diapositiva 5">
-            <a:extLst>
-              <a:ext uri="{FF2B5EF4-FFF2-40B4-BE49-F238E27FC236}">
-                <a16:creationId xmlns:a16="http://schemas.microsoft.com/office/drawing/2014/main" id="{4C4C2DFF-9306-874F-A4B2-100762F5C39B}"/>
-              </a:ext>
-            </a:extLst>
-          </p:cNvPr>
+          <p:cNvPr id="6" name="Segnaposto numero diapositiva 5"/>
           <p:cNvSpPr>
             <a:spLocks noGrp="1"/>
           </p:cNvSpPr>
@@ -3822,18 +2866,12 @@
           <a:p>
             <a:fld id="{D5D3FCC6-FAFE-C745-A7CC-5B749423EEEC}" type="slidenum">
               <a:rPr lang="en-US" smtClean="0"/>
-              <a:t>‹N›</a:t>
             </a:fld>
             <a:endParaRPr lang="en-US"/>
           </a:p>
         </p:txBody>
       </p:sp>
     </p:spTree>
-    <p:extLst>
-      <p:ext uri="{BB962C8B-B14F-4D97-AF65-F5344CB8AC3E}">
-        <p14:creationId xmlns:p14="http://schemas.microsoft.com/office/powerpoint/2010/main" val="2054023035"/>
-      </p:ext>
-    </p:extLst>
   </p:cSld>
   <p:clrMapOvr>
     <a:masterClrMapping/>
@@ -3860,18 +2898,12 @@
       </p:grpSpPr>
       <p:sp>
         <p:nvSpPr>
-          <p:cNvPr id="2" name="Titolo 1">
-            <a:extLst>
-              <a:ext uri="{FF2B5EF4-FFF2-40B4-BE49-F238E27FC236}">
-                <a16:creationId xmlns:a16="http://schemas.microsoft.com/office/drawing/2014/main" id="{41E67C22-1102-5140-86BB-ADD879C87F4E}"/>
-              </a:ext>
-            </a:extLst>
-          </p:cNvPr>
+          <p:cNvPr id="2" name="Titolo 1"/>
           <p:cNvSpPr>
             <a:spLocks noGrp="1"/>
           </p:cNvSpPr>
           <p:nvPr>
-            <p:ph type="title"/>
+            <p:ph type="title" hasCustomPrompt="1"/>
           </p:nvPr>
         </p:nvSpPr>
         <p:spPr/>
@@ -3889,18 +2921,12 @@
       </p:sp>
       <p:sp>
         <p:nvSpPr>
-          <p:cNvPr id="3" name="Segnaposto contenuto 2">
-            <a:extLst>
-              <a:ext uri="{FF2B5EF4-FFF2-40B4-BE49-F238E27FC236}">
-                <a16:creationId xmlns:a16="http://schemas.microsoft.com/office/drawing/2014/main" id="{1AA3E6D8-CA6A-6441-85F6-7D5D905A24BF}"/>
-              </a:ext>
-            </a:extLst>
-          </p:cNvPr>
+          <p:cNvPr id="3" name="Segnaposto contenuto 2"/>
           <p:cNvSpPr>
             <a:spLocks noGrp="1"/>
           </p:cNvSpPr>
           <p:nvPr>
-            <p:ph idx="1"/>
+            <p:ph idx="1" hasCustomPrompt="1"/>
           </p:nvPr>
         </p:nvSpPr>
         <p:spPr/>
@@ -3913,6 +2939,7 @@
               <a:rPr lang="it-IT"/>
               <a:t>Fare clic per modificare gli stili del testo dello schema</a:t>
             </a:r>
+            <a:endParaRPr lang="it-IT"/>
           </a:p>
           <a:p>
             <a:pPr lvl="1"/>
@@ -3920,6 +2947,7 @@
               <a:rPr lang="it-IT"/>
               <a:t>Secondo livello</a:t>
             </a:r>
+            <a:endParaRPr lang="it-IT"/>
           </a:p>
           <a:p>
             <a:pPr lvl="2"/>
@@ -3927,6 +2955,7 @@
               <a:rPr lang="it-IT"/>
               <a:t>Terzo livello</a:t>
             </a:r>
+            <a:endParaRPr lang="it-IT"/>
           </a:p>
           <a:p>
             <a:pPr lvl="3"/>
@@ -3934,6 +2963,7 @@
               <a:rPr lang="it-IT"/>
               <a:t>Quarto livello</a:t>
             </a:r>
+            <a:endParaRPr lang="it-IT"/>
           </a:p>
           <a:p>
             <a:pPr lvl="4"/>
@@ -3947,13 +2977,7 @@
       </p:sp>
       <p:sp>
         <p:nvSpPr>
-          <p:cNvPr id="4" name="Segnaposto data 3">
-            <a:extLst>
-              <a:ext uri="{FF2B5EF4-FFF2-40B4-BE49-F238E27FC236}">
-                <a16:creationId xmlns:a16="http://schemas.microsoft.com/office/drawing/2014/main" id="{E866AF5F-374A-874F-822E-D289BEBA8618}"/>
-              </a:ext>
-            </a:extLst>
-          </p:cNvPr>
+          <p:cNvPr id="4" name="Segnaposto data 3"/>
           <p:cNvSpPr>
             <a:spLocks noGrp="1"/>
           </p:cNvSpPr>
@@ -3968,7 +2992,6 @@
           <a:p>
             <a:fld id="{71FAFF6A-1FF6-574F-9D39-3AFB90F9E481}" type="datetimeFigureOut">
               <a:rPr lang="en-US" smtClean="0"/>
-              <a:t>2/4/22</a:t>
             </a:fld>
             <a:endParaRPr lang="en-US"/>
           </a:p>
@@ -3976,13 +2999,7 @@
       </p:sp>
       <p:sp>
         <p:nvSpPr>
-          <p:cNvPr id="5" name="Segnaposto piè di pagina 4">
-            <a:extLst>
-              <a:ext uri="{FF2B5EF4-FFF2-40B4-BE49-F238E27FC236}">
-                <a16:creationId xmlns:a16="http://schemas.microsoft.com/office/drawing/2014/main" id="{3BB1FC88-A1AA-5145-BDF9-56019B85638F}"/>
-              </a:ext>
-            </a:extLst>
-          </p:cNvPr>
+          <p:cNvPr id="5" name="Segnaposto piè di pagina 4"/>
           <p:cNvSpPr>
             <a:spLocks noGrp="1"/>
           </p:cNvSpPr>
@@ -4001,13 +3018,7 @@
       </p:sp>
       <p:sp>
         <p:nvSpPr>
-          <p:cNvPr id="6" name="Segnaposto numero diapositiva 5">
-            <a:extLst>
-              <a:ext uri="{FF2B5EF4-FFF2-40B4-BE49-F238E27FC236}">
-                <a16:creationId xmlns:a16="http://schemas.microsoft.com/office/drawing/2014/main" id="{6FA8B439-6750-8041-B938-151A5EE68737}"/>
-              </a:ext>
-            </a:extLst>
-          </p:cNvPr>
+          <p:cNvPr id="6" name="Segnaposto numero diapositiva 5"/>
           <p:cNvSpPr>
             <a:spLocks noGrp="1"/>
           </p:cNvSpPr>
@@ -4022,18 +3033,12 @@
           <a:p>
             <a:fld id="{D5D3FCC6-FAFE-C745-A7CC-5B749423EEEC}" type="slidenum">
               <a:rPr lang="en-US" smtClean="0"/>
-              <a:t>‹N›</a:t>
             </a:fld>
             <a:endParaRPr lang="en-US"/>
           </a:p>
         </p:txBody>
       </p:sp>
     </p:spTree>
-    <p:extLst>
-      <p:ext uri="{BB962C8B-B14F-4D97-AF65-F5344CB8AC3E}">
-        <p14:creationId xmlns:p14="http://schemas.microsoft.com/office/powerpoint/2010/main" val="1594734310"/>
-      </p:ext>
-    </p:extLst>
   </p:cSld>
   <p:clrMapOvr>
     <a:masterClrMapping/>
@@ -4060,18 +3065,12 @@
       </p:grpSpPr>
       <p:sp>
         <p:nvSpPr>
-          <p:cNvPr id="2" name="Titolo 1">
-            <a:extLst>
-              <a:ext uri="{FF2B5EF4-FFF2-40B4-BE49-F238E27FC236}">
-                <a16:creationId xmlns:a16="http://schemas.microsoft.com/office/drawing/2014/main" id="{4B3CD7CE-BAA3-B142-ADCC-7BDF5095837D}"/>
-              </a:ext>
-            </a:extLst>
-          </p:cNvPr>
+          <p:cNvPr id="2" name="Titolo 1"/>
           <p:cNvSpPr>
             <a:spLocks noGrp="1"/>
           </p:cNvSpPr>
           <p:nvPr>
-            <p:ph type="title"/>
+            <p:ph type="title" hasCustomPrompt="1"/>
           </p:nvPr>
         </p:nvSpPr>
         <p:spPr>
@@ -4098,18 +3097,12 @@
       </p:sp>
       <p:sp>
         <p:nvSpPr>
-          <p:cNvPr id="3" name="Segnaposto testo 2">
-            <a:extLst>
-              <a:ext uri="{FF2B5EF4-FFF2-40B4-BE49-F238E27FC236}">
-                <a16:creationId xmlns:a16="http://schemas.microsoft.com/office/drawing/2014/main" id="{0A5460C2-6431-F147-95F3-CD9419E29EE9}"/>
-              </a:ext>
-            </a:extLst>
-          </p:cNvPr>
+          <p:cNvPr id="3" name="Segnaposto testo 2"/>
           <p:cNvSpPr>
             <a:spLocks noGrp="1"/>
           </p:cNvSpPr>
           <p:nvPr>
-            <p:ph type="body" idx="1"/>
+            <p:ph type="body" idx="1" hasCustomPrompt="1"/>
           </p:nvPr>
         </p:nvSpPr>
         <p:spPr>
@@ -4218,18 +3211,13 @@
               <a:rPr lang="it-IT"/>
               <a:t>Fare clic per modificare gli stili del testo dello schema</a:t>
             </a:r>
-          </a:p>
-        </p:txBody>
-      </p:sp>
-      <p:sp>
-        <p:nvSpPr>
-          <p:cNvPr id="4" name="Segnaposto data 3">
-            <a:extLst>
-              <a:ext uri="{FF2B5EF4-FFF2-40B4-BE49-F238E27FC236}">
-                <a16:creationId xmlns:a16="http://schemas.microsoft.com/office/drawing/2014/main" id="{5685735C-7EB4-BC4D-958B-85EC8D637B5B}"/>
-              </a:ext>
-            </a:extLst>
-          </p:cNvPr>
+            <a:endParaRPr lang="it-IT"/>
+          </a:p>
+        </p:txBody>
+      </p:sp>
+      <p:sp>
+        <p:nvSpPr>
+          <p:cNvPr id="4" name="Segnaposto data 3"/>
           <p:cNvSpPr>
             <a:spLocks noGrp="1"/>
           </p:cNvSpPr>
@@ -4244,7 +3232,6 @@
           <a:p>
             <a:fld id="{71FAFF6A-1FF6-574F-9D39-3AFB90F9E481}" type="datetimeFigureOut">
               <a:rPr lang="en-US" smtClean="0"/>
-              <a:t>2/4/22</a:t>
             </a:fld>
             <a:endParaRPr lang="en-US"/>
           </a:p>
@@ -4252,13 +3239,7 @@
       </p:sp>
       <p:sp>
         <p:nvSpPr>
-          <p:cNvPr id="5" name="Segnaposto piè di pagina 4">
-            <a:extLst>
-              <a:ext uri="{FF2B5EF4-FFF2-40B4-BE49-F238E27FC236}">
-                <a16:creationId xmlns:a16="http://schemas.microsoft.com/office/drawing/2014/main" id="{70B41B29-9EDC-7B49-ACBD-98671816D0ED}"/>
-              </a:ext>
-            </a:extLst>
-          </p:cNvPr>
+          <p:cNvPr id="5" name="Segnaposto piè di pagina 4"/>
           <p:cNvSpPr>
             <a:spLocks noGrp="1"/>
           </p:cNvSpPr>
@@ -4277,13 +3258,7 @@
       </p:sp>
       <p:sp>
         <p:nvSpPr>
-          <p:cNvPr id="6" name="Segnaposto numero diapositiva 5">
-            <a:extLst>
-              <a:ext uri="{FF2B5EF4-FFF2-40B4-BE49-F238E27FC236}">
-                <a16:creationId xmlns:a16="http://schemas.microsoft.com/office/drawing/2014/main" id="{B3152B81-A7BB-C646-87EC-BCB408F39774}"/>
-              </a:ext>
-            </a:extLst>
-          </p:cNvPr>
+          <p:cNvPr id="6" name="Segnaposto numero diapositiva 5"/>
           <p:cNvSpPr>
             <a:spLocks noGrp="1"/>
           </p:cNvSpPr>
@@ -4298,18 +3273,12 @@
           <a:p>
             <a:fld id="{D5D3FCC6-FAFE-C745-A7CC-5B749423EEEC}" type="slidenum">
               <a:rPr lang="en-US" smtClean="0"/>
-              <a:t>‹N›</a:t>
             </a:fld>
             <a:endParaRPr lang="en-US"/>
           </a:p>
         </p:txBody>
       </p:sp>
     </p:spTree>
-    <p:extLst>
-      <p:ext uri="{BB962C8B-B14F-4D97-AF65-F5344CB8AC3E}">
-        <p14:creationId xmlns:p14="http://schemas.microsoft.com/office/powerpoint/2010/main" val="885086571"/>
-      </p:ext>
-    </p:extLst>
   </p:cSld>
   <p:clrMapOvr>
     <a:masterClrMapping/>
@@ -4336,18 +3305,12 @@
       </p:grpSpPr>
       <p:sp>
         <p:nvSpPr>
-          <p:cNvPr id="2" name="Titolo 1">
-            <a:extLst>
-              <a:ext uri="{FF2B5EF4-FFF2-40B4-BE49-F238E27FC236}">
-                <a16:creationId xmlns:a16="http://schemas.microsoft.com/office/drawing/2014/main" id="{9299AF7D-91FC-2548-B430-27564CFF897A}"/>
-              </a:ext>
-            </a:extLst>
-          </p:cNvPr>
+          <p:cNvPr id="2" name="Titolo 1"/>
           <p:cNvSpPr>
             <a:spLocks noGrp="1"/>
           </p:cNvSpPr>
           <p:nvPr>
-            <p:ph type="title"/>
+            <p:ph type="title" hasCustomPrompt="1"/>
           </p:nvPr>
         </p:nvSpPr>
         <p:spPr/>
@@ -4365,18 +3328,12 @@
       </p:sp>
       <p:sp>
         <p:nvSpPr>
-          <p:cNvPr id="3" name="Segnaposto contenuto 2">
-            <a:extLst>
-              <a:ext uri="{FF2B5EF4-FFF2-40B4-BE49-F238E27FC236}">
-                <a16:creationId xmlns:a16="http://schemas.microsoft.com/office/drawing/2014/main" id="{A34D5A57-89EA-3743-A8F1-238E4082990E}"/>
-              </a:ext>
-            </a:extLst>
-          </p:cNvPr>
+          <p:cNvPr id="3" name="Segnaposto contenuto 2"/>
           <p:cNvSpPr>
             <a:spLocks noGrp="1"/>
           </p:cNvSpPr>
           <p:nvPr>
-            <p:ph sz="half" idx="1"/>
+            <p:ph sz="half" idx="1" hasCustomPrompt="1"/>
           </p:nvPr>
         </p:nvSpPr>
         <p:spPr>
@@ -4394,6 +3351,7 @@
               <a:rPr lang="it-IT"/>
               <a:t>Fare clic per modificare gli stili del testo dello schema</a:t>
             </a:r>
+            <a:endParaRPr lang="it-IT"/>
           </a:p>
           <a:p>
             <a:pPr lvl="1"/>
@@ -4401,6 +3359,7 @@
               <a:rPr lang="it-IT"/>
               <a:t>Secondo livello</a:t>
             </a:r>
+            <a:endParaRPr lang="it-IT"/>
           </a:p>
           <a:p>
             <a:pPr lvl="2"/>
@@ -4408,6 +3367,7 @@
               <a:rPr lang="it-IT"/>
               <a:t>Terzo livello</a:t>
             </a:r>
+            <a:endParaRPr lang="it-IT"/>
           </a:p>
           <a:p>
             <a:pPr lvl="3"/>
@@ -4415,6 +3375,7 @@
               <a:rPr lang="it-IT"/>
               <a:t>Quarto livello</a:t>
             </a:r>
+            <a:endParaRPr lang="it-IT"/>
           </a:p>
           <a:p>
             <a:pPr lvl="4"/>
@@ -4428,18 +3389,12 @@
       </p:sp>
       <p:sp>
         <p:nvSpPr>
-          <p:cNvPr id="4" name="Segnaposto contenuto 3">
-            <a:extLst>
-              <a:ext uri="{FF2B5EF4-FFF2-40B4-BE49-F238E27FC236}">
-                <a16:creationId xmlns:a16="http://schemas.microsoft.com/office/drawing/2014/main" id="{7A404F3C-B92E-D741-A93B-3331F14644A1}"/>
-              </a:ext>
-            </a:extLst>
-          </p:cNvPr>
+          <p:cNvPr id="4" name="Segnaposto contenuto 3"/>
           <p:cNvSpPr>
             <a:spLocks noGrp="1"/>
           </p:cNvSpPr>
           <p:nvPr>
-            <p:ph sz="half" idx="2"/>
+            <p:ph sz="half" idx="2" hasCustomPrompt="1"/>
           </p:nvPr>
         </p:nvSpPr>
         <p:spPr>
@@ -4457,6 +3412,7 @@
               <a:rPr lang="it-IT"/>
               <a:t>Fare clic per modificare gli stili del testo dello schema</a:t>
             </a:r>
+            <a:endParaRPr lang="it-IT"/>
           </a:p>
           <a:p>
             <a:pPr lvl="1"/>
@@ -4464,6 +3420,7 @@
               <a:rPr lang="it-IT"/>
               <a:t>Secondo livello</a:t>
             </a:r>
+            <a:endParaRPr lang="it-IT"/>
           </a:p>
           <a:p>
             <a:pPr lvl="2"/>
@@ -4471,6 +3428,7 @@
               <a:rPr lang="it-IT"/>
               <a:t>Terzo livello</a:t>
             </a:r>
+            <a:endParaRPr lang="it-IT"/>
           </a:p>
           <a:p>
             <a:pPr lvl="3"/>
@@ -4478,6 +3436,7 @@
               <a:rPr lang="it-IT"/>
               <a:t>Quarto livello</a:t>
             </a:r>
+            <a:endParaRPr lang="it-IT"/>
           </a:p>
           <a:p>
             <a:pPr lvl="4"/>
@@ -4491,13 +3450,7 @@
       </p:sp>
       <p:sp>
         <p:nvSpPr>
-          <p:cNvPr id="5" name="Segnaposto data 4">
-            <a:extLst>
-              <a:ext uri="{FF2B5EF4-FFF2-40B4-BE49-F238E27FC236}">
-                <a16:creationId xmlns:a16="http://schemas.microsoft.com/office/drawing/2014/main" id="{63917561-F064-C14F-A921-C7B9A09D865D}"/>
-              </a:ext>
-            </a:extLst>
-          </p:cNvPr>
+          <p:cNvPr id="5" name="Segnaposto data 4"/>
           <p:cNvSpPr>
             <a:spLocks noGrp="1"/>
           </p:cNvSpPr>
@@ -4512,7 +3465,6 @@
           <a:p>
             <a:fld id="{71FAFF6A-1FF6-574F-9D39-3AFB90F9E481}" type="datetimeFigureOut">
               <a:rPr lang="en-US" smtClean="0"/>
-              <a:t>2/4/22</a:t>
             </a:fld>
             <a:endParaRPr lang="en-US"/>
           </a:p>
@@ -4520,13 +3472,7 @@
       </p:sp>
       <p:sp>
         <p:nvSpPr>
-          <p:cNvPr id="6" name="Segnaposto piè di pagina 5">
-            <a:extLst>
-              <a:ext uri="{FF2B5EF4-FFF2-40B4-BE49-F238E27FC236}">
-                <a16:creationId xmlns:a16="http://schemas.microsoft.com/office/drawing/2014/main" id="{29417D0D-5257-4847-B462-E8D85948FC7B}"/>
-              </a:ext>
-            </a:extLst>
-          </p:cNvPr>
+          <p:cNvPr id="6" name="Segnaposto piè di pagina 5"/>
           <p:cNvSpPr>
             <a:spLocks noGrp="1"/>
           </p:cNvSpPr>
@@ -4545,13 +3491,7 @@
       </p:sp>
       <p:sp>
         <p:nvSpPr>
-          <p:cNvPr id="7" name="Segnaposto numero diapositiva 6">
-            <a:extLst>
-              <a:ext uri="{FF2B5EF4-FFF2-40B4-BE49-F238E27FC236}">
-                <a16:creationId xmlns:a16="http://schemas.microsoft.com/office/drawing/2014/main" id="{5545120E-31EF-E841-8302-A0EBE5C395A2}"/>
-              </a:ext>
-            </a:extLst>
-          </p:cNvPr>
+          <p:cNvPr id="7" name="Segnaposto numero diapositiva 6"/>
           <p:cNvSpPr>
             <a:spLocks noGrp="1"/>
           </p:cNvSpPr>
@@ -4566,18 +3506,12 @@
           <a:p>
             <a:fld id="{D5D3FCC6-FAFE-C745-A7CC-5B749423EEEC}" type="slidenum">
               <a:rPr lang="en-US" smtClean="0"/>
-              <a:t>‹N›</a:t>
             </a:fld>
             <a:endParaRPr lang="en-US"/>
           </a:p>
         </p:txBody>
       </p:sp>
     </p:spTree>
-    <p:extLst>
-      <p:ext uri="{BB962C8B-B14F-4D97-AF65-F5344CB8AC3E}">
-        <p14:creationId xmlns:p14="http://schemas.microsoft.com/office/powerpoint/2010/main" val="3693446493"/>
-      </p:ext>
-    </p:extLst>
   </p:cSld>
   <p:clrMapOvr>
     <a:masterClrMapping/>
@@ -4604,18 +3538,12 @@
       </p:grpSpPr>
       <p:sp>
         <p:nvSpPr>
-          <p:cNvPr id="2" name="Titolo 1">
-            <a:extLst>
-              <a:ext uri="{FF2B5EF4-FFF2-40B4-BE49-F238E27FC236}">
-                <a16:creationId xmlns:a16="http://schemas.microsoft.com/office/drawing/2014/main" id="{CD3AFC0B-1F29-CC4E-B1AA-4A892F19EF22}"/>
-              </a:ext>
-            </a:extLst>
-          </p:cNvPr>
+          <p:cNvPr id="2" name="Titolo 1"/>
           <p:cNvSpPr>
             <a:spLocks noGrp="1"/>
           </p:cNvSpPr>
           <p:nvPr>
-            <p:ph type="title"/>
+            <p:ph type="title" hasCustomPrompt="1"/>
           </p:nvPr>
         </p:nvSpPr>
         <p:spPr>
@@ -4638,18 +3566,12 @@
       </p:sp>
       <p:sp>
         <p:nvSpPr>
-          <p:cNvPr id="3" name="Segnaposto testo 2">
-            <a:extLst>
-              <a:ext uri="{FF2B5EF4-FFF2-40B4-BE49-F238E27FC236}">
-                <a16:creationId xmlns:a16="http://schemas.microsoft.com/office/drawing/2014/main" id="{899966AC-7CE5-9D40-BFE7-E60FA0BFE337}"/>
-              </a:ext>
-            </a:extLst>
-          </p:cNvPr>
+          <p:cNvPr id="3" name="Segnaposto testo 2"/>
           <p:cNvSpPr>
             <a:spLocks noGrp="1"/>
           </p:cNvSpPr>
           <p:nvPr>
-            <p:ph type="body" idx="1"/>
+            <p:ph type="body" idx="1" hasCustomPrompt="1"/>
           </p:nvPr>
         </p:nvSpPr>
         <p:spPr>
@@ -4704,23 +3626,18 @@
               <a:rPr lang="it-IT"/>
               <a:t>Fare clic per modificare gli stili del testo dello schema</a:t>
             </a:r>
-          </a:p>
-        </p:txBody>
-      </p:sp>
-      <p:sp>
-        <p:nvSpPr>
-          <p:cNvPr id="4" name="Segnaposto contenuto 3">
-            <a:extLst>
-              <a:ext uri="{FF2B5EF4-FFF2-40B4-BE49-F238E27FC236}">
-                <a16:creationId xmlns:a16="http://schemas.microsoft.com/office/drawing/2014/main" id="{9060C9ED-76BE-C349-A96F-0340F8D66185}"/>
-              </a:ext>
-            </a:extLst>
-          </p:cNvPr>
+            <a:endParaRPr lang="it-IT"/>
+          </a:p>
+        </p:txBody>
+      </p:sp>
+      <p:sp>
+        <p:nvSpPr>
+          <p:cNvPr id="4" name="Segnaposto contenuto 3"/>
           <p:cNvSpPr>
             <a:spLocks noGrp="1"/>
           </p:cNvSpPr>
           <p:nvPr>
-            <p:ph sz="half" idx="2"/>
+            <p:ph sz="half" idx="2" hasCustomPrompt="1"/>
           </p:nvPr>
         </p:nvSpPr>
         <p:spPr>
@@ -4738,6 +3655,7 @@
               <a:rPr lang="it-IT"/>
               <a:t>Fare clic per modificare gli stili del testo dello schema</a:t>
             </a:r>
+            <a:endParaRPr lang="it-IT"/>
           </a:p>
           <a:p>
             <a:pPr lvl="1"/>
@@ -4745,6 +3663,7 @@
               <a:rPr lang="it-IT"/>
               <a:t>Secondo livello</a:t>
             </a:r>
+            <a:endParaRPr lang="it-IT"/>
           </a:p>
           <a:p>
             <a:pPr lvl="2"/>
@@ -4752,6 +3671,7 @@
               <a:rPr lang="it-IT"/>
               <a:t>Terzo livello</a:t>
             </a:r>
+            <a:endParaRPr lang="it-IT"/>
           </a:p>
           <a:p>
             <a:pPr lvl="3"/>
@@ -4759,6 +3679,7 @@
               <a:rPr lang="it-IT"/>
               <a:t>Quarto livello</a:t>
             </a:r>
+            <a:endParaRPr lang="it-IT"/>
           </a:p>
           <a:p>
             <a:pPr lvl="4"/>
@@ -4772,18 +3693,12 @@
       </p:sp>
       <p:sp>
         <p:nvSpPr>
-          <p:cNvPr id="5" name="Segnaposto testo 4">
-            <a:extLst>
-              <a:ext uri="{FF2B5EF4-FFF2-40B4-BE49-F238E27FC236}">
-                <a16:creationId xmlns:a16="http://schemas.microsoft.com/office/drawing/2014/main" id="{070F7571-B34F-274E-BDB7-8AE21D2B123C}"/>
-              </a:ext>
-            </a:extLst>
-          </p:cNvPr>
+          <p:cNvPr id="5" name="Segnaposto testo 4"/>
           <p:cNvSpPr>
             <a:spLocks noGrp="1"/>
           </p:cNvSpPr>
           <p:nvPr>
-            <p:ph type="body" sz="quarter" idx="3"/>
+            <p:ph type="body" sz="quarter" idx="3" hasCustomPrompt="1"/>
           </p:nvPr>
         </p:nvSpPr>
         <p:spPr>
@@ -4838,23 +3753,18 @@
               <a:rPr lang="it-IT"/>
               <a:t>Fare clic per modificare gli stili del testo dello schema</a:t>
             </a:r>
-          </a:p>
-        </p:txBody>
-      </p:sp>
-      <p:sp>
-        <p:nvSpPr>
-          <p:cNvPr id="6" name="Segnaposto contenuto 5">
-            <a:extLst>
-              <a:ext uri="{FF2B5EF4-FFF2-40B4-BE49-F238E27FC236}">
-                <a16:creationId xmlns:a16="http://schemas.microsoft.com/office/drawing/2014/main" id="{328E7205-306B-564D-A1C0-9E5090130F08}"/>
-              </a:ext>
-            </a:extLst>
-          </p:cNvPr>
+            <a:endParaRPr lang="it-IT"/>
+          </a:p>
+        </p:txBody>
+      </p:sp>
+      <p:sp>
+        <p:nvSpPr>
+          <p:cNvPr id="6" name="Segnaposto contenuto 5"/>
           <p:cNvSpPr>
             <a:spLocks noGrp="1"/>
           </p:cNvSpPr>
           <p:nvPr>
-            <p:ph sz="quarter" idx="4"/>
+            <p:ph sz="quarter" idx="4" hasCustomPrompt="1"/>
           </p:nvPr>
         </p:nvSpPr>
         <p:spPr>
@@ -4872,6 +3782,7 @@
               <a:rPr lang="it-IT"/>
               <a:t>Fare clic per modificare gli stili del testo dello schema</a:t>
             </a:r>
+            <a:endParaRPr lang="it-IT"/>
           </a:p>
           <a:p>
             <a:pPr lvl="1"/>
@@ -4879,6 +3790,7 @@
               <a:rPr lang="it-IT"/>
               <a:t>Secondo livello</a:t>
             </a:r>
+            <a:endParaRPr lang="it-IT"/>
           </a:p>
           <a:p>
             <a:pPr lvl="2"/>
@@ -4886,6 +3798,7 @@
               <a:rPr lang="it-IT"/>
               <a:t>Terzo livello</a:t>
             </a:r>
+            <a:endParaRPr lang="it-IT"/>
           </a:p>
           <a:p>
             <a:pPr lvl="3"/>
@@ -4893,6 +3806,7 @@
               <a:rPr lang="it-IT"/>
               <a:t>Quarto livello</a:t>
             </a:r>
+            <a:endParaRPr lang="it-IT"/>
           </a:p>
           <a:p>
             <a:pPr lvl="4"/>
@@ -4906,13 +3820,7 @@
       </p:sp>
       <p:sp>
         <p:nvSpPr>
-          <p:cNvPr id="7" name="Segnaposto data 6">
-            <a:extLst>
-              <a:ext uri="{FF2B5EF4-FFF2-40B4-BE49-F238E27FC236}">
-                <a16:creationId xmlns:a16="http://schemas.microsoft.com/office/drawing/2014/main" id="{776BAE79-5DDD-1B49-A7BF-1C4DB5D71E84}"/>
-              </a:ext>
-            </a:extLst>
-          </p:cNvPr>
+          <p:cNvPr id="7" name="Segnaposto data 6"/>
           <p:cNvSpPr>
             <a:spLocks noGrp="1"/>
           </p:cNvSpPr>
@@ -4927,7 +3835,6 @@
           <a:p>
             <a:fld id="{71FAFF6A-1FF6-574F-9D39-3AFB90F9E481}" type="datetimeFigureOut">
               <a:rPr lang="en-US" smtClean="0"/>
-              <a:t>2/4/22</a:t>
             </a:fld>
             <a:endParaRPr lang="en-US"/>
           </a:p>
@@ -4935,13 +3842,7 @@
       </p:sp>
       <p:sp>
         <p:nvSpPr>
-          <p:cNvPr id="8" name="Segnaposto piè di pagina 7">
-            <a:extLst>
-              <a:ext uri="{FF2B5EF4-FFF2-40B4-BE49-F238E27FC236}">
-                <a16:creationId xmlns:a16="http://schemas.microsoft.com/office/drawing/2014/main" id="{E2D1D798-EA40-6342-AA58-C17C92D37714}"/>
-              </a:ext>
-            </a:extLst>
-          </p:cNvPr>
+          <p:cNvPr id="8" name="Segnaposto piè di pagina 7"/>
           <p:cNvSpPr>
             <a:spLocks noGrp="1"/>
           </p:cNvSpPr>
@@ -4960,13 +3861,7 @@
       </p:sp>
       <p:sp>
         <p:nvSpPr>
-          <p:cNvPr id="9" name="Segnaposto numero diapositiva 8">
-            <a:extLst>
-              <a:ext uri="{FF2B5EF4-FFF2-40B4-BE49-F238E27FC236}">
-                <a16:creationId xmlns:a16="http://schemas.microsoft.com/office/drawing/2014/main" id="{4A130339-577C-1A42-9039-C57C2AB08422}"/>
-              </a:ext>
-            </a:extLst>
-          </p:cNvPr>
+          <p:cNvPr id="9" name="Segnaposto numero diapositiva 8"/>
           <p:cNvSpPr>
             <a:spLocks noGrp="1"/>
           </p:cNvSpPr>
@@ -4981,18 +3876,12 @@
           <a:p>
             <a:fld id="{D5D3FCC6-FAFE-C745-A7CC-5B749423EEEC}" type="slidenum">
               <a:rPr lang="en-US" smtClean="0"/>
-              <a:t>‹N›</a:t>
             </a:fld>
             <a:endParaRPr lang="en-US"/>
           </a:p>
         </p:txBody>
       </p:sp>
     </p:spTree>
-    <p:extLst>
-      <p:ext uri="{BB962C8B-B14F-4D97-AF65-F5344CB8AC3E}">
-        <p14:creationId xmlns:p14="http://schemas.microsoft.com/office/powerpoint/2010/main" val="26534608"/>
-      </p:ext>
-    </p:extLst>
   </p:cSld>
   <p:clrMapOvr>
     <a:masterClrMapping/>
@@ -5019,18 +3908,12 @@
       </p:grpSpPr>
       <p:sp>
         <p:nvSpPr>
-          <p:cNvPr id="2" name="Titolo 1">
-            <a:extLst>
-              <a:ext uri="{FF2B5EF4-FFF2-40B4-BE49-F238E27FC236}">
-                <a16:creationId xmlns:a16="http://schemas.microsoft.com/office/drawing/2014/main" id="{B07C22AA-0668-074D-B316-5B98CF22A2B8}"/>
-              </a:ext>
-            </a:extLst>
-          </p:cNvPr>
+          <p:cNvPr id="2" name="Titolo 1"/>
           <p:cNvSpPr>
             <a:spLocks noGrp="1"/>
           </p:cNvSpPr>
           <p:nvPr>
-            <p:ph type="title"/>
+            <p:ph type="title" hasCustomPrompt="1"/>
           </p:nvPr>
         </p:nvSpPr>
         <p:spPr/>
@@ -5048,13 +3931,7 @@
       </p:sp>
       <p:sp>
         <p:nvSpPr>
-          <p:cNvPr id="3" name="Segnaposto data 2">
-            <a:extLst>
-              <a:ext uri="{FF2B5EF4-FFF2-40B4-BE49-F238E27FC236}">
-                <a16:creationId xmlns:a16="http://schemas.microsoft.com/office/drawing/2014/main" id="{E13FCD50-786B-EE46-AF67-4715D9054530}"/>
-              </a:ext>
-            </a:extLst>
-          </p:cNvPr>
+          <p:cNvPr id="3" name="Segnaposto data 2"/>
           <p:cNvSpPr>
             <a:spLocks noGrp="1"/>
           </p:cNvSpPr>
@@ -5069,7 +3946,6 @@
           <a:p>
             <a:fld id="{71FAFF6A-1FF6-574F-9D39-3AFB90F9E481}" type="datetimeFigureOut">
               <a:rPr lang="en-US" smtClean="0"/>
-              <a:t>2/4/22</a:t>
             </a:fld>
             <a:endParaRPr lang="en-US"/>
           </a:p>
@@ -5077,13 +3953,7 @@
       </p:sp>
       <p:sp>
         <p:nvSpPr>
-          <p:cNvPr id="4" name="Segnaposto piè di pagina 3">
-            <a:extLst>
-              <a:ext uri="{FF2B5EF4-FFF2-40B4-BE49-F238E27FC236}">
-                <a16:creationId xmlns:a16="http://schemas.microsoft.com/office/drawing/2014/main" id="{CDC3B00F-AC16-2C49-B06F-B5CA347EA8CD}"/>
-              </a:ext>
-            </a:extLst>
-          </p:cNvPr>
+          <p:cNvPr id="4" name="Segnaposto piè di pagina 3"/>
           <p:cNvSpPr>
             <a:spLocks noGrp="1"/>
           </p:cNvSpPr>
@@ -5102,13 +3972,7 @@
       </p:sp>
       <p:sp>
         <p:nvSpPr>
-          <p:cNvPr id="5" name="Segnaposto numero diapositiva 4">
-            <a:extLst>
-              <a:ext uri="{FF2B5EF4-FFF2-40B4-BE49-F238E27FC236}">
-                <a16:creationId xmlns:a16="http://schemas.microsoft.com/office/drawing/2014/main" id="{1BB3BAEC-8966-C245-A07F-3C4B0CE74DB4}"/>
-              </a:ext>
-            </a:extLst>
-          </p:cNvPr>
+          <p:cNvPr id="5" name="Segnaposto numero diapositiva 4"/>
           <p:cNvSpPr>
             <a:spLocks noGrp="1"/>
           </p:cNvSpPr>
@@ -5123,18 +3987,12 @@
           <a:p>
             <a:fld id="{D5D3FCC6-FAFE-C745-A7CC-5B749423EEEC}" type="slidenum">
               <a:rPr lang="en-US" smtClean="0"/>
-              <a:t>‹N›</a:t>
             </a:fld>
             <a:endParaRPr lang="en-US"/>
           </a:p>
         </p:txBody>
       </p:sp>
     </p:spTree>
-    <p:extLst>
-      <p:ext uri="{BB962C8B-B14F-4D97-AF65-F5344CB8AC3E}">
-        <p14:creationId xmlns:p14="http://schemas.microsoft.com/office/powerpoint/2010/main" val="3460061210"/>
-      </p:ext>
-    </p:extLst>
   </p:cSld>
   <p:clrMapOvr>
     <a:masterClrMapping/>
@@ -5161,13 +4019,7 @@
       </p:grpSpPr>
       <p:sp>
         <p:nvSpPr>
-          <p:cNvPr id="2" name="Segnaposto data 1">
-            <a:extLst>
-              <a:ext uri="{FF2B5EF4-FFF2-40B4-BE49-F238E27FC236}">
-                <a16:creationId xmlns:a16="http://schemas.microsoft.com/office/drawing/2014/main" id="{80AD02C6-81EF-0243-8323-2EA2F74B9D76}"/>
-              </a:ext>
-            </a:extLst>
-          </p:cNvPr>
+          <p:cNvPr id="2" name="Segnaposto data 1"/>
           <p:cNvSpPr>
             <a:spLocks noGrp="1"/>
           </p:cNvSpPr>
@@ -5182,7 +4034,6 @@
           <a:p>
             <a:fld id="{71FAFF6A-1FF6-574F-9D39-3AFB90F9E481}" type="datetimeFigureOut">
               <a:rPr lang="en-US" smtClean="0"/>
-              <a:t>2/4/22</a:t>
             </a:fld>
             <a:endParaRPr lang="en-US"/>
           </a:p>
@@ -5190,13 +4041,7 @@
       </p:sp>
       <p:sp>
         <p:nvSpPr>
-          <p:cNvPr id="3" name="Segnaposto piè di pagina 2">
-            <a:extLst>
-              <a:ext uri="{FF2B5EF4-FFF2-40B4-BE49-F238E27FC236}">
-                <a16:creationId xmlns:a16="http://schemas.microsoft.com/office/drawing/2014/main" id="{F4D76400-34D6-3645-BC7E-576AA8594DEC}"/>
-              </a:ext>
-            </a:extLst>
-          </p:cNvPr>
+          <p:cNvPr id="3" name="Segnaposto piè di pagina 2"/>
           <p:cNvSpPr>
             <a:spLocks noGrp="1"/>
           </p:cNvSpPr>
@@ -5215,13 +4060,7 @@
       </p:sp>
       <p:sp>
         <p:nvSpPr>
-          <p:cNvPr id="4" name="Segnaposto numero diapositiva 3">
-            <a:extLst>
-              <a:ext uri="{FF2B5EF4-FFF2-40B4-BE49-F238E27FC236}">
-                <a16:creationId xmlns:a16="http://schemas.microsoft.com/office/drawing/2014/main" id="{FDB6097C-1D0D-D047-93F3-8FBAE0927A15}"/>
-              </a:ext>
-            </a:extLst>
-          </p:cNvPr>
+          <p:cNvPr id="4" name="Segnaposto numero diapositiva 3"/>
           <p:cNvSpPr>
             <a:spLocks noGrp="1"/>
           </p:cNvSpPr>
@@ -5236,18 +4075,12 @@
           <a:p>
             <a:fld id="{D5D3FCC6-FAFE-C745-A7CC-5B749423EEEC}" type="slidenum">
               <a:rPr lang="en-US" smtClean="0"/>
-              <a:t>‹N›</a:t>
             </a:fld>
             <a:endParaRPr lang="en-US"/>
           </a:p>
         </p:txBody>
       </p:sp>
     </p:spTree>
-    <p:extLst>
-      <p:ext uri="{BB962C8B-B14F-4D97-AF65-F5344CB8AC3E}">
-        <p14:creationId xmlns:p14="http://schemas.microsoft.com/office/powerpoint/2010/main" val="1822455701"/>
-      </p:ext>
-    </p:extLst>
   </p:cSld>
   <p:clrMapOvr>
     <a:masterClrMapping/>
@@ -5274,18 +4107,12 @@
       </p:grpSpPr>
       <p:sp>
         <p:nvSpPr>
-          <p:cNvPr id="2" name="Titolo 1">
-            <a:extLst>
-              <a:ext uri="{FF2B5EF4-FFF2-40B4-BE49-F238E27FC236}">
-                <a16:creationId xmlns:a16="http://schemas.microsoft.com/office/drawing/2014/main" id="{9D78E939-837E-B44C-99FB-882D91767864}"/>
-              </a:ext>
-            </a:extLst>
-          </p:cNvPr>
+          <p:cNvPr id="2" name="Titolo 1"/>
           <p:cNvSpPr>
             <a:spLocks noGrp="1"/>
           </p:cNvSpPr>
           <p:nvPr>
-            <p:ph type="title"/>
+            <p:ph type="title" hasCustomPrompt="1"/>
           </p:nvPr>
         </p:nvSpPr>
         <p:spPr>
@@ -5312,18 +4139,12 @@
       </p:sp>
       <p:sp>
         <p:nvSpPr>
-          <p:cNvPr id="3" name="Segnaposto contenuto 2">
-            <a:extLst>
-              <a:ext uri="{FF2B5EF4-FFF2-40B4-BE49-F238E27FC236}">
-                <a16:creationId xmlns:a16="http://schemas.microsoft.com/office/drawing/2014/main" id="{B19B5EDA-CA70-5048-BDF1-E78895A347BC}"/>
-              </a:ext>
-            </a:extLst>
-          </p:cNvPr>
+          <p:cNvPr id="3" name="Segnaposto contenuto 2"/>
           <p:cNvSpPr>
             <a:spLocks noGrp="1"/>
           </p:cNvSpPr>
           <p:nvPr>
-            <p:ph idx="1"/>
+            <p:ph idx="1" hasCustomPrompt="1"/>
           </p:nvPr>
         </p:nvSpPr>
         <p:spPr>
@@ -5369,6 +4190,7 @@
               <a:rPr lang="it-IT"/>
               <a:t>Fare clic per modificare gli stili del testo dello schema</a:t>
             </a:r>
+            <a:endParaRPr lang="it-IT"/>
           </a:p>
           <a:p>
             <a:pPr lvl="1"/>
@@ -5376,6 +4198,7 @@
               <a:rPr lang="it-IT"/>
               <a:t>Secondo livello</a:t>
             </a:r>
+            <a:endParaRPr lang="it-IT"/>
           </a:p>
           <a:p>
             <a:pPr lvl="2"/>
@@ -5383,6 +4206,7 @@
               <a:rPr lang="it-IT"/>
               <a:t>Terzo livello</a:t>
             </a:r>
+            <a:endParaRPr lang="it-IT"/>
           </a:p>
           <a:p>
             <a:pPr lvl="3"/>
@@ -5390,6 +4214,7 @@
               <a:rPr lang="it-IT"/>
               <a:t>Quarto livello</a:t>
             </a:r>
+            <a:endParaRPr lang="it-IT"/>
           </a:p>
           <a:p>
             <a:pPr lvl="4"/>
@@ -5403,18 +4228,12 @@
       </p:sp>
       <p:sp>
         <p:nvSpPr>
-          <p:cNvPr id="4" name="Segnaposto testo 3">
-            <a:extLst>
-              <a:ext uri="{FF2B5EF4-FFF2-40B4-BE49-F238E27FC236}">
-                <a16:creationId xmlns:a16="http://schemas.microsoft.com/office/drawing/2014/main" id="{FBC71456-7ECB-C84B-AB8E-FFC159A56909}"/>
-              </a:ext>
-            </a:extLst>
-          </p:cNvPr>
+          <p:cNvPr id="4" name="Segnaposto testo 3"/>
           <p:cNvSpPr>
             <a:spLocks noGrp="1"/>
           </p:cNvSpPr>
           <p:nvPr>
-            <p:ph type="body" sz="half" idx="2"/>
+            <p:ph type="body" sz="half" idx="2" hasCustomPrompt="1"/>
           </p:nvPr>
         </p:nvSpPr>
         <p:spPr>
@@ -5469,18 +4288,13 @@
               <a:rPr lang="it-IT"/>
               <a:t>Fare clic per modificare gli stili del testo dello schema</a:t>
             </a:r>
-          </a:p>
-        </p:txBody>
-      </p:sp>
-      <p:sp>
-        <p:nvSpPr>
-          <p:cNvPr id="5" name="Segnaposto data 4">
-            <a:extLst>
-              <a:ext uri="{FF2B5EF4-FFF2-40B4-BE49-F238E27FC236}">
-                <a16:creationId xmlns:a16="http://schemas.microsoft.com/office/drawing/2014/main" id="{C3711789-8064-444D-88BD-5B9C5438425E}"/>
-              </a:ext>
-            </a:extLst>
-          </p:cNvPr>
+            <a:endParaRPr lang="it-IT"/>
+          </a:p>
+        </p:txBody>
+      </p:sp>
+      <p:sp>
+        <p:nvSpPr>
+          <p:cNvPr id="5" name="Segnaposto data 4"/>
           <p:cNvSpPr>
             <a:spLocks noGrp="1"/>
           </p:cNvSpPr>
@@ -5495,7 +4309,6 @@
           <a:p>
             <a:fld id="{71FAFF6A-1FF6-574F-9D39-3AFB90F9E481}" type="datetimeFigureOut">
               <a:rPr lang="en-US" smtClean="0"/>
-              <a:t>2/4/22</a:t>
             </a:fld>
             <a:endParaRPr lang="en-US"/>
           </a:p>
@@ -5503,13 +4316,7 @@
       </p:sp>
       <p:sp>
         <p:nvSpPr>
-          <p:cNvPr id="6" name="Segnaposto piè di pagina 5">
-            <a:extLst>
-              <a:ext uri="{FF2B5EF4-FFF2-40B4-BE49-F238E27FC236}">
-                <a16:creationId xmlns:a16="http://schemas.microsoft.com/office/drawing/2014/main" id="{706CAA68-3DE2-B64C-8C1B-BE9B04312EDD}"/>
-              </a:ext>
-            </a:extLst>
-          </p:cNvPr>
+          <p:cNvPr id="6" name="Segnaposto piè di pagina 5"/>
           <p:cNvSpPr>
             <a:spLocks noGrp="1"/>
           </p:cNvSpPr>
@@ -5528,13 +4335,7 @@
       </p:sp>
       <p:sp>
         <p:nvSpPr>
-          <p:cNvPr id="7" name="Segnaposto numero diapositiva 6">
-            <a:extLst>
-              <a:ext uri="{FF2B5EF4-FFF2-40B4-BE49-F238E27FC236}">
-                <a16:creationId xmlns:a16="http://schemas.microsoft.com/office/drawing/2014/main" id="{AC724BF7-DB34-9A48-A6DD-6D16AFD0319D}"/>
-              </a:ext>
-            </a:extLst>
-          </p:cNvPr>
+          <p:cNvPr id="7" name="Segnaposto numero diapositiva 6"/>
           <p:cNvSpPr>
             <a:spLocks noGrp="1"/>
           </p:cNvSpPr>
@@ -5549,18 +4350,12 @@
           <a:p>
             <a:fld id="{D5D3FCC6-FAFE-C745-A7CC-5B749423EEEC}" type="slidenum">
               <a:rPr lang="en-US" smtClean="0"/>
-              <a:t>‹N›</a:t>
             </a:fld>
             <a:endParaRPr lang="en-US"/>
           </a:p>
         </p:txBody>
       </p:sp>
     </p:spTree>
-    <p:extLst>
-      <p:ext uri="{BB962C8B-B14F-4D97-AF65-F5344CB8AC3E}">
-        <p14:creationId xmlns:p14="http://schemas.microsoft.com/office/powerpoint/2010/main" val="3090136322"/>
-      </p:ext>
-    </p:extLst>
   </p:cSld>
   <p:clrMapOvr>
     <a:masterClrMapping/>
@@ -5587,18 +4382,12 @@
       </p:grpSpPr>
       <p:sp>
         <p:nvSpPr>
-          <p:cNvPr id="2" name="Titolo 1">
-            <a:extLst>
-              <a:ext uri="{FF2B5EF4-FFF2-40B4-BE49-F238E27FC236}">
-                <a16:creationId xmlns:a16="http://schemas.microsoft.com/office/drawing/2014/main" id="{5564D77C-D184-3F44-B42C-8FB260BF0A25}"/>
-              </a:ext>
-            </a:extLst>
-          </p:cNvPr>
+          <p:cNvPr id="2" name="Titolo 1"/>
           <p:cNvSpPr>
             <a:spLocks noGrp="1"/>
           </p:cNvSpPr>
           <p:nvPr>
-            <p:ph type="title"/>
+            <p:ph type="title" hasCustomPrompt="1"/>
           </p:nvPr>
         </p:nvSpPr>
         <p:spPr>
@@ -5625,13 +4414,7 @@
       </p:sp>
       <p:sp>
         <p:nvSpPr>
-          <p:cNvPr id="3" name="Segnaposto immagine 2">
-            <a:extLst>
-              <a:ext uri="{FF2B5EF4-FFF2-40B4-BE49-F238E27FC236}">
-                <a16:creationId xmlns:a16="http://schemas.microsoft.com/office/drawing/2014/main" id="{11056FFF-F095-EE45-A8D9-156EDC6B28C1}"/>
-              </a:ext>
-            </a:extLst>
-          </p:cNvPr>
+          <p:cNvPr id="3" name="Segnaposto immagine 2"/>
           <p:cNvSpPr>
             <a:spLocks noGrp="1"/>
           </p:cNvSpPr>
@@ -5692,18 +4475,12 @@
       </p:sp>
       <p:sp>
         <p:nvSpPr>
-          <p:cNvPr id="4" name="Segnaposto testo 3">
-            <a:extLst>
-              <a:ext uri="{FF2B5EF4-FFF2-40B4-BE49-F238E27FC236}">
-                <a16:creationId xmlns:a16="http://schemas.microsoft.com/office/drawing/2014/main" id="{C001A876-B7F0-1E49-BA16-4C7AB87554A2}"/>
-              </a:ext>
-            </a:extLst>
-          </p:cNvPr>
+          <p:cNvPr id="4" name="Segnaposto testo 3"/>
           <p:cNvSpPr>
             <a:spLocks noGrp="1"/>
           </p:cNvSpPr>
           <p:nvPr>
-            <p:ph type="body" sz="half" idx="2"/>
+            <p:ph type="body" sz="half" idx="2" hasCustomPrompt="1"/>
           </p:nvPr>
         </p:nvSpPr>
         <p:spPr>
@@ -5758,18 +4535,13 @@
               <a:rPr lang="it-IT"/>
               <a:t>Fare clic per modificare gli stili del testo dello schema</a:t>
             </a:r>
-          </a:p>
-        </p:txBody>
-      </p:sp>
-      <p:sp>
-        <p:nvSpPr>
-          <p:cNvPr id="5" name="Segnaposto data 4">
-            <a:extLst>
-              <a:ext uri="{FF2B5EF4-FFF2-40B4-BE49-F238E27FC236}">
-                <a16:creationId xmlns:a16="http://schemas.microsoft.com/office/drawing/2014/main" id="{58C1648D-681F-DB46-A147-2D41568ACB4E}"/>
-              </a:ext>
-            </a:extLst>
-          </p:cNvPr>
+            <a:endParaRPr lang="it-IT"/>
+          </a:p>
+        </p:txBody>
+      </p:sp>
+      <p:sp>
+        <p:nvSpPr>
+          <p:cNvPr id="5" name="Segnaposto data 4"/>
           <p:cNvSpPr>
             <a:spLocks noGrp="1"/>
           </p:cNvSpPr>
@@ -5784,7 +4556,6 @@
           <a:p>
             <a:fld id="{71FAFF6A-1FF6-574F-9D39-3AFB90F9E481}" type="datetimeFigureOut">
               <a:rPr lang="en-US" smtClean="0"/>
-              <a:t>2/4/22</a:t>
             </a:fld>
             <a:endParaRPr lang="en-US"/>
           </a:p>
@@ -5792,13 +4563,7 @@
       </p:sp>
       <p:sp>
         <p:nvSpPr>
-          <p:cNvPr id="6" name="Segnaposto piè di pagina 5">
-            <a:extLst>
-              <a:ext uri="{FF2B5EF4-FFF2-40B4-BE49-F238E27FC236}">
-                <a16:creationId xmlns:a16="http://schemas.microsoft.com/office/drawing/2014/main" id="{A08AC6D6-0AC6-014A-945D-6E93327DFE1D}"/>
-              </a:ext>
-            </a:extLst>
-          </p:cNvPr>
+          <p:cNvPr id="6" name="Segnaposto piè di pagina 5"/>
           <p:cNvSpPr>
             <a:spLocks noGrp="1"/>
           </p:cNvSpPr>
@@ -5817,13 +4582,7 @@
       </p:sp>
       <p:sp>
         <p:nvSpPr>
-          <p:cNvPr id="7" name="Segnaposto numero diapositiva 6">
-            <a:extLst>
-              <a:ext uri="{FF2B5EF4-FFF2-40B4-BE49-F238E27FC236}">
-                <a16:creationId xmlns:a16="http://schemas.microsoft.com/office/drawing/2014/main" id="{86977478-3EF0-D64D-B225-76E22D328CE0}"/>
-              </a:ext>
-            </a:extLst>
-          </p:cNvPr>
+          <p:cNvPr id="7" name="Segnaposto numero diapositiva 6"/>
           <p:cNvSpPr>
             <a:spLocks noGrp="1"/>
           </p:cNvSpPr>
@@ -5838,18 +4597,12 @@
           <a:p>
             <a:fld id="{D5D3FCC6-FAFE-C745-A7CC-5B749423EEEC}" type="slidenum">
               <a:rPr lang="en-US" smtClean="0"/>
-              <a:t>‹N›</a:t>
             </a:fld>
             <a:endParaRPr lang="en-US"/>
           </a:p>
         </p:txBody>
       </p:sp>
     </p:spTree>
-    <p:extLst>
-      <p:ext uri="{BB962C8B-B14F-4D97-AF65-F5344CB8AC3E}">
-        <p14:creationId xmlns:p14="http://schemas.microsoft.com/office/powerpoint/2010/main" val="1837792796"/>
-      </p:ext>
-    </p:extLst>
   </p:cSld>
   <p:clrMapOvr>
     <a:masterClrMapping/>
@@ -5881,13 +4634,7 @@
       </p:grpSpPr>
       <p:sp>
         <p:nvSpPr>
-          <p:cNvPr id="2" name="Segnaposto titolo 1">
-            <a:extLst>
-              <a:ext uri="{FF2B5EF4-FFF2-40B4-BE49-F238E27FC236}">
-                <a16:creationId xmlns:a16="http://schemas.microsoft.com/office/drawing/2014/main" id="{36FD9099-86C6-3146-80AF-90A2E3A466AA}"/>
-              </a:ext>
-            </a:extLst>
-          </p:cNvPr>
+          <p:cNvPr id="2" name="Segnaposto titolo 1"/>
           <p:cNvSpPr>
             <a:spLocks noGrp="1"/>
           </p:cNvSpPr>
@@ -5920,13 +4667,7 @@
       </p:sp>
       <p:sp>
         <p:nvSpPr>
-          <p:cNvPr id="3" name="Segnaposto testo 2">
-            <a:extLst>
-              <a:ext uri="{FF2B5EF4-FFF2-40B4-BE49-F238E27FC236}">
-                <a16:creationId xmlns:a16="http://schemas.microsoft.com/office/drawing/2014/main" id="{E9755E21-C2D0-CD46-953D-9889883930ED}"/>
-              </a:ext>
-            </a:extLst>
-          </p:cNvPr>
+          <p:cNvPr id="3" name="Segnaposto testo 2"/>
           <p:cNvSpPr>
             <a:spLocks noGrp="1"/>
           </p:cNvSpPr>
@@ -5954,6 +4695,7 @@
               <a:rPr lang="it-IT"/>
               <a:t>Fare clic per modificare gli stili del testo dello schema</a:t>
             </a:r>
+            <a:endParaRPr lang="it-IT"/>
           </a:p>
           <a:p>
             <a:pPr lvl="1"/>
@@ -5961,6 +4703,7 @@
               <a:rPr lang="it-IT"/>
               <a:t>Secondo livello</a:t>
             </a:r>
+            <a:endParaRPr lang="it-IT"/>
           </a:p>
           <a:p>
             <a:pPr lvl="2"/>
@@ -5968,6 +4711,7 @@
               <a:rPr lang="it-IT"/>
               <a:t>Terzo livello</a:t>
             </a:r>
+            <a:endParaRPr lang="it-IT"/>
           </a:p>
           <a:p>
             <a:pPr lvl="3"/>
@@ -5975,6 +4719,7 @@
               <a:rPr lang="it-IT"/>
               <a:t>Quarto livello</a:t>
             </a:r>
+            <a:endParaRPr lang="it-IT"/>
           </a:p>
           <a:p>
             <a:pPr lvl="4"/>
@@ -5988,13 +4733,7 @@
       </p:sp>
       <p:sp>
         <p:nvSpPr>
-          <p:cNvPr id="4" name="Segnaposto data 3">
-            <a:extLst>
-              <a:ext uri="{FF2B5EF4-FFF2-40B4-BE49-F238E27FC236}">
-                <a16:creationId xmlns:a16="http://schemas.microsoft.com/office/drawing/2014/main" id="{1C5D6D79-48C5-DF46-AAE2-73E066940E41}"/>
-              </a:ext>
-            </a:extLst>
-          </p:cNvPr>
+          <p:cNvPr id="4" name="Segnaposto data 3"/>
           <p:cNvSpPr>
             <a:spLocks noGrp="1"/>
           </p:cNvSpPr>
@@ -6027,7 +4766,6 @@
           <a:p>
             <a:fld id="{71FAFF6A-1FF6-574F-9D39-3AFB90F9E481}" type="datetimeFigureOut">
               <a:rPr lang="en-US" smtClean="0"/>
-              <a:t>2/4/22</a:t>
             </a:fld>
             <a:endParaRPr lang="en-US"/>
           </a:p>
@@ -6035,13 +4773,7 @@
       </p:sp>
       <p:sp>
         <p:nvSpPr>
-          <p:cNvPr id="5" name="Segnaposto piè di pagina 4">
-            <a:extLst>
-              <a:ext uri="{FF2B5EF4-FFF2-40B4-BE49-F238E27FC236}">
-                <a16:creationId xmlns:a16="http://schemas.microsoft.com/office/drawing/2014/main" id="{732A04D8-0D81-ED4C-B67E-002155733229}"/>
-              </a:ext>
-            </a:extLst>
-          </p:cNvPr>
+          <p:cNvPr id="5" name="Segnaposto piè di pagina 4"/>
           <p:cNvSpPr>
             <a:spLocks noGrp="1"/>
           </p:cNvSpPr>
@@ -6078,13 +4810,7 @@
       </p:sp>
       <p:sp>
         <p:nvSpPr>
-          <p:cNvPr id="6" name="Segnaposto numero diapositiva 5">
-            <a:extLst>
-              <a:ext uri="{FF2B5EF4-FFF2-40B4-BE49-F238E27FC236}">
-                <a16:creationId xmlns:a16="http://schemas.microsoft.com/office/drawing/2014/main" id="{113B22FC-F57D-F24B-B93C-98BE1056C2BC}"/>
-              </a:ext>
-            </a:extLst>
-          </p:cNvPr>
+          <p:cNvPr id="6" name="Segnaposto numero diapositiva 5"/>
           <p:cNvSpPr>
             <a:spLocks noGrp="1"/>
           </p:cNvSpPr>
@@ -6117,18 +4843,12 @@
           <a:p>
             <a:fld id="{D5D3FCC6-FAFE-C745-A7CC-5B749423EEEC}" type="slidenum">
               <a:rPr lang="en-US" smtClean="0"/>
-              <a:t>‹N›</a:t>
             </a:fld>
             <a:endParaRPr lang="en-US"/>
           </a:p>
         </p:txBody>
       </p:sp>
     </p:spTree>
-    <p:extLst>
-      <p:ext uri="{BB962C8B-B14F-4D97-AF65-F5344CB8AC3E}">
-        <p14:creationId xmlns:p14="http://schemas.microsoft.com/office/powerpoint/2010/main" val="2755247219"/>
-      </p:ext>
-    </p:extLst>
   </p:cSld>
   <p:clrMap bg1="lt1" tx1="dk1" bg2="lt2" tx2="dk2" accent1="accent1" accent2="accent2" accent3="accent3" accent4="accent4" accent5="accent5" accent6="accent6" hlink="hlink" folHlink="folHlink"/>
   <p:sldLayoutIdLst>
@@ -6172,7 +4892,7 @@
         <a:spcBef>
           <a:spcPts val="1000"/>
         </a:spcBef>
-        <a:buFont typeface="Arial" panose="020B0604020202020204" pitchFamily="34" charset="0"/>
+        <a:buFont typeface="Arial" panose="02080604020202020204" pitchFamily="34" charset="0"/>
         <a:buChar char="•"/>
         <a:defRPr sz="2800" kern="1200">
           <a:solidFill>
@@ -6190,7 +4910,7 @@
         <a:spcBef>
           <a:spcPts val="500"/>
         </a:spcBef>
-        <a:buFont typeface="Arial" panose="020B0604020202020204" pitchFamily="34" charset="0"/>
+        <a:buFont typeface="Arial" panose="02080604020202020204" pitchFamily="34" charset="0"/>
         <a:buChar char="•"/>
         <a:defRPr sz="2400" kern="1200">
           <a:solidFill>
@@ -6208,7 +4928,7 @@
         <a:spcBef>
           <a:spcPts val="500"/>
         </a:spcBef>
-        <a:buFont typeface="Arial" panose="020B0604020202020204" pitchFamily="34" charset="0"/>
+        <a:buFont typeface="Arial" panose="02080604020202020204" pitchFamily="34" charset="0"/>
         <a:buChar char="•"/>
         <a:defRPr sz="2000" kern="1200">
           <a:solidFill>
@@ -6226,7 +4946,7 @@
         <a:spcBef>
           <a:spcPts val="500"/>
         </a:spcBef>
-        <a:buFont typeface="Arial" panose="020B0604020202020204" pitchFamily="34" charset="0"/>
+        <a:buFont typeface="Arial" panose="02080604020202020204" pitchFamily="34" charset="0"/>
         <a:buChar char="•"/>
         <a:defRPr sz="1800" kern="1200">
           <a:solidFill>
@@ -6244,7 +4964,7 @@
         <a:spcBef>
           <a:spcPts val="500"/>
         </a:spcBef>
-        <a:buFont typeface="Arial" panose="020B0604020202020204" pitchFamily="34" charset="0"/>
+        <a:buFont typeface="Arial" panose="02080604020202020204" pitchFamily="34" charset="0"/>
         <a:buChar char="•"/>
         <a:defRPr sz="1800" kern="1200">
           <a:solidFill>
@@ -6262,7 +4982,7 @@
         <a:spcBef>
           <a:spcPts val="500"/>
         </a:spcBef>
-        <a:buFont typeface="Arial" panose="020B0604020202020204" pitchFamily="34" charset="0"/>
+        <a:buFont typeface="Arial" panose="02080604020202020204" pitchFamily="34" charset="0"/>
         <a:buChar char="•"/>
         <a:defRPr sz="1800" kern="1200">
           <a:solidFill>
@@ -6280,7 +5000,7 @@
         <a:spcBef>
           <a:spcPts val="500"/>
         </a:spcBef>
-        <a:buFont typeface="Arial" panose="020B0604020202020204" pitchFamily="34" charset="0"/>
+        <a:buFont typeface="Arial" panose="02080604020202020204" pitchFamily="34" charset="0"/>
         <a:buChar char="•"/>
         <a:defRPr sz="1800" kern="1200">
           <a:solidFill>
@@ -6298,7 +5018,7 @@
         <a:spcBef>
           <a:spcPts val="500"/>
         </a:spcBef>
-        <a:buFont typeface="Arial" panose="020B0604020202020204" pitchFamily="34" charset="0"/>
+        <a:buFont typeface="Arial" panose="02080604020202020204" pitchFamily="34" charset="0"/>
         <a:buChar char="•"/>
         <a:defRPr sz="1800" kern="1200">
           <a:solidFill>
@@ -6316,7 +5036,7 @@
         <a:spcBef>
           <a:spcPts val="500"/>
         </a:spcBef>
-        <a:buFont typeface="Arial" panose="020B0604020202020204" pitchFamily="34" charset="0"/>
+        <a:buFont typeface="Arial" panose="02080604020202020204" pitchFamily="34" charset="0"/>
         <a:buChar char="•"/>
         <a:defRPr sz="1800" kern="1200">
           <a:solidFill>
@@ -6446,13 +5166,7 @@
       </p:grpSpPr>
       <p:sp>
         <p:nvSpPr>
-          <p:cNvPr id="2" name="Titolo 1">
-            <a:extLst>
-              <a:ext uri="{FF2B5EF4-FFF2-40B4-BE49-F238E27FC236}">
-                <a16:creationId xmlns:a16="http://schemas.microsoft.com/office/drawing/2014/main" id="{16B85F99-4181-DF42-9FF1-BF99828C5CE7}"/>
-              </a:ext>
-            </a:extLst>
-          </p:cNvPr>
+          <p:cNvPr id="2" name="Titolo 1"/>
           <p:cNvSpPr>
             <a:spLocks noGrp="1"/>
           </p:cNvSpPr>
@@ -6469,18 +5183,13 @@
               <a:rPr lang="en-US" dirty="0"/>
               <a:t>CUDA kernels per Particles2D</a:t>
             </a:r>
-          </a:p>
-        </p:txBody>
-      </p:sp>
-      <p:sp>
-        <p:nvSpPr>
-          <p:cNvPr id="3" name="Sottotitolo 2">
-            <a:extLst>
-              <a:ext uri="{FF2B5EF4-FFF2-40B4-BE49-F238E27FC236}">
-                <a16:creationId xmlns:a16="http://schemas.microsoft.com/office/drawing/2014/main" id="{92957F88-2FEC-1645-9C53-7285CB2100CE}"/>
-              </a:ext>
-            </a:extLst>
-          </p:cNvPr>
+            <a:endParaRPr lang="en-US" dirty="0"/>
+          </a:p>
+        </p:txBody>
+      </p:sp>
+      <p:sp>
+        <p:nvSpPr>
+          <p:cNvPr id="3" name="Sottotitolo 2"/>
           <p:cNvSpPr>
             <a:spLocks noGrp="1"/>
           </p:cNvSpPr>
@@ -6559,6 +5268,7 @@
               <a:rPr lang="en-GB" dirty="0"/>
               <a:t>. (Exam project in preparation)“</a:t>
             </a:r>
+            <a:endParaRPr lang="en-GB" dirty="0"/>
           </a:p>
           <a:p>
             <a:endParaRPr lang="en-GB" dirty="0"/>
@@ -6596,11 +5306,6 @@
         </p:txBody>
       </p:sp>
     </p:spTree>
-    <p:extLst>
-      <p:ext uri="{BB962C8B-B14F-4D97-AF65-F5344CB8AC3E}">
-        <p14:creationId xmlns:p14="http://schemas.microsoft.com/office/powerpoint/2010/main" val="1870380415"/>
-      </p:ext>
-    </p:extLst>
   </p:cSld>
   <p:clrMapOvr>
     <a:masterClrMapping/>
@@ -6627,13 +5332,7 @@
       </p:grpSpPr>
       <p:sp>
         <p:nvSpPr>
-          <p:cNvPr id="2" name="Titolo 1">
-            <a:extLst>
-              <a:ext uri="{FF2B5EF4-FFF2-40B4-BE49-F238E27FC236}">
-                <a16:creationId xmlns:a16="http://schemas.microsoft.com/office/drawing/2014/main" id="{35592CAD-C2CD-3641-9AC1-502343055CC5}"/>
-              </a:ext>
-            </a:extLst>
-          </p:cNvPr>
+          <p:cNvPr id="2" name="Titolo 1"/>
           <p:cNvSpPr>
             <a:spLocks noGrp="1"/>
           </p:cNvSpPr>
@@ -6662,18 +5361,13 @@
               <a:rPr lang="en-US" dirty="0"/>
               <a:t> pipelined</a:t>
             </a:r>
-          </a:p>
-        </p:txBody>
-      </p:sp>
-      <p:sp>
-        <p:nvSpPr>
-          <p:cNvPr id="24" name="Parentesi graffa aperta 23">
-            <a:extLst>
-              <a:ext uri="{FF2B5EF4-FFF2-40B4-BE49-F238E27FC236}">
-                <a16:creationId xmlns:a16="http://schemas.microsoft.com/office/drawing/2014/main" id="{9681719C-E55A-DB4D-8429-A0FBE7B72D9C}"/>
-              </a:ext>
-            </a:extLst>
-          </p:cNvPr>
+            <a:endParaRPr lang="en-US" dirty="0"/>
+          </a:p>
+        </p:txBody>
+      </p:sp>
+      <p:sp>
+        <p:nvSpPr>
+          <p:cNvPr id="24" name="Parentesi graffa aperta 23"/>
           <p:cNvSpPr/>
           <p:nvPr/>
         </p:nvSpPr>
@@ -6716,13 +5410,7 @@
       </p:sp>
       <p:sp>
         <p:nvSpPr>
-          <p:cNvPr id="30" name="CasellaDiTesto 29">
-            <a:extLst>
-              <a:ext uri="{FF2B5EF4-FFF2-40B4-BE49-F238E27FC236}">
-                <a16:creationId xmlns:a16="http://schemas.microsoft.com/office/drawing/2014/main" id="{68DAB240-F4EC-7340-A4E1-DFB2F03BFE7F}"/>
-              </a:ext>
-            </a:extLst>
-          </p:cNvPr>
+          <p:cNvPr id="30" name="CasellaDiTesto 29"/>
           <p:cNvSpPr txBox="1"/>
           <p:nvPr/>
         </p:nvSpPr>
@@ -6766,6 +5454,7 @@
               <a:rPr lang="en-GB" dirty="0"/>
               <a:t> s</a:t>
             </a:r>
+            <a:endParaRPr lang="en-GB" dirty="0"/>
           </a:p>
           <a:p>
             <a:r>
@@ -6792,18 +5481,13 @@
               <a:rPr lang="en-GB" dirty="0"/>
               <a:t> s+1</a:t>
             </a:r>
-          </a:p>
-        </p:txBody>
-      </p:sp>
-      <p:sp>
-        <p:nvSpPr>
-          <p:cNvPr id="38" name="Ovale 37">
-            <a:extLst>
-              <a:ext uri="{FF2B5EF4-FFF2-40B4-BE49-F238E27FC236}">
-                <a16:creationId xmlns:a16="http://schemas.microsoft.com/office/drawing/2014/main" id="{7F311C73-ECE0-5542-816C-062D6C4D42FF}"/>
-              </a:ext>
-            </a:extLst>
-          </p:cNvPr>
+            <a:endParaRPr lang="en-GB" dirty="0"/>
+          </a:p>
+        </p:txBody>
+      </p:sp>
+      <p:sp>
+        <p:nvSpPr>
+          <p:cNvPr id="38" name="Ovale 37"/>
           <p:cNvSpPr/>
           <p:nvPr/>
         </p:nvSpPr>
@@ -6849,22 +5533,18 @@
       </p:sp>
       <p:pic>
         <p:nvPicPr>
-          <p:cNvPr id="51" name="Immagine 50">
-            <a:extLst>
-              <a:ext uri="{FF2B5EF4-FFF2-40B4-BE49-F238E27FC236}">
-                <a16:creationId xmlns:a16="http://schemas.microsoft.com/office/drawing/2014/main" id="{C7D96E58-A1A9-D548-BC47-4041EE5D12D7}"/>
-              </a:ext>
-            </a:extLst>
-          </p:cNvPr>
+          <p:cNvPr id="51" name="Immagine 50"/>
           <p:cNvPicPr>
             <a:picLocks noChangeAspect="1"/>
           </p:cNvPicPr>
           <p:nvPr/>
         </p:nvPicPr>
         <p:blipFill rotWithShape="1">
-          <a:blip r:embed="rId3"/>
+          <a:blip r:embed="rId1"/>
           <a:srcRect r="13315"/>
-          <a:stretch/>
+          <a:stretch>
+            <a:fillRect/>
+          </a:stretch>
         </p:blipFill>
         <p:spPr>
           <a:xfrm>
@@ -6879,13 +5559,7 @@
       </p:pic>
       <p:cxnSp>
         <p:nvCxnSpPr>
-          <p:cNvPr id="53" name="Connettore 2 52">
-            <a:extLst>
-              <a:ext uri="{FF2B5EF4-FFF2-40B4-BE49-F238E27FC236}">
-                <a16:creationId xmlns:a16="http://schemas.microsoft.com/office/drawing/2014/main" id="{254ED5BE-8301-7444-98F1-C1E6AC91CF19}"/>
-              </a:ext>
-            </a:extLst>
-          </p:cNvPr>
+          <p:cNvPr id="53" name="Connettore 2 52"/>
           <p:cNvCxnSpPr/>
           <p:nvPr/>
         </p:nvCxnSpPr>
@@ -6921,13 +5595,7 @@
       </p:cxnSp>
       <p:cxnSp>
         <p:nvCxnSpPr>
-          <p:cNvPr id="54" name="Connettore 2 53">
-            <a:extLst>
-              <a:ext uri="{FF2B5EF4-FFF2-40B4-BE49-F238E27FC236}">
-                <a16:creationId xmlns:a16="http://schemas.microsoft.com/office/drawing/2014/main" id="{B367C313-2995-8D41-967B-312A2B8BF6CD}"/>
-              </a:ext>
-            </a:extLst>
-          </p:cNvPr>
+          <p:cNvPr id="54" name="Connettore 2 53"/>
           <p:cNvCxnSpPr/>
           <p:nvPr/>
         </p:nvCxnSpPr>
@@ -6963,13 +5631,7 @@
       </p:cxnSp>
       <p:cxnSp>
         <p:nvCxnSpPr>
-          <p:cNvPr id="55" name="Connettore 2 54">
-            <a:extLst>
-              <a:ext uri="{FF2B5EF4-FFF2-40B4-BE49-F238E27FC236}">
-                <a16:creationId xmlns:a16="http://schemas.microsoft.com/office/drawing/2014/main" id="{CC63C9A7-F5C9-284B-AF28-672F07758A2B}"/>
-              </a:ext>
-            </a:extLst>
-          </p:cNvPr>
+          <p:cNvPr id="55" name="Connettore 2 54"/>
           <p:cNvCxnSpPr/>
           <p:nvPr/>
         </p:nvCxnSpPr>
@@ -7005,13 +5667,7 @@
       </p:cxnSp>
       <p:cxnSp>
         <p:nvCxnSpPr>
-          <p:cNvPr id="56" name="Connettore 2 55">
-            <a:extLst>
-              <a:ext uri="{FF2B5EF4-FFF2-40B4-BE49-F238E27FC236}">
-                <a16:creationId xmlns:a16="http://schemas.microsoft.com/office/drawing/2014/main" id="{12119218-27CF-A442-933E-5F937DC85CE8}"/>
-              </a:ext>
-            </a:extLst>
-          </p:cNvPr>
+          <p:cNvPr id="56" name="Connettore 2 55"/>
           <p:cNvCxnSpPr/>
           <p:nvPr/>
         </p:nvCxnSpPr>
@@ -7047,16 +5703,8 @@
       </p:cxnSp>
       <p:cxnSp>
         <p:nvCxnSpPr>
-          <p:cNvPr id="57" name="Connettore 2 56">
-            <a:extLst>
-              <a:ext uri="{FF2B5EF4-FFF2-40B4-BE49-F238E27FC236}">
-                <a16:creationId xmlns:a16="http://schemas.microsoft.com/office/drawing/2014/main" id="{12523115-2F11-AD4F-8E26-9EEB182D4476}"/>
-              </a:ext>
-            </a:extLst>
-          </p:cNvPr>
-          <p:cNvCxnSpPr>
-            <a:cxnSpLocks/>
-          </p:cNvCxnSpPr>
+          <p:cNvPr id="57" name="Connettore 2 56"/>
+          <p:cNvCxnSpPr/>
           <p:nvPr/>
         </p:nvCxnSpPr>
         <p:spPr>
@@ -7091,16 +5739,8 @@
       </p:cxnSp>
       <p:cxnSp>
         <p:nvCxnSpPr>
-          <p:cNvPr id="61" name="Connettore 2 60">
-            <a:extLst>
-              <a:ext uri="{FF2B5EF4-FFF2-40B4-BE49-F238E27FC236}">
-                <a16:creationId xmlns:a16="http://schemas.microsoft.com/office/drawing/2014/main" id="{9F2032FF-2B63-954E-ADCA-6F61C0D901C7}"/>
-              </a:ext>
-            </a:extLst>
-          </p:cNvPr>
-          <p:cNvCxnSpPr>
-            <a:cxnSpLocks/>
-          </p:cNvCxnSpPr>
+          <p:cNvPr id="61" name="Connettore 2 60"/>
+          <p:cNvCxnSpPr/>
           <p:nvPr/>
         </p:nvCxnSpPr>
         <p:spPr>
@@ -7135,13 +5775,7 @@
       </p:cxnSp>
       <p:sp>
         <p:nvSpPr>
-          <p:cNvPr id="63" name="CasellaDiTesto 62">
-            <a:extLst>
-              <a:ext uri="{FF2B5EF4-FFF2-40B4-BE49-F238E27FC236}">
-                <a16:creationId xmlns:a16="http://schemas.microsoft.com/office/drawing/2014/main" id="{6E4BEB36-55A6-5140-8B63-17A444340B5A}"/>
-              </a:ext>
-            </a:extLst>
-          </p:cNvPr>
+          <p:cNvPr id="63" name="CasellaDiTesto 62"/>
           <p:cNvSpPr txBox="1"/>
           <p:nvPr/>
         </p:nvSpPr>
@@ -7165,25 +5799,20 @@
               <a:rPr lang="en-GB" dirty="0"/>
               <a:t>data dependency</a:t>
             </a:r>
+            <a:endParaRPr lang="en-GB" dirty="0"/>
           </a:p>
         </p:txBody>
       </p:sp>
       <p:pic>
         <p:nvPicPr>
-          <p:cNvPr id="1028" name="Picture 4" descr="Bottleneck: Come Testare se la Cpu fa da collo di bottiglia.">
-            <a:extLst>
-              <a:ext uri="{FF2B5EF4-FFF2-40B4-BE49-F238E27FC236}">
-                <a16:creationId xmlns:a16="http://schemas.microsoft.com/office/drawing/2014/main" id="{9FD5D90F-42C8-7B40-8243-7EC78E9ED3BD}"/>
-              </a:ext>
-            </a:extLst>
-          </p:cNvPr>
+          <p:cNvPr id="1028" name="Picture 4" descr="Bottleneck: Come Testare se la Cpu fa da collo di bottiglia."/>
           <p:cNvPicPr>
             <a:picLocks noChangeAspect="1" noChangeArrowheads="1"/>
           </p:cNvPicPr>
           <p:nvPr/>
         </p:nvPicPr>
         <p:blipFill>
-          <a:blip r:embed="rId4">
+          <a:blip r:embed="rId2">
             <a:extLst>
               <a:ext uri="{28A0092B-C50C-407E-A947-70E740481C1C}">
                 <a14:useLocalDpi xmlns:a14="http://schemas.microsoft.com/office/drawing/2010/main" val="0"/>
@@ -7216,11 +5845,6 @@
         </p:spPr>
       </p:pic>
     </p:spTree>
-    <p:extLst>
-      <p:ext uri="{BB962C8B-B14F-4D97-AF65-F5344CB8AC3E}">
-        <p14:creationId xmlns:p14="http://schemas.microsoft.com/office/powerpoint/2010/main" val="2916618238"/>
-      </p:ext>
-    </p:extLst>
   </p:cSld>
   <p:clrMapOvr>
     <a:masterClrMapping/>
@@ -7247,13 +5871,7 @@
       </p:grpSpPr>
       <p:sp>
         <p:nvSpPr>
-          <p:cNvPr id="2" name="Titolo 1">
-            <a:extLst>
-              <a:ext uri="{FF2B5EF4-FFF2-40B4-BE49-F238E27FC236}">
-                <a16:creationId xmlns:a16="http://schemas.microsoft.com/office/drawing/2014/main" id="{35592CAD-C2CD-3641-9AC1-502343055CC5}"/>
-              </a:ext>
-            </a:extLst>
-          </p:cNvPr>
+          <p:cNvPr id="2" name="Titolo 1"/>
           <p:cNvSpPr>
             <a:spLocks noGrp="1"/>
           </p:cNvSpPr>
@@ -7282,20 +5900,14 @@
       </p:sp>
       <p:pic>
         <p:nvPicPr>
-          <p:cNvPr id="4" name="Picture 4" descr="Graphical user interface, application, table&#10;&#10;Description automatically generated">
-            <a:extLst>
-              <a:ext uri="{FF2B5EF4-FFF2-40B4-BE49-F238E27FC236}">
-                <a16:creationId xmlns:a16="http://schemas.microsoft.com/office/drawing/2014/main" id="{A762E94A-0EFD-40B9-B164-DBD03A9CFFF2}"/>
-              </a:ext>
-            </a:extLst>
-          </p:cNvPr>
+          <p:cNvPr id="4" name="Picture 4" descr="Graphical user interface, application, table&#10;&#10;Description automatically generated"/>
           <p:cNvPicPr>
             <a:picLocks noChangeAspect="1"/>
           </p:cNvPicPr>
           <p:nvPr/>
         </p:nvPicPr>
         <p:blipFill>
-          <a:blip r:embed="rId3"/>
+          <a:blip r:embed="rId1"/>
           <a:stretch>
             <a:fillRect/>
           </a:stretch>
@@ -7312,13 +5924,7 @@
       </p:pic>
       <p:sp>
         <p:nvSpPr>
-          <p:cNvPr id="6" name="CasellaDiTesto 29">
-            <a:extLst>
-              <a:ext uri="{FF2B5EF4-FFF2-40B4-BE49-F238E27FC236}">
-                <a16:creationId xmlns:a16="http://schemas.microsoft.com/office/drawing/2014/main" id="{53416195-7834-447E-81B5-5435582CF813}"/>
-              </a:ext>
-            </a:extLst>
-          </p:cNvPr>
+          <p:cNvPr id="6" name="CasellaDiTesto 29"/>
           <p:cNvSpPr txBox="1"/>
           <p:nvPr/>
         </p:nvSpPr>
@@ -7518,13 +6124,7 @@
       </p:sp>
       <p:sp>
         <p:nvSpPr>
-          <p:cNvPr id="7" name="TextBox 6">
-            <a:extLst>
-              <a:ext uri="{FF2B5EF4-FFF2-40B4-BE49-F238E27FC236}">
-                <a16:creationId xmlns:a16="http://schemas.microsoft.com/office/drawing/2014/main" id="{E3517D44-34AB-4748-990B-BE4D4083278B}"/>
-              </a:ext>
-            </a:extLst>
-          </p:cNvPr>
+          <p:cNvPr id="7" name="TextBox 6"/>
           <p:cNvSpPr txBox="1"/>
           <p:nvPr/>
         </p:nvSpPr>
@@ -7540,9 +6140,6 @@
         </p:spPr>
         <p:txBody>
           <a:bodyPr rot="0" spcFirstLastPara="0" vertOverflow="overflow" horzOverflow="overflow" vert="horz" wrap="square" lIns="91440" tIns="45720" rIns="91440" bIns="45720" numCol="1" spcCol="0" rtlCol="0" fromWordArt="0" anchor="t" anchorCtr="0" forceAA="0" compatLnSpc="1">
-            <a:prstTxWarp prst="textNoShape">
-              <a:avLst/>
-            </a:prstTxWarp>
             <a:spAutoFit/>
           </a:bodyPr>
           <a:lstStyle/>
@@ -7574,13 +6171,7 @@
       </p:sp>
       <p:sp>
         <p:nvSpPr>
-          <p:cNvPr id="11" name="Parentesi graffa aperta 23">
-            <a:extLst>
-              <a:ext uri="{FF2B5EF4-FFF2-40B4-BE49-F238E27FC236}">
-                <a16:creationId xmlns:a16="http://schemas.microsoft.com/office/drawing/2014/main" id="{C5F456E6-0298-41CE-BA26-F01382F4C317}"/>
-              </a:ext>
-            </a:extLst>
-          </p:cNvPr>
+          <p:cNvPr id="11" name="Parentesi graffa aperta 23"/>
           <p:cNvSpPr/>
           <p:nvPr/>
         </p:nvSpPr>
@@ -7623,13 +6214,7 @@
       </p:sp>
       <p:sp>
         <p:nvSpPr>
-          <p:cNvPr id="12" name="TextBox 11">
-            <a:extLst>
-              <a:ext uri="{FF2B5EF4-FFF2-40B4-BE49-F238E27FC236}">
-                <a16:creationId xmlns:a16="http://schemas.microsoft.com/office/drawing/2014/main" id="{96A8893C-BD94-47EF-85AF-7E75B3982C1A}"/>
-              </a:ext>
-            </a:extLst>
-          </p:cNvPr>
+          <p:cNvPr id="12" name="TextBox 11"/>
           <p:cNvSpPr txBox="1"/>
           <p:nvPr/>
         </p:nvSpPr>
@@ -7645,9 +6230,6 @@
         </p:spPr>
         <p:txBody>
           <a:bodyPr rot="0" spcFirstLastPara="0" vertOverflow="overflow" horzOverflow="overflow" vert="horz" wrap="square" lIns="91440" tIns="45720" rIns="91440" bIns="45720" numCol="1" spcCol="0" rtlCol="0" fromWordArt="0" anchor="t" anchorCtr="0" forceAA="0" compatLnSpc="1">
-            <a:prstTxWarp prst="textNoShape">
-              <a:avLst/>
-            </a:prstTxWarp>
             <a:spAutoFit/>
           </a:bodyPr>
           <a:lstStyle/>
@@ -7679,18 +6261,18 @@
               </a:rPr>
               <a:t> cycle</a:t>
             </a:r>
-          </a:p>
-        </p:txBody>
-      </p:sp>
-      <p:sp>
-        <p:nvSpPr>
-          <p:cNvPr id="8" name="Parentesi graffa aperta 23">
-            <a:extLst>
-              <a:ext uri="{FF2B5EF4-FFF2-40B4-BE49-F238E27FC236}">
-                <a16:creationId xmlns:a16="http://schemas.microsoft.com/office/drawing/2014/main" id="{5E68CB52-6C74-2449-81AC-954E82FCB476}"/>
-              </a:ext>
-            </a:extLst>
-          </p:cNvPr>
+            <a:endParaRPr lang="en-GB" dirty="0">
+              <a:solidFill>
+                <a:srgbClr val="C00000"/>
+              </a:solidFill>
+              <a:cs typeface="Calibri"/>
+            </a:endParaRPr>
+          </a:p>
+        </p:txBody>
+      </p:sp>
+      <p:sp>
+        <p:nvSpPr>
+          <p:cNvPr id="8" name="Parentesi graffa aperta 23"/>
           <p:cNvSpPr/>
           <p:nvPr/>
         </p:nvSpPr>
@@ -7733,13 +6315,7 @@
       </p:sp>
       <p:sp>
         <p:nvSpPr>
-          <p:cNvPr id="3" name="CasellaDiTesto 2">
-            <a:extLst>
-              <a:ext uri="{FF2B5EF4-FFF2-40B4-BE49-F238E27FC236}">
-                <a16:creationId xmlns:a16="http://schemas.microsoft.com/office/drawing/2014/main" id="{5F41CDDE-D287-0A4B-B2E2-8DFCB7B4F9A2}"/>
-              </a:ext>
-            </a:extLst>
-          </p:cNvPr>
+          <p:cNvPr id="3" name="CasellaDiTesto 2"/>
           <p:cNvSpPr txBox="1"/>
           <p:nvPr/>
         </p:nvSpPr>
@@ -7792,13 +6368,7 @@
       </p:sp>
       <p:sp>
         <p:nvSpPr>
-          <p:cNvPr id="5" name="CasellaDiTesto 4">
-            <a:extLst>
-              <a:ext uri="{FF2B5EF4-FFF2-40B4-BE49-F238E27FC236}">
-                <a16:creationId xmlns:a16="http://schemas.microsoft.com/office/drawing/2014/main" id="{D8D5DCD8-6D8B-EA4E-BF73-489D76C4586D}"/>
-              </a:ext>
-            </a:extLst>
-          </p:cNvPr>
+          <p:cNvPr id="5" name="CasellaDiTesto 4"/>
           <p:cNvSpPr txBox="1"/>
           <p:nvPr/>
         </p:nvSpPr>
@@ -7851,13 +6421,7 @@
       </p:sp>
       <p:sp>
         <p:nvSpPr>
-          <p:cNvPr id="13" name="Parentesi graffa aperta 23">
-            <a:extLst>
-              <a:ext uri="{FF2B5EF4-FFF2-40B4-BE49-F238E27FC236}">
-                <a16:creationId xmlns:a16="http://schemas.microsoft.com/office/drawing/2014/main" id="{E1FB20F5-B9AD-FE42-B741-7819A32E0D2E}"/>
-              </a:ext>
-            </a:extLst>
-          </p:cNvPr>
+          <p:cNvPr id="13" name="Parentesi graffa aperta 23"/>
           <p:cNvSpPr/>
           <p:nvPr/>
         </p:nvSpPr>
@@ -7900,13 +6464,7 @@
       </p:sp>
       <p:sp>
         <p:nvSpPr>
-          <p:cNvPr id="14" name="CasellaDiTesto 13">
-            <a:extLst>
-              <a:ext uri="{FF2B5EF4-FFF2-40B4-BE49-F238E27FC236}">
-                <a16:creationId xmlns:a16="http://schemas.microsoft.com/office/drawing/2014/main" id="{0CE88319-DB71-1145-ACE3-2EA4E04ED8B8}"/>
-              </a:ext>
-            </a:extLst>
-          </p:cNvPr>
+          <p:cNvPr id="14" name="CasellaDiTesto 13"/>
           <p:cNvSpPr txBox="1"/>
           <p:nvPr/>
         </p:nvSpPr>
@@ -7943,15 +6501,8 @@
       </p:sp>
       <p:cxnSp>
         <p:nvCxnSpPr>
-          <p:cNvPr id="17" name="Connettore 2 16">
-            <a:extLst>
-              <a:ext uri="{FF2B5EF4-FFF2-40B4-BE49-F238E27FC236}">
-                <a16:creationId xmlns:a16="http://schemas.microsoft.com/office/drawing/2014/main" id="{FC81D0F5-43B5-1D45-B580-79693F424996}"/>
-              </a:ext>
-            </a:extLst>
-          </p:cNvPr>
+          <p:cNvPr id="17" name="Connettore 2 16"/>
           <p:cNvCxnSpPr>
-            <a:cxnSpLocks/>
             <a:stCxn id="14" idx="0"/>
           </p:cNvCxnSpPr>
           <p:nvPr/>
@@ -7987,11 +6538,6 @@
         </p:style>
       </p:cxnSp>
     </p:spTree>
-    <p:extLst>
-      <p:ext uri="{BB962C8B-B14F-4D97-AF65-F5344CB8AC3E}">
-        <p14:creationId xmlns:p14="http://schemas.microsoft.com/office/powerpoint/2010/main" val="1653233552"/>
-      </p:ext>
-    </p:extLst>
   </p:cSld>
   <p:clrMapOvr>
     <a:masterClrMapping/>
@@ -8018,13 +6564,7 @@
       </p:grpSpPr>
       <p:sp>
         <p:nvSpPr>
-          <p:cNvPr id="2" name="Title 1">
-            <a:extLst>
-              <a:ext uri="{FF2B5EF4-FFF2-40B4-BE49-F238E27FC236}">
-                <a16:creationId xmlns:a16="http://schemas.microsoft.com/office/drawing/2014/main" id="{0FF2A39C-05C5-4548-93FB-6615D0302771}"/>
-              </a:ext>
-            </a:extLst>
-          </p:cNvPr>
+          <p:cNvPr id="2" name="Title 1"/>
           <p:cNvSpPr>
             <a:spLocks noGrp="1"/>
           </p:cNvSpPr>
@@ -8091,13 +6631,7 @@
       </p:sp>
       <p:sp>
         <p:nvSpPr>
-          <p:cNvPr id="5" name="TextBox 4">
-            <a:extLst>
-              <a:ext uri="{FF2B5EF4-FFF2-40B4-BE49-F238E27FC236}">
-                <a16:creationId xmlns:a16="http://schemas.microsoft.com/office/drawing/2014/main" id="{AEBD7215-052D-4D77-9F4E-31F8F56E7F80}"/>
-              </a:ext>
-            </a:extLst>
-          </p:cNvPr>
+          <p:cNvPr id="5" name="TextBox 4"/>
           <p:cNvSpPr txBox="1"/>
           <p:nvPr/>
         </p:nvSpPr>
@@ -8113,9 +6647,6 @@
         </p:spPr>
         <p:txBody>
           <a:bodyPr rot="0" spcFirstLastPara="0" vertOverflow="overflow" horzOverflow="overflow" vert="horz" wrap="square" lIns="91440" tIns="45720" rIns="91440" bIns="45720" numCol="1" spcCol="0" rtlCol="0" fromWordArt="0" anchor="t" anchorCtr="0" forceAA="0" compatLnSpc="1">
-            <a:prstTxWarp prst="textNoShape">
-              <a:avLst/>
-            </a:prstTxWarp>
             <a:spAutoFit/>
           </a:bodyPr>
           <a:lstStyle/>
@@ -8150,6 +6681,9 @@
               </a:rPr>
               <a:t>in sequenza </a:t>
             </a:r>
+            <a:endParaRPr lang="en-US" u="sng" dirty="0">
+              <a:cs typeface="Calibri"/>
+            </a:endParaRPr>
           </a:p>
           <a:p>
             <a:r>
@@ -8158,13 +6692,16 @@
               </a:rPr>
               <a:t>la forza risultante dall’interazione con tutte le altre particelle.</a:t>
             </a:r>
-          </a:p>
-          <a:p>
             <a:endParaRPr lang="en-US" dirty="0">
               <a:cs typeface="Calibri"/>
             </a:endParaRPr>
           </a:p>
           <a:p>
+            <a:endParaRPr lang="en-US" dirty="0">
+              <a:cs typeface="Calibri"/>
+            </a:endParaRPr>
+          </a:p>
+          <a:p>
             <a:r>
               <a:rPr lang="en-US" b="1" dirty="0" err="1">
                 <a:cs typeface="Calibri"/>
@@ -8229,6 +6766,9 @@
               </a:rPr>
               <a:t> separate:</a:t>
             </a:r>
+            <a:endParaRPr lang="en-US" dirty="0">
+              <a:cs typeface="Calibri"/>
+            </a:endParaRPr>
           </a:p>
           <a:p>
             <a:r>
@@ -8328,6 +6868,9 @@
               </a:rPr>
               <a:t>:</a:t>
             </a:r>
+            <a:endParaRPr lang="en-US" dirty="0">
+              <a:cs typeface="Calibri"/>
+            </a:endParaRPr>
           </a:p>
           <a:p>
             <a:r>
@@ -8408,6 +6951,9 @@
               </a:rPr>
               <a:t>;</a:t>
             </a:r>
+            <a:endParaRPr lang="en-US" dirty="0">
+              <a:cs typeface="Calibri"/>
+            </a:endParaRPr>
           </a:p>
           <a:p>
             <a:r>
@@ -8476,6 +7022,9 @@
               </a:rPr>
               <a:t> e j;</a:t>
             </a:r>
+            <a:endParaRPr lang="en-US" dirty="0">
+              <a:cs typeface="Calibri"/>
+            </a:endParaRPr>
           </a:p>
           <a:p>
             <a:r>
@@ -8557,6 +7106,9 @@
               </a:rPr>
               <a:t>.</a:t>
             </a:r>
+            <a:endParaRPr lang="en-US" dirty="0">
+              <a:cs typeface="Calibri"/>
+            </a:endParaRPr>
           </a:p>
           <a:p>
             <a:endParaRPr lang="en-US" dirty="0">
@@ -8689,6 +7241,10 @@
               </a:rPr>
               <a:t>;</a:t>
             </a:r>
+            <a:endParaRPr lang="en-US" dirty="0">
+              <a:ea typeface="+mn-lt"/>
+              <a:cs typeface="+mn-lt"/>
+            </a:endParaRPr>
           </a:p>
           <a:p>
             <a:r>
@@ -8721,6 +7277,9 @@
               </a:rPr>
               <a:t> interagenti con j lungo valori diversi di i;</a:t>
             </a:r>
+            <a:endParaRPr lang="en-US" dirty="0">
+              <a:cs typeface="Calibri"/>
+            </a:endParaRPr>
           </a:p>
           <a:p>
             <a:r>
@@ -8777,6 +7336,9 @@
               </a:rPr>
               <a:t> NPx2;</a:t>
             </a:r>
+            <a:endParaRPr lang="en-US" dirty="0">
+              <a:cs typeface="Calibri"/>
+            </a:endParaRPr>
           </a:p>
           <a:p>
             <a:endParaRPr lang="en-US" dirty="0"/>
@@ -8786,18 +7348,13 @@
               <a:rPr lang="it-IT"/>
               <a:t>Il calcolo della forza con ciascuna particella viene così parallelizzato (la somma finale non si può parallelizzare).</a:t>
             </a:r>
+            <a:endParaRPr lang="it-IT"/>
           </a:p>
         </p:txBody>
       </p:sp>
       <p:pic>
         <p:nvPicPr>
-          <p:cNvPr id="8" name="Picture 8" descr="A picture containing text, crossword puzzle&#10;&#10;Description automatically generated">
-            <a:extLst>
-              <a:ext uri="{FF2B5EF4-FFF2-40B4-BE49-F238E27FC236}">
-                <a16:creationId xmlns:a16="http://schemas.microsoft.com/office/drawing/2014/main" id="{01A66206-D459-4819-AEB3-BD74DC4D483A}"/>
-              </a:ext>
-            </a:extLst>
-          </p:cNvPr>
+          <p:cNvPr id="8" name="Picture 8" descr="A picture containing text, crossword puzzle&#10;&#10;Description automatically generated"/>
           <p:cNvPicPr>
             <a:picLocks noGrp="1" noChangeAspect="1"/>
           </p:cNvPicPr>
@@ -8806,7 +7363,7 @@
           </p:nvPr>
         </p:nvPicPr>
         <p:blipFill>
-          <a:blip r:embed="rId3"/>
+          <a:blip r:embed="rId1"/>
           <a:stretch>
             <a:fillRect/>
           </a:stretch>
@@ -8820,13 +7377,7 @@
       </p:pic>
       <p:sp>
         <p:nvSpPr>
-          <p:cNvPr id="10" name="Parentesi graffa aperta 23">
-            <a:extLst>
-              <a:ext uri="{FF2B5EF4-FFF2-40B4-BE49-F238E27FC236}">
-                <a16:creationId xmlns:a16="http://schemas.microsoft.com/office/drawing/2014/main" id="{6554F3A6-FBCB-454D-AC6D-6917EAABC9C1}"/>
-              </a:ext>
-            </a:extLst>
-          </p:cNvPr>
+          <p:cNvPr id="10" name="Parentesi graffa aperta 23"/>
           <p:cNvSpPr/>
           <p:nvPr/>
         </p:nvSpPr>
@@ -8869,13 +7420,7 @@
       </p:sp>
       <p:sp>
         <p:nvSpPr>
-          <p:cNvPr id="11" name="TextBox 10">
-            <a:extLst>
-              <a:ext uri="{FF2B5EF4-FFF2-40B4-BE49-F238E27FC236}">
-                <a16:creationId xmlns:a16="http://schemas.microsoft.com/office/drawing/2014/main" id="{16CE4E05-03A3-47E8-9EA1-4699884ED5DD}"/>
-              </a:ext>
-            </a:extLst>
-          </p:cNvPr>
+          <p:cNvPr id="11" name="TextBox 10"/>
           <p:cNvSpPr txBox="1"/>
           <p:nvPr/>
         </p:nvSpPr>
@@ -8891,9 +7436,6 @@
         </p:spPr>
         <p:txBody>
           <a:bodyPr rot="0" spcFirstLastPara="0" vertOverflow="overflow" horzOverflow="overflow" vert="horz" wrap="square" lIns="91440" tIns="45720" rIns="91440" bIns="45720" numCol="1" spcCol="0" rtlCol="0" fromWordArt="0" anchor="t" anchorCtr="0" forceAA="0" compatLnSpc="1">
-            <a:prstTxWarp prst="textNoShape">
-              <a:avLst/>
-            </a:prstTxWarp>
             <a:spAutoFit/>
           </a:bodyPr>
           <a:lstStyle/>
@@ -8916,18 +7458,15 @@
               </a:rPr>
               <a:t> O(1)</a:t>
             </a:r>
-          </a:p>
-        </p:txBody>
-      </p:sp>
-      <p:sp>
-        <p:nvSpPr>
-          <p:cNvPr id="12" name="Parentesi graffa aperta 23">
-            <a:extLst>
-              <a:ext uri="{FF2B5EF4-FFF2-40B4-BE49-F238E27FC236}">
-                <a16:creationId xmlns:a16="http://schemas.microsoft.com/office/drawing/2014/main" id="{D851EBF3-1E19-4DD8-8929-61A24CA2883C}"/>
-              </a:ext>
-            </a:extLst>
-          </p:cNvPr>
+            <a:endParaRPr lang="en-US" dirty="0">
+              <a:cs typeface="Calibri"/>
+            </a:endParaRPr>
+          </a:p>
+        </p:txBody>
+      </p:sp>
+      <p:sp>
+        <p:nvSpPr>
+          <p:cNvPr id="12" name="Parentesi graffa aperta 23"/>
           <p:cNvSpPr/>
           <p:nvPr/>
         </p:nvSpPr>
@@ -8970,13 +7509,7 @@
       </p:sp>
       <p:sp>
         <p:nvSpPr>
-          <p:cNvPr id="13" name="TextBox 12">
-            <a:extLst>
-              <a:ext uri="{FF2B5EF4-FFF2-40B4-BE49-F238E27FC236}">
-                <a16:creationId xmlns:a16="http://schemas.microsoft.com/office/drawing/2014/main" id="{382E7FD7-333F-4993-80E3-C536DD834B51}"/>
-              </a:ext>
-            </a:extLst>
-          </p:cNvPr>
+          <p:cNvPr id="13" name="TextBox 12"/>
           <p:cNvSpPr txBox="1"/>
           <p:nvPr/>
         </p:nvSpPr>
@@ -8992,9 +7525,6 @@
         </p:spPr>
         <p:txBody>
           <a:bodyPr rot="0" spcFirstLastPara="0" vertOverflow="overflow" horzOverflow="overflow" vert="horz" wrap="square" lIns="91440" tIns="45720" rIns="91440" bIns="45720" numCol="1" spcCol="0" rtlCol="0" fromWordArt="0" anchor="t" anchorCtr="0" forceAA="0" compatLnSpc="1">
-            <a:prstTxWarp prst="textNoShape">
-              <a:avLst/>
-            </a:prstTxWarp>
             <a:spAutoFit/>
           </a:bodyPr>
           <a:lstStyle/>
@@ -9017,15 +7547,13 @@
               </a:rPr>
               <a:t> O(NP)</a:t>
             </a:r>
+            <a:endParaRPr lang="en-US" dirty="0">
+              <a:cs typeface="Calibri"/>
+            </a:endParaRPr>
           </a:p>
         </p:txBody>
       </p:sp>
     </p:spTree>
-    <p:extLst>
-      <p:ext uri="{BB962C8B-B14F-4D97-AF65-F5344CB8AC3E}">
-        <p14:creationId xmlns:p14="http://schemas.microsoft.com/office/powerpoint/2010/main" val="1814204737"/>
-      </p:ext>
-    </p:extLst>
   </p:cSld>
   <p:clrMapOvr>
     <a:masterClrMapping/>
@@ -9052,13 +7580,7 @@
       </p:grpSpPr>
       <p:sp>
         <p:nvSpPr>
-          <p:cNvPr id="2" name="Title 1">
-            <a:extLst>
-              <a:ext uri="{FF2B5EF4-FFF2-40B4-BE49-F238E27FC236}">
-                <a16:creationId xmlns:a16="http://schemas.microsoft.com/office/drawing/2014/main" id="{0FF2A39C-05C5-4548-93FB-6615D0302771}"/>
-              </a:ext>
-            </a:extLst>
-          </p:cNvPr>
+          <p:cNvPr id="2" name="Title 1"/>
           <p:cNvSpPr>
             <a:spLocks noGrp="1"/>
           </p:cNvSpPr>
@@ -9125,13 +7647,7 @@
       </p:sp>
       <p:sp>
         <p:nvSpPr>
-          <p:cNvPr id="5" name="TextBox 4">
-            <a:extLst>
-              <a:ext uri="{FF2B5EF4-FFF2-40B4-BE49-F238E27FC236}">
-                <a16:creationId xmlns:a16="http://schemas.microsoft.com/office/drawing/2014/main" id="{AEBD7215-052D-4D77-9F4E-31F8F56E7F80}"/>
-              </a:ext>
-            </a:extLst>
-          </p:cNvPr>
+          <p:cNvPr id="5" name="TextBox 4"/>
           <p:cNvSpPr txBox="1"/>
           <p:nvPr/>
         </p:nvSpPr>
@@ -9147,9 +7663,6 @@
         </p:spPr>
         <p:txBody>
           <a:bodyPr rot="0" spcFirstLastPara="0" vertOverflow="overflow" horzOverflow="overflow" vert="horz" wrap="square" lIns="91440" tIns="45720" rIns="91440" bIns="45720" numCol="1" spcCol="0" rtlCol="0" fromWordArt="0" anchor="t" anchorCtr="0" forceAA="0" compatLnSpc="1">
-            <a:prstTxWarp prst="textNoShape">
-              <a:avLst/>
-            </a:prstTxWarp>
             <a:spAutoFit/>
           </a:bodyPr>
           <a:lstStyle/>
@@ -9166,6 +7679,9 @@
               </a:rPr>
               <a:t>: PopulationCompt_par è strutturata per salvare la forza scomposta tra </a:t>
             </a:r>
+            <a:endParaRPr lang="en-US" dirty="0">
+              <a:cs typeface="Calibri"/>
+            </a:endParaRPr>
           </a:p>
           <a:p>
             <a:r>
@@ -9258,6 +7774,10 @@
               </a:rPr>
               <a:t> le </a:t>
             </a:r>
+            <a:endParaRPr lang="en-US" dirty="0">
+              <a:ea typeface="+mn-lt"/>
+              <a:cs typeface="+mn-lt"/>
+            </a:endParaRPr>
           </a:p>
           <a:p>
             <a:r>
@@ -9316,6 +7836,10 @@
               </a:rPr>
               <a:t> Y.</a:t>
             </a:r>
+            <a:endParaRPr lang="en-US" dirty="0">
+              <a:ea typeface="+mn-lt"/>
+              <a:cs typeface="+mn-lt"/>
+            </a:endParaRPr>
           </a:p>
           <a:p>
             <a:endParaRPr lang="en-US" dirty="0">
@@ -9439,6 +7963,12 @@
               </a:rPr>
               <a:t>CUDA STREAM 2:</a:t>
             </a:r>
+            <a:endParaRPr lang="en-US" dirty="0">
+              <a:solidFill>
+                <a:srgbClr val="000000"/>
+              </a:solidFill>
+              <a:cs typeface="Calibri"/>
+            </a:endParaRPr>
           </a:p>
           <a:p>
             <a:r>
@@ -9493,8 +8023,6 @@
               </a:rPr>
               <a:t> </a:t>
             </a:r>
-          </a:p>
-          <a:p>
             <a:endParaRPr lang="en-US" dirty="0">
               <a:solidFill>
                 <a:schemeClr val="tx1">
@@ -9517,6 +8045,17 @@
             </a:endParaRPr>
           </a:p>
           <a:p>
+            <a:endParaRPr lang="en-US" dirty="0">
+              <a:solidFill>
+                <a:schemeClr val="tx1">
+                  <a:lumMod val="50000"/>
+                  <a:lumOff val="50000"/>
+                </a:schemeClr>
+              </a:solidFill>
+              <a:cs typeface="Calibri"/>
+            </a:endParaRPr>
+          </a:p>
+          <a:p>
             <a:r>
               <a:rPr lang="en-US" dirty="0" err="1">
                 <a:cs typeface="Calibri"/>
@@ -9652,20 +8191,14 @@
       </p:sp>
       <p:pic>
         <p:nvPicPr>
-          <p:cNvPr id="9" name="Picture 8" descr="A picture containing text, crossword puzzle&#10;&#10;Description automatically generated">
-            <a:extLst>
-              <a:ext uri="{FF2B5EF4-FFF2-40B4-BE49-F238E27FC236}">
-                <a16:creationId xmlns:a16="http://schemas.microsoft.com/office/drawing/2014/main" id="{02C1808D-CA45-40C2-AF65-B3DE336A5F08}"/>
-              </a:ext>
-            </a:extLst>
-          </p:cNvPr>
+          <p:cNvPr id="9" name="Picture 8" descr="A picture containing text, crossword puzzle&#10;&#10;Description automatically generated"/>
           <p:cNvPicPr>
             <a:picLocks noChangeAspect="1"/>
           </p:cNvPicPr>
           <p:nvPr/>
         </p:nvPicPr>
         <p:blipFill>
-          <a:blip r:embed="rId3"/>
+          <a:blip r:embed="rId1"/>
           <a:stretch>
             <a:fillRect/>
           </a:stretch>
@@ -9682,13 +8215,7 @@
       </p:pic>
       <p:sp>
         <p:nvSpPr>
-          <p:cNvPr id="18" name="TextBox 17">
-            <a:extLst>
-              <a:ext uri="{FF2B5EF4-FFF2-40B4-BE49-F238E27FC236}">
-                <a16:creationId xmlns:a16="http://schemas.microsoft.com/office/drawing/2014/main" id="{6B16816C-5D28-4980-811E-4212FAE9B818}"/>
-              </a:ext>
-            </a:extLst>
-          </p:cNvPr>
+          <p:cNvPr id="18" name="TextBox 17"/>
           <p:cNvSpPr txBox="1"/>
           <p:nvPr/>
         </p:nvSpPr>
@@ -9704,9 +8231,6 @@
         </p:spPr>
         <p:txBody>
           <a:bodyPr rot="0" spcFirstLastPara="0" vertOverflow="overflow" horzOverflow="overflow" vert="horz" wrap="square" lIns="91440" tIns="45720" rIns="91440" bIns="45720" numCol="1" spcCol="0" rtlCol="0" fromWordArt="0" anchor="t" anchorCtr="0" forceAA="0" compatLnSpc="1">
-            <a:prstTxWarp prst="textNoShape">
-              <a:avLst/>
-            </a:prstTxWarp>
             <a:spAutoFit/>
           </a:bodyPr>
           <a:lstStyle/>
@@ -9748,13 +8272,7 @@
       </p:sp>
       <p:cxnSp>
         <p:nvCxnSpPr>
-          <p:cNvPr id="19" name="Straight Arrow Connector 18">
-            <a:extLst>
-              <a:ext uri="{FF2B5EF4-FFF2-40B4-BE49-F238E27FC236}">
-                <a16:creationId xmlns:a16="http://schemas.microsoft.com/office/drawing/2014/main" id="{77A6DE4F-86F1-4EA6-8512-C5B1910B59AE}"/>
-              </a:ext>
-            </a:extLst>
-          </p:cNvPr>
+          <p:cNvPr id="19" name="Straight Arrow Connector 18"/>
           <p:cNvCxnSpPr/>
           <p:nvPr/>
         </p:nvCxnSpPr>
@@ -9789,11 +8307,6 @@
         </p:style>
       </p:cxnSp>
     </p:spTree>
-    <p:extLst>
-      <p:ext uri="{BB962C8B-B14F-4D97-AF65-F5344CB8AC3E}">
-        <p14:creationId xmlns:p14="http://schemas.microsoft.com/office/powerpoint/2010/main" val="3396458455"/>
-      </p:ext>
-    </p:extLst>
   </p:cSld>
   <p:clrMapOvr>
     <a:masterClrMapping/>
@@ -9820,13 +8333,7 @@
       </p:grpSpPr>
       <p:sp>
         <p:nvSpPr>
-          <p:cNvPr id="2" name="Titolo 1">
-            <a:extLst>
-              <a:ext uri="{FF2B5EF4-FFF2-40B4-BE49-F238E27FC236}">
-                <a16:creationId xmlns:a16="http://schemas.microsoft.com/office/drawing/2014/main" id="{35592CAD-C2CD-3641-9AC1-502343055CC5}"/>
-              </a:ext>
-            </a:extLst>
-          </p:cNvPr>
+          <p:cNvPr id="2" name="Titolo 1"/>
           <p:cNvSpPr>
             <a:spLocks noGrp="1"/>
           </p:cNvSpPr>
@@ -9857,25 +8364,22 @@
               </a:rPr>
               <a:t> (v3)</a:t>
             </a:r>
+            <a:endParaRPr lang="en-US" dirty="0">
+              <a:cs typeface="Calibri Light"/>
+            </a:endParaRPr>
           </a:p>
         </p:txBody>
       </p:sp>
       <p:pic>
         <p:nvPicPr>
-          <p:cNvPr id="5" name="Picture 7" descr="Graphical user interface, text, application, email&#10;&#10;Description automatically generated">
-            <a:extLst>
-              <a:ext uri="{FF2B5EF4-FFF2-40B4-BE49-F238E27FC236}">
-                <a16:creationId xmlns:a16="http://schemas.microsoft.com/office/drawing/2014/main" id="{EED0EE76-8C71-42BA-8A1C-E2D8DE924A38}"/>
-              </a:ext>
-            </a:extLst>
-          </p:cNvPr>
+          <p:cNvPr id="5" name="Picture 7" descr="Graphical user interface, text, application, email&#10;&#10;Description automatically generated"/>
           <p:cNvPicPr>
             <a:picLocks noChangeAspect="1"/>
           </p:cNvPicPr>
           <p:nvPr/>
         </p:nvPicPr>
         <p:blipFill>
-          <a:blip r:embed="rId3"/>
+          <a:blip r:embed="rId1"/>
           <a:stretch>
             <a:fillRect/>
           </a:stretch>
@@ -9892,13 +8396,7 @@
       </p:pic>
       <p:sp>
         <p:nvSpPr>
-          <p:cNvPr id="8" name="Parentesi graffa aperta 23">
-            <a:extLst>
-              <a:ext uri="{FF2B5EF4-FFF2-40B4-BE49-F238E27FC236}">
-                <a16:creationId xmlns:a16="http://schemas.microsoft.com/office/drawing/2014/main" id="{3E5837E9-1C50-4872-8131-EFEA5006A1BC}"/>
-              </a:ext>
-            </a:extLst>
-          </p:cNvPr>
+          <p:cNvPr id="8" name="Parentesi graffa aperta 23"/>
           <p:cNvSpPr/>
           <p:nvPr/>
         </p:nvSpPr>
@@ -9941,13 +8439,7 @@
       </p:sp>
       <p:sp>
         <p:nvSpPr>
-          <p:cNvPr id="9" name="TextBox 8">
-            <a:extLst>
-              <a:ext uri="{FF2B5EF4-FFF2-40B4-BE49-F238E27FC236}">
-                <a16:creationId xmlns:a16="http://schemas.microsoft.com/office/drawing/2014/main" id="{64116A86-E250-4F32-A272-87DE006BBD4B}"/>
-              </a:ext>
-            </a:extLst>
-          </p:cNvPr>
+          <p:cNvPr id="9" name="TextBox 8"/>
           <p:cNvSpPr txBox="1"/>
           <p:nvPr/>
         </p:nvSpPr>
@@ -9963,9 +8455,6 @@
         </p:spPr>
         <p:txBody>
           <a:bodyPr rot="0" spcFirstLastPara="0" vertOverflow="overflow" horzOverflow="overflow" vert="horz" wrap="square" lIns="91440" tIns="45720" rIns="91440" bIns="45720" numCol="1" spcCol="0" rtlCol="0" fromWordArt="0" anchor="t" anchorCtr="0" forceAA="0" compatLnSpc="1">
-            <a:prstTxWarp prst="textNoShape">
-              <a:avLst/>
-            </a:prstTxWarp>
             <a:spAutoFit/>
           </a:bodyPr>
           <a:lstStyle/>
@@ -10017,13 +8506,7 @@
       </p:sp>
       <p:cxnSp>
         <p:nvCxnSpPr>
-          <p:cNvPr id="15" name="Straight Arrow Connector 14">
-            <a:extLst>
-              <a:ext uri="{FF2B5EF4-FFF2-40B4-BE49-F238E27FC236}">
-                <a16:creationId xmlns:a16="http://schemas.microsoft.com/office/drawing/2014/main" id="{2722AD64-B399-4DD8-84B3-20415E2F46F6}"/>
-              </a:ext>
-            </a:extLst>
-          </p:cNvPr>
+          <p:cNvPr id="15" name="Straight Arrow Connector 14"/>
           <p:cNvCxnSpPr/>
           <p:nvPr/>
         </p:nvCxnSpPr>
@@ -10061,16 +8544,8 @@
       </p:cxnSp>
       <p:cxnSp>
         <p:nvCxnSpPr>
-          <p:cNvPr id="16" name="Straight Arrow Connector 15">
-            <a:extLst>
-              <a:ext uri="{FF2B5EF4-FFF2-40B4-BE49-F238E27FC236}">
-                <a16:creationId xmlns:a16="http://schemas.microsoft.com/office/drawing/2014/main" id="{21092BB4-52E9-420A-89AA-538981D98626}"/>
-              </a:ext>
-            </a:extLst>
-          </p:cNvPr>
-          <p:cNvCxnSpPr>
-            <a:cxnSpLocks/>
-          </p:cNvCxnSpPr>
+          <p:cNvPr id="16" name="Straight Arrow Connector 15"/>
+          <p:cNvCxnSpPr/>
           <p:nvPr/>
         </p:nvCxnSpPr>
         <p:spPr>
@@ -10107,13 +8582,7 @@
       </p:cxnSp>
       <p:sp>
         <p:nvSpPr>
-          <p:cNvPr id="17" name="TextBox 16">
-            <a:extLst>
-              <a:ext uri="{FF2B5EF4-FFF2-40B4-BE49-F238E27FC236}">
-                <a16:creationId xmlns:a16="http://schemas.microsoft.com/office/drawing/2014/main" id="{642FC17C-5942-4B7F-947E-88C2B81CB3E8}"/>
-              </a:ext>
-            </a:extLst>
-          </p:cNvPr>
+          <p:cNvPr id="17" name="TextBox 16"/>
           <p:cNvSpPr txBox="1"/>
           <p:nvPr/>
         </p:nvSpPr>
@@ -10129,9 +8598,6 @@
         </p:spPr>
         <p:txBody>
           <a:bodyPr rot="0" spcFirstLastPara="0" vertOverflow="overflow" horzOverflow="overflow" vert="horz" wrap="square" lIns="91440" tIns="45720" rIns="91440" bIns="45720" numCol="1" spcCol="0" rtlCol="0" fromWordArt="0" anchor="t" anchorCtr="0" forceAA="0" compatLnSpc="1">
-            <a:prstTxWarp prst="textNoShape">
-              <a:avLst/>
-            </a:prstTxWarp>
             <a:spAutoFit/>
           </a:bodyPr>
           <a:lstStyle/>
@@ -10163,16 +8629,8 @@
       </p:sp>
       <p:cxnSp>
         <p:nvCxnSpPr>
-          <p:cNvPr id="19" name="Straight Arrow Connector 18">
-            <a:extLst>
-              <a:ext uri="{FF2B5EF4-FFF2-40B4-BE49-F238E27FC236}">
-                <a16:creationId xmlns:a16="http://schemas.microsoft.com/office/drawing/2014/main" id="{C3A8DE7E-7EF9-4D19-A0F3-21848876B3A3}"/>
-              </a:ext>
-            </a:extLst>
-          </p:cNvPr>
-          <p:cNvCxnSpPr>
-            <a:cxnSpLocks/>
-          </p:cNvCxnSpPr>
+          <p:cNvPr id="19" name="Straight Arrow Connector 18"/>
+          <p:cNvCxnSpPr/>
           <p:nvPr/>
         </p:nvCxnSpPr>
         <p:spPr>
@@ -10209,16 +8667,8 @@
       </p:cxnSp>
       <p:cxnSp>
         <p:nvCxnSpPr>
-          <p:cNvPr id="20" name="Straight Arrow Connector 19">
-            <a:extLst>
-              <a:ext uri="{FF2B5EF4-FFF2-40B4-BE49-F238E27FC236}">
-                <a16:creationId xmlns:a16="http://schemas.microsoft.com/office/drawing/2014/main" id="{937F9066-3245-47E6-8AB7-09F023EBFE4C}"/>
-              </a:ext>
-            </a:extLst>
-          </p:cNvPr>
-          <p:cNvCxnSpPr>
-            <a:cxnSpLocks/>
-          </p:cNvCxnSpPr>
+          <p:cNvPr id="20" name="Straight Arrow Connector 19"/>
+          <p:cNvCxnSpPr/>
           <p:nvPr/>
         </p:nvCxnSpPr>
         <p:spPr>
@@ -10255,13 +8705,7 @@
       </p:cxnSp>
       <p:sp>
         <p:nvSpPr>
-          <p:cNvPr id="21" name="TextBox 20">
-            <a:extLst>
-              <a:ext uri="{FF2B5EF4-FFF2-40B4-BE49-F238E27FC236}">
-                <a16:creationId xmlns:a16="http://schemas.microsoft.com/office/drawing/2014/main" id="{E0F4BD2B-F025-45AE-A8DB-43AA780B7401}"/>
-              </a:ext>
-            </a:extLst>
-          </p:cNvPr>
+          <p:cNvPr id="21" name="TextBox 20"/>
           <p:cNvSpPr txBox="1"/>
           <p:nvPr/>
         </p:nvSpPr>
@@ -10277,9 +8721,6 @@
         </p:spPr>
         <p:txBody>
           <a:bodyPr rot="0" spcFirstLastPara="0" vertOverflow="overflow" horzOverflow="overflow" vert="horz" wrap="square" lIns="91440" tIns="45720" rIns="91440" bIns="45720" numCol="1" spcCol="0" rtlCol="0" fromWordArt="0" anchor="t" anchorCtr="0" forceAA="0" compatLnSpc="1">
-            <a:prstTxWarp prst="textNoShape">
-              <a:avLst/>
-            </a:prstTxWarp>
             <a:spAutoFit/>
           </a:bodyPr>
           <a:lstStyle/>
@@ -10317,13 +8758,7 @@
       </p:sp>
       <p:sp>
         <p:nvSpPr>
-          <p:cNvPr id="22" name="TextBox 21">
-            <a:extLst>
-              <a:ext uri="{FF2B5EF4-FFF2-40B4-BE49-F238E27FC236}">
-                <a16:creationId xmlns:a16="http://schemas.microsoft.com/office/drawing/2014/main" id="{CBF30C11-A7C6-42E5-88FB-B43D3FE784A4}"/>
-              </a:ext>
-            </a:extLst>
-          </p:cNvPr>
+          <p:cNvPr id="22" name="TextBox 21"/>
           <p:cNvSpPr txBox="1"/>
           <p:nvPr/>
         </p:nvSpPr>
@@ -10339,9 +8774,6 @@
         </p:spPr>
         <p:txBody>
           <a:bodyPr rot="0" spcFirstLastPara="0" vertOverflow="overflow" horzOverflow="overflow" vert="horz" wrap="square" lIns="91440" tIns="45720" rIns="91440" bIns="45720" numCol="1" spcCol="0" rtlCol="0" fromWordArt="0" anchor="t" anchorCtr="0" forceAA="0" compatLnSpc="1">
-            <a:prstTxWarp prst="textNoShape">
-              <a:avLst/>
-            </a:prstTxWarp>
             <a:spAutoFit/>
           </a:bodyPr>
           <a:lstStyle/>
@@ -10398,6 +8830,7 @@
               <a:rPr lang="en-US" dirty="0"/>
               <a:t>)</a:t>
             </a:r>
+            <a:endParaRPr lang="en-US" dirty="0"/>
           </a:p>
           <a:p>
             <a:r>
@@ -10474,11 +8907,6 @@
         </p:txBody>
       </p:sp>
     </p:spTree>
-    <p:extLst>
-      <p:ext uri="{BB962C8B-B14F-4D97-AF65-F5344CB8AC3E}">
-        <p14:creationId xmlns:p14="http://schemas.microsoft.com/office/powerpoint/2010/main" val="3317786436"/>
-      </p:ext>
-    </p:extLst>
   </p:cSld>
   <p:clrMapOvr>
     <a:masterClrMapping/>
@@ -10505,13 +8933,7 @@
       </p:grpSpPr>
       <p:sp>
         <p:nvSpPr>
-          <p:cNvPr id="2" name="Titolo 1">
-            <a:extLst>
-              <a:ext uri="{FF2B5EF4-FFF2-40B4-BE49-F238E27FC236}">
-                <a16:creationId xmlns:a16="http://schemas.microsoft.com/office/drawing/2014/main" id="{35592CAD-C2CD-3641-9AC1-502343055CC5}"/>
-              </a:ext>
-            </a:extLst>
-          </p:cNvPr>
+          <p:cNvPr id="2" name="Titolo 1"/>
           <p:cNvSpPr>
             <a:spLocks noGrp="1"/>
           </p:cNvSpPr>
@@ -10547,13 +8969,7 @@
       </p:sp>
       <p:sp>
         <p:nvSpPr>
-          <p:cNvPr id="4" name="CasellaDiTesto 3">
-            <a:extLst>
-              <a:ext uri="{FF2B5EF4-FFF2-40B4-BE49-F238E27FC236}">
-                <a16:creationId xmlns:a16="http://schemas.microsoft.com/office/drawing/2014/main" id="{8471387C-046A-AB41-A02B-D8BB67F93266}"/>
-              </a:ext>
-            </a:extLst>
-          </p:cNvPr>
+          <p:cNvPr id="4" name="CasellaDiTesto 3"/>
           <p:cNvSpPr txBox="1"/>
           <p:nvPr/>
         </p:nvSpPr>
@@ -10593,36 +9009,34 @@
               <a:rPr lang="en-GB" i="1" dirty="0"/>
               <a:t> GPU:</a:t>
             </a:r>
+            <a:endParaRPr lang="en-GB" i="1" dirty="0"/>
           </a:p>
           <a:p>
             <a:r>
               <a:rPr lang="en-GB" i="1" dirty="0"/>
               <a:t>  - caclola il peso wp relativo della particella i-esima</a:t>
             </a:r>
+            <a:endParaRPr lang="en-GB" i="1" dirty="0"/>
           </a:p>
           <a:p>
             <a:r>
               <a:rPr lang="en-GB" i="1" dirty="0"/>
               <a:t>  - inserisce wp nel punto di coordinate corrisponente alla posizione della particella in matrice dedicata</a:t>
             </a:r>
+            <a:endParaRPr lang="en-GB" i="1" dirty="0"/>
           </a:p>
           <a:p>
             <a:r>
               <a:rPr lang="en-GB" i="1" dirty="0"/>
               <a:t>  - ripete wp nei punti adiacenti (sx, dx, sopra, sotto)</a:t>
             </a:r>
-          </a:p>
-        </p:txBody>
-      </p:sp>
-      <p:sp>
-        <p:nvSpPr>
-          <p:cNvPr id="7" name="CasellaDiTesto 6">
-            <a:extLst>
-              <a:ext uri="{FF2B5EF4-FFF2-40B4-BE49-F238E27FC236}">
-                <a16:creationId xmlns:a16="http://schemas.microsoft.com/office/drawing/2014/main" id="{0627B031-8625-2F45-9896-371370D3E1A2}"/>
-              </a:ext>
-            </a:extLst>
-          </p:cNvPr>
+            <a:endParaRPr lang="en-GB" i="1" dirty="0"/>
+          </a:p>
+        </p:txBody>
+      </p:sp>
+      <p:sp>
+        <p:nvSpPr>
+          <p:cNvPr id="7" name="CasellaDiTesto 6"/>
           <p:cNvSpPr txBox="1"/>
           <p:nvPr/>
         </p:nvSpPr>
@@ -10726,18 +9140,6 @@
               </a:rPr>
               <a:t>; n++ ) {</a:t>
             </a:r>
-          </a:p>
-          <a:p>
-            <a:r>
-              <a:rPr lang="it-IT" sz="1400" b="0">
-                <a:solidFill>
-                  <a:srgbClr val="6A9955"/>
-                </a:solidFill>
-                <a:effectLst/>
-                <a:latin typeface="Menlo" panose="020B0609030804020204" pitchFamily="49" charset="0"/>
-              </a:rPr>
-              <a:t>// keep a tiny border free anyway</a:t>
-            </a:r>
             <a:endParaRPr lang="it-IT" sz="1400" b="0">
               <a:solidFill>
                 <a:srgbClr val="D4D4D4"/>
@@ -10750,146 +9152,160 @@
             <a:r>
               <a:rPr lang="it-IT" sz="1400" b="0">
                 <a:solidFill>
-                  <a:srgbClr val="D4D4D4"/>
+                  <a:srgbClr val="6A9955"/>
                 </a:solidFill>
                 <a:effectLst/>
                 <a:latin typeface="Menlo" panose="020B0609030804020204" pitchFamily="49" charset="0"/>
               </a:rPr>
-              <a:t> ix = Xdots * </a:t>
-            </a:r>
+              <a:t>// keep a tiny border free anyway</a:t>
+            </a:r>
+            <a:endParaRPr lang="it-IT" sz="1400" b="0">
+              <a:solidFill>
+                <a:srgbClr val="D4D4D4"/>
+              </a:solidFill>
+              <a:effectLst/>
+              <a:latin typeface="Menlo" panose="020B0609030804020204" pitchFamily="49" charset="0"/>
+            </a:endParaRPr>
+          </a:p>
+          <a:p>
             <a:r>
               <a:rPr lang="it-IT" sz="1400" b="0">
                 <a:solidFill>
-                  <a:srgbClr val="9CDCFE"/>
+                  <a:srgbClr val="D4D4D4"/>
                 </a:solidFill>
                 <a:effectLst/>
                 <a:latin typeface="Menlo" panose="020B0609030804020204" pitchFamily="49" charset="0"/>
               </a:rPr>
-              <a:t>pp</a:t>
+              <a:t> ix = Xdots * </a:t>
             </a:r>
             <a:r>
               <a:rPr lang="it-IT" sz="1400" b="0">
                 <a:solidFill>
-                  <a:srgbClr val="D4D4D4"/>
+                  <a:srgbClr val="9CDCFE"/>
                 </a:solidFill>
                 <a:effectLst/>
                 <a:latin typeface="Menlo" panose="020B0609030804020204" pitchFamily="49" charset="0"/>
               </a:rPr>
-              <a:t>.</a:t>
+              <a:t>pp</a:t>
             </a:r>
             <a:r>
               <a:rPr lang="it-IT" sz="1400" b="0">
                 <a:solidFill>
-                  <a:srgbClr val="9CDCFE"/>
+                  <a:srgbClr val="D4D4D4"/>
                 </a:solidFill>
                 <a:effectLst/>
                 <a:latin typeface="Menlo" panose="020B0609030804020204" pitchFamily="49" charset="0"/>
               </a:rPr>
-              <a:t>x</a:t>
+              <a:t>.</a:t>
             </a:r>
             <a:r>
               <a:rPr lang="it-IT" sz="1400" b="0">
                 <a:solidFill>
-                  <a:srgbClr val="D4D4D4"/>
+                  <a:srgbClr val="9CDCFE"/>
                 </a:solidFill>
                 <a:effectLst/>
                 <a:latin typeface="Menlo" panose="020B0609030804020204" pitchFamily="49" charset="0"/>
               </a:rPr>
-              <a:t>[n] / Dx; </a:t>
-            </a:r>
-          </a:p>
-          <a:p>
-            <a:r>
-              <a:rPr lang="it-IT" sz="1400">
+              <a:t>x</a:t>
+            </a:r>
+            <a:r>
+              <a:rPr lang="it-IT" sz="1400" b="0">
                 <a:solidFill>
                   <a:srgbClr val="D4D4D4"/>
-                </a:solidFill>
-                <a:latin typeface="Menlo" panose="020B0609030804020204" pitchFamily="49" charset="0"/>
-              </a:rPr>
-              <a:t>  </a:t>
-            </a:r>
-            <a:r>
-              <a:rPr lang="it-IT" sz="1400" b="0">
-                <a:solidFill>
-                  <a:srgbClr val="C586C0"/>
                 </a:solidFill>
                 <a:effectLst/>
                 <a:latin typeface="Menlo" panose="020B0609030804020204" pitchFamily="49" charset="0"/>
               </a:rPr>
-              <a:t>if</a:t>
+              <a:t>[n] / Dx; </a:t>
+            </a:r>
+            <a:endParaRPr lang="it-IT" sz="1400" b="0">
+              <a:solidFill>
+                <a:srgbClr val="D4D4D4"/>
+              </a:solidFill>
+              <a:effectLst/>
+              <a:latin typeface="Menlo" panose="020B0609030804020204" pitchFamily="49" charset="0"/>
+            </a:endParaRPr>
+          </a:p>
+          <a:p>
+            <a:r>
+              <a:rPr lang="it-IT" sz="1400">
+                <a:solidFill>
+                  <a:srgbClr val="D4D4D4"/>
+                </a:solidFill>
+                <a:latin typeface="Menlo" panose="020B0609030804020204" pitchFamily="49" charset="0"/>
+              </a:rPr>
+              <a:t>  </a:t>
             </a:r>
             <a:r>
               <a:rPr lang="it-IT" sz="1400" b="0">
                 <a:solidFill>
-                  <a:srgbClr val="D4D4D4"/>
+                  <a:srgbClr val="C586C0"/>
                 </a:solidFill>
                 <a:effectLst/>
                 <a:latin typeface="Menlo" panose="020B0609030804020204" pitchFamily="49" charset="0"/>
               </a:rPr>
-              <a:t> ( ix &gt;= Xdots-</a:t>
+              <a:t>if</a:t>
             </a:r>
             <a:r>
               <a:rPr lang="it-IT" sz="1400" b="0">
                 <a:solidFill>
-                  <a:srgbClr val="B5CEA8"/>
+                  <a:srgbClr val="D4D4D4"/>
                 </a:solidFill>
                 <a:effectLst/>
                 <a:latin typeface="Menlo" panose="020B0609030804020204" pitchFamily="49" charset="0"/>
               </a:rPr>
-              <a:t>1</a:t>
+              <a:t> ( ix &gt;= Xdots-</a:t>
             </a:r>
             <a:r>
               <a:rPr lang="it-IT" sz="1400" b="0">
                 <a:solidFill>
-                  <a:srgbClr val="D4D4D4"/>
+                  <a:srgbClr val="B5CEA8"/>
                 </a:solidFill>
                 <a:effectLst/>
                 <a:latin typeface="Menlo" panose="020B0609030804020204" pitchFamily="49" charset="0"/>
               </a:rPr>
-              <a:t> || ix &lt;= </a:t>
+              <a:t>1</a:t>
             </a:r>
             <a:r>
               <a:rPr lang="it-IT" sz="1400" b="0">
                 <a:solidFill>
-                  <a:srgbClr val="B5CEA8"/>
+                  <a:srgbClr val="D4D4D4"/>
                 </a:solidFill>
                 <a:effectLst/>
                 <a:latin typeface="Menlo" panose="020B0609030804020204" pitchFamily="49" charset="0"/>
               </a:rPr>
-              <a:t>0</a:t>
+              <a:t> || ix &lt;= </a:t>
             </a:r>
             <a:r>
               <a:rPr lang="it-IT" sz="1400" b="0">
                 <a:solidFill>
-                  <a:srgbClr val="D4D4D4"/>
+                  <a:srgbClr val="B5CEA8"/>
                 </a:solidFill>
                 <a:effectLst/>
                 <a:latin typeface="Menlo" panose="020B0609030804020204" pitchFamily="49" charset="0"/>
               </a:rPr>
-              <a:t> ) </a:t>
+              <a:t>0</a:t>
             </a:r>
             <a:r>
               <a:rPr lang="it-IT" sz="1400" b="0">
                 <a:solidFill>
-                  <a:srgbClr val="C586C0"/>
+                  <a:srgbClr val="D4D4D4"/>
                 </a:solidFill>
                 <a:effectLst/>
                 <a:latin typeface="Menlo" panose="020B0609030804020204" pitchFamily="49" charset="0"/>
               </a:rPr>
-              <a:t>continue</a:t>
+              <a:t> ) </a:t>
             </a:r>
             <a:r>
               <a:rPr lang="it-IT" sz="1400" b="0">
                 <a:solidFill>
-                  <a:srgbClr val="D4D4D4"/>
+                  <a:srgbClr val="C586C0"/>
                 </a:solidFill>
                 <a:effectLst/>
                 <a:latin typeface="Menlo" panose="020B0609030804020204" pitchFamily="49" charset="0"/>
               </a:rPr>
-              <a:t>;</a:t>
-            </a:r>
-          </a:p>
-          <a:p>
+              <a:t>continue</a:t>
+            </a:r>
             <a:r>
               <a:rPr lang="it-IT" sz="1400" b="0">
                 <a:solidFill>
@@ -10898,141 +9314,155 @@
                 <a:effectLst/>
                 <a:latin typeface="Menlo" panose="020B0609030804020204" pitchFamily="49" charset="0"/>
               </a:rPr>
-              <a:t> iy = Ydots * </a:t>
-            </a:r>
+              <a:t>;</a:t>
+            </a:r>
+            <a:endParaRPr lang="it-IT" sz="1400" b="0">
+              <a:solidFill>
+                <a:srgbClr val="D4D4D4"/>
+              </a:solidFill>
+              <a:effectLst/>
+              <a:latin typeface="Menlo" panose="020B0609030804020204" pitchFamily="49" charset="0"/>
+            </a:endParaRPr>
+          </a:p>
+          <a:p>
             <a:r>
               <a:rPr lang="it-IT" sz="1400" b="0">
                 <a:solidFill>
-                  <a:srgbClr val="9CDCFE"/>
+                  <a:srgbClr val="D4D4D4"/>
                 </a:solidFill>
                 <a:effectLst/>
                 <a:latin typeface="Menlo" panose="020B0609030804020204" pitchFamily="49" charset="0"/>
               </a:rPr>
-              <a:t>pp</a:t>
+              <a:t> iy = Ydots * </a:t>
             </a:r>
             <a:r>
               <a:rPr lang="it-IT" sz="1400" b="0">
                 <a:solidFill>
-                  <a:srgbClr val="D4D4D4"/>
+                  <a:srgbClr val="9CDCFE"/>
                 </a:solidFill>
                 <a:effectLst/>
                 <a:latin typeface="Menlo" panose="020B0609030804020204" pitchFamily="49" charset="0"/>
               </a:rPr>
-              <a:t>.</a:t>
+              <a:t>pp</a:t>
             </a:r>
             <a:r>
               <a:rPr lang="it-IT" sz="1400" b="0">
                 <a:solidFill>
-                  <a:srgbClr val="9CDCFE"/>
+                  <a:srgbClr val="D4D4D4"/>
                 </a:solidFill>
                 <a:effectLst/>
                 <a:latin typeface="Menlo" panose="020B0609030804020204" pitchFamily="49" charset="0"/>
               </a:rPr>
-              <a:t>y</a:t>
+              <a:t>.</a:t>
             </a:r>
             <a:r>
               <a:rPr lang="it-IT" sz="1400" b="0">
                 <a:solidFill>
-                  <a:srgbClr val="D4D4D4"/>
+                  <a:srgbClr val="9CDCFE"/>
                 </a:solidFill>
                 <a:effectLst/>
                 <a:latin typeface="Menlo" panose="020B0609030804020204" pitchFamily="49" charset="0"/>
               </a:rPr>
-              <a:t>[n] / Dy; </a:t>
-            </a:r>
-          </a:p>
-          <a:p>
-            <a:r>
-              <a:rPr lang="it-IT" sz="1400">
+              <a:t>y</a:t>
+            </a:r>
+            <a:r>
+              <a:rPr lang="it-IT" sz="1400" b="0">
                 <a:solidFill>
                   <a:srgbClr val="D4D4D4"/>
-                </a:solidFill>
-                <a:latin typeface="Menlo" panose="020B0609030804020204" pitchFamily="49" charset="0"/>
-              </a:rPr>
-              <a:t>  </a:t>
-            </a:r>
-            <a:r>
-              <a:rPr lang="it-IT" sz="1400" b="0">
-                <a:solidFill>
-                  <a:srgbClr val="C586C0"/>
                 </a:solidFill>
                 <a:effectLst/>
                 <a:latin typeface="Menlo" panose="020B0609030804020204" pitchFamily="49" charset="0"/>
               </a:rPr>
-              <a:t>if</a:t>
+              <a:t>[n] / Dy; </a:t>
+            </a:r>
+            <a:endParaRPr lang="it-IT" sz="1400" b="0">
+              <a:solidFill>
+                <a:srgbClr val="D4D4D4"/>
+              </a:solidFill>
+              <a:effectLst/>
+              <a:latin typeface="Menlo" panose="020B0609030804020204" pitchFamily="49" charset="0"/>
+            </a:endParaRPr>
+          </a:p>
+          <a:p>
+            <a:r>
+              <a:rPr lang="it-IT" sz="1400">
+                <a:solidFill>
+                  <a:srgbClr val="D4D4D4"/>
+                </a:solidFill>
+                <a:latin typeface="Menlo" panose="020B0609030804020204" pitchFamily="49" charset="0"/>
+              </a:rPr>
+              <a:t>  </a:t>
             </a:r>
             <a:r>
               <a:rPr lang="it-IT" sz="1400" b="0">
                 <a:solidFill>
-                  <a:srgbClr val="D4D4D4"/>
+                  <a:srgbClr val="C586C0"/>
                 </a:solidFill>
                 <a:effectLst/>
                 <a:latin typeface="Menlo" panose="020B0609030804020204" pitchFamily="49" charset="0"/>
               </a:rPr>
-              <a:t> ( iy &gt;= Ydots-</a:t>
+              <a:t>if</a:t>
             </a:r>
             <a:r>
               <a:rPr lang="it-IT" sz="1400" b="0">
                 <a:solidFill>
-                  <a:srgbClr val="B5CEA8"/>
+                  <a:srgbClr val="D4D4D4"/>
                 </a:solidFill>
                 <a:effectLst/>
                 <a:latin typeface="Menlo" panose="020B0609030804020204" pitchFamily="49" charset="0"/>
               </a:rPr>
-              <a:t>1</a:t>
+              <a:t> ( iy &gt;= Ydots-</a:t>
             </a:r>
             <a:r>
               <a:rPr lang="it-IT" sz="1400" b="0">
                 <a:solidFill>
-                  <a:srgbClr val="D4D4D4"/>
+                  <a:srgbClr val="B5CEA8"/>
                 </a:solidFill>
                 <a:effectLst/>
                 <a:latin typeface="Menlo" panose="020B0609030804020204" pitchFamily="49" charset="0"/>
               </a:rPr>
-              <a:t> || iy &lt;= </a:t>
+              <a:t>1</a:t>
             </a:r>
             <a:r>
               <a:rPr lang="it-IT" sz="1400" b="0">
                 <a:solidFill>
-                  <a:srgbClr val="B5CEA8"/>
+                  <a:srgbClr val="D4D4D4"/>
                 </a:solidFill>
                 <a:effectLst/>
                 <a:latin typeface="Menlo" panose="020B0609030804020204" pitchFamily="49" charset="0"/>
               </a:rPr>
-              <a:t>0</a:t>
+              <a:t> || iy &lt;= </a:t>
             </a:r>
             <a:r>
               <a:rPr lang="it-IT" sz="1400" b="0">
                 <a:solidFill>
-                  <a:srgbClr val="D4D4D4"/>
+                  <a:srgbClr val="B5CEA8"/>
                 </a:solidFill>
                 <a:effectLst/>
                 <a:latin typeface="Menlo" panose="020B0609030804020204" pitchFamily="49" charset="0"/>
               </a:rPr>
-              <a:t> ) </a:t>
+              <a:t>0</a:t>
             </a:r>
             <a:r>
               <a:rPr lang="it-IT" sz="1400" b="0">
                 <a:solidFill>
-                  <a:srgbClr val="C586C0"/>
+                  <a:srgbClr val="D4D4D4"/>
                 </a:solidFill>
                 <a:effectLst/>
                 <a:latin typeface="Menlo" panose="020B0609030804020204" pitchFamily="49" charset="0"/>
               </a:rPr>
-              <a:t>continue</a:t>
+              <a:t> ) </a:t>
             </a:r>
             <a:r>
               <a:rPr lang="it-IT" sz="1400" b="0">
                 <a:solidFill>
-                  <a:srgbClr val="D4D4D4"/>
+                  <a:srgbClr val="C586C0"/>
                 </a:solidFill>
                 <a:effectLst/>
                 <a:latin typeface="Menlo" panose="020B0609030804020204" pitchFamily="49" charset="0"/>
               </a:rPr>
-              <a:t>;</a:t>
-            </a:r>
-          </a:p>
-          <a:p>
+              <a:t>continue</a:t>
+            </a:r>
             <a:r>
               <a:rPr lang="it-IT" sz="1400" b="0">
                 <a:solidFill>
@@ -11041,460 +9471,502 @@
                 <a:effectLst/>
                 <a:latin typeface="Menlo" panose="020B0609030804020204" pitchFamily="49" charset="0"/>
               </a:rPr>
-              <a:t> wv = </a:t>
-            </a:r>
+              <a:t>;</a:t>
+            </a:r>
+            <a:endParaRPr lang="it-IT" sz="1400" b="0">
+              <a:solidFill>
+                <a:srgbClr val="D4D4D4"/>
+              </a:solidFill>
+              <a:effectLst/>
+              <a:latin typeface="Menlo" panose="020B0609030804020204" pitchFamily="49" charset="0"/>
+            </a:endParaRPr>
+          </a:p>
+          <a:p>
             <a:r>
               <a:rPr lang="it-IT" sz="1400" b="0">
                 <a:solidFill>
-                  <a:srgbClr val="9CDCFE"/>
+                  <a:srgbClr val="D4D4D4"/>
                 </a:solidFill>
                 <a:effectLst/>
                 <a:latin typeface="Menlo" panose="020B0609030804020204" pitchFamily="49" charset="0"/>
               </a:rPr>
-              <a:t>pp</a:t>
+              <a:t> wv = </a:t>
             </a:r>
             <a:r>
               <a:rPr lang="it-IT" sz="1400" b="0">
                 <a:solidFill>
-                  <a:srgbClr val="D4D4D4"/>
+                  <a:srgbClr val="9CDCFE"/>
                 </a:solidFill>
                 <a:effectLst/>
                 <a:latin typeface="Menlo" panose="020B0609030804020204" pitchFamily="49" charset="0"/>
               </a:rPr>
-              <a:t>.</a:t>
+              <a:t>pp</a:t>
             </a:r>
             <a:r>
               <a:rPr lang="it-IT" sz="1400" b="0">
                 <a:solidFill>
-                  <a:srgbClr val="9CDCFE"/>
+                  <a:srgbClr val="D4D4D4"/>
                 </a:solidFill>
                 <a:effectLst/>
                 <a:latin typeface="Menlo" panose="020B0609030804020204" pitchFamily="49" charset="0"/>
               </a:rPr>
-              <a:t>weight</a:t>
+              <a:t>.</a:t>
             </a:r>
             <a:r>
               <a:rPr lang="it-IT" sz="1400" b="0">
                 <a:solidFill>
-                  <a:srgbClr val="D4D4D4"/>
+                  <a:srgbClr val="9CDCFE"/>
                 </a:solidFill>
                 <a:effectLst/>
                 <a:latin typeface="Menlo" panose="020B0609030804020204" pitchFamily="49" charset="0"/>
               </a:rPr>
-              <a:t>[n] - rmin; wp = </a:t>
+              <a:t>weight</a:t>
             </a:r>
             <a:r>
               <a:rPr lang="it-IT" sz="1400" b="0">
                 <a:solidFill>
-                  <a:srgbClr val="B5CEA8"/>
+                  <a:srgbClr val="D4D4D4"/>
                 </a:solidFill>
                 <a:effectLst/>
                 <a:latin typeface="Menlo" panose="020B0609030804020204" pitchFamily="49" charset="0"/>
               </a:rPr>
-              <a:t>10.0</a:t>
+              <a:t>[n] - rmin; wp = </a:t>
             </a:r>
             <a:r>
               <a:rPr lang="it-IT" sz="1400" b="0">
                 <a:solidFill>
-                  <a:srgbClr val="D4D4D4"/>
+                  <a:srgbClr val="B5CEA8"/>
                 </a:solidFill>
                 <a:effectLst/>
                 <a:latin typeface="Menlo" panose="020B0609030804020204" pitchFamily="49" charset="0"/>
               </a:rPr>
-              <a:t>*wv/wint;</a:t>
-            </a:r>
-          </a:p>
-          <a:p>
+              <a:t>10.0</a:t>
+            </a:r>
             <a:r>
               <a:rPr lang="it-IT" sz="1400" b="0">
                 <a:solidFill>
-                  <a:srgbClr val="9CDCFE"/>
+                  <a:srgbClr val="D4D4D4"/>
                 </a:solidFill>
                 <a:effectLst/>
                 <a:latin typeface="Menlo" panose="020B0609030804020204" pitchFamily="49" charset="0"/>
               </a:rPr>
-              <a:t> pgrid</a:t>
-            </a:r>
+              <a:t>*wv/wint;</a:t>
+            </a:r>
+            <a:endParaRPr lang="it-IT" sz="1400" b="0">
+              <a:solidFill>
+                <a:srgbClr val="D4D4D4"/>
+              </a:solidFill>
+              <a:effectLst/>
+              <a:latin typeface="Menlo" panose="020B0609030804020204" pitchFamily="49" charset="0"/>
+            </a:endParaRPr>
+          </a:p>
+          <a:p>
             <a:r>
               <a:rPr lang="it-IT" sz="1400" b="0">
                 <a:solidFill>
-                  <a:srgbClr val="D4D4D4"/>
+                  <a:srgbClr val="9CDCFE"/>
                 </a:solidFill>
                 <a:effectLst/>
                 <a:latin typeface="Menlo" panose="020B0609030804020204" pitchFamily="49" charset="0"/>
               </a:rPr>
-              <a:t>-&gt;</a:t>
+              <a:t> pgrid</a:t>
             </a:r>
             <a:r>
               <a:rPr lang="it-IT" sz="1400" b="0">
                 <a:solidFill>
-                  <a:srgbClr val="9CDCFE"/>
+                  <a:srgbClr val="D4D4D4"/>
                 </a:solidFill>
                 <a:effectLst/>
                 <a:latin typeface="Menlo" panose="020B0609030804020204" pitchFamily="49" charset="0"/>
               </a:rPr>
-              <a:t>Values</a:t>
+              <a:t>-&gt;</a:t>
             </a:r>
             <a:r>
               <a:rPr lang="it-IT" sz="1400" b="0">
                 <a:solidFill>
-                  <a:srgbClr val="D4D4D4"/>
+                  <a:srgbClr val="9CDCFE"/>
                 </a:solidFill>
                 <a:effectLst/>
                 <a:latin typeface="Menlo" panose="020B0609030804020204" pitchFamily="49" charset="0"/>
               </a:rPr>
-              <a:t>[</a:t>
+              <a:t>Values</a:t>
             </a:r>
             <a:r>
               <a:rPr lang="it-IT" sz="1400" b="0">
                 <a:solidFill>
-                  <a:srgbClr val="DCDCAA"/>
+                  <a:srgbClr val="D4D4D4"/>
                 </a:solidFill>
                 <a:effectLst/>
                 <a:latin typeface="Menlo" panose="020B0609030804020204" pitchFamily="49" charset="0"/>
               </a:rPr>
-              <a:t>index2D</a:t>
+              <a:t>[</a:t>
             </a:r>
             <a:r>
               <a:rPr lang="it-IT" sz="1400" b="0">
                 <a:solidFill>
-                  <a:srgbClr val="D4D4D4"/>
+                  <a:srgbClr val="DCDCAA"/>
                 </a:solidFill>
                 <a:effectLst/>
                 <a:latin typeface="Menlo" panose="020B0609030804020204" pitchFamily="49" charset="0"/>
               </a:rPr>
-              <a:t>(ix,iy,Xdots)] = wp; </a:t>
-            </a:r>
-          </a:p>
-          <a:p>
+              <a:t>index2D</a:t>
+            </a:r>
             <a:r>
               <a:rPr lang="it-IT" sz="1400" b="0">
                 <a:solidFill>
-                  <a:srgbClr val="9CDCFE"/>
+                  <a:srgbClr val="D4D4D4"/>
                 </a:solidFill>
                 <a:effectLst/>
                 <a:latin typeface="Menlo" panose="020B0609030804020204" pitchFamily="49" charset="0"/>
               </a:rPr>
-              <a:t> pgrid</a:t>
-            </a:r>
+              <a:t>(ix,iy,Xdots)] = wp; </a:t>
+            </a:r>
+            <a:endParaRPr lang="it-IT" sz="1400" b="0">
+              <a:solidFill>
+                <a:srgbClr val="D4D4D4"/>
+              </a:solidFill>
+              <a:effectLst/>
+              <a:latin typeface="Menlo" panose="020B0609030804020204" pitchFamily="49" charset="0"/>
+            </a:endParaRPr>
+          </a:p>
+          <a:p>
             <a:r>
               <a:rPr lang="it-IT" sz="1400" b="0">
                 <a:solidFill>
-                  <a:srgbClr val="D4D4D4"/>
+                  <a:srgbClr val="9CDCFE"/>
                 </a:solidFill>
                 <a:effectLst/>
                 <a:latin typeface="Menlo" panose="020B0609030804020204" pitchFamily="49" charset="0"/>
               </a:rPr>
-              <a:t>-&gt;</a:t>
+              <a:t> pgrid</a:t>
             </a:r>
             <a:r>
               <a:rPr lang="it-IT" sz="1400" b="0">
                 <a:solidFill>
-                  <a:srgbClr val="9CDCFE"/>
+                  <a:srgbClr val="D4D4D4"/>
                 </a:solidFill>
                 <a:effectLst/>
                 <a:latin typeface="Menlo" panose="020B0609030804020204" pitchFamily="49" charset="0"/>
               </a:rPr>
-              <a:t>Values</a:t>
+              <a:t>-&gt;</a:t>
             </a:r>
             <a:r>
               <a:rPr lang="it-IT" sz="1400" b="0">
                 <a:solidFill>
-                  <a:srgbClr val="D4D4D4"/>
+                  <a:srgbClr val="9CDCFE"/>
                 </a:solidFill>
                 <a:effectLst/>
                 <a:latin typeface="Menlo" panose="020B0609030804020204" pitchFamily="49" charset="0"/>
               </a:rPr>
-              <a:t>[</a:t>
+              <a:t>Values</a:t>
             </a:r>
             <a:r>
               <a:rPr lang="it-IT" sz="1400" b="0">
                 <a:solidFill>
-                  <a:srgbClr val="DCDCAA"/>
+                  <a:srgbClr val="D4D4D4"/>
                 </a:solidFill>
                 <a:effectLst/>
                 <a:latin typeface="Menlo" panose="020B0609030804020204" pitchFamily="49" charset="0"/>
               </a:rPr>
-              <a:t>index2D</a:t>
+              <a:t>[</a:t>
             </a:r>
             <a:r>
               <a:rPr lang="it-IT" sz="1400" b="0">
                 <a:solidFill>
-                  <a:srgbClr val="D4D4D4"/>
+                  <a:srgbClr val="DCDCAA"/>
                 </a:solidFill>
                 <a:effectLst/>
                 <a:latin typeface="Menlo" panose="020B0609030804020204" pitchFamily="49" charset="0"/>
               </a:rPr>
-              <a:t>(ix-</a:t>
+              <a:t>index2D</a:t>
             </a:r>
             <a:r>
               <a:rPr lang="it-IT" sz="1400" b="0">
                 <a:solidFill>
-                  <a:srgbClr val="B5CEA8"/>
+                  <a:srgbClr val="D4D4D4"/>
                 </a:solidFill>
                 <a:effectLst/>
                 <a:latin typeface="Menlo" panose="020B0609030804020204" pitchFamily="49" charset="0"/>
               </a:rPr>
-              <a:t>1</a:t>
+              <a:t>(ix-</a:t>
             </a:r>
             <a:r>
               <a:rPr lang="it-IT" sz="1400" b="0">
                 <a:solidFill>
-                  <a:srgbClr val="D4D4D4"/>
+                  <a:srgbClr val="B5CEA8"/>
                 </a:solidFill>
                 <a:effectLst/>
                 <a:latin typeface="Menlo" panose="020B0609030804020204" pitchFamily="49" charset="0"/>
               </a:rPr>
-              <a:t>,iy,Xdots)] = wp;</a:t>
-            </a:r>
-          </a:p>
-          <a:p>
+              <a:t>1</a:t>
+            </a:r>
             <a:r>
               <a:rPr lang="it-IT" sz="1400" b="0">
                 <a:solidFill>
-                  <a:srgbClr val="9CDCFE"/>
+                  <a:srgbClr val="D4D4D4"/>
                 </a:solidFill>
                 <a:effectLst/>
                 <a:latin typeface="Menlo" panose="020B0609030804020204" pitchFamily="49" charset="0"/>
               </a:rPr>
-              <a:t> pgrid</a:t>
-            </a:r>
+              <a:t>,iy,Xdots)] = wp;</a:t>
+            </a:r>
+            <a:endParaRPr lang="it-IT" sz="1400" b="0">
+              <a:solidFill>
+                <a:srgbClr val="D4D4D4"/>
+              </a:solidFill>
+              <a:effectLst/>
+              <a:latin typeface="Menlo" panose="020B0609030804020204" pitchFamily="49" charset="0"/>
+            </a:endParaRPr>
+          </a:p>
+          <a:p>
             <a:r>
               <a:rPr lang="it-IT" sz="1400" b="0">
                 <a:solidFill>
-                  <a:srgbClr val="D4D4D4"/>
+                  <a:srgbClr val="9CDCFE"/>
                 </a:solidFill>
                 <a:effectLst/>
                 <a:latin typeface="Menlo" panose="020B0609030804020204" pitchFamily="49" charset="0"/>
               </a:rPr>
-              <a:t>-&gt;</a:t>
+              <a:t> pgrid</a:t>
             </a:r>
             <a:r>
               <a:rPr lang="it-IT" sz="1400" b="0">
                 <a:solidFill>
-                  <a:srgbClr val="9CDCFE"/>
+                  <a:srgbClr val="D4D4D4"/>
                 </a:solidFill>
                 <a:effectLst/>
                 <a:latin typeface="Menlo" panose="020B0609030804020204" pitchFamily="49" charset="0"/>
               </a:rPr>
-              <a:t>Values</a:t>
+              <a:t>-&gt;</a:t>
             </a:r>
             <a:r>
               <a:rPr lang="it-IT" sz="1400" b="0">
                 <a:solidFill>
-                  <a:srgbClr val="D4D4D4"/>
+                  <a:srgbClr val="9CDCFE"/>
                 </a:solidFill>
                 <a:effectLst/>
                 <a:latin typeface="Menlo" panose="020B0609030804020204" pitchFamily="49" charset="0"/>
               </a:rPr>
-              <a:t>[</a:t>
+              <a:t>Values</a:t>
             </a:r>
             <a:r>
               <a:rPr lang="it-IT" sz="1400" b="0">
                 <a:solidFill>
-                  <a:srgbClr val="DCDCAA"/>
+                  <a:srgbClr val="D4D4D4"/>
                 </a:solidFill>
                 <a:effectLst/>
                 <a:latin typeface="Menlo" panose="020B0609030804020204" pitchFamily="49" charset="0"/>
               </a:rPr>
-              <a:t>index2D</a:t>
+              <a:t>[</a:t>
             </a:r>
             <a:r>
               <a:rPr lang="it-IT" sz="1400" b="0">
                 <a:solidFill>
-                  <a:srgbClr val="D4D4D4"/>
+                  <a:srgbClr val="DCDCAA"/>
                 </a:solidFill>
                 <a:effectLst/>
                 <a:latin typeface="Menlo" panose="020B0609030804020204" pitchFamily="49" charset="0"/>
               </a:rPr>
-              <a:t>(ix+</a:t>
+              <a:t>index2D</a:t>
             </a:r>
             <a:r>
               <a:rPr lang="it-IT" sz="1400" b="0">
                 <a:solidFill>
-                  <a:srgbClr val="B5CEA8"/>
+                  <a:srgbClr val="D4D4D4"/>
                 </a:solidFill>
                 <a:effectLst/>
                 <a:latin typeface="Menlo" panose="020B0609030804020204" pitchFamily="49" charset="0"/>
               </a:rPr>
-              <a:t>1</a:t>
+              <a:t>(ix+</a:t>
             </a:r>
             <a:r>
               <a:rPr lang="it-IT" sz="1400" b="0">
                 <a:solidFill>
-                  <a:srgbClr val="D4D4D4"/>
+                  <a:srgbClr val="B5CEA8"/>
                 </a:solidFill>
                 <a:effectLst/>
                 <a:latin typeface="Menlo" panose="020B0609030804020204" pitchFamily="49" charset="0"/>
               </a:rPr>
-              <a:t>,iy,Xdots)] = wp;</a:t>
-            </a:r>
-          </a:p>
-          <a:p>
+              <a:t>1</a:t>
+            </a:r>
             <a:r>
               <a:rPr lang="it-IT" sz="1400" b="0">
                 <a:solidFill>
-                  <a:srgbClr val="9CDCFE"/>
+                  <a:srgbClr val="D4D4D4"/>
                 </a:solidFill>
                 <a:effectLst/>
                 <a:latin typeface="Menlo" panose="020B0609030804020204" pitchFamily="49" charset="0"/>
               </a:rPr>
-              <a:t> pgrid</a:t>
-            </a:r>
+              <a:t>,iy,Xdots)] = wp;</a:t>
+            </a:r>
+            <a:endParaRPr lang="it-IT" sz="1400" b="0">
+              <a:solidFill>
+                <a:srgbClr val="D4D4D4"/>
+              </a:solidFill>
+              <a:effectLst/>
+              <a:latin typeface="Menlo" panose="020B0609030804020204" pitchFamily="49" charset="0"/>
+            </a:endParaRPr>
+          </a:p>
+          <a:p>
             <a:r>
               <a:rPr lang="it-IT" sz="1400" b="0">
                 <a:solidFill>
-                  <a:srgbClr val="D4D4D4"/>
+                  <a:srgbClr val="9CDCFE"/>
                 </a:solidFill>
                 <a:effectLst/>
                 <a:latin typeface="Menlo" panose="020B0609030804020204" pitchFamily="49" charset="0"/>
               </a:rPr>
-              <a:t>-&gt;</a:t>
+              <a:t> pgrid</a:t>
             </a:r>
             <a:r>
               <a:rPr lang="it-IT" sz="1400" b="0">
                 <a:solidFill>
-                  <a:srgbClr val="9CDCFE"/>
+                  <a:srgbClr val="D4D4D4"/>
                 </a:solidFill>
                 <a:effectLst/>
                 <a:latin typeface="Menlo" panose="020B0609030804020204" pitchFamily="49" charset="0"/>
               </a:rPr>
-              <a:t>Values</a:t>
+              <a:t>-&gt;</a:t>
             </a:r>
             <a:r>
               <a:rPr lang="it-IT" sz="1400" b="0">
                 <a:solidFill>
-                  <a:srgbClr val="D4D4D4"/>
+                  <a:srgbClr val="9CDCFE"/>
                 </a:solidFill>
                 <a:effectLst/>
                 <a:latin typeface="Menlo" panose="020B0609030804020204" pitchFamily="49" charset="0"/>
               </a:rPr>
-              <a:t>[</a:t>
+              <a:t>Values</a:t>
             </a:r>
             <a:r>
               <a:rPr lang="it-IT" sz="1400" b="0">
                 <a:solidFill>
-                  <a:srgbClr val="DCDCAA"/>
+                  <a:srgbClr val="D4D4D4"/>
                 </a:solidFill>
                 <a:effectLst/>
                 <a:latin typeface="Menlo" panose="020B0609030804020204" pitchFamily="49" charset="0"/>
               </a:rPr>
-              <a:t>index2D</a:t>
+              <a:t>[</a:t>
             </a:r>
             <a:r>
               <a:rPr lang="it-IT" sz="1400" b="0">
                 <a:solidFill>
-                  <a:srgbClr val="D4D4D4"/>
+                  <a:srgbClr val="DCDCAA"/>
                 </a:solidFill>
                 <a:effectLst/>
                 <a:latin typeface="Menlo" panose="020B0609030804020204" pitchFamily="49" charset="0"/>
               </a:rPr>
-              <a:t>(ix,iy-</a:t>
+              <a:t>index2D</a:t>
             </a:r>
             <a:r>
               <a:rPr lang="it-IT" sz="1400" b="0">
                 <a:solidFill>
-                  <a:srgbClr val="B5CEA8"/>
+                  <a:srgbClr val="D4D4D4"/>
                 </a:solidFill>
                 <a:effectLst/>
                 <a:latin typeface="Menlo" panose="020B0609030804020204" pitchFamily="49" charset="0"/>
               </a:rPr>
-              <a:t>1</a:t>
+              <a:t>(ix,iy-</a:t>
             </a:r>
             <a:r>
               <a:rPr lang="it-IT" sz="1400" b="0">
                 <a:solidFill>
-                  <a:srgbClr val="D4D4D4"/>
+                  <a:srgbClr val="B5CEA8"/>
                 </a:solidFill>
                 <a:effectLst/>
                 <a:latin typeface="Menlo" panose="020B0609030804020204" pitchFamily="49" charset="0"/>
               </a:rPr>
-              <a:t>,Xdots)] = wp;</a:t>
-            </a:r>
-          </a:p>
-          <a:p>
+              <a:t>1</a:t>
+            </a:r>
             <a:r>
               <a:rPr lang="it-IT" sz="1400" b="0">
                 <a:solidFill>
-                  <a:srgbClr val="9CDCFE"/>
+                  <a:srgbClr val="D4D4D4"/>
                 </a:solidFill>
                 <a:effectLst/>
                 <a:latin typeface="Menlo" panose="020B0609030804020204" pitchFamily="49" charset="0"/>
               </a:rPr>
-              <a:t> pgrid</a:t>
-            </a:r>
+              <a:t>,Xdots)] = wp;</a:t>
+            </a:r>
+            <a:endParaRPr lang="it-IT" sz="1400" b="0">
+              <a:solidFill>
+                <a:srgbClr val="D4D4D4"/>
+              </a:solidFill>
+              <a:effectLst/>
+              <a:latin typeface="Menlo" panose="020B0609030804020204" pitchFamily="49" charset="0"/>
+            </a:endParaRPr>
+          </a:p>
+          <a:p>
             <a:r>
               <a:rPr lang="it-IT" sz="1400" b="0">
                 <a:solidFill>
-                  <a:srgbClr val="D4D4D4"/>
+                  <a:srgbClr val="9CDCFE"/>
                 </a:solidFill>
                 <a:effectLst/>
                 <a:latin typeface="Menlo" panose="020B0609030804020204" pitchFamily="49" charset="0"/>
               </a:rPr>
-              <a:t>-&gt;</a:t>
+              <a:t> pgrid</a:t>
             </a:r>
             <a:r>
               <a:rPr lang="it-IT" sz="1400" b="0">
                 <a:solidFill>
-                  <a:srgbClr val="9CDCFE"/>
+                  <a:srgbClr val="D4D4D4"/>
                 </a:solidFill>
                 <a:effectLst/>
                 <a:latin typeface="Menlo" panose="020B0609030804020204" pitchFamily="49" charset="0"/>
               </a:rPr>
-              <a:t>Values</a:t>
+              <a:t>-&gt;</a:t>
             </a:r>
             <a:r>
               <a:rPr lang="it-IT" sz="1400" b="0">
                 <a:solidFill>
-                  <a:srgbClr val="D4D4D4"/>
+                  <a:srgbClr val="9CDCFE"/>
                 </a:solidFill>
                 <a:effectLst/>
                 <a:latin typeface="Menlo" panose="020B0609030804020204" pitchFamily="49" charset="0"/>
               </a:rPr>
-              <a:t>[</a:t>
+              <a:t>Values</a:t>
             </a:r>
             <a:r>
               <a:rPr lang="it-IT" sz="1400" b="0">
                 <a:solidFill>
-                  <a:srgbClr val="DCDCAA"/>
+                  <a:srgbClr val="D4D4D4"/>
                 </a:solidFill>
                 <a:effectLst/>
                 <a:latin typeface="Menlo" panose="020B0609030804020204" pitchFamily="49" charset="0"/>
               </a:rPr>
-              <a:t>index2D</a:t>
+              <a:t>[</a:t>
             </a:r>
             <a:r>
               <a:rPr lang="it-IT" sz="1400" b="0">
                 <a:solidFill>
-                  <a:srgbClr val="D4D4D4"/>
+                  <a:srgbClr val="DCDCAA"/>
                 </a:solidFill>
                 <a:effectLst/>
                 <a:latin typeface="Menlo" panose="020B0609030804020204" pitchFamily="49" charset="0"/>
               </a:rPr>
-              <a:t>(ix,iy+</a:t>
+              <a:t>index2D</a:t>
             </a:r>
             <a:r>
               <a:rPr lang="it-IT" sz="1400" b="0">
                 <a:solidFill>
-                  <a:srgbClr val="B5CEA8"/>
+                  <a:srgbClr val="D4D4D4"/>
                 </a:solidFill>
                 <a:effectLst/>
                 <a:latin typeface="Menlo" panose="020B0609030804020204" pitchFamily="49" charset="0"/>
               </a:rPr>
-              <a:t>1</a:t>
+              <a:t>(ix,iy+</a:t>
             </a:r>
             <a:r>
               <a:rPr lang="it-IT" sz="1400" b="0">
                 <a:solidFill>
-                  <a:srgbClr val="D4D4D4"/>
+                  <a:srgbClr val="B5CEA8"/>
                 </a:solidFill>
                 <a:effectLst/>
                 <a:latin typeface="Menlo" panose="020B0609030804020204" pitchFamily="49" charset="0"/>
               </a:rPr>
-              <a:t>,Xdots)] = wp; </a:t>
-            </a:r>
-          </a:p>
-          <a:p>
+              <a:t>1</a:t>
+            </a:r>
             <a:r>
               <a:rPr lang="it-IT" sz="1400" b="0">
                 <a:solidFill>
@@ -11503,20 +9975,40 @@
                 <a:effectLst/>
                 <a:latin typeface="Menlo" panose="020B0609030804020204" pitchFamily="49" charset="0"/>
               </a:rPr>
+              <a:t>,Xdots)] = wp; </a:t>
+            </a:r>
+            <a:endParaRPr lang="it-IT" sz="1400" b="0">
+              <a:solidFill>
+                <a:srgbClr val="D4D4D4"/>
+              </a:solidFill>
+              <a:effectLst/>
+              <a:latin typeface="Menlo" panose="020B0609030804020204" pitchFamily="49" charset="0"/>
+            </a:endParaRPr>
+          </a:p>
+          <a:p>
+            <a:r>
+              <a:rPr lang="it-IT" sz="1400" b="0">
+                <a:solidFill>
+                  <a:srgbClr val="D4D4D4"/>
+                </a:solidFill>
+                <a:effectLst/>
+                <a:latin typeface="Menlo" panose="020B0609030804020204" pitchFamily="49" charset="0"/>
+              </a:rPr>
               <a:t>}</a:t>
             </a:r>
-          </a:p>
-        </p:txBody>
-      </p:sp>
-      <p:sp>
-        <p:nvSpPr>
-          <p:cNvPr id="8" name="CasellaDiTesto 7">
-            <a:extLst>
-              <a:ext uri="{FF2B5EF4-FFF2-40B4-BE49-F238E27FC236}">
-                <a16:creationId xmlns:a16="http://schemas.microsoft.com/office/drawing/2014/main" id="{582D639E-FFF9-DB40-B7C3-EA5AE511AB8E}"/>
-              </a:ext>
-            </a:extLst>
-          </p:cNvPr>
+            <a:endParaRPr lang="it-IT" sz="1400" b="0">
+              <a:solidFill>
+                <a:srgbClr val="D4D4D4"/>
+              </a:solidFill>
+              <a:effectLst/>
+              <a:latin typeface="Menlo" panose="020B0609030804020204" pitchFamily="49" charset="0"/>
+            </a:endParaRPr>
+          </a:p>
+        </p:txBody>
+      </p:sp>
+      <p:sp>
+        <p:nvSpPr>
+          <p:cNvPr id="8" name="CasellaDiTesto 7"/>
           <p:cNvSpPr txBox="1"/>
           <p:nvPr/>
         </p:nvSpPr>
@@ -11540,18 +10032,13 @@
               <a:rPr lang="it-IT"/>
               <a:t>Codice ottimizzato su GPU</a:t>
             </a:r>
-          </a:p>
-        </p:txBody>
-      </p:sp>
-      <p:sp>
-        <p:nvSpPr>
-          <p:cNvPr id="9" name="CasellaDiTesto 8">
-            <a:extLst>
-              <a:ext uri="{FF2B5EF4-FFF2-40B4-BE49-F238E27FC236}">
-                <a16:creationId xmlns:a16="http://schemas.microsoft.com/office/drawing/2014/main" id="{3F97AA3B-D55A-1442-87E4-FE0BD09F3477}"/>
-              </a:ext>
-            </a:extLst>
-          </p:cNvPr>
+            <a:endParaRPr lang="it-IT"/>
+          </a:p>
+        </p:txBody>
+      </p:sp>
+      <p:sp>
+        <p:nvSpPr>
+          <p:cNvPr id="9" name="CasellaDiTesto 8"/>
           <p:cNvSpPr txBox="1"/>
           <p:nvPr/>
         </p:nvSpPr>
@@ -11575,27 +10062,24 @@
               <a:rPr lang="it-IT"/>
               <a:t>Codice originale (linee 595-605)                           </a:t>
             </a:r>
+            <a:endParaRPr lang="it-IT"/>
           </a:p>
         </p:txBody>
       </p:sp>
       <p:pic>
         <p:nvPicPr>
-          <p:cNvPr id="11" name="Picture 4" descr="Graphical user interface, application, table&#10;&#10;Description automatically generated">
-            <a:extLst>
-              <a:ext uri="{FF2B5EF4-FFF2-40B4-BE49-F238E27FC236}">
-                <a16:creationId xmlns:a16="http://schemas.microsoft.com/office/drawing/2014/main" id="{85D15F35-6C08-4140-9A6D-5C42506BB068}"/>
-              </a:ext>
-            </a:extLst>
-          </p:cNvPr>
+          <p:cNvPr id="11" name="Picture 4" descr="Graphical user interface, application, table&#10;&#10;Description automatically generated"/>
           <p:cNvPicPr>
             <a:picLocks noChangeAspect="1"/>
           </p:cNvPicPr>
           <p:nvPr/>
         </p:nvPicPr>
         <p:blipFill rotWithShape="1">
-          <a:blip r:embed="rId3"/>
+          <a:blip r:embed="rId1"/>
           <a:srcRect l="1" t="8057" r="209" b="23128"/>
-          <a:stretch/>
+          <a:stretch>
+            <a:fillRect/>
+          </a:stretch>
         </p:blipFill>
         <p:spPr>
           <a:xfrm>
@@ -11609,13 +10093,7 @@
       </p:pic>
       <p:sp>
         <p:nvSpPr>
-          <p:cNvPr id="12" name="CasellaDiTesto 11">
-            <a:extLst>
-              <a:ext uri="{FF2B5EF4-FFF2-40B4-BE49-F238E27FC236}">
-                <a16:creationId xmlns:a16="http://schemas.microsoft.com/office/drawing/2014/main" id="{D577FFA4-BF0F-E145-9B38-984438E2EB72}"/>
-              </a:ext>
-            </a:extLst>
-          </p:cNvPr>
+          <p:cNvPr id="12" name="CasellaDiTesto 11"/>
           <p:cNvSpPr txBox="1"/>
           <p:nvPr/>
         </p:nvSpPr>
@@ -11663,18 +10141,17 @@
               </a:rPr>
               <a:t>DumpPopulation</a:t>
             </a:r>
-          </a:p>
-        </p:txBody>
-      </p:sp>
-      <p:sp>
-        <p:nvSpPr>
-          <p:cNvPr id="13" name="CasellaDiTesto 12">
-            <a:extLst>
-              <a:ext uri="{FF2B5EF4-FFF2-40B4-BE49-F238E27FC236}">
-                <a16:creationId xmlns:a16="http://schemas.microsoft.com/office/drawing/2014/main" id="{F9D99952-56EB-8C46-9E9C-E75E8D84ED03}"/>
-              </a:ext>
-            </a:extLst>
-          </p:cNvPr>
+            <a:endParaRPr lang="it-IT" sz="900">
+              <a:solidFill>
+                <a:schemeClr val="bg1"/>
+              </a:solidFill>
+            </a:endParaRPr>
+          </a:p>
+        </p:txBody>
+      </p:sp>
+      <p:sp>
+        <p:nvSpPr>
+          <p:cNvPr id="13" name="CasellaDiTesto 12"/>
           <p:cNvSpPr txBox="1"/>
           <p:nvPr/>
         </p:nvSpPr>
@@ -11722,18 +10199,17 @@
               </a:rPr>
               <a:t>ParticleScreen</a:t>
             </a:r>
+            <a:endParaRPr lang="it-IT" sz="900">
+              <a:solidFill>
+                <a:schemeClr val="bg1"/>
+              </a:solidFill>
+            </a:endParaRPr>
           </a:p>
         </p:txBody>
       </p:sp>
       <p:cxnSp>
         <p:nvCxnSpPr>
-          <p:cNvPr id="14" name="Connettore 2 13">
-            <a:extLst>
-              <a:ext uri="{FF2B5EF4-FFF2-40B4-BE49-F238E27FC236}">
-                <a16:creationId xmlns:a16="http://schemas.microsoft.com/office/drawing/2014/main" id="{65DE7EC5-1774-5F40-A2B1-B992DFDE63A4}"/>
-              </a:ext>
-            </a:extLst>
-          </p:cNvPr>
+          <p:cNvPr id="14" name="Connettore 2 13"/>
           <p:cNvCxnSpPr/>
           <p:nvPr/>
         </p:nvCxnSpPr>
@@ -11765,11 +10241,6 @@
         </p:style>
       </p:cxnSp>
     </p:spTree>
-    <p:extLst>
-      <p:ext uri="{BB962C8B-B14F-4D97-AF65-F5344CB8AC3E}">
-        <p14:creationId xmlns:p14="http://schemas.microsoft.com/office/powerpoint/2010/main" val="1428786883"/>
-      </p:ext>
-    </p:extLst>
   </p:cSld>
   <p:clrMapOvr>
     <a:masterClrMapping/>
@@ -11796,13 +10267,7 @@
       </p:grpSpPr>
       <p:sp>
         <p:nvSpPr>
-          <p:cNvPr id="2" name="Titolo 1">
-            <a:extLst>
-              <a:ext uri="{FF2B5EF4-FFF2-40B4-BE49-F238E27FC236}">
-                <a16:creationId xmlns:a16="http://schemas.microsoft.com/office/drawing/2014/main" id="{35592CAD-C2CD-3641-9AC1-502343055CC5}"/>
-              </a:ext>
-            </a:extLst>
-          </p:cNvPr>
+          <p:cNvPr id="2" name="Titolo 1"/>
           <p:cNvSpPr>
             <a:spLocks noGrp="1"/>
           </p:cNvSpPr>
@@ -11833,13 +10298,7 @@
       </p:sp>
       <p:sp>
         <p:nvSpPr>
-          <p:cNvPr id="17" name="CasellaDiTesto 16">
-            <a:extLst>
-              <a:ext uri="{FF2B5EF4-FFF2-40B4-BE49-F238E27FC236}">
-                <a16:creationId xmlns:a16="http://schemas.microsoft.com/office/drawing/2014/main" id="{FE6D560C-54C7-E241-BF38-8D6BD6E73431}"/>
-              </a:ext>
-            </a:extLst>
-          </p:cNvPr>
+          <p:cNvPr id="17" name="CasellaDiTesto 16"/>
           <p:cNvSpPr txBox="1"/>
           <p:nvPr/>
         </p:nvSpPr>
@@ -11863,6 +10322,7 @@
               <a:rPr lang="it-IT"/>
               <a:t>La scrittura su file non è possibile tramite CUDA. Occorre usare il codice host.</a:t>
             </a:r>
+            <a:endParaRPr lang="it-IT"/>
           </a:p>
           <a:p>
             <a:endParaRPr lang="it-IT"/>
@@ -11872,30 +10332,35 @@
               <a:rPr lang="it-IT"/>
               <a:t>Implicazioni:</a:t>
             </a:r>
+            <a:endParaRPr lang="it-IT"/>
           </a:p>
           <a:p>
             <a:r>
               <a:rPr lang="it-IT"/>
               <a:t>	- allocazione di memoria aggiuntiva per Particles-&gt;grid</a:t>
             </a:r>
+            <a:endParaRPr lang="it-IT"/>
           </a:p>
           <a:p>
             <a:r>
               <a:rPr lang="it-IT"/>
               <a:t>	- cudaMemSet </a:t>
             </a:r>
+            <a:endParaRPr lang="it-IT"/>
           </a:p>
           <a:p>
             <a:r>
               <a:rPr lang="it-IT"/>
               <a:t>	- trasferimento dati in e out (cudaMemCpy) &lt;- sincronizzazione implicita</a:t>
             </a:r>
+            <a:endParaRPr lang="it-IT"/>
           </a:p>
           <a:p>
             <a:r>
               <a:rPr lang="it-IT"/>
               <a:t>	- accesso concorrente in memoria</a:t>
             </a:r>
+            <a:endParaRPr lang="it-IT"/>
           </a:p>
           <a:p>
             <a:endParaRPr lang="it-IT"/>
@@ -11923,6 +10388,7 @@
               <a:rPr lang="it-IT"/>
               <a:t>&gt;</a:t>
             </a:r>
+            <a:endParaRPr lang="it-IT"/>
           </a:p>
           <a:p>
             <a:endParaRPr lang="it-IT"/>
@@ -11941,15 +10407,11 @@
               <a:rPr lang="it-IT"/>
               <a:t>Conclusione: guadagno minimo (nullo) e risultato influenzato dall’ordine di esecuzione dei thread CUDA.</a:t>
             </a:r>
+            <a:endParaRPr lang="it-IT"/>
           </a:p>
         </p:txBody>
       </p:sp>
     </p:spTree>
-    <p:extLst>
-      <p:ext uri="{BB962C8B-B14F-4D97-AF65-F5344CB8AC3E}">
-        <p14:creationId xmlns:p14="http://schemas.microsoft.com/office/powerpoint/2010/main" val="3450419139"/>
-      </p:ext>
-    </p:extLst>
   </p:cSld>
   <p:clrMapOvr>
     <a:masterClrMapping/>
@@ -11976,13 +10438,7 @@
       </p:grpSpPr>
       <p:sp>
         <p:nvSpPr>
-          <p:cNvPr id="2" name="Titolo 1">
-            <a:extLst>
-              <a:ext uri="{FF2B5EF4-FFF2-40B4-BE49-F238E27FC236}">
-                <a16:creationId xmlns:a16="http://schemas.microsoft.com/office/drawing/2014/main" id="{1F44E06D-7101-2644-844A-95EA9004E599}"/>
-              </a:ext>
-            </a:extLst>
-          </p:cNvPr>
+          <p:cNvPr id="2" name="Titolo 1"/>
           <p:cNvSpPr>
             <a:spLocks noGrp="1"/>
           </p:cNvSpPr>
@@ -12015,18 +10471,13 @@
               <a:rPr lang="en-US" dirty="0" err="1"/>
               <a:t>ottimizzato</a:t>
             </a:r>
-          </a:p>
-        </p:txBody>
-      </p:sp>
-      <p:sp>
-        <p:nvSpPr>
-          <p:cNvPr id="3" name="Segnaposto contenuto 2">
-            <a:extLst>
-              <a:ext uri="{FF2B5EF4-FFF2-40B4-BE49-F238E27FC236}">
-                <a16:creationId xmlns:a16="http://schemas.microsoft.com/office/drawing/2014/main" id="{C4A50D78-DCAA-CE40-99F1-3D366AA562ED}"/>
-              </a:ext>
-            </a:extLst>
-          </p:cNvPr>
+            <a:endParaRPr lang="en-US" dirty="0" err="1"/>
+          </a:p>
+        </p:txBody>
+      </p:sp>
+      <p:sp>
+        <p:nvSpPr>
+          <p:cNvPr id="3" name="Segnaposto contenuto 2"/>
           <p:cNvSpPr>
             <a:spLocks noGrp="1"/>
           </p:cNvSpPr>
@@ -12052,6 +10503,9 @@
               </a:rPr>
               <a:t>Speed up = Ts / Tp1 =  209,2 / 4 = 52x</a:t>
             </a:r>
+            <a:endParaRPr lang="en-US" sz="2000" dirty="0">
+              <a:cs typeface="Calibri"/>
+            </a:endParaRPr>
           </a:p>
           <a:p>
             <a:r>
@@ -12067,18 +10521,16 @@
               </a:rPr>
               <a:t>21352 (=NP)</a:t>
             </a:r>
-          </a:p>
-        </p:txBody>
-      </p:sp>
-      <p:sp>
-        <p:nvSpPr>
-          <p:cNvPr id="4" name="Rettangolo con angoli arrotondati 3">
-            <a:extLst>
-              <a:ext uri="{FF2B5EF4-FFF2-40B4-BE49-F238E27FC236}">
-                <a16:creationId xmlns:a16="http://schemas.microsoft.com/office/drawing/2014/main" id="{6C74F786-3AF7-D24B-8192-4697AE48A6F6}"/>
-              </a:ext>
-            </a:extLst>
-          </p:cNvPr>
+            <a:endParaRPr lang="en-US" sz="2000" dirty="0">
+              <a:ea typeface="+mn-lt"/>
+              <a:cs typeface="+mn-lt"/>
+            </a:endParaRPr>
+          </a:p>
+        </p:txBody>
+      </p:sp>
+      <p:sp>
+        <p:nvSpPr>
+          <p:cNvPr id="4" name="Rettangolo con angoli arrotondati 3"/>
           <p:cNvSpPr/>
           <p:nvPr/>
         </p:nvSpPr>
@@ -12114,18 +10566,13 @@
               <a:rPr lang="en-GB" dirty="0"/>
               <a:t>HARDWARE USED </a:t>
             </a:r>
-          </a:p>
-        </p:txBody>
-      </p:sp>
-      <p:sp>
-        <p:nvSpPr>
-          <p:cNvPr id="5" name="Rettangolo con angoli arrotondati 4">
-            <a:extLst>
-              <a:ext uri="{FF2B5EF4-FFF2-40B4-BE49-F238E27FC236}">
-                <a16:creationId xmlns:a16="http://schemas.microsoft.com/office/drawing/2014/main" id="{3160EB98-A43C-2A4F-993C-69976B419DC5}"/>
-              </a:ext>
-            </a:extLst>
-          </p:cNvPr>
+            <a:endParaRPr lang="en-GB" dirty="0"/>
+          </a:p>
+        </p:txBody>
+      </p:sp>
+      <p:sp>
+        <p:nvSpPr>
+          <p:cNvPr id="5" name="Rettangolo con angoli arrotondati 4"/>
           <p:cNvSpPr/>
           <p:nvPr/>
         </p:nvSpPr>
@@ -12161,6 +10608,7 @@
               <a:rPr lang="en-GB" dirty="0"/>
               <a:t>TECHNICAL</a:t>
             </a:r>
+            <a:endParaRPr lang="en-GB" dirty="0"/>
           </a:p>
           <a:p>
             <a:pPr algn="ctr"/>
@@ -12168,18 +10616,13 @@
               <a:rPr lang="en-GB" dirty="0"/>
               <a:t>SPECIFICATIONS</a:t>
             </a:r>
-          </a:p>
-        </p:txBody>
-      </p:sp>
-      <p:sp>
-        <p:nvSpPr>
-          <p:cNvPr id="6" name="CasellaDiTesto 5">
-            <a:extLst>
-              <a:ext uri="{FF2B5EF4-FFF2-40B4-BE49-F238E27FC236}">
-                <a16:creationId xmlns:a16="http://schemas.microsoft.com/office/drawing/2014/main" id="{FE9C696D-0043-B84B-AC05-7DE26514D580}"/>
-              </a:ext>
-            </a:extLst>
-          </p:cNvPr>
+            <a:endParaRPr lang="en-GB" dirty="0"/>
+          </a:p>
+        </p:txBody>
+      </p:sp>
+      <p:sp>
+        <p:nvSpPr>
+          <p:cNvPr id="6" name="CasellaDiTesto 5"/>
           <p:cNvSpPr txBox="1"/>
           <p:nvPr/>
         </p:nvSpPr>
@@ -12203,21 +10646,14 @@
               <a:rPr lang="en-GB" dirty="0"/>
               <a:t>-- subsample on 10 iterations particle dynamics --</a:t>
             </a:r>
-          </a:p>
-        </p:txBody>
-      </p:sp>
-      <p:sp>
-        <p:nvSpPr>
-          <p:cNvPr id="8" name="Segnaposto contenuto 2">
-            <a:extLst>
-              <a:ext uri="{FF2B5EF4-FFF2-40B4-BE49-F238E27FC236}">
-                <a16:creationId xmlns:a16="http://schemas.microsoft.com/office/drawing/2014/main" id="{79E87BCA-5077-BC41-B42E-29374A77F4DD}"/>
-              </a:ext>
-            </a:extLst>
-          </p:cNvPr>
-          <p:cNvSpPr txBox="1">
-            <a:spLocks/>
-          </p:cNvSpPr>
+            <a:endParaRPr lang="en-GB" dirty="0"/>
+          </a:p>
+        </p:txBody>
+      </p:sp>
+      <p:sp>
+        <p:nvSpPr>
+          <p:cNvPr id="8" name="Segnaposto contenuto 2"/>
+          <p:cNvSpPr txBox="1"/>
           <p:nvPr/>
         </p:nvSpPr>
         <p:spPr>
@@ -12246,7 +10682,7 @@
               <a:spcBef>
                 <a:spcPts val="1000"/>
               </a:spcBef>
-              <a:buFont typeface="Arial" panose="020B0604020202020204" pitchFamily="34" charset="0"/>
+              <a:buFont typeface="Arial" panose="02080604020202020204" pitchFamily="34" charset="0"/>
               <a:buChar char="•"/>
               <a:defRPr sz="2800" kern="1200">
                 <a:solidFill>
@@ -12264,7 +10700,7 @@
               <a:spcBef>
                 <a:spcPts val="500"/>
               </a:spcBef>
-              <a:buFont typeface="Arial" panose="020B0604020202020204" pitchFamily="34" charset="0"/>
+              <a:buFont typeface="Arial" panose="02080604020202020204" pitchFamily="34" charset="0"/>
               <a:buChar char="•"/>
               <a:defRPr sz="2400" kern="1200">
                 <a:solidFill>
@@ -12282,7 +10718,7 @@
               <a:spcBef>
                 <a:spcPts val="500"/>
               </a:spcBef>
-              <a:buFont typeface="Arial" panose="020B0604020202020204" pitchFamily="34" charset="0"/>
+              <a:buFont typeface="Arial" panose="02080604020202020204" pitchFamily="34" charset="0"/>
               <a:buChar char="•"/>
               <a:defRPr sz="2000" kern="1200">
                 <a:solidFill>
@@ -12300,7 +10736,7 @@
               <a:spcBef>
                 <a:spcPts val="500"/>
               </a:spcBef>
-              <a:buFont typeface="Arial" panose="020B0604020202020204" pitchFamily="34" charset="0"/>
+              <a:buFont typeface="Arial" panose="02080604020202020204" pitchFamily="34" charset="0"/>
               <a:buChar char="•"/>
               <a:defRPr sz="1800" kern="1200">
                 <a:solidFill>
@@ -12318,7 +10754,7 @@
               <a:spcBef>
                 <a:spcPts val="500"/>
               </a:spcBef>
-              <a:buFont typeface="Arial" panose="020B0604020202020204" pitchFamily="34" charset="0"/>
+              <a:buFont typeface="Arial" panose="02080604020202020204" pitchFamily="34" charset="0"/>
               <a:buChar char="•"/>
               <a:defRPr sz="1800" kern="1200">
                 <a:solidFill>
@@ -12336,7 +10772,7 @@
               <a:spcBef>
                 <a:spcPts val="500"/>
               </a:spcBef>
-              <a:buFont typeface="Arial" panose="020B0604020202020204" pitchFamily="34" charset="0"/>
+              <a:buFont typeface="Arial" panose="02080604020202020204" pitchFamily="34" charset="0"/>
               <a:buChar char="•"/>
               <a:defRPr sz="1800" kern="1200">
                 <a:solidFill>
@@ -12354,7 +10790,7 @@
               <a:spcBef>
                 <a:spcPts val="500"/>
               </a:spcBef>
-              <a:buFont typeface="Arial" panose="020B0604020202020204" pitchFamily="34" charset="0"/>
+              <a:buFont typeface="Arial" panose="02080604020202020204" pitchFamily="34" charset="0"/>
               <a:buChar char="•"/>
               <a:defRPr sz="1800" kern="1200">
                 <a:solidFill>
@@ -12372,7 +10808,7 @@
               <a:spcBef>
                 <a:spcPts val="500"/>
               </a:spcBef>
-              <a:buFont typeface="Arial" panose="020B0604020202020204" pitchFamily="34" charset="0"/>
+              <a:buFont typeface="Arial" panose="02080604020202020204" pitchFamily="34" charset="0"/>
               <a:buChar char="•"/>
               <a:defRPr sz="1800" kern="1200">
                 <a:solidFill>
@@ -12390,7 +10826,7 @@
               <a:spcBef>
                 <a:spcPts val="500"/>
               </a:spcBef>
-              <a:buFont typeface="Arial" panose="020B0604020202020204" pitchFamily="34" charset="0"/>
+              <a:buFont typeface="Arial" panose="02080604020202020204" pitchFamily="34" charset="0"/>
               <a:buChar char="•"/>
               <a:defRPr sz="1800" kern="1200">
                 <a:solidFill>
@@ -12410,21 +10846,14 @@
               <a:rPr lang="en-US" sz="2000" i="1" dirty="0"/>
               <a:t>Serial time (Ts) = 107s</a:t>
             </a:r>
-          </a:p>
-        </p:txBody>
-      </p:sp>
-      <p:sp>
-        <p:nvSpPr>
-          <p:cNvPr id="15" name="Segnaposto contenuto 2">
-            <a:extLst>
-              <a:ext uri="{FF2B5EF4-FFF2-40B4-BE49-F238E27FC236}">
-                <a16:creationId xmlns:a16="http://schemas.microsoft.com/office/drawing/2014/main" id="{D2B3497B-DA3F-4D28-B4B4-FFBDC1B8FC1A}"/>
-              </a:ext>
-            </a:extLst>
-          </p:cNvPr>
-          <p:cNvSpPr txBox="1">
-            <a:spLocks/>
-          </p:cNvSpPr>
+            <a:endParaRPr lang="en-US" sz="2000" i="1" dirty="0"/>
+          </a:p>
+        </p:txBody>
+      </p:sp>
+      <p:sp>
+        <p:nvSpPr>
+          <p:cNvPr id="15" name="Segnaposto contenuto 2"/>
+          <p:cNvSpPr txBox="1"/>
           <p:nvPr/>
         </p:nvSpPr>
         <p:spPr>
@@ -12453,7 +10882,7 @@
               <a:spcBef>
                 <a:spcPts val="1000"/>
               </a:spcBef>
-              <a:buFont typeface="Arial" panose="020B0604020202020204" pitchFamily="34" charset="0"/>
+              <a:buFont typeface="Arial" panose="02080604020202020204" pitchFamily="34" charset="0"/>
               <a:buChar char="•"/>
               <a:defRPr sz="2800" kern="1200">
                 <a:solidFill>
@@ -12471,7 +10900,7 @@
               <a:spcBef>
                 <a:spcPts val="500"/>
               </a:spcBef>
-              <a:buFont typeface="Arial" panose="020B0604020202020204" pitchFamily="34" charset="0"/>
+              <a:buFont typeface="Arial" panose="02080604020202020204" pitchFamily="34" charset="0"/>
               <a:buChar char="•"/>
               <a:defRPr sz="2400" kern="1200">
                 <a:solidFill>
@@ -12489,7 +10918,7 @@
               <a:spcBef>
                 <a:spcPts val="500"/>
               </a:spcBef>
-              <a:buFont typeface="Arial" panose="020B0604020202020204" pitchFamily="34" charset="0"/>
+              <a:buFont typeface="Arial" panose="02080604020202020204" pitchFamily="34" charset="0"/>
               <a:buChar char="•"/>
               <a:defRPr sz="2000" kern="1200">
                 <a:solidFill>
@@ -12507,7 +10936,7 @@
               <a:spcBef>
                 <a:spcPts val="500"/>
               </a:spcBef>
-              <a:buFont typeface="Arial" panose="020B0604020202020204" pitchFamily="34" charset="0"/>
+              <a:buFont typeface="Arial" panose="02080604020202020204" pitchFamily="34" charset="0"/>
               <a:buChar char="•"/>
               <a:defRPr sz="1800" kern="1200">
                 <a:solidFill>
@@ -12525,7 +10954,7 @@
               <a:spcBef>
                 <a:spcPts val="500"/>
               </a:spcBef>
-              <a:buFont typeface="Arial" panose="020B0604020202020204" pitchFamily="34" charset="0"/>
+              <a:buFont typeface="Arial" panose="02080604020202020204" pitchFamily="34" charset="0"/>
               <a:buChar char="•"/>
               <a:defRPr sz="1800" kern="1200">
                 <a:solidFill>
@@ -12543,7 +10972,7 @@
               <a:spcBef>
                 <a:spcPts val="500"/>
               </a:spcBef>
-              <a:buFont typeface="Arial" panose="020B0604020202020204" pitchFamily="34" charset="0"/>
+              <a:buFont typeface="Arial" panose="02080604020202020204" pitchFamily="34" charset="0"/>
               <a:buChar char="•"/>
               <a:defRPr sz="1800" kern="1200">
                 <a:solidFill>
@@ -12561,7 +10990,7 @@
               <a:spcBef>
                 <a:spcPts val="500"/>
               </a:spcBef>
-              <a:buFont typeface="Arial" panose="020B0604020202020204" pitchFamily="34" charset="0"/>
+              <a:buFont typeface="Arial" panose="02080604020202020204" pitchFamily="34" charset="0"/>
               <a:buChar char="•"/>
               <a:defRPr sz="1800" kern="1200">
                 <a:solidFill>
@@ -12579,7 +11008,7 @@
               <a:spcBef>
                 <a:spcPts val="500"/>
               </a:spcBef>
-              <a:buFont typeface="Arial" panose="020B0604020202020204" pitchFamily="34" charset="0"/>
+              <a:buFont typeface="Arial" panose="02080604020202020204" pitchFamily="34" charset="0"/>
               <a:buChar char="•"/>
               <a:defRPr sz="1800" kern="1200">
                 <a:solidFill>
@@ -12597,7 +11026,7 @@
               <a:spcBef>
                 <a:spcPts val="500"/>
               </a:spcBef>
-              <a:buFont typeface="Arial" panose="020B0604020202020204" pitchFamily="34" charset="0"/>
+              <a:buFont typeface="Arial" panose="02080604020202020204" pitchFamily="34" charset="0"/>
               <a:buChar char="•"/>
               <a:defRPr sz="1800" kern="1200">
                 <a:solidFill>
@@ -12623,13 +11052,7 @@
       </p:sp>
       <p:sp>
         <p:nvSpPr>
-          <p:cNvPr id="10" name="TextBox 9">
-            <a:extLst>
-              <a:ext uri="{FF2B5EF4-FFF2-40B4-BE49-F238E27FC236}">
-                <a16:creationId xmlns:a16="http://schemas.microsoft.com/office/drawing/2014/main" id="{5FD1729E-FFFF-4A98-BFC1-79324C903B6E}"/>
-              </a:ext>
-            </a:extLst>
-          </p:cNvPr>
+          <p:cNvPr id="10" name="TextBox 9"/>
           <p:cNvSpPr txBox="1"/>
           <p:nvPr/>
         </p:nvSpPr>
@@ -12645,9 +11068,6 @@
         </p:spPr>
         <p:txBody>
           <a:bodyPr rot="0" spcFirstLastPara="0" vertOverflow="overflow" horzOverflow="overflow" vert="horz" wrap="square" lIns="91440" tIns="45720" rIns="91440" bIns="45720" numCol="1" spcCol="0" rtlCol="0" fromWordArt="0" anchor="t" anchorCtr="0" forceAA="0" compatLnSpc="1">
-            <a:prstTxWarp prst="textNoShape">
-              <a:avLst/>
-            </a:prstTxWarp>
             <a:spAutoFit/>
           </a:bodyPr>
           <a:lstStyle/>
@@ -12785,6 +11205,12 @@
               </a:rPr>
               <a:t> disco? </a:t>
             </a:r>
+            <a:endParaRPr lang="en-US" dirty="0">
+              <a:solidFill>
+                <a:srgbClr val="FF0000"/>
+              </a:solidFill>
+              <a:cs typeface="Calibri"/>
+            </a:endParaRPr>
           </a:p>
           <a:p>
             <a:r>
@@ -12922,15 +11348,16 @@
               </a:rPr>
               <a:t> no?)</a:t>
             </a:r>
+            <a:endParaRPr lang="en-US" dirty="0">
+              <a:solidFill>
+                <a:srgbClr val="FF0000"/>
+              </a:solidFill>
+              <a:cs typeface="Calibri"/>
+            </a:endParaRPr>
           </a:p>
         </p:txBody>
       </p:sp>
     </p:spTree>
-    <p:extLst>
-      <p:ext uri="{BB962C8B-B14F-4D97-AF65-F5344CB8AC3E}">
-        <p14:creationId xmlns:p14="http://schemas.microsoft.com/office/powerpoint/2010/main" val="3957637519"/>
-      </p:ext>
-    </p:extLst>
   </p:cSld>
   <p:clrMapOvr>
     <a:masterClrMapping/>
@@ -12957,13 +11384,7 @@
       </p:grpSpPr>
       <p:sp>
         <p:nvSpPr>
-          <p:cNvPr id="2" name="Titolo 1">
-            <a:extLst>
-              <a:ext uri="{FF2B5EF4-FFF2-40B4-BE49-F238E27FC236}">
-                <a16:creationId xmlns:a16="http://schemas.microsoft.com/office/drawing/2014/main" id="{E47358F3-CC3E-E042-9922-F3C122E41818}"/>
-              </a:ext>
-            </a:extLst>
-          </p:cNvPr>
+          <p:cNvPr id="2" name="Titolo 1"/>
           <p:cNvSpPr>
             <a:spLocks noGrp="1"/>
           </p:cNvSpPr>
@@ -12990,13 +11411,7 @@
       </p:sp>
       <p:sp>
         <p:nvSpPr>
-          <p:cNvPr id="3" name="Segnaposto contenuto 2">
-            <a:extLst>
-              <a:ext uri="{FF2B5EF4-FFF2-40B4-BE49-F238E27FC236}">
-                <a16:creationId xmlns:a16="http://schemas.microsoft.com/office/drawing/2014/main" id="{F8DBED4B-9A5B-0B48-8C37-B794B818C39C}"/>
-              </a:ext>
-            </a:extLst>
-          </p:cNvPr>
+          <p:cNvPr id="3" name="Segnaposto contenuto 2"/>
           <p:cNvSpPr>
             <a:spLocks noGrp="1"/>
           </p:cNvSpPr>
@@ -13024,6 +11439,7 @@
               <a:rPr lang="en-US" sz="3200" dirty="0"/>
               <a:t>Overview del programma Particles Simulation</a:t>
             </a:r>
+            <a:endParaRPr lang="en-US" sz="3200" dirty="0"/>
           </a:p>
           <a:p>
             <a:pPr marL="514350" indent="-514350">
@@ -13050,6 +11466,7 @@
               <a:rPr lang="en-US" sz="3200" dirty="0" err="1"/>
               <a:t>seriale</a:t>
             </a:r>
+            <a:endParaRPr lang="en-US" sz="3200" dirty="0" err="1"/>
           </a:p>
           <a:p>
             <a:pPr marL="514350" indent="-514350">
@@ -13083,6 +11500,7 @@
               <a:rPr lang="en-US" sz="3200" dirty="0" err="1"/>
               <a:t>ottimizzato</a:t>
             </a:r>
+            <a:endParaRPr lang="en-US" sz="3200" dirty="0" err="1"/>
           </a:p>
           <a:p>
             <a:pPr marL="514350" indent="-514350">
@@ -13093,6 +11511,7 @@
               <a:rPr lang="en-US" sz="3200" dirty="0"/>
               <a:t>Performance threshold</a:t>
             </a:r>
+            <a:endParaRPr lang="en-US" sz="3200" dirty="0"/>
           </a:p>
           <a:p>
             <a:pPr marL="514350" indent="-514350">
@@ -13103,6 +11522,7 @@
               <a:rPr lang="en-US" sz="3200" dirty="0"/>
               <a:t>Ottimizzazioni alternative</a:t>
             </a:r>
+            <a:endParaRPr lang="en-US" sz="3200" dirty="0"/>
           </a:p>
           <a:p>
             <a:pPr marL="514350" indent="-514350">
@@ -13118,11 +11538,6 @@
         </p:txBody>
       </p:sp>
     </p:spTree>
-    <p:extLst>
-      <p:ext uri="{BB962C8B-B14F-4D97-AF65-F5344CB8AC3E}">
-        <p14:creationId xmlns:p14="http://schemas.microsoft.com/office/powerpoint/2010/main" val="4092730073"/>
-      </p:ext>
-    </p:extLst>
   </p:cSld>
   <p:clrMapOvr>
     <a:masterClrMapping/>
@@ -13149,16 +11564,8 @@
       </p:grpSpPr>
       <p:cxnSp>
         <p:nvCxnSpPr>
-          <p:cNvPr id="55" name="Connettore 1 54">
-            <a:extLst>
-              <a:ext uri="{FF2B5EF4-FFF2-40B4-BE49-F238E27FC236}">
-                <a16:creationId xmlns:a16="http://schemas.microsoft.com/office/drawing/2014/main" id="{4A580866-6F8E-4141-8F69-3395EA4C48CA}"/>
-              </a:ext>
-            </a:extLst>
-          </p:cNvPr>
-          <p:cNvCxnSpPr>
-            <a:cxnSpLocks/>
-          </p:cNvCxnSpPr>
+          <p:cNvPr id="55" name="Connettore 1 54"/>
+          <p:cNvCxnSpPr/>
           <p:nvPr/>
         </p:nvCxnSpPr>
         <p:spPr>
@@ -13187,13 +11594,7 @@
       </p:cxnSp>
       <p:sp>
         <p:nvSpPr>
-          <p:cNvPr id="2" name="Titolo 1">
-            <a:extLst>
-              <a:ext uri="{FF2B5EF4-FFF2-40B4-BE49-F238E27FC236}">
-                <a16:creationId xmlns:a16="http://schemas.microsoft.com/office/drawing/2014/main" id="{BD4207F8-5E04-4047-AF48-BF4610604826}"/>
-              </a:ext>
-            </a:extLst>
-          </p:cNvPr>
+          <p:cNvPr id="2" name="Titolo 1"/>
           <p:cNvSpPr>
             <a:spLocks noGrp="1"/>
           </p:cNvSpPr>
@@ -13216,13 +11617,7 @@
       </p:sp>
       <p:sp>
         <p:nvSpPr>
-          <p:cNvPr id="4" name="Rettangolo con angoli arrotondati 3">
-            <a:extLst>
-              <a:ext uri="{FF2B5EF4-FFF2-40B4-BE49-F238E27FC236}">
-                <a16:creationId xmlns:a16="http://schemas.microsoft.com/office/drawing/2014/main" id="{7664A22E-95E2-DC40-8275-2F3CCB94E98F}"/>
-              </a:ext>
-            </a:extLst>
-          </p:cNvPr>
+          <p:cNvPr id="4" name="Rettangolo con angoli arrotondati 3"/>
           <p:cNvSpPr/>
           <p:nvPr/>
         </p:nvSpPr>
@@ -13266,13 +11661,7 @@
       </p:sp>
       <p:sp>
         <p:nvSpPr>
-          <p:cNvPr id="5" name="Rettangolo con angoli arrotondati 4">
-            <a:extLst>
-              <a:ext uri="{FF2B5EF4-FFF2-40B4-BE49-F238E27FC236}">
-                <a16:creationId xmlns:a16="http://schemas.microsoft.com/office/drawing/2014/main" id="{E830C7F2-7F5A-C644-B822-70F24773426B}"/>
-              </a:ext>
-            </a:extLst>
-          </p:cNvPr>
+          <p:cNvPr id="5" name="Rettangolo con angoli arrotondati 4"/>
           <p:cNvSpPr/>
           <p:nvPr/>
         </p:nvSpPr>
@@ -13316,13 +11705,7 @@
       </p:sp>
       <p:sp>
         <p:nvSpPr>
-          <p:cNvPr id="6" name="Rettangolo con angoli arrotondati 5">
-            <a:extLst>
-              <a:ext uri="{FF2B5EF4-FFF2-40B4-BE49-F238E27FC236}">
-                <a16:creationId xmlns:a16="http://schemas.microsoft.com/office/drawing/2014/main" id="{8A07C10A-6459-C946-9AC7-B643150BBB13}"/>
-              </a:ext>
-            </a:extLst>
-          </p:cNvPr>
+          <p:cNvPr id="6" name="Rettangolo con angoli arrotondati 5"/>
           <p:cNvSpPr/>
           <p:nvPr/>
         </p:nvSpPr>
@@ -13366,13 +11749,7 @@
       </p:sp>
       <p:sp>
         <p:nvSpPr>
-          <p:cNvPr id="8" name="CasellaDiTesto 7">
-            <a:extLst>
-              <a:ext uri="{FF2B5EF4-FFF2-40B4-BE49-F238E27FC236}">
-                <a16:creationId xmlns:a16="http://schemas.microsoft.com/office/drawing/2014/main" id="{7A26974E-3772-DD4D-882D-F79CA2FDE6A8}"/>
-              </a:ext>
-            </a:extLst>
-          </p:cNvPr>
+          <p:cNvPr id="8" name="CasellaDiTesto 7"/>
           <p:cNvSpPr txBox="1"/>
           <p:nvPr/>
         </p:nvSpPr>
@@ -13397,18 +11774,13 @@
               <a:rPr lang="en-GB" dirty="0"/>
               <a:t>Initialization</a:t>
             </a:r>
-          </a:p>
-        </p:txBody>
-      </p:sp>
-      <p:sp>
-        <p:nvSpPr>
-          <p:cNvPr id="14" name="Rettangolo con angoli arrotondati 13">
-            <a:extLst>
-              <a:ext uri="{FF2B5EF4-FFF2-40B4-BE49-F238E27FC236}">
-                <a16:creationId xmlns:a16="http://schemas.microsoft.com/office/drawing/2014/main" id="{6753C28B-0D31-9B46-94E3-B7ED24790F47}"/>
-              </a:ext>
-            </a:extLst>
-          </p:cNvPr>
+            <a:endParaRPr lang="en-GB" dirty="0"/>
+          </a:p>
+        </p:txBody>
+      </p:sp>
+      <p:sp>
+        <p:nvSpPr>
+          <p:cNvPr id="14" name="Rettangolo con angoli arrotondati 13"/>
           <p:cNvSpPr/>
           <p:nvPr/>
         </p:nvSpPr>
@@ -13452,16 +11824,8 @@
       </p:sp>
       <p:cxnSp>
         <p:nvCxnSpPr>
-          <p:cNvPr id="18" name="Connettore 4 17">
-            <a:extLst>
-              <a:ext uri="{FF2B5EF4-FFF2-40B4-BE49-F238E27FC236}">
-                <a16:creationId xmlns:a16="http://schemas.microsoft.com/office/drawing/2014/main" id="{17B6398C-A06C-204D-B320-AD73B3B64216}"/>
-              </a:ext>
-            </a:extLst>
-          </p:cNvPr>
-          <p:cNvCxnSpPr>
-            <a:cxnSpLocks/>
-          </p:cNvCxnSpPr>
+          <p:cNvPr id="18" name="Connettore 4 17"/>
+          <p:cNvCxnSpPr/>
           <p:nvPr/>
         </p:nvCxnSpPr>
         <p:spPr>
@@ -13492,16 +11856,8 @@
       </p:cxnSp>
       <p:cxnSp>
         <p:nvCxnSpPr>
-          <p:cNvPr id="23" name="Connettore 1 22">
-            <a:extLst>
-              <a:ext uri="{FF2B5EF4-FFF2-40B4-BE49-F238E27FC236}">
-                <a16:creationId xmlns:a16="http://schemas.microsoft.com/office/drawing/2014/main" id="{FE519B8F-DD92-1141-834F-4B82A6718090}"/>
-              </a:ext>
-            </a:extLst>
-          </p:cNvPr>
-          <p:cNvCxnSpPr>
-            <a:cxnSpLocks/>
-          </p:cNvCxnSpPr>
+          <p:cNvPr id="23" name="Connettore 1 22"/>
+          <p:cNvCxnSpPr/>
           <p:nvPr/>
         </p:nvCxnSpPr>
         <p:spPr>
@@ -13530,16 +11886,8 @@
       </p:cxnSp>
       <p:cxnSp>
         <p:nvCxnSpPr>
-          <p:cNvPr id="27" name="Connettore 1 26">
-            <a:extLst>
-              <a:ext uri="{FF2B5EF4-FFF2-40B4-BE49-F238E27FC236}">
-                <a16:creationId xmlns:a16="http://schemas.microsoft.com/office/drawing/2014/main" id="{F985689B-46FC-4B4E-A941-5D5C6A7A2773}"/>
-              </a:ext>
-            </a:extLst>
-          </p:cNvPr>
-          <p:cNvCxnSpPr>
-            <a:cxnSpLocks/>
-          </p:cNvCxnSpPr>
+          <p:cNvPr id="27" name="Connettore 1 26"/>
+          <p:cNvCxnSpPr/>
           <p:nvPr/>
         </p:nvCxnSpPr>
         <p:spPr>
@@ -13568,13 +11916,7 @@
       </p:cxnSp>
       <p:sp>
         <p:nvSpPr>
-          <p:cNvPr id="29" name="CasellaDiTesto 28">
-            <a:extLst>
-              <a:ext uri="{FF2B5EF4-FFF2-40B4-BE49-F238E27FC236}">
-                <a16:creationId xmlns:a16="http://schemas.microsoft.com/office/drawing/2014/main" id="{A6E294E4-A41B-564C-91DA-922C7B3C9635}"/>
-              </a:ext>
-            </a:extLst>
-          </p:cNvPr>
+          <p:cNvPr id="29" name="CasellaDiTesto 28"/>
           <p:cNvSpPr txBox="1"/>
           <p:nvPr/>
         </p:nvSpPr>
@@ -13599,18 +11941,13 @@
               <a:rPr lang="en-GB" dirty="0"/>
               <a:t>Reporting</a:t>
             </a:r>
-          </a:p>
-        </p:txBody>
-      </p:sp>
-      <p:sp>
-        <p:nvSpPr>
-          <p:cNvPr id="31" name="CasellaDiTesto 30">
-            <a:extLst>
-              <a:ext uri="{FF2B5EF4-FFF2-40B4-BE49-F238E27FC236}">
-                <a16:creationId xmlns:a16="http://schemas.microsoft.com/office/drawing/2014/main" id="{31794250-F313-6340-8834-60A556F4F14B}"/>
-              </a:ext>
-            </a:extLst>
-          </p:cNvPr>
+            <a:endParaRPr lang="en-GB" dirty="0"/>
+          </a:p>
+        </p:txBody>
+      </p:sp>
+      <p:sp>
+        <p:nvSpPr>
+          <p:cNvPr id="31" name="CasellaDiTesto 30"/>
           <p:cNvSpPr txBox="1"/>
           <p:nvPr/>
         </p:nvSpPr>
@@ -13635,18 +11972,13 @@
               <a:rPr lang="en-GB" dirty="0"/>
               <a:t>Evolution</a:t>
             </a:r>
-          </a:p>
-        </p:txBody>
-      </p:sp>
-      <p:sp>
-        <p:nvSpPr>
-          <p:cNvPr id="32" name="Rettangolo con angoli arrotondati 31">
-            <a:extLst>
-              <a:ext uri="{FF2B5EF4-FFF2-40B4-BE49-F238E27FC236}">
-                <a16:creationId xmlns:a16="http://schemas.microsoft.com/office/drawing/2014/main" id="{621E966F-3589-824E-AFF2-A4279C1678F6}"/>
-              </a:ext>
-            </a:extLst>
-          </p:cNvPr>
+            <a:endParaRPr lang="en-GB" dirty="0"/>
+          </a:p>
+        </p:txBody>
+      </p:sp>
+      <p:sp>
+        <p:nvSpPr>
+          <p:cNvPr id="32" name="Rettangolo con angoli arrotondati 31"/>
           <p:cNvSpPr/>
           <p:nvPr/>
         </p:nvSpPr>
@@ -13695,13 +12027,7 @@
       </p:sp>
       <p:sp>
         <p:nvSpPr>
-          <p:cNvPr id="33" name="Rettangolo con angoli arrotondati 32">
-            <a:extLst>
-              <a:ext uri="{FF2B5EF4-FFF2-40B4-BE49-F238E27FC236}">
-                <a16:creationId xmlns:a16="http://schemas.microsoft.com/office/drawing/2014/main" id="{EF5010BB-40D9-8441-85E7-92C2F06DB0DB}"/>
-              </a:ext>
-            </a:extLst>
-          </p:cNvPr>
+          <p:cNvPr id="33" name="Rettangolo con angoli arrotondati 32"/>
           <p:cNvSpPr/>
           <p:nvPr/>
         </p:nvSpPr>
@@ -13750,13 +12076,7 @@
       </p:sp>
       <p:sp>
         <p:nvSpPr>
-          <p:cNvPr id="34" name="Rettangolo con angoli arrotondati 33">
-            <a:extLst>
-              <a:ext uri="{FF2B5EF4-FFF2-40B4-BE49-F238E27FC236}">
-                <a16:creationId xmlns:a16="http://schemas.microsoft.com/office/drawing/2014/main" id="{2DA28954-3EA8-D046-9CA3-770B97DEDC04}"/>
-              </a:ext>
-            </a:extLst>
-          </p:cNvPr>
+          <p:cNvPr id="34" name="Rettangolo con angoli arrotondati 33"/>
           <p:cNvSpPr/>
           <p:nvPr/>
         </p:nvSpPr>
@@ -13805,13 +12125,7 @@
       </p:sp>
       <p:sp>
         <p:nvSpPr>
-          <p:cNvPr id="35" name="Rettangolo con angoli arrotondati 34">
-            <a:extLst>
-              <a:ext uri="{FF2B5EF4-FFF2-40B4-BE49-F238E27FC236}">
-                <a16:creationId xmlns:a16="http://schemas.microsoft.com/office/drawing/2014/main" id="{DA498EF2-8DDB-A240-AE15-E86089432014}"/>
-              </a:ext>
-            </a:extLst>
-          </p:cNvPr>
+          <p:cNvPr id="35" name="Rettangolo con angoli arrotondati 34"/>
           <p:cNvSpPr/>
           <p:nvPr/>
         </p:nvSpPr>
@@ -13860,13 +12174,7 @@
       </p:sp>
       <p:sp>
         <p:nvSpPr>
-          <p:cNvPr id="36" name="Rettangolo con angoli arrotondati 35">
-            <a:extLst>
-              <a:ext uri="{FF2B5EF4-FFF2-40B4-BE49-F238E27FC236}">
-                <a16:creationId xmlns:a16="http://schemas.microsoft.com/office/drawing/2014/main" id="{35C9E54F-BCA3-1A4F-8FA9-5AB204D938AD}"/>
-              </a:ext>
-            </a:extLst>
-          </p:cNvPr>
+          <p:cNvPr id="36" name="Rettangolo con angoli arrotondati 35"/>
           <p:cNvSpPr/>
           <p:nvPr/>
         </p:nvSpPr>
@@ -13915,13 +12223,7 @@
       </p:sp>
       <p:sp>
         <p:nvSpPr>
-          <p:cNvPr id="57" name="Segnaposto contenuto 2">
-            <a:extLst>
-              <a:ext uri="{FF2B5EF4-FFF2-40B4-BE49-F238E27FC236}">
-                <a16:creationId xmlns:a16="http://schemas.microsoft.com/office/drawing/2014/main" id="{1DA3C245-DC83-C34C-9FD6-EA68065D67FC}"/>
-              </a:ext>
-            </a:extLst>
-          </p:cNvPr>
+          <p:cNvPr id="57" name="Segnaposto contenuto 2"/>
           <p:cNvSpPr>
             <a:spLocks noGrp="1"/>
           </p:cNvSpPr>
@@ -14036,18 +12338,13 @@
               <a:rPr lang="en-US" sz="2400" dirty="0"/>
               <a:t> </a:t>
             </a:r>
-          </a:p>
-        </p:txBody>
-      </p:sp>
-      <p:sp>
-        <p:nvSpPr>
-          <p:cNvPr id="58" name="CasellaDiTesto 57">
-            <a:extLst>
-              <a:ext uri="{FF2B5EF4-FFF2-40B4-BE49-F238E27FC236}">
-                <a16:creationId xmlns:a16="http://schemas.microsoft.com/office/drawing/2014/main" id="{0A56E5F1-5C09-3846-80D9-1D6057A2F4C0}"/>
-              </a:ext>
-            </a:extLst>
-          </p:cNvPr>
+            <a:endParaRPr lang="en-US" sz="2400" dirty="0"/>
+          </a:p>
+        </p:txBody>
+      </p:sp>
+      <p:sp>
+        <p:nvSpPr>
+          <p:cNvPr id="58" name="CasellaDiTesto 57"/>
           <p:cNvSpPr txBox="1"/>
           <p:nvPr/>
         </p:nvSpPr>
@@ -14071,6 +12368,7 @@
               <a:rPr lang="en-GB" sz="2200" dirty="0"/>
               <a:t>1</a:t>
             </a:r>
+            <a:endParaRPr lang="en-GB" sz="2200" dirty="0"/>
           </a:p>
           <a:p>
             <a:endParaRPr lang="en-GB" sz="2200" dirty="0"/>
@@ -14080,6 +12378,7 @@
               <a:rPr lang="en-GB" sz="2200" dirty="0"/>
               <a:t>2</a:t>
             </a:r>
+            <a:endParaRPr lang="en-GB" sz="2200" dirty="0"/>
           </a:p>
           <a:p>
             <a:endParaRPr lang="en-GB" sz="2200" dirty="0"/>
@@ -14089,18 +12388,13 @@
               <a:rPr lang="en-GB" sz="2200" dirty="0"/>
               <a:t>3</a:t>
             </a:r>
-          </a:p>
-        </p:txBody>
-      </p:sp>
-      <p:sp>
-        <p:nvSpPr>
-          <p:cNvPr id="59" name="CasellaDiTesto 58">
-            <a:extLst>
-              <a:ext uri="{FF2B5EF4-FFF2-40B4-BE49-F238E27FC236}">
-                <a16:creationId xmlns:a16="http://schemas.microsoft.com/office/drawing/2014/main" id="{24473D9D-0A0C-D843-9BBE-4846D8B0EF1B}"/>
-              </a:ext>
-            </a:extLst>
-          </p:cNvPr>
+            <a:endParaRPr lang="en-GB" sz="2200" dirty="0"/>
+          </a:p>
+        </p:txBody>
+      </p:sp>
+      <p:sp>
+        <p:nvSpPr>
+          <p:cNvPr id="59" name="CasellaDiTesto 58"/>
           <p:cNvSpPr txBox="1"/>
           <p:nvPr/>
         </p:nvSpPr>
@@ -14124,6 +12418,7 @@
               <a:rPr lang="en-GB" sz="2200" dirty="0"/>
               <a:t>4</a:t>
             </a:r>
+            <a:endParaRPr lang="en-GB" sz="2200" dirty="0"/>
           </a:p>
           <a:p>
             <a:endParaRPr lang="en-GB" sz="2200" dirty="0"/>
@@ -14133,28 +12428,23 @@
               <a:rPr lang="en-GB" sz="2200" dirty="0"/>
               <a:t>5</a:t>
             </a:r>
+            <a:endParaRPr lang="en-GB" sz="2200" dirty="0"/>
           </a:p>
         </p:txBody>
       </p:sp>
       <p:pic>
         <p:nvPicPr>
-          <p:cNvPr id="62" name="Elemento grafico 61" descr="Aggiorna contorno">
-            <a:extLst>
-              <a:ext uri="{FF2B5EF4-FFF2-40B4-BE49-F238E27FC236}">
-                <a16:creationId xmlns:a16="http://schemas.microsoft.com/office/drawing/2014/main" id="{EC22DB1A-A9E6-5D43-A2A6-6D387DA28FA4}"/>
-              </a:ext>
-            </a:extLst>
-          </p:cNvPr>
+          <p:cNvPr id="62" name="Elemento grafico 61" descr="Aggiorna contorno"/>
           <p:cNvPicPr>
             <a:picLocks noChangeAspect="1"/>
           </p:cNvPicPr>
           <p:nvPr/>
         </p:nvPicPr>
         <p:blipFill>
-          <a:blip r:embed="rId3">
+          <a:blip r:embed="rId1">
             <a:extLst>
               <a:ext uri="{96DAC541-7B7A-43D3-8B79-37D633B846F1}">
-                <asvg:svgBlip xmlns:asvg="http://schemas.microsoft.com/office/drawing/2016/SVG/main" r:embed="rId4"/>
+                <asvg:svgBlip xmlns:asvg="http://schemas.microsoft.com/office/drawing/2016/SVG/main" r:embed="rId2"/>
               </a:ext>
             </a:extLst>
           </a:blip>
@@ -14174,13 +12464,7 @@
       </p:pic>
       <p:sp>
         <p:nvSpPr>
-          <p:cNvPr id="63" name="CasellaDiTesto 62">
-            <a:extLst>
-              <a:ext uri="{FF2B5EF4-FFF2-40B4-BE49-F238E27FC236}">
-                <a16:creationId xmlns:a16="http://schemas.microsoft.com/office/drawing/2014/main" id="{C17E98D0-3CAC-314E-8879-C4B7BE5E5CCE}"/>
-              </a:ext>
-            </a:extLst>
-          </p:cNvPr>
+          <p:cNvPr id="63" name="CasellaDiTesto 62"/>
           <p:cNvSpPr txBox="1"/>
           <p:nvPr/>
         </p:nvSpPr>
@@ -14212,11 +12496,6 @@
         </p:txBody>
       </p:sp>
     </p:spTree>
-    <p:extLst>
-      <p:ext uri="{BB962C8B-B14F-4D97-AF65-F5344CB8AC3E}">
-        <p14:creationId xmlns:p14="http://schemas.microsoft.com/office/powerpoint/2010/main" val="2268665770"/>
-      </p:ext>
-    </p:extLst>
   </p:cSld>
   <p:clrMapOvr>
     <a:masterClrMapping/>
@@ -14251,26 +12530,11 @@
       </p:grpSpPr>
       <p:sp>
         <p:nvSpPr>
-          <p:cNvPr id="12" name="Down Arrow 7">
-            <a:extLst>
-              <a:ext uri="{FF2B5EF4-FFF2-40B4-BE49-F238E27FC236}">
-                <a16:creationId xmlns:a16="http://schemas.microsoft.com/office/drawing/2014/main" id="{D4771268-CB57-404A-9271-370EB28F6090}"/>
-              </a:ext>
-              <a:ext uri="{C183D7F6-B498-43B3-948B-1728B52AA6E4}">
-                <adec:decorative xmlns:adec="http://schemas.microsoft.com/office/drawing/2017/decorative" val="1"/>
-              </a:ext>
-            </a:extLst>
-          </p:cNvPr>
+          <p:cNvPr id="12" name="Down Arrow 7"/>
           <p:cNvSpPr>
             <a:spLocks noGrp="1" noRot="1" noChangeAspect="1" noMove="1" noResize="1" noEditPoints="1" noAdjustHandles="1" noChangeArrowheads="1" noChangeShapeType="1" noTextEdit="1"/>
           </p:cNvSpPr>
-          <p:nvPr>
-            <p:extLst>
-              <p:ext uri="{386F3935-93C4-4BCD-93E2-E3B085C9AB24}">
-                <p16:designElem xmlns:p16="http://schemas.microsoft.com/office/powerpoint/2015/main" val="1"/>
-              </p:ext>
-            </p:extLst>
-          </p:nvPr>
+          <p:nvPr/>
         </p:nvSpPr>
         <p:spPr>
           <a:xfrm rot="16200000">
@@ -14317,13 +12581,7 @@
       </p:sp>
       <p:sp>
         <p:nvSpPr>
-          <p:cNvPr id="2" name="Titolo 1">
-            <a:extLst>
-              <a:ext uri="{FF2B5EF4-FFF2-40B4-BE49-F238E27FC236}">
-                <a16:creationId xmlns:a16="http://schemas.microsoft.com/office/drawing/2014/main" id="{835EB8ED-8F83-6A49-9995-DBF1ACE1548D}"/>
-              </a:ext>
-            </a:extLst>
-          </p:cNvPr>
+          <p:cNvPr id="2" name="Titolo 1"/>
           <p:cNvSpPr>
             <a:spLocks noGrp="1"/>
           </p:cNvSpPr>
@@ -14356,6 +12614,14 @@
               </a:rPr>
               <a:t>Particles Simulation: output preview</a:t>
             </a:r>
+            <a:endParaRPr lang="en-US" sz="3600" kern="1200">
+              <a:solidFill>
+                <a:srgbClr val="FFFFFF"/>
+              </a:solidFill>
+              <a:latin typeface="+mj-lt"/>
+              <a:ea typeface="+mj-ea"/>
+              <a:cs typeface="+mj-cs"/>
+            </a:endParaRPr>
           </a:p>
         </p:txBody>
       </p:sp>
@@ -14363,29 +12629,26 @@
         <p:nvPicPr>
           <p:cNvPr id="7" name="stage.mp4" descr="stage.mp4">
             <a:hlinkClick r:id="" action="ppaction://media"/>
-            <a:extLst>
-              <a:ext uri="{FF2B5EF4-FFF2-40B4-BE49-F238E27FC236}">
-                <a16:creationId xmlns:a16="http://schemas.microsoft.com/office/drawing/2014/main" id="{80EB25CE-74A1-D041-9106-D7D69EB3E21E}"/>
-              </a:ext>
-            </a:extLst>
           </p:cNvPr>
           <p:cNvPicPr>
             <a:picLocks noGrp="1" noChangeAspect="1"/>
           </p:cNvPicPr>
           <p:nvPr>
             <p:ph idx="1"/>
-            <a:videoFile r:link="rId2"/>
+            <a:videoFile r:link="rId1"/>
             <p:extLst>
               <p:ext uri="{DAA4B4D4-6D71-4841-9C94-3DE7FCFB9230}">
-                <p14:media xmlns:p14="http://schemas.microsoft.com/office/powerpoint/2010/main" r:embed="rId1"/>
+                <p14:media xmlns:p14="http://schemas.microsoft.com/office/powerpoint/2010/main" r:embed="rId2"/>
               </p:ext>
             </p:extLst>
           </p:nvPr>
         </p:nvPicPr>
         <p:blipFill rotWithShape="1">
-          <a:blip r:embed="rId5"/>
+          <a:blip r:embed="rId3"/>
           <a:srcRect l="7902" t="8322" r="8496" b="13379"/>
-          <a:stretch/>
+          <a:stretch>
+            <a:fillRect/>
+          </a:stretch>
         </p:blipFill>
         <p:spPr>
           <a:xfrm>
@@ -14398,11 +12661,6 @@
         </p:spPr>
       </p:pic>
     </p:spTree>
-    <p:extLst>
-      <p:ext uri="{BB962C8B-B14F-4D97-AF65-F5344CB8AC3E}">
-        <p14:creationId xmlns:p14="http://schemas.microsoft.com/office/powerpoint/2010/main" val="2510657863"/>
-      </p:ext>
-    </p:extLst>
   </p:cSld>
   <p:clrMapOvr>
     <a:masterClrMapping/>
@@ -14564,13 +12822,7 @@
       </p:grpSpPr>
       <p:sp>
         <p:nvSpPr>
-          <p:cNvPr id="2" name="Titolo 1">
-            <a:extLst>
-              <a:ext uri="{FF2B5EF4-FFF2-40B4-BE49-F238E27FC236}">
-                <a16:creationId xmlns:a16="http://schemas.microsoft.com/office/drawing/2014/main" id="{1F44E06D-7101-2644-844A-95EA9004E599}"/>
-              </a:ext>
-            </a:extLst>
-          </p:cNvPr>
+          <p:cNvPr id="2" name="Titolo 1"/>
           <p:cNvSpPr>
             <a:spLocks noGrp="1"/>
           </p:cNvSpPr>
@@ -14617,13 +12869,7 @@
       </p:sp>
       <p:sp>
         <p:nvSpPr>
-          <p:cNvPr id="3" name="Segnaposto contenuto 2">
-            <a:extLst>
-              <a:ext uri="{FF2B5EF4-FFF2-40B4-BE49-F238E27FC236}">
-                <a16:creationId xmlns:a16="http://schemas.microsoft.com/office/drawing/2014/main" id="{C4A50D78-DCAA-CE40-99F1-3D366AA562ED}"/>
-              </a:ext>
-            </a:extLst>
-          </p:cNvPr>
+          <p:cNvPr id="3" name="Segnaposto contenuto 2"/>
           <p:cNvSpPr>
             <a:spLocks noGrp="1"/>
           </p:cNvSpPr>
@@ -14730,6 +12976,7 @@
               <a:rPr lang="en-US" sz="2400" dirty="0"/>
               <a:t>   </a:t>
             </a:r>
+            <a:endParaRPr lang="en-US" sz="2400" dirty="0"/>
           </a:p>
           <a:p>
             <a:pPr marL="457200" lvl="1" indent="0">
@@ -14741,13 +12988,7 @@
       </p:sp>
       <p:sp>
         <p:nvSpPr>
-          <p:cNvPr id="4" name="Rettangolo con angoli arrotondati 3">
-            <a:extLst>
-              <a:ext uri="{FF2B5EF4-FFF2-40B4-BE49-F238E27FC236}">
-                <a16:creationId xmlns:a16="http://schemas.microsoft.com/office/drawing/2014/main" id="{6C74F786-3AF7-D24B-8192-4697AE48A6F6}"/>
-              </a:ext>
-            </a:extLst>
-          </p:cNvPr>
+          <p:cNvPr id="4" name="Rettangolo con angoli arrotondati 3"/>
           <p:cNvSpPr/>
           <p:nvPr/>
         </p:nvSpPr>
@@ -14783,18 +13024,13 @@
               <a:rPr lang="en-GB" dirty="0"/>
               <a:t>HARDWARE USATO </a:t>
             </a:r>
-          </a:p>
-        </p:txBody>
-      </p:sp>
-      <p:sp>
-        <p:nvSpPr>
-          <p:cNvPr id="5" name="Rettangolo con angoli arrotondati 4">
-            <a:extLst>
-              <a:ext uri="{FF2B5EF4-FFF2-40B4-BE49-F238E27FC236}">
-                <a16:creationId xmlns:a16="http://schemas.microsoft.com/office/drawing/2014/main" id="{3160EB98-A43C-2A4F-993C-69976B419DC5}"/>
-              </a:ext>
-            </a:extLst>
-          </p:cNvPr>
+            <a:endParaRPr lang="en-GB" dirty="0"/>
+          </a:p>
+        </p:txBody>
+      </p:sp>
+      <p:sp>
+        <p:nvSpPr>
+          <p:cNvPr id="5" name="Rettangolo con angoli arrotondati 4"/>
           <p:cNvSpPr/>
           <p:nvPr/>
         </p:nvSpPr>
@@ -14827,9 +13063,22 @@
           <a:p>
             <a:pPr algn="ctr"/>
             <a:r>
+              <a:rPr lang="en-US" altLang="en-GB" dirty="0"/>
+              <a:t>AMD RYZEN 5950 </a:t>
+            </a:r>
+            <a:endParaRPr lang="en-US" altLang="en-GB" dirty="0"/>
+          </a:p>
+          <a:p>
+            <a:pPr algn="ctr"/>
+            <a:r>
               <a:rPr lang="en-GB" dirty="0"/>
               <a:t>16 core</a:t>
             </a:r>
+            <a:r>
+              <a:rPr lang="en-US" altLang="en-GB" dirty="0"/>
+              <a:t> - 32 threads</a:t>
+            </a:r>
+            <a:endParaRPr lang="en-GB" dirty="0"/>
           </a:p>
           <a:p>
             <a:pPr algn="ctr"/>
@@ -14837,18 +13086,29 @@
               <a:rPr lang="en-GB" dirty="0"/>
               <a:t>32 GB RAM</a:t>
             </a:r>
-          </a:p>
-        </p:txBody>
-      </p:sp>
-      <p:sp>
-        <p:nvSpPr>
-          <p:cNvPr id="6" name="CasellaDiTesto 5">
-            <a:extLst>
-              <a:ext uri="{FF2B5EF4-FFF2-40B4-BE49-F238E27FC236}">
-                <a16:creationId xmlns:a16="http://schemas.microsoft.com/office/drawing/2014/main" id="{FE9C696D-0043-B84B-AC05-7DE26514D580}"/>
-              </a:ext>
-            </a:extLst>
-          </p:cNvPr>
+            <a:endParaRPr lang="en-GB" dirty="0"/>
+          </a:p>
+          <a:p>
+            <a:pPr algn="ctr"/>
+            <a:r>
+              <a:rPr lang="en-US" altLang="en-GB" dirty="0"/>
+              <a:t>NVIDIA A4000 </a:t>
+            </a:r>
+            <a:endParaRPr lang="en-US" altLang="en-GB" dirty="0"/>
+          </a:p>
+          <a:p>
+            <a:pPr algn="ctr"/>
+            <a:r>
+              <a:rPr lang="en-US" altLang="en-GB" dirty="0"/>
+              <a:t>16 GB VRAM</a:t>
+            </a:r>
+            <a:endParaRPr lang="en-US" altLang="en-GB" dirty="0"/>
+          </a:p>
+        </p:txBody>
+      </p:sp>
+      <p:sp>
+        <p:nvSpPr>
+          <p:cNvPr id="6" name="CasellaDiTesto 5"/>
           <p:cNvSpPr txBox="1"/>
           <p:nvPr/>
         </p:nvSpPr>
@@ -14872,18 +13132,13 @@
               <a:rPr lang="en-GB" dirty="0"/>
               <a:t>-- subsample on 10 iterations particle dynamics --</a:t>
             </a:r>
-          </a:p>
-        </p:txBody>
-      </p:sp>
-      <p:sp>
-        <p:nvSpPr>
-          <p:cNvPr id="7" name="CasellaDiTesto 6">
-            <a:extLst>
-              <a:ext uri="{FF2B5EF4-FFF2-40B4-BE49-F238E27FC236}">
-                <a16:creationId xmlns:a16="http://schemas.microsoft.com/office/drawing/2014/main" id="{F8C2BB30-CC11-0147-A0DC-3312D03B27F4}"/>
-              </a:ext>
-            </a:extLst>
-          </p:cNvPr>
+            <a:endParaRPr lang="en-GB" dirty="0"/>
+          </a:p>
+        </p:txBody>
+      </p:sp>
+      <p:sp>
+        <p:nvSpPr>
+          <p:cNvPr id="7" name="CasellaDiTesto 6"/>
           <p:cNvSpPr txBox="1"/>
           <p:nvPr/>
         </p:nvSpPr>
@@ -14907,12 +13162,14 @@
               <a:rPr lang="en-GB" sz="1100" dirty="0"/>
               <a:t> %   cumulative   self              self     total           </a:t>
             </a:r>
+            <a:endParaRPr lang="en-GB" sz="1100" dirty="0"/>
           </a:p>
           <a:p>
             <a:r>
               <a:rPr lang="en-GB" sz="1100" dirty="0"/>
               <a:t> time   seconds   seconds    calls   s/call   s/call  name    </a:t>
             </a:r>
+            <a:endParaRPr lang="en-GB" sz="1100" dirty="0"/>
           </a:p>
           <a:p>
             <a:r>
@@ -15023,6 +13280,7 @@
               <a:rPr lang="en-GB" sz="1100" dirty="0"/>
               <a:t>  0.31     84.94     0.26       10     0.03     0.03  IntVal2ppm</a:t>
             </a:r>
+            <a:endParaRPr lang="en-GB" sz="1100" dirty="0"/>
           </a:p>
           <a:p>
             <a:r>
@@ -15150,6 +13408,7 @@
               <a:rPr lang="en-GB" sz="1100" dirty="0"/>
               <a:t>  0.00     85.18     0.00        2     0.00     0.00  print_i2dGrid</a:t>
             </a:r>
+            <a:endParaRPr lang="en-GB" sz="1100" dirty="0"/>
           </a:p>
           <a:p>
             <a:r>
@@ -15177,16 +13436,8 @@
       </p:sp>
       <p:sp>
         <p:nvSpPr>
-          <p:cNvPr id="8" name="Segnaposto contenuto 2">
-            <a:extLst>
-              <a:ext uri="{FF2B5EF4-FFF2-40B4-BE49-F238E27FC236}">
-                <a16:creationId xmlns:a16="http://schemas.microsoft.com/office/drawing/2014/main" id="{79E87BCA-5077-BC41-B42E-29374A77F4DD}"/>
-              </a:ext>
-            </a:extLst>
-          </p:cNvPr>
-          <p:cNvSpPr txBox="1">
-            <a:spLocks/>
-          </p:cNvSpPr>
+          <p:cNvPr id="8" name="Segnaposto contenuto 2"/>
+          <p:cNvSpPr txBox="1"/>
           <p:nvPr/>
         </p:nvSpPr>
         <p:spPr>
@@ -15215,7 +13466,7 @@
               <a:spcBef>
                 <a:spcPts val="1000"/>
               </a:spcBef>
-              <a:buFont typeface="Arial" panose="020B0604020202020204" pitchFamily="34" charset="0"/>
+              <a:buFont typeface="Arial" panose="02080604020202020204" pitchFamily="34" charset="0"/>
               <a:buChar char="•"/>
               <a:defRPr sz="2800" kern="1200">
                 <a:solidFill>
@@ -15233,7 +13484,7 @@
               <a:spcBef>
                 <a:spcPts val="500"/>
               </a:spcBef>
-              <a:buFont typeface="Arial" panose="020B0604020202020204" pitchFamily="34" charset="0"/>
+              <a:buFont typeface="Arial" panose="02080604020202020204" pitchFamily="34" charset="0"/>
               <a:buChar char="•"/>
               <a:defRPr sz="2400" kern="1200">
                 <a:solidFill>
@@ -15251,7 +13502,7 @@
               <a:spcBef>
                 <a:spcPts val="500"/>
               </a:spcBef>
-              <a:buFont typeface="Arial" panose="020B0604020202020204" pitchFamily="34" charset="0"/>
+              <a:buFont typeface="Arial" panose="02080604020202020204" pitchFamily="34" charset="0"/>
               <a:buChar char="•"/>
               <a:defRPr sz="2000" kern="1200">
                 <a:solidFill>
@@ -15269,7 +13520,7 @@
               <a:spcBef>
                 <a:spcPts val="500"/>
               </a:spcBef>
-              <a:buFont typeface="Arial" panose="020B0604020202020204" pitchFamily="34" charset="0"/>
+              <a:buFont typeface="Arial" panose="02080604020202020204" pitchFamily="34" charset="0"/>
               <a:buChar char="•"/>
               <a:defRPr sz="1800" kern="1200">
                 <a:solidFill>
@@ -15287,7 +13538,7 @@
               <a:spcBef>
                 <a:spcPts val="500"/>
               </a:spcBef>
-              <a:buFont typeface="Arial" panose="020B0604020202020204" pitchFamily="34" charset="0"/>
+              <a:buFont typeface="Arial" panose="02080604020202020204" pitchFamily="34" charset="0"/>
               <a:buChar char="•"/>
               <a:defRPr sz="1800" kern="1200">
                 <a:solidFill>
@@ -15305,7 +13556,7 @@
               <a:spcBef>
                 <a:spcPts val="500"/>
               </a:spcBef>
-              <a:buFont typeface="Arial" panose="020B0604020202020204" pitchFamily="34" charset="0"/>
+              <a:buFont typeface="Arial" panose="02080604020202020204" pitchFamily="34" charset="0"/>
               <a:buChar char="•"/>
               <a:defRPr sz="1800" kern="1200">
                 <a:solidFill>
@@ -15323,7 +13574,7 @@
               <a:spcBef>
                 <a:spcPts val="500"/>
               </a:spcBef>
-              <a:buFont typeface="Arial" panose="020B0604020202020204" pitchFamily="34" charset="0"/>
+              <a:buFont typeface="Arial" panose="02080604020202020204" pitchFamily="34" charset="0"/>
               <a:buChar char="•"/>
               <a:defRPr sz="1800" kern="1200">
                 <a:solidFill>
@@ -15341,7 +13592,7 @@
               <a:spcBef>
                 <a:spcPts val="500"/>
               </a:spcBef>
-              <a:buFont typeface="Arial" panose="020B0604020202020204" pitchFamily="34" charset="0"/>
+              <a:buFont typeface="Arial" panose="02080604020202020204" pitchFamily="34" charset="0"/>
               <a:buChar char="•"/>
               <a:defRPr sz="1800" kern="1200">
                 <a:solidFill>
@@ -15359,7 +13610,7 @@
               <a:spcBef>
                 <a:spcPts val="500"/>
               </a:spcBef>
-              <a:buFont typeface="Arial" panose="020B0604020202020204" pitchFamily="34" charset="0"/>
+              <a:buFont typeface="Arial" panose="02080604020202020204" pitchFamily="34" charset="0"/>
               <a:buChar char="•"/>
               <a:defRPr sz="1800" kern="1200">
                 <a:solidFill>
@@ -15379,18 +13630,13 @@
               <a:rPr lang="en-US" sz="2000" i="1" dirty="0"/>
               <a:t>Total time 107s (media di 10 test)</a:t>
             </a:r>
-          </a:p>
-        </p:txBody>
-      </p:sp>
-      <p:sp>
-        <p:nvSpPr>
-          <p:cNvPr id="9" name="CasellaDiTesto 8">
-            <a:extLst>
-              <a:ext uri="{FF2B5EF4-FFF2-40B4-BE49-F238E27FC236}">
-                <a16:creationId xmlns:a16="http://schemas.microsoft.com/office/drawing/2014/main" id="{C943BC3A-22EE-F444-9F44-CD9D0D27B4DE}"/>
-              </a:ext>
-            </a:extLst>
-          </p:cNvPr>
+            <a:endParaRPr lang="en-US" sz="2000" i="1" dirty="0"/>
+          </a:p>
+        </p:txBody>
+      </p:sp>
+      <p:sp>
+        <p:nvSpPr>
+          <p:cNvPr id="9" name="CasellaDiTesto 8"/>
           <p:cNvSpPr txBox="1"/>
           <p:nvPr/>
         </p:nvSpPr>
@@ -15414,6 +13660,7 @@
               <a:rPr lang="en-GB" dirty="0"/>
               <a:t>Once summed up, these alone represent</a:t>
             </a:r>
+            <a:endParaRPr lang="en-GB" dirty="0"/>
           </a:p>
           <a:p>
             <a:r>
@@ -15424,21 +13671,18 @@
               </a:rPr>
               <a:t>98,25% of CPU time</a:t>
             </a:r>
+            <a:endParaRPr lang="en-GB" dirty="0">
+              <a:highlight>
+                <a:srgbClr val="FFFF00"/>
+              </a:highlight>
+            </a:endParaRPr>
           </a:p>
         </p:txBody>
       </p:sp>
       <p:cxnSp>
         <p:nvCxnSpPr>
-          <p:cNvPr id="11" name="Connettore 2 10">
-            <a:extLst>
-              <a:ext uri="{FF2B5EF4-FFF2-40B4-BE49-F238E27FC236}">
-                <a16:creationId xmlns:a16="http://schemas.microsoft.com/office/drawing/2014/main" id="{96CCDB60-A8BD-454D-A220-EBFA55BD7693}"/>
-              </a:ext>
-            </a:extLst>
-          </p:cNvPr>
-          <p:cNvCxnSpPr>
-            <a:cxnSpLocks/>
-          </p:cNvCxnSpPr>
+          <p:cNvPr id="11" name="Connettore 2 10"/>
+          <p:cNvCxnSpPr/>
           <p:nvPr/>
         </p:nvCxnSpPr>
         <p:spPr>
@@ -15470,16 +13714,8 @@
       </p:cxnSp>
       <p:cxnSp>
         <p:nvCxnSpPr>
-          <p:cNvPr id="13" name="Connettore 2 12">
-            <a:extLst>
-              <a:ext uri="{FF2B5EF4-FFF2-40B4-BE49-F238E27FC236}">
-                <a16:creationId xmlns:a16="http://schemas.microsoft.com/office/drawing/2014/main" id="{DEE8F3A0-9ABC-5B41-B163-86320BBA82B0}"/>
-              </a:ext>
-            </a:extLst>
-          </p:cNvPr>
-          <p:cNvCxnSpPr>
-            <a:cxnSpLocks/>
-          </p:cNvCxnSpPr>
+          <p:cNvPr id="13" name="Connettore 2 12"/>
+          <p:cNvCxnSpPr/>
           <p:nvPr/>
         </p:nvCxnSpPr>
         <p:spPr>
@@ -15511,16 +13747,8 @@
       </p:cxnSp>
       <p:cxnSp>
         <p:nvCxnSpPr>
-          <p:cNvPr id="16" name="Connettore 2 15">
-            <a:extLst>
-              <a:ext uri="{FF2B5EF4-FFF2-40B4-BE49-F238E27FC236}">
-                <a16:creationId xmlns:a16="http://schemas.microsoft.com/office/drawing/2014/main" id="{E0B4D4AD-CF4F-1843-839D-CE9E3E6F6660}"/>
-              </a:ext>
-            </a:extLst>
-          </p:cNvPr>
-          <p:cNvCxnSpPr>
-            <a:cxnSpLocks/>
-          </p:cNvCxnSpPr>
+          <p:cNvPr id="16" name="Connettore 2 15"/>
+          <p:cNvCxnSpPr/>
           <p:nvPr/>
         </p:nvCxnSpPr>
         <p:spPr>
@@ -15552,13 +13780,7 @@
       </p:cxnSp>
       <p:sp>
         <p:nvSpPr>
-          <p:cNvPr id="31" name="CasellaDiTesto 30">
-            <a:extLst>
-              <a:ext uri="{FF2B5EF4-FFF2-40B4-BE49-F238E27FC236}">
-                <a16:creationId xmlns:a16="http://schemas.microsoft.com/office/drawing/2014/main" id="{C1DCA7B7-73F0-6845-BA94-E3462CF7CD62}"/>
-              </a:ext>
-            </a:extLst>
-          </p:cNvPr>
+          <p:cNvPr id="31" name="CasellaDiTesto 30"/>
           <p:cNvSpPr txBox="1"/>
           <p:nvPr/>
         </p:nvSpPr>
@@ -15586,21 +13808,14 @@
               <a:rPr lang="en-GB" u="sng" dirty="0"/>
               <a:t> doesn’t account for time spent in I/O ( ~ 60% of total time) </a:t>
             </a:r>
+            <a:endParaRPr lang="en-GB" u="sng" dirty="0"/>
           </a:p>
         </p:txBody>
       </p:sp>
       <p:cxnSp>
         <p:nvCxnSpPr>
-          <p:cNvPr id="34" name="Connettore 4 33">
-            <a:extLst>
-              <a:ext uri="{FF2B5EF4-FFF2-40B4-BE49-F238E27FC236}">
-                <a16:creationId xmlns:a16="http://schemas.microsoft.com/office/drawing/2014/main" id="{B6301265-C865-1E41-A56C-042DE4781CEC}"/>
-              </a:ext>
-            </a:extLst>
-          </p:cNvPr>
-          <p:cNvCxnSpPr>
-            <a:cxnSpLocks/>
-          </p:cNvCxnSpPr>
+          <p:cNvPr id="34" name="Connettore 4 33"/>
+          <p:cNvCxnSpPr/>
           <p:nvPr/>
         </p:nvCxnSpPr>
         <p:spPr>
@@ -15635,13 +13850,7 @@
       </p:cxnSp>
       <p:sp>
         <p:nvSpPr>
-          <p:cNvPr id="18" name="CasellaDiTesto 17">
-            <a:extLst>
-              <a:ext uri="{FF2B5EF4-FFF2-40B4-BE49-F238E27FC236}">
-                <a16:creationId xmlns:a16="http://schemas.microsoft.com/office/drawing/2014/main" id="{5DCFFC8A-CABE-A748-8343-4CF0AF0B7BF9}"/>
-              </a:ext>
-            </a:extLst>
-          </p:cNvPr>
+          <p:cNvPr id="18" name="CasellaDiTesto 17"/>
           <p:cNvSpPr txBox="1"/>
           <p:nvPr/>
         </p:nvSpPr>
@@ -15670,6 +13879,11 @@
               </a:rPr>
               <a:t>TODO</a:t>
             </a:r>
+            <a:endParaRPr lang="en-GB" dirty="0">
+              <a:solidFill>
+                <a:srgbClr val="FF0000"/>
+              </a:solidFill>
+            </a:endParaRPr>
           </a:p>
           <a:p>
             <a:pPr algn="ctr"/>
@@ -15681,6 +13895,11 @@
               </a:rPr>
               <a:t>RIFARE ANALISI GPROF SERIAL</a:t>
             </a:r>
+            <a:endParaRPr lang="en-GB" dirty="0">
+              <a:solidFill>
+                <a:srgbClr val="FF0000"/>
+              </a:solidFill>
+            </a:endParaRPr>
           </a:p>
           <a:p>
             <a:pPr algn="ctr"/>
@@ -15692,6 +13911,11 @@
               </a:rPr>
               <a:t>INSERIRE DETTAGLI MACCHINA USATA PER TEST</a:t>
             </a:r>
+            <a:endParaRPr lang="en-GB" dirty="0">
+              <a:solidFill>
+                <a:srgbClr val="FF0000"/>
+              </a:solidFill>
+            </a:endParaRPr>
           </a:p>
           <a:p>
             <a:pPr algn="ctr"/>
@@ -15703,15 +13927,15 @@
               </a:rPr>
               <a:t>CONTROLLARE NUMERI E PERCENTUALI</a:t>
             </a:r>
+            <a:endParaRPr lang="en-GB" dirty="0">
+              <a:solidFill>
+                <a:srgbClr val="FF0000"/>
+              </a:solidFill>
+            </a:endParaRPr>
           </a:p>
         </p:txBody>
       </p:sp>
     </p:spTree>
-    <p:extLst>
-      <p:ext uri="{BB962C8B-B14F-4D97-AF65-F5344CB8AC3E}">
-        <p14:creationId xmlns:p14="http://schemas.microsoft.com/office/powerpoint/2010/main" val="3472327148"/>
-      </p:ext>
-    </p:extLst>
   </p:cSld>
   <p:clrMapOvr>
     <a:masterClrMapping/>
@@ -15738,13 +13962,7 @@
       </p:grpSpPr>
       <p:sp>
         <p:nvSpPr>
-          <p:cNvPr id="2" name="Titolo 1">
-            <a:extLst>
-              <a:ext uri="{FF2B5EF4-FFF2-40B4-BE49-F238E27FC236}">
-                <a16:creationId xmlns:a16="http://schemas.microsoft.com/office/drawing/2014/main" id="{35592CAD-C2CD-3641-9AC1-502343055CC5}"/>
-              </a:ext>
-            </a:extLst>
-          </p:cNvPr>
+          <p:cNvPr id="2" name="Titolo 1"/>
           <p:cNvSpPr>
             <a:spLocks noGrp="1"/>
           </p:cNvSpPr>
@@ -15783,13 +14001,7 @@
       </p:sp>
       <p:sp>
         <p:nvSpPr>
-          <p:cNvPr id="8" name="CasellaDiTesto 7">
-            <a:extLst>
-              <a:ext uri="{FF2B5EF4-FFF2-40B4-BE49-F238E27FC236}">
-                <a16:creationId xmlns:a16="http://schemas.microsoft.com/office/drawing/2014/main" id="{8464E8DB-2A63-E941-BF54-CBF23AEEB7B5}"/>
-              </a:ext>
-            </a:extLst>
-          </p:cNvPr>
+          <p:cNvPr id="8" name="CasellaDiTesto 7"/>
           <p:cNvSpPr txBox="1"/>
           <p:nvPr/>
         </p:nvSpPr>
@@ -15849,6 +14061,12 @@
               </a:rPr>
               <a:t>; i &lt; pp-&gt;np; i++ ) {</a:t>
             </a:r>
+            <a:endParaRPr lang="it-IT" sz="1600" noProof="1">
+              <a:solidFill>
+                <a:srgbClr val="D4D4D4"/>
+              </a:solidFill>
+              <a:latin typeface="Menlo"/>
+            </a:endParaRPr>
           </a:p>
           <a:p>
             <a:r>
@@ -16049,6 +14267,12 @@
               </a:rPr>
               <a:t>[i]);</a:t>
             </a:r>
+            <a:endParaRPr lang="it-IT" sz="1600" noProof="1">
+              <a:solidFill>
+                <a:srgbClr val="D4D4D4"/>
+              </a:solidFill>
+              <a:latin typeface="Menlo"/>
+            </a:endParaRPr>
           </a:p>
           <a:p>
             <a:r>
@@ -16123,6 +14347,12 @@
               </a:rPr>
               <a:t>; j++ ) {</a:t>
             </a:r>
+            <a:endParaRPr lang="it-IT" sz="1600" noProof="1">
+              <a:solidFill>
+                <a:srgbClr val="D4D4D4"/>
+              </a:solidFill>
+              <a:latin typeface="Menlo"/>
+            </a:endParaRPr>
           </a:p>
           <a:p>
             <a:r>
@@ -16143,6 +14373,12 @@
               </a:rPr>
               <a:t> ( j != i ) {</a:t>
             </a:r>
+            <a:endParaRPr lang="it-IT" sz="1600" noProof="1">
+              <a:solidFill>
+                <a:srgbClr val="D4D4D4"/>
+              </a:solidFill>
+              <a:latin typeface="Menlo"/>
+            </a:endParaRPr>
           </a:p>
           <a:p>
             <a:r>
@@ -16343,6 +14579,12 @@
               </a:rPr>
               <a:t>[j]);</a:t>
             </a:r>
+            <a:endParaRPr lang="it-IT" sz="1600" noProof="1">
+              <a:solidFill>
+                <a:srgbClr val="D4D4D4"/>
+              </a:solidFill>
+              <a:latin typeface="Menlo"/>
+            </a:endParaRPr>
           </a:p>
           <a:p>
             <a:r>
@@ -16363,6 +14605,12 @@
               </a:rPr>
               <a:t>(f,p1,p2);</a:t>
             </a:r>
+            <a:endParaRPr lang="it-IT" sz="1600" noProof="1">
+              <a:solidFill>
+                <a:srgbClr val="D4D4D4"/>
+              </a:solidFill>
+              <a:latin typeface="Menlo"/>
+            </a:endParaRPr>
           </a:p>
           <a:p>
             <a:r>
@@ -16545,6 +14793,12 @@
               </a:rPr>
               <a:t>];</a:t>
             </a:r>
+            <a:endParaRPr lang="it-IT" sz="1600" noProof="1">
+              <a:solidFill>
+                <a:srgbClr val="D4D4D4"/>
+              </a:solidFill>
+              <a:latin typeface="Menlo"/>
+            </a:endParaRPr>
           </a:p>
           <a:p>
             <a:r>
@@ -16727,6 +14981,12 @@
               </a:rPr>
               <a:t>];</a:t>
             </a:r>
+            <a:endParaRPr lang="it-IT" sz="1600" noProof="1">
+              <a:solidFill>
+                <a:srgbClr val="D4D4D4"/>
+              </a:solidFill>
+              <a:latin typeface="Menlo"/>
+            </a:endParaRPr>
           </a:p>
           <a:p>
             <a:r>
@@ -16738,6 +14998,12 @@
               </a:rPr>
               <a:t>   }</a:t>
             </a:r>
+            <a:endParaRPr lang="it-IT" sz="1600" noProof="1">
+              <a:solidFill>
+                <a:srgbClr val="D4D4D4"/>
+              </a:solidFill>
+              <a:latin typeface="Menlo"/>
+            </a:endParaRPr>
           </a:p>
           <a:p>
             <a:r>
@@ -16760,13 +15026,7 @@
       </p:sp>
       <p:sp>
         <p:nvSpPr>
-          <p:cNvPr id="9" name="CasellaDiTesto 8">
-            <a:extLst>
-              <a:ext uri="{FF2B5EF4-FFF2-40B4-BE49-F238E27FC236}">
-                <a16:creationId xmlns:a16="http://schemas.microsoft.com/office/drawing/2014/main" id="{1BAE72ED-7BBF-2647-9487-DF5D62342650}"/>
-              </a:ext>
-            </a:extLst>
-          </p:cNvPr>
+          <p:cNvPr id="9" name="CasellaDiTesto 8"/>
           <p:cNvSpPr txBox="1"/>
           <p:nvPr/>
         </p:nvSpPr>
@@ -16804,13 +15064,7 @@
       </p:sp>
       <p:sp>
         <p:nvSpPr>
-          <p:cNvPr id="10" name="CasellaDiTesto 9">
-            <a:extLst>
-              <a:ext uri="{FF2B5EF4-FFF2-40B4-BE49-F238E27FC236}">
-                <a16:creationId xmlns:a16="http://schemas.microsoft.com/office/drawing/2014/main" id="{73B8A46C-4E9F-A542-96B2-EF1262B52272}"/>
-              </a:ext>
-            </a:extLst>
-          </p:cNvPr>
+          <p:cNvPr id="10" name="CasellaDiTesto 9"/>
           <p:cNvSpPr txBox="1"/>
           <p:nvPr/>
         </p:nvSpPr>
@@ -16872,20 +15126,14 @@
       </p:sp>
       <p:pic>
         <p:nvPicPr>
-          <p:cNvPr id="5" name="Picture 5">
-            <a:extLst>
-              <a:ext uri="{FF2B5EF4-FFF2-40B4-BE49-F238E27FC236}">
-                <a16:creationId xmlns:a16="http://schemas.microsoft.com/office/drawing/2014/main" id="{AF07DA3A-FC3F-4DD8-B820-E5EAB994A7B5}"/>
-              </a:ext>
-            </a:extLst>
-          </p:cNvPr>
+          <p:cNvPr id="5" name="Picture 5"/>
           <p:cNvPicPr>
             <a:picLocks noChangeAspect="1"/>
           </p:cNvPicPr>
           <p:nvPr/>
         </p:nvPicPr>
         <p:blipFill>
-          <a:blip r:embed="rId3"/>
+          <a:blip r:embed="rId1"/>
           <a:stretch>
             <a:fillRect/>
           </a:stretch>
@@ -16902,20 +15150,14 @@
       </p:pic>
       <p:pic>
         <p:nvPicPr>
-          <p:cNvPr id="6" name="Picture 6">
-            <a:extLst>
-              <a:ext uri="{FF2B5EF4-FFF2-40B4-BE49-F238E27FC236}">
-                <a16:creationId xmlns:a16="http://schemas.microsoft.com/office/drawing/2014/main" id="{F00D2A30-1917-4164-BC31-7098960F4511}"/>
-              </a:ext>
-            </a:extLst>
-          </p:cNvPr>
+          <p:cNvPr id="6" name="Picture 6"/>
           <p:cNvPicPr>
             <a:picLocks noChangeAspect="1"/>
           </p:cNvPicPr>
           <p:nvPr/>
         </p:nvPicPr>
         <p:blipFill>
-          <a:blip r:embed="rId4"/>
+          <a:blip r:embed="rId2"/>
           <a:stretch>
             <a:fillRect/>
           </a:stretch>
@@ -16931,11 +15173,6 @@
         </p:spPr>
       </p:pic>
     </p:spTree>
-    <p:extLst>
-      <p:ext uri="{BB962C8B-B14F-4D97-AF65-F5344CB8AC3E}">
-        <p14:creationId xmlns:p14="http://schemas.microsoft.com/office/powerpoint/2010/main" val="2139852903"/>
-      </p:ext>
-    </p:extLst>
   </p:cSld>
   <p:clrMapOvr>
     <a:masterClrMapping/>
@@ -16962,13 +15199,7 @@
       </p:grpSpPr>
       <p:sp>
         <p:nvSpPr>
-          <p:cNvPr id="2" name="Titolo 1">
-            <a:extLst>
-              <a:ext uri="{FF2B5EF4-FFF2-40B4-BE49-F238E27FC236}">
-                <a16:creationId xmlns:a16="http://schemas.microsoft.com/office/drawing/2014/main" id="{35592CAD-C2CD-3641-9AC1-502343055CC5}"/>
-              </a:ext>
-            </a:extLst>
-          </p:cNvPr>
+          <p:cNvPr id="2" name="Titolo 1"/>
           <p:cNvSpPr>
             <a:spLocks noGrp="1"/>
           </p:cNvSpPr>
@@ -17007,13 +15238,7 @@
       </p:sp>
       <p:sp>
         <p:nvSpPr>
-          <p:cNvPr id="8" name="CasellaDiTesto 7">
-            <a:extLst>
-              <a:ext uri="{FF2B5EF4-FFF2-40B4-BE49-F238E27FC236}">
-                <a16:creationId xmlns:a16="http://schemas.microsoft.com/office/drawing/2014/main" id="{8464E8DB-2A63-E941-BF54-CBF23AEEB7B5}"/>
-              </a:ext>
-            </a:extLst>
-          </p:cNvPr>
+          <p:cNvPr id="8" name="CasellaDiTesto 7"/>
           <p:cNvSpPr txBox="1"/>
           <p:nvPr/>
         </p:nvSpPr>
@@ -17109,6 +15334,12 @@
               </a:rPr>
               <a:t>; i++) {</a:t>
             </a:r>
+            <a:endParaRPr lang="it-IT" sz="1600" noProof="1">
+              <a:solidFill>
+                <a:srgbClr val="D4D4D4"/>
+              </a:solidFill>
+              <a:latin typeface="Menlo"/>
+            </a:endParaRPr>
           </a:p>
           <a:p>
             <a:r>
@@ -17156,6 +15387,12 @@
               </a:rPr>
               <a:t>[i];</a:t>
             </a:r>
+            <a:endParaRPr lang="it-IT" sz="1600" noProof="1">
+              <a:solidFill>
+                <a:srgbClr val="D4D4D4"/>
+              </a:solidFill>
+              <a:latin typeface="Menlo"/>
+            </a:endParaRPr>
           </a:p>
           <a:p>
             <a:r>
@@ -17203,6 +15440,12 @@
               </a:rPr>
               <a:t>[i];</a:t>
             </a:r>
+            <a:endParaRPr lang="it-IT" sz="1600" noProof="1">
+              <a:solidFill>
+                <a:srgbClr val="D4D4D4"/>
+              </a:solidFill>
+              <a:latin typeface="Menlo"/>
+            </a:endParaRPr>
           </a:p>
           <a:p>
             <a:br>
@@ -17255,6 +15498,12 @@
               </a:rPr>
               <a:t>[i] =</a:t>
             </a:r>
+            <a:endParaRPr lang="it-IT" sz="1600" noProof="1">
+              <a:solidFill>
+                <a:srgbClr val="D4D4D4"/>
+              </a:solidFill>
+              <a:latin typeface="Menlo"/>
+            </a:endParaRPr>
           </a:p>
           <a:p>
             <a:r>
@@ -17329,6 +15578,12 @@
               </a:rPr>
               <a:t>[i] * TimeBit) +</a:t>
             </a:r>
+            <a:endParaRPr lang="it-IT" sz="1600" noProof="1">
+              <a:solidFill>
+                <a:srgbClr val="D4D4D4"/>
+              </a:solidFill>
+              <a:latin typeface="Menlo"/>
+            </a:endParaRPr>
           </a:p>
           <a:p>
             <a:r>
@@ -17484,6 +15739,12 @@
               </a:rPr>
               <a:t>[i]);</a:t>
             </a:r>
+            <a:endParaRPr lang="it-IT" sz="1600" noProof="1">
+              <a:solidFill>
+                <a:srgbClr val="D4D4D4"/>
+              </a:solidFill>
+              <a:latin typeface="Menlo"/>
+            </a:endParaRPr>
           </a:p>
           <a:p>
             <a:r>
@@ -17684,6 +15945,12 @@
               </a:rPr>
               <a:t>[i];</a:t>
             </a:r>
+            <a:endParaRPr lang="it-IT" sz="1600" noProof="1">
+              <a:solidFill>
+                <a:srgbClr val="D4D4D4"/>
+              </a:solidFill>
+              <a:latin typeface="Menlo"/>
+            </a:endParaRPr>
           </a:p>
           <a:p>
             <a:br>
@@ -17736,6 +16003,12 @@
               </a:rPr>
               <a:t>[i] =</a:t>
             </a:r>
+            <a:endParaRPr lang="it-IT" sz="1600" noProof="1">
+              <a:solidFill>
+                <a:srgbClr val="D4D4D4"/>
+              </a:solidFill>
+              <a:latin typeface="Menlo"/>
+            </a:endParaRPr>
           </a:p>
           <a:p>
             <a:r>
@@ -17810,6 +16083,12 @@
               </a:rPr>
               <a:t>[i] * TimeBit) +</a:t>
             </a:r>
+            <a:endParaRPr lang="it-IT" sz="1600" noProof="1">
+              <a:solidFill>
+                <a:srgbClr val="D4D4D4"/>
+              </a:solidFill>
+              <a:latin typeface="Menlo"/>
+            </a:endParaRPr>
           </a:p>
           <a:p>
             <a:r>
@@ -17965,6 +16244,12 @@
               </a:rPr>
               <a:t>[i]);</a:t>
             </a:r>
+            <a:endParaRPr lang="it-IT" sz="1600" noProof="1">
+              <a:solidFill>
+                <a:srgbClr val="D4D4D4"/>
+              </a:solidFill>
+              <a:latin typeface="Menlo"/>
+            </a:endParaRPr>
           </a:p>
           <a:p>
             <a:r>
@@ -18165,6 +16450,12 @@
               </a:rPr>
               <a:t>[i];</a:t>
             </a:r>
+            <a:endParaRPr lang="it-IT" sz="1600" noProof="1">
+              <a:solidFill>
+                <a:srgbClr val="D4D4D4"/>
+              </a:solidFill>
+              <a:latin typeface="Menlo"/>
+            </a:endParaRPr>
           </a:p>
           <a:p>
             <a:r>
@@ -18176,18 +16467,18 @@
               </a:rPr>
               <a:t>}</a:t>
             </a:r>
-          </a:p>
-        </p:txBody>
-      </p:sp>
-      <p:sp>
-        <p:nvSpPr>
-          <p:cNvPr id="9" name="CasellaDiTesto 8">
-            <a:extLst>
-              <a:ext uri="{FF2B5EF4-FFF2-40B4-BE49-F238E27FC236}">
-                <a16:creationId xmlns:a16="http://schemas.microsoft.com/office/drawing/2014/main" id="{1BAE72ED-7BBF-2647-9487-DF5D62342650}"/>
-              </a:ext>
-            </a:extLst>
-          </p:cNvPr>
+            <a:endParaRPr lang="it-IT" sz="1600" noProof="1">
+              <a:solidFill>
+                <a:srgbClr val="D4D4D4"/>
+              </a:solidFill>
+              <a:latin typeface="Menlo"/>
+            </a:endParaRPr>
+          </a:p>
+        </p:txBody>
+      </p:sp>
+      <p:sp>
+        <p:nvSpPr>
+          <p:cNvPr id="9" name="CasellaDiTesto 8"/>
           <p:cNvSpPr txBox="1"/>
           <p:nvPr/>
         </p:nvSpPr>
@@ -18225,13 +16516,7 @@
       </p:sp>
       <p:sp>
         <p:nvSpPr>
-          <p:cNvPr id="10" name="CasellaDiTesto 9">
-            <a:extLst>
-              <a:ext uri="{FF2B5EF4-FFF2-40B4-BE49-F238E27FC236}">
-                <a16:creationId xmlns:a16="http://schemas.microsoft.com/office/drawing/2014/main" id="{73B8A46C-4E9F-A542-96B2-EF1262B52272}"/>
-              </a:ext>
-            </a:extLst>
-          </p:cNvPr>
+          <p:cNvPr id="10" name="CasellaDiTesto 9"/>
           <p:cNvSpPr txBox="1"/>
           <p:nvPr/>
         </p:nvSpPr>
@@ -18284,11 +16569,6 @@
         </p:txBody>
       </p:sp>
     </p:spTree>
-    <p:extLst>
-      <p:ext uri="{BB962C8B-B14F-4D97-AF65-F5344CB8AC3E}">
-        <p14:creationId xmlns:p14="http://schemas.microsoft.com/office/powerpoint/2010/main" val="3906573034"/>
-      </p:ext>
-    </p:extLst>
   </p:cSld>
   <p:clrMapOvr>
     <a:masterClrMapping/>
@@ -18315,13 +16595,7 @@
       </p:grpSpPr>
       <p:sp>
         <p:nvSpPr>
-          <p:cNvPr id="7" name="CasellaDiTesto 6">
-            <a:extLst>
-              <a:ext uri="{FF2B5EF4-FFF2-40B4-BE49-F238E27FC236}">
-                <a16:creationId xmlns:a16="http://schemas.microsoft.com/office/drawing/2014/main" id="{D6C88F8C-D7A9-5C41-8C27-48F81C20B143}"/>
-              </a:ext>
-            </a:extLst>
-          </p:cNvPr>
+          <p:cNvPr id="7" name="CasellaDiTesto 6"/>
           <p:cNvSpPr txBox="1"/>
           <p:nvPr/>
         </p:nvSpPr>
@@ -18361,6 +16635,7 @@
               <a:rPr lang="en-GB" i="1" dirty="0"/>
               <a:t> GPU:</a:t>
             </a:r>
+            <a:endParaRPr lang="en-GB" i="1" dirty="0"/>
           </a:p>
           <a:p>
             <a:r>
@@ -18473,131 +16748,6 @@
               </a:rPr>
               <a:t>:</a:t>
             </a:r>
-          </a:p>
-          <a:p>
-            <a:r>
-              <a:rPr lang="en-GB" i="1" dirty="0">
-                <a:latin typeface="Cambria Math" panose="02040503050406030204" pitchFamily="18" charset="0"/>
-                <a:ea typeface="Cambria Math" panose="02040503050406030204" pitchFamily="18" charset="0"/>
-              </a:rPr>
-              <a:t>   </a:t>
-            </a:r>
-            <a:r>
-              <a:rPr lang="en-GB" i="1" dirty="0" err="1">
-                <a:latin typeface="Cambria Math" panose="02040503050406030204" pitchFamily="18" charset="0"/>
-                <a:ea typeface="Cambria Math" panose="02040503050406030204" pitchFamily="18" charset="0"/>
-              </a:rPr>
-              <a:t>calcola</a:t>
-            </a:r>
-            <a:r>
-              <a:rPr lang="en-GB" i="1" dirty="0">
-                <a:latin typeface="Cambria Math" panose="02040503050406030204" pitchFamily="18" charset="0"/>
-                <a:ea typeface="Cambria Math" panose="02040503050406030204" pitchFamily="18" charset="0"/>
-              </a:rPr>
-              <a:t> </a:t>
-            </a:r>
-            <a:r>
-              <a:rPr lang="en-GB" i="1" dirty="0" err="1">
-                <a:latin typeface="Cambria Math" panose="02040503050406030204" pitchFamily="18" charset="0"/>
-                <a:ea typeface="Cambria Math" panose="02040503050406030204" pitchFamily="18" charset="0"/>
-              </a:rPr>
-              <a:t>forze</a:t>
-            </a:r>
-            <a:r>
-              <a:rPr lang="en-GB" i="1" dirty="0">
-                <a:latin typeface="Cambria Math" panose="02040503050406030204" pitchFamily="18" charset="0"/>
-                <a:ea typeface="Cambria Math" panose="02040503050406030204" pitchFamily="18" charset="0"/>
-              </a:rPr>
-              <a:t> </a:t>
-            </a:r>
-            <a:r>
-              <a:rPr lang="en-GB" i="1" dirty="0" err="1">
-                <a:latin typeface="Cambria Math" panose="02040503050406030204" pitchFamily="18" charset="0"/>
-                <a:ea typeface="Cambria Math" panose="02040503050406030204" pitchFamily="18" charset="0"/>
-              </a:rPr>
-              <a:t>tra</a:t>
-            </a:r>
-            <a:r>
-              <a:rPr lang="en-GB" i="1" dirty="0">
-                <a:latin typeface="Cambria Math" panose="02040503050406030204" pitchFamily="18" charset="0"/>
-                <a:ea typeface="Cambria Math" panose="02040503050406030204" pitchFamily="18" charset="0"/>
-              </a:rPr>
-              <a:t> </a:t>
-            </a:r>
-            <a:r>
-              <a:rPr lang="en-GB" i="1" dirty="0" err="1">
-                <a:latin typeface="Cambria Math" panose="02040503050406030204" pitchFamily="18" charset="0"/>
-                <a:ea typeface="Cambria Math" panose="02040503050406030204" pitchFamily="18" charset="0"/>
-              </a:rPr>
-              <a:t>i</a:t>
-            </a:r>
-            <a:r>
-              <a:rPr lang="en-GB" i="1" dirty="0">
-                <a:latin typeface="Cambria Math" panose="02040503050406030204" pitchFamily="18" charset="0"/>
-                <a:ea typeface="Cambria Math" panose="02040503050406030204" pitchFamily="18" charset="0"/>
-              </a:rPr>
-              <a:t> e j</a:t>
-            </a:r>
-          </a:p>
-          <a:p>
-            <a:r>
-              <a:rPr lang="en-GB" i="1" dirty="0">
-                <a:latin typeface="Cambria Math" panose="02040503050406030204" pitchFamily="18" charset="0"/>
-                <a:ea typeface="Cambria Math" panose="02040503050406030204" pitchFamily="18" charset="0"/>
-              </a:rPr>
-              <a:t>   somma </a:t>
-            </a:r>
-            <a:r>
-              <a:rPr lang="en-GB" i="1" dirty="0" err="1">
-                <a:latin typeface="Cambria Math" panose="02040503050406030204" pitchFamily="18" charset="0"/>
-                <a:ea typeface="Cambria Math" panose="02040503050406030204" pitchFamily="18" charset="0"/>
-              </a:rPr>
-              <a:t>f</a:t>
-            </a:r>
-            <a:r>
-              <a:rPr lang="en-GB" i="1" baseline="-25000" dirty="0" err="1">
-                <a:latin typeface="Cambria Math" panose="02040503050406030204" pitchFamily="18" charset="0"/>
-                <a:ea typeface="Cambria Math" panose="02040503050406030204" pitchFamily="18" charset="0"/>
-              </a:rPr>
-              <a:t>ij</a:t>
-            </a:r>
-            <a:r>
-              <a:rPr lang="en-GB" i="1" dirty="0">
-                <a:latin typeface="Cambria Math" panose="02040503050406030204" pitchFamily="18" charset="0"/>
-                <a:ea typeface="Cambria Math" panose="02040503050406030204" pitchFamily="18" charset="0"/>
-              </a:rPr>
-              <a:t> a f</a:t>
-            </a:r>
-            <a:r>
-              <a:rPr lang="en-GB" i="1" baseline="-25000" dirty="0">
-                <a:latin typeface="Cambria Math" panose="02040503050406030204" pitchFamily="18" charset="0"/>
-                <a:ea typeface="Cambria Math" panose="02040503050406030204" pitchFamily="18" charset="0"/>
-              </a:rPr>
-              <a:t>i </a:t>
-            </a:r>
-            <a:r>
-              <a:rPr lang="en-GB" i="1" dirty="0">
-                <a:latin typeface="Cambria Math" panose="02040503050406030204" pitchFamily="18" charset="0"/>
-                <a:ea typeface="Cambria Math" panose="02040503050406030204" pitchFamily="18" charset="0"/>
-              </a:rPr>
-              <a:t> </a:t>
-            </a:r>
-            <a:r>
-              <a:rPr lang="en-GB" i="1" baseline="-25000" dirty="0">
-                <a:latin typeface="Cambria Math" panose="02040503050406030204" pitchFamily="18" charset="0"/>
-                <a:ea typeface="Cambria Math" panose="02040503050406030204" pitchFamily="18" charset="0"/>
-              </a:rPr>
-              <a:t> </a:t>
-            </a:r>
-            <a:r>
-              <a:rPr lang="en-GB" i="1" dirty="0">
-                <a:latin typeface="Cambria Math" panose="02040503050406030204" pitchFamily="18" charset="0"/>
-                <a:ea typeface="Cambria Math" panose="02040503050406030204" pitchFamily="18" charset="0"/>
-              </a:rPr>
-              <a:t>  </a:t>
-            </a:r>
-          </a:p>
-          <a:p>
             <a:endParaRPr lang="en-GB" i="1" dirty="0">
               <a:latin typeface="Cambria Math" panose="02040503050406030204" pitchFamily="18" charset="0"/>
               <a:ea typeface="Cambria Math" panose="02040503050406030204" pitchFamily="18" charset="0"/>
@@ -18605,11 +16755,18 @@
           </a:p>
           <a:p>
             <a:r>
+              <a:rPr lang="en-GB" i="1" dirty="0">
+                <a:latin typeface="Cambria Math" panose="02040503050406030204" pitchFamily="18" charset="0"/>
+                <a:ea typeface="Cambria Math" panose="02040503050406030204" pitchFamily="18" charset="0"/>
+              </a:rPr>
+              <a:t>   </a:t>
+            </a:r>
+            <a:r>
               <a:rPr lang="en-GB" i="1" dirty="0" err="1">
                 <a:latin typeface="Cambria Math" panose="02040503050406030204" pitchFamily="18" charset="0"/>
                 <a:ea typeface="Cambria Math" panose="02040503050406030204" pitchFamily="18" charset="0"/>
               </a:rPr>
-              <a:t>aggiorna</a:t>
+              <a:t>calcola</a:t>
             </a:r>
             <a:r>
               <a:rPr lang="en-GB" i="1" dirty="0">
@@ -18623,94 +16780,218 @@
                 <a:latin typeface="Cambria Math" panose="02040503050406030204" pitchFamily="18" charset="0"/>
                 <a:ea typeface="Cambria Math" panose="02040503050406030204" pitchFamily="18" charset="0"/>
               </a:rPr>
-              <a:t>posizione</a:t>
+              <a:t>forze</a:t>
             </a:r>
             <a:r>
               <a:rPr lang="en-GB" i="1" dirty="0">
                 <a:latin typeface="Cambria Math" panose="02040503050406030204" pitchFamily="18" charset="0"/>
                 <a:ea typeface="Cambria Math" panose="02040503050406030204" pitchFamily="18" charset="0"/>
               </a:rPr>
-              <a:t> (</a:t>
+              <a:t> </a:t>
             </a:r>
             <a:r>
               <a:rPr lang="en-GB" i="1" dirty="0" err="1">
                 <a:latin typeface="Cambria Math" panose="02040503050406030204" pitchFamily="18" charset="0"/>
                 <a:ea typeface="Cambria Math" panose="02040503050406030204" pitchFamily="18" charset="0"/>
               </a:rPr>
-              <a:t>x,y</a:t>
+              <a:t>tra</a:t>
             </a:r>
             <a:r>
               <a:rPr lang="en-GB" i="1" dirty="0">
                 <a:latin typeface="Cambria Math" panose="02040503050406030204" pitchFamily="18" charset="0"/>
                 <a:ea typeface="Cambria Math" panose="02040503050406030204" pitchFamily="18" charset="0"/>
               </a:rPr>
-              <a:t>) e </a:t>
+              <a:t> </a:t>
             </a:r>
             <a:r>
               <a:rPr lang="en-GB" i="1" dirty="0" err="1">
                 <a:latin typeface="Cambria Math" panose="02040503050406030204" pitchFamily="18" charset="0"/>
                 <a:ea typeface="Cambria Math" panose="02040503050406030204" pitchFamily="18" charset="0"/>
               </a:rPr>
-              <a:t>velocità</a:t>
+              <a:t>i</a:t>
             </a:r>
             <a:r>
               <a:rPr lang="en-GB" i="1" dirty="0">
                 <a:latin typeface="Cambria Math" panose="02040503050406030204" pitchFamily="18" charset="0"/>
                 <a:ea typeface="Cambria Math" panose="02040503050406030204" pitchFamily="18" charset="0"/>
               </a:rPr>
-              <a:t> (</a:t>
-            </a:r>
-            <a:r>
-              <a:rPr lang="en-GB" i="1" dirty="0" err="1">
-                <a:latin typeface="Cambria Math" panose="02040503050406030204" pitchFamily="18" charset="0"/>
-                <a:ea typeface="Cambria Math" panose="02040503050406030204" pitchFamily="18" charset="0"/>
-              </a:rPr>
-              <a:t>vx</a:t>
-            </a:r>
-            <a:r>
-              <a:rPr lang="en-GB" i="1" dirty="0">
-                <a:latin typeface="Cambria Math" panose="02040503050406030204" pitchFamily="18" charset="0"/>
-                <a:ea typeface="Cambria Math" panose="02040503050406030204" pitchFamily="18" charset="0"/>
-              </a:rPr>
-              <a:t>, </a:t>
-            </a:r>
-            <a:r>
-              <a:rPr lang="en-GB" i="1" dirty="0" err="1">
-                <a:latin typeface="Cambria Math" panose="02040503050406030204" pitchFamily="18" charset="0"/>
-                <a:ea typeface="Cambria Math" panose="02040503050406030204" pitchFamily="18" charset="0"/>
-              </a:rPr>
-              <a:t>vy</a:t>
-            </a:r>
-            <a:r>
-              <a:rPr lang="en-GB" i="1" dirty="0">
-                <a:latin typeface="Cambria Math" panose="02040503050406030204" pitchFamily="18" charset="0"/>
-                <a:ea typeface="Cambria Math" panose="02040503050406030204" pitchFamily="18" charset="0"/>
-              </a:rPr>
-              <a:t>) di </a:t>
-            </a:r>
-            <a:r>
-              <a:rPr lang="en-GB" i="1" dirty="0" err="1">
-                <a:latin typeface="Cambria Math" panose="02040503050406030204" pitchFamily="18" charset="0"/>
-                <a:ea typeface="Cambria Math" panose="02040503050406030204" pitchFamily="18" charset="0"/>
-              </a:rPr>
-              <a:t>i</a:t>
+              <a:t> e j</a:t>
             </a:r>
             <a:endParaRPr lang="en-GB" i="1" dirty="0">
               <a:latin typeface="Cambria Math" panose="02040503050406030204" pitchFamily="18" charset="0"/>
               <a:ea typeface="Cambria Math" panose="02040503050406030204" pitchFamily="18" charset="0"/>
             </a:endParaRPr>
           </a:p>
-        </p:txBody>
-      </p:sp>
-      <p:sp>
-        <p:nvSpPr>
-          <p:cNvPr id="2" name="Titolo 1">
-            <a:extLst>
-              <a:ext uri="{FF2B5EF4-FFF2-40B4-BE49-F238E27FC236}">
-                <a16:creationId xmlns:a16="http://schemas.microsoft.com/office/drawing/2014/main" id="{35592CAD-C2CD-3641-9AC1-502343055CC5}"/>
-              </a:ext>
-            </a:extLst>
-          </p:cNvPr>
+          <a:p>
+            <a:r>
+              <a:rPr lang="en-GB" i="1" dirty="0">
+                <a:latin typeface="Cambria Math" panose="02040503050406030204" pitchFamily="18" charset="0"/>
+                <a:ea typeface="Cambria Math" panose="02040503050406030204" pitchFamily="18" charset="0"/>
+              </a:rPr>
+              <a:t>   somma </a:t>
+            </a:r>
+            <a:r>
+              <a:rPr lang="en-GB" i="1" dirty="0" err="1">
+                <a:latin typeface="Cambria Math" panose="02040503050406030204" pitchFamily="18" charset="0"/>
+                <a:ea typeface="Cambria Math" panose="02040503050406030204" pitchFamily="18" charset="0"/>
+              </a:rPr>
+              <a:t>f</a:t>
+            </a:r>
+            <a:r>
+              <a:rPr lang="en-GB" i="1" baseline="-25000" dirty="0" err="1">
+                <a:latin typeface="Cambria Math" panose="02040503050406030204" pitchFamily="18" charset="0"/>
+                <a:ea typeface="Cambria Math" panose="02040503050406030204" pitchFamily="18" charset="0"/>
+              </a:rPr>
+              <a:t>ij</a:t>
+            </a:r>
+            <a:r>
+              <a:rPr lang="en-GB" i="1" dirty="0">
+                <a:latin typeface="Cambria Math" panose="02040503050406030204" pitchFamily="18" charset="0"/>
+                <a:ea typeface="Cambria Math" panose="02040503050406030204" pitchFamily="18" charset="0"/>
+              </a:rPr>
+              <a:t> a f</a:t>
+            </a:r>
+            <a:r>
+              <a:rPr lang="en-GB" i="1" baseline="-25000" dirty="0">
+                <a:latin typeface="Cambria Math" panose="02040503050406030204" pitchFamily="18" charset="0"/>
+                <a:ea typeface="Cambria Math" panose="02040503050406030204" pitchFamily="18" charset="0"/>
+              </a:rPr>
+              <a:t>i </a:t>
+            </a:r>
+            <a:r>
+              <a:rPr lang="en-GB" i="1" dirty="0">
+                <a:latin typeface="Cambria Math" panose="02040503050406030204" pitchFamily="18" charset="0"/>
+                <a:ea typeface="Cambria Math" panose="02040503050406030204" pitchFamily="18" charset="0"/>
+              </a:rPr>
+              <a:t> </a:t>
+            </a:r>
+            <a:r>
+              <a:rPr lang="en-GB" i="1" baseline="-25000" dirty="0">
+                <a:latin typeface="Cambria Math" panose="02040503050406030204" pitchFamily="18" charset="0"/>
+                <a:ea typeface="Cambria Math" panose="02040503050406030204" pitchFamily="18" charset="0"/>
+              </a:rPr>
+              <a:t> </a:t>
+            </a:r>
+            <a:r>
+              <a:rPr lang="en-GB" i="1" dirty="0">
+                <a:latin typeface="Cambria Math" panose="02040503050406030204" pitchFamily="18" charset="0"/>
+                <a:ea typeface="Cambria Math" panose="02040503050406030204" pitchFamily="18" charset="0"/>
+              </a:rPr>
+              <a:t>  </a:t>
+            </a:r>
+            <a:endParaRPr lang="en-GB" i="1" dirty="0">
+              <a:latin typeface="Cambria Math" panose="02040503050406030204" pitchFamily="18" charset="0"/>
+              <a:ea typeface="Cambria Math" panose="02040503050406030204" pitchFamily="18" charset="0"/>
+            </a:endParaRPr>
+          </a:p>
+          <a:p>
+            <a:endParaRPr lang="en-GB" i="1" dirty="0">
+              <a:latin typeface="Cambria Math" panose="02040503050406030204" pitchFamily="18" charset="0"/>
+              <a:ea typeface="Cambria Math" panose="02040503050406030204" pitchFamily="18" charset="0"/>
+            </a:endParaRPr>
+          </a:p>
+          <a:p>
+            <a:r>
+              <a:rPr lang="en-GB" i="1" dirty="0" err="1">
+                <a:latin typeface="Cambria Math" panose="02040503050406030204" pitchFamily="18" charset="0"/>
+                <a:ea typeface="Cambria Math" panose="02040503050406030204" pitchFamily="18" charset="0"/>
+              </a:rPr>
+              <a:t>aggiorna</a:t>
+            </a:r>
+            <a:r>
+              <a:rPr lang="en-GB" i="1" dirty="0">
+                <a:latin typeface="Cambria Math" panose="02040503050406030204" pitchFamily="18" charset="0"/>
+                <a:ea typeface="Cambria Math" panose="02040503050406030204" pitchFamily="18" charset="0"/>
+              </a:rPr>
+              <a:t> </a:t>
+            </a:r>
+            <a:r>
+              <a:rPr lang="en-GB" i="1" dirty="0" err="1">
+                <a:latin typeface="Cambria Math" panose="02040503050406030204" pitchFamily="18" charset="0"/>
+                <a:ea typeface="Cambria Math" panose="02040503050406030204" pitchFamily="18" charset="0"/>
+              </a:rPr>
+              <a:t>posizione</a:t>
+            </a:r>
+            <a:r>
+              <a:rPr lang="en-GB" i="1" dirty="0">
+                <a:latin typeface="Cambria Math" panose="02040503050406030204" pitchFamily="18" charset="0"/>
+                <a:ea typeface="Cambria Math" panose="02040503050406030204" pitchFamily="18" charset="0"/>
+              </a:rPr>
+              <a:t> (</a:t>
+            </a:r>
+            <a:r>
+              <a:rPr lang="en-GB" i="1" dirty="0" err="1">
+                <a:latin typeface="Cambria Math" panose="02040503050406030204" pitchFamily="18" charset="0"/>
+                <a:ea typeface="Cambria Math" panose="02040503050406030204" pitchFamily="18" charset="0"/>
+              </a:rPr>
+              <a:t>x,y</a:t>
+            </a:r>
+            <a:r>
+              <a:rPr lang="en-GB" i="1" dirty="0">
+                <a:latin typeface="Cambria Math" panose="02040503050406030204" pitchFamily="18" charset="0"/>
+                <a:ea typeface="Cambria Math" panose="02040503050406030204" pitchFamily="18" charset="0"/>
+              </a:rPr>
+              <a:t>) e </a:t>
+            </a:r>
+            <a:r>
+              <a:rPr lang="en-GB" i="1" dirty="0" err="1">
+                <a:latin typeface="Cambria Math" panose="02040503050406030204" pitchFamily="18" charset="0"/>
+                <a:ea typeface="Cambria Math" panose="02040503050406030204" pitchFamily="18" charset="0"/>
+              </a:rPr>
+              <a:t>velocità</a:t>
+            </a:r>
+            <a:r>
+              <a:rPr lang="en-GB" i="1" dirty="0">
+                <a:latin typeface="Cambria Math" panose="02040503050406030204" pitchFamily="18" charset="0"/>
+                <a:ea typeface="Cambria Math" panose="02040503050406030204" pitchFamily="18" charset="0"/>
+              </a:rPr>
+              <a:t> (</a:t>
+            </a:r>
+            <a:r>
+              <a:rPr lang="en-GB" i="1" dirty="0" err="1">
+                <a:latin typeface="Cambria Math" panose="02040503050406030204" pitchFamily="18" charset="0"/>
+                <a:ea typeface="Cambria Math" panose="02040503050406030204" pitchFamily="18" charset="0"/>
+              </a:rPr>
+              <a:t>vx</a:t>
+            </a:r>
+            <a:r>
+              <a:rPr lang="en-GB" i="1" dirty="0">
+                <a:latin typeface="Cambria Math" panose="02040503050406030204" pitchFamily="18" charset="0"/>
+                <a:ea typeface="Cambria Math" panose="02040503050406030204" pitchFamily="18" charset="0"/>
+              </a:rPr>
+              <a:t>, </a:t>
+            </a:r>
+            <a:r>
+              <a:rPr lang="en-GB" i="1" dirty="0" err="1">
+                <a:latin typeface="Cambria Math" panose="02040503050406030204" pitchFamily="18" charset="0"/>
+                <a:ea typeface="Cambria Math" panose="02040503050406030204" pitchFamily="18" charset="0"/>
+              </a:rPr>
+              <a:t>vy</a:t>
+            </a:r>
+            <a:r>
+              <a:rPr lang="en-GB" i="1" dirty="0">
+                <a:latin typeface="Cambria Math" panose="02040503050406030204" pitchFamily="18" charset="0"/>
+                <a:ea typeface="Cambria Math" panose="02040503050406030204" pitchFamily="18" charset="0"/>
+              </a:rPr>
+              <a:t>) di </a:t>
+            </a:r>
+            <a:r>
+              <a:rPr lang="en-GB" i="1" dirty="0" err="1">
+                <a:latin typeface="Cambria Math" panose="02040503050406030204" pitchFamily="18" charset="0"/>
+                <a:ea typeface="Cambria Math" panose="02040503050406030204" pitchFamily="18" charset="0"/>
+              </a:rPr>
+              <a:t>i</a:t>
+            </a:r>
+            <a:endParaRPr lang="en-GB" i="1" dirty="0">
+              <a:latin typeface="Cambria Math" panose="02040503050406030204" pitchFamily="18" charset="0"/>
+              <a:ea typeface="Cambria Math" panose="02040503050406030204" pitchFamily="18" charset="0"/>
+            </a:endParaRPr>
+          </a:p>
+        </p:txBody>
+      </p:sp>
+      <p:sp>
+        <p:nvSpPr>
+          <p:cNvPr id="2" name="Titolo 1"/>
           <p:cNvSpPr>
             <a:spLocks noGrp="1"/>
           </p:cNvSpPr>
@@ -18741,13 +17022,7 @@
       </p:sp>
       <p:sp>
         <p:nvSpPr>
-          <p:cNvPr id="9" name="CasellaDiTesto 8">
-            <a:extLst>
-              <a:ext uri="{FF2B5EF4-FFF2-40B4-BE49-F238E27FC236}">
-                <a16:creationId xmlns:a16="http://schemas.microsoft.com/office/drawing/2014/main" id="{1BAE72ED-7BBF-2647-9487-DF5D62342650}"/>
-              </a:ext>
-            </a:extLst>
-          </p:cNvPr>
+          <p:cNvPr id="9" name="CasellaDiTesto 8"/>
           <p:cNvSpPr txBox="1"/>
           <p:nvPr/>
         </p:nvSpPr>
@@ -18791,11 +17066,16 @@
               </a:rPr>
               <a:t>(TODO check link)</a:t>
             </a:r>
+            <a:endParaRPr lang="en-GB" dirty="0">
+              <a:solidFill>
+                <a:srgbClr val="FF0000"/>
+              </a:solidFill>
+            </a:endParaRPr>
           </a:p>
           <a:p>
             <a:r>
               <a:rPr lang="en-GB" dirty="0">
-                <a:hlinkClick r:id="rId3"/>
+                <a:hlinkClick r:id="rId1"/>
               </a:rPr>
               <a:t>https://github.com/piepor/particles-simulation-parallel/blob/14ab1aac22c36fec33bb37d3e933b36e7f335c6f/particles.cu#L909</a:t>
             </a:r>
@@ -18803,25 +17083,20 @@
               <a:rPr lang="en-GB" dirty="0"/>
               <a:t> </a:t>
             </a:r>
+            <a:endParaRPr lang="en-GB" dirty="0"/>
           </a:p>
         </p:txBody>
       </p:sp>
       <p:pic>
         <p:nvPicPr>
-          <p:cNvPr id="3" name="Immagine 2">
-            <a:extLst>
-              <a:ext uri="{FF2B5EF4-FFF2-40B4-BE49-F238E27FC236}">
-                <a16:creationId xmlns:a16="http://schemas.microsoft.com/office/drawing/2014/main" id="{52F94715-EB7B-5D4B-A6EF-683BDC21C995}"/>
-              </a:ext>
-            </a:extLst>
-          </p:cNvPr>
+          <p:cNvPr id="3" name="Immagine 2"/>
           <p:cNvPicPr>
             <a:picLocks noChangeAspect="1"/>
           </p:cNvPicPr>
           <p:nvPr/>
         </p:nvPicPr>
         <p:blipFill>
-          <a:blip r:embed="rId4"/>
+          <a:blip r:embed="rId2"/>
           <a:stretch>
             <a:fillRect/>
           </a:stretch>
@@ -18838,13 +17113,7 @@
       </p:pic>
       <p:sp>
         <p:nvSpPr>
-          <p:cNvPr id="4" name="Ovale 3">
-            <a:extLst>
-              <a:ext uri="{FF2B5EF4-FFF2-40B4-BE49-F238E27FC236}">
-                <a16:creationId xmlns:a16="http://schemas.microsoft.com/office/drawing/2014/main" id="{E2712921-38AE-004C-916A-3986C3501B76}"/>
-              </a:ext>
-            </a:extLst>
-          </p:cNvPr>
+          <p:cNvPr id="4" name="Ovale 3"/>
           <p:cNvSpPr/>
           <p:nvPr/>
         </p:nvSpPr>
@@ -18890,16 +17159,8 @@
       </p:sp>
       <p:cxnSp>
         <p:nvCxnSpPr>
-          <p:cNvPr id="6" name="Connettore 2 5">
-            <a:extLst>
-              <a:ext uri="{FF2B5EF4-FFF2-40B4-BE49-F238E27FC236}">
-                <a16:creationId xmlns:a16="http://schemas.microsoft.com/office/drawing/2014/main" id="{61903A8F-83F3-524A-81FD-063DA04AAE9B}"/>
-              </a:ext>
-            </a:extLst>
-          </p:cNvPr>
-          <p:cNvCxnSpPr>
-            <a:cxnSpLocks/>
-          </p:cNvCxnSpPr>
+          <p:cNvPr id="6" name="Connettore 2 5"/>
+          <p:cNvCxnSpPr/>
           <p:nvPr/>
         </p:nvCxnSpPr>
         <p:spPr>
@@ -18934,13 +17195,7 @@
       </p:cxnSp>
       <p:sp>
         <p:nvSpPr>
-          <p:cNvPr id="12" name="CasellaDiTesto 11">
-            <a:extLst>
-              <a:ext uri="{FF2B5EF4-FFF2-40B4-BE49-F238E27FC236}">
-                <a16:creationId xmlns:a16="http://schemas.microsoft.com/office/drawing/2014/main" id="{2BEFD10B-E449-0646-9A9F-DB3CAA0B961C}"/>
-              </a:ext>
-            </a:extLst>
-          </p:cNvPr>
+          <p:cNvPr id="12" name="CasellaDiTesto 11"/>
           <p:cNvSpPr txBox="1"/>
           <p:nvPr/>
         </p:nvSpPr>
@@ -19033,6 +17288,7 @@
               <a:rPr lang="en-GB" dirty="0"/>
               <a:t>: O(1) </a:t>
             </a:r>
+            <a:endParaRPr lang="en-GB" dirty="0"/>
           </a:p>
           <a:p>
             <a:endParaRPr lang="en-GB" dirty="0"/>
@@ -19062,15 +17318,11 @@
               <a:rPr lang="en-GB" dirty="0"/>
               <a:t>: O(n)</a:t>
             </a:r>
+            <a:endParaRPr lang="en-GB" dirty="0"/>
           </a:p>
         </p:txBody>
       </p:sp>
     </p:spTree>
-    <p:extLst>
-      <p:ext uri="{BB962C8B-B14F-4D97-AF65-F5344CB8AC3E}">
-        <p14:creationId xmlns:p14="http://schemas.microsoft.com/office/powerpoint/2010/main" val="574977529"/>
-      </p:ext>
-    </p:extLst>
   </p:cSld>
   <p:clrMapOvr>
     <a:masterClrMapping/>
@@ -19097,13 +17349,7 @@
       </p:grpSpPr>
       <p:sp>
         <p:nvSpPr>
-          <p:cNvPr id="2" name="Titolo 1">
-            <a:extLst>
-              <a:ext uri="{FF2B5EF4-FFF2-40B4-BE49-F238E27FC236}">
-                <a16:creationId xmlns:a16="http://schemas.microsoft.com/office/drawing/2014/main" id="{35592CAD-C2CD-3641-9AC1-502343055CC5}"/>
-              </a:ext>
-            </a:extLst>
-          </p:cNvPr>
+          <p:cNvPr id="2" name="Titolo 1"/>
           <p:cNvSpPr>
             <a:spLocks noGrp="1"/>
           </p:cNvSpPr>
@@ -19150,16 +17396,8 @@
       </p:sp>
       <p:cxnSp>
         <p:nvCxnSpPr>
-          <p:cNvPr id="4" name="Connettore 1 3">
-            <a:extLst>
-              <a:ext uri="{FF2B5EF4-FFF2-40B4-BE49-F238E27FC236}">
-                <a16:creationId xmlns:a16="http://schemas.microsoft.com/office/drawing/2014/main" id="{5C0D9BAB-52B2-E640-BF9D-DBB740CEA267}"/>
-              </a:ext>
-            </a:extLst>
-          </p:cNvPr>
-          <p:cNvCxnSpPr>
-            <a:cxnSpLocks/>
-          </p:cNvCxnSpPr>
+          <p:cNvPr id="4" name="Connettore 1 3"/>
+          <p:cNvCxnSpPr/>
           <p:nvPr/>
         </p:nvCxnSpPr>
         <p:spPr>
@@ -19188,13 +17426,7 @@
       </p:cxnSp>
       <p:sp>
         <p:nvSpPr>
-          <p:cNvPr id="5" name="Rettangolo con angoli arrotondati 4">
-            <a:extLst>
-              <a:ext uri="{FF2B5EF4-FFF2-40B4-BE49-F238E27FC236}">
-                <a16:creationId xmlns:a16="http://schemas.microsoft.com/office/drawing/2014/main" id="{6F902269-3D37-2040-80BF-C85B53912E3C}"/>
-              </a:ext>
-            </a:extLst>
-          </p:cNvPr>
+          <p:cNvPr id="5" name="Rettangolo con angoli arrotondati 4"/>
           <p:cNvSpPr/>
           <p:nvPr/>
         </p:nvSpPr>
@@ -19238,13 +17470,7 @@
       </p:sp>
       <p:sp>
         <p:nvSpPr>
-          <p:cNvPr id="6" name="Rettangolo con angoli arrotondati 5">
-            <a:extLst>
-              <a:ext uri="{FF2B5EF4-FFF2-40B4-BE49-F238E27FC236}">
-                <a16:creationId xmlns:a16="http://schemas.microsoft.com/office/drawing/2014/main" id="{441AB1A9-3080-DD43-A69C-85BBD1C8F25D}"/>
-              </a:ext>
-            </a:extLst>
-          </p:cNvPr>
+          <p:cNvPr id="6" name="Rettangolo con angoli arrotondati 5"/>
           <p:cNvSpPr/>
           <p:nvPr/>
         </p:nvSpPr>
@@ -19288,13 +17514,7 @@
       </p:sp>
       <p:sp>
         <p:nvSpPr>
-          <p:cNvPr id="7" name="Rettangolo con angoli arrotondati 6">
-            <a:extLst>
-              <a:ext uri="{FF2B5EF4-FFF2-40B4-BE49-F238E27FC236}">
-                <a16:creationId xmlns:a16="http://schemas.microsoft.com/office/drawing/2014/main" id="{E6AF2BEB-D583-7D4D-811C-B95D2031F79E}"/>
-              </a:ext>
-            </a:extLst>
-          </p:cNvPr>
+          <p:cNvPr id="7" name="Rettangolo con angoli arrotondati 6"/>
           <p:cNvSpPr/>
           <p:nvPr/>
         </p:nvSpPr>
@@ -19338,13 +17558,7 @@
       </p:sp>
       <p:sp>
         <p:nvSpPr>
-          <p:cNvPr id="9" name="CasellaDiTesto 8">
-            <a:extLst>
-              <a:ext uri="{FF2B5EF4-FFF2-40B4-BE49-F238E27FC236}">
-                <a16:creationId xmlns:a16="http://schemas.microsoft.com/office/drawing/2014/main" id="{2BDB1C66-4DEA-F049-B534-7A43A066061B}"/>
-              </a:ext>
-            </a:extLst>
-          </p:cNvPr>
+          <p:cNvPr id="9" name="CasellaDiTesto 8"/>
           <p:cNvSpPr txBox="1"/>
           <p:nvPr/>
         </p:nvSpPr>
@@ -19369,18 +17583,13 @@
               <a:rPr lang="en-GB" dirty="0"/>
               <a:t>Initialization</a:t>
             </a:r>
-          </a:p>
-        </p:txBody>
-      </p:sp>
-      <p:sp>
-        <p:nvSpPr>
-          <p:cNvPr id="10" name="Rettangolo con angoli arrotondati 9">
-            <a:extLst>
-              <a:ext uri="{FF2B5EF4-FFF2-40B4-BE49-F238E27FC236}">
-                <a16:creationId xmlns:a16="http://schemas.microsoft.com/office/drawing/2014/main" id="{134D408C-BB9C-E94A-94B5-89071C241ED0}"/>
-              </a:ext>
-            </a:extLst>
-          </p:cNvPr>
+            <a:endParaRPr lang="en-GB" dirty="0"/>
+          </a:p>
+        </p:txBody>
+      </p:sp>
+      <p:sp>
+        <p:nvSpPr>
+          <p:cNvPr id="10" name="Rettangolo con angoli arrotondati 9"/>
           <p:cNvSpPr/>
           <p:nvPr/>
         </p:nvSpPr>
@@ -19427,16 +17636,8 @@
       </p:sp>
       <p:cxnSp>
         <p:nvCxnSpPr>
-          <p:cNvPr id="11" name="Connettore 4 10">
-            <a:extLst>
-              <a:ext uri="{FF2B5EF4-FFF2-40B4-BE49-F238E27FC236}">
-                <a16:creationId xmlns:a16="http://schemas.microsoft.com/office/drawing/2014/main" id="{EFF78362-BD3E-1D4D-A9D4-CF3DEFC5E2CC}"/>
-              </a:ext>
-            </a:extLst>
-          </p:cNvPr>
-          <p:cNvCxnSpPr>
-            <a:cxnSpLocks/>
-          </p:cNvCxnSpPr>
+          <p:cNvPr id="11" name="Connettore 4 10"/>
+          <p:cNvCxnSpPr/>
           <p:nvPr/>
         </p:nvCxnSpPr>
         <p:spPr>
@@ -19467,16 +17668,8 @@
       </p:cxnSp>
       <p:cxnSp>
         <p:nvCxnSpPr>
-          <p:cNvPr id="12" name="Connettore 1 11">
-            <a:extLst>
-              <a:ext uri="{FF2B5EF4-FFF2-40B4-BE49-F238E27FC236}">
-                <a16:creationId xmlns:a16="http://schemas.microsoft.com/office/drawing/2014/main" id="{E1F372AE-F8D9-F740-9217-F6630832B589}"/>
-              </a:ext>
-            </a:extLst>
-          </p:cNvPr>
-          <p:cNvCxnSpPr>
-            <a:cxnSpLocks/>
-          </p:cNvCxnSpPr>
+          <p:cNvPr id="12" name="Connettore 1 11"/>
+          <p:cNvCxnSpPr/>
           <p:nvPr/>
         </p:nvCxnSpPr>
         <p:spPr>
@@ -19505,16 +17698,8 @@
       </p:cxnSp>
       <p:cxnSp>
         <p:nvCxnSpPr>
-          <p:cNvPr id="13" name="Connettore 1 12">
-            <a:extLst>
-              <a:ext uri="{FF2B5EF4-FFF2-40B4-BE49-F238E27FC236}">
-                <a16:creationId xmlns:a16="http://schemas.microsoft.com/office/drawing/2014/main" id="{D76692BD-F6AE-9343-893B-9D7EDFE7DC31}"/>
-              </a:ext>
-            </a:extLst>
-          </p:cNvPr>
-          <p:cNvCxnSpPr>
-            <a:cxnSpLocks/>
-          </p:cNvCxnSpPr>
+          <p:cNvPr id="13" name="Connettore 1 12"/>
+          <p:cNvCxnSpPr/>
           <p:nvPr/>
         </p:nvCxnSpPr>
         <p:spPr>
@@ -19543,13 +17728,7 @@
       </p:cxnSp>
       <p:sp>
         <p:nvSpPr>
-          <p:cNvPr id="14" name="CasellaDiTesto 13">
-            <a:extLst>
-              <a:ext uri="{FF2B5EF4-FFF2-40B4-BE49-F238E27FC236}">
-                <a16:creationId xmlns:a16="http://schemas.microsoft.com/office/drawing/2014/main" id="{44FB8A51-1470-BA40-A4C4-7CBDFA39A4D6}"/>
-              </a:ext>
-            </a:extLst>
-          </p:cNvPr>
+          <p:cNvPr id="14" name="CasellaDiTesto 13"/>
           <p:cNvSpPr txBox="1"/>
           <p:nvPr/>
         </p:nvSpPr>
@@ -19574,18 +17753,13 @@
               <a:rPr lang="en-GB" dirty="0"/>
               <a:t>Evolution</a:t>
             </a:r>
-          </a:p>
-        </p:txBody>
-      </p:sp>
-      <p:sp>
-        <p:nvSpPr>
-          <p:cNvPr id="15" name="CasellaDiTesto 14">
-            <a:extLst>
-              <a:ext uri="{FF2B5EF4-FFF2-40B4-BE49-F238E27FC236}">
-                <a16:creationId xmlns:a16="http://schemas.microsoft.com/office/drawing/2014/main" id="{21F18D16-0104-8149-94A8-28086F2B123D}"/>
-              </a:ext>
-            </a:extLst>
-          </p:cNvPr>
+            <a:endParaRPr lang="en-GB" dirty="0"/>
+          </a:p>
+        </p:txBody>
+      </p:sp>
+      <p:sp>
+        <p:nvSpPr>
+          <p:cNvPr id="15" name="CasellaDiTesto 14"/>
           <p:cNvSpPr txBox="1"/>
           <p:nvPr/>
         </p:nvSpPr>
@@ -19610,18 +17784,13 @@
               <a:rPr lang="en-GB" dirty="0"/>
               <a:t>Reporting</a:t>
             </a:r>
-          </a:p>
-        </p:txBody>
-      </p:sp>
-      <p:sp>
-        <p:nvSpPr>
-          <p:cNvPr id="16" name="Rettangolo con angoli arrotondati 15">
-            <a:extLst>
-              <a:ext uri="{FF2B5EF4-FFF2-40B4-BE49-F238E27FC236}">
-                <a16:creationId xmlns:a16="http://schemas.microsoft.com/office/drawing/2014/main" id="{6CC6E6D3-08E8-184E-A34B-E99E07E16B96}"/>
-              </a:ext>
-            </a:extLst>
-          </p:cNvPr>
+            <a:endParaRPr lang="en-GB" dirty="0"/>
+          </a:p>
+        </p:txBody>
+      </p:sp>
+      <p:sp>
+        <p:nvSpPr>
+          <p:cNvPr id="16" name="Rettangolo con angoli arrotondati 15"/>
           <p:cNvSpPr/>
           <p:nvPr/>
         </p:nvSpPr>
@@ -19670,13 +17839,7 @@
       </p:sp>
       <p:sp>
         <p:nvSpPr>
-          <p:cNvPr id="17" name="Rettangolo con angoli arrotondati 16">
-            <a:extLst>
-              <a:ext uri="{FF2B5EF4-FFF2-40B4-BE49-F238E27FC236}">
-                <a16:creationId xmlns:a16="http://schemas.microsoft.com/office/drawing/2014/main" id="{A4E74587-CE96-2741-A1E3-6D902383FE9F}"/>
-              </a:ext>
-            </a:extLst>
-          </p:cNvPr>
+          <p:cNvPr id="17" name="Rettangolo con angoli arrotondati 16"/>
           <p:cNvSpPr/>
           <p:nvPr/>
         </p:nvSpPr>
@@ -19725,13 +17888,7 @@
       </p:sp>
       <p:sp>
         <p:nvSpPr>
-          <p:cNvPr id="18" name="Rettangolo con angoli arrotondati 17">
-            <a:extLst>
-              <a:ext uri="{FF2B5EF4-FFF2-40B4-BE49-F238E27FC236}">
-                <a16:creationId xmlns:a16="http://schemas.microsoft.com/office/drawing/2014/main" id="{6D5796DF-AF2A-B74E-92D0-1B6C4004D6AD}"/>
-              </a:ext>
-            </a:extLst>
-          </p:cNvPr>
+          <p:cNvPr id="18" name="Rettangolo con angoli arrotondati 17"/>
           <p:cNvSpPr/>
           <p:nvPr/>
         </p:nvSpPr>
@@ -19780,13 +17937,7 @@
       </p:sp>
       <p:sp>
         <p:nvSpPr>
-          <p:cNvPr id="19" name="Rettangolo con angoli arrotondati 18">
-            <a:extLst>
-              <a:ext uri="{FF2B5EF4-FFF2-40B4-BE49-F238E27FC236}">
-                <a16:creationId xmlns:a16="http://schemas.microsoft.com/office/drawing/2014/main" id="{16196B06-8F60-4646-8A82-C38E220C649F}"/>
-              </a:ext>
-            </a:extLst>
-          </p:cNvPr>
+          <p:cNvPr id="19" name="Rettangolo con angoli arrotondati 18"/>
           <p:cNvSpPr/>
           <p:nvPr/>
         </p:nvSpPr>
@@ -19835,13 +17986,7 @@
       </p:sp>
       <p:sp>
         <p:nvSpPr>
-          <p:cNvPr id="20" name="Rettangolo con angoli arrotondati 19">
-            <a:extLst>
-              <a:ext uri="{FF2B5EF4-FFF2-40B4-BE49-F238E27FC236}">
-                <a16:creationId xmlns:a16="http://schemas.microsoft.com/office/drawing/2014/main" id="{4472D42F-DDA8-6747-8800-7FF4E3734239}"/>
-              </a:ext>
-            </a:extLst>
-          </p:cNvPr>
+          <p:cNvPr id="20" name="Rettangolo con angoli arrotondati 19"/>
           <p:cNvSpPr/>
           <p:nvPr/>
         </p:nvSpPr>
@@ -19890,13 +18035,7 @@
       </p:sp>
       <p:sp>
         <p:nvSpPr>
-          <p:cNvPr id="21" name="CasellaDiTesto 20">
-            <a:extLst>
-              <a:ext uri="{FF2B5EF4-FFF2-40B4-BE49-F238E27FC236}">
-                <a16:creationId xmlns:a16="http://schemas.microsoft.com/office/drawing/2014/main" id="{EF295A1F-8F9E-7C47-A6BB-D51205DAB5A4}"/>
-              </a:ext>
-            </a:extLst>
-          </p:cNvPr>
+          <p:cNvPr id="21" name="CasellaDiTesto 20"/>
           <p:cNvSpPr txBox="1"/>
           <p:nvPr/>
         </p:nvSpPr>
@@ -19920,6 +18059,7 @@
               <a:rPr lang="en-GB" sz="2200" dirty="0"/>
               <a:t>1</a:t>
             </a:r>
+            <a:endParaRPr lang="en-GB" sz="2200" dirty="0"/>
           </a:p>
           <a:p>
             <a:endParaRPr lang="en-GB" sz="2200" dirty="0"/>
@@ -19929,6 +18069,7 @@
               <a:rPr lang="en-GB" sz="2200" dirty="0"/>
               <a:t>2</a:t>
             </a:r>
+            <a:endParaRPr lang="en-GB" sz="2200" dirty="0"/>
           </a:p>
           <a:p>
             <a:endParaRPr lang="en-GB" sz="2200" dirty="0"/>
@@ -19938,18 +18079,13 @@
               <a:rPr lang="en-GB" sz="2200" dirty="0"/>
               <a:t>3</a:t>
             </a:r>
-          </a:p>
-        </p:txBody>
-      </p:sp>
-      <p:sp>
-        <p:nvSpPr>
-          <p:cNvPr id="22" name="CasellaDiTesto 21">
-            <a:extLst>
-              <a:ext uri="{FF2B5EF4-FFF2-40B4-BE49-F238E27FC236}">
-                <a16:creationId xmlns:a16="http://schemas.microsoft.com/office/drawing/2014/main" id="{E616A031-BDA9-E046-8670-176E085C4920}"/>
-              </a:ext>
-            </a:extLst>
-          </p:cNvPr>
+            <a:endParaRPr lang="en-GB" sz="2200" dirty="0"/>
+          </a:p>
+        </p:txBody>
+      </p:sp>
+      <p:sp>
+        <p:nvSpPr>
+          <p:cNvPr id="22" name="CasellaDiTesto 21"/>
           <p:cNvSpPr txBox="1"/>
           <p:nvPr/>
         </p:nvSpPr>
@@ -19973,6 +18109,7 @@
               <a:rPr lang="en-GB" sz="2200" dirty="0"/>
               <a:t>4</a:t>
             </a:r>
+            <a:endParaRPr lang="en-GB" sz="2200" dirty="0"/>
           </a:p>
           <a:p>
             <a:endParaRPr lang="en-GB" sz="2200" dirty="0"/>
@@ -19982,6 +18119,7 @@
               <a:rPr lang="en-GB" sz="2200" dirty="0"/>
               <a:t>5</a:t>
             </a:r>
+            <a:endParaRPr lang="en-GB" sz="2200" dirty="0"/>
           </a:p>
           <a:p>
             <a:endParaRPr lang="en-GB" sz="2200" dirty="0"/>
@@ -19991,28 +18129,23 @@
               <a:rPr lang="en-GB" sz="2200" dirty="0"/>
               <a:t>6</a:t>
             </a:r>
+            <a:endParaRPr lang="en-GB" sz="2200" dirty="0"/>
           </a:p>
         </p:txBody>
       </p:sp>
       <p:pic>
         <p:nvPicPr>
-          <p:cNvPr id="23" name="Elemento grafico 22" descr="Aggiorna contorno">
-            <a:extLst>
-              <a:ext uri="{FF2B5EF4-FFF2-40B4-BE49-F238E27FC236}">
-                <a16:creationId xmlns:a16="http://schemas.microsoft.com/office/drawing/2014/main" id="{BE9A9E35-8DC7-7945-8781-EFBA6EBFFFC0}"/>
-              </a:ext>
-            </a:extLst>
-          </p:cNvPr>
+          <p:cNvPr id="23" name="Elemento grafico 22" descr="Aggiorna contorno"/>
           <p:cNvPicPr>
             <a:picLocks noChangeAspect="1"/>
           </p:cNvPicPr>
           <p:nvPr/>
         </p:nvPicPr>
         <p:blipFill>
-          <a:blip r:embed="rId3">
+          <a:blip r:embed="rId1">
             <a:extLst>
               <a:ext uri="{96DAC541-7B7A-43D3-8B79-37D633B846F1}">
-                <asvg:svgBlip xmlns:asvg="http://schemas.microsoft.com/office/drawing/2016/SVG/main" r:embed="rId4"/>
+                <asvg:svgBlip xmlns:asvg="http://schemas.microsoft.com/office/drawing/2016/SVG/main" r:embed="rId2"/>
               </a:ext>
             </a:extLst>
           </a:blip>
@@ -20032,16 +18165,8 @@
       </p:pic>
       <p:cxnSp>
         <p:nvCxnSpPr>
-          <p:cNvPr id="25" name="Connettore 1 24">
-            <a:extLst>
-              <a:ext uri="{FF2B5EF4-FFF2-40B4-BE49-F238E27FC236}">
-                <a16:creationId xmlns:a16="http://schemas.microsoft.com/office/drawing/2014/main" id="{D1C2FABE-8AEF-4241-9F5C-EDD65A26F3A1}"/>
-              </a:ext>
-            </a:extLst>
-          </p:cNvPr>
-          <p:cNvCxnSpPr>
-            <a:cxnSpLocks/>
-          </p:cNvCxnSpPr>
+          <p:cNvPr id="25" name="Connettore 1 24"/>
+          <p:cNvCxnSpPr/>
           <p:nvPr/>
         </p:nvCxnSpPr>
         <p:spPr>
@@ -20070,13 +18195,7 @@
       </p:cxnSp>
       <p:sp>
         <p:nvSpPr>
-          <p:cNvPr id="26" name="Rettangolo con angoli arrotondati 25">
-            <a:extLst>
-              <a:ext uri="{FF2B5EF4-FFF2-40B4-BE49-F238E27FC236}">
-                <a16:creationId xmlns:a16="http://schemas.microsoft.com/office/drawing/2014/main" id="{C82B3B82-5737-894F-BF7A-BFCD2E78E950}"/>
-              </a:ext>
-            </a:extLst>
-          </p:cNvPr>
+          <p:cNvPr id="26" name="Rettangolo con angoli arrotondati 25"/>
           <p:cNvSpPr/>
           <p:nvPr/>
         </p:nvSpPr>
@@ -20120,13 +18239,7 @@
       </p:sp>
       <p:sp>
         <p:nvSpPr>
-          <p:cNvPr id="27" name="Rettangolo con angoli arrotondati 26">
-            <a:extLst>
-              <a:ext uri="{FF2B5EF4-FFF2-40B4-BE49-F238E27FC236}">
-                <a16:creationId xmlns:a16="http://schemas.microsoft.com/office/drawing/2014/main" id="{AE9E8C94-0D8F-774A-B687-437D415A8317}"/>
-              </a:ext>
-            </a:extLst>
-          </p:cNvPr>
+          <p:cNvPr id="27" name="Rettangolo con angoli arrotondati 26"/>
           <p:cNvSpPr/>
           <p:nvPr/>
         </p:nvSpPr>
@@ -20178,13 +18291,7 @@
       </p:sp>
       <p:sp>
         <p:nvSpPr>
-          <p:cNvPr id="28" name="Rettangolo con angoli arrotondati 27">
-            <a:extLst>
-              <a:ext uri="{FF2B5EF4-FFF2-40B4-BE49-F238E27FC236}">
-                <a16:creationId xmlns:a16="http://schemas.microsoft.com/office/drawing/2014/main" id="{E5140B74-EAB3-7540-A5F7-5D120874528D}"/>
-              </a:ext>
-            </a:extLst>
-          </p:cNvPr>
+          <p:cNvPr id="28" name="Rettangolo con angoli arrotondati 27"/>
           <p:cNvSpPr/>
           <p:nvPr/>
         </p:nvSpPr>
@@ -20228,13 +18335,7 @@
       </p:sp>
       <p:sp>
         <p:nvSpPr>
-          <p:cNvPr id="29" name="CasellaDiTesto 28">
-            <a:extLst>
-              <a:ext uri="{FF2B5EF4-FFF2-40B4-BE49-F238E27FC236}">
-                <a16:creationId xmlns:a16="http://schemas.microsoft.com/office/drawing/2014/main" id="{351D6086-6779-774D-993C-93AF4BD1FC71}"/>
-              </a:ext>
-            </a:extLst>
-          </p:cNvPr>
+          <p:cNvPr id="29" name="CasellaDiTesto 28"/>
           <p:cNvSpPr txBox="1"/>
           <p:nvPr/>
         </p:nvSpPr>
@@ -20263,18 +18364,13 @@
               <a:rPr lang="en-GB" dirty="0"/>
               <a:t> Initialization</a:t>
             </a:r>
-          </a:p>
-        </p:txBody>
-      </p:sp>
-      <p:sp>
-        <p:nvSpPr>
-          <p:cNvPr id="31" name="Rettangolo con angoli arrotondati 30">
-            <a:extLst>
-              <a:ext uri="{FF2B5EF4-FFF2-40B4-BE49-F238E27FC236}">
-                <a16:creationId xmlns:a16="http://schemas.microsoft.com/office/drawing/2014/main" id="{9067B19A-89EE-7947-8C9D-EC962F627DC9}"/>
-              </a:ext>
-            </a:extLst>
-          </p:cNvPr>
+            <a:endParaRPr lang="en-GB" dirty="0"/>
+          </a:p>
+        </p:txBody>
+      </p:sp>
+      <p:sp>
+        <p:nvSpPr>
+          <p:cNvPr id="31" name="Rettangolo con angoli arrotondati 30"/>
           <p:cNvSpPr/>
           <p:nvPr/>
         </p:nvSpPr>
@@ -20320,13 +18416,7 @@
       </p:sp>
       <p:sp>
         <p:nvSpPr>
-          <p:cNvPr id="32" name="CasellaDiTesto 31">
-            <a:extLst>
-              <a:ext uri="{FF2B5EF4-FFF2-40B4-BE49-F238E27FC236}">
-                <a16:creationId xmlns:a16="http://schemas.microsoft.com/office/drawing/2014/main" id="{035F0B13-2BED-DA4C-A243-A274C6ADF914}"/>
-              </a:ext>
-            </a:extLst>
-          </p:cNvPr>
+          <p:cNvPr id="32" name="CasellaDiTesto 31"/>
           <p:cNvSpPr txBox="1"/>
           <p:nvPr/>
         </p:nvSpPr>
@@ -20362,24 +18452,20 @@
               <a:rPr lang="en-GB" sz="1600" dirty="0"/>
               <a:t> step</a:t>
             </a:r>
+            <a:endParaRPr lang="en-GB" sz="1600" dirty="0"/>
           </a:p>
           <a:p>
             <a:r>
               <a:rPr lang="en-GB" sz="1600" dirty="0"/>
               <a:t>s+1 (device)</a:t>
             </a:r>
-          </a:p>
-        </p:txBody>
-      </p:sp>
-      <p:sp>
-        <p:nvSpPr>
-          <p:cNvPr id="33" name="CasellaDiTesto 32">
-            <a:extLst>
-              <a:ext uri="{FF2B5EF4-FFF2-40B4-BE49-F238E27FC236}">
-                <a16:creationId xmlns:a16="http://schemas.microsoft.com/office/drawing/2014/main" id="{6598E8E0-BD1D-9545-BD8F-88FB15D9C1C2}"/>
-              </a:ext>
-            </a:extLst>
-          </p:cNvPr>
+            <a:endParaRPr lang="en-GB" sz="1600" dirty="0"/>
+          </a:p>
+        </p:txBody>
+      </p:sp>
+      <p:sp>
+        <p:nvSpPr>
+          <p:cNvPr id="33" name="CasellaDiTesto 32"/>
           <p:cNvSpPr txBox="1"/>
           <p:nvPr/>
         </p:nvSpPr>
@@ -20412,13 +18498,7 @@
       </p:sp>
       <p:sp>
         <p:nvSpPr>
-          <p:cNvPr id="34" name="Rettangolo con angoli arrotondati 33">
-            <a:extLst>
-              <a:ext uri="{FF2B5EF4-FFF2-40B4-BE49-F238E27FC236}">
-                <a16:creationId xmlns:a16="http://schemas.microsoft.com/office/drawing/2014/main" id="{24E5C537-B5B6-AF40-8FFF-ACBBF79B9EFB}"/>
-              </a:ext>
-            </a:extLst>
-          </p:cNvPr>
+          <p:cNvPr id="34" name="Rettangolo con angoli arrotondati 33"/>
           <p:cNvSpPr/>
           <p:nvPr/>
         </p:nvSpPr>
@@ -20464,13 +18544,7 @@
       </p:sp>
       <p:sp>
         <p:nvSpPr>
-          <p:cNvPr id="35" name="CasellaDiTesto 34">
-            <a:extLst>
-              <a:ext uri="{FF2B5EF4-FFF2-40B4-BE49-F238E27FC236}">
-                <a16:creationId xmlns:a16="http://schemas.microsoft.com/office/drawing/2014/main" id="{1F1CA19D-CC3B-5242-A9C6-A63ED0D68DEE}"/>
-              </a:ext>
-            </a:extLst>
-          </p:cNvPr>
+          <p:cNvPr id="35" name="CasellaDiTesto 34"/>
           <p:cNvSpPr txBox="1"/>
           <p:nvPr/>
         </p:nvSpPr>
@@ -20506,24 +18580,20 @@
               <a:rPr lang="en-GB" sz="1600" dirty="0"/>
               <a:t> step </a:t>
             </a:r>
+            <a:endParaRPr lang="en-GB" sz="1600" dirty="0"/>
           </a:p>
           <a:p>
             <a:r>
               <a:rPr lang="en-GB" sz="1600" dirty="0"/>
               <a:t>s (host)</a:t>
             </a:r>
-          </a:p>
-        </p:txBody>
-      </p:sp>
-      <p:sp>
-        <p:nvSpPr>
-          <p:cNvPr id="36" name="Rettangolo con angoli arrotondati 35">
-            <a:extLst>
-              <a:ext uri="{FF2B5EF4-FFF2-40B4-BE49-F238E27FC236}">
-                <a16:creationId xmlns:a16="http://schemas.microsoft.com/office/drawing/2014/main" id="{9A809071-06F5-5348-85CE-AADB7DB73526}"/>
-              </a:ext>
-            </a:extLst>
-          </p:cNvPr>
+            <a:endParaRPr lang="en-GB" sz="1600" dirty="0"/>
+          </a:p>
+        </p:txBody>
+      </p:sp>
+      <p:sp>
+        <p:nvSpPr>
+          <p:cNvPr id="36" name="Rettangolo con angoli arrotondati 35"/>
           <p:cNvSpPr/>
           <p:nvPr/>
         </p:nvSpPr>
@@ -20580,13 +18650,7 @@
       </p:sp>
       <p:sp>
         <p:nvSpPr>
-          <p:cNvPr id="37" name="CasellaDiTesto 36">
-            <a:extLst>
-              <a:ext uri="{FF2B5EF4-FFF2-40B4-BE49-F238E27FC236}">
-                <a16:creationId xmlns:a16="http://schemas.microsoft.com/office/drawing/2014/main" id="{3DC0F7CE-F343-4C45-9D9F-4396405F01B6}"/>
-              </a:ext>
-            </a:extLst>
-          </p:cNvPr>
+          <p:cNvPr id="37" name="CasellaDiTesto 36"/>
           <p:cNvSpPr txBox="1"/>
           <p:nvPr/>
         </p:nvSpPr>
@@ -20610,21 +18674,14 @@
               <a:rPr lang="en-GB" sz="2200" dirty="0"/>
               <a:t>7</a:t>
             </a:r>
+            <a:endParaRPr lang="en-GB" sz="2200" dirty="0"/>
           </a:p>
         </p:txBody>
       </p:sp>
       <p:cxnSp>
         <p:nvCxnSpPr>
-          <p:cNvPr id="39" name="Connettore 4 38">
-            <a:extLst>
-              <a:ext uri="{FF2B5EF4-FFF2-40B4-BE49-F238E27FC236}">
-                <a16:creationId xmlns:a16="http://schemas.microsoft.com/office/drawing/2014/main" id="{EF2C6B7D-D0E8-8D48-807C-70A8BA788131}"/>
-              </a:ext>
-            </a:extLst>
-          </p:cNvPr>
-          <p:cNvCxnSpPr>
-            <a:cxnSpLocks/>
-          </p:cNvCxnSpPr>
+          <p:cNvPr id="39" name="Connettore 4 38"/>
+          <p:cNvCxnSpPr/>
           <p:nvPr/>
         </p:nvCxnSpPr>
         <p:spPr>
@@ -20655,13 +18712,7 @@
       </p:cxnSp>
       <p:sp>
         <p:nvSpPr>
-          <p:cNvPr id="43" name="Rettangolo con angoli arrotondati 42">
-            <a:extLst>
-              <a:ext uri="{FF2B5EF4-FFF2-40B4-BE49-F238E27FC236}">
-                <a16:creationId xmlns:a16="http://schemas.microsoft.com/office/drawing/2014/main" id="{A91FD783-97AD-EC41-AA1D-3FB64E2E4748}"/>
-              </a:ext>
-            </a:extLst>
-          </p:cNvPr>
+          <p:cNvPr id="43" name="Rettangolo con angoli arrotondati 42"/>
           <p:cNvSpPr/>
           <p:nvPr/>
         </p:nvSpPr>
@@ -20707,13 +18758,7 @@
       </p:sp>
       <p:sp>
         <p:nvSpPr>
-          <p:cNvPr id="44" name="CasellaDiTesto 43">
-            <a:extLst>
-              <a:ext uri="{FF2B5EF4-FFF2-40B4-BE49-F238E27FC236}">
-                <a16:creationId xmlns:a16="http://schemas.microsoft.com/office/drawing/2014/main" id="{731ACC10-93C6-1A4F-AA91-91F635F8A392}"/>
-              </a:ext>
-            </a:extLst>
-          </p:cNvPr>
+          <p:cNvPr id="44" name="CasellaDiTesto 43"/>
           <p:cNvSpPr txBox="1"/>
           <p:nvPr/>
         </p:nvSpPr>
@@ -20761,13 +18806,7 @@
       </p:sp>
       <p:sp>
         <p:nvSpPr>
-          <p:cNvPr id="46" name="CasellaDiTesto 45">
-            <a:extLst>
-              <a:ext uri="{FF2B5EF4-FFF2-40B4-BE49-F238E27FC236}">
-                <a16:creationId xmlns:a16="http://schemas.microsoft.com/office/drawing/2014/main" id="{1246D36D-3F04-A844-AE5B-A9AA57A30E4C}"/>
-              </a:ext>
-            </a:extLst>
-          </p:cNvPr>
+          <p:cNvPr id="46" name="CasellaDiTesto 45"/>
           <p:cNvSpPr txBox="1"/>
           <p:nvPr/>
         </p:nvSpPr>
@@ -20791,18 +18830,13 @@
               <a:rPr lang="en-GB" dirty="0"/>
               <a:t>GPU (stream0)                         CPU                            GPU (stream0)</a:t>
             </a:r>
-          </a:p>
-        </p:txBody>
-      </p:sp>
-      <p:sp>
-        <p:nvSpPr>
-          <p:cNvPr id="47" name="CasellaDiTesto 46">
-            <a:extLst>
-              <a:ext uri="{FF2B5EF4-FFF2-40B4-BE49-F238E27FC236}">
-                <a16:creationId xmlns:a16="http://schemas.microsoft.com/office/drawing/2014/main" id="{F40B0576-4DEE-F54E-8647-B8B651B27A7C}"/>
-              </a:ext>
-            </a:extLst>
-          </p:cNvPr>
+            <a:endParaRPr lang="en-GB" dirty="0"/>
+          </a:p>
+        </p:txBody>
+      </p:sp>
+      <p:sp>
+        <p:nvSpPr>
+          <p:cNvPr id="47" name="CasellaDiTesto 46"/>
           <p:cNvSpPr txBox="1"/>
           <p:nvPr/>
         </p:nvSpPr>
@@ -20827,18 +18861,13 @@
               <a:rPr lang="en-GB" dirty="0"/>
               <a:t>Memory Management</a:t>
             </a:r>
-          </a:p>
-        </p:txBody>
-      </p:sp>
-      <p:sp>
-        <p:nvSpPr>
-          <p:cNvPr id="40" name="Rettangolo con angoli arrotondati 39">
-            <a:extLst>
-              <a:ext uri="{FF2B5EF4-FFF2-40B4-BE49-F238E27FC236}">
-                <a16:creationId xmlns:a16="http://schemas.microsoft.com/office/drawing/2014/main" id="{BE96BD8F-E95B-A946-9875-C7FEB69B83D1}"/>
-              </a:ext>
-            </a:extLst>
-          </p:cNvPr>
+            <a:endParaRPr lang="en-GB" dirty="0"/>
+          </a:p>
+        </p:txBody>
+      </p:sp>
+      <p:sp>
+        <p:nvSpPr>
+          <p:cNvPr id="40" name="Rettangolo con angoli arrotondati 39"/>
           <p:cNvSpPr/>
           <p:nvPr/>
         </p:nvSpPr>
@@ -20886,11 +18915,6 @@
         </p:txBody>
       </p:sp>
     </p:spTree>
-    <p:extLst>
-      <p:ext uri="{BB962C8B-B14F-4D97-AF65-F5344CB8AC3E}">
-        <p14:creationId xmlns:p14="http://schemas.microsoft.com/office/powerpoint/2010/main" val="1654254033"/>
-      </p:ext>
-    </p:extLst>
   </p:cSld>
   <p:clrMapOvr>
     <a:masterClrMapping/>
@@ -20941,7 +18965,7 @@
     </a:clrScheme>
     <a:fontScheme name="Office">
       <a:majorFont>
-        <a:latin typeface="Calibri Light" panose="020F0302020204030204"/>
+        <a:latin typeface="Calibri Light"/>
         <a:ea typeface=""/>
         <a:cs typeface=""/>
         <a:font script="Jpan" typeface="游ゴシック Light"/>
@@ -20974,26 +18998,9 @@
         <a:font script="Viet" typeface="Times New Roman"/>
         <a:font script="Uigh" typeface="Microsoft Uighur"/>
         <a:font script="Geor" typeface="Sylfaen"/>
-        <a:font script="Armn" typeface="Arial"/>
-        <a:font script="Bugi" typeface="Leelawadee UI"/>
-        <a:font script="Bopo" typeface="Microsoft JhengHei"/>
-        <a:font script="Java" typeface="Javanese Text"/>
-        <a:font script="Lisu" typeface="Segoe UI"/>
-        <a:font script="Mymr" typeface="Myanmar Text"/>
-        <a:font script="Nkoo" typeface="Ebrima"/>
-        <a:font script="Olck" typeface="Nirmala UI"/>
-        <a:font script="Osma" typeface="Ebrima"/>
-        <a:font script="Phag" typeface="Phagspa"/>
-        <a:font script="Syrn" typeface="Estrangelo Edessa"/>
-        <a:font script="Syrj" typeface="Estrangelo Edessa"/>
-        <a:font script="Syre" typeface="Estrangelo Edessa"/>
-        <a:font script="Sora" typeface="Nirmala UI"/>
-        <a:font script="Tale" typeface="Microsoft Tai Le"/>
-        <a:font script="Talu" typeface="Microsoft New Tai Lue"/>
-        <a:font script="Tfng" typeface="Ebrima"/>
       </a:majorFont>
       <a:minorFont>
-        <a:latin typeface="Calibri" panose="020F0502020204030204"/>
+        <a:latin typeface="Calibri"/>
         <a:ea typeface=""/>
         <a:cs typeface=""/>
         <a:font script="Jpan" typeface="游ゴシック"/>
@@ -21026,23 +19033,6 @@
         <a:font script="Viet" typeface="Arial"/>
         <a:font script="Uigh" typeface="Microsoft Uighur"/>
         <a:font script="Geor" typeface="Sylfaen"/>
-        <a:font script="Armn" typeface="Arial"/>
-        <a:font script="Bugi" typeface="Leelawadee UI"/>
-        <a:font script="Bopo" typeface="Microsoft JhengHei"/>
-        <a:font script="Java" typeface="Javanese Text"/>
-        <a:font script="Lisu" typeface="Segoe UI"/>
-        <a:font script="Mymr" typeface="Myanmar Text"/>
-        <a:font script="Nkoo" typeface="Ebrima"/>
-        <a:font script="Olck" typeface="Nirmala UI"/>
-        <a:font script="Osma" typeface="Ebrima"/>
-        <a:font script="Phag" typeface="Phagspa"/>
-        <a:font script="Syrn" typeface="Estrangelo Edessa"/>
-        <a:font script="Syrj" typeface="Estrangelo Edessa"/>
-        <a:font script="Syre" typeface="Estrangelo Edessa"/>
-        <a:font script="Sora" typeface="Nirmala UI"/>
-        <a:font script="Tale" typeface="Microsoft Tai Le"/>
-        <a:font script="Talu" typeface="Microsoft New Tai Lue"/>
-        <a:font script="Tfng" typeface="Ebrima"/>
       </a:minorFont>
     </a:fontScheme>
     <a:fmtScheme name="Office">
@@ -21183,8 +19173,6 @@
       </a:bgFillStyleLst>
     </a:fmtScheme>
   </a:themeElements>
-  <a:objectDefaults/>
-  <a:extraClrSchemeLst/>
   <a:extLst>
     <a:ext uri="{05A4C25C-085E-4340-85A3-A5531E510DB2}">
       <thm15:themeFamily xmlns:thm15="http://schemas.microsoft.com/office/thememl/2012/main" name="Office Theme" id="{62F939B6-93AF-4DB8-9C6B-D6C7DFDC589F}" vid="{4A3C46E8-61CC-4603-A589-7422A47A8E4A}"/>
@@ -21236,7 +19224,7 @@
     </a:clrScheme>
     <a:fontScheme name="Office">
       <a:majorFont>
-        <a:latin typeface="Calibri Light" panose="020F0302020204030204"/>
+        <a:latin typeface="Calibri Light"/>
         <a:ea typeface=""/>
         <a:cs typeface=""/>
         <a:font script="Jpan" typeface="游ゴシック Light"/>
@@ -21269,26 +19257,9 @@
         <a:font script="Viet" typeface="Times New Roman"/>
         <a:font script="Uigh" typeface="Microsoft Uighur"/>
         <a:font script="Geor" typeface="Sylfaen"/>
-        <a:font script="Armn" typeface="Arial"/>
-        <a:font script="Bugi" typeface="Leelawadee UI"/>
-        <a:font script="Bopo" typeface="Microsoft JhengHei"/>
-        <a:font script="Java" typeface="Javanese Text"/>
-        <a:font script="Lisu" typeface="Segoe UI"/>
-        <a:font script="Mymr" typeface="Myanmar Text"/>
-        <a:font script="Nkoo" typeface="Ebrima"/>
-        <a:font script="Olck" typeface="Nirmala UI"/>
-        <a:font script="Osma" typeface="Ebrima"/>
-        <a:font script="Phag" typeface="Phagspa"/>
-        <a:font script="Syrn" typeface="Estrangelo Edessa"/>
-        <a:font script="Syrj" typeface="Estrangelo Edessa"/>
-        <a:font script="Syre" typeface="Estrangelo Edessa"/>
-        <a:font script="Sora" typeface="Nirmala UI"/>
-        <a:font script="Tale" typeface="Microsoft Tai Le"/>
-        <a:font script="Talu" typeface="Microsoft New Tai Lue"/>
-        <a:font script="Tfng" typeface="Ebrima"/>
       </a:majorFont>
       <a:minorFont>
-        <a:latin typeface="Calibri" panose="020F0502020204030204"/>
+        <a:latin typeface="Calibri"/>
         <a:ea typeface=""/>
         <a:cs typeface=""/>
         <a:font script="Jpan" typeface="游ゴシック"/>
@@ -21321,23 +19292,6 @@
         <a:font script="Viet" typeface="Arial"/>
         <a:font script="Uigh" typeface="Microsoft Uighur"/>
         <a:font script="Geor" typeface="Sylfaen"/>
-        <a:font script="Armn" typeface="Arial"/>
-        <a:font script="Bugi" typeface="Leelawadee UI"/>
-        <a:font script="Bopo" typeface="Microsoft JhengHei"/>
-        <a:font script="Java" typeface="Javanese Text"/>
-        <a:font script="Lisu" typeface="Segoe UI"/>
-        <a:font script="Mymr" typeface="Myanmar Text"/>
-        <a:font script="Nkoo" typeface="Ebrima"/>
-        <a:font script="Olck" typeface="Nirmala UI"/>
-        <a:font script="Osma" typeface="Ebrima"/>
-        <a:font script="Phag" typeface="Phagspa"/>
-        <a:font script="Syrn" typeface="Estrangelo Edessa"/>
-        <a:font script="Syrj" typeface="Estrangelo Edessa"/>
-        <a:font script="Syre" typeface="Estrangelo Edessa"/>
-        <a:font script="Sora" typeface="Nirmala UI"/>
-        <a:font script="Tale" typeface="Microsoft Tai Le"/>
-        <a:font script="Talu" typeface="Microsoft New Tai Lue"/>
-        <a:font script="Tfng" typeface="Ebrima"/>
       </a:minorFont>
     </a:fontScheme>
     <a:fmtScheme name="Office">
@@ -21478,8 +19432,6 @@
       </a:bgFillStyleLst>
     </a:fmtScheme>
   </a:themeElements>
-  <a:objectDefaults/>
-  <a:extraClrSchemeLst/>
   <a:extLst>
     <a:ext uri="{05A4C25C-085E-4340-85A3-A5531E510DB2}">
       <thm15:themeFamily xmlns:thm15="http://schemas.microsoft.com/office/thememl/2012/main" name="Office Theme" id="{62F939B6-93AF-4DB8-9C6B-D6C7DFDC589F}" vid="{4A3C46E8-61CC-4603-A589-7422A47A8E4A}"/>

--- a/presentazione/presentazione.pptx
+++ b/presentazione/presentazione.pptx
@@ -233,7 +233,7 @@
           </a:lstStyle>
           <a:p>
             <a:fld id="{C2F18786-6660-304F-82D1-7AC9C6F24691}" type="datetimeFigureOut">
-              <a:t>14/02/22</a:t>
+              <a:t>15/02/22</a:t>
             </a:fld>
             <a:endParaRPr lang="it-IT"/>
           </a:p>
@@ -410,7 +410,7 @@
           <a:p>
             <a:fld id="{5C4A7340-FBF5-C94B-B474-FFA8E9146F91}" type="datetimeFigureOut">
               <a:rPr lang="en-GB" smtClean="0"/>
-              <a:t>14/02/2022</a:t>
+              <a:t>15/02/2022</a:t>
             </a:fld>
             <a:endParaRPr lang="en-GB"/>
           </a:p>
@@ -11144,7 +11144,7 @@
                 <a:ea typeface="+mn-lt"/>
                 <a:cs typeface="+mn-lt"/>
               </a:rPr>
-              <a:t>Bandwidth effettivo = bytes (I/O) / Tp = </a:t>
+              <a:t>Bandwidth effettivo = bytes (I/O) / Tp = 673 GB/s</a:t>
             </a:r>
           </a:p>
           <a:p>
@@ -11162,14 +11162,14 @@
                 <a:ea typeface="+mn-lt"/>
                 <a:cs typeface="+mn-lt"/>
               </a:rPr>
-              <a:t>Flops</a:t>
+              <a:t>Flops </a:t>
             </a:r>
             <a:r>
               <a:rPr lang="en-US" sz="2000" baseline="-25000" dirty="0">
                 <a:ea typeface="+mn-lt"/>
                 <a:cs typeface="+mn-lt"/>
               </a:rPr>
-              <a:t>serial</a:t>
+              <a:t>paral effettivo</a:t>
             </a:r>
             <a:r>
               <a:rPr lang="en-US" sz="2000" dirty="0">
@@ -11190,49 +11190,49 @@
                 <a:ea typeface="+mn-lt"/>
                 <a:cs typeface="+mn-lt"/>
               </a:rPr>
-              <a:t>/ Ts =</a:t>
-            </a:r>
-          </a:p>
-          <a:p>
-            <a:r>
-              <a:rPr lang="en-US" sz="2000" dirty="0">
-                <a:ea typeface="+mn-lt"/>
-                <a:cs typeface="+mn-lt"/>
-              </a:rPr>
-              <a:t>Flops</a:t>
-            </a:r>
-            <a:r>
-              <a:rPr lang="en-US" sz="2000" baseline="-25000" dirty="0">
-                <a:ea typeface="+mn-lt"/>
-                <a:cs typeface="+mn-lt"/>
-              </a:rPr>
-              <a:t>para</a:t>
-            </a:r>
-            <a:r>
-              <a:rPr lang="en-US" sz="2000" dirty="0">
-                <a:ea typeface="+mn-lt"/>
-                <a:cs typeface="+mn-lt"/>
-              </a:rPr>
-              <a:t>l = N</a:t>
-            </a:r>
-            <a:r>
-              <a:rPr lang="en-US" sz="2000" baseline="-25000" dirty="0">
-                <a:ea typeface="+mn-lt"/>
-                <a:cs typeface="+mn-lt"/>
-              </a:rPr>
-              <a:t>floating-point-op </a:t>
-            </a:r>
-            <a:r>
-              <a:rPr lang="en-US" sz="2000" dirty="0">
-                <a:ea typeface="+mn-lt"/>
-                <a:cs typeface="+mn-lt"/>
-              </a:rPr>
-              <a:t>/ Tp =</a:t>
+              <a:t>/ Tp = 103,5 GFLOPS/s</a:t>
             </a:r>
             <a:endParaRPr lang="en-US" sz="2000" baseline="-25000" dirty="0">
               <a:ea typeface="+mn-lt"/>
               <a:cs typeface="+mn-lt"/>
             </a:endParaRPr>
+          </a:p>
+          <a:p>
+            <a:r>
+              <a:rPr lang="en-US" sz="2000" dirty="0">
+                <a:ea typeface="+mn-lt"/>
+                <a:cs typeface="+mn-lt"/>
+              </a:rPr>
+              <a:t>Flops</a:t>
+            </a:r>
+            <a:r>
+              <a:rPr lang="en-US" sz="2000" baseline="-25000" dirty="0">
+                <a:ea typeface="+mn-lt"/>
+                <a:cs typeface="+mn-lt"/>
+              </a:rPr>
+              <a:t> paral teorico</a:t>
+            </a:r>
+            <a:r>
+              <a:rPr lang="en-US" sz="2000" dirty="0">
+                <a:ea typeface="+mn-lt"/>
+                <a:cs typeface="+mn-lt"/>
+              </a:rPr>
+              <a:t> = N</a:t>
+            </a:r>
+            <a:r>
+              <a:rPr lang="en-US" sz="2000" baseline="-25000" dirty="0">
+                <a:ea typeface="+mn-lt"/>
+                <a:cs typeface="+mn-lt"/>
+              </a:rPr>
+              <a:t>floating-point-op </a:t>
+            </a:r>
+            <a:r>
+              <a:rPr lang="en-US" sz="2000" dirty="0">
+                <a:ea typeface="+mn-lt"/>
+                <a:cs typeface="+mn-lt"/>
+              </a:rPr>
+              <a:t>/ Ts = 599 GFLOPS/s</a:t>
+            </a:r>
           </a:p>
           <a:p>
             <a:endParaRPr lang="en-US" sz="2000" dirty="0">
